--- a/requirements/Snow_Cards.pptx
+++ b/requirements/Snow_Cards.pptx
@@ -6,10 +6,10 @@
     <p:sldMasterId id="2147483699" r:id="rId2"/>
   </p:sldMasterIdLst>
   <p:notesMasterIdLst>
-    <p:notesMasterId r:id="rId10"/>
+    <p:notesMasterId r:id="rId11"/>
   </p:notesMasterIdLst>
   <p:handoutMasterIdLst>
-    <p:handoutMasterId r:id="rId11"/>
+    <p:handoutMasterId r:id="rId12"/>
   </p:handoutMasterIdLst>
   <p:sldIdLst>
     <p:sldId id="309" r:id="rId3"/>
@@ -19,16 +19,17 @@
     <p:sldId id="326" r:id="rId7"/>
     <p:sldId id="324" r:id="rId8"/>
     <p:sldId id="327" r:id="rId9"/>
+    <p:sldId id="328" r:id="rId10"/>
   </p:sldIdLst>
   <p:sldSz cx="12192000" cy="6858000"/>
   <p:notesSz cx="9928225" cy="6797675"/>
   <p:embeddedFontLst>
     <p:embeddedFont>
       <p:font typeface="Roboto" panose="02000000000000000000" pitchFamily="2" charset="0"/>
-      <p:regular r:id="rId12"/>
-      <p:bold r:id="rId13"/>
-      <p:italic r:id="rId14"/>
-      <p:boldItalic r:id="rId15"/>
+      <p:regular r:id="rId13"/>
+      <p:bold r:id="rId14"/>
+      <p:italic r:id="rId15"/>
+      <p:boldItalic r:id="rId16"/>
     </p:embeddedFont>
   </p:embeddedFontLst>
   <p:defaultTextStyle>
@@ -202,7 +203,7 @@
   <pc:docChgLst>
     <pc:chgData name="Anton Schmierer" userId="cd19fb61ffe98ab8" providerId="LiveId" clId="{80B9D0F7-EA3F-41F2-A018-82727FD7D854}"/>
     <pc:docChg chg="undo custSel addSld delSld modSld sldOrd">
-      <pc:chgData name="Anton Schmierer" userId="cd19fb61ffe98ab8" providerId="LiveId" clId="{80B9D0F7-EA3F-41F2-A018-82727FD7D854}" dt="2025-11-02T13:16:11.357" v="3148" actId="20577"/>
+      <pc:chgData name="Anton Schmierer" userId="cd19fb61ffe98ab8" providerId="LiveId" clId="{80B9D0F7-EA3F-41F2-A018-82727FD7D854}" dt="2025-11-02T11:22:11.016" v="3607" actId="13926"/>
       <pc:docMkLst>
         <pc:docMk/>
       </pc:docMkLst>
@@ -805,6 +806,77 @@
           <pc:sldMk cId="3864767498" sldId="327"/>
         </pc:sldMkLst>
       </pc:sldChg>
+      <pc:sldChg chg="modSp add mod">
+        <pc:chgData name="Anton Schmierer" userId="cd19fb61ffe98ab8" providerId="LiveId" clId="{80B9D0F7-EA3F-41F2-A018-82727FD7D854}" dt="2025-11-02T11:22:11.016" v="3607" actId="13926"/>
+        <pc:sldMkLst>
+          <pc:docMk/>
+          <pc:sldMk cId="2234277037" sldId="328"/>
+        </pc:sldMkLst>
+        <pc:spChg chg="mod">
+          <ac:chgData name="Anton Schmierer" userId="cd19fb61ffe98ab8" providerId="LiveId" clId="{80B9D0F7-EA3F-41F2-A018-82727FD7D854}" dt="2025-11-02T11:11:06.400" v="3151" actId="20577"/>
+          <ac:spMkLst>
+            <pc:docMk/>
+            <pc:sldMk cId="2234277037" sldId="328"/>
+            <ac:spMk id="13" creationId="{589A73F2-2801-FBCF-4B5D-70F764092014}"/>
+          </ac:spMkLst>
+        </pc:spChg>
+        <pc:spChg chg="mod">
+          <ac:chgData name="Anton Schmierer" userId="cd19fb61ffe98ab8" providerId="LiveId" clId="{80B9D0F7-EA3F-41F2-A018-82727FD7D854}" dt="2025-11-02T11:12:28.675" v="3244" actId="20577"/>
+          <ac:spMkLst>
+            <pc:docMk/>
+            <pc:sldMk cId="2234277037" sldId="328"/>
+            <ac:spMk id="23" creationId="{A373384F-5104-B9D9-60BD-711A05C600CA}"/>
+          </ac:spMkLst>
+        </pc:spChg>
+        <pc:spChg chg="mod">
+          <ac:chgData name="Anton Schmierer" userId="cd19fb61ffe98ab8" providerId="LiveId" clId="{80B9D0F7-EA3F-41F2-A018-82727FD7D854}" dt="2025-11-02T11:20:19.835" v="3583" actId="20577"/>
+          <ac:spMkLst>
+            <pc:docMk/>
+            <pc:sldMk cId="2234277037" sldId="328"/>
+            <ac:spMk id="30" creationId="{71B71887-D901-C89C-25FD-614270E12F3F}"/>
+          </ac:spMkLst>
+        </pc:spChg>
+        <pc:spChg chg="mod">
+          <ac:chgData name="Anton Schmierer" userId="cd19fb61ffe98ab8" providerId="LiveId" clId="{80B9D0F7-EA3F-41F2-A018-82727FD7D854}" dt="2025-11-02T11:22:11.016" v="3607" actId="13926"/>
+          <ac:spMkLst>
+            <pc:docMk/>
+            <pc:sldMk cId="2234277037" sldId="328"/>
+            <ac:spMk id="33" creationId="{C483AD82-0EA0-A3D1-F533-62463BD9B83D}"/>
+          </ac:spMkLst>
+        </pc:spChg>
+        <pc:spChg chg="mod">
+          <ac:chgData name="Anton Schmierer" userId="cd19fb61ffe98ab8" providerId="LiveId" clId="{80B9D0F7-EA3F-41F2-A018-82727FD7D854}" dt="2025-11-02T11:21:08.803" v="3605" actId="20577"/>
+          <ac:spMkLst>
+            <pc:docMk/>
+            <pc:sldMk cId="2234277037" sldId="328"/>
+            <ac:spMk id="36" creationId="{15831FE4-0778-29AB-06B3-E33B4023542D}"/>
+          </ac:spMkLst>
+        </pc:spChg>
+        <pc:spChg chg="mod">
+          <ac:chgData name="Anton Schmierer" userId="cd19fb61ffe98ab8" providerId="LiveId" clId="{80B9D0F7-EA3F-41F2-A018-82727FD7D854}" dt="2025-11-02T11:15:15.311" v="3361" actId="20577"/>
+          <ac:spMkLst>
+            <pc:docMk/>
+            <pc:sldMk cId="2234277037" sldId="328"/>
+            <ac:spMk id="37" creationId="{7E54AF16-B37A-C8CD-4097-01E390952846}"/>
+          </ac:spMkLst>
+        </pc:spChg>
+        <pc:spChg chg="mod">
+          <ac:chgData name="Anton Schmierer" userId="cd19fb61ffe98ab8" providerId="LiveId" clId="{80B9D0F7-EA3F-41F2-A018-82727FD7D854}" dt="2025-11-02T11:15:22.903" v="3362" actId="20577"/>
+          <ac:spMkLst>
+            <pc:docMk/>
+            <pc:sldMk cId="2234277037" sldId="328"/>
+            <ac:spMk id="38" creationId="{13DEABC4-F927-7430-C34E-A95EFE700E9E}"/>
+          </ac:spMkLst>
+        </pc:spChg>
+        <pc:spChg chg="mod">
+          <ac:chgData name="Anton Schmierer" userId="cd19fb61ffe98ab8" providerId="LiveId" clId="{80B9D0F7-EA3F-41F2-A018-82727FD7D854}" dt="2025-11-02T11:22:06.824" v="3606" actId="13926"/>
+          <ac:spMkLst>
+            <pc:docMk/>
+            <pc:sldMk cId="2234277037" sldId="328"/>
+            <ac:spMk id="42" creationId="{4982DAF1-6525-8FA8-CF56-A9A32A0A4C2A}"/>
+          </ac:spMkLst>
+        </pc:spChg>
+      </pc:sldChg>
       <pc:sldChg chg="del">
         <pc:chgData name="Anton Schmierer" userId="cd19fb61ffe98ab8" providerId="LiveId" clId="{80B9D0F7-EA3F-41F2-A018-82727FD7D854}" dt="2025-10-31T16:09:01.383" v="2" actId="2696"/>
         <pc:sldMkLst>
@@ -2319,6 +2391,115 @@
     <p:extLst>
       <p:ext uri="{BB962C8B-B14F-4D97-AF65-F5344CB8AC3E}">
         <p14:creationId xmlns:p14="http://schemas.microsoft.com/office/powerpoint/2010/main" val="3718630312"/>
+      </p:ext>
+    </p:extLst>
+  </p:cSld>
+  <p:clrMapOvr>
+    <a:masterClrMapping/>
+  </p:clrMapOvr>
+</p:notes>
+</file>
+
+<file path=ppt/notesSlides/notesSlide8.xml><?xml version="1.0" encoding="utf-8"?>
+<p:notes xmlns:a="http://schemas.openxmlformats.org/drawingml/2006/main" xmlns:r="http://schemas.openxmlformats.org/officeDocument/2006/relationships" xmlns:p="http://schemas.openxmlformats.org/presentationml/2006/main">
+  <p:cSld>
+    <p:spTree>
+      <p:nvGrpSpPr>
+        <p:cNvPr id="1" name="">
+          <a:extLst>
+            <a:ext uri="{FF2B5EF4-FFF2-40B4-BE49-F238E27FC236}">
+              <a16:creationId xmlns:a16="http://schemas.microsoft.com/office/drawing/2014/main" id="{91A4F465-D3E2-04B3-7CCF-67D2AED68E8F}"/>
+            </a:ext>
+          </a:extLst>
+        </p:cNvPr>
+        <p:cNvGrpSpPr/>
+        <p:nvPr/>
+      </p:nvGrpSpPr>
+      <p:grpSpPr>
+        <a:xfrm>
+          <a:off x="0" y="0"/>
+          <a:ext cx="0" cy="0"/>
+          <a:chOff x="0" y="0"/>
+          <a:chExt cx="0" cy="0"/>
+        </a:xfrm>
+      </p:grpSpPr>
+      <p:sp>
+        <p:nvSpPr>
+          <p:cNvPr id="2" name="Folienbildplatzhalter 1">
+            <a:extLst>
+              <a:ext uri="{FF2B5EF4-FFF2-40B4-BE49-F238E27FC236}">
+                <a16:creationId xmlns:a16="http://schemas.microsoft.com/office/drawing/2014/main" id="{DA73F877-6423-39DD-B51A-5B0456AAF326}"/>
+              </a:ext>
+            </a:extLst>
+          </p:cNvPr>
+          <p:cNvSpPr>
+            <a:spLocks noGrp="1" noRot="1" noChangeAspect="1"/>
+          </p:cNvSpPr>
+          <p:nvPr>
+            <p:ph type="sldImg"/>
+          </p:nvPr>
+        </p:nvSpPr>
+        <p:spPr/>
+      </p:sp>
+      <p:sp>
+        <p:nvSpPr>
+          <p:cNvPr id="3" name="Notizenplatzhalter 2">
+            <a:extLst>
+              <a:ext uri="{FF2B5EF4-FFF2-40B4-BE49-F238E27FC236}">
+                <a16:creationId xmlns:a16="http://schemas.microsoft.com/office/drawing/2014/main" id="{D413D6E1-7EF7-6CFA-05A7-47511CD814F6}"/>
+              </a:ext>
+            </a:extLst>
+          </p:cNvPr>
+          <p:cNvSpPr>
+            <a:spLocks noGrp="1"/>
+          </p:cNvSpPr>
+          <p:nvPr>
+            <p:ph type="body" idx="1"/>
+          </p:nvPr>
+        </p:nvSpPr>
+        <p:spPr/>
+        <p:txBody>
+          <a:bodyPr/>
+          <a:lstStyle/>
+          <a:p>
+            <a:endParaRPr lang="de-DE"/>
+          </a:p>
+        </p:txBody>
+      </p:sp>
+      <p:sp>
+        <p:nvSpPr>
+          <p:cNvPr id="4" name="Foliennummernplatzhalter 3">
+            <a:extLst>
+              <a:ext uri="{FF2B5EF4-FFF2-40B4-BE49-F238E27FC236}">
+                <a16:creationId xmlns:a16="http://schemas.microsoft.com/office/drawing/2014/main" id="{0EADCDD6-DB85-B923-7776-867B76E401C0}"/>
+              </a:ext>
+            </a:extLst>
+          </p:cNvPr>
+          <p:cNvSpPr>
+            <a:spLocks noGrp="1"/>
+          </p:cNvSpPr>
+          <p:nvPr>
+            <p:ph type="sldNum" sz="quarter" idx="5"/>
+          </p:nvPr>
+        </p:nvSpPr>
+        <p:spPr/>
+        <p:txBody>
+          <a:bodyPr/>
+          <a:lstStyle/>
+          <a:p>
+            <a:fld id="{5EB2B633-7BEC-49A7-B3BF-92E0C7E450E6}" type="slidenum">
+              <a:rPr lang="de-DE" altLang="de-DE" smtClean="0"/>
+              <a:pPr/>
+              <a:t>8</a:t>
+            </a:fld>
+            <a:endParaRPr lang="de-DE" altLang="de-DE"/>
+          </a:p>
+        </p:txBody>
+      </p:sp>
+    </p:spTree>
+    <p:extLst>
+      <p:ext uri="{BB962C8B-B14F-4D97-AF65-F5344CB8AC3E}">
+        <p14:creationId xmlns:p14="http://schemas.microsoft.com/office/powerpoint/2010/main" val="3309657333"/>
       </p:ext>
     </p:extLst>
   </p:cSld>
@@ -16341,6 +16522,1838 @@
     <p:extLst>
       <p:ext uri="{BB962C8B-B14F-4D97-AF65-F5344CB8AC3E}">
         <p14:creationId xmlns:p14="http://schemas.microsoft.com/office/powerpoint/2010/main" val="1755105979"/>
+      </p:ext>
+    </p:extLst>
+  </p:cSld>
+  <p:clrMapOvr>
+    <a:masterClrMapping/>
+  </p:clrMapOvr>
+</p:sld>
+</file>
+
+<file path=ppt/slides/slide8.xml><?xml version="1.0" encoding="utf-8"?>
+<p:sld xmlns:a="http://schemas.openxmlformats.org/drawingml/2006/main" xmlns:r="http://schemas.openxmlformats.org/officeDocument/2006/relationships" xmlns:p="http://schemas.openxmlformats.org/presentationml/2006/main">
+  <p:cSld>
+    <p:spTree>
+      <p:nvGrpSpPr>
+        <p:cNvPr id="1" name="">
+          <a:extLst>
+            <a:ext uri="{FF2B5EF4-FFF2-40B4-BE49-F238E27FC236}">
+              <a16:creationId xmlns:a16="http://schemas.microsoft.com/office/drawing/2014/main" id="{2A7CA59E-88BB-1DAB-213C-BEB6F526CD28}"/>
+            </a:ext>
+          </a:extLst>
+        </p:cNvPr>
+        <p:cNvGrpSpPr/>
+        <p:nvPr/>
+      </p:nvGrpSpPr>
+      <p:grpSpPr>
+        <a:xfrm>
+          <a:off x="0" y="0"/>
+          <a:ext cx="0" cy="0"/>
+          <a:chOff x="0" y="0"/>
+          <a:chExt cx="0" cy="0"/>
+        </a:xfrm>
+      </p:grpSpPr>
+      <p:sp>
+        <p:nvSpPr>
+          <p:cNvPr id="5" name="Titel 4">
+            <a:extLst>
+              <a:ext uri="{FF2B5EF4-FFF2-40B4-BE49-F238E27FC236}">
+                <a16:creationId xmlns:a16="http://schemas.microsoft.com/office/drawing/2014/main" id="{8192BECA-E3B9-7D49-EBED-AAEAF88E417B}"/>
+              </a:ext>
+            </a:extLst>
+          </p:cNvPr>
+          <p:cNvSpPr>
+            <a:spLocks noGrp="1"/>
+          </p:cNvSpPr>
+          <p:nvPr>
+            <p:ph type="title"/>
+          </p:nvPr>
+        </p:nvSpPr>
+        <p:spPr>
+          <a:xfrm>
+            <a:off x="1343025" y="152400"/>
+            <a:ext cx="10656888" cy="468314"/>
+          </a:xfrm>
+        </p:spPr>
+        <p:txBody>
+          <a:bodyPr>
+            <a:normAutofit/>
+          </a:bodyPr>
+          <a:lstStyle/>
+          <a:p>
+            <a:r>
+              <a:rPr lang="en-US" dirty="0"/>
+              <a:t>2. Non-Functional Requirements</a:t>
+            </a:r>
+            <a:endParaRPr lang="de-DE" dirty="0"/>
+          </a:p>
+        </p:txBody>
+      </p:sp>
+      <p:sp>
+        <p:nvSpPr>
+          <p:cNvPr id="13" name="Rechteck 12">
+            <a:extLst>
+              <a:ext uri="{FF2B5EF4-FFF2-40B4-BE49-F238E27FC236}">
+                <a16:creationId xmlns:a16="http://schemas.microsoft.com/office/drawing/2014/main" id="{589A73F2-2801-FBCF-4B5D-70F764092014}"/>
+              </a:ext>
+            </a:extLst>
+          </p:cNvPr>
+          <p:cNvSpPr/>
+          <p:nvPr/>
+        </p:nvSpPr>
+        <p:spPr>
+          <a:xfrm>
+            <a:off x="192088" y="908050"/>
+            <a:ext cx="3319462" cy="323850"/>
+          </a:xfrm>
+          <a:prstGeom prst="rect">
+            <a:avLst/>
+          </a:prstGeom>
+          <a:solidFill>
+            <a:schemeClr val="bg1"/>
+          </a:solidFill>
+          <a:ln w="6350">
+            <a:solidFill>
+              <a:schemeClr val="tx2"/>
+            </a:solidFill>
+          </a:ln>
+        </p:spPr>
+        <p:style>
+          <a:lnRef idx="2">
+            <a:schemeClr val="accent1">
+              <a:shade val="15000"/>
+            </a:schemeClr>
+          </a:lnRef>
+          <a:fillRef idx="1">
+            <a:schemeClr val="accent1"/>
+          </a:fillRef>
+          <a:effectRef idx="0">
+            <a:schemeClr val="accent1"/>
+          </a:effectRef>
+          <a:fontRef idx="minor">
+            <a:schemeClr val="lt1"/>
+          </a:fontRef>
+        </p:style>
+        <p:txBody>
+          <a:bodyPr rtlCol="0" anchor="ctr"/>
+          <a:lstStyle/>
+          <a:p>
+            <a:r>
+              <a:rPr lang="en-US" sz="1600" b="1" dirty="0">
+                <a:solidFill>
+                  <a:schemeClr val="tx1"/>
+                </a:solidFill>
+              </a:rPr>
+              <a:t>Requirement #: NR-3</a:t>
+            </a:r>
+          </a:p>
+        </p:txBody>
+      </p:sp>
+      <p:sp>
+        <p:nvSpPr>
+          <p:cNvPr id="14" name="Rechteck 13">
+            <a:extLst>
+              <a:ext uri="{FF2B5EF4-FFF2-40B4-BE49-F238E27FC236}">
+                <a16:creationId xmlns:a16="http://schemas.microsoft.com/office/drawing/2014/main" id="{673591F4-BF62-23BE-E195-DE9354511EFC}"/>
+              </a:ext>
+            </a:extLst>
+          </p:cNvPr>
+          <p:cNvSpPr/>
+          <p:nvPr/>
+        </p:nvSpPr>
+        <p:spPr>
+          <a:xfrm>
+            <a:off x="4277517" y="910844"/>
+            <a:ext cx="3319462" cy="323850"/>
+          </a:xfrm>
+          <a:prstGeom prst="rect">
+            <a:avLst/>
+          </a:prstGeom>
+          <a:solidFill>
+            <a:schemeClr val="bg1"/>
+          </a:solidFill>
+          <a:ln w="6350">
+            <a:solidFill>
+              <a:schemeClr val="tx2"/>
+            </a:solidFill>
+          </a:ln>
+        </p:spPr>
+        <p:style>
+          <a:lnRef idx="2">
+            <a:schemeClr val="accent1">
+              <a:shade val="15000"/>
+            </a:schemeClr>
+          </a:lnRef>
+          <a:fillRef idx="1">
+            <a:schemeClr val="accent1"/>
+          </a:fillRef>
+          <a:effectRef idx="0">
+            <a:schemeClr val="accent1"/>
+          </a:effectRef>
+          <a:fontRef idx="minor">
+            <a:schemeClr val="lt1"/>
+          </a:fontRef>
+        </p:style>
+        <p:txBody>
+          <a:bodyPr rtlCol="0" anchor="ctr"/>
+          <a:lstStyle/>
+          <a:p>
+            <a:r>
+              <a:rPr lang="en-US" sz="1600" b="1" dirty="0">
+                <a:solidFill>
+                  <a:schemeClr val="tx1"/>
+                </a:solidFill>
+              </a:rPr>
+              <a:t>Requirement Type: Non-Functional</a:t>
+            </a:r>
+            <a:endParaRPr lang="en-US" sz="1400" b="1" dirty="0">
+              <a:solidFill>
+                <a:schemeClr val="tx1"/>
+              </a:solidFill>
+            </a:endParaRPr>
+          </a:p>
+        </p:txBody>
+      </p:sp>
+      <p:sp>
+        <p:nvSpPr>
+          <p:cNvPr id="15" name="Rechteck 14">
+            <a:extLst>
+              <a:ext uri="{FF2B5EF4-FFF2-40B4-BE49-F238E27FC236}">
+                <a16:creationId xmlns:a16="http://schemas.microsoft.com/office/drawing/2014/main" id="{B21D4803-38F2-FF72-6CB2-554CDDD744BC}"/>
+              </a:ext>
+            </a:extLst>
+          </p:cNvPr>
+          <p:cNvSpPr/>
+          <p:nvPr/>
+        </p:nvSpPr>
+        <p:spPr>
+          <a:xfrm>
+            <a:off x="8680450" y="908050"/>
+            <a:ext cx="3319462" cy="323850"/>
+          </a:xfrm>
+          <a:prstGeom prst="rect">
+            <a:avLst/>
+          </a:prstGeom>
+          <a:solidFill>
+            <a:schemeClr val="bg1"/>
+          </a:solidFill>
+          <a:ln w="6350">
+            <a:solidFill>
+              <a:schemeClr val="tx2"/>
+            </a:solidFill>
+          </a:ln>
+        </p:spPr>
+        <p:style>
+          <a:lnRef idx="2">
+            <a:schemeClr val="accent1">
+              <a:shade val="15000"/>
+            </a:schemeClr>
+          </a:lnRef>
+          <a:fillRef idx="1">
+            <a:schemeClr val="accent1"/>
+          </a:fillRef>
+          <a:effectRef idx="0">
+            <a:schemeClr val="accent1"/>
+          </a:effectRef>
+          <a:fontRef idx="minor">
+            <a:schemeClr val="lt1"/>
+          </a:fontRef>
+        </p:style>
+        <p:txBody>
+          <a:bodyPr rtlCol="0" anchor="ctr"/>
+          <a:lstStyle/>
+          <a:p>
+            <a:r>
+              <a:rPr lang="de-DE" sz="1600" b="1" dirty="0">
+                <a:solidFill>
+                  <a:schemeClr val="tx1"/>
+                </a:solidFill>
+              </a:rPr>
+              <a:t>Event/BUC/PUC#:</a:t>
+            </a:r>
+          </a:p>
+        </p:txBody>
+      </p:sp>
+      <p:sp>
+        <p:nvSpPr>
+          <p:cNvPr id="16" name="Rechteck 15">
+            <a:extLst>
+              <a:ext uri="{FF2B5EF4-FFF2-40B4-BE49-F238E27FC236}">
+                <a16:creationId xmlns:a16="http://schemas.microsoft.com/office/drawing/2014/main" id="{40240121-078D-BCE4-E316-FD2B093AB97B}"/>
+              </a:ext>
+            </a:extLst>
+          </p:cNvPr>
+          <p:cNvSpPr/>
+          <p:nvPr/>
+        </p:nvSpPr>
+        <p:spPr>
+          <a:xfrm>
+            <a:off x="192088" y="1370669"/>
+            <a:ext cx="1375200" cy="324000"/>
+          </a:xfrm>
+          <a:prstGeom prst="rect">
+            <a:avLst/>
+          </a:prstGeom>
+          <a:solidFill>
+            <a:schemeClr val="bg1"/>
+          </a:solidFill>
+          <a:ln w="6350">
+            <a:solidFill>
+              <a:schemeClr val="tx2"/>
+            </a:solidFill>
+          </a:ln>
+        </p:spPr>
+        <p:style>
+          <a:lnRef idx="2">
+            <a:schemeClr val="accent1">
+              <a:shade val="15000"/>
+            </a:schemeClr>
+          </a:lnRef>
+          <a:fillRef idx="1">
+            <a:schemeClr val="accent1"/>
+          </a:fillRef>
+          <a:effectRef idx="0">
+            <a:schemeClr val="accent1"/>
+          </a:effectRef>
+          <a:fontRef idx="minor">
+            <a:schemeClr val="lt1"/>
+          </a:fontRef>
+        </p:style>
+        <p:txBody>
+          <a:bodyPr rtlCol="0" anchor="ctr"/>
+          <a:lstStyle/>
+          <a:p>
+            <a:r>
+              <a:rPr lang="de-DE" sz="1600" b="1" dirty="0">
+                <a:solidFill>
+                  <a:schemeClr val="tx1"/>
+                </a:solidFill>
+              </a:rPr>
+              <a:t>Description:</a:t>
+            </a:r>
+          </a:p>
+        </p:txBody>
+      </p:sp>
+      <p:sp>
+        <p:nvSpPr>
+          <p:cNvPr id="23" name="Rechteck 22">
+            <a:extLst>
+              <a:ext uri="{FF2B5EF4-FFF2-40B4-BE49-F238E27FC236}">
+                <a16:creationId xmlns:a16="http://schemas.microsoft.com/office/drawing/2014/main" id="{A373384F-5104-B9D9-60BD-711A05C600CA}"/>
+              </a:ext>
+            </a:extLst>
+          </p:cNvPr>
+          <p:cNvSpPr/>
+          <p:nvPr/>
+        </p:nvSpPr>
+        <p:spPr>
+          <a:xfrm>
+            <a:off x="1903446" y="1370669"/>
+            <a:ext cx="10098000" cy="792000"/>
+          </a:xfrm>
+          <a:prstGeom prst="rect">
+            <a:avLst/>
+          </a:prstGeom>
+          <a:solidFill>
+            <a:schemeClr val="bg1"/>
+          </a:solidFill>
+          <a:ln w="6350">
+            <a:solidFill>
+              <a:schemeClr val="tx2"/>
+            </a:solidFill>
+          </a:ln>
+        </p:spPr>
+        <p:style>
+          <a:lnRef idx="2">
+            <a:schemeClr val="accent1">
+              <a:shade val="15000"/>
+            </a:schemeClr>
+          </a:lnRef>
+          <a:fillRef idx="1">
+            <a:schemeClr val="accent1"/>
+          </a:fillRef>
+          <a:effectRef idx="0">
+            <a:schemeClr val="accent1"/>
+          </a:effectRef>
+          <a:fontRef idx="minor">
+            <a:schemeClr val="lt1"/>
+          </a:fontRef>
+        </p:style>
+        <p:txBody>
+          <a:bodyPr rtlCol="0" anchor="ctr"/>
+          <a:lstStyle/>
+          <a:p>
+            <a:r>
+              <a:rPr lang="en-US" sz="1100" dirty="0" err="1">
+                <a:solidFill>
+                  <a:schemeClr val="tx1"/>
+                </a:solidFill>
+              </a:rPr>
+              <a:t>Gesetzliche</a:t>
+            </a:r>
+            <a:r>
+              <a:rPr lang="en-US" sz="1100" dirty="0">
+                <a:solidFill>
+                  <a:schemeClr val="tx1"/>
+                </a:solidFill>
+              </a:rPr>
+              <a:t> </a:t>
+            </a:r>
+            <a:r>
+              <a:rPr lang="en-US" sz="1100" dirty="0" err="1">
+                <a:solidFill>
+                  <a:schemeClr val="tx1"/>
+                </a:solidFill>
+              </a:rPr>
+              <a:t>Anforderungen</a:t>
+            </a:r>
+            <a:r>
+              <a:rPr lang="en-US" sz="1100" dirty="0">
+                <a:solidFill>
+                  <a:schemeClr val="tx1"/>
+                </a:solidFill>
+              </a:rPr>
+              <a:t> </a:t>
+            </a:r>
+            <a:r>
+              <a:rPr lang="en-US" sz="1100" dirty="0" err="1">
+                <a:solidFill>
+                  <a:schemeClr val="tx1"/>
+                </a:solidFill>
+              </a:rPr>
+              <a:t>bzgl</a:t>
+            </a:r>
+            <a:r>
+              <a:rPr lang="en-US" sz="1100" dirty="0">
+                <a:solidFill>
+                  <a:schemeClr val="tx1"/>
+                </a:solidFill>
+              </a:rPr>
+              <a:t>. DSGVO/</a:t>
+            </a:r>
+            <a:r>
+              <a:rPr lang="en-US" sz="1100" dirty="0" err="1">
+                <a:solidFill>
+                  <a:schemeClr val="tx1"/>
+                </a:solidFill>
+              </a:rPr>
+              <a:t>Datensicherheit</a:t>
+            </a:r>
+            <a:r>
+              <a:rPr lang="en-US" sz="1100" dirty="0">
+                <a:solidFill>
+                  <a:schemeClr val="tx1"/>
+                </a:solidFill>
+              </a:rPr>
+              <a:t> </a:t>
+            </a:r>
+            <a:r>
+              <a:rPr lang="en-US" sz="1100" dirty="0" err="1">
+                <a:solidFill>
+                  <a:schemeClr val="tx1"/>
+                </a:solidFill>
+              </a:rPr>
+              <a:t>werden</a:t>
+            </a:r>
+            <a:r>
+              <a:rPr lang="en-US" sz="1100" dirty="0">
+                <a:solidFill>
+                  <a:schemeClr val="tx1"/>
+                </a:solidFill>
+              </a:rPr>
+              <a:t> </a:t>
+            </a:r>
+            <a:r>
+              <a:rPr lang="en-US" sz="1100" dirty="0" err="1">
+                <a:solidFill>
+                  <a:schemeClr val="tx1"/>
+                </a:solidFill>
+              </a:rPr>
+              <a:t>erfüllt</a:t>
+            </a:r>
+            <a:r>
+              <a:rPr lang="en-US" sz="1100" dirty="0">
+                <a:solidFill>
+                  <a:schemeClr val="tx1"/>
+                </a:solidFill>
+              </a:rPr>
+              <a:t>.</a:t>
+            </a:r>
+          </a:p>
+        </p:txBody>
+      </p:sp>
+      <p:sp>
+        <p:nvSpPr>
+          <p:cNvPr id="29" name="Rechteck 28">
+            <a:extLst>
+              <a:ext uri="{FF2B5EF4-FFF2-40B4-BE49-F238E27FC236}">
+                <a16:creationId xmlns:a16="http://schemas.microsoft.com/office/drawing/2014/main" id="{F2AA8EAC-532A-85E8-92ED-52EF338B7387}"/>
+              </a:ext>
+            </a:extLst>
+          </p:cNvPr>
+          <p:cNvSpPr/>
+          <p:nvPr/>
+        </p:nvSpPr>
+        <p:spPr>
+          <a:xfrm>
+            <a:off x="192090" y="2301438"/>
+            <a:ext cx="1375200" cy="323850"/>
+          </a:xfrm>
+          <a:prstGeom prst="rect">
+            <a:avLst/>
+          </a:prstGeom>
+          <a:solidFill>
+            <a:schemeClr val="bg1"/>
+          </a:solidFill>
+          <a:ln w="6350">
+            <a:solidFill>
+              <a:schemeClr val="tx2"/>
+            </a:solidFill>
+          </a:ln>
+        </p:spPr>
+        <p:style>
+          <a:lnRef idx="2">
+            <a:schemeClr val="accent1">
+              <a:shade val="15000"/>
+            </a:schemeClr>
+          </a:lnRef>
+          <a:fillRef idx="1">
+            <a:schemeClr val="accent1"/>
+          </a:fillRef>
+          <a:effectRef idx="0">
+            <a:schemeClr val="accent1"/>
+          </a:effectRef>
+          <a:fontRef idx="minor">
+            <a:schemeClr val="lt1"/>
+          </a:fontRef>
+        </p:style>
+        <p:txBody>
+          <a:bodyPr rtlCol="0" anchor="ctr"/>
+          <a:lstStyle/>
+          <a:p>
+            <a:r>
+              <a:rPr lang="de-DE" sz="1600" b="1" dirty="0">
+                <a:solidFill>
+                  <a:schemeClr val="tx1"/>
+                </a:solidFill>
+              </a:rPr>
+              <a:t>Rationale:</a:t>
+            </a:r>
+          </a:p>
+        </p:txBody>
+      </p:sp>
+      <p:sp>
+        <p:nvSpPr>
+          <p:cNvPr id="30" name="Rechteck 29">
+            <a:extLst>
+              <a:ext uri="{FF2B5EF4-FFF2-40B4-BE49-F238E27FC236}">
+                <a16:creationId xmlns:a16="http://schemas.microsoft.com/office/drawing/2014/main" id="{71B71887-D901-C89C-25FD-614270E12F3F}"/>
+              </a:ext>
+            </a:extLst>
+          </p:cNvPr>
+          <p:cNvSpPr/>
+          <p:nvPr/>
+        </p:nvSpPr>
+        <p:spPr>
+          <a:xfrm>
+            <a:off x="1903448" y="2301438"/>
+            <a:ext cx="10098000" cy="792000"/>
+          </a:xfrm>
+          <a:prstGeom prst="rect">
+            <a:avLst/>
+          </a:prstGeom>
+          <a:solidFill>
+            <a:schemeClr val="bg1"/>
+          </a:solidFill>
+          <a:ln w="6350">
+            <a:solidFill>
+              <a:schemeClr val="tx2"/>
+            </a:solidFill>
+          </a:ln>
+        </p:spPr>
+        <p:style>
+          <a:lnRef idx="2">
+            <a:schemeClr val="accent1">
+              <a:shade val="15000"/>
+            </a:schemeClr>
+          </a:lnRef>
+          <a:fillRef idx="1">
+            <a:schemeClr val="accent1"/>
+          </a:fillRef>
+          <a:effectRef idx="0">
+            <a:schemeClr val="accent1"/>
+          </a:effectRef>
+          <a:fontRef idx="minor">
+            <a:schemeClr val="lt1"/>
+          </a:fontRef>
+        </p:style>
+        <p:txBody>
+          <a:bodyPr rtlCol="0" anchor="ctr"/>
+          <a:lstStyle/>
+          <a:p>
+            <a:r>
+              <a:rPr lang="en-US" sz="1100" dirty="0" err="1">
+                <a:solidFill>
+                  <a:schemeClr val="tx1"/>
+                </a:solidFill>
+              </a:rPr>
+              <a:t>Gesetzliche</a:t>
+            </a:r>
+            <a:r>
+              <a:rPr lang="en-US" sz="1100" dirty="0">
+                <a:solidFill>
+                  <a:schemeClr val="tx1"/>
+                </a:solidFill>
+              </a:rPr>
+              <a:t> </a:t>
+            </a:r>
+            <a:r>
+              <a:rPr lang="en-US" sz="1100" dirty="0" err="1">
+                <a:solidFill>
+                  <a:schemeClr val="tx1"/>
+                </a:solidFill>
+              </a:rPr>
+              <a:t>Anforderungen</a:t>
+            </a:r>
+            <a:r>
+              <a:rPr lang="en-US" sz="1100" dirty="0">
+                <a:solidFill>
+                  <a:schemeClr val="tx1"/>
+                </a:solidFill>
+              </a:rPr>
+              <a:t> </a:t>
+            </a:r>
+            <a:r>
+              <a:rPr lang="en-US" sz="1100" dirty="0" err="1">
+                <a:solidFill>
+                  <a:schemeClr val="tx1"/>
+                </a:solidFill>
+              </a:rPr>
+              <a:t>müssen</a:t>
+            </a:r>
+            <a:r>
+              <a:rPr lang="en-US" sz="1100" dirty="0">
+                <a:solidFill>
+                  <a:schemeClr val="tx1"/>
+                </a:solidFill>
+              </a:rPr>
+              <a:t> </a:t>
+            </a:r>
+            <a:r>
+              <a:rPr lang="en-US" sz="1100" dirty="0" err="1">
+                <a:solidFill>
+                  <a:schemeClr val="tx1"/>
+                </a:solidFill>
+              </a:rPr>
+              <a:t>erfüllt</a:t>
+            </a:r>
+            <a:r>
+              <a:rPr lang="en-US" sz="1100" dirty="0">
+                <a:solidFill>
+                  <a:schemeClr val="tx1"/>
+                </a:solidFill>
+              </a:rPr>
+              <a:t> und sensible Daten </a:t>
+            </a:r>
+            <a:r>
+              <a:rPr lang="en-US" sz="1100" dirty="0" err="1">
+                <a:solidFill>
+                  <a:schemeClr val="tx1"/>
+                </a:solidFill>
+              </a:rPr>
+              <a:t>vor</a:t>
+            </a:r>
+            <a:r>
+              <a:rPr lang="en-US" sz="1100" dirty="0">
+                <a:solidFill>
+                  <a:schemeClr val="tx1"/>
+                </a:solidFill>
+              </a:rPr>
+              <a:t> </a:t>
+            </a:r>
+            <a:r>
+              <a:rPr lang="en-US" sz="1100" dirty="0" err="1">
+                <a:solidFill>
+                  <a:schemeClr val="tx1"/>
+                </a:solidFill>
+              </a:rPr>
+              <a:t>unberechtigtem</a:t>
+            </a:r>
+            <a:r>
+              <a:rPr lang="en-US" sz="1100" dirty="0">
+                <a:solidFill>
+                  <a:schemeClr val="tx1"/>
+                </a:solidFill>
+              </a:rPr>
+              <a:t> </a:t>
+            </a:r>
+            <a:r>
+              <a:rPr lang="en-US" sz="1100" dirty="0" err="1">
+                <a:solidFill>
+                  <a:schemeClr val="tx1"/>
+                </a:solidFill>
+              </a:rPr>
+              <a:t>Zugriff</a:t>
+            </a:r>
+            <a:r>
+              <a:rPr lang="en-US" sz="1100" dirty="0">
+                <a:solidFill>
+                  <a:schemeClr val="tx1"/>
+                </a:solidFill>
+              </a:rPr>
+              <a:t> Dritter </a:t>
+            </a:r>
+            <a:r>
+              <a:rPr lang="en-US" sz="1100" dirty="0" err="1">
+                <a:solidFill>
+                  <a:schemeClr val="tx1"/>
+                </a:solidFill>
+              </a:rPr>
+              <a:t>geschützt</a:t>
+            </a:r>
+            <a:r>
+              <a:rPr lang="en-US" sz="1100" dirty="0">
+                <a:solidFill>
+                  <a:schemeClr val="tx1"/>
+                </a:solidFill>
+              </a:rPr>
+              <a:t> </a:t>
+            </a:r>
+            <a:r>
+              <a:rPr lang="en-US" sz="1100" dirty="0" err="1">
+                <a:solidFill>
+                  <a:schemeClr val="tx1"/>
+                </a:solidFill>
+              </a:rPr>
+              <a:t>werden</a:t>
+            </a:r>
+            <a:r>
+              <a:rPr lang="en-US" sz="1100" dirty="0">
+                <a:solidFill>
+                  <a:schemeClr val="tx1"/>
+                </a:solidFill>
+              </a:rPr>
+              <a:t>.</a:t>
+            </a:r>
+          </a:p>
+        </p:txBody>
+      </p:sp>
+      <p:sp>
+        <p:nvSpPr>
+          <p:cNvPr id="32" name="Rechteck 31">
+            <a:extLst>
+              <a:ext uri="{FF2B5EF4-FFF2-40B4-BE49-F238E27FC236}">
+                <a16:creationId xmlns:a16="http://schemas.microsoft.com/office/drawing/2014/main" id="{65230260-2AC9-FE62-CE2A-DAE5C7A84AC9}"/>
+              </a:ext>
+            </a:extLst>
+          </p:cNvPr>
+          <p:cNvSpPr/>
+          <p:nvPr/>
+        </p:nvSpPr>
+        <p:spPr>
+          <a:xfrm>
+            <a:off x="192088" y="3232207"/>
+            <a:ext cx="1375200" cy="323850"/>
+          </a:xfrm>
+          <a:prstGeom prst="rect">
+            <a:avLst/>
+          </a:prstGeom>
+          <a:solidFill>
+            <a:schemeClr val="bg1"/>
+          </a:solidFill>
+          <a:ln w="6350">
+            <a:solidFill>
+              <a:schemeClr val="tx2"/>
+            </a:solidFill>
+          </a:ln>
+        </p:spPr>
+        <p:style>
+          <a:lnRef idx="2">
+            <a:schemeClr val="accent1">
+              <a:shade val="15000"/>
+            </a:schemeClr>
+          </a:lnRef>
+          <a:fillRef idx="1">
+            <a:schemeClr val="accent1"/>
+          </a:fillRef>
+          <a:effectRef idx="0">
+            <a:schemeClr val="accent1"/>
+          </a:effectRef>
+          <a:fontRef idx="minor">
+            <a:schemeClr val="lt1"/>
+          </a:fontRef>
+        </p:style>
+        <p:txBody>
+          <a:bodyPr rtlCol="0" anchor="ctr"/>
+          <a:lstStyle/>
+          <a:p>
+            <a:r>
+              <a:rPr lang="de-DE" sz="1600" b="1" dirty="0" err="1">
+                <a:solidFill>
+                  <a:schemeClr val="tx1"/>
+                </a:solidFill>
+              </a:rPr>
+              <a:t>Originator</a:t>
+            </a:r>
+            <a:r>
+              <a:rPr lang="de-DE" sz="1600" b="1" dirty="0">
+                <a:solidFill>
+                  <a:schemeClr val="tx1"/>
+                </a:solidFill>
+              </a:rPr>
+              <a:t>:</a:t>
+            </a:r>
+          </a:p>
+        </p:txBody>
+      </p:sp>
+      <p:sp>
+        <p:nvSpPr>
+          <p:cNvPr id="33" name="Rechteck 32">
+            <a:extLst>
+              <a:ext uri="{FF2B5EF4-FFF2-40B4-BE49-F238E27FC236}">
+                <a16:creationId xmlns:a16="http://schemas.microsoft.com/office/drawing/2014/main" id="{C483AD82-0EA0-A3D1-F533-62463BD9B83D}"/>
+              </a:ext>
+            </a:extLst>
+          </p:cNvPr>
+          <p:cNvSpPr/>
+          <p:nvPr/>
+        </p:nvSpPr>
+        <p:spPr>
+          <a:xfrm>
+            <a:off x="1903446" y="3232207"/>
+            <a:ext cx="10098000" cy="323850"/>
+          </a:xfrm>
+          <a:prstGeom prst="rect">
+            <a:avLst/>
+          </a:prstGeom>
+          <a:solidFill>
+            <a:schemeClr val="bg1"/>
+          </a:solidFill>
+          <a:ln w="6350">
+            <a:solidFill>
+              <a:schemeClr val="tx2"/>
+            </a:solidFill>
+          </a:ln>
+        </p:spPr>
+        <p:style>
+          <a:lnRef idx="2">
+            <a:schemeClr val="accent1">
+              <a:shade val="15000"/>
+            </a:schemeClr>
+          </a:lnRef>
+          <a:fillRef idx="1">
+            <a:schemeClr val="accent1"/>
+          </a:fillRef>
+          <a:effectRef idx="0">
+            <a:schemeClr val="accent1"/>
+          </a:effectRef>
+          <a:fontRef idx="minor">
+            <a:schemeClr val="lt1"/>
+          </a:fontRef>
+        </p:style>
+        <p:txBody>
+          <a:bodyPr rtlCol="0" anchor="ctr"/>
+          <a:lstStyle/>
+          <a:p>
+            <a:r>
+              <a:rPr lang="en-US" sz="1100" dirty="0">
+                <a:solidFill>
+                  <a:schemeClr val="tx1"/>
+                </a:solidFill>
+              </a:rPr>
+              <a:t>Mitarbeiter</a:t>
+            </a:r>
+            <a:r>
+              <a:rPr lang="en-US" sz="1100" dirty="0">
+                <a:solidFill>
+                  <a:schemeClr val="tx1"/>
+                </a:solidFill>
+                <a:highlight>
+                  <a:srgbClr val="FFFF00"/>
+                </a:highlight>
+              </a:rPr>
+              <a:t>*</a:t>
+            </a:r>
+            <a:r>
+              <a:rPr lang="en-US" sz="1100" dirty="0" err="1">
+                <a:solidFill>
+                  <a:schemeClr val="tx1"/>
+                </a:solidFill>
+                <a:highlight>
+                  <a:srgbClr val="FFFF00"/>
+                </a:highlight>
+              </a:rPr>
+              <a:t>innen</a:t>
+            </a:r>
+            <a:r>
+              <a:rPr lang="en-US" sz="1100" dirty="0">
+                <a:solidFill>
+                  <a:schemeClr val="tx1"/>
+                </a:solidFill>
+                <a:highlight>
+                  <a:srgbClr val="FFFF00"/>
+                </a:highlight>
+              </a:rPr>
+              <a:t> </a:t>
+            </a:r>
+            <a:r>
+              <a:rPr lang="en-US" sz="1100" dirty="0">
+                <a:solidFill>
+                  <a:schemeClr val="tx1"/>
+                </a:solidFill>
+              </a:rPr>
+              <a:t>des Bellis </a:t>
+            </a:r>
+            <a:r>
+              <a:rPr lang="en-US" sz="1100" dirty="0" err="1">
+                <a:solidFill>
+                  <a:schemeClr val="tx1"/>
+                </a:solidFill>
+              </a:rPr>
+              <a:t>e.V.</a:t>
+            </a:r>
+            <a:endParaRPr lang="en-US" sz="1100" dirty="0">
+              <a:solidFill>
+                <a:schemeClr val="tx1"/>
+              </a:solidFill>
+            </a:endParaRPr>
+          </a:p>
+        </p:txBody>
+      </p:sp>
+      <p:sp>
+        <p:nvSpPr>
+          <p:cNvPr id="35" name="Rechteck 34">
+            <a:extLst>
+              <a:ext uri="{FF2B5EF4-FFF2-40B4-BE49-F238E27FC236}">
+                <a16:creationId xmlns:a16="http://schemas.microsoft.com/office/drawing/2014/main" id="{CBBE041E-C98C-4C96-C50D-2F0A09F3AEC8}"/>
+              </a:ext>
+            </a:extLst>
+          </p:cNvPr>
+          <p:cNvSpPr/>
+          <p:nvPr/>
+        </p:nvSpPr>
+        <p:spPr>
+          <a:xfrm>
+            <a:off x="192090" y="3694827"/>
+            <a:ext cx="1375200" cy="324001"/>
+          </a:xfrm>
+          <a:prstGeom prst="rect">
+            <a:avLst/>
+          </a:prstGeom>
+          <a:solidFill>
+            <a:schemeClr val="bg1"/>
+          </a:solidFill>
+          <a:ln w="6350">
+            <a:solidFill>
+              <a:schemeClr val="tx2"/>
+            </a:solidFill>
+          </a:ln>
+        </p:spPr>
+        <p:style>
+          <a:lnRef idx="2">
+            <a:schemeClr val="accent1">
+              <a:shade val="15000"/>
+            </a:schemeClr>
+          </a:lnRef>
+          <a:fillRef idx="1">
+            <a:schemeClr val="accent1"/>
+          </a:fillRef>
+          <a:effectRef idx="0">
+            <a:schemeClr val="accent1"/>
+          </a:effectRef>
+          <a:fontRef idx="minor">
+            <a:schemeClr val="lt1"/>
+          </a:fontRef>
+        </p:style>
+        <p:txBody>
+          <a:bodyPr rtlCol="0" anchor="ctr"/>
+          <a:lstStyle/>
+          <a:p>
+            <a:r>
+              <a:rPr lang="de-DE" sz="1600" b="1" dirty="0">
+                <a:solidFill>
+                  <a:schemeClr val="tx1"/>
+                </a:solidFill>
+              </a:rPr>
+              <a:t>Fit </a:t>
+            </a:r>
+            <a:r>
+              <a:rPr lang="de-DE" sz="1600" b="1" dirty="0" err="1">
+                <a:solidFill>
+                  <a:schemeClr val="tx1"/>
+                </a:solidFill>
+              </a:rPr>
+              <a:t>Criterion</a:t>
+            </a:r>
+            <a:r>
+              <a:rPr lang="de-DE" sz="1600" b="1" dirty="0">
+                <a:solidFill>
+                  <a:schemeClr val="tx1"/>
+                </a:solidFill>
+              </a:rPr>
+              <a:t>:</a:t>
+            </a:r>
+          </a:p>
+        </p:txBody>
+      </p:sp>
+      <p:sp>
+        <p:nvSpPr>
+          <p:cNvPr id="36" name="Rechteck 35">
+            <a:extLst>
+              <a:ext uri="{FF2B5EF4-FFF2-40B4-BE49-F238E27FC236}">
+                <a16:creationId xmlns:a16="http://schemas.microsoft.com/office/drawing/2014/main" id="{15831FE4-0778-29AB-06B3-E33B4023542D}"/>
+              </a:ext>
+            </a:extLst>
+          </p:cNvPr>
+          <p:cNvSpPr/>
+          <p:nvPr/>
+        </p:nvSpPr>
+        <p:spPr>
+          <a:xfrm>
+            <a:off x="1903448" y="3694826"/>
+            <a:ext cx="10098000" cy="792000"/>
+          </a:xfrm>
+          <a:prstGeom prst="rect">
+            <a:avLst/>
+          </a:prstGeom>
+          <a:solidFill>
+            <a:schemeClr val="bg1"/>
+          </a:solidFill>
+          <a:ln w="6350">
+            <a:solidFill>
+              <a:schemeClr val="tx2"/>
+            </a:solidFill>
+          </a:ln>
+        </p:spPr>
+        <p:style>
+          <a:lnRef idx="2">
+            <a:schemeClr val="accent1">
+              <a:shade val="15000"/>
+            </a:schemeClr>
+          </a:lnRef>
+          <a:fillRef idx="1">
+            <a:schemeClr val="accent1"/>
+          </a:fillRef>
+          <a:effectRef idx="0">
+            <a:schemeClr val="accent1"/>
+          </a:effectRef>
+          <a:fontRef idx="minor">
+            <a:schemeClr val="lt1"/>
+          </a:fontRef>
+        </p:style>
+        <p:txBody>
+          <a:bodyPr rtlCol="0" anchor="ctr"/>
+          <a:lstStyle/>
+          <a:p>
+            <a:endParaRPr lang="en-US" sz="1600" u="sng" dirty="0">
+              <a:solidFill>
+                <a:schemeClr val="tx1"/>
+              </a:solidFill>
+            </a:endParaRPr>
+          </a:p>
+          <a:p>
+            <a:r>
+              <a:rPr lang="en-US" sz="1100" dirty="0">
+                <a:solidFill>
+                  <a:schemeClr val="tx1"/>
+                </a:solidFill>
+              </a:rPr>
+              <a:t>Die Software </a:t>
+            </a:r>
+            <a:r>
+              <a:rPr lang="en-US" sz="1100" dirty="0" err="1">
+                <a:solidFill>
+                  <a:schemeClr val="tx1"/>
+                </a:solidFill>
+              </a:rPr>
+              <a:t>ist</a:t>
+            </a:r>
+            <a:r>
+              <a:rPr lang="en-US" sz="1100" dirty="0">
+                <a:solidFill>
+                  <a:schemeClr val="tx1"/>
+                </a:solidFill>
+              </a:rPr>
+              <a:t> DSGVO-</a:t>
+            </a:r>
+            <a:r>
+              <a:rPr lang="en-US" sz="1100" dirty="0" err="1">
+                <a:solidFill>
+                  <a:schemeClr val="tx1"/>
+                </a:solidFill>
+              </a:rPr>
+              <a:t>konform</a:t>
+            </a:r>
+            <a:r>
+              <a:rPr lang="en-US" sz="1100" dirty="0">
+                <a:solidFill>
+                  <a:schemeClr val="tx1"/>
+                </a:solidFill>
+              </a:rPr>
+              <a:t>. Der </a:t>
+            </a:r>
+            <a:r>
+              <a:rPr lang="en-US" sz="1100" dirty="0" err="1">
+                <a:solidFill>
+                  <a:schemeClr val="tx1"/>
+                </a:solidFill>
+              </a:rPr>
+              <a:t>unberechtigte</a:t>
+            </a:r>
+            <a:r>
+              <a:rPr lang="en-US" sz="1100" dirty="0">
+                <a:solidFill>
+                  <a:schemeClr val="tx1"/>
+                </a:solidFill>
+              </a:rPr>
+              <a:t> </a:t>
+            </a:r>
+            <a:r>
+              <a:rPr lang="en-US" sz="1100" dirty="0" err="1">
+                <a:solidFill>
+                  <a:schemeClr val="tx1"/>
+                </a:solidFill>
+              </a:rPr>
+              <a:t>Zugriff</a:t>
+            </a:r>
+            <a:r>
+              <a:rPr lang="en-US" sz="1100" dirty="0">
+                <a:solidFill>
+                  <a:schemeClr val="tx1"/>
+                </a:solidFill>
+              </a:rPr>
+              <a:t> auf die Daten </a:t>
+            </a:r>
+            <a:r>
+              <a:rPr lang="en-US" sz="1100" dirty="0" err="1">
+                <a:solidFill>
+                  <a:schemeClr val="tx1"/>
+                </a:solidFill>
+              </a:rPr>
+              <a:t>durch</a:t>
+            </a:r>
+            <a:r>
+              <a:rPr lang="en-US" sz="1100" dirty="0">
+                <a:solidFill>
+                  <a:schemeClr val="tx1"/>
+                </a:solidFill>
+              </a:rPr>
+              <a:t> </a:t>
+            </a:r>
+            <a:r>
+              <a:rPr lang="en-US" sz="1100" dirty="0" err="1">
+                <a:solidFill>
+                  <a:schemeClr val="tx1"/>
+                </a:solidFill>
+              </a:rPr>
+              <a:t>Dritte</a:t>
+            </a:r>
+            <a:r>
+              <a:rPr lang="en-US" sz="1100" dirty="0">
+                <a:solidFill>
+                  <a:schemeClr val="tx1"/>
+                </a:solidFill>
+              </a:rPr>
+              <a:t> </a:t>
+            </a:r>
+            <a:r>
+              <a:rPr lang="en-US" sz="1100" dirty="0" err="1">
+                <a:solidFill>
+                  <a:schemeClr val="tx1"/>
+                </a:solidFill>
+              </a:rPr>
+              <a:t>wird</a:t>
+            </a:r>
+            <a:r>
+              <a:rPr lang="en-US" sz="1100" dirty="0">
+                <a:solidFill>
+                  <a:schemeClr val="tx1"/>
+                </a:solidFill>
+              </a:rPr>
+              <a:t> </a:t>
+            </a:r>
+            <a:r>
+              <a:rPr lang="en-US" sz="1100" dirty="0" err="1">
+                <a:solidFill>
+                  <a:schemeClr val="tx1"/>
+                </a:solidFill>
+              </a:rPr>
+              <a:t>durch</a:t>
+            </a:r>
+            <a:r>
+              <a:rPr lang="en-US" sz="1100" dirty="0">
+                <a:solidFill>
+                  <a:schemeClr val="tx1"/>
+                </a:solidFill>
+              </a:rPr>
+              <a:t> </a:t>
+            </a:r>
+            <a:r>
+              <a:rPr lang="en-US" sz="1100" dirty="0" err="1">
+                <a:solidFill>
+                  <a:schemeClr val="tx1"/>
+                </a:solidFill>
+                <a:highlight>
+                  <a:srgbClr val="FFFF00"/>
+                </a:highlight>
+              </a:rPr>
+              <a:t>Verschlüsselung</a:t>
+            </a:r>
+            <a:r>
+              <a:rPr lang="en-US" sz="1100" dirty="0">
+                <a:solidFill>
+                  <a:schemeClr val="tx1"/>
+                </a:solidFill>
+                <a:highlight>
+                  <a:srgbClr val="FFFF00"/>
+                </a:highlight>
+              </a:rPr>
+              <a:t> (?)</a:t>
+            </a:r>
+            <a:r>
+              <a:rPr lang="en-US" sz="1100" dirty="0">
+                <a:solidFill>
+                  <a:schemeClr val="tx1"/>
+                </a:solidFill>
+              </a:rPr>
+              <a:t> und </a:t>
+            </a:r>
+            <a:r>
+              <a:rPr lang="en-US" sz="1100" dirty="0" err="1">
+                <a:solidFill>
+                  <a:schemeClr val="tx1"/>
+                </a:solidFill>
+              </a:rPr>
+              <a:t>Passwortschutz</a:t>
+            </a:r>
+            <a:r>
+              <a:rPr lang="en-US" sz="1100" dirty="0">
+                <a:solidFill>
+                  <a:schemeClr val="tx1"/>
+                </a:solidFill>
+              </a:rPr>
+              <a:t> der </a:t>
+            </a:r>
+            <a:r>
+              <a:rPr lang="en-US" sz="1100" dirty="0" err="1">
+                <a:solidFill>
+                  <a:schemeClr val="tx1"/>
+                </a:solidFill>
+              </a:rPr>
+              <a:t>zugreifenden</a:t>
+            </a:r>
+            <a:r>
+              <a:rPr lang="en-US" sz="1100" dirty="0">
+                <a:solidFill>
+                  <a:schemeClr val="tx1"/>
+                </a:solidFill>
+              </a:rPr>
+              <a:t> </a:t>
+            </a:r>
+            <a:r>
+              <a:rPr lang="en-US" sz="1100" dirty="0" err="1">
+                <a:solidFill>
+                  <a:schemeClr val="tx1"/>
+                </a:solidFill>
+              </a:rPr>
+              <a:t>Konten</a:t>
+            </a:r>
+            <a:r>
+              <a:rPr lang="en-US" sz="1100" dirty="0">
+                <a:solidFill>
+                  <a:schemeClr val="tx1"/>
+                </a:solidFill>
+              </a:rPr>
+              <a:t> </a:t>
+            </a:r>
+            <a:r>
+              <a:rPr lang="en-US" sz="1100" dirty="0" err="1">
+                <a:solidFill>
+                  <a:schemeClr val="tx1"/>
+                </a:solidFill>
+              </a:rPr>
+              <a:t>unterbunden</a:t>
+            </a:r>
+            <a:r>
+              <a:rPr lang="en-US" sz="1100" dirty="0">
+                <a:solidFill>
+                  <a:schemeClr val="tx1"/>
+                </a:solidFill>
+              </a:rPr>
+              <a:t>.</a:t>
+            </a:r>
+            <a:r>
+              <a:rPr lang="en-US" sz="1100" dirty="0">
+                <a:solidFill>
+                  <a:schemeClr val="tx1"/>
+                </a:solidFill>
+                <a:highlight>
+                  <a:srgbClr val="FFFF00"/>
+                </a:highlight>
+              </a:rPr>
+              <a:t> </a:t>
+            </a:r>
+            <a:r>
+              <a:rPr lang="en-US" sz="1100" dirty="0">
+                <a:solidFill>
+                  <a:schemeClr val="tx1"/>
+                </a:solidFill>
+              </a:rPr>
+              <a:t> </a:t>
+            </a:r>
+          </a:p>
+          <a:p>
+            <a:endParaRPr lang="en-US" sz="1600" u="sng" dirty="0">
+              <a:solidFill>
+                <a:schemeClr val="tx1"/>
+              </a:solidFill>
+            </a:endParaRPr>
+          </a:p>
+        </p:txBody>
+      </p:sp>
+      <p:sp>
+        <p:nvSpPr>
+          <p:cNvPr id="37" name="Rechteck 36">
+            <a:extLst>
+              <a:ext uri="{FF2B5EF4-FFF2-40B4-BE49-F238E27FC236}">
+                <a16:creationId xmlns:a16="http://schemas.microsoft.com/office/drawing/2014/main" id="{7E54AF16-B37A-C8CD-4097-01E390952846}"/>
+              </a:ext>
+            </a:extLst>
+          </p:cNvPr>
+          <p:cNvSpPr/>
+          <p:nvPr/>
+        </p:nvSpPr>
+        <p:spPr>
+          <a:xfrm>
+            <a:off x="192088" y="4625595"/>
+            <a:ext cx="5745162" cy="323850"/>
+          </a:xfrm>
+          <a:prstGeom prst="rect">
+            <a:avLst/>
+          </a:prstGeom>
+          <a:solidFill>
+            <a:schemeClr val="bg1"/>
+          </a:solidFill>
+          <a:ln w="6350">
+            <a:solidFill>
+              <a:schemeClr val="tx2"/>
+            </a:solidFill>
+          </a:ln>
+        </p:spPr>
+        <p:style>
+          <a:lnRef idx="2">
+            <a:schemeClr val="accent1">
+              <a:shade val="15000"/>
+            </a:schemeClr>
+          </a:lnRef>
+          <a:fillRef idx="1">
+            <a:schemeClr val="accent1"/>
+          </a:fillRef>
+          <a:effectRef idx="0">
+            <a:schemeClr val="accent1"/>
+          </a:effectRef>
+          <a:fontRef idx="minor">
+            <a:schemeClr val="lt1"/>
+          </a:fontRef>
+        </p:style>
+        <p:txBody>
+          <a:bodyPr rtlCol="0" anchor="ctr"/>
+          <a:lstStyle/>
+          <a:p>
+            <a:pPr fontAlgn="auto">
+              <a:spcAft>
+                <a:spcPts val="0"/>
+              </a:spcAft>
+            </a:pPr>
+            <a:r>
+              <a:rPr lang="de-DE" sz="1600" b="1" dirty="0">
+                <a:solidFill>
+                  <a:schemeClr val="tx1"/>
+                </a:solidFill>
+              </a:rPr>
+              <a:t>Customer </a:t>
+            </a:r>
+            <a:r>
+              <a:rPr lang="de-DE" sz="1600" b="1" dirty="0" err="1">
+                <a:solidFill>
+                  <a:schemeClr val="tx1"/>
+                </a:solidFill>
+              </a:rPr>
+              <a:t>Satisfaction</a:t>
+            </a:r>
+            <a:r>
+              <a:rPr lang="de-DE" sz="1600" b="1" dirty="0">
+                <a:solidFill>
+                  <a:schemeClr val="tx1"/>
+                </a:solidFill>
+              </a:rPr>
+              <a:t>: </a:t>
+            </a:r>
+            <a:r>
+              <a:rPr lang="de-DE" sz="1100" dirty="0">
+                <a:solidFill>
+                  <a:schemeClr val="tx1"/>
+                </a:solidFill>
+              </a:rPr>
+              <a:t>5</a:t>
+            </a:r>
+          </a:p>
+        </p:txBody>
+      </p:sp>
+      <p:sp>
+        <p:nvSpPr>
+          <p:cNvPr id="38" name="Rechteck 37">
+            <a:extLst>
+              <a:ext uri="{FF2B5EF4-FFF2-40B4-BE49-F238E27FC236}">
+                <a16:creationId xmlns:a16="http://schemas.microsoft.com/office/drawing/2014/main" id="{13DEABC4-F927-7430-C34E-A95EFE700E9E}"/>
+              </a:ext>
+            </a:extLst>
+          </p:cNvPr>
+          <p:cNvSpPr/>
+          <p:nvPr/>
+        </p:nvSpPr>
+        <p:spPr>
+          <a:xfrm>
+            <a:off x="6254749" y="4622801"/>
+            <a:ext cx="5745162" cy="323850"/>
+          </a:xfrm>
+          <a:prstGeom prst="rect">
+            <a:avLst/>
+          </a:prstGeom>
+          <a:solidFill>
+            <a:schemeClr val="bg1"/>
+          </a:solidFill>
+          <a:ln w="6350">
+            <a:solidFill>
+              <a:schemeClr val="tx2"/>
+            </a:solidFill>
+          </a:ln>
+        </p:spPr>
+        <p:style>
+          <a:lnRef idx="2">
+            <a:schemeClr val="accent1">
+              <a:shade val="15000"/>
+            </a:schemeClr>
+          </a:lnRef>
+          <a:fillRef idx="1">
+            <a:schemeClr val="accent1"/>
+          </a:fillRef>
+          <a:effectRef idx="0">
+            <a:schemeClr val="accent1"/>
+          </a:effectRef>
+          <a:fontRef idx="minor">
+            <a:schemeClr val="lt1"/>
+          </a:fontRef>
+        </p:style>
+        <p:txBody>
+          <a:bodyPr rtlCol="0" anchor="ctr"/>
+          <a:lstStyle/>
+          <a:p>
+            <a:r>
+              <a:rPr lang="de-DE" sz="1600" b="1" dirty="0">
+                <a:solidFill>
+                  <a:schemeClr val="tx1"/>
+                </a:solidFill>
+              </a:rPr>
+              <a:t>Customer </a:t>
+            </a:r>
+            <a:r>
+              <a:rPr lang="de-DE" sz="1600" b="1" dirty="0" err="1">
+                <a:solidFill>
+                  <a:schemeClr val="tx1"/>
+                </a:solidFill>
+              </a:rPr>
+              <a:t>Dissatisfaction</a:t>
+            </a:r>
+            <a:r>
+              <a:rPr lang="de-DE" sz="1600" b="1" dirty="0">
+                <a:solidFill>
+                  <a:schemeClr val="tx1"/>
+                </a:solidFill>
+              </a:rPr>
+              <a:t>: </a:t>
+            </a:r>
+            <a:r>
+              <a:rPr lang="de-DE" sz="1100" dirty="0">
+                <a:solidFill>
+                  <a:schemeClr val="tx1"/>
+                </a:solidFill>
+              </a:rPr>
+              <a:t>5</a:t>
+            </a:r>
+          </a:p>
+        </p:txBody>
+      </p:sp>
+      <p:sp>
+        <p:nvSpPr>
+          <p:cNvPr id="39" name="Rechteck 38">
+            <a:extLst>
+              <a:ext uri="{FF2B5EF4-FFF2-40B4-BE49-F238E27FC236}">
+                <a16:creationId xmlns:a16="http://schemas.microsoft.com/office/drawing/2014/main" id="{471FE1A2-3F91-3C41-3A17-68A3E769064B}"/>
+              </a:ext>
+            </a:extLst>
+          </p:cNvPr>
+          <p:cNvSpPr/>
+          <p:nvPr/>
+        </p:nvSpPr>
+        <p:spPr>
+          <a:xfrm>
+            <a:off x="192090" y="5088214"/>
+            <a:ext cx="5745162" cy="323850"/>
+          </a:xfrm>
+          <a:prstGeom prst="rect">
+            <a:avLst/>
+          </a:prstGeom>
+          <a:solidFill>
+            <a:schemeClr val="bg1"/>
+          </a:solidFill>
+          <a:ln w="6350">
+            <a:solidFill>
+              <a:schemeClr val="tx2"/>
+            </a:solidFill>
+          </a:ln>
+        </p:spPr>
+        <p:style>
+          <a:lnRef idx="2">
+            <a:schemeClr val="accent1">
+              <a:shade val="15000"/>
+            </a:schemeClr>
+          </a:lnRef>
+          <a:fillRef idx="1">
+            <a:schemeClr val="accent1"/>
+          </a:fillRef>
+          <a:effectRef idx="0">
+            <a:schemeClr val="accent1"/>
+          </a:effectRef>
+          <a:fontRef idx="minor">
+            <a:schemeClr val="lt1"/>
+          </a:fontRef>
+        </p:style>
+        <p:txBody>
+          <a:bodyPr rtlCol="0" anchor="ctr"/>
+          <a:lstStyle/>
+          <a:p>
+            <a:pPr fontAlgn="auto">
+              <a:spcAft>
+                <a:spcPts val="0"/>
+              </a:spcAft>
+            </a:pPr>
+            <a:r>
+              <a:rPr lang="de-DE" sz="1600" b="1" dirty="0" err="1">
+                <a:solidFill>
+                  <a:schemeClr val="tx1"/>
+                </a:solidFill>
+              </a:rPr>
+              <a:t>Priority</a:t>
+            </a:r>
+            <a:r>
+              <a:rPr lang="de-DE" sz="1600" b="1" dirty="0">
+                <a:solidFill>
+                  <a:schemeClr val="tx1"/>
+                </a:solidFill>
+              </a:rPr>
+              <a:t>: </a:t>
+            </a:r>
+            <a:r>
+              <a:rPr lang="de-DE" sz="1100" dirty="0">
+                <a:solidFill>
+                  <a:schemeClr val="tx1"/>
+                </a:solidFill>
+              </a:rPr>
+              <a:t>Hoch</a:t>
+            </a:r>
+          </a:p>
+        </p:txBody>
+      </p:sp>
+      <p:sp>
+        <p:nvSpPr>
+          <p:cNvPr id="40" name="Rechteck 39">
+            <a:extLst>
+              <a:ext uri="{FF2B5EF4-FFF2-40B4-BE49-F238E27FC236}">
+                <a16:creationId xmlns:a16="http://schemas.microsoft.com/office/drawing/2014/main" id="{A795D51B-2222-923F-151D-87599B6D750A}"/>
+              </a:ext>
+            </a:extLst>
+          </p:cNvPr>
+          <p:cNvSpPr/>
+          <p:nvPr/>
+        </p:nvSpPr>
+        <p:spPr>
+          <a:xfrm>
+            <a:off x="6254751" y="5086351"/>
+            <a:ext cx="5745162" cy="323850"/>
+          </a:xfrm>
+          <a:prstGeom prst="rect">
+            <a:avLst/>
+          </a:prstGeom>
+          <a:solidFill>
+            <a:schemeClr val="bg1"/>
+          </a:solidFill>
+          <a:ln w="6350">
+            <a:solidFill>
+              <a:schemeClr val="tx2"/>
+            </a:solidFill>
+          </a:ln>
+        </p:spPr>
+        <p:style>
+          <a:lnRef idx="2">
+            <a:schemeClr val="accent1">
+              <a:shade val="15000"/>
+            </a:schemeClr>
+          </a:lnRef>
+          <a:fillRef idx="1">
+            <a:schemeClr val="accent1"/>
+          </a:fillRef>
+          <a:effectRef idx="0">
+            <a:schemeClr val="accent1"/>
+          </a:effectRef>
+          <a:fontRef idx="minor">
+            <a:schemeClr val="lt1"/>
+          </a:fontRef>
+        </p:style>
+        <p:txBody>
+          <a:bodyPr rtlCol="0" anchor="ctr"/>
+          <a:lstStyle/>
+          <a:p>
+            <a:r>
+              <a:rPr lang="de-DE" sz="1600" b="1" dirty="0" err="1">
+                <a:solidFill>
+                  <a:schemeClr val="tx1"/>
+                </a:solidFill>
+              </a:rPr>
+              <a:t>Conflicts</a:t>
+            </a:r>
+            <a:r>
+              <a:rPr lang="de-DE" sz="1600" b="1" dirty="0">
+                <a:solidFill>
+                  <a:schemeClr val="tx1"/>
+                </a:solidFill>
+              </a:rPr>
+              <a:t>: </a:t>
+            </a:r>
+            <a:r>
+              <a:rPr lang="de-DE" sz="1100" dirty="0">
+                <a:solidFill>
+                  <a:schemeClr val="tx1"/>
+                </a:solidFill>
+              </a:rPr>
+              <a:t>-</a:t>
+            </a:r>
+          </a:p>
+        </p:txBody>
+      </p:sp>
+      <p:sp>
+        <p:nvSpPr>
+          <p:cNvPr id="41" name="Rechteck 40">
+            <a:extLst>
+              <a:ext uri="{FF2B5EF4-FFF2-40B4-BE49-F238E27FC236}">
+                <a16:creationId xmlns:a16="http://schemas.microsoft.com/office/drawing/2014/main" id="{DBCA10D7-2C6C-B223-1DDA-6FB870CC1889}"/>
+              </a:ext>
+            </a:extLst>
+          </p:cNvPr>
+          <p:cNvSpPr/>
+          <p:nvPr/>
+        </p:nvSpPr>
+        <p:spPr>
+          <a:xfrm>
+            <a:off x="192086" y="5550833"/>
+            <a:ext cx="5745162" cy="323850"/>
+          </a:xfrm>
+          <a:prstGeom prst="rect">
+            <a:avLst/>
+          </a:prstGeom>
+          <a:solidFill>
+            <a:schemeClr val="bg1"/>
+          </a:solidFill>
+          <a:ln w="6350">
+            <a:solidFill>
+              <a:schemeClr val="tx2"/>
+            </a:solidFill>
+          </a:ln>
+        </p:spPr>
+        <p:style>
+          <a:lnRef idx="2">
+            <a:schemeClr val="accent1">
+              <a:shade val="15000"/>
+            </a:schemeClr>
+          </a:lnRef>
+          <a:fillRef idx="1">
+            <a:schemeClr val="accent1"/>
+          </a:fillRef>
+          <a:effectRef idx="0">
+            <a:schemeClr val="accent1"/>
+          </a:effectRef>
+          <a:fontRef idx="minor">
+            <a:schemeClr val="lt1"/>
+          </a:fontRef>
+        </p:style>
+        <p:txBody>
+          <a:bodyPr rtlCol="0" anchor="ctr"/>
+          <a:lstStyle/>
+          <a:p>
+            <a:pPr fontAlgn="auto">
+              <a:spcAft>
+                <a:spcPts val="0"/>
+              </a:spcAft>
+            </a:pPr>
+            <a:r>
+              <a:rPr lang="de-DE" sz="1600" b="1" dirty="0" err="1">
+                <a:solidFill>
+                  <a:schemeClr val="tx1"/>
+                </a:solidFill>
+              </a:rPr>
+              <a:t>Supporting</a:t>
+            </a:r>
+            <a:r>
+              <a:rPr lang="de-DE" sz="1600" b="1" dirty="0">
+                <a:solidFill>
+                  <a:schemeClr val="tx1"/>
+                </a:solidFill>
+              </a:rPr>
+              <a:t> Materials: </a:t>
+            </a:r>
+            <a:r>
+              <a:rPr lang="de-DE" sz="1100" dirty="0">
+                <a:solidFill>
+                  <a:schemeClr val="tx1"/>
+                </a:solidFill>
+              </a:rPr>
+              <a:t>Projektbeschreibung</a:t>
+            </a:r>
+          </a:p>
+        </p:txBody>
+      </p:sp>
+      <p:sp>
+        <p:nvSpPr>
+          <p:cNvPr id="42" name="Rechteck 41">
+            <a:extLst>
+              <a:ext uri="{FF2B5EF4-FFF2-40B4-BE49-F238E27FC236}">
+                <a16:creationId xmlns:a16="http://schemas.microsoft.com/office/drawing/2014/main" id="{4982DAF1-6525-8FA8-CF56-A9A32A0A4C2A}"/>
+              </a:ext>
+            </a:extLst>
+          </p:cNvPr>
+          <p:cNvSpPr/>
+          <p:nvPr/>
+        </p:nvSpPr>
+        <p:spPr>
+          <a:xfrm>
+            <a:off x="192088" y="6013455"/>
+            <a:ext cx="5745162" cy="323850"/>
+          </a:xfrm>
+          <a:prstGeom prst="rect">
+            <a:avLst/>
+          </a:prstGeom>
+          <a:solidFill>
+            <a:schemeClr val="bg1"/>
+          </a:solidFill>
+          <a:ln w="6350">
+            <a:solidFill>
+              <a:schemeClr val="tx2"/>
+            </a:solidFill>
+          </a:ln>
+        </p:spPr>
+        <p:style>
+          <a:lnRef idx="2">
+            <a:schemeClr val="accent1">
+              <a:shade val="15000"/>
+            </a:schemeClr>
+          </a:lnRef>
+          <a:fillRef idx="1">
+            <a:schemeClr val="accent1"/>
+          </a:fillRef>
+          <a:effectRef idx="0">
+            <a:schemeClr val="accent1"/>
+          </a:effectRef>
+          <a:fontRef idx="minor">
+            <a:schemeClr val="lt1"/>
+          </a:fontRef>
+        </p:style>
+        <p:txBody>
+          <a:bodyPr rtlCol="0" anchor="ctr"/>
+          <a:lstStyle/>
+          <a:p>
+            <a:pPr fontAlgn="auto">
+              <a:spcAft>
+                <a:spcPts val="0"/>
+              </a:spcAft>
+            </a:pPr>
+            <a:r>
+              <a:rPr lang="de-DE" sz="1600" b="1" dirty="0" err="1">
+                <a:solidFill>
+                  <a:schemeClr val="tx1"/>
+                </a:solidFill>
+              </a:rPr>
+              <a:t>History</a:t>
+            </a:r>
+            <a:r>
+              <a:rPr lang="de-DE" sz="1600" b="1" dirty="0">
+                <a:solidFill>
+                  <a:schemeClr val="tx1"/>
+                </a:solidFill>
+              </a:rPr>
+              <a:t>: </a:t>
+            </a:r>
+            <a:r>
+              <a:rPr lang="de-DE" sz="1100" dirty="0">
+                <a:solidFill>
+                  <a:schemeClr val="tx1"/>
+                </a:solidFill>
+              </a:rPr>
+              <a:t>Erstellt 02.11.2025, bearbeitet: -, </a:t>
+            </a:r>
+            <a:r>
+              <a:rPr lang="de-DE" sz="1100" dirty="0" err="1">
+                <a:solidFill>
+                  <a:schemeClr val="tx1"/>
+                </a:solidFill>
+              </a:rPr>
+              <a:t>letzte</a:t>
+            </a:r>
+            <a:r>
+              <a:rPr lang="de-DE" sz="1100" dirty="0" err="1">
+                <a:solidFill>
+                  <a:schemeClr val="tx1"/>
+                </a:solidFill>
+                <a:highlight>
+                  <a:srgbClr val="FFFF00"/>
+                </a:highlight>
+              </a:rPr>
+              <a:t>:r</a:t>
+            </a:r>
+            <a:r>
+              <a:rPr lang="de-DE" sz="1100" dirty="0">
+                <a:solidFill>
+                  <a:schemeClr val="tx1"/>
+                </a:solidFill>
+                <a:highlight>
+                  <a:srgbClr val="FFFF00"/>
+                </a:highlight>
+              </a:rPr>
+              <a:t> </a:t>
+            </a:r>
+            <a:r>
+              <a:rPr lang="de-DE" sz="1100" dirty="0" err="1">
+                <a:solidFill>
+                  <a:schemeClr val="tx1"/>
+                </a:solidFill>
+              </a:rPr>
+              <a:t>Bearbeiter:in</a:t>
+            </a:r>
+            <a:r>
+              <a:rPr lang="de-DE" sz="1100" dirty="0">
+                <a:solidFill>
+                  <a:schemeClr val="tx1"/>
+                </a:solidFill>
+              </a:rPr>
+              <a:t> Anton Schmierer</a:t>
+            </a:r>
+          </a:p>
+        </p:txBody>
+      </p:sp>
+    </p:spTree>
+    <p:extLst>
+      <p:ext uri="{BB962C8B-B14F-4D97-AF65-F5344CB8AC3E}">
+        <p14:creationId xmlns:p14="http://schemas.microsoft.com/office/powerpoint/2010/main" val="2234277037"/>
       </p:ext>
     </p:extLst>
   </p:cSld>

--- a/requirements/Snow_Cards.pptx
+++ b/requirements/Snow_Cards.pptx
@@ -6,27 +6,28 @@
     <p:sldMasterId id="2147483699" r:id="rId2"/>
   </p:sldMasterIdLst>
   <p:notesMasterIdLst>
-    <p:notesMasterId r:id="rId8"/>
+    <p:notesMasterId r:id="rId9"/>
   </p:notesMasterIdLst>
   <p:handoutMasterIdLst>
-    <p:handoutMasterId r:id="rId9"/>
+    <p:handoutMasterId r:id="rId10"/>
   </p:handoutMasterIdLst>
   <p:sldIdLst>
     <p:sldId id="309" r:id="rId3"/>
     <p:sldId id="320" r:id="rId4"/>
     <p:sldId id="325" r:id="rId5"/>
     <p:sldId id="323" r:id="rId6"/>
-    <p:sldId id="324" r:id="rId7"/>
+    <p:sldId id="326" r:id="rId7"/>
+    <p:sldId id="324" r:id="rId8"/>
   </p:sldIdLst>
   <p:sldSz cx="12192000" cy="6858000"/>
   <p:notesSz cx="9928225" cy="6797675"/>
   <p:embeddedFontLst>
     <p:embeddedFont>
       <p:font typeface="Roboto" panose="02000000000000000000" pitchFamily="2" charset="0"/>
-      <p:regular r:id="rId10"/>
-      <p:bold r:id="rId11"/>
-      <p:italic r:id="rId12"/>
-      <p:boldItalic r:id="rId13"/>
+      <p:regular r:id="rId11"/>
+      <p:bold r:id="rId12"/>
+      <p:italic r:id="rId13"/>
+      <p:boldItalic r:id="rId14"/>
     </p:embeddedFont>
   </p:embeddedFontLst>
   <p:defaultTextStyle>
@@ -190,7 +191,7 @@
 <file path=ppt/revisionInfo.xml><?xml version="1.0" encoding="utf-8"?>
 <p1510:revInfo xmlns:a="http://schemas.openxmlformats.org/drawingml/2006/main" xmlns:r="http://schemas.openxmlformats.org/officeDocument/2006/relationships" xmlns:p1510="http://schemas.microsoft.com/office/powerpoint/2015/10/main">
   <p1510:revLst>
-    <p1510:client id="{491B7DA5-8C32-4711-AF06-E98DA0A06F70}" v="43" dt="2025-10-31T17:19:02.795"/>
+    <p1510:client id="{6E658FB9-B10F-459E-BB86-CAF2502B39E7}" v="9" dt="2025-11-02T12:30:40.682"/>
   </p1510:revLst>
 </p1510:revInfo>
 </file>
@@ -200,7 +201,7 @@
   <pc:docChgLst>
     <pc:chgData name="Anton Schmierer" userId="cd19fb61ffe98ab8" providerId="LiveId" clId="{80B9D0F7-EA3F-41F2-A018-82727FD7D854}"/>
     <pc:docChg chg="undo custSel addSld delSld modSld">
-      <pc:chgData name="Anton Schmierer" userId="cd19fb61ffe98ab8" providerId="LiveId" clId="{80B9D0F7-EA3F-41F2-A018-82727FD7D854}" dt="2025-10-31T17:30:08.735" v="1560" actId="20577"/>
+      <pc:chgData name="Anton Schmierer" userId="cd19fb61ffe98ab8" providerId="LiveId" clId="{80B9D0F7-EA3F-41F2-A018-82727FD7D854}" dt="2025-11-02T12:33:45.497" v="2138" actId="20577"/>
       <pc:docMkLst>
         <pc:docMk/>
       </pc:docMkLst>
@@ -254,174 +255,6 @@
           <pc:docMk/>
           <pc:sldMk cId="4138308023" sldId="321"/>
         </pc:sldMkLst>
-        <pc:spChg chg="add mod">
-          <ac:chgData name="Anton Schmierer" userId="cd19fb61ffe98ab8" providerId="LiveId" clId="{80B9D0F7-EA3F-41F2-A018-82727FD7D854}" dt="2025-10-31T16:44:03.557" v="598" actId="403"/>
-          <ac:spMkLst>
-            <pc:docMk/>
-            <pc:sldMk cId="4138308023" sldId="321"/>
-            <ac:spMk id="2" creationId="{58E6ED6A-5276-3D67-F900-C2A4C6F791A3}"/>
-          </ac:spMkLst>
-        </pc:spChg>
-        <pc:spChg chg="add mod">
-          <ac:chgData name="Anton Schmierer" userId="cd19fb61ffe98ab8" providerId="LiveId" clId="{80B9D0F7-EA3F-41F2-A018-82727FD7D854}" dt="2025-10-31T16:44:09.804" v="602" actId="404"/>
-          <ac:spMkLst>
-            <pc:docMk/>
-            <pc:sldMk cId="4138308023" sldId="321"/>
-            <ac:spMk id="3" creationId="{3B00EDAD-1365-FF3F-A259-D94E746F412E}"/>
-          </ac:spMkLst>
-        </pc:spChg>
-        <pc:spChg chg="add mod">
-          <ac:chgData name="Anton Schmierer" userId="cd19fb61ffe98ab8" providerId="LiveId" clId="{80B9D0F7-EA3F-41F2-A018-82727FD7D854}" dt="2025-10-31T16:44:03.557" v="598" actId="403"/>
-          <ac:spMkLst>
-            <pc:docMk/>
-            <pc:sldMk cId="4138308023" sldId="321"/>
-            <ac:spMk id="4" creationId="{4BBE0604-7D99-1D7A-C7BE-2A7B9CE40F3A}"/>
-          </ac:spMkLst>
-        </pc:spChg>
-        <pc:spChg chg="mod">
-          <ac:chgData name="Anton Schmierer" userId="cd19fb61ffe98ab8" providerId="LiveId" clId="{80B9D0F7-EA3F-41F2-A018-82727FD7D854}" dt="2025-10-31T16:32:13.700" v="308" actId="1076"/>
-          <ac:spMkLst>
-            <pc:docMk/>
-            <pc:sldMk cId="4138308023" sldId="321"/>
-            <ac:spMk id="5" creationId="{E3079A6A-7F56-E714-B4D4-F61F7E7F9DC0}"/>
-          </ac:spMkLst>
-        </pc:spChg>
-        <pc:spChg chg="add mod">
-          <ac:chgData name="Anton Schmierer" userId="cd19fb61ffe98ab8" providerId="LiveId" clId="{80B9D0F7-EA3F-41F2-A018-82727FD7D854}" dt="2025-10-31T16:20:44.219" v="70"/>
-          <ac:spMkLst>
-            <pc:docMk/>
-            <pc:sldMk cId="4138308023" sldId="321"/>
-            <ac:spMk id="6" creationId="{C6050A22-A784-0486-8D60-40021A989C88}"/>
-          </ac:spMkLst>
-        </pc:spChg>
-        <pc:spChg chg="mod">
-          <ac:chgData name="Anton Schmierer" userId="cd19fb61ffe98ab8" providerId="LiveId" clId="{80B9D0F7-EA3F-41F2-A018-82727FD7D854}" dt="2025-10-31T16:44:03.557" v="598" actId="403"/>
-          <ac:spMkLst>
-            <pc:docMk/>
-            <pc:sldMk cId="4138308023" sldId="321"/>
-            <ac:spMk id="7" creationId="{181661DF-5A32-8022-52A5-967FF12A5251}"/>
-          </ac:spMkLst>
-        </pc:spChg>
-        <pc:spChg chg="add mod">
-          <ac:chgData name="Anton Schmierer" userId="cd19fb61ffe98ab8" providerId="LiveId" clId="{80B9D0F7-EA3F-41F2-A018-82727FD7D854}" dt="2025-10-31T16:44:03.557" v="598" actId="403"/>
-          <ac:spMkLst>
-            <pc:docMk/>
-            <pc:sldMk cId="4138308023" sldId="321"/>
-            <ac:spMk id="8" creationId="{355D9EBE-0F44-B8C9-5766-9DE81F0C789E}"/>
-          </ac:spMkLst>
-        </pc:spChg>
-        <pc:spChg chg="add mod">
-          <ac:chgData name="Anton Schmierer" userId="cd19fb61ffe98ab8" providerId="LiveId" clId="{80B9D0F7-EA3F-41F2-A018-82727FD7D854}" dt="2025-10-31T16:43:23.792" v="593" actId="552"/>
-          <ac:spMkLst>
-            <pc:docMk/>
-            <pc:sldMk cId="4138308023" sldId="321"/>
-            <ac:spMk id="9" creationId="{56A1587D-4EEB-DD13-9050-797908653041}"/>
-          </ac:spMkLst>
-        </pc:spChg>
-        <pc:spChg chg="add mod">
-          <ac:chgData name="Anton Schmierer" userId="cd19fb61ffe98ab8" providerId="LiveId" clId="{80B9D0F7-EA3F-41F2-A018-82727FD7D854}" dt="2025-10-31T16:44:03.557" v="598" actId="403"/>
-          <ac:spMkLst>
-            <pc:docMk/>
-            <pc:sldMk cId="4138308023" sldId="321"/>
-            <ac:spMk id="10" creationId="{4BB91660-F14D-0B9A-E4D1-2846A3B3C228}"/>
-          </ac:spMkLst>
-        </pc:spChg>
-        <pc:spChg chg="add mod">
-          <ac:chgData name="Anton Schmierer" userId="cd19fb61ffe98ab8" providerId="LiveId" clId="{80B9D0F7-EA3F-41F2-A018-82727FD7D854}" dt="2025-10-31T16:43:23.792" v="593" actId="552"/>
-          <ac:spMkLst>
-            <pc:docMk/>
-            <pc:sldMk cId="4138308023" sldId="321"/>
-            <ac:spMk id="11" creationId="{1308DCC4-7AAC-145F-F74A-FBC19A98C27F}"/>
-          </ac:spMkLst>
-        </pc:spChg>
-        <pc:spChg chg="add del mod">
-          <ac:chgData name="Anton Schmierer" userId="cd19fb61ffe98ab8" providerId="LiveId" clId="{80B9D0F7-EA3F-41F2-A018-82727FD7D854}" dt="2025-10-31T16:40:41.198" v="549" actId="478"/>
-          <ac:spMkLst>
-            <pc:docMk/>
-            <pc:sldMk cId="4138308023" sldId="321"/>
-            <ac:spMk id="12" creationId="{D4321070-1144-83D2-4C57-E674063C8BFA}"/>
-          </ac:spMkLst>
-        </pc:spChg>
-        <pc:spChg chg="add del mod">
-          <ac:chgData name="Anton Schmierer" userId="cd19fb61ffe98ab8" providerId="LiveId" clId="{80B9D0F7-EA3F-41F2-A018-82727FD7D854}" dt="2025-10-31T16:38:27.909" v="499" actId="478"/>
-          <ac:spMkLst>
-            <pc:docMk/>
-            <pc:sldMk cId="4138308023" sldId="321"/>
-            <ac:spMk id="13" creationId="{F78E5A0C-6A28-2766-8E7A-573189EF9659}"/>
-          </ac:spMkLst>
-        </pc:spChg>
-        <pc:spChg chg="add del mod">
-          <ac:chgData name="Anton Schmierer" userId="cd19fb61ffe98ab8" providerId="LiveId" clId="{80B9D0F7-EA3F-41F2-A018-82727FD7D854}" dt="2025-10-31T16:38:26.150" v="498" actId="478"/>
-          <ac:spMkLst>
-            <pc:docMk/>
-            <pc:sldMk cId="4138308023" sldId="321"/>
-            <ac:spMk id="14" creationId="{793E0EDC-BF67-DC25-58E3-462A795DA487}"/>
-          </ac:spMkLst>
-        </pc:spChg>
-        <pc:spChg chg="add del mod">
-          <ac:chgData name="Anton Schmierer" userId="cd19fb61ffe98ab8" providerId="LiveId" clId="{80B9D0F7-EA3F-41F2-A018-82727FD7D854}" dt="2025-10-31T16:38:26.150" v="498" actId="478"/>
-          <ac:spMkLst>
-            <pc:docMk/>
-            <pc:sldMk cId="4138308023" sldId="321"/>
-            <ac:spMk id="15" creationId="{6FF1A289-CD6F-CDEC-544F-05146FA1651B}"/>
-          </ac:spMkLst>
-        </pc:spChg>
-        <pc:spChg chg="add del mod">
-          <ac:chgData name="Anton Schmierer" userId="cd19fb61ffe98ab8" providerId="LiveId" clId="{80B9D0F7-EA3F-41F2-A018-82727FD7D854}" dt="2025-10-31T16:38:29.427" v="500" actId="478"/>
-          <ac:spMkLst>
-            <pc:docMk/>
-            <pc:sldMk cId="4138308023" sldId="321"/>
-            <ac:spMk id="16" creationId="{2BFEEABB-F264-299E-5949-12F37D5B9AD8}"/>
-          </ac:spMkLst>
-        </pc:spChg>
-        <pc:spChg chg="add del mod">
-          <ac:chgData name="Anton Schmierer" userId="cd19fb61ffe98ab8" providerId="LiveId" clId="{80B9D0F7-EA3F-41F2-A018-82727FD7D854}" dt="2025-10-31T16:36:55.188" v="446" actId="478"/>
-          <ac:spMkLst>
-            <pc:docMk/>
-            <pc:sldMk cId="4138308023" sldId="321"/>
-            <ac:spMk id="17" creationId="{6D1D89FE-488E-DCA0-2885-9E4285C1D55E}"/>
-          </ac:spMkLst>
-        </pc:spChg>
-        <pc:spChg chg="add mod">
-          <ac:chgData name="Anton Schmierer" userId="cd19fb61ffe98ab8" providerId="LiveId" clId="{80B9D0F7-EA3F-41F2-A018-82727FD7D854}" dt="2025-10-31T16:44:03.557" v="598" actId="403"/>
-          <ac:spMkLst>
-            <pc:docMk/>
-            <pc:sldMk cId="4138308023" sldId="321"/>
-            <ac:spMk id="18" creationId="{B1F993AC-A5D7-14A7-08A6-7897ED28436C}"/>
-          </ac:spMkLst>
-        </pc:spChg>
-        <pc:spChg chg="add mod">
-          <ac:chgData name="Anton Schmierer" userId="cd19fb61ffe98ab8" providerId="LiveId" clId="{80B9D0F7-EA3F-41F2-A018-82727FD7D854}" dt="2025-10-31T16:44:03.557" v="598" actId="403"/>
-          <ac:spMkLst>
-            <pc:docMk/>
-            <pc:sldMk cId="4138308023" sldId="321"/>
-            <ac:spMk id="19" creationId="{96905951-54E1-5403-B737-225E2A9EDA0A}"/>
-          </ac:spMkLst>
-        </pc:spChg>
-        <pc:spChg chg="add mod">
-          <ac:chgData name="Anton Schmierer" userId="cd19fb61ffe98ab8" providerId="LiveId" clId="{80B9D0F7-EA3F-41F2-A018-82727FD7D854}" dt="2025-10-31T16:44:03.557" v="598" actId="403"/>
-          <ac:spMkLst>
-            <pc:docMk/>
-            <pc:sldMk cId="4138308023" sldId="321"/>
-            <ac:spMk id="20" creationId="{BE2ACEA5-9E72-24F1-6151-FFF0233B38A1}"/>
-          </ac:spMkLst>
-        </pc:spChg>
-        <pc:spChg chg="add mod">
-          <ac:chgData name="Anton Schmierer" userId="cd19fb61ffe98ab8" providerId="LiveId" clId="{80B9D0F7-EA3F-41F2-A018-82727FD7D854}" dt="2025-10-31T16:44:03.557" v="598" actId="403"/>
-          <ac:spMkLst>
-            <pc:docMk/>
-            <pc:sldMk cId="4138308023" sldId="321"/>
-            <ac:spMk id="21" creationId="{68E24266-F891-5AD3-4AEA-6594439CD2AC}"/>
-          </ac:spMkLst>
-        </pc:spChg>
-        <pc:spChg chg="add mod">
-          <ac:chgData name="Anton Schmierer" userId="cd19fb61ffe98ab8" providerId="LiveId" clId="{80B9D0F7-EA3F-41F2-A018-82727FD7D854}" dt="2025-10-31T16:44:03.557" v="598" actId="403"/>
-          <ac:spMkLst>
-            <pc:docMk/>
-            <pc:sldMk cId="4138308023" sldId="321"/>
-            <ac:spMk id="22" creationId="{583DF7D8-7ABC-5AE2-4C68-BB7D305F7127}"/>
-          </ac:spMkLst>
-        </pc:spChg>
       </pc:sldChg>
       <pc:sldChg chg="del">
         <pc:chgData name="Anton Schmierer" userId="cd19fb61ffe98ab8" providerId="LiveId" clId="{80B9D0F7-EA3F-41F2-A018-82727FD7D854}" dt="2025-10-31T16:09:01.383" v="2" actId="2696"/>
@@ -436,285 +269,13 @@
           <pc:docMk/>
           <pc:sldMk cId="3874823076" sldId="322"/>
         </pc:sldMkLst>
-        <pc:spChg chg="del">
-          <ac:chgData name="Anton Schmierer" userId="cd19fb61ffe98ab8" providerId="LiveId" clId="{80B9D0F7-EA3F-41F2-A018-82727FD7D854}" dt="2025-10-31T16:30:54.165" v="305" actId="478"/>
-          <ac:spMkLst>
-            <pc:docMk/>
-            <pc:sldMk cId="3874823076" sldId="322"/>
-            <ac:spMk id="2" creationId="{A36ABC37-52CE-908C-8863-A4BD917D0A6A}"/>
-          </ac:spMkLst>
-        </pc:spChg>
-        <pc:spChg chg="del">
-          <ac:chgData name="Anton Schmierer" userId="cd19fb61ffe98ab8" providerId="LiveId" clId="{80B9D0F7-EA3F-41F2-A018-82727FD7D854}" dt="2025-10-31T16:30:54.165" v="305" actId="478"/>
-          <ac:spMkLst>
-            <pc:docMk/>
-            <pc:sldMk cId="3874823076" sldId="322"/>
-            <ac:spMk id="3" creationId="{A286D2DB-6ECA-3F0B-77CC-DD8C96CECC97}"/>
-          </ac:spMkLst>
-        </pc:spChg>
-        <pc:spChg chg="del">
-          <ac:chgData name="Anton Schmierer" userId="cd19fb61ffe98ab8" providerId="LiveId" clId="{80B9D0F7-EA3F-41F2-A018-82727FD7D854}" dt="2025-10-31T16:30:50.106" v="304" actId="478"/>
-          <ac:spMkLst>
-            <pc:docMk/>
-            <pc:sldMk cId="3874823076" sldId="322"/>
-            <ac:spMk id="4" creationId="{2F694394-49CA-E2AA-5100-65BA65C399EF}"/>
-          </ac:spMkLst>
-        </pc:spChg>
-        <pc:spChg chg="mod">
-          <ac:chgData name="Anton Schmierer" userId="cd19fb61ffe98ab8" providerId="LiveId" clId="{80B9D0F7-EA3F-41F2-A018-82727FD7D854}" dt="2025-10-31T16:30:44.603" v="303" actId="1076"/>
-          <ac:spMkLst>
-            <pc:docMk/>
-            <pc:sldMk cId="3874823076" sldId="322"/>
-            <ac:spMk id="5" creationId="{095B6D34-7DF2-5923-C8E2-20A069249269}"/>
-          </ac:spMkLst>
-        </pc:spChg>
-        <pc:spChg chg="del">
-          <ac:chgData name="Anton Schmierer" userId="cd19fb61ffe98ab8" providerId="LiveId" clId="{80B9D0F7-EA3F-41F2-A018-82727FD7D854}" dt="2025-10-31T16:30:54.165" v="305" actId="478"/>
-          <ac:spMkLst>
-            <pc:docMk/>
-            <pc:sldMk cId="3874823076" sldId="322"/>
-            <ac:spMk id="7" creationId="{F8371035-9B93-15AE-FDF9-58C768340EA0}"/>
-          </ac:spMkLst>
-        </pc:spChg>
-        <pc:spChg chg="del">
-          <ac:chgData name="Anton Schmierer" userId="cd19fb61ffe98ab8" providerId="LiveId" clId="{80B9D0F7-EA3F-41F2-A018-82727FD7D854}" dt="2025-10-31T16:30:50.106" v="304" actId="478"/>
-          <ac:spMkLst>
-            <pc:docMk/>
-            <pc:sldMk cId="3874823076" sldId="322"/>
-            <ac:spMk id="8" creationId="{AEAC1907-6830-5E6F-8BBF-8A648ECF95AC}"/>
-          </ac:spMkLst>
-        </pc:spChg>
-        <pc:spChg chg="del">
-          <ac:chgData name="Anton Schmierer" userId="cd19fb61ffe98ab8" providerId="LiveId" clId="{80B9D0F7-EA3F-41F2-A018-82727FD7D854}" dt="2025-10-31T16:30:50.106" v="304" actId="478"/>
-          <ac:spMkLst>
-            <pc:docMk/>
-            <pc:sldMk cId="3874823076" sldId="322"/>
-            <ac:spMk id="9" creationId="{34120DDE-515B-459C-9537-F570EF71972A}"/>
-          </ac:spMkLst>
-        </pc:spChg>
-        <pc:spChg chg="del">
-          <ac:chgData name="Anton Schmierer" userId="cd19fb61ffe98ab8" providerId="LiveId" clId="{80B9D0F7-EA3F-41F2-A018-82727FD7D854}" dt="2025-10-31T16:30:50.106" v="304" actId="478"/>
-          <ac:spMkLst>
-            <pc:docMk/>
-            <pc:sldMk cId="3874823076" sldId="322"/>
-            <ac:spMk id="10" creationId="{98A98C1E-D19D-5EA5-5E7C-307C06932840}"/>
-          </ac:spMkLst>
-        </pc:spChg>
-        <pc:spChg chg="del">
-          <ac:chgData name="Anton Schmierer" userId="cd19fb61ffe98ab8" providerId="LiveId" clId="{80B9D0F7-EA3F-41F2-A018-82727FD7D854}" dt="2025-10-31T16:30:50.106" v="304" actId="478"/>
-          <ac:spMkLst>
-            <pc:docMk/>
-            <pc:sldMk cId="3874823076" sldId="322"/>
-            <ac:spMk id="11" creationId="{CF2A4494-6B04-03C0-481F-3E85845356A8}"/>
-          </ac:spMkLst>
-        </pc:spChg>
-        <pc:spChg chg="del">
-          <ac:chgData name="Anton Schmierer" userId="cd19fb61ffe98ab8" providerId="LiveId" clId="{80B9D0F7-EA3F-41F2-A018-82727FD7D854}" dt="2025-10-31T16:30:50.106" v="304" actId="478"/>
-          <ac:spMkLst>
-            <pc:docMk/>
-            <pc:sldMk cId="3874823076" sldId="322"/>
-            <ac:spMk id="12" creationId="{13BF176F-0F92-B40B-C854-7EE99521F517}"/>
-          </ac:spMkLst>
-        </pc:spChg>
-        <pc:spChg chg="del">
-          <ac:chgData name="Anton Schmierer" userId="cd19fb61ffe98ab8" providerId="LiveId" clId="{80B9D0F7-EA3F-41F2-A018-82727FD7D854}" dt="2025-10-31T16:30:50.106" v="304" actId="478"/>
-          <ac:spMkLst>
-            <pc:docMk/>
-            <pc:sldMk cId="3874823076" sldId="322"/>
-            <ac:spMk id="13" creationId="{B6949CA3-A8D4-3148-45AB-BA4916CF523A}"/>
-          </ac:spMkLst>
-        </pc:spChg>
-        <pc:spChg chg="del">
-          <ac:chgData name="Anton Schmierer" userId="cd19fb61ffe98ab8" providerId="LiveId" clId="{80B9D0F7-EA3F-41F2-A018-82727FD7D854}" dt="2025-10-31T16:30:50.106" v="304" actId="478"/>
-          <ac:spMkLst>
-            <pc:docMk/>
-            <pc:sldMk cId="3874823076" sldId="322"/>
-            <ac:spMk id="14" creationId="{A093A628-BDE1-91BF-5BE7-D3133C07998A}"/>
-          </ac:spMkLst>
-        </pc:spChg>
-        <pc:spChg chg="del">
-          <ac:chgData name="Anton Schmierer" userId="cd19fb61ffe98ab8" providerId="LiveId" clId="{80B9D0F7-EA3F-41F2-A018-82727FD7D854}" dt="2025-10-31T16:30:50.106" v="304" actId="478"/>
-          <ac:spMkLst>
-            <pc:docMk/>
-            <pc:sldMk cId="3874823076" sldId="322"/>
-            <ac:spMk id="15" creationId="{60CF77E7-55FD-156F-AC5D-8908F3633602}"/>
-          </ac:spMkLst>
-        </pc:spChg>
-        <pc:spChg chg="del">
-          <ac:chgData name="Anton Schmierer" userId="cd19fb61ffe98ab8" providerId="LiveId" clId="{80B9D0F7-EA3F-41F2-A018-82727FD7D854}" dt="2025-10-31T16:30:50.106" v="304" actId="478"/>
-          <ac:spMkLst>
-            <pc:docMk/>
-            <pc:sldMk cId="3874823076" sldId="322"/>
-            <ac:spMk id="16" creationId="{98AEDDDF-3264-5E89-B32A-CDD58989002F}"/>
-          </ac:spMkLst>
-        </pc:spChg>
-        <pc:spChg chg="add mod">
-          <ac:chgData name="Anton Schmierer" userId="cd19fb61ffe98ab8" providerId="LiveId" clId="{80B9D0F7-EA3F-41F2-A018-82727FD7D854}" dt="2025-10-31T16:30:54.165" v="305" actId="478"/>
-          <ac:spMkLst>
-            <pc:docMk/>
-            <pc:sldMk cId="3874823076" sldId="322"/>
-            <ac:spMk id="17" creationId="{02BB7235-8D80-86C5-7EF7-1362BD33E0E6}"/>
-          </ac:spMkLst>
-        </pc:spChg>
-        <pc:spChg chg="add mod">
-          <ac:chgData name="Anton Schmierer" userId="cd19fb61ffe98ab8" providerId="LiveId" clId="{80B9D0F7-EA3F-41F2-A018-82727FD7D854}" dt="2025-10-31T16:31:01.677" v="306"/>
-          <ac:spMkLst>
-            <pc:docMk/>
-            <pc:sldMk cId="3874823076" sldId="322"/>
-            <ac:spMk id="19" creationId="{C6B84921-4E77-1534-9345-F600B323872E}"/>
-          </ac:spMkLst>
-        </pc:spChg>
-        <pc:spChg chg="add mod">
-          <ac:chgData name="Anton Schmierer" userId="cd19fb61ffe98ab8" providerId="LiveId" clId="{80B9D0F7-EA3F-41F2-A018-82727FD7D854}" dt="2025-10-31T16:31:01.677" v="306"/>
-          <ac:spMkLst>
-            <pc:docMk/>
-            <pc:sldMk cId="3874823076" sldId="322"/>
-            <ac:spMk id="20" creationId="{9EAC4B71-3482-2FB8-D221-B95B0B2DA78F}"/>
-          </ac:spMkLst>
-        </pc:spChg>
-        <pc:spChg chg="add mod">
-          <ac:chgData name="Anton Schmierer" userId="cd19fb61ffe98ab8" providerId="LiveId" clId="{80B9D0F7-EA3F-41F2-A018-82727FD7D854}" dt="2025-10-31T16:31:01.677" v="306"/>
-          <ac:spMkLst>
-            <pc:docMk/>
-            <pc:sldMk cId="3874823076" sldId="322"/>
-            <ac:spMk id="22" creationId="{34946706-B729-D93E-8638-690D16728235}"/>
-          </ac:spMkLst>
-        </pc:spChg>
-        <pc:spChg chg="add mod">
-          <ac:chgData name="Anton Schmierer" userId="cd19fb61ffe98ab8" providerId="LiveId" clId="{80B9D0F7-EA3F-41F2-A018-82727FD7D854}" dt="2025-10-31T16:31:01.677" v="306"/>
-          <ac:spMkLst>
-            <pc:docMk/>
-            <pc:sldMk cId="3874823076" sldId="322"/>
-            <ac:spMk id="25" creationId="{63F3EC68-056F-CB1E-5BCE-B1444E67F284}"/>
-          </ac:spMkLst>
-        </pc:spChg>
-        <pc:spChg chg="add mod">
-          <ac:chgData name="Anton Schmierer" userId="cd19fb61ffe98ab8" providerId="LiveId" clId="{80B9D0F7-EA3F-41F2-A018-82727FD7D854}" dt="2025-10-31T16:31:01.677" v="306"/>
-          <ac:spMkLst>
-            <pc:docMk/>
-            <pc:sldMk cId="3874823076" sldId="322"/>
-            <ac:spMk id="26" creationId="{F184491A-9365-6A60-698D-033FF9A637D1}"/>
-          </ac:spMkLst>
-        </pc:spChg>
-        <pc:spChg chg="add mod">
-          <ac:chgData name="Anton Schmierer" userId="cd19fb61ffe98ab8" providerId="LiveId" clId="{80B9D0F7-EA3F-41F2-A018-82727FD7D854}" dt="2025-10-31T16:31:01.677" v="306"/>
-          <ac:spMkLst>
-            <pc:docMk/>
-            <pc:sldMk cId="3874823076" sldId="322"/>
-            <ac:spMk id="27" creationId="{5B4FD141-1EC9-203B-9016-78054AF05305}"/>
-          </ac:spMkLst>
-        </pc:spChg>
-        <pc:spChg chg="add mod">
-          <ac:chgData name="Anton Schmierer" userId="cd19fb61ffe98ab8" providerId="LiveId" clId="{80B9D0F7-EA3F-41F2-A018-82727FD7D854}" dt="2025-10-31T16:31:01.677" v="306"/>
-          <ac:spMkLst>
-            <pc:docMk/>
-            <pc:sldMk cId="3874823076" sldId="322"/>
-            <ac:spMk id="28" creationId="{83A7A32D-18BA-6B3E-6201-EE3F0DA014A5}"/>
-          </ac:spMkLst>
-        </pc:spChg>
-        <pc:spChg chg="add mod">
-          <ac:chgData name="Anton Schmierer" userId="cd19fb61ffe98ab8" providerId="LiveId" clId="{80B9D0F7-EA3F-41F2-A018-82727FD7D854}" dt="2025-10-31T16:31:01.677" v="306"/>
-          <ac:spMkLst>
-            <pc:docMk/>
-            <pc:sldMk cId="3874823076" sldId="322"/>
-            <ac:spMk id="30" creationId="{3E416257-BBE8-091C-3CD5-05F85EAB04B7}"/>
-          </ac:spMkLst>
-        </pc:spChg>
-        <pc:spChg chg="add mod">
-          <ac:chgData name="Anton Schmierer" userId="cd19fb61ffe98ab8" providerId="LiveId" clId="{80B9D0F7-EA3F-41F2-A018-82727FD7D854}" dt="2025-10-31T16:31:01.677" v="306"/>
-          <ac:spMkLst>
-            <pc:docMk/>
-            <pc:sldMk cId="3874823076" sldId="322"/>
-            <ac:spMk id="31" creationId="{B1F4119C-CF10-A79C-80A5-F06496B48C10}"/>
-          </ac:spMkLst>
-        </pc:spChg>
-        <pc:spChg chg="add mod">
-          <ac:chgData name="Anton Schmierer" userId="cd19fb61ffe98ab8" providerId="LiveId" clId="{80B9D0F7-EA3F-41F2-A018-82727FD7D854}" dt="2025-10-31T16:31:01.677" v="306"/>
-          <ac:spMkLst>
-            <pc:docMk/>
-            <pc:sldMk cId="3874823076" sldId="322"/>
-            <ac:spMk id="32" creationId="{42501866-5D44-52E9-169E-73701D82EF37}"/>
-          </ac:spMkLst>
-        </pc:spChg>
       </pc:sldChg>
       <pc:sldChg chg="addSp delSp modSp add mod">
-        <pc:chgData name="Anton Schmierer" userId="cd19fb61ffe98ab8" providerId="LiveId" clId="{80B9D0F7-EA3F-41F2-A018-82727FD7D854}" dt="2025-10-31T17:22:55.685" v="1201" actId="207"/>
+        <pc:chgData name="Anton Schmierer" userId="cd19fb61ffe98ab8" providerId="LiveId" clId="{80B9D0F7-EA3F-41F2-A018-82727FD7D854}" dt="2025-11-02T12:30:18.059" v="2131" actId="14100"/>
         <pc:sldMkLst>
           <pc:docMk/>
           <pc:sldMk cId="840838842" sldId="323"/>
         </pc:sldMkLst>
-        <pc:spChg chg="del">
-          <ac:chgData name="Anton Schmierer" userId="cd19fb61ffe98ab8" providerId="LiveId" clId="{80B9D0F7-EA3F-41F2-A018-82727FD7D854}" dt="2025-10-31T16:48:10.907" v="605" actId="478"/>
-          <ac:spMkLst>
-            <pc:docMk/>
-            <pc:sldMk cId="840838842" sldId="323"/>
-            <ac:spMk id="2" creationId="{BB8BD1F0-E0DD-24C8-2BD1-974FA41DE189}"/>
-          </ac:spMkLst>
-        </pc:spChg>
-        <pc:spChg chg="del">
-          <ac:chgData name="Anton Schmierer" userId="cd19fb61ffe98ab8" providerId="LiveId" clId="{80B9D0F7-EA3F-41F2-A018-82727FD7D854}" dt="2025-10-31T16:48:19.990" v="608" actId="478"/>
-          <ac:spMkLst>
-            <pc:docMk/>
-            <pc:sldMk cId="840838842" sldId="323"/>
-            <ac:spMk id="3" creationId="{64974DAD-7107-A9FD-5553-F10BFD63C166}"/>
-          </ac:spMkLst>
-        </pc:spChg>
-        <pc:spChg chg="del">
-          <ac:chgData name="Anton Schmierer" userId="cd19fb61ffe98ab8" providerId="LiveId" clId="{80B9D0F7-EA3F-41F2-A018-82727FD7D854}" dt="2025-10-31T16:48:08.565" v="604" actId="478"/>
-          <ac:spMkLst>
-            <pc:docMk/>
-            <pc:sldMk cId="840838842" sldId="323"/>
-            <ac:spMk id="4" creationId="{ECA435C2-6C0F-B2D8-30A4-C5BDD460243A}"/>
-          </ac:spMkLst>
-        </pc:spChg>
-        <pc:spChg chg="del">
-          <ac:chgData name="Anton Schmierer" userId="cd19fb61ffe98ab8" providerId="LiveId" clId="{80B9D0F7-EA3F-41F2-A018-82727FD7D854}" dt="2025-10-31T16:48:12.671" v="606" actId="478"/>
-          <ac:spMkLst>
-            <pc:docMk/>
-            <pc:sldMk cId="840838842" sldId="323"/>
-            <ac:spMk id="7" creationId="{792193DD-505A-DE1B-DD7C-7CD13ED18D6D}"/>
-          </ac:spMkLst>
-        </pc:spChg>
-        <pc:spChg chg="del">
-          <ac:chgData name="Anton Schmierer" userId="cd19fb61ffe98ab8" providerId="LiveId" clId="{80B9D0F7-EA3F-41F2-A018-82727FD7D854}" dt="2025-10-31T16:48:08.565" v="604" actId="478"/>
-          <ac:spMkLst>
-            <pc:docMk/>
-            <pc:sldMk cId="840838842" sldId="323"/>
-            <ac:spMk id="8" creationId="{C5F61ABD-540F-8846-3C5D-49C81EFFC8D3}"/>
-          </ac:spMkLst>
-        </pc:spChg>
-        <pc:spChg chg="del">
-          <ac:chgData name="Anton Schmierer" userId="cd19fb61ffe98ab8" providerId="LiveId" clId="{80B9D0F7-EA3F-41F2-A018-82727FD7D854}" dt="2025-10-31T16:48:08.565" v="604" actId="478"/>
-          <ac:spMkLst>
-            <pc:docMk/>
-            <pc:sldMk cId="840838842" sldId="323"/>
-            <ac:spMk id="9" creationId="{04173979-BC96-BE01-1D15-A313A6C3A56F}"/>
-          </ac:spMkLst>
-        </pc:spChg>
-        <pc:spChg chg="del">
-          <ac:chgData name="Anton Schmierer" userId="cd19fb61ffe98ab8" providerId="LiveId" clId="{80B9D0F7-EA3F-41F2-A018-82727FD7D854}" dt="2025-10-31T16:48:08.565" v="604" actId="478"/>
-          <ac:spMkLst>
-            <pc:docMk/>
-            <pc:sldMk cId="840838842" sldId="323"/>
-            <ac:spMk id="10" creationId="{1FC38447-3132-7378-DDDA-F1DD40C510EB}"/>
-          </ac:spMkLst>
-        </pc:spChg>
-        <pc:spChg chg="del">
-          <ac:chgData name="Anton Schmierer" userId="cd19fb61ffe98ab8" providerId="LiveId" clId="{80B9D0F7-EA3F-41F2-A018-82727FD7D854}" dt="2025-10-31T16:48:08.565" v="604" actId="478"/>
-          <ac:spMkLst>
-            <pc:docMk/>
-            <pc:sldMk cId="840838842" sldId="323"/>
-            <ac:spMk id="11" creationId="{20EE058D-D63F-9637-8F9A-3769820C0E2D}"/>
-          </ac:spMkLst>
-        </pc:spChg>
-        <pc:spChg chg="add del mod">
-          <ac:chgData name="Anton Schmierer" userId="cd19fb61ffe98ab8" providerId="LiveId" clId="{80B9D0F7-EA3F-41F2-A018-82727FD7D854}" dt="2025-10-31T16:48:18.419" v="607" actId="478"/>
-          <ac:spMkLst>
-            <pc:docMk/>
-            <pc:sldMk cId="840838842" sldId="323"/>
-            <ac:spMk id="12" creationId="{F1CBF084-F6DA-ED78-DBF0-0631A53049F4}"/>
-          </ac:spMkLst>
-        </pc:spChg>
         <pc:spChg chg="add mod">
           <ac:chgData name="Anton Schmierer" userId="cd19fb61ffe98ab8" providerId="LiveId" clId="{80B9D0F7-EA3F-41F2-A018-82727FD7D854}" dt="2025-10-31T17:16:23.993" v="1004" actId="12788"/>
           <ac:spMkLst>
@@ -739,136 +300,64 @@
             <ac:spMk id="15" creationId="{13D26285-C189-D14B-8CAB-E66986D36895}"/>
           </ac:spMkLst>
         </pc:spChg>
-        <pc:spChg chg="add mod">
-          <ac:chgData name="Anton Schmierer" userId="cd19fb61ffe98ab8" providerId="LiveId" clId="{80B9D0F7-EA3F-41F2-A018-82727FD7D854}" dt="2025-10-31T17:22:55.685" v="1201" actId="207"/>
+        <pc:spChg chg="add mod topLvl">
+          <ac:chgData name="Anton Schmierer" userId="cd19fb61ffe98ab8" providerId="LiveId" clId="{80B9D0F7-EA3F-41F2-A018-82727FD7D854}" dt="2025-11-02T12:30:03.018" v="2130" actId="14100"/>
           <ac:spMkLst>
             <pc:docMk/>
             <pc:sldMk cId="840838842" sldId="323"/>
             <ac:spMk id="16" creationId="{53882B26-0FFE-8541-E3E9-B67B5CEEFFE6}"/>
           </ac:spMkLst>
         </pc:spChg>
-        <pc:spChg chg="add del mod">
-          <ac:chgData name="Anton Schmierer" userId="cd19fb61ffe98ab8" providerId="LiveId" clId="{80B9D0F7-EA3F-41F2-A018-82727FD7D854}" dt="2025-10-31T17:02:49.689" v="824" actId="478"/>
-          <ac:spMkLst>
-            <pc:docMk/>
-            <pc:sldMk cId="840838842" sldId="323"/>
-            <ac:spMk id="17" creationId="{263E3562-47C5-0EAB-FD5F-550415CB6360}"/>
-          </ac:spMkLst>
-        </pc:spChg>
-        <pc:spChg chg="del">
-          <ac:chgData name="Anton Schmierer" userId="cd19fb61ffe98ab8" providerId="LiveId" clId="{80B9D0F7-EA3F-41F2-A018-82727FD7D854}" dt="2025-10-31T16:48:08.565" v="604" actId="478"/>
-          <ac:spMkLst>
-            <pc:docMk/>
-            <pc:sldMk cId="840838842" sldId="323"/>
-            <ac:spMk id="18" creationId="{159C5C30-2A17-AD06-1493-62FA37C97C46}"/>
-          </ac:spMkLst>
-        </pc:spChg>
-        <pc:spChg chg="del">
-          <ac:chgData name="Anton Schmierer" userId="cd19fb61ffe98ab8" providerId="LiveId" clId="{80B9D0F7-EA3F-41F2-A018-82727FD7D854}" dt="2025-10-31T16:48:08.565" v="604" actId="478"/>
-          <ac:spMkLst>
-            <pc:docMk/>
-            <pc:sldMk cId="840838842" sldId="323"/>
-            <ac:spMk id="19" creationId="{D8738A27-BBF0-67F9-EEDB-4AEDC3BC8CC5}"/>
-          </ac:spMkLst>
-        </pc:spChg>
-        <pc:spChg chg="del">
-          <ac:chgData name="Anton Schmierer" userId="cd19fb61ffe98ab8" providerId="LiveId" clId="{80B9D0F7-EA3F-41F2-A018-82727FD7D854}" dt="2025-10-31T16:48:08.565" v="604" actId="478"/>
-          <ac:spMkLst>
-            <pc:docMk/>
-            <pc:sldMk cId="840838842" sldId="323"/>
-            <ac:spMk id="20" creationId="{F4A9D50F-307A-951F-ED86-94E8BF2B20E5}"/>
-          </ac:spMkLst>
-        </pc:spChg>
-        <pc:spChg chg="del">
-          <ac:chgData name="Anton Schmierer" userId="cd19fb61ffe98ab8" providerId="LiveId" clId="{80B9D0F7-EA3F-41F2-A018-82727FD7D854}" dt="2025-10-31T16:48:08.565" v="604" actId="478"/>
-          <ac:spMkLst>
-            <pc:docMk/>
-            <pc:sldMk cId="840838842" sldId="323"/>
-            <ac:spMk id="21" creationId="{3DA40B04-A04D-64A9-4D14-D4DE966D3F12}"/>
-          </ac:spMkLst>
-        </pc:spChg>
-        <pc:spChg chg="del">
-          <ac:chgData name="Anton Schmierer" userId="cd19fb61ffe98ab8" providerId="LiveId" clId="{80B9D0F7-EA3F-41F2-A018-82727FD7D854}" dt="2025-10-31T16:48:08.565" v="604" actId="478"/>
-          <ac:spMkLst>
-            <pc:docMk/>
-            <pc:sldMk cId="840838842" sldId="323"/>
-            <ac:spMk id="22" creationId="{9CC675C6-1450-AA44-9E8A-86B9A38E2538}"/>
-          </ac:spMkLst>
-        </pc:spChg>
-        <pc:spChg chg="add mod">
-          <ac:chgData name="Anton Schmierer" userId="cd19fb61ffe98ab8" providerId="LiveId" clId="{80B9D0F7-EA3F-41F2-A018-82727FD7D854}" dt="2025-10-31T17:22:55.685" v="1201" actId="207"/>
+        <pc:spChg chg="add mod topLvl">
+          <ac:chgData name="Anton Schmierer" userId="cd19fb61ffe98ab8" providerId="LiveId" clId="{80B9D0F7-EA3F-41F2-A018-82727FD7D854}" dt="2025-11-02T12:30:18.059" v="2131" actId="14100"/>
           <ac:spMkLst>
             <pc:docMk/>
             <pc:sldMk cId="840838842" sldId="323"/>
             <ac:spMk id="23" creationId="{6DD8798C-9846-824E-B3B1-C5C10749438D}"/>
           </ac:spMkLst>
         </pc:spChg>
-        <pc:spChg chg="add mod">
-          <ac:chgData name="Anton Schmierer" userId="cd19fb61ffe98ab8" providerId="LiveId" clId="{80B9D0F7-EA3F-41F2-A018-82727FD7D854}" dt="2025-10-31T17:02:18.368" v="819"/>
-          <ac:spMkLst>
-            <pc:docMk/>
-            <pc:sldMk cId="840838842" sldId="323"/>
-            <ac:spMk id="24" creationId="{36782A07-5E28-77F2-D64E-7A00C5593133}"/>
-          </ac:spMkLst>
-        </pc:spChg>
-        <pc:spChg chg="add del mod">
-          <ac:chgData name="Anton Schmierer" userId="cd19fb61ffe98ab8" providerId="LiveId" clId="{80B9D0F7-EA3F-41F2-A018-82727FD7D854}" dt="2025-10-31T17:02:49.689" v="824" actId="478"/>
-          <ac:spMkLst>
-            <pc:docMk/>
-            <pc:sldMk cId="840838842" sldId="323"/>
-            <ac:spMk id="25" creationId="{8923A928-854D-F740-4C80-C98BB768F4AA}"/>
-          </ac:spMkLst>
-        </pc:spChg>
-        <pc:spChg chg="add del mod">
-          <ac:chgData name="Anton Schmierer" userId="cd19fb61ffe98ab8" providerId="LiveId" clId="{80B9D0F7-EA3F-41F2-A018-82727FD7D854}" dt="2025-10-31T17:02:56.634" v="826" actId="478"/>
-          <ac:spMkLst>
-            <pc:docMk/>
-            <pc:sldMk cId="840838842" sldId="323"/>
-            <ac:spMk id="27" creationId="{1D308F54-62E8-C39F-3FA3-B3C533A4CD93}"/>
-          </ac:spMkLst>
-        </pc:spChg>
-        <pc:spChg chg="mod">
-          <ac:chgData name="Anton Schmierer" userId="cd19fb61ffe98ab8" providerId="LiveId" clId="{80B9D0F7-EA3F-41F2-A018-82727FD7D854}" dt="2025-10-31T17:22:55.685" v="1201" actId="207"/>
+        <pc:spChg chg="mod topLvl">
+          <ac:chgData name="Anton Schmierer" userId="cd19fb61ffe98ab8" providerId="LiveId" clId="{80B9D0F7-EA3F-41F2-A018-82727FD7D854}" dt="2025-11-02T12:30:03.018" v="2130" actId="14100"/>
           <ac:spMkLst>
             <pc:docMk/>
             <pc:sldMk cId="840838842" sldId="323"/>
             <ac:spMk id="29" creationId="{92138D5C-E1B9-EA96-3E7C-FDDE2159CABB}"/>
           </ac:spMkLst>
         </pc:spChg>
-        <pc:spChg chg="mod">
-          <ac:chgData name="Anton Schmierer" userId="cd19fb61ffe98ab8" providerId="LiveId" clId="{80B9D0F7-EA3F-41F2-A018-82727FD7D854}" dt="2025-10-31T17:22:55.685" v="1201" actId="207"/>
+        <pc:spChg chg="mod topLvl">
+          <ac:chgData name="Anton Schmierer" userId="cd19fb61ffe98ab8" providerId="LiveId" clId="{80B9D0F7-EA3F-41F2-A018-82727FD7D854}" dt="2025-11-02T12:30:18.059" v="2131" actId="14100"/>
           <ac:spMkLst>
             <pc:docMk/>
             <pc:sldMk cId="840838842" sldId="323"/>
             <ac:spMk id="30" creationId="{2707EFF0-0358-C388-52AA-509B25C57232}"/>
           </ac:spMkLst>
         </pc:spChg>
-        <pc:spChg chg="mod">
-          <ac:chgData name="Anton Schmierer" userId="cd19fb61ffe98ab8" providerId="LiveId" clId="{80B9D0F7-EA3F-41F2-A018-82727FD7D854}" dt="2025-10-31T17:19:30.773" v="1122" actId="20577"/>
+        <pc:spChg chg="mod topLvl">
+          <ac:chgData name="Anton Schmierer" userId="cd19fb61ffe98ab8" providerId="LiveId" clId="{80B9D0F7-EA3F-41F2-A018-82727FD7D854}" dt="2025-11-02T12:30:03.018" v="2130" actId="14100"/>
           <ac:spMkLst>
             <pc:docMk/>
             <pc:sldMk cId="840838842" sldId="323"/>
             <ac:spMk id="32" creationId="{6858BD9C-DC70-6A02-FC6C-DF7AF7ED1BAA}"/>
           </ac:spMkLst>
         </pc:spChg>
-        <pc:spChg chg="mod">
-          <ac:chgData name="Anton Schmierer" userId="cd19fb61ffe98ab8" providerId="LiveId" clId="{80B9D0F7-EA3F-41F2-A018-82727FD7D854}" dt="2025-10-31T17:22:55.685" v="1201" actId="207"/>
+        <pc:spChg chg="mod topLvl">
+          <ac:chgData name="Anton Schmierer" userId="cd19fb61ffe98ab8" providerId="LiveId" clId="{80B9D0F7-EA3F-41F2-A018-82727FD7D854}" dt="2025-11-02T12:30:18.059" v="2131" actId="14100"/>
           <ac:spMkLst>
             <pc:docMk/>
             <pc:sldMk cId="840838842" sldId="323"/>
             <ac:spMk id="33" creationId="{03DD2826-F937-C0B7-A640-E95A663B5EDD}"/>
           </ac:spMkLst>
         </pc:spChg>
-        <pc:spChg chg="mod">
-          <ac:chgData name="Anton Schmierer" userId="cd19fb61ffe98ab8" providerId="LiveId" clId="{80B9D0F7-EA3F-41F2-A018-82727FD7D854}" dt="2025-10-31T17:19:48.458" v="1136" actId="20577"/>
+        <pc:spChg chg="mod topLvl">
+          <ac:chgData name="Anton Schmierer" userId="cd19fb61ffe98ab8" providerId="LiveId" clId="{80B9D0F7-EA3F-41F2-A018-82727FD7D854}" dt="2025-11-02T12:30:03.018" v="2130" actId="14100"/>
           <ac:spMkLst>
             <pc:docMk/>
             <pc:sldMk cId="840838842" sldId="323"/>
             <ac:spMk id="35" creationId="{2FCE78B4-EA94-FE9F-F7CF-2E33EC11A462}"/>
           </ac:spMkLst>
         </pc:spChg>
-        <pc:spChg chg="mod">
-          <ac:chgData name="Anton Schmierer" userId="cd19fb61ffe98ab8" providerId="LiveId" clId="{80B9D0F7-EA3F-41F2-A018-82727FD7D854}" dt="2025-10-31T17:22:55.685" v="1201" actId="207"/>
+        <pc:spChg chg="mod topLvl">
+          <ac:chgData name="Anton Schmierer" userId="cd19fb61ffe98ab8" providerId="LiveId" clId="{80B9D0F7-EA3F-41F2-A018-82727FD7D854}" dt="2025-11-02T12:30:18.059" v="2131" actId="14100"/>
           <ac:spMkLst>
             <pc:docMk/>
             <pc:sldMk cId="840838842" sldId="323"/>
@@ -923,32 +412,16 @@
             <ac:spMk id="42" creationId="{A08F465A-9724-A8DF-6B98-CEE36F3CECE1}"/>
           </ac:spMkLst>
         </pc:spChg>
-        <pc:grpChg chg="add mod">
-          <ac:chgData name="Anton Schmierer" userId="cd19fb61ffe98ab8" providerId="LiveId" clId="{80B9D0F7-EA3F-41F2-A018-82727FD7D854}" dt="2025-10-31T17:16:46.748" v="1005" actId="465"/>
-          <ac:grpSpMkLst>
-            <pc:docMk/>
-            <pc:sldMk cId="840838842" sldId="323"/>
-            <ac:grpSpMk id="26" creationId="{26F24192-8D2A-757B-7D7F-4620C16B5B51}"/>
-          </ac:grpSpMkLst>
-        </pc:grpChg>
-        <pc:grpChg chg="add mod">
-          <ac:chgData name="Anton Schmierer" userId="cd19fb61ffe98ab8" providerId="LiveId" clId="{80B9D0F7-EA3F-41F2-A018-82727FD7D854}" dt="2025-10-31T17:16:46.748" v="1005" actId="465"/>
+        <pc:grpChg chg="add del mod">
+          <ac:chgData name="Anton Schmierer" userId="cd19fb61ffe98ab8" providerId="LiveId" clId="{80B9D0F7-EA3F-41F2-A018-82727FD7D854}" dt="2025-11-02T12:29:47.630" v="2129" actId="165"/>
           <ac:grpSpMkLst>
             <pc:docMk/>
             <pc:sldMk cId="840838842" sldId="323"/>
             <ac:grpSpMk id="28" creationId="{B643D27F-4376-A5A8-C2E1-1BCE062B0EF7}"/>
           </ac:grpSpMkLst>
         </pc:grpChg>
-        <pc:grpChg chg="add mod">
-          <ac:chgData name="Anton Schmierer" userId="cd19fb61ffe98ab8" providerId="LiveId" clId="{80B9D0F7-EA3F-41F2-A018-82727FD7D854}" dt="2025-10-31T17:16:46.748" v="1005" actId="465"/>
-          <ac:grpSpMkLst>
-            <pc:docMk/>
-            <pc:sldMk cId="840838842" sldId="323"/>
-            <ac:grpSpMk id="31" creationId="{570A4109-C050-722F-51A5-8B185F183470}"/>
-          </ac:grpSpMkLst>
-        </pc:grpChg>
-        <pc:grpChg chg="add mod">
-          <ac:chgData name="Anton Schmierer" userId="cd19fb61ffe98ab8" providerId="LiveId" clId="{80B9D0F7-EA3F-41F2-A018-82727FD7D854}" dt="2025-10-31T17:16:46.748" v="1005" actId="465"/>
+        <pc:grpChg chg="add del mod">
+          <ac:chgData name="Anton Schmierer" userId="cd19fb61ffe98ab8" providerId="LiveId" clId="{80B9D0F7-EA3F-41F2-A018-82727FD7D854}" dt="2025-11-02T12:29:47.630" v="2129" actId="165"/>
           <ac:grpSpMkLst>
             <pc:docMk/>
             <pc:sldMk cId="840838842" sldId="323"/>
@@ -970,8 +443,8 @@
           <pc:sldMk cId="677564021" sldId="324"/>
         </pc:sldMkLst>
       </pc:sldChg>
-      <pc:sldChg chg="modSp add mod">
-        <pc:chgData name="Anton Schmierer" userId="cd19fb61ffe98ab8" providerId="LiveId" clId="{80B9D0F7-EA3F-41F2-A018-82727FD7D854}" dt="2025-10-31T17:24:46.991" v="1212" actId="20577"/>
+      <pc:sldChg chg="delSp modSp add mod">
+        <pc:chgData name="Anton Schmierer" userId="cd19fb61ffe98ab8" providerId="LiveId" clId="{80B9D0F7-EA3F-41F2-A018-82727FD7D854}" dt="2025-11-02T12:33:45.497" v="2138" actId="20577"/>
         <pc:sldMkLst>
           <pc:docMk/>
           <pc:sldMk cId="3198472219" sldId="324"/>
@@ -984,6 +457,94 @@
             <ac:spMk id="5" creationId="{000C1D0B-B467-5948-C622-835FFEE33463}"/>
           </ac:spMkLst>
         </pc:spChg>
+        <pc:spChg chg="mod">
+          <ac:chgData name="Anton Schmierer" userId="cd19fb61ffe98ab8" providerId="LiveId" clId="{80B9D0F7-EA3F-41F2-A018-82727FD7D854}" dt="2025-11-02T12:33:45.497" v="2138" actId="20577"/>
+          <ac:spMkLst>
+            <pc:docMk/>
+            <pc:sldMk cId="3198472219" sldId="324"/>
+            <ac:spMk id="13" creationId="{D1D282D5-4954-C473-A622-74E78E5BFE57}"/>
+          </ac:spMkLst>
+        </pc:spChg>
+        <pc:spChg chg="mod topLvl">
+          <ac:chgData name="Anton Schmierer" userId="cd19fb61ffe98ab8" providerId="LiveId" clId="{80B9D0F7-EA3F-41F2-A018-82727FD7D854}" dt="2025-11-02T12:30:54.913" v="2133" actId="14100"/>
+          <ac:spMkLst>
+            <pc:docMk/>
+            <pc:sldMk cId="3198472219" sldId="324"/>
+            <ac:spMk id="16" creationId="{CDCF8D9F-C00F-220D-1FE5-10B55DE47164}"/>
+          </ac:spMkLst>
+        </pc:spChg>
+        <pc:spChg chg="mod topLvl">
+          <ac:chgData name="Anton Schmierer" userId="cd19fb61ffe98ab8" providerId="LiveId" clId="{80B9D0F7-EA3F-41F2-A018-82727FD7D854}" dt="2025-11-02T12:31:49.584" v="2137" actId="1037"/>
+          <ac:spMkLst>
+            <pc:docMk/>
+            <pc:sldMk cId="3198472219" sldId="324"/>
+            <ac:spMk id="23" creationId="{2C1286C7-C68F-5F16-0D9B-1DBA4D2E3D45}"/>
+          </ac:spMkLst>
+        </pc:spChg>
+        <pc:spChg chg="mod topLvl">
+          <ac:chgData name="Anton Schmierer" userId="cd19fb61ffe98ab8" providerId="LiveId" clId="{80B9D0F7-EA3F-41F2-A018-82727FD7D854}" dt="2025-11-02T12:30:54.913" v="2133" actId="14100"/>
+          <ac:spMkLst>
+            <pc:docMk/>
+            <pc:sldMk cId="3198472219" sldId="324"/>
+            <ac:spMk id="29" creationId="{5210C88F-9D7A-4519-D08F-BC808ADF718C}"/>
+          </ac:spMkLst>
+        </pc:spChg>
+        <pc:spChg chg="mod topLvl">
+          <ac:chgData name="Anton Schmierer" userId="cd19fb61ffe98ab8" providerId="LiveId" clId="{80B9D0F7-EA3F-41F2-A018-82727FD7D854}" dt="2025-11-02T12:31:49.584" v="2137" actId="1037"/>
+          <ac:spMkLst>
+            <pc:docMk/>
+            <pc:sldMk cId="3198472219" sldId="324"/>
+            <ac:spMk id="30" creationId="{6D0FFC1E-8967-7C12-A88E-CE3F989EE207}"/>
+          </ac:spMkLst>
+        </pc:spChg>
+        <pc:spChg chg="mod topLvl">
+          <ac:chgData name="Anton Schmierer" userId="cd19fb61ffe98ab8" providerId="LiveId" clId="{80B9D0F7-EA3F-41F2-A018-82727FD7D854}" dt="2025-11-02T12:30:54.913" v="2133" actId="14100"/>
+          <ac:spMkLst>
+            <pc:docMk/>
+            <pc:sldMk cId="3198472219" sldId="324"/>
+            <ac:spMk id="32" creationId="{1B499BAB-54B0-190B-41B8-3ADB0D4BA76F}"/>
+          </ac:spMkLst>
+        </pc:spChg>
+        <pc:spChg chg="mod topLvl">
+          <ac:chgData name="Anton Schmierer" userId="cd19fb61ffe98ab8" providerId="LiveId" clId="{80B9D0F7-EA3F-41F2-A018-82727FD7D854}" dt="2025-11-02T12:31:49.584" v="2137" actId="1037"/>
+          <ac:spMkLst>
+            <pc:docMk/>
+            <pc:sldMk cId="3198472219" sldId="324"/>
+            <ac:spMk id="33" creationId="{4CFA62C9-9BD8-1E81-A223-56D80A9F9FB2}"/>
+          </ac:spMkLst>
+        </pc:spChg>
+        <pc:spChg chg="mod topLvl">
+          <ac:chgData name="Anton Schmierer" userId="cd19fb61ffe98ab8" providerId="LiveId" clId="{80B9D0F7-EA3F-41F2-A018-82727FD7D854}" dt="2025-11-02T12:30:54.913" v="2133" actId="14100"/>
+          <ac:spMkLst>
+            <pc:docMk/>
+            <pc:sldMk cId="3198472219" sldId="324"/>
+            <ac:spMk id="35" creationId="{35B3141B-CD4D-DDFD-C419-44BABD53611E}"/>
+          </ac:spMkLst>
+        </pc:spChg>
+        <pc:spChg chg="mod topLvl">
+          <ac:chgData name="Anton Schmierer" userId="cd19fb61ffe98ab8" providerId="LiveId" clId="{80B9D0F7-EA3F-41F2-A018-82727FD7D854}" dt="2025-11-02T12:31:49.584" v="2137" actId="1037"/>
+          <ac:spMkLst>
+            <pc:docMk/>
+            <pc:sldMk cId="3198472219" sldId="324"/>
+            <ac:spMk id="36" creationId="{1EA3713F-729B-04C7-B7E5-83DBB5A34B0E}"/>
+          </ac:spMkLst>
+        </pc:spChg>
+        <pc:grpChg chg="del">
+          <ac:chgData name="Anton Schmierer" userId="cd19fb61ffe98ab8" providerId="LiveId" clId="{80B9D0F7-EA3F-41F2-A018-82727FD7D854}" dt="2025-11-02T12:30:40.682" v="2132" actId="165"/>
+          <ac:grpSpMkLst>
+            <pc:docMk/>
+            <pc:sldMk cId="3198472219" sldId="324"/>
+            <ac:grpSpMk id="28" creationId="{50134241-EF9D-70A4-3626-D8FC9E43A41B}"/>
+          </ac:grpSpMkLst>
+        </pc:grpChg>
+        <pc:grpChg chg="del">
+          <ac:chgData name="Anton Schmierer" userId="cd19fb61ffe98ab8" providerId="LiveId" clId="{80B9D0F7-EA3F-41F2-A018-82727FD7D854}" dt="2025-11-02T12:30:40.682" v="2132" actId="165"/>
+          <ac:grpSpMkLst>
+            <pc:docMk/>
+            <pc:sldMk cId="3198472219" sldId="324"/>
+            <ac:grpSpMk id="34" creationId="{3658EFA5-70B9-9F70-E196-8DBF52C096FE}"/>
+          </ac:grpSpMkLst>
+        </pc:grpChg>
       </pc:sldChg>
       <pc:sldChg chg="modSp add mod">
         <pc:chgData name="Anton Schmierer" userId="cd19fb61ffe98ab8" providerId="LiveId" clId="{80B9D0F7-EA3F-41F2-A018-82727FD7D854}" dt="2025-10-31T17:30:08.735" v="1560" actId="20577"/>
@@ -1013,6 +574,125 @@
           <pc:docMk/>
           <pc:sldMk cId="2155227119" sldId="326"/>
         </pc:sldMkLst>
+      </pc:sldChg>
+      <pc:sldChg chg="addSp delSp modSp add mod">
+        <pc:chgData name="Anton Schmierer" userId="cd19fb61ffe98ab8" providerId="LiveId" clId="{80B9D0F7-EA3F-41F2-A018-82727FD7D854}" dt="2025-11-02T12:29:11.707" v="2128" actId="14100"/>
+        <pc:sldMkLst>
+          <pc:docMk/>
+          <pc:sldMk cId="2896009243" sldId="326"/>
+        </pc:sldMkLst>
+        <pc:spChg chg="add del mod">
+          <ac:chgData name="Anton Schmierer" userId="cd19fb61ffe98ab8" providerId="LiveId" clId="{80B9D0F7-EA3F-41F2-A018-82727FD7D854}" dt="2025-11-02T12:25:53.702" v="1811" actId="22"/>
+          <ac:spMkLst>
+            <pc:docMk/>
+            <pc:sldMk cId="2896009243" sldId="326"/>
+            <ac:spMk id="3" creationId="{A0FC4FC9-0627-1B0A-38E9-F49AFB39F2BF}"/>
+          </ac:spMkLst>
+        </pc:spChg>
+        <pc:spChg chg="mod">
+          <ac:chgData name="Anton Schmierer" userId="cd19fb61ffe98ab8" providerId="LiveId" clId="{80B9D0F7-EA3F-41F2-A018-82727FD7D854}" dt="2025-11-02T12:16:07.745" v="1565" actId="20577"/>
+          <ac:spMkLst>
+            <pc:docMk/>
+            <pc:sldMk cId="2896009243" sldId="326"/>
+            <ac:spMk id="13" creationId="{E6E3EBC0-723F-F7D0-ACA2-4E09092AB8C4}"/>
+          </ac:spMkLst>
+        </pc:spChg>
+        <pc:spChg chg="mod topLvl">
+          <ac:chgData name="Anton Schmierer" userId="cd19fb61ffe98ab8" providerId="LiveId" clId="{80B9D0F7-EA3F-41F2-A018-82727FD7D854}" dt="2025-11-02T12:28:42.219" v="2127" actId="165"/>
+          <ac:spMkLst>
+            <pc:docMk/>
+            <pc:sldMk cId="2896009243" sldId="326"/>
+            <ac:spMk id="16" creationId="{665CAE3C-0BE9-B64A-582F-16E7042F715F}"/>
+          </ac:spMkLst>
+        </pc:spChg>
+        <pc:spChg chg="mod topLvl">
+          <ac:chgData name="Anton Schmierer" userId="cd19fb61ffe98ab8" providerId="LiveId" clId="{80B9D0F7-EA3F-41F2-A018-82727FD7D854}" dt="2025-11-02T12:29:11.707" v="2128" actId="14100"/>
+          <ac:spMkLst>
+            <pc:docMk/>
+            <pc:sldMk cId="2896009243" sldId="326"/>
+            <ac:spMk id="23" creationId="{29A0B859-68B5-54AE-E0BF-02B13905C4E8}"/>
+          </ac:spMkLst>
+        </pc:spChg>
+        <pc:spChg chg="mod topLvl">
+          <ac:chgData name="Anton Schmierer" userId="cd19fb61ffe98ab8" providerId="LiveId" clId="{80B9D0F7-EA3F-41F2-A018-82727FD7D854}" dt="2025-11-02T12:28:42.219" v="2127" actId="165"/>
+          <ac:spMkLst>
+            <pc:docMk/>
+            <pc:sldMk cId="2896009243" sldId="326"/>
+            <ac:spMk id="29" creationId="{9D2C2D3F-C6AC-B8D3-7BB1-5329580C5C07}"/>
+          </ac:spMkLst>
+        </pc:spChg>
+        <pc:spChg chg="mod topLvl">
+          <ac:chgData name="Anton Schmierer" userId="cd19fb61ffe98ab8" providerId="LiveId" clId="{80B9D0F7-EA3F-41F2-A018-82727FD7D854}" dt="2025-11-02T12:29:11.707" v="2128" actId="14100"/>
+          <ac:spMkLst>
+            <pc:docMk/>
+            <pc:sldMk cId="2896009243" sldId="326"/>
+            <ac:spMk id="30" creationId="{5E9C480F-7AAE-9D80-0CF4-A1C084948362}"/>
+          </ac:spMkLst>
+        </pc:spChg>
+        <pc:spChg chg="mod topLvl">
+          <ac:chgData name="Anton Schmierer" userId="cd19fb61ffe98ab8" providerId="LiveId" clId="{80B9D0F7-EA3F-41F2-A018-82727FD7D854}" dt="2025-11-02T12:28:42.219" v="2127" actId="165"/>
+          <ac:spMkLst>
+            <pc:docMk/>
+            <pc:sldMk cId="2896009243" sldId="326"/>
+            <ac:spMk id="32" creationId="{BA73486A-0A42-6325-01A4-228426815203}"/>
+          </ac:spMkLst>
+        </pc:spChg>
+        <pc:spChg chg="mod topLvl">
+          <ac:chgData name="Anton Schmierer" userId="cd19fb61ffe98ab8" providerId="LiveId" clId="{80B9D0F7-EA3F-41F2-A018-82727FD7D854}" dt="2025-11-02T12:29:11.707" v="2128" actId="14100"/>
+          <ac:spMkLst>
+            <pc:docMk/>
+            <pc:sldMk cId="2896009243" sldId="326"/>
+            <ac:spMk id="33" creationId="{F5011F0E-3717-F098-B65E-ED436DF0D095}"/>
+          </ac:spMkLst>
+        </pc:spChg>
+        <pc:spChg chg="mod topLvl">
+          <ac:chgData name="Anton Schmierer" userId="cd19fb61ffe98ab8" providerId="LiveId" clId="{80B9D0F7-EA3F-41F2-A018-82727FD7D854}" dt="2025-11-02T12:28:42.219" v="2127" actId="165"/>
+          <ac:spMkLst>
+            <pc:docMk/>
+            <pc:sldMk cId="2896009243" sldId="326"/>
+            <ac:spMk id="35" creationId="{9BB76188-89D3-74F4-F0D9-A9B616007207}"/>
+          </ac:spMkLst>
+        </pc:spChg>
+        <pc:spChg chg="mod topLvl">
+          <ac:chgData name="Anton Schmierer" userId="cd19fb61ffe98ab8" providerId="LiveId" clId="{80B9D0F7-EA3F-41F2-A018-82727FD7D854}" dt="2025-11-02T12:29:11.707" v="2128" actId="14100"/>
+          <ac:spMkLst>
+            <pc:docMk/>
+            <pc:sldMk cId="2896009243" sldId="326"/>
+            <ac:spMk id="36" creationId="{B005B8DA-BB0C-9E20-9AEE-B972A8B92F94}"/>
+          </ac:spMkLst>
+        </pc:spChg>
+        <pc:spChg chg="mod">
+          <ac:chgData name="Anton Schmierer" userId="cd19fb61ffe98ab8" providerId="LiveId" clId="{80B9D0F7-EA3F-41F2-A018-82727FD7D854}" dt="2025-11-02T12:17:12.585" v="1569" actId="20577"/>
+          <ac:spMkLst>
+            <pc:docMk/>
+            <pc:sldMk cId="2896009243" sldId="326"/>
+            <ac:spMk id="37" creationId="{6E30B85C-182C-B01B-A404-07DA6727B760}"/>
+          </ac:spMkLst>
+        </pc:spChg>
+        <pc:spChg chg="mod">
+          <ac:chgData name="Anton Schmierer" userId="cd19fb61ffe98ab8" providerId="LiveId" clId="{80B9D0F7-EA3F-41F2-A018-82727FD7D854}" dt="2025-11-02T12:17:15.562" v="1571" actId="20577"/>
+          <ac:spMkLst>
+            <pc:docMk/>
+            <pc:sldMk cId="2896009243" sldId="326"/>
+            <ac:spMk id="38" creationId="{AE2420E3-4D7A-C81B-F081-6F10F27E26AE}"/>
+          </ac:spMkLst>
+        </pc:spChg>
+        <pc:grpChg chg="del">
+          <ac:chgData name="Anton Schmierer" userId="cd19fb61ffe98ab8" providerId="LiveId" clId="{80B9D0F7-EA3F-41F2-A018-82727FD7D854}" dt="2025-11-02T12:28:42.219" v="2127" actId="165"/>
+          <ac:grpSpMkLst>
+            <pc:docMk/>
+            <pc:sldMk cId="2896009243" sldId="326"/>
+            <ac:grpSpMk id="26" creationId="{E38153DB-E693-2F0C-3242-D232F6F4B297}"/>
+          </ac:grpSpMkLst>
+        </pc:grpChg>
+        <pc:grpChg chg="del">
+          <ac:chgData name="Anton Schmierer" userId="cd19fb61ffe98ab8" providerId="LiveId" clId="{80B9D0F7-EA3F-41F2-A018-82727FD7D854}" dt="2025-11-02T12:28:42.219" v="2127" actId="165"/>
+          <ac:grpSpMkLst>
+            <pc:docMk/>
+            <pc:sldMk cId="2896009243" sldId="326"/>
+            <ac:grpSpMk id="34" creationId="{E7E4CACD-D50D-8A4D-430E-06F738BD7758}"/>
+          </ac:grpSpMkLst>
+        </pc:grpChg>
       </pc:sldChg>
       <pc:sldChg chg="del">
         <pc:chgData name="Anton Schmierer" userId="cd19fb61ffe98ab8" providerId="LiveId" clId="{80B9D0F7-EA3F-41F2-A018-82727FD7D854}" dt="2025-10-31T16:09:01.383" v="2" actId="2696"/>
@@ -1122,7 +802,7 @@
           <a:p>
             <a:fld id="{283A9E21-4981-413F-9BAB-A1BE42E0A624}" type="datetimeFigureOut">
               <a:rPr lang="de-DE" smtClean="0"/>
-              <a:t>01.11.2025</a:t>
+              <a:t>02.11.2025</a:t>
             </a:fld>
             <a:endParaRPr lang="de-DE"/>
           </a:p>
@@ -2225,6 +1905,115 @@
         <p:cNvPr id="1" name="">
           <a:extLst>
             <a:ext uri="{FF2B5EF4-FFF2-40B4-BE49-F238E27FC236}">
+              <a16:creationId xmlns:a16="http://schemas.microsoft.com/office/drawing/2014/main" id="{9FE0453E-9F15-8CFA-BD08-71D4F4FD93CA}"/>
+            </a:ext>
+          </a:extLst>
+        </p:cNvPr>
+        <p:cNvGrpSpPr/>
+        <p:nvPr/>
+      </p:nvGrpSpPr>
+      <p:grpSpPr>
+        <a:xfrm>
+          <a:off x="0" y="0"/>
+          <a:ext cx="0" cy="0"/>
+          <a:chOff x="0" y="0"/>
+          <a:chExt cx="0" cy="0"/>
+        </a:xfrm>
+      </p:grpSpPr>
+      <p:sp>
+        <p:nvSpPr>
+          <p:cNvPr id="2" name="Folienbildplatzhalter 1">
+            <a:extLst>
+              <a:ext uri="{FF2B5EF4-FFF2-40B4-BE49-F238E27FC236}">
+                <a16:creationId xmlns:a16="http://schemas.microsoft.com/office/drawing/2014/main" id="{68D1617A-A75D-E966-19FB-F223D0719F4B}"/>
+              </a:ext>
+            </a:extLst>
+          </p:cNvPr>
+          <p:cNvSpPr>
+            <a:spLocks noGrp="1" noRot="1" noChangeAspect="1"/>
+          </p:cNvSpPr>
+          <p:nvPr>
+            <p:ph type="sldImg"/>
+          </p:nvPr>
+        </p:nvSpPr>
+        <p:spPr/>
+      </p:sp>
+      <p:sp>
+        <p:nvSpPr>
+          <p:cNvPr id="3" name="Notizenplatzhalter 2">
+            <a:extLst>
+              <a:ext uri="{FF2B5EF4-FFF2-40B4-BE49-F238E27FC236}">
+                <a16:creationId xmlns:a16="http://schemas.microsoft.com/office/drawing/2014/main" id="{D3527BBC-C045-6770-CE08-0DA87DE00F2E}"/>
+              </a:ext>
+            </a:extLst>
+          </p:cNvPr>
+          <p:cNvSpPr>
+            <a:spLocks noGrp="1"/>
+          </p:cNvSpPr>
+          <p:nvPr>
+            <p:ph type="body" idx="1"/>
+          </p:nvPr>
+        </p:nvSpPr>
+        <p:spPr/>
+        <p:txBody>
+          <a:bodyPr/>
+          <a:lstStyle/>
+          <a:p>
+            <a:endParaRPr lang="de-DE"/>
+          </a:p>
+        </p:txBody>
+      </p:sp>
+      <p:sp>
+        <p:nvSpPr>
+          <p:cNvPr id="4" name="Foliennummernplatzhalter 3">
+            <a:extLst>
+              <a:ext uri="{FF2B5EF4-FFF2-40B4-BE49-F238E27FC236}">
+                <a16:creationId xmlns:a16="http://schemas.microsoft.com/office/drawing/2014/main" id="{05EFA705-C919-A262-DB2C-5903EE41C94A}"/>
+              </a:ext>
+            </a:extLst>
+          </p:cNvPr>
+          <p:cNvSpPr>
+            <a:spLocks noGrp="1"/>
+          </p:cNvSpPr>
+          <p:nvPr>
+            <p:ph type="sldNum" sz="quarter" idx="5"/>
+          </p:nvPr>
+        </p:nvSpPr>
+        <p:spPr/>
+        <p:txBody>
+          <a:bodyPr/>
+          <a:lstStyle/>
+          <a:p>
+            <a:fld id="{5EB2B633-7BEC-49A7-B3BF-92E0C7E450E6}" type="slidenum">
+              <a:rPr lang="de-DE" altLang="de-DE" smtClean="0"/>
+              <a:pPr/>
+              <a:t>5</a:t>
+            </a:fld>
+            <a:endParaRPr lang="de-DE" altLang="de-DE"/>
+          </a:p>
+        </p:txBody>
+      </p:sp>
+    </p:spTree>
+    <p:extLst>
+      <p:ext uri="{BB962C8B-B14F-4D97-AF65-F5344CB8AC3E}">
+        <p14:creationId xmlns:p14="http://schemas.microsoft.com/office/powerpoint/2010/main" val="3396403869"/>
+      </p:ext>
+    </p:extLst>
+  </p:cSld>
+  <p:clrMapOvr>
+    <a:masterClrMapping/>
+  </p:clrMapOvr>
+</p:notes>
+</file>
+
+<file path=ppt/notesSlides/notesSlide6.xml><?xml version="1.0" encoding="utf-8"?>
+<p:notes xmlns:a="http://schemas.openxmlformats.org/drawingml/2006/main" xmlns:r="http://schemas.openxmlformats.org/officeDocument/2006/relationships" xmlns:p="http://schemas.openxmlformats.org/presentationml/2006/main">
+  <p:cSld>
+    <p:spTree>
+      <p:nvGrpSpPr>
+        <p:cNvPr id="1" name="">
+          <a:extLst>
+            <a:ext uri="{FF2B5EF4-FFF2-40B4-BE49-F238E27FC236}">
               <a16:creationId xmlns:a16="http://schemas.microsoft.com/office/drawing/2014/main" id="{AB24A8BD-F8E2-1C1B-DE73-3C3FEFDD393D}"/>
             </a:ext>
           </a:extLst>
@@ -2307,7 +2096,7 @@
             <a:fld id="{5EB2B633-7BEC-49A7-B3BF-92E0C7E450E6}" type="slidenum">
               <a:rPr lang="de-DE" altLang="de-DE" smtClean="0"/>
               <a:pPr/>
-              <a:t>5</a:t>
+              <a:t>6</a:t>
             </a:fld>
             <a:endParaRPr lang="de-DE" altLang="de-DE"/>
           </a:p>
@@ -8592,1588 +8381,1504 @@
           </a:p>
         </p:txBody>
       </p:sp>
-      <p:grpSp>
-        <p:nvGrpSpPr>
-          <p:cNvPr id="26" name="Gruppieren 25">
+      <p:sp>
+        <p:nvSpPr>
+          <p:cNvPr id="16" name="Rechteck 15">
             <a:extLst>
               <a:ext uri="{FF2B5EF4-FFF2-40B4-BE49-F238E27FC236}">
-                <a16:creationId xmlns:a16="http://schemas.microsoft.com/office/drawing/2014/main" id="{26F24192-8D2A-757B-7D7F-4620C16B5B51}"/>
+                <a16:creationId xmlns:a16="http://schemas.microsoft.com/office/drawing/2014/main" id="{53882B26-0FFE-8541-E3E9-B67B5CEEFFE6}"/>
               </a:ext>
             </a:extLst>
           </p:cNvPr>
-          <p:cNvGrpSpPr/>
+          <p:cNvSpPr/>
           <p:nvPr/>
-        </p:nvGrpSpPr>
-        <p:grpSpPr>
+        </p:nvSpPr>
+        <p:spPr>
           <a:xfrm>
             <a:off x="192088" y="1370669"/>
-            <a:ext cx="11807823" cy="792000"/>
-            <a:chOff x="192088" y="1377950"/>
-            <a:chExt cx="11807823" cy="660400"/>
+            <a:ext cx="1375200" cy="324000"/>
           </a:xfrm>
-        </p:grpSpPr>
-        <p:sp>
-          <p:nvSpPr>
-            <p:cNvPr id="16" name="Rechteck 15">
-              <a:extLst>
-                <a:ext uri="{FF2B5EF4-FFF2-40B4-BE49-F238E27FC236}">
-                  <a16:creationId xmlns:a16="http://schemas.microsoft.com/office/drawing/2014/main" id="{53882B26-0FFE-8541-E3E9-B67B5CEEFFE6}"/>
-                </a:ext>
-              </a:extLst>
-            </p:cNvPr>
-            <p:cNvSpPr/>
-            <p:nvPr/>
-          </p:nvSpPr>
-          <p:spPr>
-            <a:xfrm>
-              <a:off x="192088" y="1377950"/>
-              <a:ext cx="2392362" cy="270164"/>
-            </a:xfrm>
-            <a:prstGeom prst="rect">
-              <a:avLst/>
-            </a:prstGeom>
+          <a:prstGeom prst="rect">
+            <a:avLst/>
+          </a:prstGeom>
+          <a:solidFill>
+            <a:schemeClr val="bg1"/>
+          </a:solidFill>
+          <a:ln w="6350">
             <a:solidFill>
-              <a:schemeClr val="bg1"/>
+              <a:schemeClr val="tx2"/>
             </a:solidFill>
-            <a:ln w="6350">
-              <a:solidFill>
-                <a:schemeClr val="tx2"/>
-              </a:solidFill>
-            </a:ln>
-          </p:spPr>
-          <p:style>
-            <a:lnRef idx="2">
-              <a:schemeClr val="accent1">
-                <a:shade val="15000"/>
-              </a:schemeClr>
-            </a:lnRef>
-            <a:fillRef idx="1">
-              <a:schemeClr val="accent1"/>
-            </a:fillRef>
-            <a:effectRef idx="0">
-              <a:schemeClr val="accent1"/>
-            </a:effectRef>
-            <a:fontRef idx="minor">
-              <a:schemeClr val="lt1"/>
-            </a:fontRef>
-          </p:style>
-          <p:txBody>
-            <a:bodyPr rtlCol="0" anchor="ctr"/>
-            <a:lstStyle/>
-            <a:p>
-              <a:r>
-                <a:rPr lang="de-DE" sz="1600" b="1" dirty="0">
-                  <a:solidFill>
-                    <a:schemeClr val="tx1"/>
-                  </a:solidFill>
-                </a:rPr>
-                <a:t>Description:</a:t>
-              </a:r>
-            </a:p>
-          </p:txBody>
-        </p:sp>
-        <p:sp>
-          <p:nvSpPr>
-            <p:cNvPr id="23" name="Rechteck 22">
-              <a:extLst>
-                <a:ext uri="{FF2B5EF4-FFF2-40B4-BE49-F238E27FC236}">
-                  <a16:creationId xmlns:a16="http://schemas.microsoft.com/office/drawing/2014/main" id="{6DD8798C-9846-824E-B3B1-C5C10749438D}"/>
-                </a:ext>
-              </a:extLst>
-            </p:cNvPr>
-            <p:cNvSpPr/>
-            <p:nvPr/>
-          </p:nvSpPr>
-          <p:spPr>
-            <a:xfrm>
-              <a:off x="2651918" y="1377950"/>
-              <a:ext cx="9347993" cy="660400"/>
-            </a:xfrm>
-            <a:prstGeom prst="rect">
-              <a:avLst/>
-            </a:prstGeom>
-            <a:solidFill>
-              <a:schemeClr val="bg1"/>
-            </a:solidFill>
-            <a:ln w="6350">
-              <a:solidFill>
-                <a:schemeClr val="tx2"/>
-              </a:solidFill>
-            </a:ln>
-          </p:spPr>
-          <p:style>
-            <a:lnRef idx="2">
-              <a:schemeClr val="accent1">
-                <a:shade val="15000"/>
-              </a:schemeClr>
-            </a:lnRef>
-            <a:fillRef idx="1">
-              <a:schemeClr val="accent1"/>
-            </a:fillRef>
-            <a:effectRef idx="0">
-              <a:schemeClr val="accent1"/>
-            </a:effectRef>
-            <a:fontRef idx="minor">
-              <a:schemeClr val="lt1"/>
-            </a:fontRef>
-          </p:style>
-          <p:txBody>
-            <a:bodyPr rtlCol="0" anchor="ctr"/>
-            <a:lstStyle/>
-            <a:p>
-              <a:r>
-                <a:rPr lang="en-US" sz="1100" dirty="0">
-                  <a:solidFill>
-                    <a:schemeClr val="tx1"/>
-                  </a:solidFill>
-                </a:rPr>
-                <a:t>Das System </a:t>
-              </a:r>
-              <a:r>
-                <a:rPr lang="en-US" sz="1100" dirty="0" err="1">
-                  <a:solidFill>
-                    <a:schemeClr val="tx1"/>
-                  </a:solidFill>
-                </a:rPr>
-                <a:t>soll</a:t>
-              </a:r>
-              <a:r>
-                <a:rPr lang="en-US" sz="1100" dirty="0">
-                  <a:solidFill>
-                    <a:schemeClr val="tx1"/>
-                  </a:solidFill>
-                </a:rPr>
-                <a:t> Mitarbeiter*</a:t>
-              </a:r>
-              <a:r>
-                <a:rPr lang="en-US" sz="1100" dirty="0" err="1">
-                  <a:solidFill>
-                    <a:schemeClr val="tx1"/>
-                  </a:solidFill>
-                </a:rPr>
-                <a:t>innen</a:t>
-              </a:r>
-              <a:r>
-                <a:rPr lang="en-US" sz="1100" dirty="0">
-                  <a:solidFill>
-                    <a:schemeClr val="tx1"/>
-                  </a:solidFill>
-                </a:rPr>
-                <a:t> </a:t>
-              </a:r>
-              <a:r>
-                <a:rPr lang="en-US" sz="1100" dirty="0" err="1">
-                  <a:solidFill>
-                    <a:schemeClr val="tx1"/>
-                  </a:solidFill>
-                </a:rPr>
-                <a:t>ermöglichen</a:t>
-              </a:r>
-              <a:r>
-                <a:rPr lang="en-US" sz="1100" dirty="0">
-                  <a:solidFill>
-                    <a:schemeClr val="tx1"/>
-                  </a:solidFill>
-                </a:rPr>
-                <a:t>, </a:t>
-              </a:r>
-              <a:r>
-                <a:rPr lang="en-US" sz="1100" dirty="0" err="1">
-                  <a:solidFill>
-                    <a:schemeClr val="tx1"/>
-                  </a:solidFill>
-                </a:rPr>
-                <a:t>neue</a:t>
-              </a:r>
-              <a:r>
-                <a:rPr lang="en-US" sz="1100" dirty="0">
-                  <a:solidFill>
-                    <a:schemeClr val="tx1"/>
-                  </a:solidFill>
-                </a:rPr>
-                <a:t> </a:t>
-              </a:r>
-              <a:r>
-                <a:rPr lang="en-US" sz="1100" dirty="0" err="1">
-                  <a:solidFill>
-                    <a:schemeClr val="tx1"/>
-                  </a:solidFill>
-                </a:rPr>
-                <a:t>Anfragen</a:t>
-              </a:r>
-              <a:r>
-                <a:rPr lang="en-US" sz="1100" dirty="0">
-                  <a:solidFill>
-                    <a:schemeClr val="tx1"/>
-                  </a:solidFill>
-                </a:rPr>
-                <a:t> und </a:t>
-              </a:r>
-              <a:r>
-                <a:rPr lang="en-US" sz="1100" dirty="0" err="1">
-                  <a:solidFill>
-                    <a:schemeClr val="tx1"/>
-                  </a:solidFill>
-                </a:rPr>
-                <a:t>Beratungsfälle</a:t>
-              </a:r>
-              <a:r>
-                <a:rPr lang="en-US" sz="1100" dirty="0">
-                  <a:solidFill>
-                    <a:schemeClr val="tx1"/>
-                  </a:solidFill>
-                </a:rPr>
-                <a:t> </a:t>
-              </a:r>
-              <a:r>
-                <a:rPr lang="en-US" sz="1100" dirty="0" err="1">
-                  <a:solidFill>
-                    <a:schemeClr val="tx1"/>
-                  </a:solidFill>
-                </a:rPr>
-                <a:t>über</a:t>
-              </a:r>
-              <a:r>
-                <a:rPr lang="en-US" sz="1100" dirty="0">
-                  <a:solidFill>
-                    <a:schemeClr val="tx1"/>
-                  </a:solidFill>
-                </a:rPr>
-                <a:t> </a:t>
-              </a:r>
-              <a:r>
-                <a:rPr lang="en-US" sz="1100" dirty="0" err="1">
-                  <a:solidFill>
-                    <a:schemeClr val="tx1"/>
-                  </a:solidFill>
-                </a:rPr>
-                <a:t>eine</a:t>
-              </a:r>
-              <a:r>
-                <a:rPr lang="en-US" sz="1100" dirty="0">
-                  <a:solidFill>
-                    <a:schemeClr val="tx1"/>
-                  </a:solidFill>
-                </a:rPr>
-                <a:t> </a:t>
-              </a:r>
-              <a:r>
-                <a:rPr lang="en-US" sz="1100" dirty="0" err="1">
-                  <a:solidFill>
-                    <a:schemeClr val="tx1"/>
-                  </a:solidFill>
-                </a:rPr>
-                <a:t>benutzerfreundliche</a:t>
-              </a:r>
-              <a:r>
-                <a:rPr lang="en-US" sz="1100" dirty="0">
-                  <a:solidFill>
-                    <a:schemeClr val="tx1"/>
-                  </a:solidFill>
-                </a:rPr>
-                <a:t> </a:t>
-              </a:r>
-              <a:r>
-                <a:rPr lang="en-US" sz="1100" dirty="0" err="1">
-                  <a:solidFill>
-                    <a:schemeClr val="tx1"/>
-                  </a:solidFill>
-                </a:rPr>
-                <a:t>Eingabemaske</a:t>
-              </a:r>
-              <a:r>
-                <a:rPr lang="en-US" sz="1100" dirty="0">
-                  <a:solidFill>
-                    <a:schemeClr val="tx1"/>
-                  </a:solidFill>
-                </a:rPr>
-                <a:t> </a:t>
-              </a:r>
-              <a:r>
-                <a:rPr lang="en-US" sz="1100" dirty="0" err="1">
-                  <a:solidFill>
-                    <a:schemeClr val="tx1"/>
-                  </a:solidFill>
-                </a:rPr>
-                <a:t>zu</a:t>
-              </a:r>
-              <a:r>
-                <a:rPr lang="en-US" sz="1100" dirty="0">
-                  <a:solidFill>
-                    <a:schemeClr val="tx1"/>
-                  </a:solidFill>
-                </a:rPr>
-                <a:t> </a:t>
-              </a:r>
-              <a:r>
-                <a:rPr lang="en-US" sz="1100" dirty="0" err="1">
-                  <a:solidFill>
-                    <a:schemeClr val="tx1"/>
-                  </a:solidFill>
-                </a:rPr>
-                <a:t>erfassen</a:t>
-              </a:r>
-              <a:r>
-                <a:rPr lang="en-US" sz="1100" dirty="0">
-                  <a:solidFill>
-                    <a:schemeClr val="tx1"/>
-                  </a:solidFill>
-                </a:rPr>
-                <a:t>. Es </a:t>
-              </a:r>
-              <a:r>
-                <a:rPr lang="en-US" sz="1100" dirty="0" err="1">
-                  <a:solidFill>
-                    <a:schemeClr val="tx1"/>
-                  </a:solidFill>
-                </a:rPr>
-                <a:t>gibt</a:t>
-              </a:r>
-              <a:r>
-                <a:rPr lang="en-US" sz="1100" dirty="0">
-                  <a:solidFill>
-                    <a:schemeClr val="tx1"/>
-                  </a:solidFill>
-                </a:rPr>
-                <a:t> </a:t>
-              </a:r>
-              <a:r>
-                <a:rPr lang="en-US" sz="1100" dirty="0" err="1">
-                  <a:solidFill>
-                    <a:schemeClr val="tx1"/>
-                  </a:solidFill>
-                </a:rPr>
-                <a:t>zwei</a:t>
-              </a:r>
-              <a:r>
-                <a:rPr lang="en-US" sz="1100" dirty="0">
-                  <a:solidFill>
-                    <a:schemeClr val="tx1"/>
-                  </a:solidFill>
-                </a:rPr>
-                <a:t> </a:t>
-              </a:r>
-              <a:r>
-                <a:rPr lang="en-US" sz="1100" dirty="0" err="1">
-                  <a:solidFill>
-                    <a:schemeClr val="tx1"/>
-                  </a:solidFill>
-                </a:rPr>
-                <a:t>Arten</a:t>
-              </a:r>
-              <a:r>
-                <a:rPr lang="en-US" sz="1100" dirty="0">
-                  <a:solidFill>
-                    <a:schemeClr val="tx1"/>
-                  </a:solidFill>
-                </a:rPr>
-                <a:t> von </a:t>
-              </a:r>
-              <a:r>
-                <a:rPr lang="en-US" sz="1100" dirty="0" err="1">
-                  <a:solidFill>
-                    <a:schemeClr val="tx1"/>
-                  </a:solidFill>
-                </a:rPr>
-                <a:t>Datensätzem</a:t>
-              </a:r>
-              <a:r>
-                <a:rPr lang="en-US" sz="1100" dirty="0">
-                  <a:solidFill>
-                    <a:schemeClr val="tx1"/>
-                  </a:solidFill>
-                </a:rPr>
-                <a:t>:  </a:t>
-              </a:r>
-              <a:r>
-                <a:rPr lang="en-US" sz="1100" dirty="0" err="1">
-                  <a:solidFill>
-                    <a:schemeClr val="tx1"/>
-                  </a:solidFill>
-                </a:rPr>
-                <a:t>Anfrage</a:t>
-              </a:r>
-              <a:r>
-                <a:rPr lang="en-US" sz="1100" dirty="0">
-                  <a:solidFill>
-                    <a:schemeClr val="tx1"/>
-                  </a:solidFill>
-                </a:rPr>
-                <a:t> (</a:t>
-              </a:r>
-              <a:r>
-                <a:rPr lang="en-US" sz="1100" dirty="0" err="1">
-                  <a:solidFill>
-                    <a:schemeClr val="tx1"/>
-                  </a:solidFill>
-                </a:rPr>
-                <a:t>Erstkontakt</a:t>
-              </a:r>
-              <a:r>
-                <a:rPr lang="en-US" sz="1100" dirty="0">
-                  <a:solidFill>
-                    <a:schemeClr val="tx1"/>
-                  </a:solidFill>
-                </a:rPr>
-                <a:t> </a:t>
-              </a:r>
-              <a:r>
-                <a:rPr lang="en-US" sz="1100" dirty="0" err="1">
-                  <a:solidFill>
-                    <a:schemeClr val="tx1"/>
-                  </a:solidFill>
-                </a:rPr>
-                <a:t>bzw</a:t>
-              </a:r>
-              <a:r>
-                <a:rPr lang="en-US" sz="1100" dirty="0">
-                  <a:solidFill>
-                    <a:schemeClr val="tx1"/>
-                  </a:solidFill>
-                </a:rPr>
-                <a:t>. </a:t>
-              </a:r>
-              <a:r>
-                <a:rPr lang="en-US" sz="1100" dirty="0" err="1">
-                  <a:solidFill>
-                    <a:schemeClr val="tx1"/>
-                  </a:solidFill>
-                </a:rPr>
-                <a:t>Terminvereinbarung</a:t>
-              </a:r>
-              <a:r>
-                <a:rPr lang="en-US" sz="1100" dirty="0">
-                  <a:solidFill>
-                    <a:schemeClr val="tx1"/>
-                  </a:solidFill>
-                </a:rPr>
-                <a:t>) und </a:t>
-              </a:r>
-              <a:r>
-                <a:rPr lang="en-US" sz="1100" dirty="0" err="1">
-                  <a:solidFill>
-                    <a:schemeClr val="tx1"/>
-                  </a:solidFill>
-                </a:rPr>
-                <a:t>Beratungsfall</a:t>
-              </a:r>
-              <a:r>
-                <a:rPr lang="en-US" sz="1100" dirty="0">
-                  <a:solidFill>
-                    <a:schemeClr val="tx1"/>
-                  </a:solidFill>
-                </a:rPr>
-                <a:t> (</a:t>
-              </a:r>
-              <a:r>
-                <a:rPr lang="en-US" sz="1100" dirty="0" err="1">
-                  <a:solidFill>
-                    <a:schemeClr val="tx1"/>
-                  </a:solidFill>
-                </a:rPr>
-                <a:t>laufende</a:t>
-              </a:r>
-              <a:r>
-                <a:rPr lang="en-US" sz="1100" dirty="0">
-                  <a:solidFill>
-                    <a:schemeClr val="tx1"/>
-                  </a:solidFill>
-                </a:rPr>
-                <a:t> </a:t>
-              </a:r>
-              <a:r>
-                <a:rPr lang="en-US" sz="1100" dirty="0" err="1">
-                  <a:solidFill>
-                    <a:schemeClr val="tx1"/>
-                  </a:solidFill>
-                </a:rPr>
-                <a:t>Beratung</a:t>
-              </a:r>
-              <a:r>
-                <a:rPr lang="en-US" sz="1100" dirty="0">
-                  <a:solidFill>
-                    <a:schemeClr val="tx1"/>
-                  </a:solidFill>
-                </a:rPr>
-                <a:t>). Beim </a:t>
-              </a:r>
-              <a:r>
-                <a:rPr lang="en-US" sz="1100" dirty="0" err="1">
-                  <a:solidFill>
-                    <a:schemeClr val="tx1"/>
-                  </a:solidFill>
-                </a:rPr>
-                <a:t>Speichern</a:t>
-              </a:r>
-              <a:r>
-                <a:rPr lang="en-US" sz="1100" dirty="0">
-                  <a:solidFill>
-                    <a:schemeClr val="tx1"/>
-                  </a:solidFill>
-                </a:rPr>
-                <a:t> </a:t>
-              </a:r>
-              <a:r>
-                <a:rPr lang="en-US" sz="1100" dirty="0" err="1">
-                  <a:solidFill>
-                    <a:schemeClr val="tx1"/>
-                  </a:solidFill>
-                </a:rPr>
-                <a:t>werden</a:t>
-              </a:r>
-              <a:r>
-                <a:rPr lang="en-US" sz="1100" dirty="0">
-                  <a:solidFill>
-                    <a:schemeClr val="tx1"/>
-                  </a:solidFill>
-                </a:rPr>
-                <a:t> </a:t>
-              </a:r>
-              <a:r>
-                <a:rPr lang="en-US" sz="1100" dirty="0" err="1">
-                  <a:solidFill>
-                    <a:schemeClr val="tx1"/>
-                  </a:solidFill>
-                </a:rPr>
-                <a:t>Pflichtfelder</a:t>
-              </a:r>
-              <a:r>
-                <a:rPr lang="en-US" sz="1100" dirty="0">
-                  <a:solidFill>
-                    <a:schemeClr val="tx1"/>
-                  </a:solidFill>
-                </a:rPr>
-                <a:t> </a:t>
-              </a:r>
-              <a:r>
-                <a:rPr lang="en-US" sz="1100" dirty="0" err="1">
-                  <a:solidFill>
-                    <a:schemeClr val="tx1"/>
-                  </a:solidFill>
-                </a:rPr>
-                <a:t>überprüft</a:t>
-              </a:r>
-              <a:r>
-                <a:rPr lang="en-US" sz="1100" dirty="0">
-                  <a:solidFill>
-                    <a:schemeClr val="tx1"/>
-                  </a:solidFill>
-                </a:rPr>
-                <a:t>: </a:t>
-              </a:r>
-              <a:r>
-                <a:rPr lang="en-US" sz="1100" dirty="0" err="1">
-                  <a:solidFill>
-                    <a:schemeClr val="tx1"/>
-                  </a:solidFill>
-                </a:rPr>
-                <a:t>fehlende</a:t>
-              </a:r>
-              <a:r>
-                <a:rPr lang="en-US" sz="1100" dirty="0">
-                  <a:solidFill>
-                    <a:schemeClr val="tx1"/>
-                  </a:solidFill>
-                </a:rPr>
-                <a:t> </a:t>
-              </a:r>
-              <a:r>
-                <a:rPr lang="en-US" sz="1100" dirty="0" err="1">
-                  <a:solidFill>
-                    <a:schemeClr val="tx1"/>
-                  </a:solidFill>
-                </a:rPr>
-                <a:t>Angaben</a:t>
-              </a:r>
-              <a:r>
-                <a:rPr lang="en-US" sz="1100" dirty="0">
-                  <a:solidFill>
-                    <a:schemeClr val="tx1"/>
-                  </a:solidFill>
-                </a:rPr>
-                <a:t> </a:t>
-              </a:r>
-              <a:r>
-                <a:rPr lang="en-US" sz="1100" dirty="0" err="1">
-                  <a:solidFill>
-                    <a:schemeClr val="tx1"/>
-                  </a:solidFill>
-                </a:rPr>
-                <a:t>werden</a:t>
-              </a:r>
-              <a:r>
-                <a:rPr lang="en-US" sz="1100" dirty="0">
-                  <a:solidFill>
-                    <a:schemeClr val="tx1"/>
-                  </a:solidFill>
-                </a:rPr>
-                <a:t> </a:t>
-              </a:r>
-              <a:r>
-                <a:rPr lang="en-US" sz="1100" dirty="0" err="1">
-                  <a:solidFill>
-                    <a:schemeClr val="tx1"/>
-                  </a:solidFill>
-                </a:rPr>
-                <a:t>mit</a:t>
-              </a:r>
-              <a:r>
-                <a:rPr lang="en-US" sz="1100" dirty="0">
-                  <a:solidFill>
-                    <a:schemeClr val="tx1"/>
-                  </a:solidFill>
-                </a:rPr>
-                <a:t> </a:t>
-              </a:r>
-              <a:r>
-                <a:rPr lang="en-US" sz="1100" dirty="0" err="1">
-                  <a:solidFill>
-                    <a:schemeClr val="tx1"/>
-                  </a:solidFill>
-                </a:rPr>
-                <a:t>Fehlermeldung</a:t>
-              </a:r>
-              <a:r>
-                <a:rPr lang="en-US" sz="1100" dirty="0">
-                  <a:solidFill>
-                    <a:schemeClr val="tx1"/>
-                  </a:solidFill>
-                </a:rPr>
-                <a:t> </a:t>
-              </a:r>
-              <a:r>
-                <a:rPr lang="en-US" sz="1100" dirty="0" err="1">
-                  <a:solidFill>
-                    <a:schemeClr val="tx1"/>
-                  </a:solidFill>
-                </a:rPr>
-                <a:t>angezeigt</a:t>
-              </a:r>
-              <a:endParaRPr lang="en-US" sz="1100" dirty="0">
-                <a:solidFill>
-                  <a:schemeClr val="tx1"/>
-                </a:solidFill>
-              </a:endParaRPr>
-            </a:p>
-          </p:txBody>
-        </p:sp>
-      </p:grpSp>
-      <p:grpSp>
-        <p:nvGrpSpPr>
-          <p:cNvPr id="28" name="Gruppieren 27">
+          </a:ln>
+        </p:spPr>
+        <p:style>
+          <a:lnRef idx="2">
+            <a:schemeClr val="accent1">
+              <a:shade val="15000"/>
+            </a:schemeClr>
+          </a:lnRef>
+          <a:fillRef idx="1">
+            <a:schemeClr val="accent1"/>
+          </a:fillRef>
+          <a:effectRef idx="0">
+            <a:schemeClr val="accent1"/>
+          </a:effectRef>
+          <a:fontRef idx="minor">
+            <a:schemeClr val="lt1"/>
+          </a:fontRef>
+        </p:style>
+        <p:txBody>
+          <a:bodyPr rtlCol="0" anchor="ctr"/>
+          <a:lstStyle/>
+          <a:p>
+            <a:r>
+              <a:rPr lang="de-DE" sz="1600" b="1" dirty="0">
+                <a:solidFill>
+                  <a:schemeClr val="tx1"/>
+                </a:solidFill>
+              </a:rPr>
+              <a:t>Description:</a:t>
+            </a:r>
+          </a:p>
+        </p:txBody>
+      </p:sp>
+      <p:sp>
+        <p:nvSpPr>
+          <p:cNvPr id="23" name="Rechteck 22">
             <a:extLst>
               <a:ext uri="{FF2B5EF4-FFF2-40B4-BE49-F238E27FC236}">
-                <a16:creationId xmlns:a16="http://schemas.microsoft.com/office/drawing/2014/main" id="{B643D27F-4376-A5A8-C2E1-1BCE062B0EF7}"/>
+                <a16:creationId xmlns:a16="http://schemas.microsoft.com/office/drawing/2014/main" id="{6DD8798C-9846-824E-B3B1-C5C10749438D}"/>
               </a:ext>
             </a:extLst>
           </p:cNvPr>
-          <p:cNvGrpSpPr/>
+          <p:cNvSpPr/>
           <p:nvPr/>
-        </p:nvGrpSpPr>
-        <p:grpSpPr>
+        </p:nvSpPr>
+        <p:spPr>
           <a:xfrm>
-            <a:off x="192090" y="2301438"/>
-            <a:ext cx="11807823" cy="792000"/>
-            <a:chOff x="192088" y="1377950"/>
-            <a:chExt cx="11807823" cy="792000"/>
+            <a:off x="1903446" y="1370669"/>
+            <a:ext cx="10096466" cy="792000"/>
           </a:xfrm>
-        </p:grpSpPr>
-        <p:sp>
-          <p:nvSpPr>
-            <p:cNvPr id="29" name="Rechteck 28">
-              <a:extLst>
-                <a:ext uri="{FF2B5EF4-FFF2-40B4-BE49-F238E27FC236}">
-                  <a16:creationId xmlns:a16="http://schemas.microsoft.com/office/drawing/2014/main" id="{92138D5C-E1B9-EA96-3E7C-FDDE2159CABB}"/>
-                </a:ext>
-              </a:extLst>
-            </p:cNvPr>
-            <p:cNvSpPr/>
-            <p:nvPr/>
-          </p:nvSpPr>
-          <p:spPr>
-            <a:xfrm>
-              <a:off x="192088" y="1377950"/>
-              <a:ext cx="2392362" cy="323850"/>
-            </a:xfrm>
-            <a:prstGeom prst="rect">
-              <a:avLst/>
-            </a:prstGeom>
+          <a:prstGeom prst="rect">
+            <a:avLst/>
+          </a:prstGeom>
+          <a:solidFill>
+            <a:schemeClr val="bg1"/>
+          </a:solidFill>
+          <a:ln w="6350">
             <a:solidFill>
-              <a:schemeClr val="bg1"/>
+              <a:schemeClr val="tx2"/>
             </a:solidFill>
-            <a:ln w="6350">
+          </a:ln>
+        </p:spPr>
+        <p:style>
+          <a:lnRef idx="2">
+            <a:schemeClr val="accent1">
+              <a:shade val="15000"/>
+            </a:schemeClr>
+          </a:lnRef>
+          <a:fillRef idx="1">
+            <a:schemeClr val="accent1"/>
+          </a:fillRef>
+          <a:effectRef idx="0">
+            <a:schemeClr val="accent1"/>
+          </a:effectRef>
+          <a:fontRef idx="minor">
+            <a:schemeClr val="lt1"/>
+          </a:fontRef>
+        </p:style>
+        <p:txBody>
+          <a:bodyPr rtlCol="0" anchor="ctr"/>
+          <a:lstStyle/>
+          <a:p>
+            <a:r>
+              <a:rPr lang="en-US" sz="1100" dirty="0">
+                <a:solidFill>
+                  <a:schemeClr val="tx1"/>
+                </a:solidFill>
+              </a:rPr>
+              <a:t>Das System </a:t>
+            </a:r>
+            <a:r>
+              <a:rPr lang="en-US" sz="1100" dirty="0" err="1">
+                <a:solidFill>
+                  <a:schemeClr val="tx1"/>
+                </a:solidFill>
+              </a:rPr>
+              <a:t>soll</a:t>
+            </a:r>
+            <a:r>
+              <a:rPr lang="en-US" sz="1100" dirty="0">
+                <a:solidFill>
+                  <a:schemeClr val="tx1"/>
+                </a:solidFill>
+              </a:rPr>
+              <a:t> Mitarbeiter*</a:t>
+            </a:r>
+            <a:r>
+              <a:rPr lang="en-US" sz="1100" dirty="0" err="1">
+                <a:solidFill>
+                  <a:schemeClr val="tx1"/>
+                </a:solidFill>
+              </a:rPr>
+              <a:t>innen</a:t>
+            </a:r>
+            <a:r>
+              <a:rPr lang="en-US" sz="1100" dirty="0">
+                <a:solidFill>
+                  <a:schemeClr val="tx1"/>
+                </a:solidFill>
+              </a:rPr>
+              <a:t> </a:t>
+            </a:r>
+            <a:r>
+              <a:rPr lang="en-US" sz="1100" dirty="0" err="1">
+                <a:solidFill>
+                  <a:schemeClr val="tx1"/>
+                </a:solidFill>
+              </a:rPr>
+              <a:t>ermöglichen</a:t>
+            </a:r>
+            <a:r>
+              <a:rPr lang="en-US" sz="1100" dirty="0">
+                <a:solidFill>
+                  <a:schemeClr val="tx1"/>
+                </a:solidFill>
+              </a:rPr>
+              <a:t>, </a:t>
+            </a:r>
+            <a:r>
+              <a:rPr lang="en-US" sz="1100" dirty="0" err="1">
+                <a:solidFill>
+                  <a:schemeClr val="tx1"/>
+                </a:solidFill>
+              </a:rPr>
+              <a:t>neue</a:t>
+            </a:r>
+            <a:r>
+              <a:rPr lang="en-US" sz="1100" dirty="0">
+                <a:solidFill>
+                  <a:schemeClr val="tx1"/>
+                </a:solidFill>
+              </a:rPr>
+              <a:t> </a:t>
+            </a:r>
+            <a:r>
+              <a:rPr lang="en-US" sz="1100" dirty="0" err="1">
+                <a:solidFill>
+                  <a:schemeClr val="tx1"/>
+                </a:solidFill>
+              </a:rPr>
+              <a:t>Anfragen</a:t>
+            </a:r>
+            <a:r>
+              <a:rPr lang="en-US" sz="1100" dirty="0">
+                <a:solidFill>
+                  <a:schemeClr val="tx1"/>
+                </a:solidFill>
+              </a:rPr>
+              <a:t> und </a:t>
+            </a:r>
+            <a:r>
+              <a:rPr lang="en-US" sz="1100" dirty="0" err="1">
+                <a:solidFill>
+                  <a:schemeClr val="tx1"/>
+                </a:solidFill>
+              </a:rPr>
+              <a:t>Beratungsfälle</a:t>
+            </a:r>
+            <a:r>
+              <a:rPr lang="en-US" sz="1100" dirty="0">
+                <a:solidFill>
+                  <a:schemeClr val="tx1"/>
+                </a:solidFill>
+              </a:rPr>
+              <a:t> </a:t>
+            </a:r>
+            <a:r>
+              <a:rPr lang="en-US" sz="1100" dirty="0" err="1">
+                <a:solidFill>
+                  <a:schemeClr val="tx1"/>
+                </a:solidFill>
+              </a:rPr>
+              <a:t>über</a:t>
+            </a:r>
+            <a:r>
+              <a:rPr lang="en-US" sz="1100" dirty="0">
+                <a:solidFill>
+                  <a:schemeClr val="tx1"/>
+                </a:solidFill>
+              </a:rPr>
+              <a:t> </a:t>
+            </a:r>
+            <a:r>
+              <a:rPr lang="en-US" sz="1100" dirty="0" err="1">
+                <a:solidFill>
+                  <a:schemeClr val="tx1"/>
+                </a:solidFill>
+              </a:rPr>
+              <a:t>eine</a:t>
+            </a:r>
+            <a:r>
+              <a:rPr lang="en-US" sz="1100" dirty="0">
+                <a:solidFill>
+                  <a:schemeClr val="tx1"/>
+                </a:solidFill>
+              </a:rPr>
+              <a:t> </a:t>
+            </a:r>
+            <a:r>
+              <a:rPr lang="en-US" sz="1100" dirty="0" err="1">
+                <a:solidFill>
+                  <a:schemeClr val="tx1"/>
+                </a:solidFill>
+              </a:rPr>
+              <a:t>benutzerfreundliche</a:t>
+            </a:r>
+            <a:r>
+              <a:rPr lang="en-US" sz="1100" dirty="0">
+                <a:solidFill>
+                  <a:schemeClr val="tx1"/>
+                </a:solidFill>
+              </a:rPr>
+              <a:t> </a:t>
+            </a:r>
+            <a:r>
+              <a:rPr lang="en-US" sz="1100" dirty="0" err="1">
+                <a:solidFill>
+                  <a:schemeClr val="tx1"/>
+                </a:solidFill>
+              </a:rPr>
+              <a:t>Eingabemaske</a:t>
+            </a:r>
+            <a:r>
+              <a:rPr lang="en-US" sz="1100" dirty="0">
+                <a:solidFill>
+                  <a:schemeClr val="tx1"/>
+                </a:solidFill>
+              </a:rPr>
+              <a:t> </a:t>
+            </a:r>
+            <a:r>
+              <a:rPr lang="en-US" sz="1100" dirty="0" err="1">
+                <a:solidFill>
+                  <a:schemeClr val="tx1"/>
+                </a:solidFill>
+              </a:rPr>
+              <a:t>zu</a:t>
+            </a:r>
+            <a:r>
+              <a:rPr lang="en-US" sz="1100" dirty="0">
+                <a:solidFill>
+                  <a:schemeClr val="tx1"/>
+                </a:solidFill>
+              </a:rPr>
+              <a:t> </a:t>
+            </a:r>
+            <a:r>
+              <a:rPr lang="en-US" sz="1100" dirty="0" err="1">
+                <a:solidFill>
+                  <a:schemeClr val="tx1"/>
+                </a:solidFill>
+              </a:rPr>
+              <a:t>erfassen</a:t>
+            </a:r>
+            <a:r>
+              <a:rPr lang="en-US" sz="1100" dirty="0">
+                <a:solidFill>
+                  <a:schemeClr val="tx1"/>
+                </a:solidFill>
+              </a:rPr>
+              <a:t>. Es </a:t>
+            </a:r>
+            <a:r>
+              <a:rPr lang="en-US" sz="1100" dirty="0" err="1">
+                <a:solidFill>
+                  <a:schemeClr val="tx1"/>
+                </a:solidFill>
+              </a:rPr>
+              <a:t>gibt</a:t>
+            </a:r>
+            <a:r>
+              <a:rPr lang="en-US" sz="1100" dirty="0">
+                <a:solidFill>
+                  <a:schemeClr val="tx1"/>
+                </a:solidFill>
+              </a:rPr>
+              <a:t> </a:t>
+            </a:r>
+            <a:r>
+              <a:rPr lang="en-US" sz="1100" dirty="0" err="1">
+                <a:solidFill>
+                  <a:schemeClr val="tx1"/>
+                </a:solidFill>
+              </a:rPr>
+              <a:t>zwei</a:t>
+            </a:r>
+            <a:r>
+              <a:rPr lang="en-US" sz="1100" dirty="0">
+                <a:solidFill>
+                  <a:schemeClr val="tx1"/>
+                </a:solidFill>
+              </a:rPr>
+              <a:t> </a:t>
+            </a:r>
+            <a:r>
+              <a:rPr lang="en-US" sz="1100" dirty="0" err="1">
+                <a:solidFill>
+                  <a:schemeClr val="tx1"/>
+                </a:solidFill>
+              </a:rPr>
+              <a:t>Arten</a:t>
+            </a:r>
+            <a:r>
+              <a:rPr lang="en-US" sz="1100" dirty="0">
+                <a:solidFill>
+                  <a:schemeClr val="tx1"/>
+                </a:solidFill>
+              </a:rPr>
+              <a:t> von </a:t>
+            </a:r>
+            <a:r>
+              <a:rPr lang="en-US" sz="1100" dirty="0" err="1">
+                <a:solidFill>
+                  <a:schemeClr val="tx1"/>
+                </a:solidFill>
+              </a:rPr>
+              <a:t>Datensätzem</a:t>
+            </a:r>
+            <a:r>
+              <a:rPr lang="en-US" sz="1100" dirty="0">
+                <a:solidFill>
+                  <a:schemeClr val="tx1"/>
+                </a:solidFill>
+              </a:rPr>
+              <a:t>:  </a:t>
+            </a:r>
+            <a:r>
+              <a:rPr lang="en-US" sz="1100" dirty="0" err="1">
+                <a:solidFill>
+                  <a:schemeClr val="tx1"/>
+                </a:solidFill>
+              </a:rPr>
+              <a:t>Anfrage</a:t>
+            </a:r>
+            <a:r>
+              <a:rPr lang="en-US" sz="1100" dirty="0">
+                <a:solidFill>
+                  <a:schemeClr val="tx1"/>
+                </a:solidFill>
+              </a:rPr>
+              <a:t> (</a:t>
+            </a:r>
+            <a:r>
+              <a:rPr lang="en-US" sz="1100" dirty="0" err="1">
+                <a:solidFill>
+                  <a:schemeClr val="tx1"/>
+                </a:solidFill>
+              </a:rPr>
+              <a:t>Erstkontakt</a:t>
+            </a:r>
+            <a:r>
+              <a:rPr lang="en-US" sz="1100" dirty="0">
+                <a:solidFill>
+                  <a:schemeClr val="tx1"/>
+                </a:solidFill>
+              </a:rPr>
+              <a:t> </a:t>
+            </a:r>
+            <a:r>
+              <a:rPr lang="en-US" sz="1100" dirty="0" err="1">
+                <a:solidFill>
+                  <a:schemeClr val="tx1"/>
+                </a:solidFill>
+              </a:rPr>
+              <a:t>bzw</a:t>
+            </a:r>
+            <a:r>
+              <a:rPr lang="en-US" sz="1100" dirty="0">
+                <a:solidFill>
+                  <a:schemeClr val="tx1"/>
+                </a:solidFill>
+              </a:rPr>
+              <a:t>. </a:t>
+            </a:r>
+            <a:r>
+              <a:rPr lang="en-US" sz="1100" dirty="0" err="1">
+                <a:solidFill>
+                  <a:schemeClr val="tx1"/>
+                </a:solidFill>
+              </a:rPr>
+              <a:t>Terminvereinbarung</a:t>
+            </a:r>
+            <a:r>
+              <a:rPr lang="en-US" sz="1100" dirty="0">
+                <a:solidFill>
+                  <a:schemeClr val="tx1"/>
+                </a:solidFill>
+              </a:rPr>
+              <a:t>) und </a:t>
+            </a:r>
+            <a:r>
+              <a:rPr lang="en-US" sz="1100" dirty="0" err="1">
+                <a:solidFill>
+                  <a:schemeClr val="tx1"/>
+                </a:solidFill>
+              </a:rPr>
+              <a:t>Beratungsfall</a:t>
+            </a:r>
+            <a:r>
+              <a:rPr lang="en-US" sz="1100" dirty="0">
+                <a:solidFill>
+                  <a:schemeClr val="tx1"/>
+                </a:solidFill>
+              </a:rPr>
+              <a:t> (</a:t>
+            </a:r>
+            <a:r>
+              <a:rPr lang="en-US" sz="1100" dirty="0" err="1">
+                <a:solidFill>
+                  <a:schemeClr val="tx1"/>
+                </a:solidFill>
+              </a:rPr>
+              <a:t>laufende</a:t>
+            </a:r>
+            <a:r>
+              <a:rPr lang="en-US" sz="1100" dirty="0">
+                <a:solidFill>
+                  <a:schemeClr val="tx1"/>
+                </a:solidFill>
+              </a:rPr>
+              <a:t> </a:t>
+            </a:r>
+            <a:r>
+              <a:rPr lang="en-US" sz="1100" dirty="0" err="1">
+                <a:solidFill>
+                  <a:schemeClr val="tx1"/>
+                </a:solidFill>
+              </a:rPr>
+              <a:t>Beratung</a:t>
+            </a:r>
+            <a:r>
+              <a:rPr lang="en-US" sz="1100" dirty="0">
+                <a:solidFill>
+                  <a:schemeClr val="tx1"/>
+                </a:solidFill>
+              </a:rPr>
+              <a:t>). Beim </a:t>
+            </a:r>
+            <a:r>
+              <a:rPr lang="en-US" sz="1100" dirty="0" err="1">
+                <a:solidFill>
+                  <a:schemeClr val="tx1"/>
+                </a:solidFill>
+              </a:rPr>
+              <a:t>Speichern</a:t>
+            </a:r>
+            <a:r>
+              <a:rPr lang="en-US" sz="1100" dirty="0">
+                <a:solidFill>
+                  <a:schemeClr val="tx1"/>
+                </a:solidFill>
+              </a:rPr>
+              <a:t> </a:t>
+            </a:r>
+            <a:r>
+              <a:rPr lang="en-US" sz="1100" dirty="0" err="1">
+                <a:solidFill>
+                  <a:schemeClr val="tx1"/>
+                </a:solidFill>
+              </a:rPr>
+              <a:t>werden</a:t>
+            </a:r>
+            <a:r>
+              <a:rPr lang="en-US" sz="1100" dirty="0">
+                <a:solidFill>
+                  <a:schemeClr val="tx1"/>
+                </a:solidFill>
+              </a:rPr>
+              <a:t> </a:t>
+            </a:r>
+            <a:r>
+              <a:rPr lang="en-US" sz="1100" dirty="0" err="1">
+                <a:solidFill>
+                  <a:schemeClr val="tx1"/>
+                </a:solidFill>
+              </a:rPr>
+              <a:t>Pflichtfelder</a:t>
+            </a:r>
+            <a:r>
+              <a:rPr lang="en-US" sz="1100" dirty="0">
+                <a:solidFill>
+                  <a:schemeClr val="tx1"/>
+                </a:solidFill>
+              </a:rPr>
+              <a:t> </a:t>
+            </a:r>
+            <a:r>
+              <a:rPr lang="en-US" sz="1100" dirty="0" err="1">
+                <a:solidFill>
+                  <a:schemeClr val="tx1"/>
+                </a:solidFill>
+              </a:rPr>
+              <a:t>überprüft</a:t>
+            </a:r>
+            <a:r>
+              <a:rPr lang="en-US" sz="1100" dirty="0">
+                <a:solidFill>
+                  <a:schemeClr val="tx1"/>
+                </a:solidFill>
+              </a:rPr>
+              <a:t>: </a:t>
+            </a:r>
+            <a:r>
+              <a:rPr lang="en-US" sz="1100" dirty="0" err="1">
+                <a:solidFill>
+                  <a:schemeClr val="tx1"/>
+                </a:solidFill>
+              </a:rPr>
+              <a:t>fehlende</a:t>
+            </a:r>
+            <a:r>
+              <a:rPr lang="en-US" sz="1100" dirty="0">
+                <a:solidFill>
+                  <a:schemeClr val="tx1"/>
+                </a:solidFill>
+              </a:rPr>
+              <a:t> </a:t>
+            </a:r>
+            <a:r>
+              <a:rPr lang="en-US" sz="1100" dirty="0" err="1">
+                <a:solidFill>
+                  <a:schemeClr val="tx1"/>
+                </a:solidFill>
+              </a:rPr>
+              <a:t>Angaben</a:t>
+            </a:r>
+            <a:r>
+              <a:rPr lang="en-US" sz="1100" dirty="0">
+                <a:solidFill>
+                  <a:schemeClr val="tx1"/>
+                </a:solidFill>
+              </a:rPr>
+              <a:t> </a:t>
+            </a:r>
+            <a:r>
+              <a:rPr lang="en-US" sz="1100" dirty="0" err="1">
+                <a:solidFill>
+                  <a:schemeClr val="tx1"/>
+                </a:solidFill>
+              </a:rPr>
+              <a:t>werden</a:t>
+            </a:r>
+            <a:r>
+              <a:rPr lang="en-US" sz="1100" dirty="0">
+                <a:solidFill>
+                  <a:schemeClr val="tx1"/>
+                </a:solidFill>
+              </a:rPr>
+              <a:t> </a:t>
+            </a:r>
+            <a:r>
+              <a:rPr lang="en-US" sz="1100" dirty="0" err="1">
+                <a:solidFill>
+                  <a:schemeClr val="tx1"/>
+                </a:solidFill>
+              </a:rPr>
+              <a:t>mit</a:t>
+            </a:r>
+            <a:r>
+              <a:rPr lang="en-US" sz="1100" dirty="0">
+                <a:solidFill>
+                  <a:schemeClr val="tx1"/>
+                </a:solidFill>
+              </a:rPr>
+              <a:t> </a:t>
+            </a:r>
+            <a:r>
+              <a:rPr lang="en-US" sz="1100" dirty="0" err="1">
+                <a:solidFill>
+                  <a:schemeClr val="tx1"/>
+                </a:solidFill>
+              </a:rPr>
+              <a:t>Fehlermeldung</a:t>
+            </a:r>
+            <a:r>
+              <a:rPr lang="en-US" sz="1100" dirty="0">
+                <a:solidFill>
+                  <a:schemeClr val="tx1"/>
+                </a:solidFill>
+              </a:rPr>
+              <a:t> </a:t>
+            </a:r>
+            <a:r>
+              <a:rPr lang="en-US" sz="1100" dirty="0" err="1">
+                <a:solidFill>
+                  <a:schemeClr val="tx1"/>
+                </a:solidFill>
+              </a:rPr>
+              <a:t>angezeigt</a:t>
+            </a:r>
+            <a:endParaRPr lang="en-US" sz="1100" dirty="0">
               <a:solidFill>
-                <a:schemeClr val="tx2"/>
+                <a:schemeClr val="tx1"/>
               </a:solidFill>
-            </a:ln>
-          </p:spPr>
-          <p:style>
-            <a:lnRef idx="2">
-              <a:schemeClr val="accent1">
-                <a:shade val="15000"/>
-              </a:schemeClr>
-            </a:lnRef>
-            <a:fillRef idx="1">
-              <a:schemeClr val="accent1"/>
-            </a:fillRef>
-            <a:effectRef idx="0">
-              <a:schemeClr val="accent1"/>
-            </a:effectRef>
-            <a:fontRef idx="minor">
-              <a:schemeClr val="lt1"/>
-            </a:fontRef>
-          </p:style>
-          <p:txBody>
-            <a:bodyPr rtlCol="0" anchor="ctr"/>
-            <a:lstStyle/>
-            <a:p>
-              <a:r>
-                <a:rPr lang="de-DE" sz="1600" b="1" dirty="0">
-                  <a:solidFill>
-                    <a:schemeClr val="tx1"/>
-                  </a:solidFill>
-                </a:rPr>
-                <a:t>Rationale:</a:t>
-              </a:r>
-            </a:p>
-          </p:txBody>
-        </p:sp>
-        <p:sp>
-          <p:nvSpPr>
-            <p:cNvPr id="30" name="Rechteck 29">
-              <a:extLst>
-                <a:ext uri="{FF2B5EF4-FFF2-40B4-BE49-F238E27FC236}">
-                  <a16:creationId xmlns:a16="http://schemas.microsoft.com/office/drawing/2014/main" id="{2707EFF0-0358-C388-52AA-509B25C57232}"/>
-                </a:ext>
-              </a:extLst>
-            </p:cNvPr>
-            <p:cNvSpPr/>
-            <p:nvPr/>
-          </p:nvSpPr>
-          <p:spPr>
-            <a:xfrm>
-              <a:off x="2651918" y="1377950"/>
-              <a:ext cx="9347993" cy="792000"/>
-            </a:xfrm>
-            <a:prstGeom prst="rect">
-              <a:avLst/>
-            </a:prstGeom>
-            <a:solidFill>
-              <a:schemeClr val="bg1"/>
-            </a:solidFill>
-            <a:ln w="6350">
-              <a:solidFill>
-                <a:schemeClr val="tx2"/>
-              </a:solidFill>
-            </a:ln>
-          </p:spPr>
-          <p:style>
-            <a:lnRef idx="2">
-              <a:schemeClr val="accent1">
-                <a:shade val="15000"/>
-              </a:schemeClr>
-            </a:lnRef>
-            <a:fillRef idx="1">
-              <a:schemeClr val="accent1"/>
-            </a:fillRef>
-            <a:effectRef idx="0">
-              <a:schemeClr val="accent1"/>
-            </a:effectRef>
-            <a:fontRef idx="minor">
-              <a:schemeClr val="lt1"/>
-            </a:fontRef>
-          </p:style>
-          <p:txBody>
-            <a:bodyPr rtlCol="0" anchor="ctr"/>
-            <a:lstStyle/>
-            <a:p>
-              <a:r>
-                <a:rPr lang="en-US" sz="1100" dirty="0">
-                  <a:solidFill>
-                    <a:schemeClr val="tx1"/>
-                  </a:solidFill>
-                </a:rPr>
-                <a:t>Der </a:t>
-              </a:r>
-              <a:r>
-                <a:rPr lang="en-US" sz="1100" dirty="0" err="1">
-                  <a:solidFill>
-                    <a:schemeClr val="tx1"/>
-                  </a:solidFill>
-                </a:rPr>
-                <a:t>Kernprozess</a:t>
-              </a:r>
-              <a:r>
-                <a:rPr lang="en-US" sz="1100" dirty="0">
-                  <a:solidFill>
-                    <a:schemeClr val="tx1"/>
-                  </a:solidFill>
-                </a:rPr>
-                <a:t> des Systems </a:t>
-              </a:r>
-              <a:r>
-                <a:rPr lang="en-US" sz="1100" dirty="0" err="1">
-                  <a:solidFill>
-                    <a:schemeClr val="tx1"/>
-                  </a:solidFill>
-                </a:rPr>
-                <a:t>ist</a:t>
-              </a:r>
-              <a:r>
-                <a:rPr lang="en-US" sz="1100" dirty="0">
-                  <a:solidFill>
-                    <a:schemeClr val="tx1"/>
-                  </a:solidFill>
-                </a:rPr>
-                <a:t> die </a:t>
-              </a:r>
-              <a:r>
-                <a:rPr lang="en-US" sz="1100" dirty="0" err="1">
-                  <a:solidFill>
-                    <a:schemeClr val="tx1"/>
-                  </a:solidFill>
-                </a:rPr>
-                <a:t>Datenerfassung</a:t>
-              </a:r>
-              <a:r>
-                <a:rPr lang="en-US" sz="1100" dirty="0">
-                  <a:solidFill>
-                    <a:schemeClr val="tx1"/>
-                  </a:solidFill>
-                </a:rPr>
-                <a:t>. Die </a:t>
-              </a:r>
-              <a:r>
-                <a:rPr lang="en-US" sz="1100" dirty="0" err="1">
-                  <a:solidFill>
-                    <a:schemeClr val="tx1"/>
-                  </a:solidFill>
-                </a:rPr>
-                <a:t>Erfassung</a:t>
-              </a:r>
-              <a:r>
-                <a:rPr lang="en-US" sz="1100" dirty="0">
-                  <a:solidFill>
-                    <a:schemeClr val="tx1"/>
-                  </a:solidFill>
-                </a:rPr>
-                <a:t> </a:t>
-              </a:r>
-              <a:r>
-                <a:rPr lang="en-US" sz="1100" dirty="0" err="1">
-                  <a:solidFill>
-                    <a:schemeClr val="tx1"/>
-                  </a:solidFill>
-                </a:rPr>
-                <a:t>soll</a:t>
-              </a:r>
-              <a:r>
-                <a:rPr lang="en-US" sz="1100" dirty="0">
-                  <a:solidFill>
-                    <a:schemeClr val="tx1"/>
-                  </a:solidFill>
-                </a:rPr>
-                <a:t> </a:t>
-              </a:r>
-              <a:r>
-                <a:rPr lang="en-US" sz="1100" dirty="0" err="1">
-                  <a:solidFill>
-                    <a:schemeClr val="tx1"/>
-                  </a:solidFill>
-                </a:rPr>
-                <a:t>difital</a:t>
-              </a:r>
-              <a:r>
-                <a:rPr lang="en-US" sz="1100" dirty="0">
-                  <a:solidFill>
-                    <a:schemeClr val="tx1"/>
-                  </a:solidFill>
-                </a:rPr>
-                <a:t> und </a:t>
-              </a:r>
-              <a:r>
-                <a:rPr lang="en-US" sz="1100" dirty="0" err="1">
-                  <a:solidFill>
-                    <a:schemeClr val="tx1"/>
-                  </a:solidFill>
-                </a:rPr>
-                <a:t>strukturiert</a:t>
-              </a:r>
-              <a:r>
-                <a:rPr lang="en-US" sz="1100" dirty="0">
-                  <a:solidFill>
-                    <a:schemeClr val="tx1"/>
-                  </a:solidFill>
-                </a:rPr>
-                <a:t> </a:t>
-              </a:r>
-              <a:r>
-                <a:rPr lang="en-US" sz="1100" dirty="0" err="1">
-                  <a:solidFill>
-                    <a:schemeClr val="tx1"/>
-                  </a:solidFill>
-                </a:rPr>
-                <a:t>erfolgen</a:t>
-              </a:r>
-              <a:r>
-                <a:rPr lang="en-US" sz="1100" dirty="0">
-                  <a:solidFill>
-                    <a:schemeClr val="tx1"/>
-                  </a:solidFill>
-                </a:rPr>
-                <a:t>. Das </a:t>
-              </a:r>
-              <a:r>
-                <a:rPr lang="en-US" sz="1100" dirty="0" err="1">
-                  <a:solidFill>
-                    <a:schemeClr val="tx1"/>
-                  </a:solidFill>
-                </a:rPr>
-                <a:t>reduziert</a:t>
-              </a:r>
-              <a:r>
-                <a:rPr lang="en-US" sz="1100" dirty="0">
-                  <a:solidFill>
-                    <a:schemeClr val="tx1"/>
-                  </a:solidFill>
-                </a:rPr>
-                <a:t> den </a:t>
-              </a:r>
-              <a:r>
-                <a:rPr lang="en-US" sz="1100" dirty="0" err="1">
-                  <a:solidFill>
-                    <a:schemeClr val="tx1"/>
-                  </a:solidFill>
-                </a:rPr>
-                <a:t>Arbeitsaufwand</a:t>
-              </a:r>
-              <a:r>
-                <a:rPr lang="en-US" sz="1100" dirty="0">
-                  <a:solidFill>
-                    <a:schemeClr val="tx1"/>
-                  </a:solidFill>
-                </a:rPr>
-                <a:t> der </a:t>
-              </a:r>
-              <a:r>
-                <a:rPr lang="en-US" sz="1100" dirty="0" err="1">
-                  <a:solidFill>
-                    <a:schemeClr val="tx1"/>
-                  </a:solidFill>
-                </a:rPr>
-                <a:t>Mitglieder</a:t>
-              </a:r>
-              <a:r>
-                <a:rPr lang="en-US" sz="1100" dirty="0">
-                  <a:solidFill>
-                    <a:schemeClr val="tx1"/>
-                  </a:solidFill>
-                </a:rPr>
-                <a:t>*</a:t>
-              </a:r>
-              <a:r>
-                <a:rPr lang="en-US" sz="1100" dirty="0" err="1">
-                  <a:solidFill>
-                    <a:schemeClr val="tx1"/>
-                  </a:solidFill>
-                </a:rPr>
-                <a:t>innen</a:t>
-              </a:r>
-              <a:endParaRPr lang="en-US" sz="1100" dirty="0">
-                <a:solidFill>
-                  <a:schemeClr val="tx1"/>
-                </a:solidFill>
-              </a:endParaRPr>
-            </a:p>
-          </p:txBody>
-        </p:sp>
-      </p:grpSp>
-      <p:grpSp>
-        <p:nvGrpSpPr>
-          <p:cNvPr id="31" name="Gruppieren 30">
+            </a:endParaRPr>
+          </a:p>
+        </p:txBody>
+      </p:sp>
+      <p:sp>
+        <p:nvSpPr>
+          <p:cNvPr id="29" name="Rechteck 28">
             <a:extLst>
               <a:ext uri="{FF2B5EF4-FFF2-40B4-BE49-F238E27FC236}">
-                <a16:creationId xmlns:a16="http://schemas.microsoft.com/office/drawing/2014/main" id="{570A4109-C050-722F-51A5-8B185F183470}"/>
+                <a16:creationId xmlns:a16="http://schemas.microsoft.com/office/drawing/2014/main" id="{92138D5C-E1B9-EA96-3E7C-FDDE2159CABB}"/>
               </a:ext>
             </a:extLst>
           </p:cNvPr>
-          <p:cNvGrpSpPr/>
+          <p:cNvSpPr/>
           <p:nvPr/>
-        </p:nvGrpSpPr>
-        <p:grpSpPr>
+        </p:nvSpPr>
+        <p:spPr>
           <a:xfrm>
-            <a:off x="192088" y="3232207"/>
-            <a:ext cx="11807823" cy="323850"/>
-            <a:chOff x="192088" y="1377950"/>
-            <a:chExt cx="11807823" cy="323850"/>
+            <a:off x="192090" y="2301438"/>
+            <a:ext cx="1375200" cy="323850"/>
           </a:xfrm>
-        </p:grpSpPr>
-        <p:sp>
-          <p:nvSpPr>
-            <p:cNvPr id="32" name="Rechteck 31">
-              <a:extLst>
-                <a:ext uri="{FF2B5EF4-FFF2-40B4-BE49-F238E27FC236}">
-                  <a16:creationId xmlns:a16="http://schemas.microsoft.com/office/drawing/2014/main" id="{6858BD9C-DC70-6A02-FC6C-DF7AF7ED1BAA}"/>
-                </a:ext>
-              </a:extLst>
-            </p:cNvPr>
-            <p:cNvSpPr/>
-            <p:nvPr/>
-          </p:nvSpPr>
-          <p:spPr>
-            <a:xfrm>
-              <a:off x="192088" y="1377950"/>
-              <a:ext cx="2392362" cy="323850"/>
-            </a:xfrm>
-            <a:prstGeom prst="rect">
-              <a:avLst/>
-            </a:prstGeom>
+          <a:prstGeom prst="rect">
+            <a:avLst/>
+          </a:prstGeom>
+          <a:solidFill>
+            <a:schemeClr val="bg1"/>
+          </a:solidFill>
+          <a:ln w="6350">
             <a:solidFill>
-              <a:schemeClr val="bg1"/>
+              <a:schemeClr val="tx2"/>
             </a:solidFill>
-            <a:ln w="6350">
-              <a:solidFill>
-                <a:schemeClr val="tx2"/>
-              </a:solidFill>
-            </a:ln>
-          </p:spPr>
-          <p:style>
-            <a:lnRef idx="2">
-              <a:schemeClr val="accent1">
-                <a:shade val="15000"/>
-              </a:schemeClr>
-            </a:lnRef>
-            <a:fillRef idx="1">
-              <a:schemeClr val="accent1"/>
-            </a:fillRef>
-            <a:effectRef idx="0">
-              <a:schemeClr val="accent1"/>
-            </a:effectRef>
-            <a:fontRef idx="minor">
-              <a:schemeClr val="lt1"/>
-            </a:fontRef>
-          </p:style>
-          <p:txBody>
-            <a:bodyPr rtlCol="0" anchor="ctr"/>
-            <a:lstStyle/>
-            <a:p>
-              <a:r>
-                <a:rPr lang="de-DE" sz="1600" b="1" dirty="0" err="1">
-                  <a:solidFill>
-                    <a:schemeClr val="tx1"/>
-                  </a:solidFill>
-                </a:rPr>
-                <a:t>Originator</a:t>
-              </a:r>
-              <a:r>
-                <a:rPr lang="de-DE" sz="1600" b="1" dirty="0">
-                  <a:solidFill>
-                    <a:schemeClr val="tx1"/>
-                  </a:solidFill>
-                </a:rPr>
-                <a:t>:</a:t>
-              </a:r>
-            </a:p>
-          </p:txBody>
-        </p:sp>
-        <p:sp>
-          <p:nvSpPr>
-            <p:cNvPr id="33" name="Rechteck 32">
-              <a:extLst>
-                <a:ext uri="{FF2B5EF4-FFF2-40B4-BE49-F238E27FC236}">
-                  <a16:creationId xmlns:a16="http://schemas.microsoft.com/office/drawing/2014/main" id="{03DD2826-F937-C0B7-A640-E95A663B5EDD}"/>
-                </a:ext>
-              </a:extLst>
-            </p:cNvPr>
-            <p:cNvSpPr/>
-            <p:nvPr/>
-          </p:nvSpPr>
-          <p:spPr>
-            <a:xfrm>
-              <a:off x="2651918" y="1377950"/>
-              <a:ext cx="9347993" cy="323850"/>
-            </a:xfrm>
-            <a:prstGeom prst="rect">
-              <a:avLst/>
-            </a:prstGeom>
-            <a:solidFill>
-              <a:schemeClr val="bg1"/>
-            </a:solidFill>
-            <a:ln w="6350">
-              <a:solidFill>
-                <a:schemeClr val="tx2"/>
-              </a:solidFill>
-            </a:ln>
-          </p:spPr>
-          <p:style>
-            <a:lnRef idx="2">
-              <a:schemeClr val="accent1">
-                <a:shade val="15000"/>
-              </a:schemeClr>
-            </a:lnRef>
-            <a:fillRef idx="1">
-              <a:schemeClr val="accent1"/>
-            </a:fillRef>
-            <a:effectRef idx="0">
-              <a:schemeClr val="accent1"/>
-            </a:effectRef>
-            <a:fontRef idx="minor">
-              <a:schemeClr val="lt1"/>
-            </a:fontRef>
-          </p:style>
-          <p:txBody>
-            <a:bodyPr rtlCol="0" anchor="ctr"/>
-            <a:lstStyle/>
-            <a:p>
-              <a:r>
-                <a:rPr lang="en-US" sz="1100" dirty="0">
-                  <a:solidFill>
-                    <a:schemeClr val="tx1"/>
-                  </a:solidFill>
-                </a:rPr>
-                <a:t>Mitarbeiter*</a:t>
-              </a:r>
-              <a:r>
-                <a:rPr lang="en-US" sz="1100" dirty="0" err="1">
-                  <a:solidFill>
-                    <a:schemeClr val="tx1"/>
-                  </a:solidFill>
-                </a:rPr>
-                <a:t>innen</a:t>
-              </a:r>
-              <a:r>
-                <a:rPr lang="en-US" sz="1100" dirty="0">
-                  <a:solidFill>
-                    <a:schemeClr val="tx1"/>
-                  </a:solidFill>
-                </a:rPr>
-                <a:t> des Bellis </a:t>
-              </a:r>
-              <a:r>
-                <a:rPr lang="en-US" sz="1100" dirty="0" err="1">
-                  <a:solidFill>
-                    <a:schemeClr val="tx1"/>
-                  </a:solidFill>
-                </a:rPr>
-                <a:t>e.V.</a:t>
-              </a:r>
-              <a:endParaRPr lang="en-US" sz="1100" dirty="0">
-                <a:solidFill>
-                  <a:schemeClr val="tx1"/>
-                </a:solidFill>
-              </a:endParaRPr>
-            </a:p>
-          </p:txBody>
-        </p:sp>
-      </p:grpSp>
-      <p:grpSp>
-        <p:nvGrpSpPr>
-          <p:cNvPr id="34" name="Gruppieren 33">
+          </a:ln>
+        </p:spPr>
+        <p:style>
+          <a:lnRef idx="2">
+            <a:schemeClr val="accent1">
+              <a:shade val="15000"/>
+            </a:schemeClr>
+          </a:lnRef>
+          <a:fillRef idx="1">
+            <a:schemeClr val="accent1"/>
+          </a:fillRef>
+          <a:effectRef idx="0">
+            <a:schemeClr val="accent1"/>
+          </a:effectRef>
+          <a:fontRef idx="minor">
+            <a:schemeClr val="lt1"/>
+          </a:fontRef>
+        </p:style>
+        <p:txBody>
+          <a:bodyPr rtlCol="0" anchor="ctr"/>
+          <a:lstStyle/>
+          <a:p>
+            <a:r>
+              <a:rPr lang="de-DE" sz="1600" b="1" dirty="0">
+                <a:solidFill>
+                  <a:schemeClr val="tx1"/>
+                </a:solidFill>
+              </a:rPr>
+              <a:t>Rationale:</a:t>
+            </a:r>
+          </a:p>
+        </p:txBody>
+      </p:sp>
+      <p:sp>
+        <p:nvSpPr>
+          <p:cNvPr id="30" name="Rechteck 29">
             <a:extLst>
               <a:ext uri="{FF2B5EF4-FFF2-40B4-BE49-F238E27FC236}">
-                <a16:creationId xmlns:a16="http://schemas.microsoft.com/office/drawing/2014/main" id="{70CDD6CF-C98A-1E1C-B652-C3C6E0209A1E}"/>
+                <a16:creationId xmlns:a16="http://schemas.microsoft.com/office/drawing/2014/main" id="{2707EFF0-0358-C388-52AA-509B25C57232}"/>
               </a:ext>
             </a:extLst>
           </p:cNvPr>
-          <p:cNvGrpSpPr/>
+          <p:cNvSpPr/>
           <p:nvPr/>
-        </p:nvGrpSpPr>
-        <p:grpSpPr>
+        </p:nvSpPr>
+        <p:spPr>
           <a:xfrm>
-            <a:off x="192090" y="3694826"/>
-            <a:ext cx="11807823" cy="792000"/>
-            <a:chOff x="192088" y="1377949"/>
-            <a:chExt cx="11807823" cy="547293"/>
+            <a:off x="1903448" y="2301438"/>
+            <a:ext cx="10096466" cy="792000"/>
           </a:xfrm>
-        </p:grpSpPr>
-        <p:sp>
-          <p:nvSpPr>
-            <p:cNvPr id="35" name="Rechteck 34">
-              <a:extLst>
-                <a:ext uri="{FF2B5EF4-FFF2-40B4-BE49-F238E27FC236}">
-                  <a16:creationId xmlns:a16="http://schemas.microsoft.com/office/drawing/2014/main" id="{2FCE78B4-EA94-FE9F-F7CF-2E33EC11A462}"/>
-                </a:ext>
-              </a:extLst>
-            </p:cNvPr>
-            <p:cNvSpPr/>
-            <p:nvPr/>
-          </p:nvSpPr>
-          <p:spPr>
-            <a:xfrm>
-              <a:off x="192088" y="1377950"/>
-              <a:ext cx="2392362" cy="223893"/>
-            </a:xfrm>
-            <a:prstGeom prst="rect">
-              <a:avLst/>
-            </a:prstGeom>
+          <a:prstGeom prst="rect">
+            <a:avLst/>
+          </a:prstGeom>
+          <a:solidFill>
+            <a:schemeClr val="bg1"/>
+          </a:solidFill>
+          <a:ln w="6350">
             <a:solidFill>
-              <a:schemeClr val="bg1"/>
+              <a:schemeClr val="tx2"/>
             </a:solidFill>
-            <a:ln w="6350">
+          </a:ln>
+        </p:spPr>
+        <p:style>
+          <a:lnRef idx="2">
+            <a:schemeClr val="accent1">
+              <a:shade val="15000"/>
+            </a:schemeClr>
+          </a:lnRef>
+          <a:fillRef idx="1">
+            <a:schemeClr val="accent1"/>
+          </a:fillRef>
+          <a:effectRef idx="0">
+            <a:schemeClr val="accent1"/>
+          </a:effectRef>
+          <a:fontRef idx="minor">
+            <a:schemeClr val="lt1"/>
+          </a:fontRef>
+        </p:style>
+        <p:txBody>
+          <a:bodyPr rtlCol="0" anchor="ctr"/>
+          <a:lstStyle/>
+          <a:p>
+            <a:r>
+              <a:rPr lang="en-US" sz="1100" dirty="0">
+                <a:solidFill>
+                  <a:schemeClr val="tx1"/>
+                </a:solidFill>
+              </a:rPr>
+              <a:t>Der </a:t>
+            </a:r>
+            <a:r>
+              <a:rPr lang="en-US" sz="1100" dirty="0" err="1">
+                <a:solidFill>
+                  <a:schemeClr val="tx1"/>
+                </a:solidFill>
+              </a:rPr>
+              <a:t>Kernprozess</a:t>
+            </a:r>
+            <a:r>
+              <a:rPr lang="en-US" sz="1100" dirty="0">
+                <a:solidFill>
+                  <a:schemeClr val="tx1"/>
+                </a:solidFill>
+              </a:rPr>
+              <a:t> des Systems </a:t>
+            </a:r>
+            <a:r>
+              <a:rPr lang="en-US" sz="1100" dirty="0" err="1">
+                <a:solidFill>
+                  <a:schemeClr val="tx1"/>
+                </a:solidFill>
+              </a:rPr>
+              <a:t>ist</a:t>
+            </a:r>
+            <a:r>
+              <a:rPr lang="en-US" sz="1100" dirty="0">
+                <a:solidFill>
+                  <a:schemeClr val="tx1"/>
+                </a:solidFill>
+              </a:rPr>
+              <a:t> die </a:t>
+            </a:r>
+            <a:r>
+              <a:rPr lang="en-US" sz="1100" dirty="0" err="1">
+                <a:solidFill>
+                  <a:schemeClr val="tx1"/>
+                </a:solidFill>
+              </a:rPr>
+              <a:t>Datenerfassung</a:t>
+            </a:r>
+            <a:r>
+              <a:rPr lang="en-US" sz="1100" dirty="0">
+                <a:solidFill>
+                  <a:schemeClr val="tx1"/>
+                </a:solidFill>
+              </a:rPr>
+              <a:t>. Die </a:t>
+            </a:r>
+            <a:r>
+              <a:rPr lang="en-US" sz="1100" dirty="0" err="1">
+                <a:solidFill>
+                  <a:schemeClr val="tx1"/>
+                </a:solidFill>
+              </a:rPr>
+              <a:t>Erfassung</a:t>
+            </a:r>
+            <a:r>
+              <a:rPr lang="en-US" sz="1100" dirty="0">
+                <a:solidFill>
+                  <a:schemeClr val="tx1"/>
+                </a:solidFill>
+              </a:rPr>
+              <a:t> </a:t>
+            </a:r>
+            <a:r>
+              <a:rPr lang="en-US" sz="1100" dirty="0" err="1">
+                <a:solidFill>
+                  <a:schemeClr val="tx1"/>
+                </a:solidFill>
+              </a:rPr>
+              <a:t>soll</a:t>
+            </a:r>
+            <a:r>
+              <a:rPr lang="en-US" sz="1100" dirty="0">
+                <a:solidFill>
+                  <a:schemeClr val="tx1"/>
+                </a:solidFill>
+              </a:rPr>
+              <a:t> </a:t>
+            </a:r>
+            <a:r>
+              <a:rPr lang="en-US" sz="1100" dirty="0" err="1">
+                <a:solidFill>
+                  <a:schemeClr val="tx1"/>
+                </a:solidFill>
+              </a:rPr>
+              <a:t>difital</a:t>
+            </a:r>
+            <a:r>
+              <a:rPr lang="en-US" sz="1100" dirty="0">
+                <a:solidFill>
+                  <a:schemeClr val="tx1"/>
+                </a:solidFill>
+              </a:rPr>
+              <a:t> und </a:t>
+            </a:r>
+            <a:r>
+              <a:rPr lang="en-US" sz="1100" dirty="0" err="1">
+                <a:solidFill>
+                  <a:schemeClr val="tx1"/>
+                </a:solidFill>
+              </a:rPr>
+              <a:t>strukturiert</a:t>
+            </a:r>
+            <a:r>
+              <a:rPr lang="en-US" sz="1100" dirty="0">
+                <a:solidFill>
+                  <a:schemeClr val="tx1"/>
+                </a:solidFill>
+              </a:rPr>
+              <a:t> </a:t>
+            </a:r>
+            <a:r>
+              <a:rPr lang="en-US" sz="1100" dirty="0" err="1">
+                <a:solidFill>
+                  <a:schemeClr val="tx1"/>
+                </a:solidFill>
+              </a:rPr>
+              <a:t>erfolgen</a:t>
+            </a:r>
+            <a:r>
+              <a:rPr lang="en-US" sz="1100" dirty="0">
+                <a:solidFill>
+                  <a:schemeClr val="tx1"/>
+                </a:solidFill>
+              </a:rPr>
+              <a:t>. Das </a:t>
+            </a:r>
+            <a:r>
+              <a:rPr lang="en-US" sz="1100" dirty="0" err="1">
+                <a:solidFill>
+                  <a:schemeClr val="tx1"/>
+                </a:solidFill>
+              </a:rPr>
+              <a:t>reduziert</a:t>
+            </a:r>
+            <a:r>
+              <a:rPr lang="en-US" sz="1100" dirty="0">
+                <a:solidFill>
+                  <a:schemeClr val="tx1"/>
+                </a:solidFill>
+              </a:rPr>
+              <a:t> den </a:t>
+            </a:r>
+            <a:r>
+              <a:rPr lang="en-US" sz="1100" dirty="0" err="1">
+                <a:solidFill>
+                  <a:schemeClr val="tx1"/>
+                </a:solidFill>
+              </a:rPr>
+              <a:t>Arbeitsaufwand</a:t>
+            </a:r>
+            <a:r>
+              <a:rPr lang="en-US" sz="1100" dirty="0">
+                <a:solidFill>
+                  <a:schemeClr val="tx1"/>
+                </a:solidFill>
+              </a:rPr>
+              <a:t> der </a:t>
+            </a:r>
+            <a:r>
+              <a:rPr lang="en-US" sz="1100" dirty="0" err="1">
+                <a:solidFill>
+                  <a:schemeClr val="tx1"/>
+                </a:solidFill>
+              </a:rPr>
+              <a:t>Mitglieder</a:t>
+            </a:r>
+            <a:r>
+              <a:rPr lang="en-US" sz="1100" dirty="0">
+                <a:solidFill>
+                  <a:schemeClr val="tx1"/>
+                </a:solidFill>
+              </a:rPr>
+              <a:t>*</a:t>
+            </a:r>
+            <a:r>
+              <a:rPr lang="en-US" sz="1100" dirty="0" err="1">
+                <a:solidFill>
+                  <a:schemeClr val="tx1"/>
+                </a:solidFill>
+              </a:rPr>
+              <a:t>innen</a:t>
+            </a:r>
+            <a:endParaRPr lang="en-US" sz="1100" dirty="0">
               <a:solidFill>
-                <a:schemeClr val="tx2"/>
+                <a:schemeClr val="tx1"/>
               </a:solidFill>
-            </a:ln>
-          </p:spPr>
-          <p:style>
-            <a:lnRef idx="2">
-              <a:schemeClr val="accent1">
-                <a:shade val="15000"/>
-              </a:schemeClr>
-            </a:lnRef>
-            <a:fillRef idx="1">
-              <a:schemeClr val="accent1"/>
-            </a:fillRef>
-            <a:effectRef idx="0">
-              <a:schemeClr val="accent1"/>
-            </a:effectRef>
-            <a:fontRef idx="minor">
-              <a:schemeClr val="lt1"/>
-            </a:fontRef>
-          </p:style>
-          <p:txBody>
-            <a:bodyPr rtlCol="0" anchor="ctr"/>
-            <a:lstStyle/>
-            <a:p>
-              <a:r>
-                <a:rPr lang="de-DE" sz="1600" b="1" dirty="0">
-                  <a:solidFill>
-                    <a:schemeClr val="tx1"/>
-                  </a:solidFill>
-                </a:rPr>
-                <a:t>Fit </a:t>
-              </a:r>
-              <a:r>
-                <a:rPr lang="de-DE" sz="1600" b="1" dirty="0" err="1">
-                  <a:solidFill>
-                    <a:schemeClr val="tx1"/>
-                  </a:solidFill>
-                </a:rPr>
-                <a:t>Criterion</a:t>
-              </a:r>
-              <a:r>
-                <a:rPr lang="de-DE" sz="1600" b="1" dirty="0">
-                  <a:solidFill>
-                    <a:schemeClr val="tx1"/>
-                  </a:solidFill>
-                </a:rPr>
-                <a:t>:</a:t>
-              </a:r>
-            </a:p>
-          </p:txBody>
-        </p:sp>
-        <p:sp>
-          <p:nvSpPr>
-            <p:cNvPr id="36" name="Rechteck 35">
-              <a:extLst>
-                <a:ext uri="{FF2B5EF4-FFF2-40B4-BE49-F238E27FC236}">
-                  <a16:creationId xmlns:a16="http://schemas.microsoft.com/office/drawing/2014/main" id="{FA260BE3-BC49-1D35-2774-58F1A8B11F71}"/>
-                </a:ext>
-              </a:extLst>
-            </p:cNvPr>
-            <p:cNvSpPr/>
-            <p:nvPr/>
-          </p:nvSpPr>
-          <p:spPr>
-            <a:xfrm>
-              <a:off x="2651918" y="1377949"/>
-              <a:ext cx="9347993" cy="547293"/>
-            </a:xfrm>
-            <a:prstGeom prst="rect">
-              <a:avLst/>
-            </a:prstGeom>
+            </a:endParaRPr>
+          </a:p>
+        </p:txBody>
+      </p:sp>
+      <p:sp>
+        <p:nvSpPr>
+          <p:cNvPr id="32" name="Rechteck 31">
+            <a:extLst>
+              <a:ext uri="{FF2B5EF4-FFF2-40B4-BE49-F238E27FC236}">
+                <a16:creationId xmlns:a16="http://schemas.microsoft.com/office/drawing/2014/main" id="{6858BD9C-DC70-6A02-FC6C-DF7AF7ED1BAA}"/>
+              </a:ext>
+            </a:extLst>
+          </p:cNvPr>
+          <p:cNvSpPr/>
+          <p:nvPr/>
+        </p:nvSpPr>
+        <p:spPr>
+          <a:xfrm>
+            <a:off x="192088" y="3232207"/>
+            <a:ext cx="1375200" cy="323850"/>
+          </a:xfrm>
+          <a:prstGeom prst="rect">
+            <a:avLst/>
+          </a:prstGeom>
+          <a:solidFill>
+            <a:schemeClr val="bg1"/>
+          </a:solidFill>
+          <a:ln w="6350">
             <a:solidFill>
-              <a:schemeClr val="bg1"/>
+              <a:schemeClr val="tx2"/>
             </a:solidFill>
-            <a:ln w="6350">
+          </a:ln>
+        </p:spPr>
+        <p:style>
+          <a:lnRef idx="2">
+            <a:schemeClr val="accent1">
+              <a:shade val="15000"/>
+            </a:schemeClr>
+          </a:lnRef>
+          <a:fillRef idx="1">
+            <a:schemeClr val="accent1"/>
+          </a:fillRef>
+          <a:effectRef idx="0">
+            <a:schemeClr val="accent1"/>
+          </a:effectRef>
+          <a:fontRef idx="minor">
+            <a:schemeClr val="lt1"/>
+          </a:fontRef>
+        </p:style>
+        <p:txBody>
+          <a:bodyPr rtlCol="0" anchor="ctr"/>
+          <a:lstStyle/>
+          <a:p>
+            <a:r>
+              <a:rPr lang="de-DE" sz="1600" b="1" dirty="0" err="1">
+                <a:solidFill>
+                  <a:schemeClr val="tx1"/>
+                </a:solidFill>
+              </a:rPr>
+              <a:t>Originator</a:t>
+            </a:r>
+            <a:r>
+              <a:rPr lang="de-DE" sz="1600" b="1" dirty="0">
+                <a:solidFill>
+                  <a:schemeClr val="tx1"/>
+                </a:solidFill>
+              </a:rPr>
+              <a:t>:</a:t>
+            </a:r>
+          </a:p>
+        </p:txBody>
+      </p:sp>
+      <p:sp>
+        <p:nvSpPr>
+          <p:cNvPr id="33" name="Rechteck 32">
+            <a:extLst>
+              <a:ext uri="{FF2B5EF4-FFF2-40B4-BE49-F238E27FC236}">
+                <a16:creationId xmlns:a16="http://schemas.microsoft.com/office/drawing/2014/main" id="{03DD2826-F937-C0B7-A640-E95A663B5EDD}"/>
+              </a:ext>
+            </a:extLst>
+          </p:cNvPr>
+          <p:cNvSpPr/>
+          <p:nvPr/>
+        </p:nvSpPr>
+        <p:spPr>
+          <a:xfrm>
+            <a:off x="1903446" y="3232207"/>
+            <a:ext cx="10096466" cy="323850"/>
+          </a:xfrm>
+          <a:prstGeom prst="rect">
+            <a:avLst/>
+          </a:prstGeom>
+          <a:solidFill>
+            <a:schemeClr val="bg1"/>
+          </a:solidFill>
+          <a:ln w="6350">
+            <a:solidFill>
+              <a:schemeClr val="tx2"/>
+            </a:solidFill>
+          </a:ln>
+        </p:spPr>
+        <p:style>
+          <a:lnRef idx="2">
+            <a:schemeClr val="accent1">
+              <a:shade val="15000"/>
+            </a:schemeClr>
+          </a:lnRef>
+          <a:fillRef idx="1">
+            <a:schemeClr val="accent1"/>
+          </a:fillRef>
+          <a:effectRef idx="0">
+            <a:schemeClr val="accent1"/>
+          </a:effectRef>
+          <a:fontRef idx="minor">
+            <a:schemeClr val="lt1"/>
+          </a:fontRef>
+        </p:style>
+        <p:txBody>
+          <a:bodyPr rtlCol="0" anchor="ctr"/>
+          <a:lstStyle/>
+          <a:p>
+            <a:r>
+              <a:rPr lang="en-US" sz="1100" dirty="0">
+                <a:solidFill>
+                  <a:schemeClr val="tx1"/>
+                </a:solidFill>
+              </a:rPr>
+              <a:t>Mitarbeiter*</a:t>
+            </a:r>
+            <a:r>
+              <a:rPr lang="en-US" sz="1100" dirty="0" err="1">
+                <a:solidFill>
+                  <a:schemeClr val="tx1"/>
+                </a:solidFill>
+              </a:rPr>
+              <a:t>innen</a:t>
+            </a:r>
+            <a:r>
+              <a:rPr lang="en-US" sz="1100" dirty="0">
+                <a:solidFill>
+                  <a:schemeClr val="tx1"/>
+                </a:solidFill>
+              </a:rPr>
+              <a:t> des Bellis </a:t>
+            </a:r>
+            <a:r>
+              <a:rPr lang="en-US" sz="1100" dirty="0" err="1">
+                <a:solidFill>
+                  <a:schemeClr val="tx1"/>
+                </a:solidFill>
+              </a:rPr>
+              <a:t>e.V.</a:t>
+            </a:r>
+            <a:endParaRPr lang="en-US" sz="1100" dirty="0">
               <a:solidFill>
-                <a:schemeClr val="tx2"/>
+                <a:schemeClr val="tx1"/>
               </a:solidFill>
-            </a:ln>
-          </p:spPr>
-          <p:style>
-            <a:lnRef idx="2">
-              <a:schemeClr val="accent1">
-                <a:shade val="15000"/>
-              </a:schemeClr>
-            </a:lnRef>
-            <a:fillRef idx="1">
-              <a:schemeClr val="accent1"/>
-            </a:fillRef>
-            <a:effectRef idx="0">
-              <a:schemeClr val="accent1"/>
-            </a:effectRef>
-            <a:fontRef idx="minor">
-              <a:schemeClr val="lt1"/>
-            </a:fontRef>
-          </p:style>
-          <p:txBody>
-            <a:bodyPr rtlCol="0" anchor="ctr"/>
-            <a:lstStyle/>
-            <a:p>
-              <a:endParaRPr lang="en-US" sz="1100" dirty="0">
-                <a:solidFill>
-                  <a:schemeClr val="tx1"/>
-                </a:solidFill>
-              </a:endParaRPr>
-            </a:p>
-            <a:p>
-              <a:r>
-                <a:rPr lang="en-US" sz="1100" dirty="0">
-                  <a:solidFill>
-                    <a:schemeClr val="tx1"/>
-                  </a:solidFill>
-                </a:rPr>
-                <a:t>Mitarbeiter*</a:t>
-              </a:r>
-              <a:r>
-                <a:rPr lang="en-US" sz="1100" dirty="0" err="1">
-                  <a:solidFill>
-                    <a:schemeClr val="tx1"/>
-                  </a:solidFill>
-                </a:rPr>
-                <a:t>innen</a:t>
-              </a:r>
-              <a:r>
-                <a:rPr lang="en-US" sz="1100" dirty="0">
-                  <a:solidFill>
-                    <a:schemeClr val="tx1"/>
-                  </a:solidFill>
-                </a:rPr>
-                <a:t> </a:t>
-              </a:r>
-              <a:r>
-                <a:rPr lang="en-US" sz="1100" dirty="0" err="1">
-                  <a:solidFill>
-                    <a:schemeClr val="tx1"/>
-                  </a:solidFill>
-                </a:rPr>
-                <a:t>können</a:t>
-              </a:r>
-              <a:r>
-                <a:rPr lang="en-US" sz="1100" dirty="0">
-                  <a:solidFill>
-                    <a:schemeClr val="tx1"/>
-                  </a:solidFill>
-                </a:rPr>
-                <a:t> Schneller </a:t>
-              </a:r>
-              <a:r>
-                <a:rPr lang="en-US" sz="1100" dirty="0" err="1">
-                  <a:solidFill>
-                    <a:schemeClr val="tx1"/>
-                  </a:solidFill>
-                </a:rPr>
-                <a:t>eine</a:t>
-              </a:r>
-              <a:r>
-                <a:rPr lang="en-US" sz="1100" dirty="0">
-                  <a:solidFill>
-                    <a:schemeClr val="tx1"/>
-                  </a:solidFill>
-                </a:rPr>
-                <a:t> </a:t>
-              </a:r>
-              <a:r>
-                <a:rPr lang="en-US" sz="1100" dirty="0" err="1">
-                  <a:solidFill>
-                    <a:schemeClr val="tx1"/>
-                  </a:solidFill>
-                </a:rPr>
-                <a:t>vollständige</a:t>
-              </a:r>
-              <a:r>
-                <a:rPr lang="en-US" sz="1100" dirty="0">
-                  <a:solidFill>
-                    <a:schemeClr val="tx1"/>
-                  </a:solidFill>
-                </a:rPr>
-                <a:t> </a:t>
-              </a:r>
-              <a:r>
-                <a:rPr lang="en-US" sz="1100" dirty="0" err="1">
-                  <a:solidFill>
-                    <a:schemeClr val="tx1"/>
-                  </a:solidFill>
-                </a:rPr>
-                <a:t>Anfrage</a:t>
-              </a:r>
-              <a:r>
-                <a:rPr lang="en-US" sz="1100" dirty="0">
-                  <a:solidFill>
-                    <a:schemeClr val="tx1"/>
-                  </a:solidFill>
-                </a:rPr>
-                <a:t> </a:t>
-              </a:r>
-              <a:r>
-                <a:rPr lang="en-US" sz="1100" dirty="0" err="1">
-                  <a:solidFill>
-                    <a:schemeClr val="tx1"/>
-                  </a:solidFill>
-                </a:rPr>
-                <a:t>oder</a:t>
-              </a:r>
-              <a:r>
-                <a:rPr lang="en-US" sz="1100" dirty="0">
-                  <a:solidFill>
-                    <a:schemeClr val="tx1"/>
-                  </a:solidFill>
-                </a:rPr>
-                <a:t> </a:t>
-              </a:r>
-              <a:r>
-                <a:rPr lang="en-US" sz="1100" dirty="0" err="1">
-                  <a:solidFill>
-                    <a:schemeClr val="tx1"/>
-                  </a:solidFill>
-                </a:rPr>
-                <a:t>Beratungsfall</a:t>
-              </a:r>
-              <a:r>
-                <a:rPr lang="en-US" sz="1100" dirty="0">
-                  <a:solidFill>
-                    <a:schemeClr val="tx1"/>
-                  </a:solidFill>
-                </a:rPr>
-                <a:t> </a:t>
-              </a:r>
-              <a:r>
-                <a:rPr lang="en-US" sz="1100" dirty="0" err="1">
-                  <a:solidFill>
-                    <a:schemeClr val="tx1"/>
-                  </a:solidFill>
-                </a:rPr>
-                <a:t>erfassen</a:t>
-              </a:r>
-              <a:r>
-                <a:rPr lang="en-US" sz="1100" dirty="0">
-                  <a:solidFill>
-                    <a:schemeClr val="tx1"/>
-                  </a:solidFill>
-                </a:rPr>
-                <a:t>. Alle </a:t>
-              </a:r>
-              <a:r>
-                <a:rPr lang="en-US" sz="1100" dirty="0" err="1">
-                  <a:solidFill>
-                    <a:schemeClr val="tx1"/>
-                  </a:solidFill>
-                </a:rPr>
-                <a:t>Pflichtfelder</a:t>
-              </a:r>
-              <a:r>
-                <a:rPr lang="en-US" sz="1100" dirty="0">
-                  <a:solidFill>
-                    <a:schemeClr val="tx1"/>
-                  </a:solidFill>
-                </a:rPr>
-                <a:t> </a:t>
-              </a:r>
-              <a:r>
-                <a:rPr lang="en-US" sz="1100" dirty="0" err="1">
-                  <a:solidFill>
-                    <a:schemeClr val="tx1"/>
-                  </a:solidFill>
-                </a:rPr>
-                <a:t>werden</a:t>
-              </a:r>
-              <a:r>
-                <a:rPr lang="en-US" sz="1100" dirty="0">
-                  <a:solidFill>
-                    <a:schemeClr val="tx1"/>
-                  </a:solidFill>
-                </a:rPr>
-                <a:t> </a:t>
-              </a:r>
-              <a:r>
-                <a:rPr lang="en-US" sz="1100" dirty="0" err="1">
-                  <a:solidFill>
-                    <a:schemeClr val="tx1"/>
-                  </a:solidFill>
-                </a:rPr>
-                <a:t>überprüft</a:t>
-              </a:r>
-              <a:r>
-                <a:rPr lang="en-US" sz="1100" dirty="0">
-                  <a:solidFill>
-                    <a:schemeClr val="tx1"/>
-                  </a:solidFill>
-                </a:rPr>
-                <a:t> und </a:t>
-              </a:r>
-              <a:r>
-                <a:rPr lang="en-US" sz="1100" dirty="0" err="1">
-                  <a:solidFill>
-                    <a:schemeClr val="tx1"/>
-                  </a:solidFill>
-                </a:rPr>
-                <a:t>Fehlermeldungen</a:t>
-              </a:r>
-              <a:r>
-                <a:rPr lang="en-US" sz="1100" dirty="0">
-                  <a:solidFill>
-                    <a:schemeClr val="tx1"/>
-                  </a:solidFill>
-                </a:rPr>
-                <a:t> </a:t>
-              </a:r>
-              <a:r>
-                <a:rPr lang="en-US" sz="1100" dirty="0" err="1">
-                  <a:solidFill>
-                    <a:schemeClr val="tx1"/>
-                  </a:solidFill>
-                </a:rPr>
-                <a:t>sind</a:t>
-              </a:r>
-              <a:r>
-                <a:rPr lang="en-US" sz="1100" dirty="0">
-                  <a:solidFill>
-                    <a:schemeClr val="tx1"/>
-                  </a:solidFill>
-                </a:rPr>
-                <a:t> </a:t>
-              </a:r>
-              <a:r>
-                <a:rPr lang="en-US" sz="1100" dirty="0" err="1">
-                  <a:solidFill>
-                    <a:schemeClr val="tx1"/>
-                  </a:solidFill>
-                </a:rPr>
-                <a:t>verständlich</a:t>
-              </a:r>
-              <a:r>
-                <a:rPr lang="en-US" sz="1100" dirty="0">
-                  <a:solidFill>
-                    <a:schemeClr val="tx1"/>
-                  </a:solidFill>
-                </a:rPr>
-                <a:t> </a:t>
-              </a:r>
-              <a:r>
-                <a:rPr lang="en-US" sz="1100" dirty="0" err="1">
-                  <a:solidFill>
-                    <a:schemeClr val="tx1"/>
-                  </a:solidFill>
-                </a:rPr>
-                <a:t>formuliert</a:t>
-              </a:r>
-              <a:endParaRPr lang="en-US" sz="1100" dirty="0">
-                <a:solidFill>
-                  <a:schemeClr val="tx1"/>
-                </a:solidFill>
-              </a:endParaRPr>
-            </a:p>
-            <a:p>
-              <a:endParaRPr lang="en-US" sz="1600" u="sng" dirty="0">
-                <a:solidFill>
-                  <a:schemeClr val="tx1"/>
-                </a:solidFill>
-              </a:endParaRPr>
-            </a:p>
-          </p:txBody>
-        </p:sp>
-      </p:grpSp>
+            </a:endParaRPr>
+          </a:p>
+        </p:txBody>
+      </p:sp>
+      <p:sp>
+        <p:nvSpPr>
+          <p:cNvPr id="35" name="Rechteck 34">
+            <a:extLst>
+              <a:ext uri="{FF2B5EF4-FFF2-40B4-BE49-F238E27FC236}">
+                <a16:creationId xmlns:a16="http://schemas.microsoft.com/office/drawing/2014/main" id="{2FCE78B4-EA94-FE9F-F7CF-2E33EC11A462}"/>
+              </a:ext>
+            </a:extLst>
+          </p:cNvPr>
+          <p:cNvSpPr/>
+          <p:nvPr/>
+        </p:nvSpPr>
+        <p:spPr>
+          <a:xfrm>
+            <a:off x="192090" y="3694827"/>
+            <a:ext cx="1375200" cy="324001"/>
+          </a:xfrm>
+          <a:prstGeom prst="rect">
+            <a:avLst/>
+          </a:prstGeom>
+          <a:solidFill>
+            <a:schemeClr val="bg1"/>
+          </a:solidFill>
+          <a:ln w="6350">
+            <a:solidFill>
+              <a:schemeClr val="tx2"/>
+            </a:solidFill>
+          </a:ln>
+        </p:spPr>
+        <p:style>
+          <a:lnRef idx="2">
+            <a:schemeClr val="accent1">
+              <a:shade val="15000"/>
+            </a:schemeClr>
+          </a:lnRef>
+          <a:fillRef idx="1">
+            <a:schemeClr val="accent1"/>
+          </a:fillRef>
+          <a:effectRef idx="0">
+            <a:schemeClr val="accent1"/>
+          </a:effectRef>
+          <a:fontRef idx="minor">
+            <a:schemeClr val="lt1"/>
+          </a:fontRef>
+        </p:style>
+        <p:txBody>
+          <a:bodyPr rtlCol="0" anchor="ctr"/>
+          <a:lstStyle/>
+          <a:p>
+            <a:r>
+              <a:rPr lang="de-DE" sz="1600" b="1" dirty="0">
+                <a:solidFill>
+                  <a:schemeClr val="tx1"/>
+                </a:solidFill>
+              </a:rPr>
+              <a:t>Fit </a:t>
+            </a:r>
+            <a:r>
+              <a:rPr lang="de-DE" sz="1600" b="1" dirty="0" err="1">
+                <a:solidFill>
+                  <a:schemeClr val="tx1"/>
+                </a:solidFill>
+              </a:rPr>
+              <a:t>Criterion</a:t>
+            </a:r>
+            <a:r>
+              <a:rPr lang="de-DE" sz="1600" b="1" dirty="0">
+                <a:solidFill>
+                  <a:schemeClr val="tx1"/>
+                </a:solidFill>
+              </a:rPr>
+              <a:t>:</a:t>
+            </a:r>
+          </a:p>
+        </p:txBody>
+      </p:sp>
+      <p:sp>
+        <p:nvSpPr>
+          <p:cNvPr id="36" name="Rechteck 35">
+            <a:extLst>
+              <a:ext uri="{FF2B5EF4-FFF2-40B4-BE49-F238E27FC236}">
+                <a16:creationId xmlns:a16="http://schemas.microsoft.com/office/drawing/2014/main" id="{FA260BE3-BC49-1D35-2774-58F1A8B11F71}"/>
+              </a:ext>
+            </a:extLst>
+          </p:cNvPr>
+          <p:cNvSpPr/>
+          <p:nvPr/>
+        </p:nvSpPr>
+        <p:spPr>
+          <a:xfrm>
+            <a:off x="1903448" y="3694826"/>
+            <a:ext cx="10096466" cy="792000"/>
+          </a:xfrm>
+          <a:prstGeom prst="rect">
+            <a:avLst/>
+          </a:prstGeom>
+          <a:solidFill>
+            <a:schemeClr val="bg1"/>
+          </a:solidFill>
+          <a:ln w="6350">
+            <a:solidFill>
+              <a:schemeClr val="tx2"/>
+            </a:solidFill>
+          </a:ln>
+        </p:spPr>
+        <p:style>
+          <a:lnRef idx="2">
+            <a:schemeClr val="accent1">
+              <a:shade val="15000"/>
+            </a:schemeClr>
+          </a:lnRef>
+          <a:fillRef idx="1">
+            <a:schemeClr val="accent1"/>
+          </a:fillRef>
+          <a:effectRef idx="0">
+            <a:schemeClr val="accent1"/>
+          </a:effectRef>
+          <a:fontRef idx="minor">
+            <a:schemeClr val="lt1"/>
+          </a:fontRef>
+        </p:style>
+        <p:txBody>
+          <a:bodyPr rtlCol="0" anchor="ctr"/>
+          <a:lstStyle/>
+          <a:p>
+            <a:endParaRPr lang="en-US" sz="1100" dirty="0">
+              <a:solidFill>
+                <a:schemeClr val="tx1"/>
+              </a:solidFill>
+            </a:endParaRPr>
+          </a:p>
+          <a:p>
+            <a:r>
+              <a:rPr lang="en-US" sz="1100" dirty="0">
+                <a:solidFill>
+                  <a:schemeClr val="tx1"/>
+                </a:solidFill>
+              </a:rPr>
+              <a:t>Mitarbeiter*</a:t>
+            </a:r>
+            <a:r>
+              <a:rPr lang="en-US" sz="1100" dirty="0" err="1">
+                <a:solidFill>
+                  <a:schemeClr val="tx1"/>
+                </a:solidFill>
+              </a:rPr>
+              <a:t>innen</a:t>
+            </a:r>
+            <a:r>
+              <a:rPr lang="en-US" sz="1100" dirty="0">
+                <a:solidFill>
+                  <a:schemeClr val="tx1"/>
+                </a:solidFill>
+              </a:rPr>
+              <a:t> </a:t>
+            </a:r>
+            <a:r>
+              <a:rPr lang="en-US" sz="1100" dirty="0" err="1">
+                <a:solidFill>
+                  <a:schemeClr val="tx1"/>
+                </a:solidFill>
+              </a:rPr>
+              <a:t>können</a:t>
+            </a:r>
+            <a:r>
+              <a:rPr lang="en-US" sz="1100" dirty="0">
+                <a:solidFill>
+                  <a:schemeClr val="tx1"/>
+                </a:solidFill>
+              </a:rPr>
+              <a:t> Schneller </a:t>
+            </a:r>
+            <a:r>
+              <a:rPr lang="en-US" sz="1100" dirty="0" err="1">
+                <a:solidFill>
+                  <a:schemeClr val="tx1"/>
+                </a:solidFill>
+              </a:rPr>
+              <a:t>eine</a:t>
+            </a:r>
+            <a:r>
+              <a:rPr lang="en-US" sz="1100" dirty="0">
+                <a:solidFill>
+                  <a:schemeClr val="tx1"/>
+                </a:solidFill>
+              </a:rPr>
+              <a:t> </a:t>
+            </a:r>
+            <a:r>
+              <a:rPr lang="en-US" sz="1100" dirty="0" err="1">
+                <a:solidFill>
+                  <a:schemeClr val="tx1"/>
+                </a:solidFill>
+              </a:rPr>
+              <a:t>vollständige</a:t>
+            </a:r>
+            <a:r>
+              <a:rPr lang="en-US" sz="1100" dirty="0">
+                <a:solidFill>
+                  <a:schemeClr val="tx1"/>
+                </a:solidFill>
+              </a:rPr>
+              <a:t> </a:t>
+            </a:r>
+            <a:r>
+              <a:rPr lang="en-US" sz="1100" dirty="0" err="1">
+                <a:solidFill>
+                  <a:schemeClr val="tx1"/>
+                </a:solidFill>
+              </a:rPr>
+              <a:t>Anfrage</a:t>
+            </a:r>
+            <a:r>
+              <a:rPr lang="en-US" sz="1100" dirty="0">
+                <a:solidFill>
+                  <a:schemeClr val="tx1"/>
+                </a:solidFill>
+              </a:rPr>
+              <a:t> </a:t>
+            </a:r>
+            <a:r>
+              <a:rPr lang="en-US" sz="1100" dirty="0" err="1">
+                <a:solidFill>
+                  <a:schemeClr val="tx1"/>
+                </a:solidFill>
+              </a:rPr>
+              <a:t>oder</a:t>
+            </a:r>
+            <a:r>
+              <a:rPr lang="en-US" sz="1100" dirty="0">
+                <a:solidFill>
+                  <a:schemeClr val="tx1"/>
+                </a:solidFill>
+              </a:rPr>
+              <a:t> </a:t>
+            </a:r>
+            <a:r>
+              <a:rPr lang="en-US" sz="1100" dirty="0" err="1">
+                <a:solidFill>
+                  <a:schemeClr val="tx1"/>
+                </a:solidFill>
+              </a:rPr>
+              <a:t>Beratungsfall</a:t>
+            </a:r>
+            <a:r>
+              <a:rPr lang="en-US" sz="1100" dirty="0">
+                <a:solidFill>
+                  <a:schemeClr val="tx1"/>
+                </a:solidFill>
+              </a:rPr>
+              <a:t> </a:t>
+            </a:r>
+            <a:r>
+              <a:rPr lang="en-US" sz="1100" dirty="0" err="1">
+                <a:solidFill>
+                  <a:schemeClr val="tx1"/>
+                </a:solidFill>
+              </a:rPr>
+              <a:t>erfassen</a:t>
+            </a:r>
+            <a:r>
+              <a:rPr lang="en-US" sz="1100" dirty="0">
+                <a:solidFill>
+                  <a:schemeClr val="tx1"/>
+                </a:solidFill>
+              </a:rPr>
+              <a:t>. Alle </a:t>
+            </a:r>
+            <a:r>
+              <a:rPr lang="en-US" sz="1100" dirty="0" err="1">
+                <a:solidFill>
+                  <a:schemeClr val="tx1"/>
+                </a:solidFill>
+              </a:rPr>
+              <a:t>Pflichtfelder</a:t>
+            </a:r>
+            <a:r>
+              <a:rPr lang="en-US" sz="1100" dirty="0">
+                <a:solidFill>
+                  <a:schemeClr val="tx1"/>
+                </a:solidFill>
+              </a:rPr>
+              <a:t> </a:t>
+            </a:r>
+            <a:r>
+              <a:rPr lang="en-US" sz="1100" dirty="0" err="1">
+                <a:solidFill>
+                  <a:schemeClr val="tx1"/>
+                </a:solidFill>
+              </a:rPr>
+              <a:t>werden</a:t>
+            </a:r>
+            <a:r>
+              <a:rPr lang="en-US" sz="1100" dirty="0">
+                <a:solidFill>
+                  <a:schemeClr val="tx1"/>
+                </a:solidFill>
+              </a:rPr>
+              <a:t> </a:t>
+            </a:r>
+            <a:r>
+              <a:rPr lang="en-US" sz="1100" dirty="0" err="1">
+                <a:solidFill>
+                  <a:schemeClr val="tx1"/>
+                </a:solidFill>
+              </a:rPr>
+              <a:t>überprüft</a:t>
+            </a:r>
+            <a:r>
+              <a:rPr lang="en-US" sz="1100" dirty="0">
+                <a:solidFill>
+                  <a:schemeClr val="tx1"/>
+                </a:solidFill>
+              </a:rPr>
+              <a:t> und </a:t>
+            </a:r>
+            <a:r>
+              <a:rPr lang="en-US" sz="1100" dirty="0" err="1">
+                <a:solidFill>
+                  <a:schemeClr val="tx1"/>
+                </a:solidFill>
+              </a:rPr>
+              <a:t>Fehlermeldungen</a:t>
+            </a:r>
+            <a:r>
+              <a:rPr lang="en-US" sz="1100" dirty="0">
+                <a:solidFill>
+                  <a:schemeClr val="tx1"/>
+                </a:solidFill>
+              </a:rPr>
+              <a:t> </a:t>
+            </a:r>
+            <a:r>
+              <a:rPr lang="en-US" sz="1100" dirty="0" err="1">
+                <a:solidFill>
+                  <a:schemeClr val="tx1"/>
+                </a:solidFill>
+              </a:rPr>
+              <a:t>sind</a:t>
+            </a:r>
+            <a:r>
+              <a:rPr lang="en-US" sz="1100" dirty="0">
+                <a:solidFill>
+                  <a:schemeClr val="tx1"/>
+                </a:solidFill>
+              </a:rPr>
+              <a:t> </a:t>
+            </a:r>
+            <a:r>
+              <a:rPr lang="en-US" sz="1100" dirty="0" err="1">
+                <a:solidFill>
+                  <a:schemeClr val="tx1"/>
+                </a:solidFill>
+              </a:rPr>
+              <a:t>verständlich</a:t>
+            </a:r>
+            <a:r>
+              <a:rPr lang="en-US" sz="1100" dirty="0">
+                <a:solidFill>
+                  <a:schemeClr val="tx1"/>
+                </a:solidFill>
+              </a:rPr>
+              <a:t> </a:t>
+            </a:r>
+            <a:r>
+              <a:rPr lang="en-US" sz="1100" dirty="0" err="1">
+                <a:solidFill>
+                  <a:schemeClr val="tx1"/>
+                </a:solidFill>
+              </a:rPr>
+              <a:t>formuliert</a:t>
+            </a:r>
+            <a:endParaRPr lang="en-US" sz="1100" dirty="0">
+              <a:solidFill>
+                <a:schemeClr val="tx1"/>
+              </a:solidFill>
+            </a:endParaRPr>
+          </a:p>
+          <a:p>
+            <a:endParaRPr lang="en-US" sz="1600" u="sng" dirty="0">
+              <a:solidFill>
+                <a:schemeClr val="tx1"/>
+              </a:solidFill>
+            </a:endParaRPr>
+          </a:p>
+        </p:txBody>
+      </p:sp>
       <p:sp>
         <p:nvSpPr>
           <p:cNvPr id="37" name="Rechteck 36">
@@ -10687,6 +10392,1459 @@
         <p:cNvPr id="1" name="">
           <a:extLst>
             <a:ext uri="{FF2B5EF4-FFF2-40B4-BE49-F238E27FC236}">
+              <a16:creationId xmlns:a16="http://schemas.microsoft.com/office/drawing/2014/main" id="{59F04C62-C29B-7355-2BEC-9FC03F938C38}"/>
+            </a:ext>
+          </a:extLst>
+        </p:cNvPr>
+        <p:cNvGrpSpPr/>
+        <p:nvPr/>
+      </p:nvGrpSpPr>
+      <p:grpSpPr>
+        <a:xfrm>
+          <a:off x="0" y="0"/>
+          <a:ext cx="0" cy="0"/>
+          <a:chOff x="0" y="0"/>
+          <a:chExt cx="0" cy="0"/>
+        </a:xfrm>
+      </p:grpSpPr>
+      <p:sp>
+        <p:nvSpPr>
+          <p:cNvPr id="5" name="Titel 4">
+            <a:extLst>
+              <a:ext uri="{FF2B5EF4-FFF2-40B4-BE49-F238E27FC236}">
+                <a16:creationId xmlns:a16="http://schemas.microsoft.com/office/drawing/2014/main" id="{B85EC3C2-52A5-8AAE-0D5F-B22200463239}"/>
+              </a:ext>
+            </a:extLst>
+          </p:cNvPr>
+          <p:cNvSpPr>
+            <a:spLocks noGrp="1"/>
+          </p:cNvSpPr>
+          <p:nvPr>
+            <p:ph type="title"/>
+          </p:nvPr>
+        </p:nvSpPr>
+        <p:spPr>
+          <a:xfrm>
+            <a:off x="1343025" y="152400"/>
+            <a:ext cx="10656888" cy="468314"/>
+          </a:xfrm>
+        </p:spPr>
+        <p:txBody>
+          <a:bodyPr>
+            <a:normAutofit/>
+          </a:bodyPr>
+          <a:lstStyle/>
+          <a:p>
+            <a:r>
+              <a:rPr lang="en-US" dirty="0"/>
+              <a:t>1. Functional Requirements</a:t>
+            </a:r>
+            <a:endParaRPr lang="de-DE" dirty="0"/>
+          </a:p>
+        </p:txBody>
+      </p:sp>
+      <p:sp>
+        <p:nvSpPr>
+          <p:cNvPr id="13" name="Rechteck 12">
+            <a:extLst>
+              <a:ext uri="{FF2B5EF4-FFF2-40B4-BE49-F238E27FC236}">
+                <a16:creationId xmlns:a16="http://schemas.microsoft.com/office/drawing/2014/main" id="{E6E3EBC0-723F-F7D0-ACA2-4E09092AB8C4}"/>
+              </a:ext>
+            </a:extLst>
+          </p:cNvPr>
+          <p:cNvSpPr/>
+          <p:nvPr/>
+        </p:nvSpPr>
+        <p:spPr>
+          <a:xfrm>
+            <a:off x="192088" y="908050"/>
+            <a:ext cx="3319462" cy="323850"/>
+          </a:xfrm>
+          <a:prstGeom prst="rect">
+            <a:avLst/>
+          </a:prstGeom>
+          <a:solidFill>
+            <a:schemeClr val="bg1"/>
+          </a:solidFill>
+          <a:ln w="6350">
+            <a:solidFill>
+              <a:schemeClr val="tx2"/>
+            </a:solidFill>
+          </a:ln>
+        </p:spPr>
+        <p:style>
+          <a:lnRef idx="2">
+            <a:schemeClr val="accent1">
+              <a:shade val="15000"/>
+            </a:schemeClr>
+          </a:lnRef>
+          <a:fillRef idx="1">
+            <a:schemeClr val="accent1"/>
+          </a:fillRef>
+          <a:effectRef idx="0">
+            <a:schemeClr val="accent1"/>
+          </a:effectRef>
+          <a:fontRef idx="minor">
+            <a:schemeClr val="lt1"/>
+          </a:fontRef>
+        </p:style>
+        <p:txBody>
+          <a:bodyPr rtlCol="0" anchor="ctr"/>
+          <a:lstStyle/>
+          <a:p>
+            <a:r>
+              <a:rPr lang="en-US" sz="1600" b="1" dirty="0">
+                <a:solidFill>
+                  <a:schemeClr val="tx1"/>
+                </a:solidFill>
+              </a:rPr>
+              <a:t>Requirement #: FR-5</a:t>
+            </a:r>
+          </a:p>
+        </p:txBody>
+      </p:sp>
+      <p:sp>
+        <p:nvSpPr>
+          <p:cNvPr id="14" name="Rechteck 13">
+            <a:extLst>
+              <a:ext uri="{FF2B5EF4-FFF2-40B4-BE49-F238E27FC236}">
+                <a16:creationId xmlns:a16="http://schemas.microsoft.com/office/drawing/2014/main" id="{DDBBD9A7-2780-1F0E-6A0B-38CFE57D0C31}"/>
+              </a:ext>
+            </a:extLst>
+          </p:cNvPr>
+          <p:cNvSpPr/>
+          <p:nvPr/>
+        </p:nvSpPr>
+        <p:spPr>
+          <a:xfrm>
+            <a:off x="4436269" y="908050"/>
+            <a:ext cx="3319462" cy="323850"/>
+          </a:xfrm>
+          <a:prstGeom prst="rect">
+            <a:avLst/>
+          </a:prstGeom>
+          <a:solidFill>
+            <a:schemeClr val="bg1"/>
+          </a:solidFill>
+          <a:ln w="6350">
+            <a:solidFill>
+              <a:schemeClr val="tx2"/>
+            </a:solidFill>
+          </a:ln>
+        </p:spPr>
+        <p:style>
+          <a:lnRef idx="2">
+            <a:schemeClr val="accent1">
+              <a:shade val="15000"/>
+            </a:schemeClr>
+          </a:lnRef>
+          <a:fillRef idx="1">
+            <a:schemeClr val="accent1"/>
+          </a:fillRef>
+          <a:effectRef idx="0">
+            <a:schemeClr val="accent1"/>
+          </a:effectRef>
+          <a:fontRef idx="minor">
+            <a:schemeClr val="lt1"/>
+          </a:fontRef>
+        </p:style>
+        <p:txBody>
+          <a:bodyPr rtlCol="0" anchor="ctr"/>
+          <a:lstStyle/>
+          <a:p>
+            <a:r>
+              <a:rPr lang="en-US" sz="1600" b="1" dirty="0">
+                <a:solidFill>
+                  <a:schemeClr val="tx1"/>
+                </a:solidFill>
+              </a:rPr>
+              <a:t>Requirement Type: Functional</a:t>
+            </a:r>
+          </a:p>
+        </p:txBody>
+      </p:sp>
+      <p:sp>
+        <p:nvSpPr>
+          <p:cNvPr id="15" name="Rechteck 14">
+            <a:extLst>
+              <a:ext uri="{FF2B5EF4-FFF2-40B4-BE49-F238E27FC236}">
+                <a16:creationId xmlns:a16="http://schemas.microsoft.com/office/drawing/2014/main" id="{640134C4-5353-F4F6-838F-FC08FBDBBE93}"/>
+              </a:ext>
+            </a:extLst>
+          </p:cNvPr>
+          <p:cNvSpPr/>
+          <p:nvPr/>
+        </p:nvSpPr>
+        <p:spPr>
+          <a:xfrm>
+            <a:off x="8680450" y="908050"/>
+            <a:ext cx="3319462" cy="323850"/>
+          </a:xfrm>
+          <a:prstGeom prst="rect">
+            <a:avLst/>
+          </a:prstGeom>
+          <a:solidFill>
+            <a:schemeClr val="bg1"/>
+          </a:solidFill>
+          <a:ln w="6350">
+            <a:solidFill>
+              <a:schemeClr val="tx2"/>
+            </a:solidFill>
+          </a:ln>
+        </p:spPr>
+        <p:style>
+          <a:lnRef idx="2">
+            <a:schemeClr val="accent1">
+              <a:shade val="15000"/>
+            </a:schemeClr>
+          </a:lnRef>
+          <a:fillRef idx="1">
+            <a:schemeClr val="accent1"/>
+          </a:fillRef>
+          <a:effectRef idx="0">
+            <a:schemeClr val="accent1"/>
+          </a:effectRef>
+          <a:fontRef idx="minor">
+            <a:schemeClr val="lt1"/>
+          </a:fontRef>
+        </p:style>
+        <p:txBody>
+          <a:bodyPr rtlCol="0" anchor="ctr"/>
+          <a:lstStyle/>
+          <a:p>
+            <a:r>
+              <a:rPr lang="de-DE" sz="1600" b="1" dirty="0">
+                <a:solidFill>
+                  <a:schemeClr val="tx1"/>
+                </a:solidFill>
+              </a:rPr>
+              <a:t>Event/BUC/PUC #:</a:t>
+            </a:r>
+            <a:endParaRPr lang="de-DE" sz="1100" dirty="0">
+              <a:solidFill>
+                <a:schemeClr val="tx1"/>
+              </a:solidFill>
+            </a:endParaRPr>
+          </a:p>
+        </p:txBody>
+      </p:sp>
+      <p:sp>
+        <p:nvSpPr>
+          <p:cNvPr id="16" name="Rechteck 15">
+            <a:extLst>
+              <a:ext uri="{FF2B5EF4-FFF2-40B4-BE49-F238E27FC236}">
+                <a16:creationId xmlns:a16="http://schemas.microsoft.com/office/drawing/2014/main" id="{665CAE3C-0BE9-B64A-582F-16E7042F715F}"/>
+              </a:ext>
+            </a:extLst>
+          </p:cNvPr>
+          <p:cNvSpPr/>
+          <p:nvPr/>
+        </p:nvSpPr>
+        <p:spPr>
+          <a:xfrm>
+            <a:off x="192088" y="1370669"/>
+            <a:ext cx="1375455" cy="324000"/>
+          </a:xfrm>
+          <a:prstGeom prst="rect">
+            <a:avLst/>
+          </a:prstGeom>
+          <a:solidFill>
+            <a:schemeClr val="bg1"/>
+          </a:solidFill>
+          <a:ln w="6350">
+            <a:solidFill>
+              <a:schemeClr val="tx2"/>
+            </a:solidFill>
+          </a:ln>
+        </p:spPr>
+        <p:style>
+          <a:lnRef idx="2">
+            <a:schemeClr val="accent1">
+              <a:shade val="15000"/>
+            </a:schemeClr>
+          </a:lnRef>
+          <a:fillRef idx="1">
+            <a:schemeClr val="accent1"/>
+          </a:fillRef>
+          <a:effectRef idx="0">
+            <a:schemeClr val="accent1"/>
+          </a:effectRef>
+          <a:fontRef idx="minor">
+            <a:schemeClr val="lt1"/>
+          </a:fontRef>
+        </p:style>
+        <p:txBody>
+          <a:bodyPr rtlCol="0" anchor="ctr"/>
+          <a:lstStyle/>
+          <a:p>
+            <a:r>
+              <a:rPr lang="de-DE" sz="1600" b="1" dirty="0">
+                <a:solidFill>
+                  <a:schemeClr val="tx1"/>
+                </a:solidFill>
+              </a:rPr>
+              <a:t>Description:</a:t>
+            </a:r>
+          </a:p>
+        </p:txBody>
+      </p:sp>
+      <p:sp>
+        <p:nvSpPr>
+          <p:cNvPr id="23" name="Rechteck 22">
+            <a:extLst>
+              <a:ext uri="{FF2B5EF4-FFF2-40B4-BE49-F238E27FC236}">
+                <a16:creationId xmlns:a16="http://schemas.microsoft.com/office/drawing/2014/main" id="{29A0B859-68B5-54AE-E0BF-02B13905C4E8}"/>
+              </a:ext>
+            </a:extLst>
+          </p:cNvPr>
+          <p:cNvSpPr/>
+          <p:nvPr/>
+        </p:nvSpPr>
+        <p:spPr>
+          <a:xfrm>
+            <a:off x="1903444" y="1370669"/>
+            <a:ext cx="10096468" cy="792000"/>
+          </a:xfrm>
+          <a:prstGeom prst="rect">
+            <a:avLst/>
+          </a:prstGeom>
+          <a:solidFill>
+            <a:schemeClr val="bg1"/>
+          </a:solidFill>
+          <a:ln w="6350">
+            <a:solidFill>
+              <a:schemeClr val="tx2"/>
+            </a:solidFill>
+          </a:ln>
+        </p:spPr>
+        <p:style>
+          <a:lnRef idx="2">
+            <a:schemeClr val="accent1">
+              <a:shade val="15000"/>
+            </a:schemeClr>
+          </a:lnRef>
+          <a:fillRef idx="1">
+            <a:schemeClr val="accent1"/>
+          </a:fillRef>
+          <a:effectRef idx="0">
+            <a:schemeClr val="accent1"/>
+          </a:effectRef>
+          <a:fontRef idx="minor">
+            <a:schemeClr val="lt1"/>
+          </a:fontRef>
+        </p:style>
+        <p:txBody>
+          <a:bodyPr rtlCol="0" anchor="ctr"/>
+          <a:lstStyle/>
+          <a:p>
+            <a:r>
+              <a:rPr lang="de-DE" sz="1100" dirty="0">
+                <a:solidFill>
+                  <a:schemeClr val="tx1"/>
+                </a:solidFill>
+              </a:rPr>
+              <a:t>- Das System benötigt passwortgeschützte Konten mit abgestuften Rechten:  </a:t>
+            </a:r>
+          </a:p>
+          <a:p>
+            <a:r>
+              <a:rPr lang="de-DE" sz="1100" dirty="0">
+                <a:solidFill>
+                  <a:schemeClr val="tx1"/>
+                </a:solidFill>
+              </a:rPr>
+              <a:t>  - </a:t>
+            </a:r>
+            <a:r>
+              <a:rPr lang="de-DE" sz="1100" b="1" dirty="0">
+                <a:solidFill>
+                  <a:schemeClr val="tx1"/>
+                </a:solidFill>
+              </a:rPr>
+              <a:t>Basiskonto</a:t>
+            </a:r>
+            <a:r>
+              <a:rPr lang="de-DE" sz="1100" dirty="0">
+                <a:solidFill>
+                  <a:schemeClr val="tx1"/>
+                </a:solidFill>
+              </a:rPr>
+              <a:t>: Datensätze erfassen/bearbeiten, Statistiken abrufen, selbsterstellte Presets speichern/löschen </a:t>
+            </a:r>
+          </a:p>
+          <a:p>
+            <a:r>
+              <a:rPr lang="de-DE" sz="1100" dirty="0">
+                <a:solidFill>
+                  <a:schemeClr val="tx1"/>
+                </a:solidFill>
+              </a:rPr>
+              <a:t>  - </a:t>
+            </a:r>
+            <a:r>
+              <a:rPr lang="de-DE" sz="1100" b="1" dirty="0">
+                <a:solidFill>
+                  <a:schemeClr val="tx1"/>
+                </a:solidFill>
+              </a:rPr>
+              <a:t>Erweiterungskonto</a:t>
+            </a:r>
+            <a:r>
+              <a:rPr lang="de-DE" sz="1100" dirty="0">
+                <a:solidFill>
+                  <a:schemeClr val="tx1"/>
+                </a:solidFill>
+              </a:rPr>
+              <a:t>: Zusätzlich neue Formularfelder und geteilte Presets verwalten</a:t>
+            </a:r>
+          </a:p>
+          <a:p>
+            <a:r>
+              <a:rPr lang="de-DE" sz="1100" dirty="0">
+                <a:solidFill>
+                  <a:schemeClr val="tx1"/>
+                </a:solidFill>
+              </a:rPr>
+              <a:t>  - </a:t>
+            </a:r>
+            <a:r>
+              <a:rPr lang="de-DE" sz="1100" b="1" dirty="0">
+                <a:solidFill>
+                  <a:schemeClr val="tx1"/>
+                </a:solidFill>
+              </a:rPr>
+              <a:t>Administrationskonto</a:t>
+            </a:r>
+            <a:r>
+              <a:rPr lang="de-DE" sz="1100" dirty="0">
+                <a:solidFill>
+                  <a:schemeClr val="tx1"/>
+                </a:solidFill>
+              </a:rPr>
+              <a:t>: Zusätzlich Benutzerkonten verwalten (anlegen, Rechte zuweisen/entziehen, löschen)</a:t>
+            </a:r>
+          </a:p>
+          <a:p>
+            <a:r>
+              <a:rPr lang="de-DE" sz="1100" dirty="0">
+                <a:solidFill>
+                  <a:schemeClr val="tx1"/>
+                </a:solidFill>
+              </a:rPr>
+              <a:t>- Es muss immer mindestens ein Konto mit Administrationsrechten existieren (empfohlen zwei)</a:t>
+            </a:r>
+            <a:endParaRPr lang="en-US" sz="1100" dirty="0">
+              <a:solidFill>
+                <a:schemeClr val="tx1"/>
+              </a:solidFill>
+            </a:endParaRPr>
+          </a:p>
+        </p:txBody>
+      </p:sp>
+      <p:sp>
+        <p:nvSpPr>
+          <p:cNvPr id="29" name="Rechteck 28">
+            <a:extLst>
+              <a:ext uri="{FF2B5EF4-FFF2-40B4-BE49-F238E27FC236}">
+                <a16:creationId xmlns:a16="http://schemas.microsoft.com/office/drawing/2014/main" id="{9D2C2D3F-C6AC-B8D3-7BB1-5329580C5C07}"/>
+              </a:ext>
+            </a:extLst>
+          </p:cNvPr>
+          <p:cNvSpPr/>
+          <p:nvPr/>
+        </p:nvSpPr>
+        <p:spPr>
+          <a:xfrm>
+            <a:off x="192090" y="2301438"/>
+            <a:ext cx="1375453" cy="323850"/>
+          </a:xfrm>
+          <a:prstGeom prst="rect">
+            <a:avLst/>
+          </a:prstGeom>
+          <a:solidFill>
+            <a:schemeClr val="bg1"/>
+          </a:solidFill>
+          <a:ln w="6350">
+            <a:solidFill>
+              <a:schemeClr val="tx2"/>
+            </a:solidFill>
+          </a:ln>
+        </p:spPr>
+        <p:style>
+          <a:lnRef idx="2">
+            <a:schemeClr val="accent1">
+              <a:shade val="15000"/>
+            </a:schemeClr>
+          </a:lnRef>
+          <a:fillRef idx="1">
+            <a:schemeClr val="accent1"/>
+          </a:fillRef>
+          <a:effectRef idx="0">
+            <a:schemeClr val="accent1"/>
+          </a:effectRef>
+          <a:fontRef idx="minor">
+            <a:schemeClr val="lt1"/>
+          </a:fontRef>
+        </p:style>
+        <p:txBody>
+          <a:bodyPr rtlCol="0" anchor="ctr"/>
+          <a:lstStyle/>
+          <a:p>
+            <a:r>
+              <a:rPr lang="de-DE" sz="1600" b="1" dirty="0">
+                <a:solidFill>
+                  <a:schemeClr val="tx1"/>
+                </a:solidFill>
+              </a:rPr>
+              <a:t>Rationale:</a:t>
+            </a:r>
+          </a:p>
+        </p:txBody>
+      </p:sp>
+      <p:sp>
+        <p:nvSpPr>
+          <p:cNvPr id="30" name="Rechteck 29">
+            <a:extLst>
+              <a:ext uri="{FF2B5EF4-FFF2-40B4-BE49-F238E27FC236}">
+                <a16:creationId xmlns:a16="http://schemas.microsoft.com/office/drawing/2014/main" id="{5E9C480F-7AAE-9D80-0CF4-A1C084948362}"/>
+              </a:ext>
+            </a:extLst>
+          </p:cNvPr>
+          <p:cNvSpPr/>
+          <p:nvPr/>
+        </p:nvSpPr>
+        <p:spPr>
+          <a:xfrm>
+            <a:off x="1903446" y="2301438"/>
+            <a:ext cx="10096468" cy="792000"/>
+          </a:xfrm>
+          <a:prstGeom prst="rect">
+            <a:avLst/>
+          </a:prstGeom>
+          <a:solidFill>
+            <a:schemeClr val="bg1"/>
+          </a:solidFill>
+          <a:ln w="6350">
+            <a:solidFill>
+              <a:schemeClr val="tx2"/>
+            </a:solidFill>
+          </a:ln>
+        </p:spPr>
+        <p:style>
+          <a:lnRef idx="2">
+            <a:schemeClr val="accent1">
+              <a:shade val="15000"/>
+            </a:schemeClr>
+          </a:lnRef>
+          <a:fillRef idx="1">
+            <a:schemeClr val="accent1"/>
+          </a:fillRef>
+          <a:effectRef idx="0">
+            <a:schemeClr val="accent1"/>
+          </a:effectRef>
+          <a:fontRef idx="minor">
+            <a:schemeClr val="lt1"/>
+          </a:fontRef>
+        </p:style>
+        <p:txBody>
+          <a:bodyPr rtlCol="0" anchor="ctr"/>
+          <a:lstStyle/>
+          <a:p>
+            <a:r>
+              <a:rPr lang="en-US" sz="1100" dirty="0">
+                <a:solidFill>
+                  <a:schemeClr val="tx1"/>
+                </a:solidFill>
+              </a:rPr>
+              <a:t>Sicherheit der Daten und </a:t>
+            </a:r>
+            <a:r>
+              <a:rPr lang="en-US" sz="1100" dirty="0" err="1">
+                <a:solidFill>
+                  <a:schemeClr val="tx1"/>
+                </a:solidFill>
+              </a:rPr>
+              <a:t>Vermeidung</a:t>
+            </a:r>
+            <a:r>
+              <a:rPr lang="en-US" sz="1100" dirty="0">
+                <a:solidFill>
+                  <a:schemeClr val="tx1"/>
+                </a:solidFill>
+              </a:rPr>
+              <a:t> von </a:t>
+            </a:r>
+            <a:r>
+              <a:rPr lang="en-US" sz="1100" dirty="0" err="1">
+                <a:solidFill>
+                  <a:schemeClr val="tx1"/>
+                </a:solidFill>
+              </a:rPr>
+              <a:t>Überforderung</a:t>
+            </a:r>
+            <a:r>
+              <a:rPr lang="en-US" sz="1100" dirty="0">
+                <a:solidFill>
+                  <a:schemeClr val="tx1"/>
+                </a:solidFill>
+              </a:rPr>
+              <a:t> </a:t>
+            </a:r>
+            <a:r>
+              <a:rPr lang="en-US" sz="1100" dirty="0" err="1">
+                <a:solidFill>
+                  <a:schemeClr val="tx1"/>
+                </a:solidFill>
+              </a:rPr>
+              <a:t>durch</a:t>
+            </a:r>
+            <a:r>
+              <a:rPr lang="en-US" sz="1100" dirty="0">
+                <a:solidFill>
+                  <a:schemeClr val="tx1"/>
+                </a:solidFill>
+              </a:rPr>
+              <a:t> </a:t>
+            </a:r>
+            <a:r>
+              <a:rPr lang="en-US" sz="1100" dirty="0" err="1">
+                <a:solidFill>
+                  <a:schemeClr val="tx1"/>
+                </a:solidFill>
+              </a:rPr>
+              <a:t>unnötig</a:t>
+            </a:r>
+            <a:r>
+              <a:rPr lang="en-US" sz="1100" dirty="0">
+                <a:solidFill>
+                  <a:schemeClr val="tx1"/>
+                </a:solidFill>
+              </a:rPr>
+              <a:t> </a:t>
+            </a:r>
+            <a:r>
+              <a:rPr lang="en-US" sz="1100" dirty="0" err="1">
+                <a:solidFill>
+                  <a:schemeClr val="tx1"/>
+                </a:solidFill>
+              </a:rPr>
+              <a:t>viele</a:t>
+            </a:r>
+            <a:r>
+              <a:rPr lang="en-US" sz="1100" dirty="0">
+                <a:solidFill>
+                  <a:schemeClr val="tx1"/>
+                </a:solidFill>
+              </a:rPr>
+              <a:t> </a:t>
+            </a:r>
+            <a:r>
+              <a:rPr lang="en-US" sz="1100" dirty="0" err="1">
+                <a:solidFill>
+                  <a:schemeClr val="tx1"/>
+                </a:solidFill>
+              </a:rPr>
+              <a:t>Optionen</a:t>
+            </a:r>
+            <a:r>
+              <a:rPr lang="en-US" sz="1100" dirty="0">
+                <a:solidFill>
+                  <a:schemeClr val="tx1"/>
+                </a:solidFill>
+              </a:rPr>
+              <a:t>.</a:t>
+            </a:r>
+          </a:p>
+        </p:txBody>
+      </p:sp>
+      <p:sp>
+        <p:nvSpPr>
+          <p:cNvPr id="32" name="Rechteck 31">
+            <a:extLst>
+              <a:ext uri="{FF2B5EF4-FFF2-40B4-BE49-F238E27FC236}">
+                <a16:creationId xmlns:a16="http://schemas.microsoft.com/office/drawing/2014/main" id="{BA73486A-0A42-6325-01A4-228426815203}"/>
+              </a:ext>
+            </a:extLst>
+          </p:cNvPr>
+          <p:cNvSpPr/>
+          <p:nvPr/>
+        </p:nvSpPr>
+        <p:spPr>
+          <a:xfrm>
+            <a:off x="192088" y="3232207"/>
+            <a:ext cx="1375453" cy="323850"/>
+          </a:xfrm>
+          <a:prstGeom prst="rect">
+            <a:avLst/>
+          </a:prstGeom>
+          <a:solidFill>
+            <a:schemeClr val="bg1"/>
+          </a:solidFill>
+          <a:ln w="6350">
+            <a:solidFill>
+              <a:schemeClr val="tx2"/>
+            </a:solidFill>
+          </a:ln>
+        </p:spPr>
+        <p:style>
+          <a:lnRef idx="2">
+            <a:schemeClr val="accent1">
+              <a:shade val="15000"/>
+            </a:schemeClr>
+          </a:lnRef>
+          <a:fillRef idx="1">
+            <a:schemeClr val="accent1"/>
+          </a:fillRef>
+          <a:effectRef idx="0">
+            <a:schemeClr val="accent1"/>
+          </a:effectRef>
+          <a:fontRef idx="minor">
+            <a:schemeClr val="lt1"/>
+          </a:fontRef>
+        </p:style>
+        <p:txBody>
+          <a:bodyPr rtlCol="0" anchor="ctr"/>
+          <a:lstStyle/>
+          <a:p>
+            <a:r>
+              <a:rPr lang="de-DE" sz="1600" b="1" dirty="0" err="1">
+                <a:solidFill>
+                  <a:schemeClr val="tx1"/>
+                </a:solidFill>
+              </a:rPr>
+              <a:t>Originator</a:t>
+            </a:r>
+            <a:r>
+              <a:rPr lang="de-DE" sz="1600" b="1" dirty="0">
+                <a:solidFill>
+                  <a:schemeClr val="tx1"/>
+                </a:solidFill>
+              </a:rPr>
+              <a:t>:</a:t>
+            </a:r>
+          </a:p>
+        </p:txBody>
+      </p:sp>
+      <p:sp>
+        <p:nvSpPr>
+          <p:cNvPr id="33" name="Rechteck 32">
+            <a:extLst>
+              <a:ext uri="{FF2B5EF4-FFF2-40B4-BE49-F238E27FC236}">
+                <a16:creationId xmlns:a16="http://schemas.microsoft.com/office/drawing/2014/main" id="{F5011F0E-3717-F098-B65E-ED436DF0D095}"/>
+              </a:ext>
+            </a:extLst>
+          </p:cNvPr>
+          <p:cNvSpPr/>
+          <p:nvPr/>
+        </p:nvSpPr>
+        <p:spPr>
+          <a:xfrm>
+            <a:off x="1903444" y="3232207"/>
+            <a:ext cx="10096468" cy="323850"/>
+          </a:xfrm>
+          <a:prstGeom prst="rect">
+            <a:avLst/>
+          </a:prstGeom>
+          <a:solidFill>
+            <a:schemeClr val="bg1"/>
+          </a:solidFill>
+          <a:ln w="6350">
+            <a:solidFill>
+              <a:schemeClr val="tx2"/>
+            </a:solidFill>
+          </a:ln>
+        </p:spPr>
+        <p:style>
+          <a:lnRef idx="2">
+            <a:schemeClr val="accent1">
+              <a:shade val="15000"/>
+            </a:schemeClr>
+          </a:lnRef>
+          <a:fillRef idx="1">
+            <a:schemeClr val="accent1"/>
+          </a:fillRef>
+          <a:effectRef idx="0">
+            <a:schemeClr val="accent1"/>
+          </a:effectRef>
+          <a:fontRef idx="minor">
+            <a:schemeClr val="lt1"/>
+          </a:fontRef>
+        </p:style>
+        <p:txBody>
+          <a:bodyPr rtlCol="0" anchor="ctr"/>
+          <a:lstStyle/>
+          <a:p>
+            <a:r>
+              <a:rPr lang="en-US" sz="1100" dirty="0">
+                <a:solidFill>
+                  <a:schemeClr val="tx1"/>
+                </a:solidFill>
+              </a:rPr>
+              <a:t>Mitarbeiter*</a:t>
+            </a:r>
+            <a:r>
+              <a:rPr lang="en-US" sz="1100" dirty="0" err="1">
+                <a:solidFill>
+                  <a:schemeClr val="tx1"/>
+                </a:solidFill>
+              </a:rPr>
+              <a:t>innen</a:t>
+            </a:r>
+            <a:r>
+              <a:rPr lang="en-US" sz="1100" dirty="0">
+                <a:solidFill>
+                  <a:schemeClr val="tx1"/>
+                </a:solidFill>
+              </a:rPr>
+              <a:t> des Bellis </a:t>
+            </a:r>
+            <a:r>
+              <a:rPr lang="en-US" sz="1100" dirty="0" err="1">
+                <a:solidFill>
+                  <a:schemeClr val="tx1"/>
+                </a:solidFill>
+              </a:rPr>
+              <a:t>e.V.</a:t>
+            </a:r>
+            <a:endParaRPr lang="en-US" sz="1100" dirty="0">
+              <a:solidFill>
+                <a:schemeClr val="tx1"/>
+              </a:solidFill>
+            </a:endParaRPr>
+          </a:p>
+        </p:txBody>
+      </p:sp>
+      <p:sp>
+        <p:nvSpPr>
+          <p:cNvPr id="35" name="Rechteck 34">
+            <a:extLst>
+              <a:ext uri="{FF2B5EF4-FFF2-40B4-BE49-F238E27FC236}">
+                <a16:creationId xmlns:a16="http://schemas.microsoft.com/office/drawing/2014/main" id="{9BB76188-89D3-74F4-F0D9-A9B616007207}"/>
+              </a:ext>
+            </a:extLst>
+          </p:cNvPr>
+          <p:cNvSpPr/>
+          <p:nvPr/>
+        </p:nvSpPr>
+        <p:spPr>
+          <a:xfrm>
+            <a:off x="192090" y="3694827"/>
+            <a:ext cx="1375451" cy="324001"/>
+          </a:xfrm>
+          <a:prstGeom prst="rect">
+            <a:avLst/>
+          </a:prstGeom>
+          <a:solidFill>
+            <a:schemeClr val="bg1"/>
+          </a:solidFill>
+          <a:ln w="6350">
+            <a:solidFill>
+              <a:schemeClr val="tx2"/>
+            </a:solidFill>
+          </a:ln>
+        </p:spPr>
+        <p:style>
+          <a:lnRef idx="2">
+            <a:schemeClr val="accent1">
+              <a:shade val="15000"/>
+            </a:schemeClr>
+          </a:lnRef>
+          <a:fillRef idx="1">
+            <a:schemeClr val="accent1"/>
+          </a:fillRef>
+          <a:effectRef idx="0">
+            <a:schemeClr val="accent1"/>
+          </a:effectRef>
+          <a:fontRef idx="minor">
+            <a:schemeClr val="lt1"/>
+          </a:fontRef>
+        </p:style>
+        <p:txBody>
+          <a:bodyPr rtlCol="0" anchor="ctr"/>
+          <a:lstStyle/>
+          <a:p>
+            <a:r>
+              <a:rPr lang="de-DE" sz="1600" b="1" dirty="0">
+                <a:solidFill>
+                  <a:schemeClr val="tx1"/>
+                </a:solidFill>
+              </a:rPr>
+              <a:t>Fit </a:t>
+            </a:r>
+            <a:r>
+              <a:rPr lang="de-DE" sz="1600" b="1" dirty="0" err="1">
+                <a:solidFill>
+                  <a:schemeClr val="tx1"/>
+                </a:solidFill>
+              </a:rPr>
+              <a:t>Criterion</a:t>
+            </a:r>
+            <a:r>
+              <a:rPr lang="de-DE" sz="1600" b="1" dirty="0">
+                <a:solidFill>
+                  <a:schemeClr val="tx1"/>
+                </a:solidFill>
+              </a:rPr>
+              <a:t>:</a:t>
+            </a:r>
+          </a:p>
+        </p:txBody>
+      </p:sp>
+      <p:sp>
+        <p:nvSpPr>
+          <p:cNvPr id="36" name="Rechteck 35">
+            <a:extLst>
+              <a:ext uri="{FF2B5EF4-FFF2-40B4-BE49-F238E27FC236}">
+                <a16:creationId xmlns:a16="http://schemas.microsoft.com/office/drawing/2014/main" id="{B005B8DA-BB0C-9E20-9AEE-B972A8B92F94}"/>
+              </a:ext>
+            </a:extLst>
+          </p:cNvPr>
+          <p:cNvSpPr/>
+          <p:nvPr/>
+        </p:nvSpPr>
+        <p:spPr>
+          <a:xfrm>
+            <a:off x="1903446" y="3694826"/>
+            <a:ext cx="10096468" cy="792000"/>
+          </a:xfrm>
+          <a:prstGeom prst="rect">
+            <a:avLst/>
+          </a:prstGeom>
+          <a:solidFill>
+            <a:schemeClr val="bg1"/>
+          </a:solidFill>
+          <a:ln w="6350">
+            <a:solidFill>
+              <a:schemeClr val="tx2"/>
+            </a:solidFill>
+          </a:ln>
+        </p:spPr>
+        <p:style>
+          <a:lnRef idx="2">
+            <a:schemeClr val="accent1">
+              <a:shade val="15000"/>
+            </a:schemeClr>
+          </a:lnRef>
+          <a:fillRef idx="1">
+            <a:schemeClr val="accent1"/>
+          </a:fillRef>
+          <a:effectRef idx="0">
+            <a:schemeClr val="accent1"/>
+          </a:effectRef>
+          <a:fontRef idx="minor">
+            <a:schemeClr val="lt1"/>
+          </a:fontRef>
+        </p:style>
+        <p:txBody>
+          <a:bodyPr rtlCol="0" anchor="ctr"/>
+          <a:lstStyle/>
+          <a:p>
+            <a:endParaRPr lang="en-US" sz="1100" dirty="0">
+              <a:solidFill>
+                <a:schemeClr val="tx1"/>
+              </a:solidFill>
+            </a:endParaRPr>
+          </a:p>
+        </p:txBody>
+      </p:sp>
+      <p:sp>
+        <p:nvSpPr>
+          <p:cNvPr id="37" name="Rechteck 36">
+            <a:extLst>
+              <a:ext uri="{FF2B5EF4-FFF2-40B4-BE49-F238E27FC236}">
+                <a16:creationId xmlns:a16="http://schemas.microsoft.com/office/drawing/2014/main" id="{6E30B85C-182C-B01B-A404-07DA6727B760}"/>
+              </a:ext>
+            </a:extLst>
+          </p:cNvPr>
+          <p:cNvSpPr/>
+          <p:nvPr/>
+        </p:nvSpPr>
+        <p:spPr>
+          <a:xfrm>
+            <a:off x="192088" y="4625595"/>
+            <a:ext cx="5745162" cy="323850"/>
+          </a:xfrm>
+          <a:prstGeom prst="rect">
+            <a:avLst/>
+          </a:prstGeom>
+          <a:solidFill>
+            <a:schemeClr val="bg1"/>
+          </a:solidFill>
+          <a:ln w="6350">
+            <a:solidFill>
+              <a:schemeClr val="tx2"/>
+            </a:solidFill>
+          </a:ln>
+        </p:spPr>
+        <p:style>
+          <a:lnRef idx="2">
+            <a:schemeClr val="accent1">
+              <a:shade val="15000"/>
+            </a:schemeClr>
+          </a:lnRef>
+          <a:fillRef idx="1">
+            <a:schemeClr val="accent1"/>
+          </a:fillRef>
+          <a:effectRef idx="0">
+            <a:schemeClr val="accent1"/>
+          </a:effectRef>
+          <a:fontRef idx="minor">
+            <a:schemeClr val="lt1"/>
+          </a:fontRef>
+        </p:style>
+        <p:txBody>
+          <a:bodyPr rtlCol="0" anchor="ctr"/>
+          <a:lstStyle/>
+          <a:p>
+            <a:pPr fontAlgn="auto">
+              <a:spcAft>
+                <a:spcPts val="0"/>
+              </a:spcAft>
+            </a:pPr>
+            <a:r>
+              <a:rPr lang="de-DE" sz="1600" b="1" dirty="0">
+                <a:solidFill>
+                  <a:schemeClr val="tx1"/>
+                </a:solidFill>
+              </a:rPr>
+              <a:t>Customer </a:t>
+            </a:r>
+            <a:r>
+              <a:rPr lang="de-DE" sz="1600" b="1" dirty="0" err="1">
+                <a:solidFill>
+                  <a:schemeClr val="tx1"/>
+                </a:solidFill>
+              </a:rPr>
+              <a:t>Satisfaction</a:t>
+            </a:r>
+            <a:r>
+              <a:rPr lang="de-DE" sz="1600" b="1" dirty="0">
+                <a:solidFill>
+                  <a:schemeClr val="tx1"/>
+                </a:solidFill>
+              </a:rPr>
+              <a:t>: 5</a:t>
+            </a:r>
+            <a:endParaRPr lang="de-DE" sz="1100" dirty="0">
+              <a:solidFill>
+                <a:schemeClr val="tx1"/>
+              </a:solidFill>
+            </a:endParaRPr>
+          </a:p>
+        </p:txBody>
+      </p:sp>
+      <p:sp>
+        <p:nvSpPr>
+          <p:cNvPr id="38" name="Rechteck 37">
+            <a:extLst>
+              <a:ext uri="{FF2B5EF4-FFF2-40B4-BE49-F238E27FC236}">
+                <a16:creationId xmlns:a16="http://schemas.microsoft.com/office/drawing/2014/main" id="{AE2420E3-4D7A-C81B-F081-6F10F27E26AE}"/>
+              </a:ext>
+            </a:extLst>
+          </p:cNvPr>
+          <p:cNvSpPr/>
+          <p:nvPr/>
+        </p:nvSpPr>
+        <p:spPr>
+          <a:xfrm>
+            <a:off x="6254749" y="4622801"/>
+            <a:ext cx="5745162" cy="323850"/>
+          </a:xfrm>
+          <a:prstGeom prst="rect">
+            <a:avLst/>
+          </a:prstGeom>
+          <a:solidFill>
+            <a:schemeClr val="bg1"/>
+          </a:solidFill>
+          <a:ln w="6350">
+            <a:solidFill>
+              <a:schemeClr val="tx2"/>
+            </a:solidFill>
+          </a:ln>
+        </p:spPr>
+        <p:style>
+          <a:lnRef idx="2">
+            <a:schemeClr val="accent1">
+              <a:shade val="15000"/>
+            </a:schemeClr>
+          </a:lnRef>
+          <a:fillRef idx="1">
+            <a:schemeClr val="accent1"/>
+          </a:fillRef>
+          <a:effectRef idx="0">
+            <a:schemeClr val="accent1"/>
+          </a:effectRef>
+          <a:fontRef idx="minor">
+            <a:schemeClr val="lt1"/>
+          </a:fontRef>
+        </p:style>
+        <p:txBody>
+          <a:bodyPr rtlCol="0" anchor="ctr"/>
+          <a:lstStyle/>
+          <a:p>
+            <a:r>
+              <a:rPr lang="de-DE" sz="1600" b="1" dirty="0">
+                <a:solidFill>
+                  <a:schemeClr val="tx1"/>
+                </a:solidFill>
+              </a:rPr>
+              <a:t>Customer </a:t>
+            </a:r>
+            <a:r>
+              <a:rPr lang="de-DE" sz="1600" b="1" dirty="0" err="1">
+                <a:solidFill>
+                  <a:schemeClr val="tx1"/>
+                </a:solidFill>
+              </a:rPr>
+              <a:t>Dissatisfaction</a:t>
+            </a:r>
+            <a:r>
+              <a:rPr lang="de-DE" sz="1600" b="1" dirty="0">
+                <a:solidFill>
+                  <a:schemeClr val="tx1"/>
+                </a:solidFill>
+              </a:rPr>
+              <a:t>: 5</a:t>
+            </a:r>
+            <a:endParaRPr lang="de-DE" sz="1100" dirty="0">
+              <a:solidFill>
+                <a:schemeClr val="tx1"/>
+              </a:solidFill>
+            </a:endParaRPr>
+          </a:p>
+        </p:txBody>
+      </p:sp>
+      <p:sp>
+        <p:nvSpPr>
+          <p:cNvPr id="39" name="Rechteck 38">
+            <a:extLst>
+              <a:ext uri="{FF2B5EF4-FFF2-40B4-BE49-F238E27FC236}">
+                <a16:creationId xmlns:a16="http://schemas.microsoft.com/office/drawing/2014/main" id="{9201EE11-2D3D-CB63-18E4-7D4812906E92}"/>
+              </a:ext>
+            </a:extLst>
+          </p:cNvPr>
+          <p:cNvSpPr/>
+          <p:nvPr/>
+        </p:nvSpPr>
+        <p:spPr>
+          <a:xfrm>
+            <a:off x="192090" y="5088214"/>
+            <a:ext cx="5745162" cy="323850"/>
+          </a:xfrm>
+          <a:prstGeom prst="rect">
+            <a:avLst/>
+          </a:prstGeom>
+          <a:solidFill>
+            <a:schemeClr val="bg1"/>
+          </a:solidFill>
+          <a:ln w="6350">
+            <a:solidFill>
+              <a:schemeClr val="tx2"/>
+            </a:solidFill>
+          </a:ln>
+        </p:spPr>
+        <p:style>
+          <a:lnRef idx="2">
+            <a:schemeClr val="accent1">
+              <a:shade val="15000"/>
+            </a:schemeClr>
+          </a:lnRef>
+          <a:fillRef idx="1">
+            <a:schemeClr val="accent1"/>
+          </a:fillRef>
+          <a:effectRef idx="0">
+            <a:schemeClr val="accent1"/>
+          </a:effectRef>
+          <a:fontRef idx="minor">
+            <a:schemeClr val="lt1"/>
+          </a:fontRef>
+        </p:style>
+        <p:txBody>
+          <a:bodyPr rtlCol="0" anchor="ctr"/>
+          <a:lstStyle/>
+          <a:p>
+            <a:pPr fontAlgn="auto">
+              <a:spcAft>
+                <a:spcPts val="0"/>
+              </a:spcAft>
+            </a:pPr>
+            <a:r>
+              <a:rPr lang="de-DE" sz="1600" b="1" dirty="0" err="1">
+                <a:solidFill>
+                  <a:schemeClr val="tx1"/>
+                </a:solidFill>
+              </a:rPr>
+              <a:t>Priority</a:t>
+            </a:r>
+            <a:r>
+              <a:rPr lang="de-DE" sz="1600" b="1" dirty="0">
+                <a:solidFill>
+                  <a:schemeClr val="tx1"/>
+                </a:solidFill>
+              </a:rPr>
+              <a:t>:</a:t>
+            </a:r>
+            <a:endParaRPr lang="de-DE" sz="1100" dirty="0">
+              <a:solidFill>
+                <a:schemeClr val="tx1"/>
+              </a:solidFill>
+            </a:endParaRPr>
+          </a:p>
+        </p:txBody>
+      </p:sp>
+      <p:sp>
+        <p:nvSpPr>
+          <p:cNvPr id="40" name="Rechteck 39">
+            <a:extLst>
+              <a:ext uri="{FF2B5EF4-FFF2-40B4-BE49-F238E27FC236}">
+                <a16:creationId xmlns:a16="http://schemas.microsoft.com/office/drawing/2014/main" id="{0316FB99-7A2E-CB39-7A1D-7F63DC6BCE64}"/>
+              </a:ext>
+            </a:extLst>
+          </p:cNvPr>
+          <p:cNvSpPr/>
+          <p:nvPr/>
+        </p:nvSpPr>
+        <p:spPr>
+          <a:xfrm>
+            <a:off x="6254751" y="5086351"/>
+            <a:ext cx="5745162" cy="323850"/>
+          </a:xfrm>
+          <a:prstGeom prst="rect">
+            <a:avLst/>
+          </a:prstGeom>
+          <a:solidFill>
+            <a:schemeClr val="bg1"/>
+          </a:solidFill>
+          <a:ln w="6350">
+            <a:solidFill>
+              <a:schemeClr val="tx2"/>
+            </a:solidFill>
+          </a:ln>
+        </p:spPr>
+        <p:style>
+          <a:lnRef idx="2">
+            <a:schemeClr val="accent1">
+              <a:shade val="15000"/>
+            </a:schemeClr>
+          </a:lnRef>
+          <a:fillRef idx="1">
+            <a:schemeClr val="accent1"/>
+          </a:fillRef>
+          <a:effectRef idx="0">
+            <a:schemeClr val="accent1"/>
+          </a:effectRef>
+          <a:fontRef idx="minor">
+            <a:schemeClr val="lt1"/>
+          </a:fontRef>
+        </p:style>
+        <p:txBody>
+          <a:bodyPr rtlCol="0" anchor="ctr"/>
+          <a:lstStyle/>
+          <a:p>
+            <a:r>
+              <a:rPr lang="de-DE" sz="1600" b="1" dirty="0" err="1">
+                <a:solidFill>
+                  <a:schemeClr val="tx1"/>
+                </a:solidFill>
+              </a:rPr>
+              <a:t>Conflicts</a:t>
+            </a:r>
+            <a:r>
+              <a:rPr lang="de-DE" sz="1600" b="1" dirty="0">
+                <a:solidFill>
+                  <a:schemeClr val="tx1"/>
+                </a:solidFill>
+              </a:rPr>
+              <a:t>:</a:t>
+            </a:r>
+            <a:endParaRPr lang="de-DE" sz="1100" dirty="0">
+              <a:solidFill>
+                <a:schemeClr val="tx1"/>
+              </a:solidFill>
+            </a:endParaRPr>
+          </a:p>
+        </p:txBody>
+      </p:sp>
+      <p:sp>
+        <p:nvSpPr>
+          <p:cNvPr id="41" name="Rechteck 40">
+            <a:extLst>
+              <a:ext uri="{FF2B5EF4-FFF2-40B4-BE49-F238E27FC236}">
+                <a16:creationId xmlns:a16="http://schemas.microsoft.com/office/drawing/2014/main" id="{60283704-3184-7A24-89B9-3C9E011BAFEF}"/>
+              </a:ext>
+            </a:extLst>
+          </p:cNvPr>
+          <p:cNvSpPr/>
+          <p:nvPr/>
+        </p:nvSpPr>
+        <p:spPr>
+          <a:xfrm>
+            <a:off x="192086" y="5550833"/>
+            <a:ext cx="5745162" cy="323850"/>
+          </a:xfrm>
+          <a:prstGeom prst="rect">
+            <a:avLst/>
+          </a:prstGeom>
+          <a:solidFill>
+            <a:schemeClr val="bg1"/>
+          </a:solidFill>
+          <a:ln w="6350">
+            <a:solidFill>
+              <a:schemeClr val="tx2"/>
+            </a:solidFill>
+          </a:ln>
+        </p:spPr>
+        <p:style>
+          <a:lnRef idx="2">
+            <a:schemeClr val="accent1">
+              <a:shade val="15000"/>
+            </a:schemeClr>
+          </a:lnRef>
+          <a:fillRef idx="1">
+            <a:schemeClr val="accent1"/>
+          </a:fillRef>
+          <a:effectRef idx="0">
+            <a:schemeClr val="accent1"/>
+          </a:effectRef>
+          <a:fontRef idx="minor">
+            <a:schemeClr val="lt1"/>
+          </a:fontRef>
+        </p:style>
+        <p:txBody>
+          <a:bodyPr rtlCol="0" anchor="ctr"/>
+          <a:lstStyle/>
+          <a:p>
+            <a:pPr fontAlgn="auto">
+              <a:spcAft>
+                <a:spcPts val="0"/>
+              </a:spcAft>
+            </a:pPr>
+            <a:r>
+              <a:rPr lang="de-DE" sz="1600" b="1" dirty="0" err="1">
+                <a:solidFill>
+                  <a:schemeClr val="tx1"/>
+                </a:solidFill>
+              </a:rPr>
+              <a:t>Supporting</a:t>
+            </a:r>
+            <a:r>
+              <a:rPr lang="de-DE" sz="1600" b="1" dirty="0">
+                <a:solidFill>
+                  <a:schemeClr val="tx1"/>
+                </a:solidFill>
+              </a:rPr>
+              <a:t> Materials:</a:t>
+            </a:r>
+            <a:endParaRPr lang="de-DE" sz="1100" dirty="0">
+              <a:solidFill>
+                <a:schemeClr val="tx1"/>
+              </a:solidFill>
+            </a:endParaRPr>
+          </a:p>
+        </p:txBody>
+      </p:sp>
+      <p:sp>
+        <p:nvSpPr>
+          <p:cNvPr id="42" name="Rechteck 41">
+            <a:extLst>
+              <a:ext uri="{FF2B5EF4-FFF2-40B4-BE49-F238E27FC236}">
+                <a16:creationId xmlns:a16="http://schemas.microsoft.com/office/drawing/2014/main" id="{E130BCB5-B097-92E4-F91B-53BC62BA00F3}"/>
+              </a:ext>
+            </a:extLst>
+          </p:cNvPr>
+          <p:cNvSpPr/>
+          <p:nvPr/>
+        </p:nvSpPr>
+        <p:spPr>
+          <a:xfrm>
+            <a:off x="192088" y="6013455"/>
+            <a:ext cx="5745162" cy="323850"/>
+          </a:xfrm>
+          <a:prstGeom prst="rect">
+            <a:avLst/>
+          </a:prstGeom>
+          <a:solidFill>
+            <a:schemeClr val="bg1"/>
+          </a:solidFill>
+          <a:ln w="6350">
+            <a:solidFill>
+              <a:schemeClr val="tx2"/>
+            </a:solidFill>
+          </a:ln>
+        </p:spPr>
+        <p:style>
+          <a:lnRef idx="2">
+            <a:schemeClr val="accent1">
+              <a:shade val="15000"/>
+            </a:schemeClr>
+          </a:lnRef>
+          <a:fillRef idx="1">
+            <a:schemeClr val="accent1"/>
+          </a:fillRef>
+          <a:effectRef idx="0">
+            <a:schemeClr val="accent1"/>
+          </a:effectRef>
+          <a:fontRef idx="minor">
+            <a:schemeClr val="lt1"/>
+          </a:fontRef>
+        </p:style>
+        <p:txBody>
+          <a:bodyPr rtlCol="0" anchor="ctr"/>
+          <a:lstStyle/>
+          <a:p>
+            <a:pPr fontAlgn="auto">
+              <a:spcAft>
+                <a:spcPts val="0"/>
+              </a:spcAft>
+            </a:pPr>
+            <a:r>
+              <a:rPr lang="de-DE" sz="1600" b="1" dirty="0" err="1">
+                <a:solidFill>
+                  <a:schemeClr val="tx1"/>
+                </a:solidFill>
+              </a:rPr>
+              <a:t>History</a:t>
+            </a:r>
+            <a:r>
+              <a:rPr lang="de-DE" sz="1600" b="1" dirty="0">
+                <a:solidFill>
+                  <a:schemeClr val="tx1"/>
+                </a:solidFill>
+              </a:rPr>
+              <a:t>:</a:t>
+            </a:r>
+            <a:r>
+              <a:rPr lang="de-DE" sz="1100" dirty="0">
+                <a:solidFill>
+                  <a:schemeClr val="tx1"/>
+                </a:solidFill>
+              </a:rPr>
+              <a:t>.</a:t>
+            </a:r>
+          </a:p>
+        </p:txBody>
+      </p:sp>
+    </p:spTree>
+    <p:extLst>
+      <p:ext uri="{BB962C8B-B14F-4D97-AF65-F5344CB8AC3E}">
+        <p14:creationId xmlns:p14="http://schemas.microsoft.com/office/powerpoint/2010/main" val="2896009243"/>
+      </p:ext>
+    </p:extLst>
+  </p:cSld>
+  <p:clrMapOvr>
+    <a:masterClrMapping/>
+  </p:clrMapOvr>
+</p:sld>
+</file>
+
+<file path=ppt/slides/slide6.xml><?xml version="1.0" encoding="utf-8"?>
+<p:sld xmlns:a="http://schemas.openxmlformats.org/drawingml/2006/main" xmlns:r="http://schemas.openxmlformats.org/officeDocument/2006/relationships" xmlns:p="http://schemas.openxmlformats.org/presentationml/2006/main">
+  <p:cSld>
+    <p:spTree>
+      <p:nvGrpSpPr>
+        <p:cNvPr id="1" name="">
+          <a:extLst>
+            <a:ext uri="{FF2B5EF4-FFF2-40B4-BE49-F238E27FC236}">
               <a16:creationId xmlns:a16="http://schemas.microsoft.com/office/drawing/2014/main" id="{1C15151D-EDAF-9401-F91E-7F352099FC99}"/>
             </a:ext>
           </a:extLst>
@@ -10793,7 +11951,7 @@
                   <a:schemeClr val="tx1"/>
                 </a:solidFill>
               </a:rPr>
-              <a:t>Requirement #: NFR-01</a:t>
+              <a:t>Requirement #: NR-01</a:t>
             </a:r>
           </a:p>
         </p:txBody>
@@ -10923,1421 +12081,1337 @@
           </a:p>
         </p:txBody>
       </p:sp>
-      <p:grpSp>
-        <p:nvGrpSpPr>
-          <p:cNvPr id="26" name="Gruppieren 25">
+      <p:sp>
+        <p:nvSpPr>
+          <p:cNvPr id="16" name="Rechteck 15">
             <a:extLst>
               <a:ext uri="{FF2B5EF4-FFF2-40B4-BE49-F238E27FC236}">
-                <a16:creationId xmlns:a16="http://schemas.microsoft.com/office/drawing/2014/main" id="{7C1A837D-EB9E-C5A4-EA10-2C2D0B78AFB2}"/>
+                <a16:creationId xmlns:a16="http://schemas.microsoft.com/office/drawing/2014/main" id="{CDCF8D9F-C00F-220D-1FE5-10B55DE47164}"/>
               </a:ext>
             </a:extLst>
           </p:cNvPr>
-          <p:cNvGrpSpPr/>
+          <p:cNvSpPr/>
           <p:nvPr/>
-        </p:nvGrpSpPr>
-        <p:grpSpPr>
+        </p:nvSpPr>
+        <p:spPr>
           <a:xfrm>
             <a:off x="192088" y="1370669"/>
-            <a:ext cx="11807823" cy="792000"/>
-            <a:chOff x="192088" y="1377950"/>
-            <a:chExt cx="11807823" cy="660400"/>
+            <a:ext cx="1375200" cy="324000"/>
           </a:xfrm>
-        </p:grpSpPr>
-        <p:sp>
-          <p:nvSpPr>
-            <p:cNvPr id="16" name="Rechteck 15">
-              <a:extLst>
-                <a:ext uri="{FF2B5EF4-FFF2-40B4-BE49-F238E27FC236}">
-                  <a16:creationId xmlns:a16="http://schemas.microsoft.com/office/drawing/2014/main" id="{CDCF8D9F-C00F-220D-1FE5-10B55DE47164}"/>
-                </a:ext>
-              </a:extLst>
-            </p:cNvPr>
-            <p:cNvSpPr/>
-            <p:nvPr/>
-          </p:nvSpPr>
-          <p:spPr>
-            <a:xfrm>
-              <a:off x="192088" y="1377950"/>
-              <a:ext cx="2392362" cy="270164"/>
-            </a:xfrm>
-            <a:prstGeom prst="rect">
-              <a:avLst/>
-            </a:prstGeom>
+          <a:prstGeom prst="rect">
+            <a:avLst/>
+          </a:prstGeom>
+          <a:solidFill>
+            <a:schemeClr val="bg1"/>
+          </a:solidFill>
+          <a:ln w="6350">
             <a:solidFill>
-              <a:schemeClr val="bg1"/>
+              <a:schemeClr val="tx2"/>
             </a:solidFill>
-            <a:ln w="6350">
-              <a:solidFill>
-                <a:schemeClr val="tx2"/>
-              </a:solidFill>
-            </a:ln>
-          </p:spPr>
-          <p:style>
-            <a:lnRef idx="2">
-              <a:schemeClr val="accent1">
-                <a:shade val="15000"/>
-              </a:schemeClr>
-            </a:lnRef>
-            <a:fillRef idx="1">
-              <a:schemeClr val="accent1"/>
-            </a:fillRef>
-            <a:effectRef idx="0">
-              <a:schemeClr val="accent1"/>
-            </a:effectRef>
-            <a:fontRef idx="minor">
-              <a:schemeClr val="lt1"/>
-            </a:fontRef>
-          </p:style>
-          <p:txBody>
-            <a:bodyPr rtlCol="0" anchor="ctr"/>
-            <a:lstStyle/>
-            <a:p>
-              <a:r>
-                <a:rPr lang="de-DE" sz="1600" b="1" dirty="0">
-                  <a:solidFill>
-                    <a:schemeClr val="tx1"/>
-                  </a:solidFill>
-                </a:rPr>
-                <a:t>Description:</a:t>
-              </a:r>
-            </a:p>
-          </p:txBody>
-        </p:sp>
-        <p:sp>
-          <p:nvSpPr>
-            <p:cNvPr id="23" name="Rechteck 22">
-              <a:extLst>
-                <a:ext uri="{FF2B5EF4-FFF2-40B4-BE49-F238E27FC236}">
-                  <a16:creationId xmlns:a16="http://schemas.microsoft.com/office/drawing/2014/main" id="{2C1286C7-C68F-5F16-0D9B-1DBA4D2E3D45}"/>
-                </a:ext>
-              </a:extLst>
-            </p:cNvPr>
-            <p:cNvSpPr/>
-            <p:nvPr/>
-          </p:nvSpPr>
-          <p:spPr>
-            <a:xfrm>
-              <a:off x="2651918" y="1377950"/>
-              <a:ext cx="9347993" cy="660400"/>
-            </a:xfrm>
-            <a:prstGeom prst="rect">
-              <a:avLst/>
-            </a:prstGeom>
-            <a:solidFill>
-              <a:schemeClr val="bg1"/>
-            </a:solidFill>
-            <a:ln w="6350">
-              <a:solidFill>
-                <a:schemeClr val="tx2"/>
-              </a:solidFill>
-            </a:ln>
-          </p:spPr>
-          <p:style>
-            <a:lnRef idx="2">
-              <a:schemeClr val="accent1">
-                <a:shade val="15000"/>
-              </a:schemeClr>
-            </a:lnRef>
-            <a:fillRef idx="1">
-              <a:schemeClr val="accent1"/>
-            </a:fillRef>
-            <a:effectRef idx="0">
-              <a:schemeClr val="accent1"/>
-            </a:effectRef>
-            <a:fontRef idx="minor">
-              <a:schemeClr val="lt1"/>
-            </a:fontRef>
-          </p:style>
-          <p:txBody>
-            <a:bodyPr rtlCol="0" anchor="ctr"/>
-            <a:lstStyle/>
-            <a:p>
-              <a:r>
-                <a:rPr lang="en-US" sz="1100" dirty="0">
-                  <a:solidFill>
-                    <a:schemeClr val="tx1"/>
-                  </a:solidFill>
-                </a:rPr>
-                <a:t>Das System </a:t>
-              </a:r>
-              <a:r>
-                <a:rPr lang="en-US" sz="1100" dirty="0" err="1">
-                  <a:solidFill>
-                    <a:schemeClr val="tx1"/>
-                  </a:solidFill>
-                </a:rPr>
-                <a:t>soll</a:t>
-              </a:r>
-              <a:r>
-                <a:rPr lang="en-US" sz="1100" dirty="0">
-                  <a:solidFill>
-                    <a:schemeClr val="tx1"/>
-                  </a:solidFill>
-                </a:rPr>
-                <a:t> </a:t>
-              </a:r>
-              <a:r>
-                <a:rPr lang="en-US" sz="1100" dirty="0" err="1">
-                  <a:solidFill>
-                    <a:schemeClr val="tx1"/>
-                  </a:solidFill>
-                </a:rPr>
-                <a:t>eine</a:t>
-              </a:r>
-              <a:r>
-                <a:rPr lang="en-US" sz="1100" dirty="0">
-                  <a:solidFill>
-                    <a:schemeClr val="tx1"/>
-                  </a:solidFill>
-                </a:rPr>
-                <a:t> </a:t>
-              </a:r>
-              <a:r>
-                <a:rPr lang="en-US" sz="1100" dirty="0" err="1">
-                  <a:solidFill>
-                    <a:schemeClr val="tx1"/>
-                  </a:solidFill>
-                </a:rPr>
-                <a:t>barrierearme</a:t>
-              </a:r>
-              <a:r>
-                <a:rPr lang="en-US" sz="1100" dirty="0">
-                  <a:solidFill>
-                    <a:schemeClr val="tx1"/>
-                  </a:solidFill>
-                </a:rPr>
-                <a:t> </a:t>
-              </a:r>
-              <a:r>
-                <a:rPr lang="en-US" sz="1100" dirty="0" err="1">
-                  <a:solidFill>
-                    <a:schemeClr val="tx1"/>
-                  </a:solidFill>
-                </a:rPr>
-                <a:t>Benutzeroberfläche</a:t>
-              </a:r>
-              <a:r>
-                <a:rPr lang="en-US" sz="1100" dirty="0">
-                  <a:solidFill>
-                    <a:schemeClr val="tx1"/>
-                  </a:solidFill>
-                </a:rPr>
-                <a:t> </a:t>
-              </a:r>
-              <a:r>
-                <a:rPr lang="en-US" sz="1100" dirty="0" err="1">
-                  <a:solidFill>
-                    <a:schemeClr val="tx1"/>
-                  </a:solidFill>
-                </a:rPr>
-                <a:t>bereitstellen</a:t>
-              </a:r>
-              <a:r>
-                <a:rPr lang="en-US" sz="1100" dirty="0">
-                  <a:solidFill>
-                    <a:schemeClr val="tx1"/>
-                  </a:solidFill>
-                </a:rPr>
-                <a:t>- </a:t>
-              </a:r>
-              <a:r>
-                <a:rPr lang="en-US" sz="1100" dirty="0" err="1">
-                  <a:solidFill>
-                    <a:schemeClr val="tx1"/>
-                  </a:solidFill>
-                </a:rPr>
-                <a:t>Diese</a:t>
-              </a:r>
-              <a:r>
-                <a:rPr lang="en-US" sz="1100" dirty="0">
-                  <a:solidFill>
-                    <a:schemeClr val="tx1"/>
-                  </a:solidFill>
-                </a:rPr>
-                <a:t> </a:t>
-              </a:r>
-              <a:r>
-                <a:rPr lang="en-US" sz="1100" dirty="0" err="1">
-                  <a:solidFill>
-                    <a:schemeClr val="tx1"/>
-                  </a:solidFill>
-                </a:rPr>
-                <a:t>soll</a:t>
-              </a:r>
-              <a:r>
-                <a:rPr lang="en-US" sz="1100" dirty="0">
-                  <a:solidFill>
-                    <a:schemeClr val="tx1"/>
-                  </a:solidFill>
-                </a:rPr>
-                <a:t> </a:t>
-              </a:r>
-              <a:r>
-                <a:rPr lang="en-US" sz="1100" dirty="0" err="1">
-                  <a:solidFill>
-                    <a:schemeClr val="tx1"/>
-                  </a:solidFill>
-                </a:rPr>
-                <a:t>ohne</a:t>
-              </a:r>
-              <a:r>
-                <a:rPr lang="en-US" sz="1100" dirty="0">
-                  <a:solidFill>
-                    <a:schemeClr val="tx1"/>
-                  </a:solidFill>
-                </a:rPr>
-                <a:t> </a:t>
-              </a:r>
-              <a:r>
-                <a:rPr lang="en-US" sz="1100" dirty="0" err="1">
-                  <a:solidFill>
-                    <a:schemeClr val="tx1"/>
-                  </a:solidFill>
-                </a:rPr>
-                <a:t>technische</a:t>
-              </a:r>
-              <a:r>
-                <a:rPr lang="en-US" sz="1100" dirty="0">
-                  <a:solidFill>
-                    <a:schemeClr val="tx1"/>
-                  </a:solidFill>
-                </a:rPr>
-                <a:t> </a:t>
-              </a:r>
-              <a:r>
-                <a:rPr lang="en-US" sz="1100" dirty="0" err="1">
-                  <a:solidFill>
-                    <a:schemeClr val="tx1"/>
-                  </a:solidFill>
-                </a:rPr>
-                <a:t>Vorkenntnisse</a:t>
-              </a:r>
-              <a:r>
-                <a:rPr lang="en-US" sz="1100" dirty="0">
-                  <a:solidFill>
-                    <a:schemeClr val="tx1"/>
-                  </a:solidFill>
-                </a:rPr>
-                <a:t> </a:t>
-              </a:r>
-              <a:r>
-                <a:rPr lang="en-US" sz="1100" dirty="0" err="1">
-                  <a:solidFill>
-                    <a:schemeClr val="tx1"/>
-                  </a:solidFill>
-                </a:rPr>
-                <a:t>bedienbar</a:t>
-              </a:r>
-              <a:r>
-                <a:rPr lang="en-US" sz="1100" dirty="0">
-                  <a:solidFill>
-                    <a:schemeClr val="tx1"/>
-                  </a:solidFill>
-                </a:rPr>
-                <a:t> sein. </a:t>
-              </a:r>
-              <a:r>
-                <a:rPr lang="en-US" sz="1100" dirty="0" err="1">
-                  <a:solidFill>
-                    <a:schemeClr val="tx1"/>
-                  </a:solidFill>
-                </a:rPr>
-                <a:t>Nutzer</a:t>
-              </a:r>
-              <a:r>
-                <a:rPr lang="en-US" sz="1100" dirty="0">
-                  <a:solidFill>
-                    <a:schemeClr val="tx1"/>
-                  </a:solidFill>
-                </a:rPr>
-                <a:t>*</a:t>
-              </a:r>
-              <a:r>
-                <a:rPr lang="en-US" sz="1100" dirty="0" err="1">
-                  <a:solidFill>
-                    <a:schemeClr val="tx1"/>
-                  </a:solidFill>
-                </a:rPr>
-                <a:t>innen</a:t>
-              </a:r>
-              <a:r>
-                <a:rPr lang="en-US" sz="1100" dirty="0">
-                  <a:solidFill>
-                    <a:schemeClr val="tx1"/>
-                  </a:solidFill>
-                </a:rPr>
-                <a:t> </a:t>
-              </a:r>
-              <a:r>
-                <a:rPr lang="en-US" sz="1100" dirty="0" err="1">
-                  <a:solidFill>
-                    <a:schemeClr val="tx1"/>
-                  </a:solidFill>
-                </a:rPr>
-                <a:t>sollen</a:t>
-              </a:r>
-              <a:r>
-                <a:rPr lang="en-US" sz="1100" dirty="0">
-                  <a:solidFill>
-                    <a:schemeClr val="tx1"/>
-                  </a:solidFill>
-                </a:rPr>
-                <a:t> </a:t>
-              </a:r>
-              <a:r>
-                <a:rPr lang="en-US" sz="1100" dirty="0" err="1">
-                  <a:solidFill>
-                    <a:schemeClr val="tx1"/>
-                  </a:solidFill>
-                </a:rPr>
-                <a:t>Funktionen</a:t>
-              </a:r>
-              <a:r>
-                <a:rPr lang="en-US" sz="1100" dirty="0">
-                  <a:solidFill>
-                    <a:schemeClr val="tx1"/>
-                  </a:solidFill>
-                </a:rPr>
-                <a:t> </a:t>
-              </a:r>
-              <a:r>
-                <a:rPr lang="en-US" sz="1100" dirty="0" err="1">
-                  <a:solidFill>
-                    <a:schemeClr val="tx1"/>
-                  </a:solidFill>
-                </a:rPr>
-                <a:t>wie</a:t>
-              </a:r>
-              <a:r>
-                <a:rPr lang="en-US" sz="1100" dirty="0">
-                  <a:solidFill>
-                    <a:schemeClr val="tx1"/>
-                  </a:solidFill>
-                </a:rPr>
-                <a:t> </a:t>
-              </a:r>
-              <a:r>
-                <a:rPr lang="en-US" sz="1100" dirty="0" err="1">
-                  <a:solidFill>
-                    <a:schemeClr val="tx1"/>
-                  </a:solidFill>
-                </a:rPr>
-                <a:t>Datenerfassung</a:t>
-              </a:r>
-              <a:r>
-                <a:rPr lang="en-US" sz="1100" dirty="0">
-                  <a:solidFill>
-                    <a:schemeClr val="tx1"/>
-                  </a:solidFill>
-                </a:rPr>
-                <a:t>, </a:t>
-              </a:r>
-              <a:r>
-                <a:rPr lang="en-US" sz="1100" dirty="0" err="1">
-                  <a:solidFill>
-                    <a:schemeClr val="tx1"/>
-                  </a:solidFill>
-                </a:rPr>
-                <a:t>Bearbeitung</a:t>
-              </a:r>
-              <a:r>
-                <a:rPr lang="en-US" sz="1100" dirty="0">
-                  <a:solidFill>
-                    <a:schemeClr val="tx1"/>
-                  </a:solidFill>
-                </a:rPr>
-                <a:t> und </a:t>
-              </a:r>
-              <a:r>
-                <a:rPr lang="en-US" sz="1100" dirty="0" err="1">
-                  <a:solidFill>
-                    <a:schemeClr val="tx1"/>
-                  </a:solidFill>
-                </a:rPr>
-                <a:t>Statistikausgabe</a:t>
-              </a:r>
-              <a:r>
-                <a:rPr lang="en-US" sz="1100" dirty="0">
-                  <a:solidFill>
-                    <a:schemeClr val="tx1"/>
-                  </a:solidFill>
-                </a:rPr>
-                <a:t> Leicht verstehen </a:t>
-              </a:r>
-              <a:r>
-                <a:rPr lang="en-US" sz="1100" dirty="0" err="1">
-                  <a:solidFill>
-                    <a:schemeClr val="tx1"/>
-                  </a:solidFill>
-                </a:rPr>
-                <a:t>können</a:t>
-              </a:r>
-              <a:r>
-                <a:rPr lang="en-US" sz="1100" dirty="0">
-                  <a:solidFill>
-                    <a:schemeClr val="tx1"/>
-                  </a:solidFill>
-                </a:rPr>
-                <a:t>. </a:t>
-              </a:r>
-            </a:p>
-          </p:txBody>
-        </p:sp>
-      </p:grpSp>
-      <p:grpSp>
-        <p:nvGrpSpPr>
-          <p:cNvPr id="28" name="Gruppieren 27">
+          </a:ln>
+        </p:spPr>
+        <p:style>
+          <a:lnRef idx="2">
+            <a:schemeClr val="accent1">
+              <a:shade val="15000"/>
+            </a:schemeClr>
+          </a:lnRef>
+          <a:fillRef idx="1">
+            <a:schemeClr val="accent1"/>
+          </a:fillRef>
+          <a:effectRef idx="0">
+            <a:schemeClr val="accent1"/>
+          </a:effectRef>
+          <a:fontRef idx="minor">
+            <a:schemeClr val="lt1"/>
+          </a:fontRef>
+        </p:style>
+        <p:txBody>
+          <a:bodyPr rtlCol="0" anchor="ctr"/>
+          <a:lstStyle/>
+          <a:p>
+            <a:r>
+              <a:rPr lang="de-DE" sz="1600" b="1" dirty="0">
+                <a:solidFill>
+                  <a:schemeClr val="tx1"/>
+                </a:solidFill>
+              </a:rPr>
+              <a:t>Description:</a:t>
+            </a:r>
+          </a:p>
+        </p:txBody>
+      </p:sp>
+      <p:sp>
+        <p:nvSpPr>
+          <p:cNvPr id="23" name="Rechteck 22">
             <a:extLst>
               <a:ext uri="{FF2B5EF4-FFF2-40B4-BE49-F238E27FC236}">
-                <a16:creationId xmlns:a16="http://schemas.microsoft.com/office/drawing/2014/main" id="{50134241-EF9D-70A4-3626-D8FC9E43A41B}"/>
+                <a16:creationId xmlns:a16="http://schemas.microsoft.com/office/drawing/2014/main" id="{2C1286C7-C68F-5F16-0D9B-1DBA4D2E3D45}"/>
               </a:ext>
             </a:extLst>
           </p:cNvPr>
-          <p:cNvGrpSpPr/>
+          <p:cNvSpPr/>
           <p:nvPr/>
-        </p:nvGrpSpPr>
-        <p:grpSpPr>
+        </p:nvSpPr>
+        <p:spPr>
           <a:xfrm>
-            <a:off x="192090" y="2301438"/>
-            <a:ext cx="11807823" cy="792000"/>
-            <a:chOff x="192088" y="1377950"/>
-            <a:chExt cx="11807823" cy="792000"/>
+            <a:off x="1903446" y="1370669"/>
+            <a:ext cx="10098000" cy="792000"/>
           </a:xfrm>
-        </p:grpSpPr>
-        <p:sp>
-          <p:nvSpPr>
-            <p:cNvPr id="29" name="Rechteck 28">
-              <a:extLst>
-                <a:ext uri="{FF2B5EF4-FFF2-40B4-BE49-F238E27FC236}">
-                  <a16:creationId xmlns:a16="http://schemas.microsoft.com/office/drawing/2014/main" id="{5210C88F-9D7A-4519-D08F-BC808ADF718C}"/>
-                </a:ext>
-              </a:extLst>
-            </p:cNvPr>
-            <p:cNvSpPr/>
-            <p:nvPr/>
-          </p:nvSpPr>
-          <p:spPr>
-            <a:xfrm>
-              <a:off x="192088" y="1377950"/>
-              <a:ext cx="2392362" cy="323850"/>
-            </a:xfrm>
-            <a:prstGeom prst="rect">
-              <a:avLst/>
-            </a:prstGeom>
+          <a:prstGeom prst="rect">
+            <a:avLst/>
+          </a:prstGeom>
+          <a:solidFill>
+            <a:schemeClr val="bg1"/>
+          </a:solidFill>
+          <a:ln w="6350">
             <a:solidFill>
-              <a:schemeClr val="bg1"/>
+              <a:schemeClr val="tx2"/>
             </a:solidFill>
-            <a:ln w="6350">
-              <a:solidFill>
-                <a:schemeClr val="tx2"/>
-              </a:solidFill>
-            </a:ln>
-          </p:spPr>
-          <p:style>
-            <a:lnRef idx="2">
-              <a:schemeClr val="accent1">
-                <a:shade val="15000"/>
-              </a:schemeClr>
-            </a:lnRef>
-            <a:fillRef idx="1">
-              <a:schemeClr val="accent1"/>
-            </a:fillRef>
-            <a:effectRef idx="0">
-              <a:schemeClr val="accent1"/>
-            </a:effectRef>
-            <a:fontRef idx="minor">
-              <a:schemeClr val="lt1"/>
-            </a:fontRef>
-          </p:style>
-          <p:txBody>
-            <a:bodyPr rtlCol="0" anchor="ctr"/>
-            <a:lstStyle/>
-            <a:p>
-              <a:r>
-                <a:rPr lang="de-DE" sz="1600" b="1" dirty="0">
-                  <a:solidFill>
-                    <a:schemeClr val="tx1"/>
-                  </a:solidFill>
-                </a:rPr>
-                <a:t>Rationale:</a:t>
-              </a:r>
-            </a:p>
-          </p:txBody>
-        </p:sp>
-        <p:sp>
-          <p:nvSpPr>
-            <p:cNvPr id="30" name="Rechteck 29">
-              <a:extLst>
-                <a:ext uri="{FF2B5EF4-FFF2-40B4-BE49-F238E27FC236}">
-                  <a16:creationId xmlns:a16="http://schemas.microsoft.com/office/drawing/2014/main" id="{6D0FFC1E-8967-7C12-A88E-CE3F989EE207}"/>
-                </a:ext>
-              </a:extLst>
-            </p:cNvPr>
-            <p:cNvSpPr/>
-            <p:nvPr/>
-          </p:nvSpPr>
-          <p:spPr>
-            <a:xfrm>
-              <a:off x="2651918" y="1377950"/>
-              <a:ext cx="9347993" cy="792000"/>
-            </a:xfrm>
-            <a:prstGeom prst="rect">
-              <a:avLst/>
-            </a:prstGeom>
-            <a:solidFill>
-              <a:schemeClr val="bg1"/>
-            </a:solidFill>
-            <a:ln w="6350">
-              <a:solidFill>
-                <a:schemeClr val="tx2"/>
-              </a:solidFill>
-            </a:ln>
-          </p:spPr>
-          <p:style>
-            <a:lnRef idx="2">
-              <a:schemeClr val="accent1">
-                <a:shade val="15000"/>
-              </a:schemeClr>
-            </a:lnRef>
-            <a:fillRef idx="1">
-              <a:schemeClr val="accent1"/>
-            </a:fillRef>
-            <a:effectRef idx="0">
-              <a:schemeClr val="accent1"/>
-            </a:effectRef>
-            <a:fontRef idx="minor">
-              <a:schemeClr val="lt1"/>
-            </a:fontRef>
-          </p:style>
-          <p:txBody>
-            <a:bodyPr rtlCol="0" anchor="ctr"/>
-            <a:lstStyle/>
-            <a:p>
-              <a:r>
-                <a:rPr lang="en-US" sz="1100" dirty="0">
-                  <a:solidFill>
-                    <a:schemeClr val="tx1"/>
-                  </a:solidFill>
-                </a:rPr>
-                <a:t>Eine </a:t>
-              </a:r>
-              <a:r>
-                <a:rPr lang="en-US" sz="1100" dirty="0" err="1">
-                  <a:solidFill>
-                    <a:schemeClr val="tx1"/>
-                  </a:solidFill>
-                </a:rPr>
-                <a:t>einfache</a:t>
-              </a:r>
-              <a:r>
-                <a:rPr lang="en-US" sz="1100" dirty="0">
-                  <a:solidFill>
-                    <a:schemeClr val="tx1"/>
-                  </a:solidFill>
-                </a:rPr>
-                <a:t> </a:t>
-              </a:r>
-              <a:r>
-                <a:rPr lang="en-US" sz="1100" dirty="0" err="1">
-                  <a:solidFill>
-                    <a:schemeClr val="tx1"/>
-                  </a:solidFill>
-                </a:rPr>
-                <a:t>Bedienung</a:t>
-              </a:r>
-              <a:r>
-                <a:rPr lang="en-US" sz="1100" dirty="0">
-                  <a:solidFill>
-                    <a:schemeClr val="tx1"/>
-                  </a:solidFill>
-                </a:rPr>
-                <a:t> </a:t>
-              </a:r>
-              <a:r>
-                <a:rPr lang="en-US" sz="1100" dirty="0" err="1">
-                  <a:solidFill>
-                    <a:schemeClr val="tx1"/>
-                  </a:solidFill>
-                </a:rPr>
-                <a:t>ist</a:t>
-              </a:r>
-              <a:r>
-                <a:rPr lang="en-US" sz="1100" dirty="0">
-                  <a:solidFill>
-                    <a:schemeClr val="tx1"/>
-                  </a:solidFill>
-                </a:rPr>
-                <a:t> </a:t>
-              </a:r>
-              <a:r>
-                <a:rPr lang="en-US" sz="1100" dirty="0" err="1">
-                  <a:solidFill>
-                    <a:schemeClr val="tx1"/>
-                  </a:solidFill>
-                </a:rPr>
-                <a:t>entscheidend</a:t>
-              </a:r>
-              <a:r>
-                <a:rPr lang="en-US" sz="1100" dirty="0">
-                  <a:solidFill>
-                    <a:schemeClr val="tx1"/>
-                  </a:solidFill>
-                </a:rPr>
-                <a:t>, um </a:t>
-              </a:r>
-              <a:r>
-                <a:rPr lang="en-US" sz="1100" dirty="0" err="1">
-                  <a:solidFill>
-                    <a:schemeClr val="tx1"/>
-                  </a:solidFill>
-                </a:rPr>
-                <a:t>fehlerfreie</a:t>
-              </a:r>
-              <a:r>
-                <a:rPr lang="en-US" sz="1100" dirty="0">
-                  <a:solidFill>
-                    <a:schemeClr val="tx1"/>
-                  </a:solidFill>
-                </a:rPr>
-                <a:t> </a:t>
-              </a:r>
-              <a:r>
-                <a:rPr lang="en-US" sz="1100" dirty="0" err="1">
-                  <a:solidFill>
-                    <a:schemeClr val="tx1"/>
-                  </a:solidFill>
-                </a:rPr>
-                <a:t>Nutzung</a:t>
-              </a:r>
-              <a:r>
-                <a:rPr lang="en-US" sz="1100" dirty="0">
-                  <a:solidFill>
-                    <a:schemeClr val="tx1"/>
-                  </a:solidFill>
-                </a:rPr>
-                <a:t> </a:t>
-              </a:r>
-              <a:r>
-                <a:rPr lang="en-US" sz="1100" dirty="0" err="1">
-                  <a:solidFill>
-                    <a:schemeClr val="tx1"/>
-                  </a:solidFill>
-                </a:rPr>
-                <a:t>zu</a:t>
-              </a:r>
-              <a:r>
-                <a:rPr lang="en-US" sz="1100" dirty="0">
-                  <a:solidFill>
-                    <a:schemeClr val="tx1"/>
-                  </a:solidFill>
-                </a:rPr>
-                <a:t> </a:t>
-              </a:r>
-              <a:r>
-                <a:rPr lang="en-US" sz="1100" dirty="0" err="1">
-                  <a:solidFill>
-                    <a:schemeClr val="tx1"/>
-                  </a:solidFill>
-                </a:rPr>
-                <a:t>gewährleisten</a:t>
-              </a:r>
-              <a:r>
-                <a:rPr lang="en-US" sz="1100" dirty="0">
-                  <a:solidFill>
-                    <a:schemeClr val="tx1"/>
-                  </a:solidFill>
-                </a:rPr>
-                <a:t>. </a:t>
-              </a:r>
-            </a:p>
-          </p:txBody>
-        </p:sp>
-      </p:grpSp>
-      <p:grpSp>
-        <p:nvGrpSpPr>
-          <p:cNvPr id="31" name="Gruppieren 30">
+          </a:ln>
+        </p:spPr>
+        <p:style>
+          <a:lnRef idx="2">
+            <a:schemeClr val="accent1">
+              <a:shade val="15000"/>
+            </a:schemeClr>
+          </a:lnRef>
+          <a:fillRef idx="1">
+            <a:schemeClr val="accent1"/>
+          </a:fillRef>
+          <a:effectRef idx="0">
+            <a:schemeClr val="accent1"/>
+          </a:effectRef>
+          <a:fontRef idx="minor">
+            <a:schemeClr val="lt1"/>
+          </a:fontRef>
+        </p:style>
+        <p:txBody>
+          <a:bodyPr rtlCol="0" anchor="ctr"/>
+          <a:lstStyle/>
+          <a:p>
+            <a:r>
+              <a:rPr lang="en-US" sz="1100" dirty="0">
+                <a:solidFill>
+                  <a:schemeClr val="tx1"/>
+                </a:solidFill>
+              </a:rPr>
+              <a:t>Das System </a:t>
+            </a:r>
+            <a:r>
+              <a:rPr lang="en-US" sz="1100" dirty="0" err="1">
+                <a:solidFill>
+                  <a:schemeClr val="tx1"/>
+                </a:solidFill>
+              </a:rPr>
+              <a:t>soll</a:t>
+            </a:r>
+            <a:r>
+              <a:rPr lang="en-US" sz="1100" dirty="0">
+                <a:solidFill>
+                  <a:schemeClr val="tx1"/>
+                </a:solidFill>
+              </a:rPr>
+              <a:t> </a:t>
+            </a:r>
+            <a:r>
+              <a:rPr lang="en-US" sz="1100" dirty="0" err="1">
+                <a:solidFill>
+                  <a:schemeClr val="tx1"/>
+                </a:solidFill>
+              </a:rPr>
+              <a:t>eine</a:t>
+            </a:r>
+            <a:r>
+              <a:rPr lang="en-US" sz="1100" dirty="0">
+                <a:solidFill>
+                  <a:schemeClr val="tx1"/>
+                </a:solidFill>
+              </a:rPr>
+              <a:t> </a:t>
+            </a:r>
+            <a:r>
+              <a:rPr lang="en-US" sz="1100" dirty="0" err="1">
+                <a:solidFill>
+                  <a:schemeClr val="tx1"/>
+                </a:solidFill>
+              </a:rPr>
+              <a:t>barrierearme</a:t>
+            </a:r>
+            <a:r>
+              <a:rPr lang="en-US" sz="1100" dirty="0">
+                <a:solidFill>
+                  <a:schemeClr val="tx1"/>
+                </a:solidFill>
+              </a:rPr>
+              <a:t> </a:t>
+            </a:r>
+            <a:r>
+              <a:rPr lang="en-US" sz="1100" dirty="0" err="1">
+                <a:solidFill>
+                  <a:schemeClr val="tx1"/>
+                </a:solidFill>
+              </a:rPr>
+              <a:t>Benutzeroberfläche</a:t>
+            </a:r>
+            <a:r>
+              <a:rPr lang="en-US" sz="1100" dirty="0">
+                <a:solidFill>
+                  <a:schemeClr val="tx1"/>
+                </a:solidFill>
+              </a:rPr>
+              <a:t> </a:t>
+            </a:r>
+            <a:r>
+              <a:rPr lang="en-US" sz="1100" dirty="0" err="1">
+                <a:solidFill>
+                  <a:schemeClr val="tx1"/>
+                </a:solidFill>
+              </a:rPr>
+              <a:t>bereitstellen</a:t>
+            </a:r>
+            <a:r>
+              <a:rPr lang="en-US" sz="1100" dirty="0">
+                <a:solidFill>
+                  <a:schemeClr val="tx1"/>
+                </a:solidFill>
+              </a:rPr>
+              <a:t>- </a:t>
+            </a:r>
+            <a:r>
+              <a:rPr lang="en-US" sz="1100" dirty="0" err="1">
+                <a:solidFill>
+                  <a:schemeClr val="tx1"/>
+                </a:solidFill>
+              </a:rPr>
+              <a:t>Diese</a:t>
+            </a:r>
+            <a:r>
+              <a:rPr lang="en-US" sz="1100" dirty="0">
+                <a:solidFill>
+                  <a:schemeClr val="tx1"/>
+                </a:solidFill>
+              </a:rPr>
+              <a:t> </a:t>
+            </a:r>
+            <a:r>
+              <a:rPr lang="en-US" sz="1100" dirty="0" err="1">
+                <a:solidFill>
+                  <a:schemeClr val="tx1"/>
+                </a:solidFill>
+              </a:rPr>
+              <a:t>soll</a:t>
+            </a:r>
+            <a:r>
+              <a:rPr lang="en-US" sz="1100" dirty="0">
+                <a:solidFill>
+                  <a:schemeClr val="tx1"/>
+                </a:solidFill>
+              </a:rPr>
+              <a:t> </a:t>
+            </a:r>
+            <a:r>
+              <a:rPr lang="en-US" sz="1100" dirty="0" err="1">
+                <a:solidFill>
+                  <a:schemeClr val="tx1"/>
+                </a:solidFill>
+              </a:rPr>
+              <a:t>ohne</a:t>
+            </a:r>
+            <a:r>
+              <a:rPr lang="en-US" sz="1100" dirty="0">
+                <a:solidFill>
+                  <a:schemeClr val="tx1"/>
+                </a:solidFill>
+              </a:rPr>
+              <a:t> </a:t>
+            </a:r>
+            <a:r>
+              <a:rPr lang="en-US" sz="1100" dirty="0" err="1">
+                <a:solidFill>
+                  <a:schemeClr val="tx1"/>
+                </a:solidFill>
+              </a:rPr>
+              <a:t>technische</a:t>
+            </a:r>
+            <a:r>
+              <a:rPr lang="en-US" sz="1100" dirty="0">
+                <a:solidFill>
+                  <a:schemeClr val="tx1"/>
+                </a:solidFill>
+              </a:rPr>
+              <a:t> </a:t>
+            </a:r>
+            <a:r>
+              <a:rPr lang="en-US" sz="1100" dirty="0" err="1">
+                <a:solidFill>
+                  <a:schemeClr val="tx1"/>
+                </a:solidFill>
+              </a:rPr>
+              <a:t>Vorkenntnisse</a:t>
+            </a:r>
+            <a:r>
+              <a:rPr lang="en-US" sz="1100" dirty="0">
+                <a:solidFill>
+                  <a:schemeClr val="tx1"/>
+                </a:solidFill>
+              </a:rPr>
+              <a:t> </a:t>
+            </a:r>
+            <a:r>
+              <a:rPr lang="en-US" sz="1100" dirty="0" err="1">
+                <a:solidFill>
+                  <a:schemeClr val="tx1"/>
+                </a:solidFill>
+              </a:rPr>
+              <a:t>bedienbar</a:t>
+            </a:r>
+            <a:r>
+              <a:rPr lang="en-US" sz="1100" dirty="0">
+                <a:solidFill>
+                  <a:schemeClr val="tx1"/>
+                </a:solidFill>
+              </a:rPr>
+              <a:t> sein. </a:t>
+            </a:r>
+            <a:r>
+              <a:rPr lang="en-US" sz="1100" dirty="0" err="1">
+                <a:solidFill>
+                  <a:schemeClr val="tx1"/>
+                </a:solidFill>
+              </a:rPr>
+              <a:t>Nutzer</a:t>
+            </a:r>
+            <a:r>
+              <a:rPr lang="en-US" sz="1100" dirty="0">
+                <a:solidFill>
+                  <a:schemeClr val="tx1"/>
+                </a:solidFill>
+              </a:rPr>
+              <a:t>*</a:t>
+            </a:r>
+            <a:r>
+              <a:rPr lang="en-US" sz="1100" dirty="0" err="1">
+                <a:solidFill>
+                  <a:schemeClr val="tx1"/>
+                </a:solidFill>
+              </a:rPr>
+              <a:t>innen</a:t>
+            </a:r>
+            <a:r>
+              <a:rPr lang="en-US" sz="1100" dirty="0">
+                <a:solidFill>
+                  <a:schemeClr val="tx1"/>
+                </a:solidFill>
+              </a:rPr>
+              <a:t> </a:t>
+            </a:r>
+            <a:r>
+              <a:rPr lang="en-US" sz="1100" dirty="0" err="1">
+                <a:solidFill>
+                  <a:schemeClr val="tx1"/>
+                </a:solidFill>
+              </a:rPr>
+              <a:t>sollen</a:t>
+            </a:r>
+            <a:r>
+              <a:rPr lang="en-US" sz="1100" dirty="0">
+                <a:solidFill>
+                  <a:schemeClr val="tx1"/>
+                </a:solidFill>
+              </a:rPr>
+              <a:t> </a:t>
+            </a:r>
+            <a:r>
+              <a:rPr lang="en-US" sz="1100" dirty="0" err="1">
+                <a:solidFill>
+                  <a:schemeClr val="tx1"/>
+                </a:solidFill>
+              </a:rPr>
+              <a:t>Funktionen</a:t>
+            </a:r>
+            <a:r>
+              <a:rPr lang="en-US" sz="1100" dirty="0">
+                <a:solidFill>
+                  <a:schemeClr val="tx1"/>
+                </a:solidFill>
+              </a:rPr>
+              <a:t> </a:t>
+            </a:r>
+            <a:r>
+              <a:rPr lang="en-US" sz="1100" dirty="0" err="1">
+                <a:solidFill>
+                  <a:schemeClr val="tx1"/>
+                </a:solidFill>
+              </a:rPr>
+              <a:t>wie</a:t>
+            </a:r>
+            <a:r>
+              <a:rPr lang="en-US" sz="1100" dirty="0">
+                <a:solidFill>
+                  <a:schemeClr val="tx1"/>
+                </a:solidFill>
+              </a:rPr>
+              <a:t> </a:t>
+            </a:r>
+            <a:r>
+              <a:rPr lang="en-US" sz="1100" dirty="0" err="1">
+                <a:solidFill>
+                  <a:schemeClr val="tx1"/>
+                </a:solidFill>
+              </a:rPr>
+              <a:t>Datenerfassung</a:t>
+            </a:r>
+            <a:r>
+              <a:rPr lang="en-US" sz="1100" dirty="0">
+                <a:solidFill>
+                  <a:schemeClr val="tx1"/>
+                </a:solidFill>
+              </a:rPr>
+              <a:t>, </a:t>
+            </a:r>
+            <a:r>
+              <a:rPr lang="en-US" sz="1100" dirty="0" err="1">
+                <a:solidFill>
+                  <a:schemeClr val="tx1"/>
+                </a:solidFill>
+              </a:rPr>
+              <a:t>Bearbeitung</a:t>
+            </a:r>
+            <a:r>
+              <a:rPr lang="en-US" sz="1100" dirty="0">
+                <a:solidFill>
+                  <a:schemeClr val="tx1"/>
+                </a:solidFill>
+              </a:rPr>
+              <a:t> und </a:t>
+            </a:r>
+            <a:r>
+              <a:rPr lang="en-US" sz="1100" dirty="0" err="1">
+                <a:solidFill>
+                  <a:schemeClr val="tx1"/>
+                </a:solidFill>
+              </a:rPr>
+              <a:t>Statistikausgabe</a:t>
+            </a:r>
+            <a:r>
+              <a:rPr lang="en-US" sz="1100" dirty="0">
+                <a:solidFill>
+                  <a:schemeClr val="tx1"/>
+                </a:solidFill>
+              </a:rPr>
+              <a:t> Leicht verstehen </a:t>
+            </a:r>
+            <a:r>
+              <a:rPr lang="en-US" sz="1100" dirty="0" err="1">
+                <a:solidFill>
+                  <a:schemeClr val="tx1"/>
+                </a:solidFill>
+              </a:rPr>
+              <a:t>können</a:t>
+            </a:r>
+            <a:r>
+              <a:rPr lang="en-US" sz="1100" dirty="0">
+                <a:solidFill>
+                  <a:schemeClr val="tx1"/>
+                </a:solidFill>
+              </a:rPr>
+              <a:t>. </a:t>
+            </a:r>
+          </a:p>
+        </p:txBody>
+      </p:sp>
+      <p:sp>
+        <p:nvSpPr>
+          <p:cNvPr id="29" name="Rechteck 28">
             <a:extLst>
               <a:ext uri="{FF2B5EF4-FFF2-40B4-BE49-F238E27FC236}">
-                <a16:creationId xmlns:a16="http://schemas.microsoft.com/office/drawing/2014/main" id="{F7C808C0-AF2B-98A5-FC61-83DC36D66CE8}"/>
+                <a16:creationId xmlns:a16="http://schemas.microsoft.com/office/drawing/2014/main" id="{5210C88F-9D7A-4519-D08F-BC808ADF718C}"/>
               </a:ext>
             </a:extLst>
           </p:cNvPr>
-          <p:cNvGrpSpPr/>
+          <p:cNvSpPr/>
           <p:nvPr/>
-        </p:nvGrpSpPr>
-        <p:grpSpPr>
+        </p:nvSpPr>
+        <p:spPr>
           <a:xfrm>
-            <a:off x="192088" y="3232207"/>
-            <a:ext cx="11807823" cy="323850"/>
-            <a:chOff x="192088" y="1377950"/>
-            <a:chExt cx="11807823" cy="323850"/>
+            <a:off x="192090" y="2301438"/>
+            <a:ext cx="1375200" cy="323850"/>
           </a:xfrm>
-        </p:grpSpPr>
-        <p:sp>
-          <p:nvSpPr>
-            <p:cNvPr id="32" name="Rechteck 31">
-              <a:extLst>
-                <a:ext uri="{FF2B5EF4-FFF2-40B4-BE49-F238E27FC236}">
-                  <a16:creationId xmlns:a16="http://schemas.microsoft.com/office/drawing/2014/main" id="{1B499BAB-54B0-190B-41B8-3ADB0D4BA76F}"/>
-                </a:ext>
-              </a:extLst>
-            </p:cNvPr>
-            <p:cNvSpPr/>
-            <p:nvPr/>
-          </p:nvSpPr>
-          <p:spPr>
-            <a:xfrm>
-              <a:off x="192088" y="1377950"/>
-              <a:ext cx="2392362" cy="323850"/>
-            </a:xfrm>
-            <a:prstGeom prst="rect">
-              <a:avLst/>
-            </a:prstGeom>
+          <a:prstGeom prst="rect">
+            <a:avLst/>
+          </a:prstGeom>
+          <a:solidFill>
+            <a:schemeClr val="bg1"/>
+          </a:solidFill>
+          <a:ln w="6350">
             <a:solidFill>
-              <a:schemeClr val="bg1"/>
+              <a:schemeClr val="tx2"/>
             </a:solidFill>
-            <a:ln w="6350">
-              <a:solidFill>
-                <a:schemeClr val="tx2"/>
-              </a:solidFill>
-            </a:ln>
-          </p:spPr>
-          <p:style>
-            <a:lnRef idx="2">
-              <a:schemeClr val="accent1">
-                <a:shade val="15000"/>
-              </a:schemeClr>
-            </a:lnRef>
-            <a:fillRef idx="1">
-              <a:schemeClr val="accent1"/>
-            </a:fillRef>
-            <a:effectRef idx="0">
-              <a:schemeClr val="accent1"/>
-            </a:effectRef>
-            <a:fontRef idx="minor">
-              <a:schemeClr val="lt1"/>
-            </a:fontRef>
-          </p:style>
-          <p:txBody>
-            <a:bodyPr rtlCol="0" anchor="ctr"/>
-            <a:lstStyle/>
-            <a:p>
-              <a:r>
-                <a:rPr lang="de-DE" sz="1600" b="1" dirty="0" err="1">
-                  <a:solidFill>
-                    <a:schemeClr val="tx1"/>
-                  </a:solidFill>
-                </a:rPr>
-                <a:t>Originator</a:t>
-              </a:r>
-              <a:r>
-                <a:rPr lang="de-DE" sz="1600" b="1" dirty="0">
-                  <a:solidFill>
-                    <a:schemeClr val="tx1"/>
-                  </a:solidFill>
-                </a:rPr>
-                <a:t>:</a:t>
-              </a:r>
-            </a:p>
-          </p:txBody>
-        </p:sp>
-        <p:sp>
-          <p:nvSpPr>
-            <p:cNvPr id="33" name="Rechteck 32">
-              <a:extLst>
-                <a:ext uri="{FF2B5EF4-FFF2-40B4-BE49-F238E27FC236}">
-                  <a16:creationId xmlns:a16="http://schemas.microsoft.com/office/drawing/2014/main" id="{4CFA62C9-9BD8-1E81-A223-56D80A9F9FB2}"/>
-                </a:ext>
-              </a:extLst>
-            </p:cNvPr>
-            <p:cNvSpPr/>
-            <p:nvPr/>
-          </p:nvSpPr>
-          <p:spPr>
-            <a:xfrm>
-              <a:off x="2651918" y="1377950"/>
-              <a:ext cx="9347993" cy="323850"/>
-            </a:xfrm>
-            <a:prstGeom prst="rect">
-              <a:avLst/>
-            </a:prstGeom>
-            <a:solidFill>
-              <a:schemeClr val="bg1"/>
-            </a:solidFill>
-            <a:ln w="6350">
-              <a:solidFill>
-                <a:schemeClr val="tx2"/>
-              </a:solidFill>
-            </a:ln>
-          </p:spPr>
-          <p:style>
-            <a:lnRef idx="2">
-              <a:schemeClr val="accent1">
-                <a:shade val="15000"/>
-              </a:schemeClr>
-            </a:lnRef>
-            <a:fillRef idx="1">
-              <a:schemeClr val="accent1"/>
-            </a:fillRef>
-            <a:effectRef idx="0">
-              <a:schemeClr val="accent1"/>
-            </a:effectRef>
-            <a:fontRef idx="minor">
-              <a:schemeClr val="lt1"/>
-            </a:fontRef>
-          </p:style>
-          <p:txBody>
-            <a:bodyPr rtlCol="0" anchor="ctr"/>
-            <a:lstStyle/>
-            <a:p>
-              <a:r>
-                <a:rPr lang="en-US" sz="1100" dirty="0">
-                  <a:solidFill>
-                    <a:schemeClr val="tx1"/>
-                  </a:solidFill>
-                </a:rPr>
-                <a:t>Mitarbeiter*</a:t>
-              </a:r>
-              <a:r>
-                <a:rPr lang="en-US" sz="1100" dirty="0" err="1">
-                  <a:solidFill>
-                    <a:schemeClr val="tx1"/>
-                  </a:solidFill>
-                </a:rPr>
-                <a:t>innen</a:t>
-              </a:r>
-              <a:r>
-                <a:rPr lang="en-US" sz="1100" dirty="0">
-                  <a:solidFill>
-                    <a:schemeClr val="tx1"/>
-                  </a:solidFill>
-                </a:rPr>
-                <a:t> des Bellis </a:t>
-              </a:r>
-              <a:r>
-                <a:rPr lang="en-US" sz="1100" dirty="0" err="1">
-                  <a:solidFill>
-                    <a:schemeClr val="tx1"/>
-                  </a:solidFill>
-                </a:rPr>
-                <a:t>e.V.</a:t>
-              </a:r>
-              <a:endParaRPr lang="en-US" sz="1100" dirty="0">
-                <a:solidFill>
-                  <a:schemeClr val="tx1"/>
-                </a:solidFill>
-              </a:endParaRPr>
-            </a:p>
-          </p:txBody>
-        </p:sp>
-      </p:grpSp>
-      <p:grpSp>
-        <p:nvGrpSpPr>
-          <p:cNvPr id="34" name="Gruppieren 33">
+          </a:ln>
+        </p:spPr>
+        <p:style>
+          <a:lnRef idx="2">
+            <a:schemeClr val="accent1">
+              <a:shade val="15000"/>
+            </a:schemeClr>
+          </a:lnRef>
+          <a:fillRef idx="1">
+            <a:schemeClr val="accent1"/>
+          </a:fillRef>
+          <a:effectRef idx="0">
+            <a:schemeClr val="accent1"/>
+          </a:effectRef>
+          <a:fontRef idx="minor">
+            <a:schemeClr val="lt1"/>
+          </a:fontRef>
+        </p:style>
+        <p:txBody>
+          <a:bodyPr rtlCol="0" anchor="ctr"/>
+          <a:lstStyle/>
+          <a:p>
+            <a:r>
+              <a:rPr lang="de-DE" sz="1600" b="1" dirty="0">
+                <a:solidFill>
+                  <a:schemeClr val="tx1"/>
+                </a:solidFill>
+              </a:rPr>
+              <a:t>Rationale:</a:t>
+            </a:r>
+          </a:p>
+        </p:txBody>
+      </p:sp>
+      <p:sp>
+        <p:nvSpPr>
+          <p:cNvPr id="30" name="Rechteck 29">
             <a:extLst>
               <a:ext uri="{FF2B5EF4-FFF2-40B4-BE49-F238E27FC236}">
-                <a16:creationId xmlns:a16="http://schemas.microsoft.com/office/drawing/2014/main" id="{3658EFA5-70B9-9F70-E196-8DBF52C096FE}"/>
+                <a16:creationId xmlns:a16="http://schemas.microsoft.com/office/drawing/2014/main" id="{6D0FFC1E-8967-7C12-A88E-CE3F989EE207}"/>
               </a:ext>
             </a:extLst>
           </p:cNvPr>
-          <p:cNvGrpSpPr/>
+          <p:cNvSpPr/>
           <p:nvPr/>
-        </p:nvGrpSpPr>
-        <p:grpSpPr>
+        </p:nvSpPr>
+        <p:spPr>
           <a:xfrm>
-            <a:off x="192090" y="3694826"/>
-            <a:ext cx="11807823" cy="792000"/>
-            <a:chOff x="192088" y="1377949"/>
-            <a:chExt cx="11807823" cy="547293"/>
+            <a:off x="1903448" y="2301438"/>
+            <a:ext cx="10098000" cy="792000"/>
           </a:xfrm>
-        </p:grpSpPr>
-        <p:sp>
-          <p:nvSpPr>
-            <p:cNvPr id="35" name="Rechteck 34">
-              <a:extLst>
-                <a:ext uri="{FF2B5EF4-FFF2-40B4-BE49-F238E27FC236}">
-                  <a16:creationId xmlns:a16="http://schemas.microsoft.com/office/drawing/2014/main" id="{35B3141B-CD4D-DDFD-C419-44BABD53611E}"/>
-                </a:ext>
-              </a:extLst>
-            </p:cNvPr>
-            <p:cNvSpPr/>
-            <p:nvPr/>
-          </p:nvSpPr>
-          <p:spPr>
-            <a:xfrm>
-              <a:off x="192088" y="1377950"/>
-              <a:ext cx="2392362" cy="223893"/>
-            </a:xfrm>
-            <a:prstGeom prst="rect">
-              <a:avLst/>
-            </a:prstGeom>
+          <a:prstGeom prst="rect">
+            <a:avLst/>
+          </a:prstGeom>
+          <a:solidFill>
+            <a:schemeClr val="bg1"/>
+          </a:solidFill>
+          <a:ln w="6350">
             <a:solidFill>
-              <a:schemeClr val="bg1"/>
+              <a:schemeClr val="tx2"/>
             </a:solidFill>
-            <a:ln w="6350">
+          </a:ln>
+        </p:spPr>
+        <p:style>
+          <a:lnRef idx="2">
+            <a:schemeClr val="accent1">
+              <a:shade val="15000"/>
+            </a:schemeClr>
+          </a:lnRef>
+          <a:fillRef idx="1">
+            <a:schemeClr val="accent1"/>
+          </a:fillRef>
+          <a:effectRef idx="0">
+            <a:schemeClr val="accent1"/>
+          </a:effectRef>
+          <a:fontRef idx="minor">
+            <a:schemeClr val="lt1"/>
+          </a:fontRef>
+        </p:style>
+        <p:txBody>
+          <a:bodyPr rtlCol="0" anchor="ctr"/>
+          <a:lstStyle/>
+          <a:p>
+            <a:r>
+              <a:rPr lang="en-US" sz="1100" dirty="0">
+                <a:solidFill>
+                  <a:schemeClr val="tx1"/>
+                </a:solidFill>
+              </a:rPr>
+              <a:t>Eine </a:t>
+            </a:r>
+            <a:r>
+              <a:rPr lang="en-US" sz="1100" dirty="0" err="1">
+                <a:solidFill>
+                  <a:schemeClr val="tx1"/>
+                </a:solidFill>
+              </a:rPr>
+              <a:t>einfache</a:t>
+            </a:r>
+            <a:r>
+              <a:rPr lang="en-US" sz="1100" dirty="0">
+                <a:solidFill>
+                  <a:schemeClr val="tx1"/>
+                </a:solidFill>
+              </a:rPr>
+              <a:t> </a:t>
+            </a:r>
+            <a:r>
+              <a:rPr lang="en-US" sz="1100" dirty="0" err="1">
+                <a:solidFill>
+                  <a:schemeClr val="tx1"/>
+                </a:solidFill>
+              </a:rPr>
+              <a:t>Bedienung</a:t>
+            </a:r>
+            <a:r>
+              <a:rPr lang="en-US" sz="1100" dirty="0">
+                <a:solidFill>
+                  <a:schemeClr val="tx1"/>
+                </a:solidFill>
+              </a:rPr>
+              <a:t> </a:t>
+            </a:r>
+            <a:r>
+              <a:rPr lang="en-US" sz="1100" dirty="0" err="1">
+                <a:solidFill>
+                  <a:schemeClr val="tx1"/>
+                </a:solidFill>
+              </a:rPr>
+              <a:t>ist</a:t>
+            </a:r>
+            <a:r>
+              <a:rPr lang="en-US" sz="1100" dirty="0">
+                <a:solidFill>
+                  <a:schemeClr val="tx1"/>
+                </a:solidFill>
+              </a:rPr>
+              <a:t> </a:t>
+            </a:r>
+            <a:r>
+              <a:rPr lang="en-US" sz="1100" dirty="0" err="1">
+                <a:solidFill>
+                  <a:schemeClr val="tx1"/>
+                </a:solidFill>
+              </a:rPr>
+              <a:t>entscheidend</a:t>
+            </a:r>
+            <a:r>
+              <a:rPr lang="en-US" sz="1100" dirty="0">
+                <a:solidFill>
+                  <a:schemeClr val="tx1"/>
+                </a:solidFill>
+              </a:rPr>
+              <a:t>, um </a:t>
+            </a:r>
+            <a:r>
+              <a:rPr lang="en-US" sz="1100" dirty="0" err="1">
+                <a:solidFill>
+                  <a:schemeClr val="tx1"/>
+                </a:solidFill>
+              </a:rPr>
+              <a:t>fehlerfreie</a:t>
+            </a:r>
+            <a:r>
+              <a:rPr lang="en-US" sz="1100" dirty="0">
+                <a:solidFill>
+                  <a:schemeClr val="tx1"/>
+                </a:solidFill>
+              </a:rPr>
+              <a:t> </a:t>
+            </a:r>
+            <a:r>
+              <a:rPr lang="en-US" sz="1100" dirty="0" err="1">
+                <a:solidFill>
+                  <a:schemeClr val="tx1"/>
+                </a:solidFill>
+              </a:rPr>
+              <a:t>Nutzung</a:t>
+            </a:r>
+            <a:r>
+              <a:rPr lang="en-US" sz="1100" dirty="0">
+                <a:solidFill>
+                  <a:schemeClr val="tx1"/>
+                </a:solidFill>
+              </a:rPr>
+              <a:t> </a:t>
+            </a:r>
+            <a:r>
+              <a:rPr lang="en-US" sz="1100" dirty="0" err="1">
+                <a:solidFill>
+                  <a:schemeClr val="tx1"/>
+                </a:solidFill>
+              </a:rPr>
+              <a:t>zu</a:t>
+            </a:r>
+            <a:r>
+              <a:rPr lang="en-US" sz="1100" dirty="0">
+                <a:solidFill>
+                  <a:schemeClr val="tx1"/>
+                </a:solidFill>
+              </a:rPr>
+              <a:t> </a:t>
+            </a:r>
+            <a:r>
+              <a:rPr lang="en-US" sz="1100" dirty="0" err="1">
+                <a:solidFill>
+                  <a:schemeClr val="tx1"/>
+                </a:solidFill>
+              </a:rPr>
+              <a:t>gewährleisten</a:t>
+            </a:r>
+            <a:r>
+              <a:rPr lang="en-US" sz="1100" dirty="0">
+                <a:solidFill>
+                  <a:schemeClr val="tx1"/>
+                </a:solidFill>
+              </a:rPr>
+              <a:t>. </a:t>
+            </a:r>
+          </a:p>
+        </p:txBody>
+      </p:sp>
+      <p:sp>
+        <p:nvSpPr>
+          <p:cNvPr id="32" name="Rechteck 31">
+            <a:extLst>
+              <a:ext uri="{FF2B5EF4-FFF2-40B4-BE49-F238E27FC236}">
+                <a16:creationId xmlns:a16="http://schemas.microsoft.com/office/drawing/2014/main" id="{1B499BAB-54B0-190B-41B8-3ADB0D4BA76F}"/>
+              </a:ext>
+            </a:extLst>
+          </p:cNvPr>
+          <p:cNvSpPr/>
+          <p:nvPr/>
+        </p:nvSpPr>
+        <p:spPr>
+          <a:xfrm>
+            <a:off x="192088" y="3232207"/>
+            <a:ext cx="1375200" cy="323850"/>
+          </a:xfrm>
+          <a:prstGeom prst="rect">
+            <a:avLst/>
+          </a:prstGeom>
+          <a:solidFill>
+            <a:schemeClr val="bg1"/>
+          </a:solidFill>
+          <a:ln w="6350">
+            <a:solidFill>
+              <a:schemeClr val="tx2"/>
+            </a:solidFill>
+          </a:ln>
+        </p:spPr>
+        <p:style>
+          <a:lnRef idx="2">
+            <a:schemeClr val="accent1">
+              <a:shade val="15000"/>
+            </a:schemeClr>
+          </a:lnRef>
+          <a:fillRef idx="1">
+            <a:schemeClr val="accent1"/>
+          </a:fillRef>
+          <a:effectRef idx="0">
+            <a:schemeClr val="accent1"/>
+          </a:effectRef>
+          <a:fontRef idx="minor">
+            <a:schemeClr val="lt1"/>
+          </a:fontRef>
+        </p:style>
+        <p:txBody>
+          <a:bodyPr rtlCol="0" anchor="ctr"/>
+          <a:lstStyle/>
+          <a:p>
+            <a:r>
+              <a:rPr lang="de-DE" sz="1600" b="1" dirty="0" err="1">
+                <a:solidFill>
+                  <a:schemeClr val="tx1"/>
+                </a:solidFill>
+              </a:rPr>
+              <a:t>Originator</a:t>
+            </a:r>
+            <a:r>
+              <a:rPr lang="de-DE" sz="1600" b="1" dirty="0">
+                <a:solidFill>
+                  <a:schemeClr val="tx1"/>
+                </a:solidFill>
+              </a:rPr>
+              <a:t>:</a:t>
+            </a:r>
+          </a:p>
+        </p:txBody>
+      </p:sp>
+      <p:sp>
+        <p:nvSpPr>
+          <p:cNvPr id="33" name="Rechteck 32">
+            <a:extLst>
+              <a:ext uri="{FF2B5EF4-FFF2-40B4-BE49-F238E27FC236}">
+                <a16:creationId xmlns:a16="http://schemas.microsoft.com/office/drawing/2014/main" id="{4CFA62C9-9BD8-1E81-A223-56D80A9F9FB2}"/>
+              </a:ext>
+            </a:extLst>
+          </p:cNvPr>
+          <p:cNvSpPr/>
+          <p:nvPr/>
+        </p:nvSpPr>
+        <p:spPr>
+          <a:xfrm>
+            <a:off x="1903446" y="3232207"/>
+            <a:ext cx="10098000" cy="323850"/>
+          </a:xfrm>
+          <a:prstGeom prst="rect">
+            <a:avLst/>
+          </a:prstGeom>
+          <a:solidFill>
+            <a:schemeClr val="bg1"/>
+          </a:solidFill>
+          <a:ln w="6350">
+            <a:solidFill>
+              <a:schemeClr val="tx2"/>
+            </a:solidFill>
+          </a:ln>
+        </p:spPr>
+        <p:style>
+          <a:lnRef idx="2">
+            <a:schemeClr val="accent1">
+              <a:shade val="15000"/>
+            </a:schemeClr>
+          </a:lnRef>
+          <a:fillRef idx="1">
+            <a:schemeClr val="accent1"/>
+          </a:fillRef>
+          <a:effectRef idx="0">
+            <a:schemeClr val="accent1"/>
+          </a:effectRef>
+          <a:fontRef idx="minor">
+            <a:schemeClr val="lt1"/>
+          </a:fontRef>
+        </p:style>
+        <p:txBody>
+          <a:bodyPr rtlCol="0" anchor="ctr"/>
+          <a:lstStyle/>
+          <a:p>
+            <a:r>
+              <a:rPr lang="en-US" sz="1100" dirty="0">
+                <a:solidFill>
+                  <a:schemeClr val="tx1"/>
+                </a:solidFill>
+              </a:rPr>
+              <a:t>Mitarbeiter*</a:t>
+            </a:r>
+            <a:r>
+              <a:rPr lang="en-US" sz="1100" dirty="0" err="1">
+                <a:solidFill>
+                  <a:schemeClr val="tx1"/>
+                </a:solidFill>
+              </a:rPr>
+              <a:t>innen</a:t>
+            </a:r>
+            <a:r>
+              <a:rPr lang="en-US" sz="1100" dirty="0">
+                <a:solidFill>
+                  <a:schemeClr val="tx1"/>
+                </a:solidFill>
+              </a:rPr>
+              <a:t> des Bellis </a:t>
+            </a:r>
+            <a:r>
+              <a:rPr lang="en-US" sz="1100" dirty="0" err="1">
+                <a:solidFill>
+                  <a:schemeClr val="tx1"/>
+                </a:solidFill>
+              </a:rPr>
+              <a:t>e.V.</a:t>
+            </a:r>
+            <a:endParaRPr lang="en-US" sz="1100" dirty="0">
               <a:solidFill>
-                <a:schemeClr val="tx2"/>
+                <a:schemeClr val="tx1"/>
               </a:solidFill>
-            </a:ln>
-          </p:spPr>
-          <p:style>
-            <a:lnRef idx="2">
-              <a:schemeClr val="accent1">
-                <a:shade val="15000"/>
-              </a:schemeClr>
-            </a:lnRef>
-            <a:fillRef idx="1">
-              <a:schemeClr val="accent1"/>
-            </a:fillRef>
-            <a:effectRef idx="0">
-              <a:schemeClr val="accent1"/>
-            </a:effectRef>
-            <a:fontRef idx="minor">
-              <a:schemeClr val="lt1"/>
-            </a:fontRef>
-          </p:style>
-          <p:txBody>
-            <a:bodyPr rtlCol="0" anchor="ctr"/>
-            <a:lstStyle/>
-            <a:p>
-              <a:r>
-                <a:rPr lang="de-DE" sz="1600" b="1" dirty="0">
-                  <a:solidFill>
-                    <a:schemeClr val="tx1"/>
-                  </a:solidFill>
-                </a:rPr>
-                <a:t>Fit </a:t>
-              </a:r>
-              <a:r>
-                <a:rPr lang="de-DE" sz="1600" b="1" dirty="0" err="1">
-                  <a:solidFill>
-                    <a:schemeClr val="tx1"/>
-                  </a:solidFill>
-                </a:rPr>
-                <a:t>Criterion</a:t>
-              </a:r>
-              <a:r>
-                <a:rPr lang="de-DE" sz="1600" b="1" dirty="0">
-                  <a:solidFill>
-                    <a:schemeClr val="tx1"/>
-                  </a:solidFill>
-                </a:rPr>
-                <a:t>:</a:t>
-              </a:r>
-            </a:p>
-          </p:txBody>
-        </p:sp>
-        <p:sp>
-          <p:nvSpPr>
-            <p:cNvPr id="36" name="Rechteck 35">
-              <a:extLst>
-                <a:ext uri="{FF2B5EF4-FFF2-40B4-BE49-F238E27FC236}">
-                  <a16:creationId xmlns:a16="http://schemas.microsoft.com/office/drawing/2014/main" id="{1EA3713F-729B-04C7-B7E5-83DBB5A34B0E}"/>
-                </a:ext>
-              </a:extLst>
-            </p:cNvPr>
-            <p:cNvSpPr/>
-            <p:nvPr/>
-          </p:nvSpPr>
-          <p:spPr>
-            <a:xfrm>
-              <a:off x="2651918" y="1377949"/>
-              <a:ext cx="9347993" cy="547293"/>
-            </a:xfrm>
-            <a:prstGeom prst="rect">
-              <a:avLst/>
-            </a:prstGeom>
+            </a:endParaRPr>
+          </a:p>
+        </p:txBody>
+      </p:sp>
+      <p:sp>
+        <p:nvSpPr>
+          <p:cNvPr id="35" name="Rechteck 34">
+            <a:extLst>
+              <a:ext uri="{FF2B5EF4-FFF2-40B4-BE49-F238E27FC236}">
+                <a16:creationId xmlns:a16="http://schemas.microsoft.com/office/drawing/2014/main" id="{35B3141B-CD4D-DDFD-C419-44BABD53611E}"/>
+              </a:ext>
+            </a:extLst>
+          </p:cNvPr>
+          <p:cNvSpPr/>
+          <p:nvPr/>
+        </p:nvSpPr>
+        <p:spPr>
+          <a:xfrm>
+            <a:off x="192090" y="3694827"/>
+            <a:ext cx="1375200" cy="324001"/>
+          </a:xfrm>
+          <a:prstGeom prst="rect">
+            <a:avLst/>
+          </a:prstGeom>
+          <a:solidFill>
+            <a:schemeClr val="bg1"/>
+          </a:solidFill>
+          <a:ln w="6350">
             <a:solidFill>
-              <a:schemeClr val="bg1"/>
+              <a:schemeClr val="tx2"/>
             </a:solidFill>
-            <a:ln w="6350">
+          </a:ln>
+        </p:spPr>
+        <p:style>
+          <a:lnRef idx="2">
+            <a:schemeClr val="accent1">
+              <a:shade val="15000"/>
+            </a:schemeClr>
+          </a:lnRef>
+          <a:fillRef idx="1">
+            <a:schemeClr val="accent1"/>
+          </a:fillRef>
+          <a:effectRef idx="0">
+            <a:schemeClr val="accent1"/>
+          </a:effectRef>
+          <a:fontRef idx="minor">
+            <a:schemeClr val="lt1"/>
+          </a:fontRef>
+        </p:style>
+        <p:txBody>
+          <a:bodyPr rtlCol="0" anchor="ctr"/>
+          <a:lstStyle/>
+          <a:p>
+            <a:r>
+              <a:rPr lang="de-DE" sz="1600" b="1" dirty="0">
+                <a:solidFill>
+                  <a:schemeClr val="tx1"/>
+                </a:solidFill>
+              </a:rPr>
+              <a:t>Fit </a:t>
+            </a:r>
+            <a:r>
+              <a:rPr lang="de-DE" sz="1600" b="1" dirty="0" err="1">
+                <a:solidFill>
+                  <a:schemeClr val="tx1"/>
+                </a:solidFill>
+              </a:rPr>
+              <a:t>Criterion</a:t>
+            </a:r>
+            <a:r>
+              <a:rPr lang="de-DE" sz="1600" b="1" dirty="0">
+                <a:solidFill>
+                  <a:schemeClr val="tx1"/>
+                </a:solidFill>
+              </a:rPr>
+              <a:t>:</a:t>
+            </a:r>
+          </a:p>
+        </p:txBody>
+      </p:sp>
+      <p:sp>
+        <p:nvSpPr>
+          <p:cNvPr id="36" name="Rechteck 35">
+            <a:extLst>
+              <a:ext uri="{FF2B5EF4-FFF2-40B4-BE49-F238E27FC236}">
+                <a16:creationId xmlns:a16="http://schemas.microsoft.com/office/drawing/2014/main" id="{1EA3713F-729B-04C7-B7E5-83DBB5A34B0E}"/>
+              </a:ext>
+            </a:extLst>
+          </p:cNvPr>
+          <p:cNvSpPr/>
+          <p:nvPr/>
+        </p:nvSpPr>
+        <p:spPr>
+          <a:xfrm>
+            <a:off x="1903448" y="3694826"/>
+            <a:ext cx="10098000" cy="792000"/>
+          </a:xfrm>
+          <a:prstGeom prst="rect">
+            <a:avLst/>
+          </a:prstGeom>
+          <a:solidFill>
+            <a:schemeClr val="bg1"/>
+          </a:solidFill>
+          <a:ln w="6350">
+            <a:solidFill>
+              <a:schemeClr val="tx2"/>
+            </a:solidFill>
+          </a:ln>
+        </p:spPr>
+        <p:style>
+          <a:lnRef idx="2">
+            <a:schemeClr val="accent1">
+              <a:shade val="15000"/>
+            </a:schemeClr>
+          </a:lnRef>
+          <a:fillRef idx="1">
+            <a:schemeClr val="accent1"/>
+          </a:fillRef>
+          <a:effectRef idx="0">
+            <a:schemeClr val="accent1"/>
+          </a:effectRef>
+          <a:fontRef idx="minor">
+            <a:schemeClr val="lt1"/>
+          </a:fontRef>
+        </p:style>
+        <p:txBody>
+          <a:bodyPr rtlCol="0" anchor="ctr"/>
+          <a:lstStyle/>
+          <a:p>
+            <a:endParaRPr lang="en-US" sz="1600" u="sng" dirty="0">
               <a:solidFill>
-                <a:schemeClr val="tx2"/>
+                <a:schemeClr val="tx1"/>
               </a:solidFill>
-            </a:ln>
-          </p:spPr>
-          <p:style>
-            <a:lnRef idx="2">
-              <a:schemeClr val="accent1">
-                <a:shade val="15000"/>
-              </a:schemeClr>
-            </a:lnRef>
-            <a:fillRef idx="1">
-              <a:schemeClr val="accent1"/>
-            </a:fillRef>
-            <a:effectRef idx="0">
-              <a:schemeClr val="accent1"/>
-            </a:effectRef>
-            <a:fontRef idx="minor">
-              <a:schemeClr val="lt1"/>
-            </a:fontRef>
-          </p:style>
-          <p:txBody>
-            <a:bodyPr rtlCol="0" anchor="ctr"/>
-            <a:lstStyle/>
-            <a:p>
-              <a:endParaRPr lang="en-US" sz="1600" u="sng" dirty="0">
-                <a:solidFill>
-                  <a:schemeClr val="tx1"/>
-                </a:solidFill>
-              </a:endParaRPr>
-            </a:p>
-            <a:p>
-              <a:r>
-                <a:rPr lang="en-US" sz="1200" dirty="0">
-                  <a:solidFill>
-                    <a:schemeClr val="tx1"/>
-                  </a:solidFill>
-                </a:rPr>
-                <a:t>Eine </a:t>
-              </a:r>
-              <a:r>
-                <a:rPr lang="en-US" sz="1200" dirty="0" err="1">
-                  <a:solidFill>
-                    <a:schemeClr val="tx1"/>
-                  </a:solidFill>
-                </a:rPr>
-                <a:t>neue</a:t>
-              </a:r>
-              <a:r>
-                <a:rPr lang="en-US" sz="1200" dirty="0">
-                  <a:solidFill>
-                    <a:schemeClr val="tx1"/>
-                  </a:solidFill>
-                </a:rPr>
-                <a:t> </a:t>
-              </a:r>
-              <a:r>
-                <a:rPr lang="en-US" sz="1200" dirty="0" err="1">
-                  <a:solidFill>
-                    <a:schemeClr val="tx1"/>
-                  </a:solidFill>
-                </a:rPr>
-                <a:t>Nutzer</a:t>
-              </a:r>
-              <a:r>
-                <a:rPr lang="en-US" sz="1200" dirty="0">
-                  <a:solidFill>
-                    <a:schemeClr val="tx1"/>
-                  </a:solidFill>
-                </a:rPr>
-                <a:t>*in </a:t>
-              </a:r>
-              <a:r>
-                <a:rPr lang="en-US" sz="1200" dirty="0" err="1">
-                  <a:solidFill>
-                    <a:schemeClr val="tx1"/>
-                  </a:solidFill>
-                </a:rPr>
-                <a:t>kann</a:t>
-              </a:r>
-              <a:r>
-                <a:rPr lang="en-US" sz="1200" dirty="0">
-                  <a:solidFill>
-                    <a:schemeClr val="tx1"/>
-                  </a:solidFill>
-                </a:rPr>
-                <a:t> </a:t>
-              </a:r>
-              <a:r>
-                <a:rPr lang="en-US" sz="1200" dirty="0" err="1">
-                  <a:solidFill>
-                    <a:schemeClr val="tx1"/>
-                  </a:solidFill>
-                </a:rPr>
-                <a:t>innerhalb</a:t>
-              </a:r>
-              <a:r>
-                <a:rPr lang="en-US" sz="1200" dirty="0">
-                  <a:solidFill>
-                    <a:schemeClr val="tx1"/>
-                  </a:solidFill>
-                </a:rPr>
-                <a:t> von </a:t>
-              </a:r>
-              <a:r>
-                <a:rPr lang="en-US" sz="1200" dirty="0" err="1">
-                  <a:solidFill>
-                    <a:schemeClr val="tx1"/>
-                  </a:solidFill>
-                </a:rPr>
-                <a:t>wenigen</a:t>
-              </a:r>
-              <a:r>
-                <a:rPr lang="en-US" sz="1200" dirty="0">
-                  <a:solidFill>
-                    <a:schemeClr val="tx1"/>
-                  </a:solidFill>
-                </a:rPr>
-                <a:t> </a:t>
-              </a:r>
-              <a:r>
-                <a:rPr lang="en-US" sz="1200" dirty="0" err="1">
-                  <a:solidFill>
-                    <a:schemeClr val="tx1"/>
-                  </a:solidFill>
-                </a:rPr>
-                <a:t>Minuten</a:t>
-              </a:r>
-              <a:r>
-                <a:rPr lang="en-US" sz="1200" dirty="0">
-                  <a:solidFill>
-                    <a:schemeClr val="tx1"/>
-                  </a:solidFill>
-                </a:rPr>
-                <a:t> </a:t>
-              </a:r>
-              <a:r>
-                <a:rPr lang="en-US" sz="1200" dirty="0" err="1">
-                  <a:solidFill>
-                    <a:schemeClr val="tx1"/>
-                  </a:solidFill>
-                </a:rPr>
-                <a:t>eine</a:t>
-              </a:r>
-              <a:r>
-                <a:rPr lang="en-US" sz="1200" dirty="0">
-                  <a:solidFill>
-                    <a:schemeClr val="tx1"/>
-                  </a:solidFill>
-                </a:rPr>
-                <a:t> </a:t>
-              </a:r>
-              <a:r>
-                <a:rPr lang="en-US" sz="1200" dirty="0" err="1">
-                  <a:solidFill>
-                    <a:schemeClr val="tx1"/>
-                  </a:solidFill>
-                </a:rPr>
-                <a:t>Anfrage</a:t>
-              </a:r>
-              <a:r>
-                <a:rPr lang="en-US" sz="1200" dirty="0">
-                  <a:solidFill>
-                    <a:schemeClr val="tx1"/>
-                  </a:solidFill>
-                </a:rPr>
-                <a:t> </a:t>
-              </a:r>
-              <a:r>
-                <a:rPr lang="en-US" sz="1200" dirty="0" err="1">
-                  <a:solidFill>
-                    <a:schemeClr val="tx1"/>
-                  </a:solidFill>
-                </a:rPr>
-                <a:t>vollständig</a:t>
-              </a:r>
-              <a:r>
-                <a:rPr lang="en-US" sz="1200" dirty="0">
-                  <a:solidFill>
-                    <a:schemeClr val="tx1"/>
-                  </a:solidFill>
-                </a:rPr>
-                <a:t> </a:t>
-              </a:r>
-              <a:r>
-                <a:rPr lang="en-US" sz="1200" dirty="0" err="1">
-                  <a:solidFill>
-                    <a:schemeClr val="tx1"/>
-                  </a:solidFill>
-                </a:rPr>
-                <a:t>erfassen</a:t>
-              </a:r>
-              <a:r>
-                <a:rPr lang="en-US" sz="1200" dirty="0">
-                  <a:solidFill>
-                    <a:schemeClr val="tx1"/>
-                  </a:solidFill>
-                </a:rPr>
-                <a:t>. Die </a:t>
-              </a:r>
-              <a:r>
-                <a:rPr lang="en-US" sz="1200" dirty="0" err="1">
-                  <a:solidFill>
-                    <a:schemeClr val="tx1"/>
-                  </a:solidFill>
-                </a:rPr>
-                <a:t>Oberfläche</a:t>
-              </a:r>
-              <a:r>
-                <a:rPr lang="en-US" sz="1200" dirty="0">
-                  <a:solidFill>
-                    <a:schemeClr val="tx1"/>
-                  </a:solidFill>
-                </a:rPr>
-                <a:t> </a:t>
-              </a:r>
-              <a:r>
-                <a:rPr lang="en-US" sz="1200" dirty="0" err="1">
-                  <a:solidFill>
-                    <a:schemeClr val="tx1"/>
-                  </a:solidFill>
-                </a:rPr>
-                <a:t>soll</a:t>
-              </a:r>
-              <a:r>
-                <a:rPr lang="en-US" sz="1200" dirty="0">
-                  <a:solidFill>
-                    <a:schemeClr val="tx1"/>
-                  </a:solidFill>
-                </a:rPr>
-                <a:t> </a:t>
-              </a:r>
-              <a:r>
-                <a:rPr lang="en-US" sz="1200" dirty="0" err="1">
-                  <a:solidFill>
-                    <a:schemeClr val="tx1"/>
-                  </a:solidFill>
-                </a:rPr>
-                <a:t>als</a:t>
-              </a:r>
-              <a:r>
-                <a:rPr lang="en-US" sz="1200" dirty="0">
-                  <a:solidFill>
-                    <a:schemeClr val="tx1"/>
-                  </a:solidFill>
-                </a:rPr>
-                <a:t> </a:t>
-              </a:r>
-              <a:r>
-                <a:rPr lang="en-US" sz="1200" dirty="0" err="1">
-                  <a:solidFill>
-                    <a:schemeClr val="tx1"/>
-                  </a:solidFill>
-                </a:rPr>
-                <a:t>intuitiv</a:t>
-              </a:r>
-              <a:r>
-                <a:rPr lang="en-US" sz="1200" dirty="0">
-                  <a:solidFill>
-                    <a:schemeClr val="tx1"/>
-                  </a:solidFill>
-                </a:rPr>
-                <a:t> und </a:t>
-              </a:r>
-              <a:r>
-                <a:rPr lang="en-US" sz="1200" dirty="0" err="1">
-                  <a:solidFill>
-                    <a:schemeClr val="tx1"/>
-                  </a:solidFill>
-                </a:rPr>
-                <a:t>verständlich</a:t>
-              </a:r>
-              <a:r>
-                <a:rPr lang="en-US" sz="1200" dirty="0">
-                  <a:solidFill>
-                    <a:schemeClr val="tx1"/>
-                  </a:solidFill>
-                </a:rPr>
-                <a:t> </a:t>
-              </a:r>
-              <a:r>
-                <a:rPr lang="en-US" sz="1200" dirty="0" err="1">
-                  <a:solidFill>
-                    <a:schemeClr val="tx1"/>
-                  </a:solidFill>
-                </a:rPr>
-                <a:t>wahrgenommen</a:t>
-              </a:r>
-              <a:r>
-                <a:rPr lang="en-US" sz="1200" dirty="0">
-                  <a:solidFill>
-                    <a:schemeClr val="tx1"/>
-                  </a:solidFill>
-                </a:rPr>
-                <a:t> </a:t>
-              </a:r>
-              <a:r>
-                <a:rPr lang="en-US" sz="1200" dirty="0" err="1">
-                  <a:solidFill>
-                    <a:schemeClr val="tx1"/>
-                  </a:solidFill>
-                </a:rPr>
-                <a:t>werden</a:t>
-              </a:r>
-              <a:r>
-                <a:rPr lang="en-US" sz="1200" dirty="0">
-                  <a:solidFill>
-                    <a:schemeClr val="tx1"/>
-                  </a:solidFill>
-                </a:rPr>
-                <a:t>. </a:t>
-              </a:r>
-              <a:r>
-                <a:rPr lang="en-US" sz="1200" dirty="0" err="1">
-                  <a:solidFill>
-                    <a:schemeClr val="tx1"/>
-                  </a:solidFill>
-                </a:rPr>
-                <a:t>Schriftgröße</a:t>
-              </a:r>
-              <a:r>
-                <a:rPr lang="en-US" sz="1200" dirty="0">
-                  <a:solidFill>
-                    <a:schemeClr val="tx1"/>
-                  </a:solidFill>
-                </a:rPr>
-                <a:t> und </a:t>
-              </a:r>
-              <a:r>
-                <a:rPr lang="en-US" sz="1200" dirty="0" err="1">
-                  <a:solidFill>
-                    <a:schemeClr val="tx1"/>
-                  </a:solidFill>
-                </a:rPr>
-                <a:t>Kontrast</a:t>
-              </a:r>
-              <a:r>
-                <a:rPr lang="en-US" sz="1200" dirty="0">
-                  <a:solidFill>
-                    <a:schemeClr val="tx1"/>
-                  </a:solidFill>
-                </a:rPr>
-                <a:t> </a:t>
-              </a:r>
-              <a:r>
-                <a:rPr lang="en-US" sz="1200" dirty="0" err="1">
-                  <a:solidFill>
-                    <a:schemeClr val="tx1"/>
-                  </a:solidFill>
-                </a:rPr>
-                <a:t>sind</a:t>
-              </a:r>
-              <a:r>
-                <a:rPr lang="en-US" sz="1200" dirty="0">
-                  <a:solidFill>
-                    <a:schemeClr val="tx1"/>
-                  </a:solidFill>
-                </a:rPr>
-                <a:t> </a:t>
-              </a:r>
-              <a:r>
-                <a:rPr lang="en-US" sz="1200" dirty="0" err="1">
-                  <a:solidFill>
-                    <a:schemeClr val="tx1"/>
-                  </a:solidFill>
-                </a:rPr>
-                <a:t>einstellbar</a:t>
-              </a:r>
-              <a:r>
-                <a:rPr lang="en-US" sz="1200" dirty="0">
-                  <a:solidFill>
-                    <a:schemeClr val="tx1"/>
-                  </a:solidFill>
-                </a:rPr>
-                <a:t>.</a:t>
-              </a:r>
-            </a:p>
-            <a:p>
-              <a:endParaRPr lang="en-US" sz="1600" u="sng" dirty="0">
-                <a:solidFill>
-                  <a:schemeClr val="tx1"/>
-                </a:solidFill>
-              </a:endParaRPr>
-            </a:p>
-          </p:txBody>
-        </p:sp>
-      </p:grpSp>
+            </a:endParaRPr>
+          </a:p>
+          <a:p>
+            <a:r>
+              <a:rPr lang="en-US" sz="1200" dirty="0">
+                <a:solidFill>
+                  <a:schemeClr val="tx1"/>
+                </a:solidFill>
+              </a:rPr>
+              <a:t>Eine </a:t>
+            </a:r>
+            <a:r>
+              <a:rPr lang="en-US" sz="1200" dirty="0" err="1">
+                <a:solidFill>
+                  <a:schemeClr val="tx1"/>
+                </a:solidFill>
+              </a:rPr>
+              <a:t>neue</a:t>
+            </a:r>
+            <a:r>
+              <a:rPr lang="en-US" sz="1200" dirty="0">
+                <a:solidFill>
+                  <a:schemeClr val="tx1"/>
+                </a:solidFill>
+              </a:rPr>
+              <a:t> </a:t>
+            </a:r>
+            <a:r>
+              <a:rPr lang="en-US" sz="1200" dirty="0" err="1">
+                <a:solidFill>
+                  <a:schemeClr val="tx1"/>
+                </a:solidFill>
+              </a:rPr>
+              <a:t>Nutzer</a:t>
+            </a:r>
+            <a:r>
+              <a:rPr lang="en-US" sz="1200" dirty="0">
+                <a:solidFill>
+                  <a:schemeClr val="tx1"/>
+                </a:solidFill>
+              </a:rPr>
+              <a:t>*in </a:t>
+            </a:r>
+            <a:r>
+              <a:rPr lang="en-US" sz="1200" dirty="0" err="1">
+                <a:solidFill>
+                  <a:schemeClr val="tx1"/>
+                </a:solidFill>
+              </a:rPr>
+              <a:t>kann</a:t>
+            </a:r>
+            <a:r>
+              <a:rPr lang="en-US" sz="1200" dirty="0">
+                <a:solidFill>
+                  <a:schemeClr val="tx1"/>
+                </a:solidFill>
+              </a:rPr>
+              <a:t> </a:t>
+            </a:r>
+            <a:r>
+              <a:rPr lang="en-US" sz="1200" dirty="0" err="1">
+                <a:solidFill>
+                  <a:schemeClr val="tx1"/>
+                </a:solidFill>
+              </a:rPr>
+              <a:t>innerhalb</a:t>
+            </a:r>
+            <a:r>
+              <a:rPr lang="en-US" sz="1200" dirty="0">
+                <a:solidFill>
+                  <a:schemeClr val="tx1"/>
+                </a:solidFill>
+              </a:rPr>
+              <a:t> von </a:t>
+            </a:r>
+            <a:r>
+              <a:rPr lang="en-US" sz="1200" dirty="0" err="1">
+                <a:solidFill>
+                  <a:schemeClr val="tx1"/>
+                </a:solidFill>
+              </a:rPr>
+              <a:t>wenigen</a:t>
+            </a:r>
+            <a:r>
+              <a:rPr lang="en-US" sz="1200" dirty="0">
+                <a:solidFill>
+                  <a:schemeClr val="tx1"/>
+                </a:solidFill>
+              </a:rPr>
+              <a:t> </a:t>
+            </a:r>
+            <a:r>
+              <a:rPr lang="en-US" sz="1200" dirty="0" err="1">
+                <a:solidFill>
+                  <a:schemeClr val="tx1"/>
+                </a:solidFill>
+              </a:rPr>
+              <a:t>Minuten</a:t>
+            </a:r>
+            <a:r>
+              <a:rPr lang="en-US" sz="1200" dirty="0">
+                <a:solidFill>
+                  <a:schemeClr val="tx1"/>
+                </a:solidFill>
+              </a:rPr>
+              <a:t> </a:t>
+            </a:r>
+            <a:r>
+              <a:rPr lang="en-US" sz="1200" dirty="0" err="1">
+                <a:solidFill>
+                  <a:schemeClr val="tx1"/>
+                </a:solidFill>
+              </a:rPr>
+              <a:t>eine</a:t>
+            </a:r>
+            <a:r>
+              <a:rPr lang="en-US" sz="1200" dirty="0">
+                <a:solidFill>
+                  <a:schemeClr val="tx1"/>
+                </a:solidFill>
+              </a:rPr>
+              <a:t> </a:t>
+            </a:r>
+            <a:r>
+              <a:rPr lang="en-US" sz="1200" dirty="0" err="1">
+                <a:solidFill>
+                  <a:schemeClr val="tx1"/>
+                </a:solidFill>
+              </a:rPr>
+              <a:t>Anfrage</a:t>
+            </a:r>
+            <a:r>
+              <a:rPr lang="en-US" sz="1200" dirty="0">
+                <a:solidFill>
+                  <a:schemeClr val="tx1"/>
+                </a:solidFill>
+              </a:rPr>
+              <a:t> </a:t>
+            </a:r>
+            <a:r>
+              <a:rPr lang="en-US" sz="1200" dirty="0" err="1">
+                <a:solidFill>
+                  <a:schemeClr val="tx1"/>
+                </a:solidFill>
+              </a:rPr>
+              <a:t>vollständig</a:t>
+            </a:r>
+            <a:r>
+              <a:rPr lang="en-US" sz="1200" dirty="0">
+                <a:solidFill>
+                  <a:schemeClr val="tx1"/>
+                </a:solidFill>
+              </a:rPr>
+              <a:t> </a:t>
+            </a:r>
+            <a:r>
+              <a:rPr lang="en-US" sz="1200" dirty="0" err="1">
+                <a:solidFill>
+                  <a:schemeClr val="tx1"/>
+                </a:solidFill>
+              </a:rPr>
+              <a:t>erfassen</a:t>
+            </a:r>
+            <a:r>
+              <a:rPr lang="en-US" sz="1200" dirty="0">
+                <a:solidFill>
+                  <a:schemeClr val="tx1"/>
+                </a:solidFill>
+              </a:rPr>
+              <a:t>. Die </a:t>
+            </a:r>
+            <a:r>
+              <a:rPr lang="en-US" sz="1200" dirty="0" err="1">
+                <a:solidFill>
+                  <a:schemeClr val="tx1"/>
+                </a:solidFill>
+              </a:rPr>
+              <a:t>Oberfläche</a:t>
+            </a:r>
+            <a:r>
+              <a:rPr lang="en-US" sz="1200" dirty="0">
+                <a:solidFill>
+                  <a:schemeClr val="tx1"/>
+                </a:solidFill>
+              </a:rPr>
+              <a:t> </a:t>
+            </a:r>
+            <a:r>
+              <a:rPr lang="en-US" sz="1200" dirty="0" err="1">
+                <a:solidFill>
+                  <a:schemeClr val="tx1"/>
+                </a:solidFill>
+              </a:rPr>
+              <a:t>soll</a:t>
+            </a:r>
+            <a:r>
+              <a:rPr lang="en-US" sz="1200" dirty="0">
+                <a:solidFill>
+                  <a:schemeClr val="tx1"/>
+                </a:solidFill>
+              </a:rPr>
+              <a:t> </a:t>
+            </a:r>
+            <a:r>
+              <a:rPr lang="en-US" sz="1200" dirty="0" err="1">
+                <a:solidFill>
+                  <a:schemeClr val="tx1"/>
+                </a:solidFill>
+              </a:rPr>
+              <a:t>als</a:t>
+            </a:r>
+            <a:r>
+              <a:rPr lang="en-US" sz="1200" dirty="0">
+                <a:solidFill>
+                  <a:schemeClr val="tx1"/>
+                </a:solidFill>
+              </a:rPr>
+              <a:t> </a:t>
+            </a:r>
+            <a:r>
+              <a:rPr lang="en-US" sz="1200" dirty="0" err="1">
+                <a:solidFill>
+                  <a:schemeClr val="tx1"/>
+                </a:solidFill>
+              </a:rPr>
+              <a:t>intuitiv</a:t>
+            </a:r>
+            <a:r>
+              <a:rPr lang="en-US" sz="1200" dirty="0">
+                <a:solidFill>
+                  <a:schemeClr val="tx1"/>
+                </a:solidFill>
+              </a:rPr>
+              <a:t> und </a:t>
+            </a:r>
+            <a:r>
+              <a:rPr lang="en-US" sz="1200" dirty="0" err="1">
+                <a:solidFill>
+                  <a:schemeClr val="tx1"/>
+                </a:solidFill>
+              </a:rPr>
+              <a:t>verständlich</a:t>
+            </a:r>
+            <a:r>
+              <a:rPr lang="en-US" sz="1200" dirty="0">
+                <a:solidFill>
+                  <a:schemeClr val="tx1"/>
+                </a:solidFill>
+              </a:rPr>
+              <a:t> </a:t>
+            </a:r>
+            <a:r>
+              <a:rPr lang="en-US" sz="1200" dirty="0" err="1">
+                <a:solidFill>
+                  <a:schemeClr val="tx1"/>
+                </a:solidFill>
+              </a:rPr>
+              <a:t>wahrgenommen</a:t>
+            </a:r>
+            <a:r>
+              <a:rPr lang="en-US" sz="1200" dirty="0">
+                <a:solidFill>
+                  <a:schemeClr val="tx1"/>
+                </a:solidFill>
+              </a:rPr>
+              <a:t> </a:t>
+            </a:r>
+            <a:r>
+              <a:rPr lang="en-US" sz="1200" dirty="0" err="1">
+                <a:solidFill>
+                  <a:schemeClr val="tx1"/>
+                </a:solidFill>
+              </a:rPr>
+              <a:t>werden</a:t>
+            </a:r>
+            <a:r>
+              <a:rPr lang="en-US" sz="1200" dirty="0">
+                <a:solidFill>
+                  <a:schemeClr val="tx1"/>
+                </a:solidFill>
+              </a:rPr>
+              <a:t>. </a:t>
+            </a:r>
+            <a:r>
+              <a:rPr lang="en-US" sz="1200" dirty="0" err="1">
+                <a:solidFill>
+                  <a:schemeClr val="tx1"/>
+                </a:solidFill>
+              </a:rPr>
+              <a:t>Schriftgröße</a:t>
+            </a:r>
+            <a:r>
+              <a:rPr lang="en-US" sz="1200" dirty="0">
+                <a:solidFill>
+                  <a:schemeClr val="tx1"/>
+                </a:solidFill>
+              </a:rPr>
+              <a:t> und </a:t>
+            </a:r>
+            <a:r>
+              <a:rPr lang="en-US" sz="1200" dirty="0" err="1">
+                <a:solidFill>
+                  <a:schemeClr val="tx1"/>
+                </a:solidFill>
+              </a:rPr>
+              <a:t>Kontrast</a:t>
+            </a:r>
+            <a:r>
+              <a:rPr lang="en-US" sz="1200" dirty="0">
+                <a:solidFill>
+                  <a:schemeClr val="tx1"/>
+                </a:solidFill>
+              </a:rPr>
+              <a:t> </a:t>
+            </a:r>
+            <a:r>
+              <a:rPr lang="en-US" sz="1200" dirty="0" err="1">
+                <a:solidFill>
+                  <a:schemeClr val="tx1"/>
+                </a:solidFill>
+              </a:rPr>
+              <a:t>sind</a:t>
+            </a:r>
+            <a:r>
+              <a:rPr lang="en-US" sz="1200" dirty="0">
+                <a:solidFill>
+                  <a:schemeClr val="tx1"/>
+                </a:solidFill>
+              </a:rPr>
+              <a:t> </a:t>
+            </a:r>
+            <a:r>
+              <a:rPr lang="en-US" sz="1200" dirty="0" err="1">
+                <a:solidFill>
+                  <a:schemeClr val="tx1"/>
+                </a:solidFill>
+              </a:rPr>
+              <a:t>einstellbar</a:t>
+            </a:r>
+            <a:r>
+              <a:rPr lang="en-US" sz="1200" dirty="0">
+                <a:solidFill>
+                  <a:schemeClr val="tx1"/>
+                </a:solidFill>
+              </a:rPr>
+              <a:t>.</a:t>
+            </a:r>
+          </a:p>
+          <a:p>
+            <a:endParaRPr lang="en-US" sz="1600" u="sng" dirty="0">
+              <a:solidFill>
+                <a:schemeClr val="tx1"/>
+              </a:solidFill>
+            </a:endParaRPr>
+          </a:p>
+        </p:txBody>
+      </p:sp>
       <p:sp>
         <p:nvSpPr>
           <p:cNvPr id="37" name="Rechteck 36">

--- a/requirements/Snow_Cards.pptx
+++ b/requirements/Snow_Cards.pptx
@@ -6,10 +6,10 @@
     <p:sldMasterId id="2147483699" r:id="rId2"/>
   </p:sldMasterIdLst>
   <p:notesMasterIdLst>
-    <p:notesMasterId r:id="rId9"/>
+    <p:notesMasterId r:id="rId10"/>
   </p:notesMasterIdLst>
   <p:handoutMasterIdLst>
-    <p:handoutMasterId r:id="rId10"/>
+    <p:handoutMasterId r:id="rId11"/>
   </p:handoutMasterIdLst>
   <p:sldIdLst>
     <p:sldId id="309" r:id="rId3"/>
@@ -18,16 +18,17 @@
     <p:sldId id="323" r:id="rId6"/>
     <p:sldId id="326" r:id="rId7"/>
     <p:sldId id="324" r:id="rId8"/>
+    <p:sldId id="327" r:id="rId9"/>
   </p:sldIdLst>
   <p:sldSz cx="12192000" cy="6858000"/>
   <p:notesSz cx="9928225" cy="6797675"/>
   <p:embeddedFontLst>
     <p:embeddedFont>
       <p:font typeface="Roboto" panose="02000000000000000000" pitchFamily="2" charset="0"/>
-      <p:regular r:id="rId11"/>
-      <p:bold r:id="rId12"/>
-      <p:italic r:id="rId13"/>
-      <p:boldItalic r:id="rId14"/>
+      <p:regular r:id="rId12"/>
+      <p:bold r:id="rId13"/>
+      <p:italic r:id="rId14"/>
+      <p:boldItalic r:id="rId15"/>
     </p:embeddedFont>
   </p:embeddedFontLst>
   <p:defaultTextStyle>
@@ -191,7 +192,7 @@
 <file path=ppt/revisionInfo.xml><?xml version="1.0" encoding="utf-8"?>
 <p1510:revInfo xmlns:a="http://schemas.openxmlformats.org/drawingml/2006/main" xmlns:r="http://schemas.openxmlformats.org/officeDocument/2006/relationships" xmlns:p1510="http://schemas.microsoft.com/office/powerpoint/2015/10/main">
   <p1510:revLst>
-    <p1510:client id="{6E658FB9-B10F-459E-BB86-CAF2502B39E7}" v="9" dt="2025-11-02T12:30:40.682"/>
+    <p1510:client id="{6E658FB9-B10F-459E-BB86-CAF2502B39E7}" v="10" dt="2025-11-02T13:14:34.117"/>
   </p1510:revLst>
 </p1510:revInfo>
 </file>
@@ -200,8 +201,8 @@
 <pc:chgInfo xmlns:a="http://schemas.openxmlformats.org/drawingml/2006/main" xmlns:r="http://schemas.openxmlformats.org/officeDocument/2006/relationships" xmlns:ac="http://schemas.microsoft.com/office/drawing/2013/main/command" xmlns:pc="http://schemas.microsoft.com/office/powerpoint/2013/main/command">
   <pc:docChgLst>
     <pc:chgData name="Anton Schmierer" userId="cd19fb61ffe98ab8" providerId="LiveId" clId="{80B9D0F7-EA3F-41F2-A018-82727FD7D854}"/>
-    <pc:docChg chg="undo custSel addSld delSld modSld">
-      <pc:chgData name="Anton Schmierer" userId="cd19fb61ffe98ab8" providerId="LiveId" clId="{80B9D0F7-EA3F-41F2-A018-82727FD7D854}" dt="2025-11-02T12:33:45.497" v="2138" actId="20577"/>
+    <pc:docChg chg="undo custSel addSld delSld modSld sldOrd">
+      <pc:chgData name="Anton Schmierer" userId="cd19fb61ffe98ab8" providerId="LiveId" clId="{80B9D0F7-EA3F-41F2-A018-82727FD7D854}" dt="2025-11-02T13:16:11.357" v="3148" actId="20577"/>
       <pc:docMkLst>
         <pc:docMk/>
       </pc:docMkLst>
@@ -444,7 +445,7 @@
         </pc:sldMkLst>
       </pc:sldChg>
       <pc:sldChg chg="delSp modSp add mod">
-        <pc:chgData name="Anton Schmierer" userId="cd19fb61ffe98ab8" providerId="LiveId" clId="{80B9D0F7-EA3F-41F2-A018-82727FD7D854}" dt="2025-11-02T12:33:45.497" v="2138" actId="20577"/>
+        <pc:chgData name="Anton Schmierer" userId="cd19fb61ffe98ab8" providerId="LiveId" clId="{80B9D0F7-EA3F-41F2-A018-82727FD7D854}" dt="2025-11-02T13:15:10.343" v="3147" actId="404"/>
         <pc:sldMkLst>
           <pc:docMk/>
           <pc:sldMk cId="3198472219" sldId="324"/>
@@ -522,7 +523,7 @@
           </ac:spMkLst>
         </pc:spChg>
         <pc:spChg chg="mod topLvl">
-          <ac:chgData name="Anton Schmierer" userId="cd19fb61ffe98ab8" providerId="LiveId" clId="{80B9D0F7-EA3F-41F2-A018-82727FD7D854}" dt="2025-11-02T12:31:49.584" v="2137" actId="1037"/>
+          <ac:chgData name="Anton Schmierer" userId="cd19fb61ffe98ab8" providerId="LiveId" clId="{80B9D0F7-EA3F-41F2-A018-82727FD7D854}" dt="2025-11-02T13:15:10.343" v="3147" actId="404"/>
           <ac:spMkLst>
             <pc:docMk/>
             <pc:sldMk cId="3198472219" sldId="324"/>
@@ -576,7 +577,7 @@
         </pc:sldMkLst>
       </pc:sldChg>
       <pc:sldChg chg="addSp delSp modSp add mod">
-        <pc:chgData name="Anton Schmierer" userId="cd19fb61ffe98ab8" providerId="LiveId" clId="{80B9D0F7-EA3F-41F2-A018-82727FD7D854}" dt="2025-11-02T12:29:11.707" v="2128" actId="14100"/>
+        <pc:chgData name="Anton Schmierer" userId="cd19fb61ffe98ab8" providerId="LiveId" clId="{80B9D0F7-EA3F-41F2-A018-82727FD7D854}" dt="2025-11-02T13:05:11.444" v="2516" actId="20577"/>
         <pc:sldMkLst>
           <pc:docMk/>
           <pc:sldMk cId="2896009243" sldId="326"/>
@@ -590,7 +591,7 @@
           </ac:spMkLst>
         </pc:spChg>
         <pc:spChg chg="mod">
-          <ac:chgData name="Anton Schmierer" userId="cd19fb61ffe98ab8" providerId="LiveId" clId="{80B9D0F7-EA3F-41F2-A018-82727FD7D854}" dt="2025-11-02T12:16:07.745" v="1565" actId="20577"/>
+          <ac:chgData name="Anton Schmierer" userId="cd19fb61ffe98ab8" providerId="LiveId" clId="{80B9D0F7-EA3F-41F2-A018-82727FD7D854}" dt="2025-11-02T12:44:28.914" v="2335" actId="113"/>
           <ac:spMkLst>
             <pc:docMk/>
             <pc:sldMk cId="2896009243" sldId="326"/>
@@ -622,7 +623,7 @@
           </ac:spMkLst>
         </pc:spChg>
         <pc:spChg chg="mod topLvl">
-          <ac:chgData name="Anton Schmierer" userId="cd19fb61ffe98ab8" providerId="LiveId" clId="{80B9D0F7-EA3F-41F2-A018-82727FD7D854}" dt="2025-11-02T12:29:11.707" v="2128" actId="14100"/>
+          <ac:chgData name="Anton Schmierer" userId="cd19fb61ffe98ab8" providerId="LiveId" clId="{80B9D0F7-EA3F-41F2-A018-82727FD7D854}" dt="2025-11-02T13:05:11.444" v="2516" actId="20577"/>
           <ac:spMkLst>
             <pc:docMk/>
             <pc:sldMk cId="2896009243" sldId="326"/>
@@ -654,7 +655,7 @@
           </ac:spMkLst>
         </pc:spChg>
         <pc:spChg chg="mod topLvl">
-          <ac:chgData name="Anton Schmierer" userId="cd19fb61ffe98ab8" providerId="LiveId" clId="{80B9D0F7-EA3F-41F2-A018-82727FD7D854}" dt="2025-11-02T12:29:11.707" v="2128" actId="14100"/>
+          <ac:chgData name="Anton Schmierer" userId="cd19fb61ffe98ab8" providerId="LiveId" clId="{80B9D0F7-EA3F-41F2-A018-82727FD7D854}" dt="2025-11-02T12:38:18.617" v="2305" actId="20577"/>
           <ac:spMkLst>
             <pc:docMk/>
             <pc:sldMk cId="2896009243" sldId="326"/>
@@ -662,7 +663,7 @@
           </ac:spMkLst>
         </pc:spChg>
         <pc:spChg chg="mod">
-          <ac:chgData name="Anton Schmierer" userId="cd19fb61ffe98ab8" providerId="LiveId" clId="{80B9D0F7-EA3F-41F2-A018-82727FD7D854}" dt="2025-11-02T12:17:12.585" v="1569" actId="20577"/>
+          <ac:chgData name="Anton Schmierer" userId="cd19fb61ffe98ab8" providerId="LiveId" clId="{80B9D0F7-EA3F-41F2-A018-82727FD7D854}" dt="2025-11-02T12:38:59.953" v="2318" actId="404"/>
           <ac:spMkLst>
             <pc:docMk/>
             <pc:sldMk cId="2896009243" sldId="326"/>
@@ -670,11 +671,43 @@
           </ac:spMkLst>
         </pc:spChg>
         <pc:spChg chg="mod">
-          <ac:chgData name="Anton Schmierer" userId="cd19fb61ffe98ab8" providerId="LiveId" clId="{80B9D0F7-EA3F-41F2-A018-82727FD7D854}" dt="2025-11-02T12:17:15.562" v="1571" actId="20577"/>
+          <ac:chgData name="Anton Schmierer" userId="cd19fb61ffe98ab8" providerId="LiveId" clId="{80B9D0F7-EA3F-41F2-A018-82727FD7D854}" dt="2025-11-02T12:39:14.313" v="2327" actId="403"/>
           <ac:spMkLst>
             <pc:docMk/>
             <pc:sldMk cId="2896009243" sldId="326"/>
             <ac:spMk id="38" creationId="{AE2420E3-4D7A-C81B-F081-6F10F27E26AE}"/>
+          </ac:spMkLst>
+        </pc:spChg>
+        <pc:spChg chg="mod">
+          <ac:chgData name="Anton Schmierer" userId="cd19fb61ffe98ab8" providerId="LiveId" clId="{80B9D0F7-EA3F-41F2-A018-82727FD7D854}" dt="2025-11-02T12:39:08.821" v="2322" actId="404"/>
+          <ac:spMkLst>
+            <pc:docMk/>
+            <pc:sldMk cId="2896009243" sldId="326"/>
+            <ac:spMk id="39" creationId="{9201EE11-2D3D-CB63-18E4-7D4812906E92}"/>
+          </ac:spMkLst>
+        </pc:spChg>
+        <pc:spChg chg="mod">
+          <ac:chgData name="Anton Schmierer" userId="cd19fb61ffe98ab8" providerId="LiveId" clId="{80B9D0F7-EA3F-41F2-A018-82727FD7D854}" dt="2025-11-02T12:39:26.130" v="2333" actId="403"/>
+          <ac:spMkLst>
+            <pc:docMk/>
+            <pc:sldMk cId="2896009243" sldId="326"/>
+            <ac:spMk id="40" creationId="{0316FB99-7A2E-CB39-7A1D-7F63DC6BCE64}"/>
+          </ac:spMkLst>
+        </pc:spChg>
+        <pc:spChg chg="mod">
+          <ac:chgData name="Anton Schmierer" userId="cd19fb61ffe98ab8" providerId="LiveId" clId="{80B9D0F7-EA3F-41F2-A018-82727FD7D854}" dt="2025-11-02T12:51:38.904" v="2462" actId="403"/>
+          <ac:spMkLst>
+            <pc:docMk/>
+            <pc:sldMk cId="2896009243" sldId="326"/>
+            <ac:spMk id="41" creationId="{60283704-3184-7A24-89B9-3C9E011BAFEF}"/>
+          </ac:spMkLst>
+        </pc:spChg>
+        <pc:spChg chg="mod">
+          <ac:chgData name="Anton Schmierer" userId="cd19fb61ffe98ab8" providerId="LiveId" clId="{80B9D0F7-EA3F-41F2-A018-82727FD7D854}" dt="2025-11-02T12:51:25.637" v="2457" actId="20577"/>
+          <ac:spMkLst>
+            <pc:docMk/>
+            <pc:sldMk cId="2896009243" sldId="326"/>
+            <ac:spMk id="42" creationId="{E130BCB5-B097-92E4-F91B-53BC62BA00F3}"/>
           </ac:spMkLst>
         </pc:spChg>
         <pc:grpChg chg="del">
@@ -693,6 +726,77 @@
             <ac:grpSpMk id="34" creationId="{E7E4CACD-D50D-8A4D-430E-06F738BD7758}"/>
           </ac:grpSpMkLst>
         </pc:grpChg>
+      </pc:sldChg>
+      <pc:sldChg chg="modSp add mod ord">
+        <pc:chgData name="Anton Schmierer" userId="cd19fb61ffe98ab8" providerId="LiveId" clId="{80B9D0F7-EA3F-41F2-A018-82727FD7D854}" dt="2025-11-02T13:16:11.357" v="3148" actId="20577"/>
+        <pc:sldMkLst>
+          <pc:docMk/>
+          <pc:sldMk cId="1755105979" sldId="327"/>
+        </pc:sldMkLst>
+        <pc:spChg chg="mod">
+          <ac:chgData name="Anton Schmierer" userId="cd19fb61ffe98ab8" providerId="LiveId" clId="{80B9D0F7-EA3F-41F2-A018-82727FD7D854}" dt="2025-11-02T13:16:11.357" v="3148" actId="20577"/>
+          <ac:spMkLst>
+            <pc:docMk/>
+            <pc:sldMk cId="1755105979" sldId="327"/>
+            <ac:spMk id="13" creationId="{53D599D6-C41F-1508-6732-74CF3E45437B}"/>
+          </ac:spMkLst>
+        </pc:spChg>
+        <pc:spChg chg="mod">
+          <ac:chgData name="Anton Schmierer" userId="cd19fb61ffe98ab8" providerId="LiveId" clId="{80B9D0F7-EA3F-41F2-A018-82727FD7D854}" dt="2025-11-02T13:09:52.201" v="2650" actId="20577"/>
+          <ac:spMkLst>
+            <pc:docMk/>
+            <pc:sldMk cId="1755105979" sldId="327"/>
+            <ac:spMk id="23" creationId="{425C52F3-9F06-D600-8402-6801DD2D20C8}"/>
+          </ac:spMkLst>
+        </pc:spChg>
+        <pc:spChg chg="mod">
+          <ac:chgData name="Anton Schmierer" userId="cd19fb61ffe98ab8" providerId="LiveId" clId="{80B9D0F7-EA3F-41F2-A018-82727FD7D854}" dt="2025-11-02T13:10:37.064" v="2764" actId="20577"/>
+          <ac:spMkLst>
+            <pc:docMk/>
+            <pc:sldMk cId="1755105979" sldId="327"/>
+            <ac:spMk id="30" creationId="{3152A41D-2DBE-F6ED-FF7D-D95B71304EF2}"/>
+          </ac:spMkLst>
+        </pc:spChg>
+        <pc:spChg chg="mod">
+          <ac:chgData name="Anton Schmierer" userId="cd19fb61ffe98ab8" providerId="LiveId" clId="{80B9D0F7-EA3F-41F2-A018-82727FD7D854}" dt="2025-11-02T13:14:58.684" v="3146" actId="404"/>
+          <ac:spMkLst>
+            <pc:docMk/>
+            <pc:sldMk cId="1755105979" sldId="327"/>
+            <ac:spMk id="36" creationId="{5917989A-AC49-5190-B8C3-A2231234889E}"/>
+          </ac:spMkLst>
+        </pc:spChg>
+        <pc:spChg chg="mod">
+          <ac:chgData name="Anton Schmierer" userId="cd19fb61ffe98ab8" providerId="LiveId" clId="{80B9D0F7-EA3F-41F2-A018-82727FD7D854}" dt="2025-11-02T13:13:03.597" v="3140" actId="20577"/>
+          <ac:spMkLst>
+            <pc:docMk/>
+            <pc:sldMk cId="1755105979" sldId="327"/>
+            <ac:spMk id="37" creationId="{1B2CD919-00AE-CB18-B1E7-62874B211899}"/>
+          </ac:spMkLst>
+        </pc:spChg>
+        <pc:spChg chg="mod">
+          <ac:chgData name="Anton Schmierer" userId="cd19fb61ffe98ab8" providerId="LiveId" clId="{80B9D0F7-EA3F-41F2-A018-82727FD7D854}" dt="2025-11-02T13:13:14.503" v="3141" actId="20577"/>
+          <ac:spMkLst>
+            <pc:docMk/>
+            <pc:sldMk cId="1755105979" sldId="327"/>
+            <ac:spMk id="38" creationId="{70C3C467-7236-73BC-2AEF-EC174F75747A}"/>
+          </ac:spMkLst>
+        </pc:spChg>
+        <pc:spChg chg="mod">
+          <ac:chgData name="Anton Schmierer" userId="cd19fb61ffe98ab8" providerId="LiveId" clId="{80B9D0F7-EA3F-41F2-A018-82727FD7D854}" dt="2025-11-02T13:13:46.721" v="3142" actId="20577"/>
+          <ac:spMkLst>
+            <pc:docMk/>
+            <pc:sldMk cId="1755105979" sldId="327"/>
+            <ac:spMk id="40" creationId="{7C3B4822-ABDA-A835-CF63-3B64F8C04BA3}"/>
+          </ac:spMkLst>
+        </pc:spChg>
+        <pc:spChg chg="mod">
+          <ac:chgData name="Anton Schmierer" userId="cd19fb61ffe98ab8" providerId="LiveId" clId="{80B9D0F7-EA3F-41F2-A018-82727FD7D854}" dt="2025-11-02T13:14:34.117" v="3145"/>
+          <ac:spMkLst>
+            <pc:docMk/>
+            <pc:sldMk cId="1755105979" sldId="327"/>
+            <ac:spMk id="42" creationId="{F1322A1A-71DE-C7B6-C853-009C947D05D6}"/>
+          </ac:spMkLst>
+        </pc:spChg>
       </pc:sldChg>
       <pc:sldChg chg="del">
         <pc:chgData name="Anton Schmierer" userId="cd19fb61ffe98ab8" providerId="LiveId" clId="{80B9D0F7-EA3F-41F2-A018-82727FD7D854}" dt="2025-10-31T16:09:01.383" v="2" actId="2696"/>
@@ -2106,6 +2210,115 @@
     <p:extLst>
       <p:ext uri="{BB962C8B-B14F-4D97-AF65-F5344CB8AC3E}">
         <p14:creationId xmlns:p14="http://schemas.microsoft.com/office/powerpoint/2010/main" val="2058104501"/>
+      </p:ext>
+    </p:extLst>
+  </p:cSld>
+  <p:clrMapOvr>
+    <a:masterClrMapping/>
+  </p:clrMapOvr>
+</p:notes>
+</file>
+
+<file path=ppt/notesSlides/notesSlide7.xml><?xml version="1.0" encoding="utf-8"?>
+<p:notes xmlns:a="http://schemas.openxmlformats.org/drawingml/2006/main" xmlns:r="http://schemas.openxmlformats.org/officeDocument/2006/relationships" xmlns:p="http://schemas.openxmlformats.org/presentationml/2006/main">
+  <p:cSld>
+    <p:spTree>
+      <p:nvGrpSpPr>
+        <p:cNvPr id="1" name="">
+          <a:extLst>
+            <a:ext uri="{FF2B5EF4-FFF2-40B4-BE49-F238E27FC236}">
+              <a16:creationId xmlns:a16="http://schemas.microsoft.com/office/drawing/2014/main" id="{D0D34549-4649-3971-E334-0FF492D9B3D1}"/>
+            </a:ext>
+          </a:extLst>
+        </p:cNvPr>
+        <p:cNvGrpSpPr/>
+        <p:nvPr/>
+      </p:nvGrpSpPr>
+      <p:grpSpPr>
+        <a:xfrm>
+          <a:off x="0" y="0"/>
+          <a:ext cx="0" cy="0"/>
+          <a:chOff x="0" y="0"/>
+          <a:chExt cx="0" cy="0"/>
+        </a:xfrm>
+      </p:grpSpPr>
+      <p:sp>
+        <p:nvSpPr>
+          <p:cNvPr id="2" name="Folienbildplatzhalter 1">
+            <a:extLst>
+              <a:ext uri="{FF2B5EF4-FFF2-40B4-BE49-F238E27FC236}">
+                <a16:creationId xmlns:a16="http://schemas.microsoft.com/office/drawing/2014/main" id="{EB2327C9-57A4-94AA-5758-C9CEA8B3E08D}"/>
+              </a:ext>
+            </a:extLst>
+          </p:cNvPr>
+          <p:cNvSpPr>
+            <a:spLocks noGrp="1" noRot="1" noChangeAspect="1"/>
+          </p:cNvSpPr>
+          <p:nvPr>
+            <p:ph type="sldImg"/>
+          </p:nvPr>
+        </p:nvSpPr>
+        <p:spPr/>
+      </p:sp>
+      <p:sp>
+        <p:nvSpPr>
+          <p:cNvPr id="3" name="Notizenplatzhalter 2">
+            <a:extLst>
+              <a:ext uri="{FF2B5EF4-FFF2-40B4-BE49-F238E27FC236}">
+                <a16:creationId xmlns:a16="http://schemas.microsoft.com/office/drawing/2014/main" id="{ED5A8624-6AB9-8354-6163-BD0DC0A94FEC}"/>
+              </a:ext>
+            </a:extLst>
+          </p:cNvPr>
+          <p:cNvSpPr>
+            <a:spLocks noGrp="1"/>
+          </p:cNvSpPr>
+          <p:nvPr>
+            <p:ph type="body" idx="1"/>
+          </p:nvPr>
+        </p:nvSpPr>
+        <p:spPr/>
+        <p:txBody>
+          <a:bodyPr/>
+          <a:lstStyle/>
+          <a:p>
+            <a:endParaRPr lang="de-DE"/>
+          </a:p>
+        </p:txBody>
+      </p:sp>
+      <p:sp>
+        <p:nvSpPr>
+          <p:cNvPr id="4" name="Foliennummernplatzhalter 3">
+            <a:extLst>
+              <a:ext uri="{FF2B5EF4-FFF2-40B4-BE49-F238E27FC236}">
+                <a16:creationId xmlns:a16="http://schemas.microsoft.com/office/drawing/2014/main" id="{F5FCF8DF-C621-9A7F-E161-9BCB74848E25}"/>
+              </a:ext>
+            </a:extLst>
+          </p:cNvPr>
+          <p:cNvSpPr>
+            <a:spLocks noGrp="1"/>
+          </p:cNvSpPr>
+          <p:nvPr>
+            <p:ph type="sldNum" sz="quarter" idx="5"/>
+          </p:nvPr>
+        </p:nvSpPr>
+        <p:spPr/>
+        <p:txBody>
+          <a:bodyPr/>
+          <a:lstStyle/>
+          <a:p>
+            <a:fld id="{5EB2B633-7BEC-49A7-B3BF-92E0C7E450E6}" type="slidenum">
+              <a:rPr lang="de-DE" altLang="de-DE" smtClean="0"/>
+              <a:pPr/>
+              <a:t>7</a:t>
+            </a:fld>
+            <a:endParaRPr lang="de-DE" altLang="de-DE"/>
+          </a:p>
+        </p:txBody>
+      </p:sp>
+    </p:spTree>
+    <p:extLst>
+      <p:ext uri="{BB962C8B-B14F-4D97-AF65-F5344CB8AC3E}">
+        <p14:creationId xmlns:p14="http://schemas.microsoft.com/office/powerpoint/2010/main" val="3718630312"/>
       </p:ext>
     </p:extLst>
   </p:cSld>
@@ -11052,7 +11265,7 @@
                   <a:schemeClr val="tx1"/>
                 </a:solidFill>
               </a:rPr>
-              <a:t>.</a:t>
+              <a:t>. Principle of least required privilege.</a:t>
             </a:r>
           </a:p>
         </p:txBody>
@@ -11339,11 +11552,190 @@
           <a:bodyPr rtlCol="0" anchor="ctr"/>
           <a:lstStyle/>
           <a:p>
-            <a:endParaRPr lang="en-US" sz="1100" dirty="0">
-              <a:solidFill>
-                <a:schemeClr val="tx1"/>
-              </a:solidFill>
-            </a:endParaRPr>
+            <a:r>
+              <a:rPr lang="en-US" sz="1100" dirty="0">
+                <a:solidFill>
+                  <a:schemeClr val="tx1"/>
+                </a:solidFill>
+              </a:rPr>
+              <a:t>Die </a:t>
+            </a:r>
+            <a:r>
+              <a:rPr lang="en-US" sz="1100" dirty="0" err="1">
+                <a:solidFill>
+                  <a:schemeClr val="tx1"/>
+                </a:solidFill>
+              </a:rPr>
+              <a:t>Konten</a:t>
+            </a:r>
+            <a:r>
+              <a:rPr lang="en-US" sz="1100" dirty="0">
+                <a:solidFill>
+                  <a:schemeClr val="tx1"/>
+                </a:solidFill>
+              </a:rPr>
+              <a:t> </a:t>
+            </a:r>
+            <a:r>
+              <a:rPr lang="en-US" sz="1100" dirty="0" err="1">
+                <a:solidFill>
+                  <a:schemeClr val="tx1"/>
+                </a:solidFill>
+              </a:rPr>
+              <a:t>sind</a:t>
+            </a:r>
+            <a:r>
+              <a:rPr lang="en-US" sz="1100" dirty="0">
+                <a:solidFill>
+                  <a:schemeClr val="tx1"/>
+                </a:solidFill>
+              </a:rPr>
+              <a:t> </a:t>
+            </a:r>
+            <a:r>
+              <a:rPr lang="en-US" sz="1100" dirty="0" err="1">
+                <a:solidFill>
+                  <a:schemeClr val="tx1"/>
+                </a:solidFill>
+              </a:rPr>
+              <a:t>passwortgeschützt</a:t>
+            </a:r>
+            <a:r>
+              <a:rPr lang="en-US" sz="1100" dirty="0">
+                <a:solidFill>
+                  <a:schemeClr val="tx1"/>
+                </a:solidFill>
+              </a:rPr>
+              <a:t> und </a:t>
+            </a:r>
+            <a:r>
+              <a:rPr lang="en-US" sz="1100" dirty="0" err="1">
+                <a:solidFill>
+                  <a:schemeClr val="tx1"/>
+                </a:solidFill>
+              </a:rPr>
+              <a:t>mit</a:t>
+            </a:r>
+            <a:r>
+              <a:rPr lang="en-US" sz="1100" dirty="0">
+                <a:solidFill>
+                  <a:schemeClr val="tx1"/>
+                </a:solidFill>
+              </a:rPr>
+              <a:t> den </a:t>
+            </a:r>
+            <a:r>
+              <a:rPr lang="en-US" sz="1100" dirty="0" err="1">
+                <a:solidFill>
+                  <a:schemeClr val="tx1"/>
+                </a:solidFill>
+              </a:rPr>
+              <a:t>entsprechenden</a:t>
+            </a:r>
+            <a:r>
+              <a:rPr lang="en-US" sz="1100" dirty="0">
+                <a:solidFill>
+                  <a:schemeClr val="tx1"/>
+                </a:solidFill>
+              </a:rPr>
+              <a:t> </a:t>
+            </a:r>
+            <a:r>
+              <a:rPr lang="en-US" sz="1100" dirty="0" err="1">
+                <a:solidFill>
+                  <a:schemeClr val="tx1"/>
+                </a:solidFill>
+              </a:rPr>
+              <a:t>Berechtigungen</a:t>
+            </a:r>
+            <a:r>
+              <a:rPr lang="en-US" sz="1100" dirty="0">
+                <a:solidFill>
+                  <a:schemeClr val="tx1"/>
+                </a:solidFill>
+              </a:rPr>
+              <a:t> </a:t>
+            </a:r>
+            <a:r>
+              <a:rPr lang="en-US" sz="1100" dirty="0" err="1">
+                <a:solidFill>
+                  <a:schemeClr val="tx1"/>
+                </a:solidFill>
+              </a:rPr>
+              <a:t>ausgestattet</a:t>
+            </a:r>
+            <a:r>
+              <a:rPr lang="en-US" sz="1100" dirty="0">
+                <a:solidFill>
+                  <a:schemeClr val="tx1"/>
+                </a:solidFill>
+              </a:rPr>
+              <a:t>. Es </a:t>
+            </a:r>
+            <a:r>
+              <a:rPr lang="en-US" sz="1100" dirty="0" err="1">
+                <a:solidFill>
+                  <a:schemeClr val="tx1"/>
+                </a:solidFill>
+              </a:rPr>
+              <a:t>gibt</a:t>
+            </a:r>
+            <a:r>
+              <a:rPr lang="en-US" sz="1100" dirty="0">
+                <a:solidFill>
+                  <a:schemeClr val="tx1"/>
+                </a:solidFill>
+              </a:rPr>
+              <a:t> </a:t>
+            </a:r>
+            <a:r>
+              <a:rPr lang="en-US" sz="1100" dirty="0" err="1">
+                <a:solidFill>
+                  <a:schemeClr val="tx1"/>
+                </a:solidFill>
+              </a:rPr>
+              <a:t>mindestens</a:t>
+            </a:r>
+            <a:r>
+              <a:rPr lang="en-US" sz="1100" dirty="0">
+                <a:solidFill>
+                  <a:schemeClr val="tx1"/>
+                </a:solidFill>
+              </a:rPr>
+              <a:t> </a:t>
+            </a:r>
+            <a:r>
+              <a:rPr lang="en-US" sz="1100" dirty="0" err="1">
+                <a:solidFill>
+                  <a:schemeClr val="tx1"/>
+                </a:solidFill>
+              </a:rPr>
+              <a:t>ein</a:t>
+            </a:r>
+            <a:r>
+              <a:rPr lang="en-US" sz="1100" dirty="0">
+                <a:solidFill>
+                  <a:schemeClr val="tx1"/>
+                </a:solidFill>
+              </a:rPr>
+              <a:t> </a:t>
+            </a:r>
+            <a:r>
+              <a:rPr lang="en-US" sz="1100" dirty="0" err="1">
+                <a:solidFill>
+                  <a:schemeClr val="tx1"/>
+                </a:solidFill>
+              </a:rPr>
+              <a:t>Administrationskonto</a:t>
+            </a:r>
+            <a:r>
+              <a:rPr lang="en-US" sz="1100" dirty="0">
+                <a:solidFill>
+                  <a:schemeClr val="tx1"/>
+                </a:solidFill>
+              </a:rPr>
+              <a:t>.</a:t>
+            </a:r>
           </a:p>
         </p:txBody>
       </p:sp>
@@ -11423,13 +11815,16 @@
                   <a:schemeClr val="tx1"/>
                 </a:solidFill>
               </a:rPr>
-              <a:t>: 5</a:t>
-            </a:r>
-            <a:endParaRPr lang="de-DE" sz="1100" dirty="0">
-              <a:solidFill>
-                <a:schemeClr val="tx1"/>
-              </a:solidFill>
-            </a:endParaRPr>
+              <a:t>: </a:t>
+            </a:r>
+            <a:r>
+              <a:rPr lang="de-DE" sz="1100" dirty="0">
+                <a:solidFill>
+                  <a:schemeClr val="tx1"/>
+                </a:solidFill>
+              </a:rPr>
+              <a:t>5</a:t>
+            </a:r>
           </a:p>
         </p:txBody>
       </p:sp>
@@ -11504,13 +11899,16 @@
                   <a:schemeClr val="tx1"/>
                 </a:solidFill>
               </a:rPr>
-              <a:t>: 5</a:t>
-            </a:r>
-            <a:endParaRPr lang="de-DE" sz="1100" dirty="0">
-              <a:solidFill>
-                <a:schemeClr val="tx1"/>
-              </a:solidFill>
-            </a:endParaRPr>
+              <a:t>: </a:t>
+            </a:r>
+            <a:r>
+              <a:rPr lang="de-DE" sz="1100" dirty="0">
+                <a:solidFill>
+                  <a:schemeClr val="tx1"/>
+                </a:solidFill>
+              </a:rPr>
+              <a:t>5</a:t>
+            </a:r>
           </a:p>
         </p:txBody>
       </p:sp>
@@ -11582,7 +11980,15 @@
                   <a:schemeClr val="tx1"/>
                 </a:solidFill>
               </a:rPr>
-              <a:t>:</a:t>
+              <a:t>: </a:t>
+            </a:r>
+            <a:r>
+              <a:rPr lang="de-DE" sz="1050" dirty="0">
+                <a:solidFill>
+                  <a:schemeClr val="tx1"/>
+                </a:solidFill>
+              </a:rPr>
+              <a:t>Hoch</a:t>
             </a:r>
             <a:endParaRPr lang="de-DE" sz="1100" dirty="0">
               <a:solidFill>
@@ -11655,13 +12061,16 @@
                   <a:schemeClr val="tx1"/>
                 </a:solidFill>
               </a:rPr>
-              <a:t>:</a:t>
-            </a:r>
-            <a:endParaRPr lang="de-DE" sz="1100" dirty="0">
-              <a:solidFill>
-                <a:schemeClr val="tx1"/>
-              </a:solidFill>
-            </a:endParaRPr>
+              <a:t>: </a:t>
+            </a:r>
+            <a:r>
+              <a:rPr lang="de-DE" sz="1100" dirty="0">
+                <a:solidFill>
+                  <a:schemeClr val="tx1"/>
+                </a:solidFill>
+              </a:rPr>
+              <a:t>-</a:t>
+            </a:r>
           </a:p>
         </p:txBody>
       </p:sp>
@@ -11733,13 +12142,16 @@
                   <a:schemeClr val="tx1"/>
                 </a:solidFill>
               </a:rPr>
-              <a:t> Materials:</a:t>
-            </a:r>
-            <a:endParaRPr lang="de-DE" sz="1100" dirty="0">
-              <a:solidFill>
-                <a:schemeClr val="tx1"/>
-              </a:solidFill>
-            </a:endParaRPr>
+              <a:t> Materials: </a:t>
+            </a:r>
+            <a:r>
+              <a:rPr lang="de-DE" sz="1100" dirty="0">
+                <a:solidFill>
+                  <a:schemeClr val="tx1"/>
+                </a:solidFill>
+              </a:rPr>
+              <a:t>Anforderungsbeschreibung</a:t>
+            </a:r>
           </a:p>
         </p:txBody>
       </p:sp>
@@ -11757,7 +12169,7 @@
         </p:nvSpPr>
         <p:spPr>
           <a:xfrm>
-            <a:off x="192088" y="6013455"/>
+            <a:off x="192086" y="6021388"/>
             <a:ext cx="5745162" cy="323850"/>
           </a:xfrm>
           <a:prstGeom prst="rect">
@@ -11814,12 +12226,52 @@
               <a:t>:</a:t>
             </a:r>
             <a:r>
+              <a:rPr lang="de-DE" sz="1100" b="1" dirty="0">
+                <a:solidFill>
+                  <a:schemeClr val="tx1"/>
+                </a:solidFill>
+              </a:rPr>
+              <a:t> </a:t>
+            </a:r>
+            <a:r>
               <a:rPr lang="de-DE" sz="1100" dirty="0">
                 <a:solidFill>
                   <a:schemeClr val="tx1"/>
                 </a:solidFill>
               </a:rPr>
-              <a:t>.</a:t>
+              <a:t>Erstellt 02.11.2025, bearbeitet: -, </a:t>
+            </a:r>
+            <a:r>
+              <a:rPr lang="de-DE" sz="1100" dirty="0" err="1">
+                <a:solidFill>
+                  <a:schemeClr val="tx1"/>
+                </a:solidFill>
+              </a:rPr>
+              <a:t>letzte:r</a:t>
+            </a:r>
+            <a:r>
+              <a:rPr lang="de-DE" sz="1100" dirty="0">
+                <a:solidFill>
+                  <a:schemeClr val="tx1"/>
+                </a:solidFill>
+              </a:rPr>
+              <a:t> </a:t>
+            </a:r>
+            <a:r>
+              <a:rPr lang="de-DE" sz="1100" dirty="0" err="1">
+                <a:solidFill>
+                  <a:schemeClr val="tx1"/>
+                </a:solidFill>
+              </a:rPr>
+              <a:t>Bearbeiter:in</a:t>
+            </a:r>
+            <a:r>
+              <a:rPr lang="de-DE" sz="1100" dirty="0">
+                <a:solidFill>
+                  <a:schemeClr val="tx1"/>
+                </a:solidFill>
+              </a:rPr>
+              <a:t> Anton Schmierer</a:t>
             </a:r>
           </a:p>
         </p:txBody>
@@ -13059,7 +13511,7 @@
           </a:p>
           <a:p>
             <a:r>
-              <a:rPr lang="en-US" sz="1200" dirty="0">
+              <a:rPr lang="en-US" sz="1100" dirty="0">
                 <a:solidFill>
                   <a:schemeClr val="tx1"/>
                 </a:solidFill>
@@ -13067,7 +13519,7 @@
               <a:t>Eine </a:t>
             </a:r>
             <a:r>
-              <a:rPr lang="en-US" sz="1200" dirty="0" err="1">
+              <a:rPr lang="en-US" sz="1100" dirty="0" err="1">
                 <a:solidFill>
                   <a:schemeClr val="tx1"/>
                 </a:solidFill>
@@ -13075,7 +13527,7 @@
               <a:t>neue</a:t>
             </a:r>
             <a:r>
-              <a:rPr lang="en-US" sz="1200" dirty="0">
+              <a:rPr lang="en-US" sz="1100" dirty="0">
                 <a:solidFill>
                   <a:schemeClr val="tx1"/>
                 </a:solidFill>
@@ -13083,7 +13535,7 @@
               <a:t> </a:t>
             </a:r>
             <a:r>
-              <a:rPr lang="en-US" sz="1200" dirty="0" err="1">
+              <a:rPr lang="en-US" sz="1100" dirty="0" err="1">
                 <a:solidFill>
                   <a:schemeClr val="tx1"/>
                 </a:solidFill>
@@ -13091,7 +13543,7 @@
               <a:t>Nutzer</a:t>
             </a:r>
             <a:r>
-              <a:rPr lang="en-US" sz="1200" dirty="0">
+              <a:rPr lang="en-US" sz="1100" dirty="0">
                 <a:solidFill>
                   <a:schemeClr val="tx1"/>
                 </a:solidFill>
@@ -13099,7 +13551,7 @@
               <a:t>*in </a:t>
             </a:r>
             <a:r>
-              <a:rPr lang="en-US" sz="1200" dirty="0" err="1">
+              <a:rPr lang="en-US" sz="1100" dirty="0" err="1">
                 <a:solidFill>
                   <a:schemeClr val="tx1"/>
                 </a:solidFill>
@@ -13107,7 +13559,7 @@
               <a:t>kann</a:t>
             </a:r>
             <a:r>
-              <a:rPr lang="en-US" sz="1200" dirty="0">
+              <a:rPr lang="en-US" sz="1100" dirty="0">
                 <a:solidFill>
                   <a:schemeClr val="tx1"/>
                 </a:solidFill>
@@ -13115,7 +13567,7 @@
               <a:t> </a:t>
             </a:r>
             <a:r>
-              <a:rPr lang="en-US" sz="1200" dirty="0" err="1">
+              <a:rPr lang="en-US" sz="1100" dirty="0" err="1">
                 <a:solidFill>
                   <a:schemeClr val="tx1"/>
                 </a:solidFill>
@@ -13123,7 +13575,7 @@
               <a:t>innerhalb</a:t>
             </a:r>
             <a:r>
-              <a:rPr lang="en-US" sz="1200" dirty="0">
+              <a:rPr lang="en-US" sz="1100" dirty="0">
                 <a:solidFill>
                   <a:schemeClr val="tx1"/>
                 </a:solidFill>
@@ -13131,7 +13583,7 @@
               <a:t> von </a:t>
             </a:r>
             <a:r>
-              <a:rPr lang="en-US" sz="1200" dirty="0" err="1">
+              <a:rPr lang="en-US" sz="1100" dirty="0" err="1">
                 <a:solidFill>
                   <a:schemeClr val="tx1"/>
                 </a:solidFill>
@@ -13139,7 +13591,7 @@
               <a:t>wenigen</a:t>
             </a:r>
             <a:r>
-              <a:rPr lang="en-US" sz="1200" dirty="0">
+              <a:rPr lang="en-US" sz="1100" dirty="0">
                 <a:solidFill>
                   <a:schemeClr val="tx1"/>
                 </a:solidFill>
@@ -13147,7 +13599,7 @@
               <a:t> </a:t>
             </a:r>
             <a:r>
-              <a:rPr lang="en-US" sz="1200" dirty="0" err="1">
+              <a:rPr lang="en-US" sz="1100" dirty="0" err="1">
                 <a:solidFill>
                   <a:schemeClr val="tx1"/>
                 </a:solidFill>
@@ -13155,7 +13607,7 @@
               <a:t>Minuten</a:t>
             </a:r>
             <a:r>
-              <a:rPr lang="en-US" sz="1200" dirty="0">
+              <a:rPr lang="en-US" sz="1100" dirty="0">
                 <a:solidFill>
                   <a:schemeClr val="tx1"/>
                 </a:solidFill>
@@ -13163,7 +13615,7 @@
               <a:t> </a:t>
             </a:r>
             <a:r>
-              <a:rPr lang="en-US" sz="1200" dirty="0" err="1">
+              <a:rPr lang="en-US" sz="1100" dirty="0" err="1">
                 <a:solidFill>
                   <a:schemeClr val="tx1"/>
                 </a:solidFill>
@@ -13171,7 +13623,7 @@
               <a:t>eine</a:t>
             </a:r>
             <a:r>
-              <a:rPr lang="en-US" sz="1200" dirty="0">
+              <a:rPr lang="en-US" sz="1100" dirty="0">
                 <a:solidFill>
                   <a:schemeClr val="tx1"/>
                 </a:solidFill>
@@ -13179,7 +13631,7 @@
               <a:t> </a:t>
             </a:r>
             <a:r>
-              <a:rPr lang="en-US" sz="1200" dirty="0" err="1">
+              <a:rPr lang="en-US" sz="1100" dirty="0" err="1">
                 <a:solidFill>
                   <a:schemeClr val="tx1"/>
                 </a:solidFill>
@@ -13187,7 +13639,7 @@
               <a:t>Anfrage</a:t>
             </a:r>
             <a:r>
-              <a:rPr lang="en-US" sz="1200" dirty="0">
+              <a:rPr lang="en-US" sz="1100" dirty="0">
                 <a:solidFill>
                   <a:schemeClr val="tx1"/>
                 </a:solidFill>
@@ -13195,7 +13647,7 @@
               <a:t> </a:t>
             </a:r>
             <a:r>
-              <a:rPr lang="en-US" sz="1200" dirty="0" err="1">
+              <a:rPr lang="en-US" sz="1100" dirty="0" err="1">
                 <a:solidFill>
                   <a:schemeClr val="tx1"/>
                 </a:solidFill>
@@ -13203,7 +13655,7 @@
               <a:t>vollständig</a:t>
             </a:r>
             <a:r>
-              <a:rPr lang="en-US" sz="1200" dirty="0">
+              <a:rPr lang="en-US" sz="1100" dirty="0">
                 <a:solidFill>
                   <a:schemeClr val="tx1"/>
                 </a:solidFill>
@@ -13211,7 +13663,7 @@
               <a:t> </a:t>
             </a:r>
             <a:r>
-              <a:rPr lang="en-US" sz="1200" dirty="0" err="1">
+              <a:rPr lang="en-US" sz="1100" dirty="0" err="1">
                 <a:solidFill>
                   <a:schemeClr val="tx1"/>
                 </a:solidFill>
@@ -13219,7 +13671,7 @@
               <a:t>erfassen</a:t>
             </a:r>
             <a:r>
-              <a:rPr lang="en-US" sz="1200" dirty="0">
+              <a:rPr lang="en-US" sz="1100" dirty="0">
                 <a:solidFill>
                   <a:schemeClr val="tx1"/>
                 </a:solidFill>
@@ -13227,7 +13679,7 @@
               <a:t>. Die </a:t>
             </a:r>
             <a:r>
-              <a:rPr lang="en-US" sz="1200" dirty="0" err="1">
+              <a:rPr lang="en-US" sz="1100" dirty="0" err="1">
                 <a:solidFill>
                   <a:schemeClr val="tx1"/>
                 </a:solidFill>
@@ -13235,7 +13687,7 @@
               <a:t>Oberfläche</a:t>
             </a:r>
             <a:r>
-              <a:rPr lang="en-US" sz="1200" dirty="0">
+              <a:rPr lang="en-US" sz="1100" dirty="0">
                 <a:solidFill>
                   <a:schemeClr val="tx1"/>
                 </a:solidFill>
@@ -13243,7 +13695,7 @@
               <a:t> </a:t>
             </a:r>
             <a:r>
-              <a:rPr lang="en-US" sz="1200" dirty="0" err="1">
+              <a:rPr lang="en-US" sz="1100" dirty="0" err="1">
                 <a:solidFill>
                   <a:schemeClr val="tx1"/>
                 </a:solidFill>
@@ -13251,7 +13703,7 @@
               <a:t>soll</a:t>
             </a:r>
             <a:r>
-              <a:rPr lang="en-US" sz="1200" dirty="0">
+              <a:rPr lang="en-US" sz="1100" dirty="0">
                 <a:solidFill>
                   <a:schemeClr val="tx1"/>
                 </a:solidFill>
@@ -13259,7 +13711,7 @@
               <a:t> </a:t>
             </a:r>
             <a:r>
-              <a:rPr lang="en-US" sz="1200" dirty="0" err="1">
+              <a:rPr lang="en-US" sz="1100" dirty="0" err="1">
                 <a:solidFill>
                   <a:schemeClr val="tx1"/>
                 </a:solidFill>
@@ -13267,7 +13719,7 @@
               <a:t>als</a:t>
             </a:r>
             <a:r>
-              <a:rPr lang="en-US" sz="1200" dirty="0">
+              <a:rPr lang="en-US" sz="1100" dirty="0">
                 <a:solidFill>
                   <a:schemeClr val="tx1"/>
                 </a:solidFill>
@@ -13275,7 +13727,7 @@
               <a:t> </a:t>
             </a:r>
             <a:r>
-              <a:rPr lang="en-US" sz="1200" dirty="0" err="1">
+              <a:rPr lang="en-US" sz="1100" dirty="0" err="1">
                 <a:solidFill>
                   <a:schemeClr val="tx1"/>
                 </a:solidFill>
@@ -13283,7 +13735,7 @@
               <a:t>intuitiv</a:t>
             </a:r>
             <a:r>
-              <a:rPr lang="en-US" sz="1200" dirty="0">
+              <a:rPr lang="en-US" sz="1100" dirty="0">
                 <a:solidFill>
                   <a:schemeClr val="tx1"/>
                 </a:solidFill>
@@ -13291,7 +13743,7 @@
               <a:t> und </a:t>
             </a:r>
             <a:r>
-              <a:rPr lang="en-US" sz="1200" dirty="0" err="1">
+              <a:rPr lang="en-US" sz="1100" dirty="0" err="1">
                 <a:solidFill>
                   <a:schemeClr val="tx1"/>
                 </a:solidFill>
@@ -13299,7 +13751,7 @@
               <a:t>verständlich</a:t>
             </a:r>
             <a:r>
-              <a:rPr lang="en-US" sz="1200" dirty="0">
+              <a:rPr lang="en-US" sz="1100" dirty="0">
                 <a:solidFill>
                   <a:schemeClr val="tx1"/>
                 </a:solidFill>
@@ -13307,7 +13759,7 @@
               <a:t> </a:t>
             </a:r>
             <a:r>
-              <a:rPr lang="en-US" sz="1200" dirty="0" err="1">
+              <a:rPr lang="en-US" sz="1100" dirty="0" err="1">
                 <a:solidFill>
                   <a:schemeClr val="tx1"/>
                 </a:solidFill>
@@ -13315,7 +13767,7 @@
               <a:t>wahrgenommen</a:t>
             </a:r>
             <a:r>
-              <a:rPr lang="en-US" sz="1200" dirty="0">
+              <a:rPr lang="en-US" sz="1100" dirty="0">
                 <a:solidFill>
                   <a:schemeClr val="tx1"/>
                 </a:solidFill>
@@ -13323,7 +13775,7 @@
               <a:t> </a:t>
             </a:r>
             <a:r>
-              <a:rPr lang="en-US" sz="1200" dirty="0" err="1">
+              <a:rPr lang="en-US" sz="1100" dirty="0" err="1">
                 <a:solidFill>
                   <a:schemeClr val="tx1"/>
                 </a:solidFill>
@@ -13331,7 +13783,7 @@
               <a:t>werden</a:t>
             </a:r>
             <a:r>
-              <a:rPr lang="en-US" sz="1200" dirty="0">
+              <a:rPr lang="en-US" sz="1100" dirty="0">
                 <a:solidFill>
                   <a:schemeClr val="tx1"/>
                 </a:solidFill>
@@ -13339,7 +13791,7 @@
               <a:t>. </a:t>
             </a:r>
             <a:r>
-              <a:rPr lang="en-US" sz="1200" dirty="0" err="1">
+              <a:rPr lang="en-US" sz="1100" dirty="0" err="1">
                 <a:solidFill>
                   <a:schemeClr val="tx1"/>
                 </a:solidFill>
@@ -13347,7 +13799,7 @@
               <a:t>Schriftgröße</a:t>
             </a:r>
             <a:r>
-              <a:rPr lang="en-US" sz="1200" dirty="0">
+              <a:rPr lang="en-US" sz="1100" dirty="0">
                 <a:solidFill>
                   <a:schemeClr val="tx1"/>
                 </a:solidFill>
@@ -13355,7 +13807,7 @@
               <a:t> und </a:t>
             </a:r>
             <a:r>
-              <a:rPr lang="en-US" sz="1200" dirty="0" err="1">
+              <a:rPr lang="en-US" sz="1100" dirty="0" err="1">
                 <a:solidFill>
                   <a:schemeClr val="tx1"/>
                 </a:solidFill>
@@ -13363,7 +13815,7 @@
               <a:t>Kontrast</a:t>
             </a:r>
             <a:r>
-              <a:rPr lang="en-US" sz="1200" dirty="0">
+              <a:rPr lang="en-US" sz="1100" dirty="0">
                 <a:solidFill>
                   <a:schemeClr val="tx1"/>
                 </a:solidFill>
@@ -13371,7 +13823,7 @@
               <a:t> </a:t>
             </a:r>
             <a:r>
-              <a:rPr lang="en-US" sz="1200" dirty="0" err="1">
+              <a:rPr lang="en-US" sz="1100" dirty="0" err="1">
                 <a:solidFill>
                   <a:schemeClr val="tx1"/>
                 </a:solidFill>
@@ -13379,7 +13831,7 @@
               <a:t>sind</a:t>
             </a:r>
             <a:r>
-              <a:rPr lang="en-US" sz="1200" dirty="0">
+              <a:rPr lang="en-US" sz="1100" dirty="0">
                 <a:solidFill>
                   <a:schemeClr val="tx1"/>
                 </a:solidFill>
@@ -13387,7 +13839,7 @@
               <a:t> </a:t>
             </a:r>
             <a:r>
-              <a:rPr lang="en-US" sz="1200" dirty="0" err="1">
+              <a:rPr lang="en-US" sz="1100" dirty="0" err="1">
                 <a:solidFill>
                   <a:schemeClr val="tx1"/>
                 </a:solidFill>
@@ -13395,7 +13847,7 @@
               <a:t>einstellbar</a:t>
             </a:r>
             <a:r>
-              <a:rPr lang="en-US" sz="1200" dirty="0">
+              <a:rPr lang="en-US" sz="1100" dirty="0">
                 <a:solidFill>
                   <a:schemeClr val="tx1"/>
                 </a:solidFill>
@@ -13908,6 +14360,1987 @@
     <p:extLst>
       <p:ext uri="{BB962C8B-B14F-4D97-AF65-F5344CB8AC3E}">
         <p14:creationId xmlns:p14="http://schemas.microsoft.com/office/powerpoint/2010/main" val="3198472219"/>
+      </p:ext>
+    </p:extLst>
+  </p:cSld>
+  <p:clrMapOvr>
+    <a:masterClrMapping/>
+  </p:clrMapOvr>
+</p:sld>
+</file>
+
+<file path=ppt/slides/slide7.xml><?xml version="1.0" encoding="utf-8"?>
+<p:sld xmlns:a="http://schemas.openxmlformats.org/drawingml/2006/main" xmlns:r="http://schemas.openxmlformats.org/officeDocument/2006/relationships" xmlns:p="http://schemas.openxmlformats.org/presentationml/2006/main">
+  <p:cSld>
+    <p:spTree>
+      <p:nvGrpSpPr>
+        <p:cNvPr id="1" name="">
+          <a:extLst>
+            <a:ext uri="{FF2B5EF4-FFF2-40B4-BE49-F238E27FC236}">
+              <a16:creationId xmlns:a16="http://schemas.microsoft.com/office/drawing/2014/main" id="{9E865AC0-B9A0-584B-D2F4-5088B60A56A2}"/>
+            </a:ext>
+          </a:extLst>
+        </p:cNvPr>
+        <p:cNvGrpSpPr/>
+        <p:nvPr/>
+      </p:nvGrpSpPr>
+      <p:grpSpPr>
+        <a:xfrm>
+          <a:off x="0" y="0"/>
+          <a:ext cx="0" cy="0"/>
+          <a:chOff x="0" y="0"/>
+          <a:chExt cx="0" cy="0"/>
+        </a:xfrm>
+      </p:grpSpPr>
+      <p:sp>
+        <p:nvSpPr>
+          <p:cNvPr id="5" name="Titel 4">
+            <a:extLst>
+              <a:ext uri="{FF2B5EF4-FFF2-40B4-BE49-F238E27FC236}">
+                <a16:creationId xmlns:a16="http://schemas.microsoft.com/office/drawing/2014/main" id="{625EA179-39C2-A972-3723-70D321546C37}"/>
+              </a:ext>
+            </a:extLst>
+          </p:cNvPr>
+          <p:cNvSpPr>
+            <a:spLocks noGrp="1"/>
+          </p:cNvSpPr>
+          <p:nvPr>
+            <p:ph type="title"/>
+          </p:nvPr>
+        </p:nvSpPr>
+        <p:spPr>
+          <a:xfrm>
+            <a:off x="1343025" y="152400"/>
+            <a:ext cx="10656888" cy="468314"/>
+          </a:xfrm>
+        </p:spPr>
+        <p:txBody>
+          <a:bodyPr>
+            <a:normAutofit/>
+          </a:bodyPr>
+          <a:lstStyle/>
+          <a:p>
+            <a:r>
+              <a:rPr lang="en-US" dirty="0"/>
+              <a:t>2. Non-Functional Requirements</a:t>
+            </a:r>
+            <a:endParaRPr lang="de-DE" dirty="0"/>
+          </a:p>
+        </p:txBody>
+      </p:sp>
+      <p:sp>
+        <p:nvSpPr>
+          <p:cNvPr id="13" name="Rechteck 12">
+            <a:extLst>
+              <a:ext uri="{FF2B5EF4-FFF2-40B4-BE49-F238E27FC236}">
+                <a16:creationId xmlns:a16="http://schemas.microsoft.com/office/drawing/2014/main" id="{53D599D6-C41F-1508-6732-74CF3E45437B}"/>
+              </a:ext>
+            </a:extLst>
+          </p:cNvPr>
+          <p:cNvSpPr/>
+          <p:nvPr/>
+        </p:nvSpPr>
+        <p:spPr>
+          <a:xfrm>
+            <a:off x="192088" y="908050"/>
+            <a:ext cx="3319462" cy="323850"/>
+          </a:xfrm>
+          <a:prstGeom prst="rect">
+            <a:avLst/>
+          </a:prstGeom>
+          <a:solidFill>
+            <a:schemeClr val="bg1"/>
+          </a:solidFill>
+          <a:ln w="6350">
+            <a:solidFill>
+              <a:schemeClr val="tx2"/>
+            </a:solidFill>
+          </a:ln>
+        </p:spPr>
+        <p:style>
+          <a:lnRef idx="2">
+            <a:schemeClr val="accent1">
+              <a:shade val="15000"/>
+            </a:schemeClr>
+          </a:lnRef>
+          <a:fillRef idx="1">
+            <a:schemeClr val="accent1"/>
+          </a:fillRef>
+          <a:effectRef idx="0">
+            <a:schemeClr val="accent1"/>
+          </a:effectRef>
+          <a:fontRef idx="minor">
+            <a:schemeClr val="lt1"/>
+          </a:fontRef>
+        </p:style>
+        <p:txBody>
+          <a:bodyPr rtlCol="0" anchor="ctr"/>
+          <a:lstStyle/>
+          <a:p>
+            <a:r>
+              <a:rPr lang="en-US" sz="1600" b="1" dirty="0">
+                <a:solidFill>
+                  <a:schemeClr val="tx1"/>
+                </a:solidFill>
+              </a:rPr>
+              <a:t>Requirement </a:t>
+            </a:r>
+            <a:r>
+              <a:rPr lang="en-US" sz="1600" b="1">
+                <a:solidFill>
+                  <a:schemeClr val="tx1"/>
+                </a:solidFill>
+              </a:rPr>
+              <a:t>#: NR-2</a:t>
+            </a:r>
+            <a:endParaRPr lang="en-US" sz="1600" b="1" dirty="0">
+              <a:solidFill>
+                <a:schemeClr val="tx1"/>
+              </a:solidFill>
+            </a:endParaRPr>
+          </a:p>
+        </p:txBody>
+      </p:sp>
+      <p:sp>
+        <p:nvSpPr>
+          <p:cNvPr id="14" name="Rechteck 13">
+            <a:extLst>
+              <a:ext uri="{FF2B5EF4-FFF2-40B4-BE49-F238E27FC236}">
+                <a16:creationId xmlns:a16="http://schemas.microsoft.com/office/drawing/2014/main" id="{FDACCF2E-CC35-E703-AF79-E23A249B1DF0}"/>
+              </a:ext>
+            </a:extLst>
+          </p:cNvPr>
+          <p:cNvSpPr/>
+          <p:nvPr/>
+        </p:nvSpPr>
+        <p:spPr>
+          <a:xfrm>
+            <a:off x="4277517" y="910844"/>
+            <a:ext cx="3319462" cy="323850"/>
+          </a:xfrm>
+          <a:prstGeom prst="rect">
+            <a:avLst/>
+          </a:prstGeom>
+          <a:solidFill>
+            <a:schemeClr val="bg1"/>
+          </a:solidFill>
+          <a:ln w="6350">
+            <a:solidFill>
+              <a:schemeClr val="tx2"/>
+            </a:solidFill>
+          </a:ln>
+        </p:spPr>
+        <p:style>
+          <a:lnRef idx="2">
+            <a:schemeClr val="accent1">
+              <a:shade val="15000"/>
+            </a:schemeClr>
+          </a:lnRef>
+          <a:fillRef idx="1">
+            <a:schemeClr val="accent1"/>
+          </a:fillRef>
+          <a:effectRef idx="0">
+            <a:schemeClr val="accent1"/>
+          </a:effectRef>
+          <a:fontRef idx="minor">
+            <a:schemeClr val="lt1"/>
+          </a:fontRef>
+        </p:style>
+        <p:txBody>
+          <a:bodyPr rtlCol="0" anchor="ctr"/>
+          <a:lstStyle/>
+          <a:p>
+            <a:r>
+              <a:rPr lang="en-US" sz="1600" b="1" dirty="0">
+                <a:solidFill>
+                  <a:schemeClr val="tx1"/>
+                </a:solidFill>
+              </a:rPr>
+              <a:t>Requirement Type: Non-Functional</a:t>
+            </a:r>
+            <a:endParaRPr lang="en-US" sz="1400" b="1" dirty="0">
+              <a:solidFill>
+                <a:schemeClr val="tx1"/>
+              </a:solidFill>
+            </a:endParaRPr>
+          </a:p>
+        </p:txBody>
+      </p:sp>
+      <p:sp>
+        <p:nvSpPr>
+          <p:cNvPr id="15" name="Rechteck 14">
+            <a:extLst>
+              <a:ext uri="{FF2B5EF4-FFF2-40B4-BE49-F238E27FC236}">
+                <a16:creationId xmlns:a16="http://schemas.microsoft.com/office/drawing/2014/main" id="{23A1031F-21FC-58B7-4BF1-D2C662B14074}"/>
+              </a:ext>
+            </a:extLst>
+          </p:cNvPr>
+          <p:cNvSpPr/>
+          <p:nvPr/>
+        </p:nvSpPr>
+        <p:spPr>
+          <a:xfrm>
+            <a:off x="8680450" y="908050"/>
+            <a:ext cx="3319462" cy="323850"/>
+          </a:xfrm>
+          <a:prstGeom prst="rect">
+            <a:avLst/>
+          </a:prstGeom>
+          <a:solidFill>
+            <a:schemeClr val="bg1"/>
+          </a:solidFill>
+          <a:ln w="6350">
+            <a:solidFill>
+              <a:schemeClr val="tx2"/>
+            </a:solidFill>
+          </a:ln>
+        </p:spPr>
+        <p:style>
+          <a:lnRef idx="2">
+            <a:schemeClr val="accent1">
+              <a:shade val="15000"/>
+            </a:schemeClr>
+          </a:lnRef>
+          <a:fillRef idx="1">
+            <a:schemeClr val="accent1"/>
+          </a:fillRef>
+          <a:effectRef idx="0">
+            <a:schemeClr val="accent1"/>
+          </a:effectRef>
+          <a:fontRef idx="minor">
+            <a:schemeClr val="lt1"/>
+          </a:fontRef>
+        </p:style>
+        <p:txBody>
+          <a:bodyPr rtlCol="0" anchor="ctr"/>
+          <a:lstStyle/>
+          <a:p>
+            <a:r>
+              <a:rPr lang="de-DE" sz="1600" b="1" dirty="0">
+                <a:solidFill>
+                  <a:schemeClr val="tx1"/>
+                </a:solidFill>
+              </a:rPr>
+              <a:t>Event/BUC/PUC#:</a:t>
+            </a:r>
+          </a:p>
+        </p:txBody>
+      </p:sp>
+      <p:sp>
+        <p:nvSpPr>
+          <p:cNvPr id="16" name="Rechteck 15">
+            <a:extLst>
+              <a:ext uri="{FF2B5EF4-FFF2-40B4-BE49-F238E27FC236}">
+                <a16:creationId xmlns:a16="http://schemas.microsoft.com/office/drawing/2014/main" id="{D6A6DF3F-5666-6FF0-0FA7-FBAB2B1CA5E1}"/>
+              </a:ext>
+            </a:extLst>
+          </p:cNvPr>
+          <p:cNvSpPr/>
+          <p:nvPr/>
+        </p:nvSpPr>
+        <p:spPr>
+          <a:xfrm>
+            <a:off x="192088" y="1370669"/>
+            <a:ext cx="1375200" cy="324000"/>
+          </a:xfrm>
+          <a:prstGeom prst="rect">
+            <a:avLst/>
+          </a:prstGeom>
+          <a:solidFill>
+            <a:schemeClr val="bg1"/>
+          </a:solidFill>
+          <a:ln w="6350">
+            <a:solidFill>
+              <a:schemeClr val="tx2"/>
+            </a:solidFill>
+          </a:ln>
+        </p:spPr>
+        <p:style>
+          <a:lnRef idx="2">
+            <a:schemeClr val="accent1">
+              <a:shade val="15000"/>
+            </a:schemeClr>
+          </a:lnRef>
+          <a:fillRef idx="1">
+            <a:schemeClr val="accent1"/>
+          </a:fillRef>
+          <a:effectRef idx="0">
+            <a:schemeClr val="accent1"/>
+          </a:effectRef>
+          <a:fontRef idx="minor">
+            <a:schemeClr val="lt1"/>
+          </a:fontRef>
+        </p:style>
+        <p:txBody>
+          <a:bodyPr rtlCol="0" anchor="ctr"/>
+          <a:lstStyle/>
+          <a:p>
+            <a:r>
+              <a:rPr lang="de-DE" sz="1600" b="1" dirty="0">
+                <a:solidFill>
+                  <a:schemeClr val="tx1"/>
+                </a:solidFill>
+              </a:rPr>
+              <a:t>Description:</a:t>
+            </a:r>
+          </a:p>
+        </p:txBody>
+      </p:sp>
+      <p:sp>
+        <p:nvSpPr>
+          <p:cNvPr id="23" name="Rechteck 22">
+            <a:extLst>
+              <a:ext uri="{FF2B5EF4-FFF2-40B4-BE49-F238E27FC236}">
+                <a16:creationId xmlns:a16="http://schemas.microsoft.com/office/drawing/2014/main" id="{425C52F3-9F06-D600-8402-6801DD2D20C8}"/>
+              </a:ext>
+            </a:extLst>
+          </p:cNvPr>
+          <p:cNvSpPr/>
+          <p:nvPr/>
+        </p:nvSpPr>
+        <p:spPr>
+          <a:xfrm>
+            <a:off x="1903446" y="1370669"/>
+            <a:ext cx="10098000" cy="792000"/>
+          </a:xfrm>
+          <a:prstGeom prst="rect">
+            <a:avLst/>
+          </a:prstGeom>
+          <a:solidFill>
+            <a:schemeClr val="bg1"/>
+          </a:solidFill>
+          <a:ln w="6350">
+            <a:solidFill>
+              <a:schemeClr val="tx2"/>
+            </a:solidFill>
+          </a:ln>
+        </p:spPr>
+        <p:style>
+          <a:lnRef idx="2">
+            <a:schemeClr val="accent1">
+              <a:shade val="15000"/>
+            </a:schemeClr>
+          </a:lnRef>
+          <a:fillRef idx="1">
+            <a:schemeClr val="accent1"/>
+          </a:fillRef>
+          <a:effectRef idx="0">
+            <a:schemeClr val="accent1"/>
+          </a:effectRef>
+          <a:fontRef idx="minor">
+            <a:schemeClr val="lt1"/>
+          </a:fontRef>
+        </p:style>
+        <p:txBody>
+          <a:bodyPr rtlCol="0" anchor="ctr"/>
+          <a:lstStyle/>
+          <a:p>
+            <a:r>
+              <a:rPr lang="en-US" sz="1100" dirty="0">
+                <a:solidFill>
+                  <a:schemeClr val="tx1"/>
+                </a:solidFill>
+              </a:rPr>
+              <a:t>Es </a:t>
+            </a:r>
+            <a:r>
+              <a:rPr lang="en-US" sz="1100" dirty="0" err="1">
+                <a:solidFill>
+                  <a:schemeClr val="tx1"/>
+                </a:solidFill>
+              </a:rPr>
+              <a:t>gibt</a:t>
+            </a:r>
+            <a:r>
+              <a:rPr lang="en-US" sz="1100" dirty="0">
+                <a:solidFill>
+                  <a:schemeClr val="tx1"/>
+                </a:solidFill>
+              </a:rPr>
+              <a:t> </a:t>
+            </a:r>
+            <a:r>
+              <a:rPr lang="en-US" sz="1100" dirty="0" err="1">
+                <a:solidFill>
+                  <a:schemeClr val="tx1"/>
+                </a:solidFill>
+              </a:rPr>
+              <a:t>ein</a:t>
+            </a:r>
+            <a:r>
+              <a:rPr lang="en-US" sz="1100" dirty="0">
+                <a:solidFill>
+                  <a:schemeClr val="tx1"/>
+                </a:solidFill>
+              </a:rPr>
+              <a:t> </a:t>
+            </a:r>
+            <a:r>
+              <a:rPr lang="en-US" sz="1100" dirty="0" err="1">
+                <a:solidFill>
+                  <a:schemeClr val="tx1"/>
+                </a:solidFill>
+              </a:rPr>
+              <a:t>Benutzer</a:t>
+            </a:r>
+            <a:r>
+              <a:rPr lang="en-US" sz="1100" dirty="0">
+                <a:solidFill>
+                  <a:schemeClr val="tx1"/>
+                </a:solidFill>
+              </a:rPr>
+              <a:t>*</a:t>
+            </a:r>
+            <a:r>
+              <a:rPr lang="en-US" sz="1100" dirty="0" err="1">
+                <a:solidFill>
+                  <a:schemeClr val="tx1"/>
+                </a:solidFill>
+              </a:rPr>
+              <a:t>innenhandbuch</a:t>
+            </a:r>
+            <a:r>
+              <a:rPr lang="en-US" sz="1100" dirty="0">
+                <a:solidFill>
+                  <a:schemeClr val="tx1"/>
+                </a:solidFill>
+              </a:rPr>
+              <a:t>, das die </a:t>
+            </a:r>
+            <a:r>
+              <a:rPr lang="en-US" sz="1100" dirty="0" err="1">
+                <a:solidFill>
+                  <a:schemeClr val="tx1"/>
+                </a:solidFill>
+              </a:rPr>
+              <a:t>einzelnen</a:t>
+            </a:r>
+            <a:r>
+              <a:rPr lang="en-US" sz="1100" dirty="0">
+                <a:solidFill>
+                  <a:schemeClr val="tx1"/>
+                </a:solidFill>
+              </a:rPr>
+              <a:t> </a:t>
+            </a:r>
+            <a:r>
+              <a:rPr lang="en-US" sz="1100" dirty="0" err="1">
+                <a:solidFill>
+                  <a:schemeClr val="tx1"/>
+                </a:solidFill>
+              </a:rPr>
+              <a:t>Funktionen</a:t>
+            </a:r>
+            <a:r>
+              <a:rPr lang="en-US" sz="1100" dirty="0">
+                <a:solidFill>
+                  <a:schemeClr val="tx1"/>
+                </a:solidFill>
+              </a:rPr>
+              <a:t> der Software </a:t>
+            </a:r>
+            <a:r>
+              <a:rPr lang="en-US" sz="1100" dirty="0" err="1">
+                <a:solidFill>
+                  <a:schemeClr val="tx1"/>
+                </a:solidFill>
+              </a:rPr>
+              <a:t>verständlich</a:t>
+            </a:r>
+            <a:r>
+              <a:rPr lang="en-US" sz="1100" dirty="0">
+                <a:solidFill>
+                  <a:schemeClr val="tx1"/>
+                </a:solidFill>
+              </a:rPr>
+              <a:t> </a:t>
+            </a:r>
+            <a:r>
+              <a:rPr lang="en-US" sz="1100" dirty="0" err="1">
+                <a:solidFill>
+                  <a:schemeClr val="tx1"/>
+                </a:solidFill>
+              </a:rPr>
+              <a:t>erklärt</a:t>
+            </a:r>
+            <a:r>
+              <a:rPr lang="en-US" sz="1100" dirty="0">
+                <a:solidFill>
+                  <a:schemeClr val="tx1"/>
+                </a:solidFill>
+              </a:rPr>
+              <a:t>.</a:t>
+            </a:r>
+          </a:p>
+        </p:txBody>
+      </p:sp>
+      <p:sp>
+        <p:nvSpPr>
+          <p:cNvPr id="29" name="Rechteck 28">
+            <a:extLst>
+              <a:ext uri="{FF2B5EF4-FFF2-40B4-BE49-F238E27FC236}">
+                <a16:creationId xmlns:a16="http://schemas.microsoft.com/office/drawing/2014/main" id="{F275687E-4C97-02E1-5B0A-7FC451E99F8A}"/>
+              </a:ext>
+            </a:extLst>
+          </p:cNvPr>
+          <p:cNvSpPr/>
+          <p:nvPr/>
+        </p:nvSpPr>
+        <p:spPr>
+          <a:xfrm>
+            <a:off x="192090" y="2301438"/>
+            <a:ext cx="1375200" cy="323850"/>
+          </a:xfrm>
+          <a:prstGeom prst="rect">
+            <a:avLst/>
+          </a:prstGeom>
+          <a:solidFill>
+            <a:schemeClr val="bg1"/>
+          </a:solidFill>
+          <a:ln w="6350">
+            <a:solidFill>
+              <a:schemeClr val="tx2"/>
+            </a:solidFill>
+          </a:ln>
+        </p:spPr>
+        <p:style>
+          <a:lnRef idx="2">
+            <a:schemeClr val="accent1">
+              <a:shade val="15000"/>
+            </a:schemeClr>
+          </a:lnRef>
+          <a:fillRef idx="1">
+            <a:schemeClr val="accent1"/>
+          </a:fillRef>
+          <a:effectRef idx="0">
+            <a:schemeClr val="accent1"/>
+          </a:effectRef>
+          <a:fontRef idx="minor">
+            <a:schemeClr val="lt1"/>
+          </a:fontRef>
+        </p:style>
+        <p:txBody>
+          <a:bodyPr rtlCol="0" anchor="ctr"/>
+          <a:lstStyle/>
+          <a:p>
+            <a:r>
+              <a:rPr lang="de-DE" sz="1600" b="1" dirty="0">
+                <a:solidFill>
+                  <a:schemeClr val="tx1"/>
+                </a:solidFill>
+              </a:rPr>
+              <a:t>Rationale:</a:t>
+            </a:r>
+          </a:p>
+        </p:txBody>
+      </p:sp>
+      <p:sp>
+        <p:nvSpPr>
+          <p:cNvPr id="30" name="Rechteck 29">
+            <a:extLst>
+              <a:ext uri="{FF2B5EF4-FFF2-40B4-BE49-F238E27FC236}">
+                <a16:creationId xmlns:a16="http://schemas.microsoft.com/office/drawing/2014/main" id="{3152A41D-2DBE-F6ED-FF7D-D95B71304EF2}"/>
+              </a:ext>
+            </a:extLst>
+          </p:cNvPr>
+          <p:cNvSpPr/>
+          <p:nvPr/>
+        </p:nvSpPr>
+        <p:spPr>
+          <a:xfrm>
+            <a:off x="1903448" y="2301438"/>
+            <a:ext cx="10098000" cy="792000"/>
+          </a:xfrm>
+          <a:prstGeom prst="rect">
+            <a:avLst/>
+          </a:prstGeom>
+          <a:solidFill>
+            <a:schemeClr val="bg1"/>
+          </a:solidFill>
+          <a:ln w="6350">
+            <a:solidFill>
+              <a:schemeClr val="tx2"/>
+            </a:solidFill>
+          </a:ln>
+        </p:spPr>
+        <p:style>
+          <a:lnRef idx="2">
+            <a:schemeClr val="accent1">
+              <a:shade val="15000"/>
+            </a:schemeClr>
+          </a:lnRef>
+          <a:fillRef idx="1">
+            <a:schemeClr val="accent1"/>
+          </a:fillRef>
+          <a:effectRef idx="0">
+            <a:schemeClr val="accent1"/>
+          </a:effectRef>
+          <a:fontRef idx="minor">
+            <a:schemeClr val="lt1"/>
+          </a:fontRef>
+        </p:style>
+        <p:txBody>
+          <a:bodyPr rtlCol="0" anchor="ctr"/>
+          <a:lstStyle/>
+          <a:p>
+            <a:r>
+              <a:rPr lang="en-US" sz="1100" dirty="0">
+                <a:solidFill>
+                  <a:schemeClr val="tx1"/>
+                </a:solidFill>
+              </a:rPr>
+              <a:t>Eine </a:t>
+            </a:r>
+            <a:r>
+              <a:rPr lang="en-US" sz="1100" dirty="0" err="1">
+                <a:solidFill>
+                  <a:schemeClr val="tx1"/>
+                </a:solidFill>
+              </a:rPr>
+              <a:t>einfache</a:t>
+            </a:r>
+            <a:r>
+              <a:rPr lang="en-US" sz="1100" dirty="0">
+                <a:solidFill>
+                  <a:schemeClr val="tx1"/>
+                </a:solidFill>
+              </a:rPr>
+              <a:t> </a:t>
+            </a:r>
+            <a:r>
+              <a:rPr lang="en-US" sz="1100" dirty="0" err="1">
+                <a:solidFill>
+                  <a:schemeClr val="tx1"/>
+                </a:solidFill>
+              </a:rPr>
+              <a:t>Bedienung</a:t>
+            </a:r>
+            <a:r>
+              <a:rPr lang="en-US" sz="1100" dirty="0">
+                <a:solidFill>
+                  <a:schemeClr val="tx1"/>
+                </a:solidFill>
+              </a:rPr>
+              <a:t> </a:t>
+            </a:r>
+            <a:r>
+              <a:rPr lang="en-US" sz="1100" dirty="0" err="1">
+                <a:solidFill>
+                  <a:schemeClr val="tx1"/>
+                </a:solidFill>
+              </a:rPr>
+              <a:t>ist</a:t>
+            </a:r>
+            <a:r>
+              <a:rPr lang="en-US" sz="1100" dirty="0">
+                <a:solidFill>
+                  <a:schemeClr val="tx1"/>
+                </a:solidFill>
+              </a:rPr>
+              <a:t> </a:t>
+            </a:r>
+            <a:r>
+              <a:rPr lang="en-US" sz="1100" dirty="0" err="1">
+                <a:solidFill>
+                  <a:schemeClr val="tx1"/>
+                </a:solidFill>
+              </a:rPr>
+              <a:t>entscheidend</a:t>
+            </a:r>
+            <a:r>
+              <a:rPr lang="en-US" sz="1100" dirty="0">
+                <a:solidFill>
+                  <a:schemeClr val="tx1"/>
+                </a:solidFill>
+              </a:rPr>
+              <a:t>, um </a:t>
+            </a:r>
+            <a:r>
+              <a:rPr lang="en-US" sz="1100" dirty="0" err="1">
+                <a:solidFill>
+                  <a:schemeClr val="tx1"/>
+                </a:solidFill>
+              </a:rPr>
+              <a:t>fehlerfreie</a:t>
+            </a:r>
+            <a:r>
+              <a:rPr lang="en-US" sz="1100" dirty="0">
+                <a:solidFill>
+                  <a:schemeClr val="tx1"/>
+                </a:solidFill>
+              </a:rPr>
+              <a:t> </a:t>
+            </a:r>
+            <a:r>
+              <a:rPr lang="en-US" sz="1100" dirty="0" err="1">
+                <a:solidFill>
+                  <a:schemeClr val="tx1"/>
+                </a:solidFill>
+              </a:rPr>
+              <a:t>Nutzung</a:t>
+            </a:r>
+            <a:r>
+              <a:rPr lang="en-US" sz="1100" dirty="0">
+                <a:solidFill>
+                  <a:schemeClr val="tx1"/>
+                </a:solidFill>
+              </a:rPr>
+              <a:t> </a:t>
+            </a:r>
+            <a:r>
+              <a:rPr lang="en-US" sz="1100" dirty="0" err="1">
+                <a:solidFill>
+                  <a:schemeClr val="tx1"/>
+                </a:solidFill>
+              </a:rPr>
+              <a:t>zu</a:t>
+            </a:r>
+            <a:r>
+              <a:rPr lang="en-US" sz="1100" dirty="0">
+                <a:solidFill>
+                  <a:schemeClr val="tx1"/>
+                </a:solidFill>
+              </a:rPr>
+              <a:t> </a:t>
+            </a:r>
+            <a:r>
+              <a:rPr lang="en-US" sz="1100" dirty="0" err="1">
+                <a:solidFill>
+                  <a:schemeClr val="tx1"/>
+                </a:solidFill>
+              </a:rPr>
+              <a:t>gewährleisten</a:t>
+            </a:r>
+            <a:r>
+              <a:rPr lang="en-US" sz="1100" dirty="0">
+                <a:solidFill>
+                  <a:schemeClr val="tx1"/>
+                </a:solidFill>
+              </a:rPr>
+              <a:t>. Dazu </a:t>
+            </a:r>
+            <a:r>
+              <a:rPr lang="en-US" sz="1100" dirty="0" err="1">
+                <a:solidFill>
+                  <a:schemeClr val="tx1"/>
+                </a:solidFill>
+              </a:rPr>
+              <a:t>ist</a:t>
+            </a:r>
+            <a:r>
+              <a:rPr lang="en-US" sz="1100" dirty="0">
+                <a:solidFill>
+                  <a:schemeClr val="tx1"/>
+                </a:solidFill>
+              </a:rPr>
+              <a:t> </a:t>
+            </a:r>
+            <a:r>
+              <a:rPr lang="en-US" sz="1100" dirty="0" err="1">
+                <a:solidFill>
+                  <a:schemeClr val="tx1"/>
+                </a:solidFill>
+              </a:rPr>
+              <a:t>eine</a:t>
+            </a:r>
+            <a:r>
+              <a:rPr lang="en-US" sz="1100" dirty="0">
+                <a:solidFill>
+                  <a:schemeClr val="tx1"/>
+                </a:solidFill>
+              </a:rPr>
+              <a:t> </a:t>
+            </a:r>
+            <a:r>
+              <a:rPr lang="en-US" sz="1100" dirty="0" err="1">
+                <a:solidFill>
+                  <a:schemeClr val="tx1"/>
+                </a:solidFill>
+              </a:rPr>
+              <a:t>Erklärung</a:t>
+            </a:r>
+            <a:r>
+              <a:rPr lang="en-US" sz="1100" dirty="0">
+                <a:solidFill>
+                  <a:schemeClr val="tx1"/>
+                </a:solidFill>
+              </a:rPr>
+              <a:t> der </a:t>
+            </a:r>
+            <a:r>
+              <a:rPr lang="en-US" sz="1100" dirty="0" err="1">
+                <a:solidFill>
+                  <a:schemeClr val="tx1"/>
+                </a:solidFill>
+              </a:rPr>
+              <a:t>Funktionsweise</a:t>
+            </a:r>
+            <a:r>
+              <a:rPr lang="en-US" sz="1100" dirty="0">
+                <a:solidFill>
+                  <a:schemeClr val="tx1"/>
+                </a:solidFill>
+              </a:rPr>
+              <a:t> der Software </a:t>
+            </a:r>
+            <a:r>
+              <a:rPr lang="en-US" sz="1100" dirty="0" err="1">
+                <a:solidFill>
+                  <a:schemeClr val="tx1"/>
+                </a:solidFill>
+              </a:rPr>
+              <a:t>sehr</a:t>
+            </a:r>
+            <a:r>
+              <a:rPr lang="en-US" sz="1100" dirty="0">
+                <a:solidFill>
+                  <a:schemeClr val="tx1"/>
+                </a:solidFill>
+              </a:rPr>
+              <a:t> </a:t>
+            </a:r>
+            <a:r>
+              <a:rPr lang="en-US" sz="1100" dirty="0" err="1">
+                <a:solidFill>
+                  <a:schemeClr val="tx1"/>
+                </a:solidFill>
+              </a:rPr>
+              <a:t>wichtig</a:t>
+            </a:r>
+            <a:r>
+              <a:rPr lang="en-US" sz="1100" dirty="0">
+                <a:solidFill>
+                  <a:schemeClr val="tx1"/>
+                </a:solidFill>
+              </a:rPr>
+              <a:t>. </a:t>
+            </a:r>
+          </a:p>
+        </p:txBody>
+      </p:sp>
+      <p:sp>
+        <p:nvSpPr>
+          <p:cNvPr id="32" name="Rechteck 31">
+            <a:extLst>
+              <a:ext uri="{FF2B5EF4-FFF2-40B4-BE49-F238E27FC236}">
+                <a16:creationId xmlns:a16="http://schemas.microsoft.com/office/drawing/2014/main" id="{ED89D66E-6792-3823-ED12-4400AFB4B2CF}"/>
+              </a:ext>
+            </a:extLst>
+          </p:cNvPr>
+          <p:cNvSpPr/>
+          <p:nvPr/>
+        </p:nvSpPr>
+        <p:spPr>
+          <a:xfrm>
+            <a:off x="192088" y="3232207"/>
+            <a:ext cx="1375200" cy="323850"/>
+          </a:xfrm>
+          <a:prstGeom prst="rect">
+            <a:avLst/>
+          </a:prstGeom>
+          <a:solidFill>
+            <a:schemeClr val="bg1"/>
+          </a:solidFill>
+          <a:ln w="6350">
+            <a:solidFill>
+              <a:schemeClr val="tx2"/>
+            </a:solidFill>
+          </a:ln>
+        </p:spPr>
+        <p:style>
+          <a:lnRef idx="2">
+            <a:schemeClr val="accent1">
+              <a:shade val="15000"/>
+            </a:schemeClr>
+          </a:lnRef>
+          <a:fillRef idx="1">
+            <a:schemeClr val="accent1"/>
+          </a:fillRef>
+          <a:effectRef idx="0">
+            <a:schemeClr val="accent1"/>
+          </a:effectRef>
+          <a:fontRef idx="minor">
+            <a:schemeClr val="lt1"/>
+          </a:fontRef>
+        </p:style>
+        <p:txBody>
+          <a:bodyPr rtlCol="0" anchor="ctr"/>
+          <a:lstStyle/>
+          <a:p>
+            <a:r>
+              <a:rPr lang="de-DE" sz="1600" b="1" dirty="0" err="1">
+                <a:solidFill>
+                  <a:schemeClr val="tx1"/>
+                </a:solidFill>
+              </a:rPr>
+              <a:t>Originator</a:t>
+            </a:r>
+            <a:r>
+              <a:rPr lang="de-DE" sz="1600" b="1" dirty="0">
+                <a:solidFill>
+                  <a:schemeClr val="tx1"/>
+                </a:solidFill>
+              </a:rPr>
+              <a:t>:</a:t>
+            </a:r>
+          </a:p>
+        </p:txBody>
+      </p:sp>
+      <p:sp>
+        <p:nvSpPr>
+          <p:cNvPr id="33" name="Rechteck 32">
+            <a:extLst>
+              <a:ext uri="{FF2B5EF4-FFF2-40B4-BE49-F238E27FC236}">
+                <a16:creationId xmlns:a16="http://schemas.microsoft.com/office/drawing/2014/main" id="{6EDCA188-BAF5-D0C3-EF94-A06DF875150A}"/>
+              </a:ext>
+            </a:extLst>
+          </p:cNvPr>
+          <p:cNvSpPr/>
+          <p:nvPr/>
+        </p:nvSpPr>
+        <p:spPr>
+          <a:xfrm>
+            <a:off x="1903446" y="3232207"/>
+            <a:ext cx="10098000" cy="323850"/>
+          </a:xfrm>
+          <a:prstGeom prst="rect">
+            <a:avLst/>
+          </a:prstGeom>
+          <a:solidFill>
+            <a:schemeClr val="bg1"/>
+          </a:solidFill>
+          <a:ln w="6350">
+            <a:solidFill>
+              <a:schemeClr val="tx2"/>
+            </a:solidFill>
+          </a:ln>
+        </p:spPr>
+        <p:style>
+          <a:lnRef idx="2">
+            <a:schemeClr val="accent1">
+              <a:shade val="15000"/>
+            </a:schemeClr>
+          </a:lnRef>
+          <a:fillRef idx="1">
+            <a:schemeClr val="accent1"/>
+          </a:fillRef>
+          <a:effectRef idx="0">
+            <a:schemeClr val="accent1"/>
+          </a:effectRef>
+          <a:fontRef idx="minor">
+            <a:schemeClr val="lt1"/>
+          </a:fontRef>
+        </p:style>
+        <p:txBody>
+          <a:bodyPr rtlCol="0" anchor="ctr"/>
+          <a:lstStyle/>
+          <a:p>
+            <a:r>
+              <a:rPr lang="en-US" sz="1100" dirty="0">
+                <a:solidFill>
+                  <a:schemeClr val="tx1"/>
+                </a:solidFill>
+              </a:rPr>
+              <a:t>Mitarbeiter*</a:t>
+            </a:r>
+            <a:r>
+              <a:rPr lang="en-US" sz="1100" dirty="0" err="1">
+                <a:solidFill>
+                  <a:schemeClr val="tx1"/>
+                </a:solidFill>
+              </a:rPr>
+              <a:t>innen</a:t>
+            </a:r>
+            <a:r>
+              <a:rPr lang="en-US" sz="1100" dirty="0">
+                <a:solidFill>
+                  <a:schemeClr val="tx1"/>
+                </a:solidFill>
+              </a:rPr>
+              <a:t> des Bellis </a:t>
+            </a:r>
+            <a:r>
+              <a:rPr lang="en-US" sz="1100" dirty="0" err="1">
+                <a:solidFill>
+                  <a:schemeClr val="tx1"/>
+                </a:solidFill>
+              </a:rPr>
+              <a:t>e.V.</a:t>
+            </a:r>
+            <a:endParaRPr lang="en-US" sz="1100" dirty="0">
+              <a:solidFill>
+                <a:schemeClr val="tx1"/>
+              </a:solidFill>
+            </a:endParaRPr>
+          </a:p>
+        </p:txBody>
+      </p:sp>
+      <p:sp>
+        <p:nvSpPr>
+          <p:cNvPr id="35" name="Rechteck 34">
+            <a:extLst>
+              <a:ext uri="{FF2B5EF4-FFF2-40B4-BE49-F238E27FC236}">
+                <a16:creationId xmlns:a16="http://schemas.microsoft.com/office/drawing/2014/main" id="{56D54DF4-EF7A-0259-382C-3246A74B1F10}"/>
+              </a:ext>
+            </a:extLst>
+          </p:cNvPr>
+          <p:cNvSpPr/>
+          <p:nvPr/>
+        </p:nvSpPr>
+        <p:spPr>
+          <a:xfrm>
+            <a:off x="192090" y="3694827"/>
+            <a:ext cx="1375200" cy="324001"/>
+          </a:xfrm>
+          <a:prstGeom prst="rect">
+            <a:avLst/>
+          </a:prstGeom>
+          <a:solidFill>
+            <a:schemeClr val="bg1"/>
+          </a:solidFill>
+          <a:ln w="6350">
+            <a:solidFill>
+              <a:schemeClr val="tx2"/>
+            </a:solidFill>
+          </a:ln>
+        </p:spPr>
+        <p:style>
+          <a:lnRef idx="2">
+            <a:schemeClr val="accent1">
+              <a:shade val="15000"/>
+            </a:schemeClr>
+          </a:lnRef>
+          <a:fillRef idx="1">
+            <a:schemeClr val="accent1"/>
+          </a:fillRef>
+          <a:effectRef idx="0">
+            <a:schemeClr val="accent1"/>
+          </a:effectRef>
+          <a:fontRef idx="minor">
+            <a:schemeClr val="lt1"/>
+          </a:fontRef>
+        </p:style>
+        <p:txBody>
+          <a:bodyPr rtlCol="0" anchor="ctr"/>
+          <a:lstStyle/>
+          <a:p>
+            <a:r>
+              <a:rPr lang="de-DE" sz="1600" b="1" dirty="0">
+                <a:solidFill>
+                  <a:schemeClr val="tx1"/>
+                </a:solidFill>
+              </a:rPr>
+              <a:t>Fit </a:t>
+            </a:r>
+            <a:r>
+              <a:rPr lang="de-DE" sz="1600" b="1" dirty="0" err="1">
+                <a:solidFill>
+                  <a:schemeClr val="tx1"/>
+                </a:solidFill>
+              </a:rPr>
+              <a:t>Criterion</a:t>
+            </a:r>
+            <a:r>
+              <a:rPr lang="de-DE" sz="1600" b="1" dirty="0">
+                <a:solidFill>
+                  <a:schemeClr val="tx1"/>
+                </a:solidFill>
+              </a:rPr>
+              <a:t>:</a:t>
+            </a:r>
+          </a:p>
+        </p:txBody>
+      </p:sp>
+      <p:sp>
+        <p:nvSpPr>
+          <p:cNvPr id="36" name="Rechteck 35">
+            <a:extLst>
+              <a:ext uri="{FF2B5EF4-FFF2-40B4-BE49-F238E27FC236}">
+                <a16:creationId xmlns:a16="http://schemas.microsoft.com/office/drawing/2014/main" id="{5917989A-AC49-5190-B8C3-A2231234889E}"/>
+              </a:ext>
+            </a:extLst>
+          </p:cNvPr>
+          <p:cNvSpPr/>
+          <p:nvPr/>
+        </p:nvSpPr>
+        <p:spPr>
+          <a:xfrm>
+            <a:off x="1903448" y="3694826"/>
+            <a:ext cx="10098000" cy="792000"/>
+          </a:xfrm>
+          <a:prstGeom prst="rect">
+            <a:avLst/>
+          </a:prstGeom>
+          <a:solidFill>
+            <a:schemeClr val="bg1"/>
+          </a:solidFill>
+          <a:ln w="6350">
+            <a:solidFill>
+              <a:schemeClr val="tx2"/>
+            </a:solidFill>
+          </a:ln>
+        </p:spPr>
+        <p:style>
+          <a:lnRef idx="2">
+            <a:schemeClr val="accent1">
+              <a:shade val="15000"/>
+            </a:schemeClr>
+          </a:lnRef>
+          <a:fillRef idx="1">
+            <a:schemeClr val="accent1"/>
+          </a:fillRef>
+          <a:effectRef idx="0">
+            <a:schemeClr val="accent1"/>
+          </a:effectRef>
+          <a:fontRef idx="minor">
+            <a:schemeClr val="lt1"/>
+          </a:fontRef>
+        </p:style>
+        <p:txBody>
+          <a:bodyPr rtlCol="0" anchor="ctr"/>
+          <a:lstStyle/>
+          <a:p>
+            <a:endParaRPr lang="en-US" sz="1600" u="sng" dirty="0">
+              <a:solidFill>
+                <a:schemeClr val="tx1"/>
+              </a:solidFill>
+            </a:endParaRPr>
+          </a:p>
+          <a:p>
+            <a:r>
+              <a:rPr lang="en-US" sz="1100" dirty="0">
+                <a:solidFill>
+                  <a:schemeClr val="tx1"/>
+                </a:solidFill>
+              </a:rPr>
+              <a:t>Das </a:t>
+            </a:r>
+            <a:r>
+              <a:rPr lang="en-US" sz="1100" dirty="0" err="1">
+                <a:solidFill>
+                  <a:schemeClr val="tx1"/>
+                </a:solidFill>
+              </a:rPr>
+              <a:t>Benutzer</a:t>
+            </a:r>
+            <a:r>
+              <a:rPr lang="en-US" sz="1100" dirty="0">
+                <a:solidFill>
+                  <a:schemeClr val="tx1"/>
+                </a:solidFill>
+              </a:rPr>
+              <a:t>*</a:t>
+            </a:r>
+            <a:r>
+              <a:rPr lang="en-US" sz="1100" dirty="0" err="1">
+                <a:solidFill>
+                  <a:schemeClr val="tx1"/>
+                </a:solidFill>
+              </a:rPr>
+              <a:t>innen</a:t>
+            </a:r>
+            <a:r>
+              <a:rPr lang="en-US" sz="1100" dirty="0">
+                <a:solidFill>
+                  <a:schemeClr val="tx1"/>
+                </a:solidFill>
+              </a:rPr>
+              <a:t> </a:t>
+            </a:r>
+            <a:r>
+              <a:rPr lang="en-US" sz="1100" dirty="0" err="1">
+                <a:solidFill>
+                  <a:schemeClr val="tx1"/>
+                </a:solidFill>
+              </a:rPr>
+              <a:t>Handbuch</a:t>
+            </a:r>
+            <a:r>
+              <a:rPr lang="en-US" sz="1100" dirty="0">
+                <a:solidFill>
+                  <a:schemeClr val="tx1"/>
+                </a:solidFill>
+              </a:rPr>
+              <a:t> </a:t>
+            </a:r>
+            <a:r>
+              <a:rPr lang="en-US" sz="1100" dirty="0" err="1">
+                <a:solidFill>
+                  <a:schemeClr val="tx1"/>
+                </a:solidFill>
+              </a:rPr>
+              <a:t>ist</a:t>
+            </a:r>
+            <a:r>
+              <a:rPr lang="en-US" sz="1100" dirty="0">
+                <a:solidFill>
+                  <a:schemeClr val="tx1"/>
+                </a:solidFill>
+              </a:rPr>
+              <a:t> </a:t>
+            </a:r>
+            <a:r>
+              <a:rPr lang="en-US" sz="1100" dirty="0" err="1">
+                <a:solidFill>
+                  <a:schemeClr val="tx1"/>
+                </a:solidFill>
+              </a:rPr>
+              <a:t>vorhanden</a:t>
+            </a:r>
+            <a:r>
+              <a:rPr lang="en-US" sz="1100" dirty="0">
+                <a:solidFill>
+                  <a:schemeClr val="tx1"/>
+                </a:solidFill>
+              </a:rPr>
+              <a:t> und </a:t>
+            </a:r>
+            <a:r>
+              <a:rPr lang="en-US" sz="1100" dirty="0" err="1">
+                <a:solidFill>
+                  <a:schemeClr val="tx1"/>
+                </a:solidFill>
+              </a:rPr>
+              <a:t>erklärt</a:t>
+            </a:r>
+            <a:r>
+              <a:rPr lang="en-US" sz="1100" dirty="0">
+                <a:solidFill>
+                  <a:schemeClr val="tx1"/>
+                </a:solidFill>
+              </a:rPr>
+              <a:t> die </a:t>
+            </a:r>
+            <a:r>
+              <a:rPr lang="en-US" sz="1100" dirty="0" err="1">
+                <a:solidFill>
+                  <a:schemeClr val="tx1"/>
+                </a:solidFill>
+              </a:rPr>
+              <a:t>Funktionen</a:t>
+            </a:r>
+            <a:r>
+              <a:rPr lang="en-US" sz="1100" dirty="0">
+                <a:solidFill>
+                  <a:schemeClr val="tx1"/>
+                </a:solidFill>
+              </a:rPr>
+              <a:t> der Software </a:t>
+            </a:r>
+            <a:r>
+              <a:rPr lang="en-US" sz="1100" dirty="0" err="1">
+                <a:solidFill>
+                  <a:schemeClr val="tx1"/>
+                </a:solidFill>
+              </a:rPr>
+              <a:t>verständlich</a:t>
+            </a:r>
+            <a:r>
+              <a:rPr lang="en-US" sz="1100" dirty="0">
+                <a:solidFill>
+                  <a:schemeClr val="tx1"/>
+                </a:solidFill>
+              </a:rPr>
+              <a:t>, so </a:t>
+            </a:r>
+            <a:r>
+              <a:rPr lang="en-US" sz="1100" dirty="0" err="1">
+                <a:solidFill>
+                  <a:schemeClr val="tx1"/>
+                </a:solidFill>
+              </a:rPr>
+              <a:t>dass</a:t>
+            </a:r>
+            <a:r>
+              <a:rPr lang="en-US" sz="1100" dirty="0">
+                <a:solidFill>
+                  <a:schemeClr val="tx1"/>
+                </a:solidFill>
+              </a:rPr>
+              <a:t> </a:t>
+            </a:r>
+            <a:r>
+              <a:rPr lang="en-US" sz="1100" dirty="0" err="1">
+                <a:solidFill>
+                  <a:schemeClr val="tx1"/>
+                </a:solidFill>
+              </a:rPr>
+              <a:t>zum</a:t>
+            </a:r>
+            <a:r>
+              <a:rPr lang="en-US" sz="1100" dirty="0">
+                <a:solidFill>
+                  <a:schemeClr val="tx1"/>
+                </a:solidFill>
+              </a:rPr>
+              <a:t> </a:t>
+            </a:r>
+            <a:r>
+              <a:rPr lang="en-US" sz="1100" dirty="0" err="1">
+                <a:solidFill>
+                  <a:schemeClr val="tx1"/>
+                </a:solidFill>
+              </a:rPr>
+              <a:t>Erlernen</a:t>
+            </a:r>
+            <a:r>
+              <a:rPr lang="en-US" sz="1100" dirty="0">
+                <a:solidFill>
+                  <a:schemeClr val="tx1"/>
+                </a:solidFill>
+              </a:rPr>
+              <a:t> der </a:t>
+            </a:r>
+            <a:r>
+              <a:rPr lang="en-US" sz="1100" dirty="0" err="1">
+                <a:solidFill>
+                  <a:schemeClr val="tx1"/>
+                </a:solidFill>
+              </a:rPr>
+              <a:t>korrekten</a:t>
+            </a:r>
+            <a:r>
+              <a:rPr lang="en-US" sz="1100" dirty="0">
+                <a:solidFill>
+                  <a:schemeClr val="tx1"/>
+                </a:solidFill>
+              </a:rPr>
+              <a:t> </a:t>
+            </a:r>
+            <a:r>
+              <a:rPr lang="en-US" sz="1100" dirty="0" err="1">
+                <a:solidFill>
+                  <a:schemeClr val="tx1"/>
+                </a:solidFill>
+              </a:rPr>
+              <a:t>Nutzung</a:t>
+            </a:r>
+            <a:r>
+              <a:rPr lang="en-US" sz="1100" dirty="0">
+                <a:solidFill>
+                  <a:schemeClr val="tx1"/>
+                </a:solidFill>
+              </a:rPr>
+              <a:t> der Software </a:t>
+            </a:r>
+            <a:r>
+              <a:rPr lang="en-US" sz="1100" dirty="0" err="1">
+                <a:solidFill>
+                  <a:schemeClr val="tx1"/>
+                </a:solidFill>
+              </a:rPr>
+              <a:t>nur</a:t>
+            </a:r>
+            <a:r>
+              <a:rPr lang="en-US" sz="1100" dirty="0">
+                <a:solidFill>
+                  <a:schemeClr val="tx1"/>
+                </a:solidFill>
+              </a:rPr>
+              <a:t> das </a:t>
+            </a:r>
+            <a:r>
+              <a:rPr lang="en-US" sz="1100" dirty="0" err="1">
+                <a:solidFill>
+                  <a:schemeClr val="tx1"/>
+                </a:solidFill>
+              </a:rPr>
+              <a:t>Benutzer</a:t>
+            </a:r>
+            <a:r>
+              <a:rPr lang="en-US" sz="1100" dirty="0">
+                <a:solidFill>
+                  <a:schemeClr val="tx1"/>
+                </a:solidFill>
+              </a:rPr>
+              <a:t>*</a:t>
+            </a:r>
+            <a:r>
+              <a:rPr lang="en-US" sz="1100" dirty="0" err="1">
+                <a:solidFill>
+                  <a:schemeClr val="tx1"/>
+                </a:solidFill>
+              </a:rPr>
+              <a:t>innenhandbuch</a:t>
+            </a:r>
+            <a:r>
+              <a:rPr lang="en-US" sz="1100" dirty="0">
+                <a:solidFill>
+                  <a:schemeClr val="tx1"/>
+                </a:solidFill>
+              </a:rPr>
+              <a:t> </a:t>
+            </a:r>
+            <a:r>
+              <a:rPr lang="en-US" sz="1100" dirty="0" err="1">
+                <a:solidFill>
+                  <a:schemeClr val="tx1"/>
+                </a:solidFill>
+              </a:rPr>
+              <a:t>nötig</a:t>
+            </a:r>
+            <a:r>
+              <a:rPr lang="en-US" sz="1100" dirty="0">
+                <a:solidFill>
+                  <a:schemeClr val="tx1"/>
+                </a:solidFill>
+              </a:rPr>
+              <a:t> </a:t>
+            </a:r>
+            <a:r>
+              <a:rPr lang="en-US" sz="1100" dirty="0" err="1">
+                <a:solidFill>
+                  <a:schemeClr val="tx1"/>
+                </a:solidFill>
+              </a:rPr>
+              <a:t>ist</a:t>
+            </a:r>
+            <a:r>
+              <a:rPr lang="en-US" sz="1100" dirty="0">
+                <a:solidFill>
+                  <a:schemeClr val="tx1"/>
+                </a:solidFill>
+              </a:rPr>
+              <a:t>.</a:t>
+            </a:r>
+          </a:p>
+          <a:p>
+            <a:endParaRPr lang="en-US" sz="1600" u="sng" dirty="0">
+              <a:solidFill>
+                <a:schemeClr val="tx1"/>
+              </a:solidFill>
+            </a:endParaRPr>
+          </a:p>
+        </p:txBody>
+      </p:sp>
+      <p:sp>
+        <p:nvSpPr>
+          <p:cNvPr id="37" name="Rechteck 36">
+            <a:extLst>
+              <a:ext uri="{FF2B5EF4-FFF2-40B4-BE49-F238E27FC236}">
+                <a16:creationId xmlns:a16="http://schemas.microsoft.com/office/drawing/2014/main" id="{1B2CD919-00AE-CB18-B1E7-62874B211899}"/>
+              </a:ext>
+            </a:extLst>
+          </p:cNvPr>
+          <p:cNvSpPr/>
+          <p:nvPr/>
+        </p:nvSpPr>
+        <p:spPr>
+          <a:xfrm>
+            <a:off x="192088" y="4625595"/>
+            <a:ext cx="5745162" cy="323850"/>
+          </a:xfrm>
+          <a:prstGeom prst="rect">
+            <a:avLst/>
+          </a:prstGeom>
+          <a:solidFill>
+            <a:schemeClr val="bg1"/>
+          </a:solidFill>
+          <a:ln w="6350">
+            <a:solidFill>
+              <a:schemeClr val="tx2"/>
+            </a:solidFill>
+          </a:ln>
+        </p:spPr>
+        <p:style>
+          <a:lnRef idx="2">
+            <a:schemeClr val="accent1">
+              <a:shade val="15000"/>
+            </a:schemeClr>
+          </a:lnRef>
+          <a:fillRef idx="1">
+            <a:schemeClr val="accent1"/>
+          </a:fillRef>
+          <a:effectRef idx="0">
+            <a:schemeClr val="accent1"/>
+          </a:effectRef>
+          <a:fontRef idx="minor">
+            <a:schemeClr val="lt1"/>
+          </a:fontRef>
+        </p:style>
+        <p:txBody>
+          <a:bodyPr rtlCol="0" anchor="ctr"/>
+          <a:lstStyle/>
+          <a:p>
+            <a:pPr fontAlgn="auto">
+              <a:spcAft>
+                <a:spcPts val="0"/>
+              </a:spcAft>
+            </a:pPr>
+            <a:r>
+              <a:rPr lang="de-DE" sz="1600" b="1" dirty="0">
+                <a:solidFill>
+                  <a:schemeClr val="tx1"/>
+                </a:solidFill>
+              </a:rPr>
+              <a:t>Customer </a:t>
+            </a:r>
+            <a:r>
+              <a:rPr lang="de-DE" sz="1600" b="1" dirty="0" err="1">
+                <a:solidFill>
+                  <a:schemeClr val="tx1"/>
+                </a:solidFill>
+              </a:rPr>
+              <a:t>Satisfaction</a:t>
+            </a:r>
+            <a:r>
+              <a:rPr lang="de-DE" sz="1600" b="1" dirty="0">
+                <a:solidFill>
+                  <a:schemeClr val="tx1"/>
+                </a:solidFill>
+              </a:rPr>
+              <a:t>: </a:t>
+            </a:r>
+            <a:r>
+              <a:rPr lang="de-DE" sz="1100" dirty="0">
+                <a:solidFill>
+                  <a:schemeClr val="tx1"/>
+                </a:solidFill>
+              </a:rPr>
+              <a:t>4</a:t>
+            </a:r>
+          </a:p>
+        </p:txBody>
+      </p:sp>
+      <p:sp>
+        <p:nvSpPr>
+          <p:cNvPr id="38" name="Rechteck 37">
+            <a:extLst>
+              <a:ext uri="{FF2B5EF4-FFF2-40B4-BE49-F238E27FC236}">
+                <a16:creationId xmlns:a16="http://schemas.microsoft.com/office/drawing/2014/main" id="{70C3C467-7236-73BC-2AEF-EC174F75747A}"/>
+              </a:ext>
+            </a:extLst>
+          </p:cNvPr>
+          <p:cNvSpPr/>
+          <p:nvPr/>
+        </p:nvSpPr>
+        <p:spPr>
+          <a:xfrm>
+            <a:off x="6254749" y="4622801"/>
+            <a:ext cx="5745162" cy="323850"/>
+          </a:xfrm>
+          <a:prstGeom prst="rect">
+            <a:avLst/>
+          </a:prstGeom>
+          <a:solidFill>
+            <a:schemeClr val="bg1"/>
+          </a:solidFill>
+          <a:ln w="6350">
+            <a:solidFill>
+              <a:schemeClr val="tx2"/>
+            </a:solidFill>
+          </a:ln>
+        </p:spPr>
+        <p:style>
+          <a:lnRef idx="2">
+            <a:schemeClr val="accent1">
+              <a:shade val="15000"/>
+            </a:schemeClr>
+          </a:lnRef>
+          <a:fillRef idx="1">
+            <a:schemeClr val="accent1"/>
+          </a:fillRef>
+          <a:effectRef idx="0">
+            <a:schemeClr val="accent1"/>
+          </a:effectRef>
+          <a:fontRef idx="minor">
+            <a:schemeClr val="lt1"/>
+          </a:fontRef>
+        </p:style>
+        <p:txBody>
+          <a:bodyPr rtlCol="0" anchor="ctr"/>
+          <a:lstStyle/>
+          <a:p>
+            <a:r>
+              <a:rPr lang="de-DE" sz="1600" b="1" dirty="0">
+                <a:solidFill>
+                  <a:schemeClr val="tx1"/>
+                </a:solidFill>
+              </a:rPr>
+              <a:t>Customer </a:t>
+            </a:r>
+            <a:r>
+              <a:rPr lang="de-DE" sz="1600" b="1" dirty="0" err="1">
+                <a:solidFill>
+                  <a:schemeClr val="tx1"/>
+                </a:solidFill>
+              </a:rPr>
+              <a:t>Dissatisfaction</a:t>
+            </a:r>
+            <a:r>
+              <a:rPr lang="de-DE" sz="1600" b="1" dirty="0">
+                <a:solidFill>
+                  <a:schemeClr val="tx1"/>
+                </a:solidFill>
+              </a:rPr>
+              <a:t>: </a:t>
+            </a:r>
+            <a:r>
+              <a:rPr lang="de-DE" sz="1100" dirty="0">
+                <a:solidFill>
+                  <a:schemeClr val="tx1"/>
+                </a:solidFill>
+              </a:rPr>
+              <a:t>4</a:t>
+            </a:r>
+          </a:p>
+        </p:txBody>
+      </p:sp>
+      <p:sp>
+        <p:nvSpPr>
+          <p:cNvPr id="39" name="Rechteck 38">
+            <a:extLst>
+              <a:ext uri="{FF2B5EF4-FFF2-40B4-BE49-F238E27FC236}">
+                <a16:creationId xmlns:a16="http://schemas.microsoft.com/office/drawing/2014/main" id="{55DE574E-5926-950D-708A-BCA465D781DD}"/>
+              </a:ext>
+            </a:extLst>
+          </p:cNvPr>
+          <p:cNvSpPr/>
+          <p:nvPr/>
+        </p:nvSpPr>
+        <p:spPr>
+          <a:xfrm>
+            <a:off x="192090" y="5088214"/>
+            <a:ext cx="5745162" cy="323850"/>
+          </a:xfrm>
+          <a:prstGeom prst="rect">
+            <a:avLst/>
+          </a:prstGeom>
+          <a:solidFill>
+            <a:schemeClr val="bg1"/>
+          </a:solidFill>
+          <a:ln w="6350">
+            <a:solidFill>
+              <a:schemeClr val="tx2"/>
+            </a:solidFill>
+          </a:ln>
+        </p:spPr>
+        <p:style>
+          <a:lnRef idx="2">
+            <a:schemeClr val="accent1">
+              <a:shade val="15000"/>
+            </a:schemeClr>
+          </a:lnRef>
+          <a:fillRef idx="1">
+            <a:schemeClr val="accent1"/>
+          </a:fillRef>
+          <a:effectRef idx="0">
+            <a:schemeClr val="accent1"/>
+          </a:effectRef>
+          <a:fontRef idx="minor">
+            <a:schemeClr val="lt1"/>
+          </a:fontRef>
+        </p:style>
+        <p:txBody>
+          <a:bodyPr rtlCol="0" anchor="ctr"/>
+          <a:lstStyle/>
+          <a:p>
+            <a:pPr fontAlgn="auto">
+              <a:spcAft>
+                <a:spcPts val="0"/>
+              </a:spcAft>
+            </a:pPr>
+            <a:r>
+              <a:rPr lang="de-DE" sz="1600" b="1" dirty="0" err="1">
+                <a:solidFill>
+                  <a:schemeClr val="tx1"/>
+                </a:solidFill>
+              </a:rPr>
+              <a:t>Priority</a:t>
+            </a:r>
+            <a:r>
+              <a:rPr lang="de-DE" sz="1600" b="1" dirty="0">
+                <a:solidFill>
+                  <a:schemeClr val="tx1"/>
+                </a:solidFill>
+              </a:rPr>
+              <a:t>: </a:t>
+            </a:r>
+            <a:r>
+              <a:rPr lang="de-DE" sz="1100" dirty="0">
+                <a:solidFill>
+                  <a:schemeClr val="tx1"/>
+                </a:solidFill>
+              </a:rPr>
+              <a:t>Hoch</a:t>
+            </a:r>
+          </a:p>
+        </p:txBody>
+      </p:sp>
+      <p:sp>
+        <p:nvSpPr>
+          <p:cNvPr id="40" name="Rechteck 39">
+            <a:extLst>
+              <a:ext uri="{FF2B5EF4-FFF2-40B4-BE49-F238E27FC236}">
+                <a16:creationId xmlns:a16="http://schemas.microsoft.com/office/drawing/2014/main" id="{7C3B4822-ABDA-A835-CF63-3B64F8C04BA3}"/>
+              </a:ext>
+            </a:extLst>
+          </p:cNvPr>
+          <p:cNvSpPr/>
+          <p:nvPr/>
+        </p:nvSpPr>
+        <p:spPr>
+          <a:xfrm>
+            <a:off x="6254751" y="5086351"/>
+            <a:ext cx="5745162" cy="323850"/>
+          </a:xfrm>
+          <a:prstGeom prst="rect">
+            <a:avLst/>
+          </a:prstGeom>
+          <a:solidFill>
+            <a:schemeClr val="bg1"/>
+          </a:solidFill>
+          <a:ln w="6350">
+            <a:solidFill>
+              <a:schemeClr val="tx2"/>
+            </a:solidFill>
+          </a:ln>
+        </p:spPr>
+        <p:style>
+          <a:lnRef idx="2">
+            <a:schemeClr val="accent1">
+              <a:shade val="15000"/>
+            </a:schemeClr>
+          </a:lnRef>
+          <a:fillRef idx="1">
+            <a:schemeClr val="accent1"/>
+          </a:fillRef>
+          <a:effectRef idx="0">
+            <a:schemeClr val="accent1"/>
+          </a:effectRef>
+          <a:fontRef idx="minor">
+            <a:schemeClr val="lt1"/>
+          </a:fontRef>
+        </p:style>
+        <p:txBody>
+          <a:bodyPr rtlCol="0" anchor="ctr"/>
+          <a:lstStyle/>
+          <a:p>
+            <a:r>
+              <a:rPr lang="de-DE" sz="1600" b="1" dirty="0" err="1">
+                <a:solidFill>
+                  <a:schemeClr val="tx1"/>
+                </a:solidFill>
+              </a:rPr>
+              <a:t>Conflicts</a:t>
+            </a:r>
+            <a:r>
+              <a:rPr lang="de-DE" sz="1600" b="1" dirty="0">
+                <a:solidFill>
+                  <a:schemeClr val="tx1"/>
+                </a:solidFill>
+              </a:rPr>
+              <a:t>: </a:t>
+            </a:r>
+            <a:r>
+              <a:rPr lang="de-DE" sz="1100" dirty="0">
+                <a:solidFill>
+                  <a:schemeClr val="tx1"/>
+                </a:solidFill>
+              </a:rPr>
+              <a:t>-</a:t>
+            </a:r>
+          </a:p>
+        </p:txBody>
+      </p:sp>
+      <p:sp>
+        <p:nvSpPr>
+          <p:cNvPr id="41" name="Rechteck 40">
+            <a:extLst>
+              <a:ext uri="{FF2B5EF4-FFF2-40B4-BE49-F238E27FC236}">
+                <a16:creationId xmlns:a16="http://schemas.microsoft.com/office/drawing/2014/main" id="{4F674478-86F4-4664-94DC-7C497D4DB8C2}"/>
+              </a:ext>
+            </a:extLst>
+          </p:cNvPr>
+          <p:cNvSpPr/>
+          <p:nvPr/>
+        </p:nvSpPr>
+        <p:spPr>
+          <a:xfrm>
+            <a:off x="192086" y="5550833"/>
+            <a:ext cx="5745162" cy="323850"/>
+          </a:xfrm>
+          <a:prstGeom prst="rect">
+            <a:avLst/>
+          </a:prstGeom>
+          <a:solidFill>
+            <a:schemeClr val="bg1"/>
+          </a:solidFill>
+          <a:ln w="6350">
+            <a:solidFill>
+              <a:schemeClr val="tx2"/>
+            </a:solidFill>
+          </a:ln>
+        </p:spPr>
+        <p:style>
+          <a:lnRef idx="2">
+            <a:schemeClr val="accent1">
+              <a:shade val="15000"/>
+            </a:schemeClr>
+          </a:lnRef>
+          <a:fillRef idx="1">
+            <a:schemeClr val="accent1"/>
+          </a:fillRef>
+          <a:effectRef idx="0">
+            <a:schemeClr val="accent1"/>
+          </a:effectRef>
+          <a:fontRef idx="minor">
+            <a:schemeClr val="lt1"/>
+          </a:fontRef>
+        </p:style>
+        <p:txBody>
+          <a:bodyPr rtlCol="0" anchor="ctr"/>
+          <a:lstStyle/>
+          <a:p>
+            <a:pPr fontAlgn="auto">
+              <a:spcAft>
+                <a:spcPts val="0"/>
+              </a:spcAft>
+            </a:pPr>
+            <a:r>
+              <a:rPr lang="de-DE" sz="1600" b="1" dirty="0" err="1">
+                <a:solidFill>
+                  <a:schemeClr val="tx1"/>
+                </a:solidFill>
+              </a:rPr>
+              <a:t>Supporting</a:t>
+            </a:r>
+            <a:r>
+              <a:rPr lang="de-DE" sz="1600" b="1" dirty="0">
+                <a:solidFill>
+                  <a:schemeClr val="tx1"/>
+                </a:solidFill>
+              </a:rPr>
+              <a:t> Materials: </a:t>
+            </a:r>
+            <a:r>
+              <a:rPr lang="de-DE" sz="1100" dirty="0">
+                <a:solidFill>
+                  <a:schemeClr val="tx1"/>
+                </a:solidFill>
+              </a:rPr>
+              <a:t>Projektbeschreibung</a:t>
+            </a:r>
+          </a:p>
+        </p:txBody>
+      </p:sp>
+      <p:sp>
+        <p:nvSpPr>
+          <p:cNvPr id="42" name="Rechteck 41">
+            <a:extLst>
+              <a:ext uri="{FF2B5EF4-FFF2-40B4-BE49-F238E27FC236}">
+                <a16:creationId xmlns:a16="http://schemas.microsoft.com/office/drawing/2014/main" id="{F1322A1A-71DE-C7B6-C853-009C947D05D6}"/>
+              </a:ext>
+            </a:extLst>
+          </p:cNvPr>
+          <p:cNvSpPr/>
+          <p:nvPr/>
+        </p:nvSpPr>
+        <p:spPr>
+          <a:xfrm>
+            <a:off x="192088" y="6013455"/>
+            <a:ext cx="5745162" cy="323850"/>
+          </a:xfrm>
+          <a:prstGeom prst="rect">
+            <a:avLst/>
+          </a:prstGeom>
+          <a:solidFill>
+            <a:schemeClr val="bg1"/>
+          </a:solidFill>
+          <a:ln w="6350">
+            <a:solidFill>
+              <a:schemeClr val="tx2"/>
+            </a:solidFill>
+          </a:ln>
+        </p:spPr>
+        <p:style>
+          <a:lnRef idx="2">
+            <a:schemeClr val="accent1">
+              <a:shade val="15000"/>
+            </a:schemeClr>
+          </a:lnRef>
+          <a:fillRef idx="1">
+            <a:schemeClr val="accent1"/>
+          </a:fillRef>
+          <a:effectRef idx="0">
+            <a:schemeClr val="accent1"/>
+          </a:effectRef>
+          <a:fontRef idx="minor">
+            <a:schemeClr val="lt1"/>
+          </a:fontRef>
+        </p:style>
+        <p:txBody>
+          <a:bodyPr rtlCol="0" anchor="ctr"/>
+          <a:lstStyle/>
+          <a:p>
+            <a:pPr fontAlgn="auto">
+              <a:spcAft>
+                <a:spcPts val="0"/>
+              </a:spcAft>
+            </a:pPr>
+            <a:r>
+              <a:rPr lang="de-DE" sz="1600" b="1" dirty="0" err="1">
+                <a:solidFill>
+                  <a:schemeClr val="tx1"/>
+                </a:solidFill>
+              </a:rPr>
+              <a:t>History</a:t>
+            </a:r>
+            <a:r>
+              <a:rPr lang="de-DE" sz="1600" b="1" dirty="0">
+                <a:solidFill>
+                  <a:schemeClr val="tx1"/>
+                </a:solidFill>
+              </a:rPr>
+              <a:t>: </a:t>
+            </a:r>
+            <a:r>
+              <a:rPr lang="de-DE" sz="1100" dirty="0">
+                <a:solidFill>
+                  <a:schemeClr val="tx1"/>
+                </a:solidFill>
+              </a:rPr>
+              <a:t>Erstellt 02.11.2025, bearbeitet: -, </a:t>
+            </a:r>
+            <a:r>
+              <a:rPr lang="de-DE" sz="1100" dirty="0" err="1">
+                <a:solidFill>
+                  <a:schemeClr val="tx1"/>
+                </a:solidFill>
+              </a:rPr>
+              <a:t>letzte:r</a:t>
+            </a:r>
+            <a:r>
+              <a:rPr lang="de-DE" sz="1100" dirty="0">
+                <a:solidFill>
+                  <a:schemeClr val="tx1"/>
+                </a:solidFill>
+              </a:rPr>
+              <a:t> </a:t>
+            </a:r>
+            <a:r>
+              <a:rPr lang="de-DE" sz="1100" dirty="0" err="1">
+                <a:solidFill>
+                  <a:schemeClr val="tx1"/>
+                </a:solidFill>
+              </a:rPr>
+              <a:t>Bearbeiter:in</a:t>
+            </a:r>
+            <a:r>
+              <a:rPr lang="de-DE" sz="1100" dirty="0">
+                <a:solidFill>
+                  <a:schemeClr val="tx1"/>
+                </a:solidFill>
+              </a:rPr>
+              <a:t> Anton Schmierer</a:t>
+            </a:r>
+          </a:p>
+        </p:txBody>
+      </p:sp>
+    </p:spTree>
+    <p:extLst>
+      <p:ext uri="{BB962C8B-B14F-4D97-AF65-F5344CB8AC3E}">
+        <p14:creationId xmlns:p14="http://schemas.microsoft.com/office/powerpoint/2010/main" val="1755105979"/>
       </p:ext>
     </p:extLst>
   </p:cSld>

--- a/requirements/Snow_Cards.pptx
+++ b/requirements/Snow_Cards.pptx
@@ -6,30 +6,31 @@
     <p:sldMasterId id="2147483699" r:id="rId2"/>
   </p:sldMasterIdLst>
   <p:notesMasterIdLst>
-    <p:notesMasterId r:id="rId11"/>
+    <p:notesMasterId r:id="rId12"/>
   </p:notesMasterIdLst>
   <p:handoutMasterIdLst>
-    <p:handoutMasterId r:id="rId12"/>
+    <p:handoutMasterId r:id="rId13"/>
   </p:handoutMasterIdLst>
   <p:sldIdLst>
     <p:sldId id="309" r:id="rId3"/>
     <p:sldId id="320" r:id="rId4"/>
     <p:sldId id="325" r:id="rId5"/>
     <p:sldId id="323" r:id="rId6"/>
-    <p:sldId id="326" r:id="rId7"/>
-    <p:sldId id="324" r:id="rId8"/>
-    <p:sldId id="327" r:id="rId9"/>
-    <p:sldId id="328" r:id="rId10"/>
+    <p:sldId id="329" r:id="rId7"/>
+    <p:sldId id="326" r:id="rId8"/>
+    <p:sldId id="324" r:id="rId9"/>
+    <p:sldId id="327" r:id="rId10"/>
+    <p:sldId id="328" r:id="rId11"/>
   </p:sldIdLst>
   <p:sldSz cx="12192000" cy="6858000"/>
   <p:notesSz cx="9928225" cy="6797675"/>
   <p:embeddedFontLst>
     <p:embeddedFont>
       <p:font typeface="Roboto" panose="02000000000000000000" pitchFamily="2" charset="0"/>
-      <p:regular r:id="rId13"/>
-      <p:bold r:id="rId14"/>
-      <p:italic r:id="rId15"/>
-      <p:boldItalic r:id="rId16"/>
+      <p:regular r:id="rId14"/>
+      <p:bold r:id="rId15"/>
+      <p:italic r:id="rId16"/>
+      <p:boldItalic r:id="rId17"/>
     </p:embeddedFont>
   </p:embeddedFontLst>
   <p:defaultTextStyle>
@@ -978,7 +979,7 @@
           <a:p>
             <a:fld id="{283A9E21-4981-413F-9BAB-A1BE42E0A624}" type="datetimeFigureOut">
               <a:rPr lang="de-DE" smtClean="0"/>
-              <a:t>02.11.2025</a:t>
+              <a:t>03.11.2025</a:t>
             </a:fld>
             <a:endParaRPr lang="de-DE"/>
           </a:p>
@@ -2081,6 +2082,115 @@
         <p:cNvPr id="1" name="">
           <a:extLst>
             <a:ext uri="{FF2B5EF4-FFF2-40B4-BE49-F238E27FC236}">
+              <a16:creationId xmlns:a16="http://schemas.microsoft.com/office/drawing/2014/main" id="{A4F5E7E8-7DF0-05A0-E60D-A566524339E6}"/>
+            </a:ext>
+          </a:extLst>
+        </p:cNvPr>
+        <p:cNvGrpSpPr/>
+        <p:nvPr/>
+      </p:nvGrpSpPr>
+      <p:grpSpPr>
+        <a:xfrm>
+          <a:off x="0" y="0"/>
+          <a:ext cx="0" cy="0"/>
+          <a:chOff x="0" y="0"/>
+          <a:chExt cx="0" cy="0"/>
+        </a:xfrm>
+      </p:grpSpPr>
+      <p:sp>
+        <p:nvSpPr>
+          <p:cNvPr id="2" name="Folienbildplatzhalter 1">
+            <a:extLst>
+              <a:ext uri="{FF2B5EF4-FFF2-40B4-BE49-F238E27FC236}">
+                <a16:creationId xmlns:a16="http://schemas.microsoft.com/office/drawing/2014/main" id="{1849405A-2041-8276-DFE0-837AF8CCA108}"/>
+              </a:ext>
+            </a:extLst>
+          </p:cNvPr>
+          <p:cNvSpPr>
+            <a:spLocks noGrp="1" noRot="1" noChangeAspect="1"/>
+          </p:cNvSpPr>
+          <p:nvPr>
+            <p:ph type="sldImg"/>
+          </p:nvPr>
+        </p:nvSpPr>
+        <p:spPr/>
+      </p:sp>
+      <p:sp>
+        <p:nvSpPr>
+          <p:cNvPr id="3" name="Notizenplatzhalter 2">
+            <a:extLst>
+              <a:ext uri="{FF2B5EF4-FFF2-40B4-BE49-F238E27FC236}">
+                <a16:creationId xmlns:a16="http://schemas.microsoft.com/office/drawing/2014/main" id="{FE04895C-48FE-FC92-46AB-928E140FECAA}"/>
+              </a:ext>
+            </a:extLst>
+          </p:cNvPr>
+          <p:cNvSpPr>
+            <a:spLocks noGrp="1"/>
+          </p:cNvSpPr>
+          <p:nvPr>
+            <p:ph type="body" idx="1"/>
+          </p:nvPr>
+        </p:nvSpPr>
+        <p:spPr/>
+        <p:txBody>
+          <a:bodyPr/>
+          <a:lstStyle/>
+          <a:p>
+            <a:endParaRPr lang="de-DE"/>
+          </a:p>
+        </p:txBody>
+      </p:sp>
+      <p:sp>
+        <p:nvSpPr>
+          <p:cNvPr id="4" name="Foliennummernplatzhalter 3">
+            <a:extLst>
+              <a:ext uri="{FF2B5EF4-FFF2-40B4-BE49-F238E27FC236}">
+                <a16:creationId xmlns:a16="http://schemas.microsoft.com/office/drawing/2014/main" id="{8C342727-9D14-19EA-B367-0B11396E78EC}"/>
+              </a:ext>
+            </a:extLst>
+          </p:cNvPr>
+          <p:cNvSpPr>
+            <a:spLocks noGrp="1"/>
+          </p:cNvSpPr>
+          <p:nvPr>
+            <p:ph type="sldNum" sz="quarter" idx="5"/>
+          </p:nvPr>
+        </p:nvSpPr>
+        <p:spPr/>
+        <p:txBody>
+          <a:bodyPr/>
+          <a:lstStyle/>
+          <a:p>
+            <a:fld id="{5EB2B633-7BEC-49A7-B3BF-92E0C7E450E6}" type="slidenum">
+              <a:rPr lang="de-DE" altLang="de-DE" smtClean="0"/>
+              <a:pPr/>
+              <a:t>5</a:t>
+            </a:fld>
+            <a:endParaRPr lang="de-DE" altLang="de-DE"/>
+          </a:p>
+        </p:txBody>
+      </p:sp>
+    </p:spTree>
+    <p:extLst>
+      <p:ext uri="{BB962C8B-B14F-4D97-AF65-F5344CB8AC3E}">
+        <p14:creationId xmlns:p14="http://schemas.microsoft.com/office/powerpoint/2010/main" val="768579670"/>
+      </p:ext>
+    </p:extLst>
+  </p:cSld>
+  <p:clrMapOvr>
+    <a:masterClrMapping/>
+  </p:clrMapOvr>
+</p:notes>
+</file>
+
+<file path=ppt/notesSlides/notesSlide6.xml><?xml version="1.0" encoding="utf-8"?>
+<p:notes xmlns:a="http://schemas.openxmlformats.org/drawingml/2006/main" xmlns:r="http://schemas.openxmlformats.org/officeDocument/2006/relationships" xmlns:p="http://schemas.openxmlformats.org/presentationml/2006/main">
+  <p:cSld>
+    <p:spTree>
+      <p:nvGrpSpPr>
+        <p:cNvPr id="1" name="">
+          <a:extLst>
+            <a:ext uri="{FF2B5EF4-FFF2-40B4-BE49-F238E27FC236}">
               <a16:creationId xmlns:a16="http://schemas.microsoft.com/office/drawing/2014/main" id="{9FE0453E-9F15-8CFA-BD08-71D4F4FD93CA}"/>
             </a:ext>
           </a:extLst>
@@ -2163,7 +2273,7 @@
             <a:fld id="{5EB2B633-7BEC-49A7-B3BF-92E0C7E450E6}" type="slidenum">
               <a:rPr lang="de-DE" altLang="de-DE" smtClean="0"/>
               <a:pPr/>
-              <a:t>5</a:t>
+              <a:t>6</a:t>
             </a:fld>
             <a:endParaRPr lang="de-DE" altLang="de-DE"/>
           </a:p>
@@ -2182,7 +2292,7 @@
 </p:notes>
 </file>
 
-<file path=ppt/notesSlides/notesSlide6.xml><?xml version="1.0" encoding="utf-8"?>
+<file path=ppt/notesSlides/notesSlide7.xml><?xml version="1.0" encoding="utf-8"?>
 <p:notes xmlns:a="http://schemas.openxmlformats.org/drawingml/2006/main" xmlns:r="http://schemas.openxmlformats.org/officeDocument/2006/relationships" xmlns:p="http://schemas.openxmlformats.org/presentationml/2006/main">
   <p:cSld>
     <p:spTree>
@@ -2272,7 +2382,7 @@
             <a:fld id="{5EB2B633-7BEC-49A7-B3BF-92E0C7E450E6}" type="slidenum">
               <a:rPr lang="de-DE" altLang="de-DE" smtClean="0"/>
               <a:pPr/>
-              <a:t>6</a:t>
+              <a:t>7</a:t>
             </a:fld>
             <a:endParaRPr lang="de-DE" altLang="de-DE"/>
           </a:p>
@@ -2291,7 +2401,7 @@
 </p:notes>
 </file>
 
-<file path=ppt/notesSlides/notesSlide7.xml><?xml version="1.0" encoding="utf-8"?>
+<file path=ppt/notesSlides/notesSlide8.xml><?xml version="1.0" encoding="utf-8"?>
 <p:notes xmlns:a="http://schemas.openxmlformats.org/drawingml/2006/main" xmlns:r="http://schemas.openxmlformats.org/officeDocument/2006/relationships" xmlns:p="http://schemas.openxmlformats.org/presentationml/2006/main">
   <p:cSld>
     <p:spTree>
@@ -2381,7 +2491,7 @@
             <a:fld id="{5EB2B633-7BEC-49A7-B3BF-92E0C7E450E6}" type="slidenum">
               <a:rPr lang="de-DE" altLang="de-DE" smtClean="0"/>
               <a:pPr/>
-              <a:t>7</a:t>
+              <a:t>8</a:t>
             </a:fld>
             <a:endParaRPr lang="de-DE" altLang="de-DE"/>
           </a:p>
@@ -2400,7 +2510,7 @@
 </p:notes>
 </file>
 
-<file path=ppt/notesSlides/notesSlide8.xml><?xml version="1.0" encoding="utf-8"?>
+<file path=ppt/notesSlides/notesSlide9.xml><?xml version="1.0" encoding="utf-8"?>
 <p:notes xmlns:a="http://schemas.openxmlformats.org/drawingml/2006/main" xmlns:r="http://schemas.openxmlformats.org/officeDocument/2006/relationships" xmlns:p="http://schemas.openxmlformats.org/presentationml/2006/main">
   <p:cSld>
     <p:spTree>
@@ -2490,7 +2600,7 @@
             <a:fld id="{5EB2B633-7BEC-49A7-B3BF-92E0C7E450E6}" type="slidenum">
               <a:rPr lang="de-DE" altLang="de-DE" smtClean="0"/>
               <a:pPr/>
-              <a:t>8</a:t>
+              <a:t>9</a:t>
             </a:fld>
             <a:endParaRPr lang="de-DE" altLang="de-DE"/>
           </a:p>
@@ -10786,6 +10896,1701 @@
         <p:cNvPr id="1" name="">
           <a:extLst>
             <a:ext uri="{FF2B5EF4-FFF2-40B4-BE49-F238E27FC236}">
+              <a16:creationId xmlns:a16="http://schemas.microsoft.com/office/drawing/2014/main" id="{E98C494D-8733-7F92-010D-A0A292E93BBD}"/>
+            </a:ext>
+          </a:extLst>
+        </p:cNvPr>
+        <p:cNvGrpSpPr/>
+        <p:nvPr/>
+      </p:nvGrpSpPr>
+      <p:grpSpPr>
+        <a:xfrm>
+          <a:off x="0" y="0"/>
+          <a:ext cx="0" cy="0"/>
+          <a:chOff x="0" y="0"/>
+          <a:chExt cx="0" cy="0"/>
+        </a:xfrm>
+      </p:grpSpPr>
+      <p:sp>
+        <p:nvSpPr>
+          <p:cNvPr id="5" name="Titel 4">
+            <a:extLst>
+              <a:ext uri="{FF2B5EF4-FFF2-40B4-BE49-F238E27FC236}">
+                <a16:creationId xmlns:a16="http://schemas.microsoft.com/office/drawing/2014/main" id="{48EB4A92-290D-12F8-92EB-14CC61CBB59D}"/>
+              </a:ext>
+            </a:extLst>
+          </p:cNvPr>
+          <p:cNvSpPr>
+            <a:spLocks noGrp="1"/>
+          </p:cNvSpPr>
+          <p:nvPr>
+            <p:ph type="title"/>
+          </p:nvPr>
+        </p:nvSpPr>
+        <p:spPr>
+          <a:xfrm>
+            <a:off x="1343025" y="152400"/>
+            <a:ext cx="10656888" cy="468314"/>
+          </a:xfrm>
+        </p:spPr>
+        <p:txBody>
+          <a:bodyPr>
+            <a:normAutofit/>
+          </a:bodyPr>
+          <a:lstStyle/>
+          <a:p>
+            <a:r>
+              <a:rPr lang="en-US" dirty="0"/>
+              <a:t>1. Functional Requirements</a:t>
+            </a:r>
+            <a:endParaRPr lang="de-DE" dirty="0"/>
+          </a:p>
+        </p:txBody>
+      </p:sp>
+      <p:sp>
+        <p:nvSpPr>
+          <p:cNvPr id="13" name="Rechteck 12">
+            <a:extLst>
+              <a:ext uri="{FF2B5EF4-FFF2-40B4-BE49-F238E27FC236}">
+                <a16:creationId xmlns:a16="http://schemas.microsoft.com/office/drawing/2014/main" id="{BFCC9E97-27C8-8124-A7FA-118E30FB3B06}"/>
+              </a:ext>
+            </a:extLst>
+          </p:cNvPr>
+          <p:cNvSpPr/>
+          <p:nvPr/>
+        </p:nvSpPr>
+        <p:spPr>
+          <a:xfrm>
+            <a:off x="192088" y="908050"/>
+            <a:ext cx="3319462" cy="323850"/>
+          </a:xfrm>
+          <a:prstGeom prst="rect">
+            <a:avLst/>
+          </a:prstGeom>
+          <a:solidFill>
+            <a:schemeClr val="bg1"/>
+          </a:solidFill>
+          <a:ln w="6350">
+            <a:solidFill>
+              <a:schemeClr val="tx2"/>
+            </a:solidFill>
+          </a:ln>
+        </p:spPr>
+        <p:style>
+          <a:lnRef idx="2">
+            <a:schemeClr val="accent1">
+              <a:shade val="15000"/>
+            </a:schemeClr>
+          </a:lnRef>
+          <a:fillRef idx="1">
+            <a:schemeClr val="accent1"/>
+          </a:fillRef>
+          <a:effectRef idx="0">
+            <a:schemeClr val="accent1"/>
+          </a:effectRef>
+          <a:fontRef idx="minor">
+            <a:schemeClr val="lt1"/>
+          </a:fontRef>
+        </p:style>
+        <p:txBody>
+          <a:bodyPr rtlCol="0" anchor="ctr"/>
+          <a:lstStyle/>
+          <a:p>
+            <a:r>
+              <a:rPr lang="en-US" sz="1600" b="1" dirty="0">
+                <a:solidFill>
+                  <a:schemeClr val="tx1"/>
+                </a:solidFill>
+              </a:rPr>
+              <a:t>Requirement #: FR-2</a:t>
+            </a:r>
+          </a:p>
+        </p:txBody>
+      </p:sp>
+      <p:sp>
+        <p:nvSpPr>
+          <p:cNvPr id="14" name="Rechteck 13">
+            <a:extLst>
+              <a:ext uri="{FF2B5EF4-FFF2-40B4-BE49-F238E27FC236}">
+                <a16:creationId xmlns:a16="http://schemas.microsoft.com/office/drawing/2014/main" id="{0C4EE76D-5057-57DF-8187-C9FD5F16E753}"/>
+              </a:ext>
+            </a:extLst>
+          </p:cNvPr>
+          <p:cNvSpPr/>
+          <p:nvPr/>
+        </p:nvSpPr>
+        <p:spPr>
+          <a:xfrm>
+            <a:off x="4436269" y="908050"/>
+            <a:ext cx="3319462" cy="323850"/>
+          </a:xfrm>
+          <a:prstGeom prst="rect">
+            <a:avLst/>
+          </a:prstGeom>
+          <a:solidFill>
+            <a:schemeClr val="bg1"/>
+          </a:solidFill>
+          <a:ln w="6350">
+            <a:solidFill>
+              <a:schemeClr val="tx2"/>
+            </a:solidFill>
+          </a:ln>
+        </p:spPr>
+        <p:style>
+          <a:lnRef idx="2">
+            <a:schemeClr val="accent1">
+              <a:shade val="15000"/>
+            </a:schemeClr>
+          </a:lnRef>
+          <a:fillRef idx="1">
+            <a:schemeClr val="accent1"/>
+          </a:fillRef>
+          <a:effectRef idx="0">
+            <a:schemeClr val="accent1"/>
+          </a:effectRef>
+          <a:fontRef idx="minor">
+            <a:schemeClr val="lt1"/>
+          </a:fontRef>
+        </p:style>
+        <p:txBody>
+          <a:bodyPr rtlCol="0" anchor="ctr"/>
+          <a:lstStyle/>
+          <a:p>
+            <a:r>
+              <a:rPr lang="en-US" sz="1600" b="1" dirty="0">
+                <a:solidFill>
+                  <a:schemeClr val="tx1"/>
+                </a:solidFill>
+              </a:rPr>
+              <a:t>Requirement Type: Functional</a:t>
+            </a:r>
+          </a:p>
+        </p:txBody>
+      </p:sp>
+      <p:sp>
+        <p:nvSpPr>
+          <p:cNvPr id="15" name="Rechteck 14">
+            <a:extLst>
+              <a:ext uri="{FF2B5EF4-FFF2-40B4-BE49-F238E27FC236}">
+                <a16:creationId xmlns:a16="http://schemas.microsoft.com/office/drawing/2014/main" id="{13D26285-C189-D14B-8CAB-E66986D36895}"/>
+              </a:ext>
+            </a:extLst>
+          </p:cNvPr>
+          <p:cNvSpPr/>
+          <p:nvPr/>
+        </p:nvSpPr>
+        <p:spPr>
+          <a:xfrm>
+            <a:off x="8680450" y="908050"/>
+            <a:ext cx="3319462" cy="323850"/>
+          </a:xfrm>
+          <a:prstGeom prst="rect">
+            <a:avLst/>
+          </a:prstGeom>
+          <a:solidFill>
+            <a:schemeClr val="bg1"/>
+          </a:solidFill>
+          <a:ln w="6350">
+            <a:solidFill>
+              <a:schemeClr val="tx2"/>
+            </a:solidFill>
+          </a:ln>
+        </p:spPr>
+        <p:style>
+          <a:lnRef idx="2">
+            <a:schemeClr val="accent1">
+              <a:shade val="15000"/>
+            </a:schemeClr>
+          </a:lnRef>
+          <a:fillRef idx="1">
+            <a:schemeClr val="accent1"/>
+          </a:fillRef>
+          <a:effectRef idx="0">
+            <a:schemeClr val="accent1"/>
+          </a:effectRef>
+          <a:fontRef idx="minor">
+            <a:schemeClr val="lt1"/>
+          </a:fontRef>
+        </p:style>
+        <p:txBody>
+          <a:bodyPr rtlCol="0" anchor="ctr"/>
+          <a:lstStyle/>
+          <a:p>
+            <a:r>
+              <a:rPr lang="de-DE" sz="1600" b="1" dirty="0">
+                <a:solidFill>
+                  <a:schemeClr val="tx1"/>
+                </a:solidFill>
+              </a:rPr>
+              <a:t>Event/BUC/PUC #:</a:t>
+            </a:r>
+            <a:endParaRPr lang="de-DE" sz="1100" dirty="0">
+              <a:solidFill>
+                <a:schemeClr val="tx1"/>
+              </a:solidFill>
+            </a:endParaRPr>
+          </a:p>
+        </p:txBody>
+      </p:sp>
+      <p:sp>
+        <p:nvSpPr>
+          <p:cNvPr id="16" name="Rechteck 15">
+            <a:extLst>
+              <a:ext uri="{FF2B5EF4-FFF2-40B4-BE49-F238E27FC236}">
+                <a16:creationId xmlns:a16="http://schemas.microsoft.com/office/drawing/2014/main" id="{53882B26-0FFE-8541-E3E9-B67B5CEEFFE6}"/>
+              </a:ext>
+            </a:extLst>
+          </p:cNvPr>
+          <p:cNvSpPr/>
+          <p:nvPr/>
+        </p:nvSpPr>
+        <p:spPr>
+          <a:xfrm>
+            <a:off x="192088" y="1370669"/>
+            <a:ext cx="1375200" cy="324000"/>
+          </a:xfrm>
+          <a:prstGeom prst="rect">
+            <a:avLst/>
+          </a:prstGeom>
+          <a:solidFill>
+            <a:schemeClr val="bg1"/>
+          </a:solidFill>
+          <a:ln w="6350">
+            <a:solidFill>
+              <a:schemeClr val="tx2"/>
+            </a:solidFill>
+          </a:ln>
+        </p:spPr>
+        <p:style>
+          <a:lnRef idx="2">
+            <a:schemeClr val="accent1">
+              <a:shade val="15000"/>
+            </a:schemeClr>
+          </a:lnRef>
+          <a:fillRef idx="1">
+            <a:schemeClr val="accent1"/>
+          </a:fillRef>
+          <a:effectRef idx="0">
+            <a:schemeClr val="accent1"/>
+          </a:effectRef>
+          <a:fontRef idx="minor">
+            <a:schemeClr val="lt1"/>
+          </a:fontRef>
+        </p:style>
+        <p:txBody>
+          <a:bodyPr rtlCol="0" anchor="ctr"/>
+          <a:lstStyle/>
+          <a:p>
+            <a:r>
+              <a:rPr lang="de-DE" sz="1600" b="1" dirty="0">
+                <a:solidFill>
+                  <a:schemeClr val="tx1"/>
+                </a:solidFill>
+              </a:rPr>
+              <a:t>Description:</a:t>
+            </a:r>
+          </a:p>
+        </p:txBody>
+      </p:sp>
+      <p:sp>
+        <p:nvSpPr>
+          <p:cNvPr id="23" name="Rechteck 22">
+            <a:extLst>
+              <a:ext uri="{FF2B5EF4-FFF2-40B4-BE49-F238E27FC236}">
+                <a16:creationId xmlns:a16="http://schemas.microsoft.com/office/drawing/2014/main" id="{6DD8798C-9846-824E-B3B1-C5C10749438D}"/>
+              </a:ext>
+            </a:extLst>
+          </p:cNvPr>
+          <p:cNvSpPr/>
+          <p:nvPr/>
+        </p:nvSpPr>
+        <p:spPr>
+          <a:xfrm>
+            <a:off x="1899251" y="1370669"/>
+            <a:ext cx="10098000" cy="792000"/>
+          </a:xfrm>
+          <a:prstGeom prst="rect">
+            <a:avLst/>
+          </a:prstGeom>
+          <a:solidFill>
+            <a:schemeClr val="bg1"/>
+          </a:solidFill>
+          <a:ln w="6350">
+            <a:solidFill>
+              <a:schemeClr val="tx2"/>
+            </a:solidFill>
+          </a:ln>
+        </p:spPr>
+        <p:style>
+          <a:lnRef idx="2">
+            <a:schemeClr val="accent1">
+              <a:shade val="15000"/>
+            </a:schemeClr>
+          </a:lnRef>
+          <a:fillRef idx="1">
+            <a:schemeClr val="accent1"/>
+          </a:fillRef>
+          <a:effectRef idx="0">
+            <a:schemeClr val="accent1"/>
+          </a:effectRef>
+          <a:fontRef idx="minor">
+            <a:schemeClr val="lt1"/>
+          </a:fontRef>
+        </p:style>
+        <p:txBody>
+          <a:bodyPr rtlCol="0" anchor="ctr"/>
+          <a:lstStyle/>
+          <a:p>
+            <a:r>
+              <a:rPr lang="de-DE" sz="1100" dirty="0">
+                <a:solidFill>
+                  <a:schemeClr val="tx1"/>
+                </a:solidFill>
+              </a:rPr>
+              <a:t>Berechnung und Export von Statistiken aus gespeicherten Daten</a:t>
+            </a:r>
+          </a:p>
+          <a:p>
+            <a:r>
+              <a:rPr lang="de-DE" sz="1100" dirty="0">
+                <a:solidFill>
+                  <a:schemeClr val="tx1"/>
+                </a:solidFill>
+              </a:rPr>
+              <a:t>Erstellen und Nutzen von Filtern</a:t>
+            </a:r>
+          </a:p>
+          <a:p>
+            <a:r>
+              <a:rPr lang="de-DE" sz="1100" dirty="0">
+                <a:solidFill>
+                  <a:schemeClr val="tx1"/>
+                </a:solidFill>
+              </a:rPr>
+              <a:t>Export der Statistiken (</a:t>
+            </a:r>
+            <a:r>
+              <a:rPr lang="de-DE" sz="1100" dirty="0" err="1">
+                <a:solidFill>
+                  <a:schemeClr val="tx1"/>
+                </a:solidFill>
+              </a:rPr>
+              <a:t>pdf</a:t>
+            </a:r>
+            <a:r>
+              <a:rPr lang="de-DE" sz="1100" dirty="0">
+                <a:solidFill>
+                  <a:schemeClr val="tx1"/>
+                </a:solidFill>
+              </a:rPr>
+              <a:t> xlsx, </a:t>
+            </a:r>
+            <a:r>
+              <a:rPr lang="de-DE" sz="1100" dirty="0" err="1">
+                <a:solidFill>
+                  <a:schemeClr val="tx1"/>
+                </a:solidFill>
+              </a:rPr>
+              <a:t>csv</a:t>
+            </a:r>
+            <a:r>
+              <a:rPr lang="de-DE" sz="1100" dirty="0">
+                <a:solidFill>
+                  <a:schemeClr val="tx1"/>
+                </a:solidFill>
+              </a:rPr>
+              <a:t>)</a:t>
+            </a:r>
+            <a:endParaRPr lang="en-US" sz="1100" dirty="0">
+              <a:solidFill>
+                <a:schemeClr val="tx1"/>
+              </a:solidFill>
+            </a:endParaRPr>
+          </a:p>
+        </p:txBody>
+      </p:sp>
+      <p:sp>
+        <p:nvSpPr>
+          <p:cNvPr id="29" name="Rechteck 28">
+            <a:extLst>
+              <a:ext uri="{FF2B5EF4-FFF2-40B4-BE49-F238E27FC236}">
+                <a16:creationId xmlns:a16="http://schemas.microsoft.com/office/drawing/2014/main" id="{92138D5C-E1B9-EA96-3E7C-FDDE2159CABB}"/>
+              </a:ext>
+            </a:extLst>
+          </p:cNvPr>
+          <p:cNvSpPr/>
+          <p:nvPr/>
+        </p:nvSpPr>
+        <p:spPr>
+          <a:xfrm>
+            <a:off x="192090" y="2301438"/>
+            <a:ext cx="1375200" cy="323850"/>
+          </a:xfrm>
+          <a:prstGeom prst="rect">
+            <a:avLst/>
+          </a:prstGeom>
+          <a:solidFill>
+            <a:schemeClr val="bg1"/>
+          </a:solidFill>
+          <a:ln w="6350">
+            <a:solidFill>
+              <a:schemeClr val="tx2"/>
+            </a:solidFill>
+          </a:ln>
+        </p:spPr>
+        <p:style>
+          <a:lnRef idx="2">
+            <a:schemeClr val="accent1">
+              <a:shade val="15000"/>
+            </a:schemeClr>
+          </a:lnRef>
+          <a:fillRef idx="1">
+            <a:schemeClr val="accent1"/>
+          </a:fillRef>
+          <a:effectRef idx="0">
+            <a:schemeClr val="accent1"/>
+          </a:effectRef>
+          <a:fontRef idx="minor">
+            <a:schemeClr val="lt1"/>
+          </a:fontRef>
+        </p:style>
+        <p:txBody>
+          <a:bodyPr rtlCol="0" anchor="ctr"/>
+          <a:lstStyle/>
+          <a:p>
+            <a:r>
+              <a:rPr lang="de-DE" sz="1600" b="1" dirty="0">
+                <a:solidFill>
+                  <a:schemeClr val="tx1"/>
+                </a:solidFill>
+              </a:rPr>
+              <a:t>Rationale:</a:t>
+            </a:r>
+          </a:p>
+        </p:txBody>
+      </p:sp>
+      <p:sp>
+        <p:nvSpPr>
+          <p:cNvPr id="30" name="Rechteck 29">
+            <a:extLst>
+              <a:ext uri="{FF2B5EF4-FFF2-40B4-BE49-F238E27FC236}">
+                <a16:creationId xmlns:a16="http://schemas.microsoft.com/office/drawing/2014/main" id="{2707EFF0-0358-C388-52AA-509B25C57232}"/>
+              </a:ext>
+            </a:extLst>
+          </p:cNvPr>
+          <p:cNvSpPr/>
+          <p:nvPr/>
+        </p:nvSpPr>
+        <p:spPr>
+          <a:xfrm>
+            <a:off x="1899253" y="2301438"/>
+            <a:ext cx="10098000" cy="792000"/>
+          </a:xfrm>
+          <a:prstGeom prst="rect">
+            <a:avLst/>
+          </a:prstGeom>
+          <a:solidFill>
+            <a:schemeClr val="bg1"/>
+          </a:solidFill>
+          <a:ln w="6350">
+            <a:solidFill>
+              <a:schemeClr val="tx2"/>
+            </a:solidFill>
+          </a:ln>
+        </p:spPr>
+        <p:style>
+          <a:lnRef idx="2">
+            <a:schemeClr val="accent1">
+              <a:shade val="15000"/>
+            </a:schemeClr>
+          </a:lnRef>
+          <a:fillRef idx="1">
+            <a:schemeClr val="accent1"/>
+          </a:fillRef>
+          <a:effectRef idx="0">
+            <a:schemeClr val="accent1"/>
+          </a:effectRef>
+          <a:fontRef idx="minor">
+            <a:schemeClr val="lt1"/>
+          </a:fontRef>
+        </p:style>
+        <p:txBody>
+          <a:bodyPr rtlCol="0" anchor="ctr"/>
+          <a:lstStyle/>
+          <a:p>
+            <a:r>
+              <a:rPr lang="en-US" sz="1100" dirty="0">
+                <a:solidFill>
+                  <a:schemeClr val="tx1"/>
+                </a:solidFill>
+              </a:rPr>
+              <a:t>Eines der </a:t>
+            </a:r>
+            <a:r>
+              <a:rPr lang="en-US" sz="1100" dirty="0" err="1">
+                <a:solidFill>
+                  <a:schemeClr val="tx1"/>
+                </a:solidFill>
+              </a:rPr>
+              <a:t>grundlegenden</a:t>
+            </a:r>
+            <a:r>
+              <a:rPr lang="en-US" sz="1100" dirty="0">
+                <a:solidFill>
+                  <a:schemeClr val="tx1"/>
+                </a:solidFill>
+              </a:rPr>
+              <a:t> </a:t>
+            </a:r>
+            <a:r>
+              <a:rPr lang="en-US" sz="1100" dirty="0" err="1">
+                <a:solidFill>
+                  <a:schemeClr val="tx1"/>
+                </a:solidFill>
+              </a:rPr>
+              <a:t>Ziele</a:t>
+            </a:r>
+            <a:r>
+              <a:rPr lang="en-US" sz="1100" dirty="0">
+                <a:solidFill>
+                  <a:schemeClr val="tx1"/>
+                </a:solidFill>
+              </a:rPr>
+              <a:t> der Software </a:t>
+            </a:r>
+            <a:r>
+              <a:rPr lang="en-US" sz="1100" dirty="0" err="1">
+                <a:solidFill>
+                  <a:schemeClr val="tx1"/>
+                </a:solidFill>
+              </a:rPr>
+              <a:t>ist</a:t>
+            </a:r>
+            <a:r>
+              <a:rPr lang="en-US" sz="1100" dirty="0">
+                <a:solidFill>
+                  <a:schemeClr val="tx1"/>
+                </a:solidFill>
+              </a:rPr>
+              <a:t> es, die </a:t>
+            </a:r>
+            <a:r>
+              <a:rPr lang="en-US" sz="1100" dirty="0" err="1">
+                <a:solidFill>
+                  <a:schemeClr val="tx1"/>
+                </a:solidFill>
+              </a:rPr>
+              <a:t>Erstellung</a:t>
+            </a:r>
+            <a:r>
+              <a:rPr lang="en-US" sz="1100" dirty="0">
+                <a:solidFill>
+                  <a:schemeClr val="tx1"/>
+                </a:solidFill>
+              </a:rPr>
+              <a:t> von </a:t>
+            </a:r>
+            <a:r>
+              <a:rPr lang="en-US" sz="1100" dirty="0" err="1">
+                <a:solidFill>
+                  <a:schemeClr val="tx1"/>
+                </a:solidFill>
+              </a:rPr>
+              <a:t>Statistiken</a:t>
+            </a:r>
+            <a:r>
+              <a:rPr lang="en-US" sz="1100" dirty="0">
+                <a:solidFill>
+                  <a:schemeClr val="tx1"/>
+                </a:solidFill>
+              </a:rPr>
+              <a:t> </a:t>
+            </a:r>
+            <a:r>
+              <a:rPr lang="en-US" sz="1100" dirty="0" err="1">
+                <a:solidFill>
+                  <a:schemeClr val="tx1"/>
+                </a:solidFill>
+              </a:rPr>
+              <a:t>zu</a:t>
+            </a:r>
+            <a:r>
+              <a:rPr lang="en-US" sz="1100" dirty="0">
+                <a:solidFill>
+                  <a:schemeClr val="tx1"/>
+                </a:solidFill>
+              </a:rPr>
+              <a:t> </a:t>
+            </a:r>
+            <a:r>
+              <a:rPr lang="en-US" sz="1100" dirty="0" err="1">
+                <a:solidFill>
+                  <a:schemeClr val="tx1"/>
+                </a:solidFill>
+              </a:rPr>
+              <a:t>vereinfachen</a:t>
+            </a:r>
+            <a:r>
+              <a:rPr lang="en-US" sz="1100" dirty="0">
+                <a:solidFill>
+                  <a:schemeClr val="tx1"/>
+                </a:solidFill>
+              </a:rPr>
+              <a:t>, die von den </a:t>
+            </a:r>
+            <a:r>
+              <a:rPr lang="en-US" sz="1100" dirty="0" err="1">
+                <a:solidFill>
+                  <a:schemeClr val="tx1"/>
+                </a:solidFill>
+              </a:rPr>
+              <a:t>jeweiligen</a:t>
+            </a:r>
+            <a:r>
+              <a:rPr lang="en-US" sz="1100" dirty="0">
+                <a:solidFill>
+                  <a:schemeClr val="tx1"/>
+                </a:solidFill>
+              </a:rPr>
+              <a:t> </a:t>
+            </a:r>
+            <a:r>
+              <a:rPr lang="en-US" sz="1100" dirty="0" err="1">
+                <a:solidFill>
+                  <a:schemeClr val="tx1"/>
+                </a:solidFill>
+              </a:rPr>
+              <a:t>Beratungsstellen</a:t>
+            </a:r>
+            <a:r>
+              <a:rPr lang="en-US" sz="1100" dirty="0">
+                <a:solidFill>
+                  <a:schemeClr val="tx1"/>
+                </a:solidFill>
+              </a:rPr>
+              <a:t> </a:t>
+            </a:r>
+            <a:r>
+              <a:rPr lang="en-US" sz="1100" dirty="0" err="1">
+                <a:solidFill>
+                  <a:schemeClr val="tx1"/>
+                </a:solidFill>
+              </a:rPr>
+              <a:t>gebraucht</a:t>
+            </a:r>
+            <a:r>
+              <a:rPr lang="en-US" sz="1100" dirty="0">
+                <a:solidFill>
+                  <a:schemeClr val="tx1"/>
+                </a:solidFill>
+              </a:rPr>
+              <a:t> </a:t>
+            </a:r>
+            <a:r>
+              <a:rPr lang="en-US" sz="1100" dirty="0" err="1">
+                <a:solidFill>
+                  <a:schemeClr val="tx1"/>
+                </a:solidFill>
+              </a:rPr>
+              <a:t>werden</a:t>
+            </a:r>
+            <a:r>
+              <a:rPr lang="en-US" sz="1100" dirty="0">
+                <a:solidFill>
+                  <a:schemeClr val="tx1"/>
+                </a:solidFill>
+              </a:rPr>
+              <a:t>.  </a:t>
+            </a:r>
+          </a:p>
+        </p:txBody>
+      </p:sp>
+      <p:sp>
+        <p:nvSpPr>
+          <p:cNvPr id="32" name="Rechteck 31">
+            <a:extLst>
+              <a:ext uri="{FF2B5EF4-FFF2-40B4-BE49-F238E27FC236}">
+                <a16:creationId xmlns:a16="http://schemas.microsoft.com/office/drawing/2014/main" id="{6858BD9C-DC70-6A02-FC6C-DF7AF7ED1BAA}"/>
+              </a:ext>
+            </a:extLst>
+          </p:cNvPr>
+          <p:cNvSpPr/>
+          <p:nvPr/>
+        </p:nvSpPr>
+        <p:spPr>
+          <a:xfrm>
+            <a:off x="192088" y="3232207"/>
+            <a:ext cx="1375200" cy="323850"/>
+          </a:xfrm>
+          <a:prstGeom prst="rect">
+            <a:avLst/>
+          </a:prstGeom>
+          <a:solidFill>
+            <a:schemeClr val="bg1"/>
+          </a:solidFill>
+          <a:ln w="6350">
+            <a:solidFill>
+              <a:schemeClr val="tx2"/>
+            </a:solidFill>
+          </a:ln>
+        </p:spPr>
+        <p:style>
+          <a:lnRef idx="2">
+            <a:schemeClr val="accent1">
+              <a:shade val="15000"/>
+            </a:schemeClr>
+          </a:lnRef>
+          <a:fillRef idx="1">
+            <a:schemeClr val="accent1"/>
+          </a:fillRef>
+          <a:effectRef idx="0">
+            <a:schemeClr val="accent1"/>
+          </a:effectRef>
+          <a:fontRef idx="minor">
+            <a:schemeClr val="lt1"/>
+          </a:fontRef>
+        </p:style>
+        <p:txBody>
+          <a:bodyPr rtlCol="0" anchor="ctr"/>
+          <a:lstStyle/>
+          <a:p>
+            <a:r>
+              <a:rPr lang="de-DE" sz="1600" b="1" dirty="0" err="1">
+                <a:solidFill>
+                  <a:schemeClr val="tx1"/>
+                </a:solidFill>
+              </a:rPr>
+              <a:t>Originator</a:t>
+            </a:r>
+            <a:r>
+              <a:rPr lang="de-DE" sz="1600" b="1" dirty="0">
+                <a:solidFill>
+                  <a:schemeClr val="tx1"/>
+                </a:solidFill>
+              </a:rPr>
+              <a:t>:</a:t>
+            </a:r>
+          </a:p>
+        </p:txBody>
+      </p:sp>
+      <p:sp>
+        <p:nvSpPr>
+          <p:cNvPr id="33" name="Rechteck 32">
+            <a:extLst>
+              <a:ext uri="{FF2B5EF4-FFF2-40B4-BE49-F238E27FC236}">
+                <a16:creationId xmlns:a16="http://schemas.microsoft.com/office/drawing/2014/main" id="{03DD2826-F937-C0B7-A640-E95A663B5EDD}"/>
+              </a:ext>
+            </a:extLst>
+          </p:cNvPr>
+          <p:cNvSpPr/>
+          <p:nvPr/>
+        </p:nvSpPr>
+        <p:spPr>
+          <a:xfrm>
+            <a:off x="1899251" y="3232207"/>
+            <a:ext cx="10098000" cy="323850"/>
+          </a:xfrm>
+          <a:prstGeom prst="rect">
+            <a:avLst/>
+          </a:prstGeom>
+          <a:solidFill>
+            <a:schemeClr val="bg1"/>
+          </a:solidFill>
+          <a:ln w="6350">
+            <a:solidFill>
+              <a:schemeClr val="tx2"/>
+            </a:solidFill>
+          </a:ln>
+        </p:spPr>
+        <p:style>
+          <a:lnRef idx="2">
+            <a:schemeClr val="accent1">
+              <a:shade val="15000"/>
+            </a:schemeClr>
+          </a:lnRef>
+          <a:fillRef idx="1">
+            <a:schemeClr val="accent1"/>
+          </a:fillRef>
+          <a:effectRef idx="0">
+            <a:schemeClr val="accent1"/>
+          </a:effectRef>
+          <a:fontRef idx="minor">
+            <a:schemeClr val="lt1"/>
+          </a:fontRef>
+        </p:style>
+        <p:txBody>
+          <a:bodyPr rtlCol="0" anchor="ctr"/>
+          <a:lstStyle/>
+          <a:p>
+            <a:r>
+              <a:rPr lang="en-US" sz="1100" dirty="0">
+                <a:solidFill>
+                  <a:schemeClr val="tx1"/>
+                </a:solidFill>
+              </a:rPr>
+              <a:t>Mitarbeiter*</a:t>
+            </a:r>
+            <a:r>
+              <a:rPr lang="en-US" sz="1100" dirty="0" err="1">
+                <a:solidFill>
+                  <a:schemeClr val="tx1"/>
+                </a:solidFill>
+              </a:rPr>
+              <a:t>innen</a:t>
+            </a:r>
+            <a:r>
+              <a:rPr lang="en-US" sz="1100" dirty="0">
+                <a:solidFill>
+                  <a:schemeClr val="tx1"/>
+                </a:solidFill>
+              </a:rPr>
+              <a:t> des Bellis </a:t>
+            </a:r>
+            <a:r>
+              <a:rPr lang="en-US" sz="1100" dirty="0" err="1">
+                <a:solidFill>
+                  <a:schemeClr val="tx1"/>
+                </a:solidFill>
+              </a:rPr>
+              <a:t>e.V.</a:t>
+            </a:r>
+            <a:endParaRPr lang="en-US" sz="1100" dirty="0">
+              <a:solidFill>
+                <a:schemeClr val="tx1"/>
+              </a:solidFill>
+            </a:endParaRPr>
+          </a:p>
+        </p:txBody>
+      </p:sp>
+      <p:sp>
+        <p:nvSpPr>
+          <p:cNvPr id="35" name="Rechteck 34">
+            <a:extLst>
+              <a:ext uri="{FF2B5EF4-FFF2-40B4-BE49-F238E27FC236}">
+                <a16:creationId xmlns:a16="http://schemas.microsoft.com/office/drawing/2014/main" id="{2FCE78B4-EA94-FE9F-F7CF-2E33EC11A462}"/>
+              </a:ext>
+            </a:extLst>
+          </p:cNvPr>
+          <p:cNvSpPr/>
+          <p:nvPr/>
+        </p:nvSpPr>
+        <p:spPr>
+          <a:xfrm>
+            <a:off x="192090" y="3694827"/>
+            <a:ext cx="1375200" cy="324001"/>
+          </a:xfrm>
+          <a:prstGeom prst="rect">
+            <a:avLst/>
+          </a:prstGeom>
+          <a:solidFill>
+            <a:schemeClr val="bg1"/>
+          </a:solidFill>
+          <a:ln w="6350">
+            <a:solidFill>
+              <a:schemeClr val="tx2"/>
+            </a:solidFill>
+          </a:ln>
+        </p:spPr>
+        <p:style>
+          <a:lnRef idx="2">
+            <a:schemeClr val="accent1">
+              <a:shade val="15000"/>
+            </a:schemeClr>
+          </a:lnRef>
+          <a:fillRef idx="1">
+            <a:schemeClr val="accent1"/>
+          </a:fillRef>
+          <a:effectRef idx="0">
+            <a:schemeClr val="accent1"/>
+          </a:effectRef>
+          <a:fontRef idx="minor">
+            <a:schemeClr val="lt1"/>
+          </a:fontRef>
+        </p:style>
+        <p:txBody>
+          <a:bodyPr rtlCol="0" anchor="ctr"/>
+          <a:lstStyle/>
+          <a:p>
+            <a:r>
+              <a:rPr lang="de-DE" sz="1600" b="1" dirty="0">
+                <a:solidFill>
+                  <a:schemeClr val="tx1"/>
+                </a:solidFill>
+              </a:rPr>
+              <a:t>Fit </a:t>
+            </a:r>
+            <a:r>
+              <a:rPr lang="de-DE" sz="1600" b="1" dirty="0" err="1">
+                <a:solidFill>
+                  <a:schemeClr val="tx1"/>
+                </a:solidFill>
+              </a:rPr>
+              <a:t>Criterion</a:t>
+            </a:r>
+            <a:r>
+              <a:rPr lang="de-DE" sz="1600" b="1" dirty="0">
+                <a:solidFill>
+                  <a:schemeClr val="tx1"/>
+                </a:solidFill>
+              </a:rPr>
+              <a:t>:</a:t>
+            </a:r>
+          </a:p>
+        </p:txBody>
+      </p:sp>
+      <p:sp>
+        <p:nvSpPr>
+          <p:cNvPr id="36" name="Rechteck 35">
+            <a:extLst>
+              <a:ext uri="{FF2B5EF4-FFF2-40B4-BE49-F238E27FC236}">
+                <a16:creationId xmlns:a16="http://schemas.microsoft.com/office/drawing/2014/main" id="{FA260BE3-BC49-1D35-2774-58F1A8B11F71}"/>
+              </a:ext>
+            </a:extLst>
+          </p:cNvPr>
+          <p:cNvSpPr/>
+          <p:nvPr/>
+        </p:nvSpPr>
+        <p:spPr>
+          <a:xfrm>
+            <a:off x="1899253" y="3694826"/>
+            <a:ext cx="10098000" cy="792000"/>
+          </a:xfrm>
+          <a:prstGeom prst="rect">
+            <a:avLst/>
+          </a:prstGeom>
+          <a:solidFill>
+            <a:schemeClr val="bg1"/>
+          </a:solidFill>
+          <a:ln w="6350">
+            <a:solidFill>
+              <a:schemeClr val="tx2"/>
+            </a:solidFill>
+          </a:ln>
+        </p:spPr>
+        <p:style>
+          <a:lnRef idx="2">
+            <a:schemeClr val="accent1">
+              <a:shade val="15000"/>
+            </a:schemeClr>
+          </a:lnRef>
+          <a:fillRef idx="1">
+            <a:schemeClr val="accent1"/>
+          </a:fillRef>
+          <a:effectRef idx="0">
+            <a:schemeClr val="accent1"/>
+          </a:effectRef>
+          <a:fontRef idx="minor">
+            <a:schemeClr val="lt1"/>
+          </a:fontRef>
+        </p:style>
+        <p:txBody>
+          <a:bodyPr rtlCol="0" anchor="ctr"/>
+          <a:lstStyle/>
+          <a:p>
+            <a:endParaRPr lang="en-US" sz="1100" dirty="0">
+              <a:solidFill>
+                <a:schemeClr val="tx1"/>
+              </a:solidFill>
+            </a:endParaRPr>
+          </a:p>
+          <a:p>
+            <a:r>
+              <a:rPr lang="en-US" sz="1100" dirty="0">
+                <a:solidFill>
+                  <a:schemeClr val="tx1"/>
+                </a:solidFill>
+              </a:rPr>
+              <a:t>Es </a:t>
+            </a:r>
+            <a:r>
+              <a:rPr lang="en-US" sz="1100" dirty="0" err="1">
+                <a:solidFill>
+                  <a:schemeClr val="tx1"/>
+                </a:solidFill>
+              </a:rPr>
+              <a:t>ist</a:t>
+            </a:r>
+            <a:r>
+              <a:rPr lang="en-US" sz="1100" dirty="0">
+                <a:solidFill>
+                  <a:schemeClr val="tx1"/>
+                </a:solidFill>
+              </a:rPr>
+              <a:t> </a:t>
+            </a:r>
+            <a:r>
+              <a:rPr lang="en-US" sz="1100" dirty="0" err="1">
+                <a:solidFill>
+                  <a:schemeClr val="tx1"/>
+                </a:solidFill>
+              </a:rPr>
+              <a:t>möglich</a:t>
+            </a:r>
+            <a:r>
+              <a:rPr lang="en-US" sz="1100" dirty="0">
+                <a:solidFill>
+                  <a:schemeClr val="tx1"/>
+                </a:solidFill>
+              </a:rPr>
+              <a:t> </a:t>
+            </a:r>
+            <a:r>
+              <a:rPr lang="en-US" sz="1100" dirty="0" err="1">
+                <a:solidFill>
+                  <a:schemeClr val="tx1"/>
+                </a:solidFill>
+              </a:rPr>
+              <a:t>korrekte</a:t>
+            </a:r>
+            <a:r>
+              <a:rPr lang="en-US" sz="1100" dirty="0">
+                <a:solidFill>
+                  <a:schemeClr val="tx1"/>
+                </a:solidFill>
+              </a:rPr>
+              <a:t> </a:t>
+            </a:r>
+            <a:r>
+              <a:rPr lang="en-US" sz="1100" dirty="0" err="1">
+                <a:solidFill>
+                  <a:schemeClr val="tx1"/>
+                </a:solidFill>
+              </a:rPr>
+              <a:t>Statistiken</a:t>
+            </a:r>
+            <a:r>
+              <a:rPr lang="en-US" sz="1100" dirty="0">
+                <a:solidFill>
+                  <a:schemeClr val="tx1"/>
+                </a:solidFill>
+              </a:rPr>
+              <a:t> </a:t>
+            </a:r>
+            <a:r>
+              <a:rPr lang="en-US" sz="1100" dirty="0" err="1">
+                <a:solidFill>
+                  <a:schemeClr val="tx1"/>
+                </a:solidFill>
+              </a:rPr>
+              <a:t>zu</a:t>
+            </a:r>
+            <a:r>
+              <a:rPr lang="en-US" sz="1100" dirty="0">
+                <a:solidFill>
+                  <a:schemeClr val="tx1"/>
+                </a:solidFill>
+              </a:rPr>
+              <a:t> </a:t>
+            </a:r>
+            <a:r>
+              <a:rPr lang="en-US" sz="1100" dirty="0" err="1">
+                <a:solidFill>
+                  <a:schemeClr val="tx1"/>
+                </a:solidFill>
+              </a:rPr>
+              <a:t>exportieren</a:t>
+            </a:r>
+            <a:r>
+              <a:rPr lang="en-US" sz="1100" dirty="0">
+                <a:solidFill>
+                  <a:schemeClr val="tx1"/>
+                </a:solidFill>
+              </a:rPr>
+              <a:t>. Filter </a:t>
+            </a:r>
+            <a:r>
+              <a:rPr lang="en-US" sz="1100" dirty="0" err="1">
+                <a:solidFill>
+                  <a:schemeClr val="tx1"/>
+                </a:solidFill>
+              </a:rPr>
+              <a:t>lassen</a:t>
+            </a:r>
+            <a:r>
+              <a:rPr lang="en-US" sz="1100" dirty="0">
+                <a:solidFill>
+                  <a:schemeClr val="tx1"/>
+                </a:solidFill>
+              </a:rPr>
+              <a:t> </a:t>
+            </a:r>
+            <a:r>
+              <a:rPr lang="en-US" sz="1100" dirty="0" err="1">
+                <a:solidFill>
+                  <a:schemeClr val="tx1"/>
+                </a:solidFill>
+              </a:rPr>
+              <a:t>sich</a:t>
+            </a:r>
+            <a:r>
+              <a:rPr lang="en-US" sz="1100" dirty="0">
+                <a:solidFill>
+                  <a:schemeClr val="tx1"/>
+                </a:solidFill>
+              </a:rPr>
+              <a:t> </a:t>
+            </a:r>
+            <a:r>
+              <a:rPr lang="en-US" sz="1100" dirty="0" err="1">
+                <a:solidFill>
+                  <a:schemeClr val="tx1"/>
+                </a:solidFill>
+              </a:rPr>
+              <a:t>erstellen</a:t>
+            </a:r>
+            <a:r>
+              <a:rPr lang="en-US" sz="1100" dirty="0">
+                <a:solidFill>
+                  <a:schemeClr val="tx1"/>
+                </a:solidFill>
+              </a:rPr>
+              <a:t> und </a:t>
+            </a:r>
+            <a:r>
+              <a:rPr lang="en-US" sz="1100" dirty="0" err="1">
+                <a:solidFill>
+                  <a:schemeClr val="tx1"/>
+                </a:solidFill>
+              </a:rPr>
+              <a:t>sind</a:t>
+            </a:r>
+            <a:r>
+              <a:rPr lang="en-US" sz="1100" dirty="0">
+                <a:solidFill>
+                  <a:schemeClr val="tx1"/>
+                </a:solidFill>
+              </a:rPr>
+              <a:t> </a:t>
+            </a:r>
+            <a:r>
+              <a:rPr lang="en-US" sz="1100" dirty="0" err="1">
+                <a:solidFill>
+                  <a:schemeClr val="tx1"/>
+                </a:solidFill>
+              </a:rPr>
+              <a:t>speicherbar</a:t>
+            </a:r>
+            <a:r>
+              <a:rPr lang="en-US" sz="1100" dirty="0">
+                <a:solidFill>
+                  <a:schemeClr val="tx1"/>
+                </a:solidFill>
+              </a:rPr>
+              <a:t>.</a:t>
+            </a:r>
+          </a:p>
+        </p:txBody>
+      </p:sp>
+      <p:sp>
+        <p:nvSpPr>
+          <p:cNvPr id="37" name="Rechteck 36">
+            <a:extLst>
+              <a:ext uri="{FF2B5EF4-FFF2-40B4-BE49-F238E27FC236}">
+                <a16:creationId xmlns:a16="http://schemas.microsoft.com/office/drawing/2014/main" id="{0F5F96FD-2A37-8050-A3FE-07E53C2D0B8E}"/>
+              </a:ext>
+            </a:extLst>
+          </p:cNvPr>
+          <p:cNvSpPr/>
+          <p:nvPr/>
+        </p:nvSpPr>
+        <p:spPr>
+          <a:xfrm>
+            <a:off x="192088" y="4625595"/>
+            <a:ext cx="5745162" cy="323850"/>
+          </a:xfrm>
+          <a:prstGeom prst="rect">
+            <a:avLst/>
+          </a:prstGeom>
+          <a:solidFill>
+            <a:schemeClr val="bg1"/>
+          </a:solidFill>
+          <a:ln w="6350">
+            <a:solidFill>
+              <a:schemeClr val="tx2"/>
+            </a:solidFill>
+          </a:ln>
+        </p:spPr>
+        <p:style>
+          <a:lnRef idx="2">
+            <a:schemeClr val="accent1">
+              <a:shade val="15000"/>
+            </a:schemeClr>
+          </a:lnRef>
+          <a:fillRef idx="1">
+            <a:schemeClr val="accent1"/>
+          </a:fillRef>
+          <a:effectRef idx="0">
+            <a:schemeClr val="accent1"/>
+          </a:effectRef>
+          <a:fontRef idx="minor">
+            <a:schemeClr val="lt1"/>
+          </a:fontRef>
+        </p:style>
+        <p:txBody>
+          <a:bodyPr rtlCol="0" anchor="ctr"/>
+          <a:lstStyle/>
+          <a:p>
+            <a:pPr fontAlgn="auto">
+              <a:spcAft>
+                <a:spcPts val="0"/>
+              </a:spcAft>
+            </a:pPr>
+            <a:r>
+              <a:rPr lang="de-DE" sz="1600" b="1" dirty="0">
+                <a:solidFill>
+                  <a:schemeClr val="tx1"/>
+                </a:solidFill>
+              </a:rPr>
+              <a:t>Customer </a:t>
+            </a:r>
+            <a:r>
+              <a:rPr lang="de-DE" sz="1600" b="1" dirty="0" err="1">
+                <a:solidFill>
+                  <a:schemeClr val="tx1"/>
+                </a:solidFill>
+              </a:rPr>
+              <a:t>Satisfaction</a:t>
+            </a:r>
+            <a:r>
+              <a:rPr lang="de-DE" sz="1600" b="1" dirty="0">
+                <a:solidFill>
+                  <a:schemeClr val="tx1"/>
+                </a:solidFill>
+              </a:rPr>
+              <a:t>: </a:t>
+            </a:r>
+            <a:r>
+              <a:rPr lang="de-DE" sz="1100" dirty="0">
+                <a:solidFill>
+                  <a:schemeClr val="tx1"/>
+                </a:solidFill>
+              </a:rPr>
+              <a:t>5</a:t>
+            </a:r>
+          </a:p>
+        </p:txBody>
+      </p:sp>
+      <p:sp>
+        <p:nvSpPr>
+          <p:cNvPr id="38" name="Rechteck 37">
+            <a:extLst>
+              <a:ext uri="{FF2B5EF4-FFF2-40B4-BE49-F238E27FC236}">
+                <a16:creationId xmlns:a16="http://schemas.microsoft.com/office/drawing/2014/main" id="{7638D315-FE22-D82E-A1C7-26B38FC59CBC}"/>
+              </a:ext>
+            </a:extLst>
+          </p:cNvPr>
+          <p:cNvSpPr/>
+          <p:nvPr/>
+        </p:nvSpPr>
+        <p:spPr>
+          <a:xfrm>
+            <a:off x="6254749" y="4622801"/>
+            <a:ext cx="5745162" cy="323850"/>
+          </a:xfrm>
+          <a:prstGeom prst="rect">
+            <a:avLst/>
+          </a:prstGeom>
+          <a:solidFill>
+            <a:schemeClr val="bg1"/>
+          </a:solidFill>
+          <a:ln w="6350">
+            <a:solidFill>
+              <a:schemeClr val="tx2"/>
+            </a:solidFill>
+          </a:ln>
+        </p:spPr>
+        <p:style>
+          <a:lnRef idx="2">
+            <a:schemeClr val="accent1">
+              <a:shade val="15000"/>
+            </a:schemeClr>
+          </a:lnRef>
+          <a:fillRef idx="1">
+            <a:schemeClr val="accent1"/>
+          </a:fillRef>
+          <a:effectRef idx="0">
+            <a:schemeClr val="accent1"/>
+          </a:effectRef>
+          <a:fontRef idx="minor">
+            <a:schemeClr val="lt1"/>
+          </a:fontRef>
+        </p:style>
+        <p:txBody>
+          <a:bodyPr rtlCol="0" anchor="ctr"/>
+          <a:lstStyle/>
+          <a:p>
+            <a:r>
+              <a:rPr lang="de-DE" sz="1600" b="1" dirty="0">
+                <a:solidFill>
+                  <a:schemeClr val="tx1"/>
+                </a:solidFill>
+              </a:rPr>
+              <a:t>Customer </a:t>
+            </a:r>
+            <a:r>
+              <a:rPr lang="de-DE" sz="1600" b="1" dirty="0" err="1">
+                <a:solidFill>
+                  <a:schemeClr val="tx1"/>
+                </a:solidFill>
+              </a:rPr>
+              <a:t>Dissatisfaction</a:t>
+            </a:r>
+            <a:r>
+              <a:rPr lang="de-DE" sz="1600" b="1" dirty="0">
+                <a:solidFill>
+                  <a:schemeClr val="tx1"/>
+                </a:solidFill>
+              </a:rPr>
+              <a:t>: </a:t>
+            </a:r>
+            <a:r>
+              <a:rPr lang="de-DE" sz="1100" dirty="0">
+                <a:solidFill>
+                  <a:schemeClr val="tx1"/>
+                </a:solidFill>
+              </a:rPr>
+              <a:t>4</a:t>
+            </a:r>
+          </a:p>
+        </p:txBody>
+      </p:sp>
+      <p:sp>
+        <p:nvSpPr>
+          <p:cNvPr id="39" name="Rechteck 38">
+            <a:extLst>
+              <a:ext uri="{FF2B5EF4-FFF2-40B4-BE49-F238E27FC236}">
+                <a16:creationId xmlns:a16="http://schemas.microsoft.com/office/drawing/2014/main" id="{279ED82C-86F5-D447-938A-449E5EDF7512}"/>
+              </a:ext>
+            </a:extLst>
+          </p:cNvPr>
+          <p:cNvSpPr/>
+          <p:nvPr/>
+        </p:nvSpPr>
+        <p:spPr>
+          <a:xfrm>
+            <a:off x="192090" y="5088214"/>
+            <a:ext cx="5745162" cy="323850"/>
+          </a:xfrm>
+          <a:prstGeom prst="rect">
+            <a:avLst/>
+          </a:prstGeom>
+          <a:solidFill>
+            <a:schemeClr val="bg1"/>
+          </a:solidFill>
+          <a:ln w="6350">
+            <a:solidFill>
+              <a:schemeClr val="tx2"/>
+            </a:solidFill>
+          </a:ln>
+        </p:spPr>
+        <p:style>
+          <a:lnRef idx="2">
+            <a:schemeClr val="accent1">
+              <a:shade val="15000"/>
+            </a:schemeClr>
+          </a:lnRef>
+          <a:fillRef idx="1">
+            <a:schemeClr val="accent1"/>
+          </a:fillRef>
+          <a:effectRef idx="0">
+            <a:schemeClr val="accent1"/>
+          </a:effectRef>
+          <a:fontRef idx="minor">
+            <a:schemeClr val="lt1"/>
+          </a:fontRef>
+        </p:style>
+        <p:txBody>
+          <a:bodyPr rtlCol="0" anchor="ctr"/>
+          <a:lstStyle/>
+          <a:p>
+            <a:pPr fontAlgn="auto">
+              <a:spcAft>
+                <a:spcPts val="0"/>
+              </a:spcAft>
+            </a:pPr>
+            <a:r>
+              <a:rPr lang="de-DE" sz="1600" b="1" dirty="0" err="1">
+                <a:solidFill>
+                  <a:schemeClr val="tx1"/>
+                </a:solidFill>
+              </a:rPr>
+              <a:t>Priority</a:t>
+            </a:r>
+            <a:r>
+              <a:rPr lang="de-DE" sz="1600" b="1" dirty="0">
+                <a:solidFill>
+                  <a:schemeClr val="tx1"/>
+                </a:solidFill>
+              </a:rPr>
+              <a:t>: </a:t>
+            </a:r>
+            <a:r>
+              <a:rPr lang="de-DE" sz="1100" dirty="0">
+                <a:solidFill>
+                  <a:schemeClr val="tx1"/>
+                </a:solidFill>
+              </a:rPr>
+              <a:t>Hoch</a:t>
+            </a:r>
+          </a:p>
+        </p:txBody>
+      </p:sp>
+      <p:sp>
+        <p:nvSpPr>
+          <p:cNvPr id="40" name="Rechteck 39">
+            <a:extLst>
+              <a:ext uri="{FF2B5EF4-FFF2-40B4-BE49-F238E27FC236}">
+                <a16:creationId xmlns:a16="http://schemas.microsoft.com/office/drawing/2014/main" id="{802760C9-86D1-30F2-014F-FE27A41B6E30}"/>
+              </a:ext>
+            </a:extLst>
+          </p:cNvPr>
+          <p:cNvSpPr/>
+          <p:nvPr/>
+        </p:nvSpPr>
+        <p:spPr>
+          <a:xfrm>
+            <a:off x="6254751" y="5086351"/>
+            <a:ext cx="5745162" cy="323850"/>
+          </a:xfrm>
+          <a:prstGeom prst="rect">
+            <a:avLst/>
+          </a:prstGeom>
+          <a:solidFill>
+            <a:schemeClr val="bg1"/>
+          </a:solidFill>
+          <a:ln w="6350">
+            <a:solidFill>
+              <a:schemeClr val="tx2"/>
+            </a:solidFill>
+          </a:ln>
+        </p:spPr>
+        <p:style>
+          <a:lnRef idx="2">
+            <a:schemeClr val="accent1">
+              <a:shade val="15000"/>
+            </a:schemeClr>
+          </a:lnRef>
+          <a:fillRef idx="1">
+            <a:schemeClr val="accent1"/>
+          </a:fillRef>
+          <a:effectRef idx="0">
+            <a:schemeClr val="accent1"/>
+          </a:effectRef>
+          <a:fontRef idx="minor">
+            <a:schemeClr val="lt1"/>
+          </a:fontRef>
+        </p:style>
+        <p:txBody>
+          <a:bodyPr rtlCol="0" anchor="ctr"/>
+          <a:lstStyle/>
+          <a:p>
+            <a:r>
+              <a:rPr lang="de-DE" sz="1600" b="1" dirty="0" err="1">
+                <a:solidFill>
+                  <a:schemeClr val="tx1"/>
+                </a:solidFill>
+              </a:rPr>
+              <a:t>Conflicts</a:t>
+            </a:r>
+            <a:r>
+              <a:rPr lang="de-DE" sz="1600" b="1" dirty="0">
+                <a:solidFill>
+                  <a:schemeClr val="tx1"/>
+                </a:solidFill>
+              </a:rPr>
+              <a:t>: -</a:t>
+            </a:r>
+            <a:endParaRPr lang="de-DE" sz="1100" dirty="0">
+              <a:solidFill>
+                <a:schemeClr val="tx1"/>
+              </a:solidFill>
+            </a:endParaRPr>
+          </a:p>
+        </p:txBody>
+      </p:sp>
+      <p:sp>
+        <p:nvSpPr>
+          <p:cNvPr id="41" name="Rechteck 40">
+            <a:extLst>
+              <a:ext uri="{FF2B5EF4-FFF2-40B4-BE49-F238E27FC236}">
+                <a16:creationId xmlns:a16="http://schemas.microsoft.com/office/drawing/2014/main" id="{1A1CDE1B-43A5-030E-7B30-2B25311ED707}"/>
+              </a:ext>
+            </a:extLst>
+          </p:cNvPr>
+          <p:cNvSpPr/>
+          <p:nvPr/>
+        </p:nvSpPr>
+        <p:spPr>
+          <a:xfrm>
+            <a:off x="192086" y="5550833"/>
+            <a:ext cx="5745162" cy="323850"/>
+          </a:xfrm>
+          <a:prstGeom prst="rect">
+            <a:avLst/>
+          </a:prstGeom>
+          <a:solidFill>
+            <a:schemeClr val="bg1"/>
+          </a:solidFill>
+          <a:ln w="6350">
+            <a:solidFill>
+              <a:schemeClr val="tx2"/>
+            </a:solidFill>
+          </a:ln>
+        </p:spPr>
+        <p:style>
+          <a:lnRef idx="2">
+            <a:schemeClr val="accent1">
+              <a:shade val="15000"/>
+            </a:schemeClr>
+          </a:lnRef>
+          <a:fillRef idx="1">
+            <a:schemeClr val="accent1"/>
+          </a:fillRef>
+          <a:effectRef idx="0">
+            <a:schemeClr val="accent1"/>
+          </a:effectRef>
+          <a:fontRef idx="minor">
+            <a:schemeClr val="lt1"/>
+          </a:fontRef>
+        </p:style>
+        <p:txBody>
+          <a:bodyPr rtlCol="0" anchor="ctr"/>
+          <a:lstStyle/>
+          <a:p>
+            <a:pPr fontAlgn="auto">
+              <a:spcAft>
+                <a:spcPts val="0"/>
+              </a:spcAft>
+            </a:pPr>
+            <a:r>
+              <a:rPr lang="de-DE" sz="1600" b="1" dirty="0" err="1">
+                <a:solidFill>
+                  <a:schemeClr val="tx1"/>
+                </a:solidFill>
+              </a:rPr>
+              <a:t>Supporting</a:t>
+            </a:r>
+            <a:r>
+              <a:rPr lang="de-DE" sz="1600" b="1" dirty="0">
+                <a:solidFill>
+                  <a:schemeClr val="tx1"/>
+                </a:solidFill>
+              </a:rPr>
+              <a:t> Materials: </a:t>
+            </a:r>
+            <a:r>
+              <a:rPr lang="de-DE" sz="1100" dirty="0">
+                <a:solidFill>
+                  <a:schemeClr val="tx1"/>
+                </a:solidFill>
+              </a:rPr>
+              <a:t>Anforderungsbeschreibung</a:t>
+            </a:r>
+          </a:p>
+        </p:txBody>
+      </p:sp>
+      <p:sp>
+        <p:nvSpPr>
+          <p:cNvPr id="42" name="Rechteck 41">
+            <a:extLst>
+              <a:ext uri="{FF2B5EF4-FFF2-40B4-BE49-F238E27FC236}">
+                <a16:creationId xmlns:a16="http://schemas.microsoft.com/office/drawing/2014/main" id="{A08F465A-9724-A8DF-6B98-CEE36F3CECE1}"/>
+              </a:ext>
+            </a:extLst>
+          </p:cNvPr>
+          <p:cNvSpPr/>
+          <p:nvPr/>
+        </p:nvSpPr>
+        <p:spPr>
+          <a:xfrm>
+            <a:off x="192088" y="6013455"/>
+            <a:ext cx="5745162" cy="323850"/>
+          </a:xfrm>
+          <a:prstGeom prst="rect">
+            <a:avLst/>
+          </a:prstGeom>
+          <a:solidFill>
+            <a:schemeClr val="bg1"/>
+          </a:solidFill>
+          <a:ln w="6350">
+            <a:solidFill>
+              <a:schemeClr val="tx2"/>
+            </a:solidFill>
+          </a:ln>
+        </p:spPr>
+        <p:style>
+          <a:lnRef idx="2">
+            <a:schemeClr val="accent1">
+              <a:shade val="15000"/>
+            </a:schemeClr>
+          </a:lnRef>
+          <a:fillRef idx="1">
+            <a:schemeClr val="accent1"/>
+          </a:fillRef>
+          <a:effectRef idx="0">
+            <a:schemeClr val="accent1"/>
+          </a:effectRef>
+          <a:fontRef idx="minor">
+            <a:schemeClr val="lt1"/>
+          </a:fontRef>
+        </p:style>
+        <p:txBody>
+          <a:bodyPr rtlCol="0" anchor="ctr"/>
+          <a:lstStyle/>
+          <a:p>
+            <a:pPr fontAlgn="auto">
+              <a:spcAft>
+                <a:spcPts val="0"/>
+              </a:spcAft>
+            </a:pPr>
+            <a:r>
+              <a:rPr lang="de-DE" sz="1600" b="1" dirty="0" err="1">
+                <a:solidFill>
+                  <a:schemeClr val="tx1"/>
+                </a:solidFill>
+              </a:rPr>
+              <a:t>History</a:t>
+            </a:r>
+            <a:r>
+              <a:rPr lang="de-DE" sz="1600" b="1" dirty="0">
+                <a:solidFill>
+                  <a:schemeClr val="tx1"/>
+                </a:solidFill>
+              </a:rPr>
+              <a:t>:</a:t>
+            </a:r>
+            <a:r>
+              <a:rPr lang="de-DE" sz="1100" dirty="0">
+                <a:solidFill>
+                  <a:schemeClr val="tx1"/>
+                </a:solidFill>
+              </a:rPr>
+              <a:t>. 03.11</a:t>
+            </a:r>
+          </a:p>
+        </p:txBody>
+      </p:sp>
+    </p:spTree>
+    <p:extLst>
+      <p:ext uri="{BB962C8B-B14F-4D97-AF65-F5344CB8AC3E}">
+        <p14:creationId xmlns:p14="http://schemas.microsoft.com/office/powerpoint/2010/main" val="4028702489"/>
+      </p:ext>
+    </p:extLst>
+  </p:cSld>
+  <p:clrMapOvr>
+    <a:masterClrMapping/>
+  </p:clrMapOvr>
+</p:sld>
+</file>
+
+<file path=ppt/slides/slide6.xml><?xml version="1.0" encoding="utf-8"?>
+<p:sld xmlns:a="http://schemas.openxmlformats.org/drawingml/2006/main" xmlns:r="http://schemas.openxmlformats.org/officeDocument/2006/relationships" xmlns:p="http://schemas.openxmlformats.org/presentationml/2006/main">
+  <p:cSld>
+    <p:spTree>
+      <p:nvGrpSpPr>
+        <p:cNvPr id="1" name="">
+          <a:extLst>
+            <a:ext uri="{FF2B5EF4-FFF2-40B4-BE49-F238E27FC236}">
               <a16:creationId xmlns:a16="http://schemas.microsoft.com/office/drawing/2014/main" id="{59F04C62-C29B-7355-2BEC-9FC03F938C38}"/>
             </a:ext>
           </a:extLst>
@@ -12470,7 +14275,7 @@
 </p:sld>
 </file>
 
-<file path=ppt/slides/slide6.xml><?xml version="1.0" encoding="utf-8"?>
+<file path=ppt/slides/slide7.xml><?xml version="1.0" encoding="utf-8"?>
 <p:sld xmlns:a="http://schemas.openxmlformats.org/drawingml/2006/main" xmlns:r="http://schemas.openxmlformats.org/officeDocument/2006/relationships" xmlns:p="http://schemas.openxmlformats.org/presentationml/2006/main">
   <p:cSld>
     <p:spTree>
@@ -14550,7 +16355,7 @@
 </p:sld>
 </file>
 
-<file path=ppt/slides/slide7.xml><?xml version="1.0" encoding="utf-8"?>
+<file path=ppt/slides/slide8.xml><?xml version="1.0" encoding="utf-8"?>
 <p:sld xmlns:a="http://schemas.openxmlformats.org/drawingml/2006/main" xmlns:r="http://schemas.openxmlformats.org/officeDocument/2006/relationships" xmlns:p="http://schemas.openxmlformats.org/presentationml/2006/main">
   <p:cSld>
     <p:spTree>
@@ -16531,7 +18336,7 @@
 </p:sld>
 </file>
 
-<file path=ppt/slides/slide8.xml><?xml version="1.0" encoding="utf-8"?>
+<file path=ppt/slides/slide9.xml><?xml version="1.0" encoding="utf-8"?>
 <p:sld xmlns:a="http://schemas.openxmlformats.org/drawingml/2006/main" xmlns:r="http://schemas.openxmlformats.org/officeDocument/2006/relationships" xmlns:p="http://schemas.openxmlformats.org/presentationml/2006/main">
   <p:cSld>
     <p:spTree>

--- a/requirements/Snow_Cards.pptx
+++ b/requirements/Snow_Cards.pptx
@@ -6,10 +6,10 @@
     <p:sldMasterId id="2147483699" r:id="rId2"/>
   </p:sldMasterIdLst>
   <p:notesMasterIdLst>
-    <p:notesMasterId r:id="rId12"/>
+    <p:notesMasterId r:id="rId13"/>
   </p:notesMasterIdLst>
   <p:handoutMasterIdLst>
-    <p:handoutMasterId r:id="rId13"/>
+    <p:handoutMasterId r:id="rId14"/>
   </p:handoutMasterIdLst>
   <p:sldIdLst>
     <p:sldId id="309" r:id="rId3"/>
@@ -21,16 +21,17 @@
     <p:sldId id="324" r:id="rId9"/>
     <p:sldId id="327" r:id="rId10"/>
     <p:sldId id="328" r:id="rId11"/>
+    <p:sldId id="330" r:id="rId12"/>
   </p:sldIdLst>
   <p:sldSz cx="12192000" cy="6858000"/>
   <p:notesSz cx="9928225" cy="6797675"/>
   <p:embeddedFontLst>
     <p:embeddedFont>
       <p:font typeface="Roboto" panose="02000000000000000000" pitchFamily="2" charset="0"/>
-      <p:regular r:id="rId14"/>
-      <p:bold r:id="rId15"/>
-      <p:italic r:id="rId16"/>
-      <p:boldItalic r:id="rId17"/>
+      <p:regular r:id="rId15"/>
+      <p:bold r:id="rId16"/>
+      <p:italic r:id="rId17"/>
+      <p:boldItalic r:id="rId18"/>
     </p:embeddedFont>
   </p:embeddedFontLst>
   <p:defaultTextStyle>
@@ -1747,6 +1748,115 @@
 </p:notes>
 </file>
 
+<file path=ppt/notesSlides/notesSlide10.xml><?xml version="1.0" encoding="utf-8"?>
+<p:notes xmlns:a="http://schemas.openxmlformats.org/drawingml/2006/main" xmlns:r="http://schemas.openxmlformats.org/officeDocument/2006/relationships" xmlns:p="http://schemas.openxmlformats.org/presentationml/2006/main">
+  <p:cSld>
+    <p:spTree>
+      <p:nvGrpSpPr>
+        <p:cNvPr id="1" name="">
+          <a:extLst>
+            <a:ext uri="{FF2B5EF4-FFF2-40B4-BE49-F238E27FC236}">
+              <a16:creationId xmlns:a16="http://schemas.microsoft.com/office/drawing/2014/main" id="{F139E104-3D68-427E-8C03-9E2716EF43CB}"/>
+            </a:ext>
+          </a:extLst>
+        </p:cNvPr>
+        <p:cNvGrpSpPr/>
+        <p:nvPr/>
+      </p:nvGrpSpPr>
+      <p:grpSpPr>
+        <a:xfrm>
+          <a:off x="0" y="0"/>
+          <a:ext cx="0" cy="0"/>
+          <a:chOff x="0" y="0"/>
+          <a:chExt cx="0" cy="0"/>
+        </a:xfrm>
+      </p:grpSpPr>
+      <p:sp>
+        <p:nvSpPr>
+          <p:cNvPr id="2" name="Folienbildplatzhalter 1">
+            <a:extLst>
+              <a:ext uri="{FF2B5EF4-FFF2-40B4-BE49-F238E27FC236}">
+                <a16:creationId xmlns:a16="http://schemas.microsoft.com/office/drawing/2014/main" id="{C0E26F35-31B1-C647-ECC0-FF53380FCDAB}"/>
+              </a:ext>
+            </a:extLst>
+          </p:cNvPr>
+          <p:cNvSpPr>
+            <a:spLocks noGrp="1" noRot="1" noChangeAspect="1"/>
+          </p:cNvSpPr>
+          <p:nvPr>
+            <p:ph type="sldImg"/>
+          </p:nvPr>
+        </p:nvSpPr>
+        <p:spPr/>
+      </p:sp>
+      <p:sp>
+        <p:nvSpPr>
+          <p:cNvPr id="3" name="Notizenplatzhalter 2">
+            <a:extLst>
+              <a:ext uri="{FF2B5EF4-FFF2-40B4-BE49-F238E27FC236}">
+                <a16:creationId xmlns:a16="http://schemas.microsoft.com/office/drawing/2014/main" id="{3BF533BE-28BC-8AE9-D7DB-41A01247928B}"/>
+              </a:ext>
+            </a:extLst>
+          </p:cNvPr>
+          <p:cNvSpPr>
+            <a:spLocks noGrp="1"/>
+          </p:cNvSpPr>
+          <p:nvPr>
+            <p:ph type="body" idx="1"/>
+          </p:nvPr>
+        </p:nvSpPr>
+        <p:spPr/>
+        <p:txBody>
+          <a:bodyPr/>
+          <a:lstStyle/>
+          <a:p>
+            <a:endParaRPr lang="de-DE"/>
+          </a:p>
+        </p:txBody>
+      </p:sp>
+      <p:sp>
+        <p:nvSpPr>
+          <p:cNvPr id="4" name="Foliennummernplatzhalter 3">
+            <a:extLst>
+              <a:ext uri="{FF2B5EF4-FFF2-40B4-BE49-F238E27FC236}">
+                <a16:creationId xmlns:a16="http://schemas.microsoft.com/office/drawing/2014/main" id="{CE4BA315-7BAB-CD00-46BA-8913F1D1598D}"/>
+              </a:ext>
+            </a:extLst>
+          </p:cNvPr>
+          <p:cNvSpPr>
+            <a:spLocks noGrp="1"/>
+          </p:cNvSpPr>
+          <p:nvPr>
+            <p:ph type="sldNum" sz="quarter" idx="5"/>
+          </p:nvPr>
+        </p:nvSpPr>
+        <p:spPr/>
+        <p:txBody>
+          <a:bodyPr/>
+          <a:lstStyle/>
+          <a:p>
+            <a:fld id="{5EB2B633-7BEC-49A7-B3BF-92E0C7E450E6}" type="slidenum">
+              <a:rPr lang="de-DE" altLang="de-DE" smtClean="0"/>
+              <a:pPr/>
+              <a:t>10</a:t>
+            </a:fld>
+            <a:endParaRPr lang="de-DE" altLang="de-DE"/>
+          </a:p>
+        </p:txBody>
+      </p:sp>
+    </p:spTree>
+    <p:extLst>
+      <p:ext uri="{BB962C8B-B14F-4D97-AF65-F5344CB8AC3E}">
+        <p14:creationId xmlns:p14="http://schemas.microsoft.com/office/powerpoint/2010/main" val="1584232228"/>
+      </p:ext>
+    </p:extLst>
+  </p:cSld>
+  <p:clrMapOvr>
+    <a:masterClrMapping/>
+  </p:clrMapOvr>
+</p:notes>
+</file>
+
 <file path=ppt/notesSlides/notesSlide2.xml><?xml version="1.0" encoding="utf-8"?>
 <p:notes xmlns:a="http://schemas.openxmlformats.org/drawingml/2006/main" xmlns:r="http://schemas.openxmlformats.org/officeDocument/2006/relationships" xmlns:p="http://schemas.openxmlformats.org/presentationml/2006/main">
   <p:cSld>
@@ -8269,6 +8379,1480 @@
     <p:extLst>
       <p:ext uri="{BB962C8B-B14F-4D97-AF65-F5344CB8AC3E}">
         <p14:creationId xmlns:p14="http://schemas.microsoft.com/office/powerpoint/2010/main" val="2320321013"/>
+      </p:ext>
+    </p:extLst>
+  </p:cSld>
+  <p:clrMapOvr>
+    <a:masterClrMapping/>
+  </p:clrMapOvr>
+</p:sld>
+</file>
+
+<file path=ppt/slides/slide10.xml><?xml version="1.0" encoding="utf-8"?>
+<p:sld xmlns:a="http://schemas.openxmlformats.org/drawingml/2006/main" xmlns:r="http://schemas.openxmlformats.org/officeDocument/2006/relationships" xmlns:p="http://schemas.openxmlformats.org/presentationml/2006/main">
+  <p:cSld>
+    <p:spTree>
+      <p:nvGrpSpPr>
+        <p:cNvPr id="1" name="">
+          <a:extLst>
+            <a:ext uri="{FF2B5EF4-FFF2-40B4-BE49-F238E27FC236}">
+              <a16:creationId xmlns:a16="http://schemas.microsoft.com/office/drawing/2014/main" id="{697D0985-37BE-576C-80D6-DE9F3797FEEF}"/>
+            </a:ext>
+          </a:extLst>
+        </p:cNvPr>
+        <p:cNvGrpSpPr/>
+        <p:nvPr/>
+      </p:nvGrpSpPr>
+      <p:grpSpPr>
+        <a:xfrm>
+          <a:off x="0" y="0"/>
+          <a:ext cx="0" cy="0"/>
+          <a:chOff x="0" y="0"/>
+          <a:chExt cx="0" cy="0"/>
+        </a:xfrm>
+      </p:grpSpPr>
+      <p:sp>
+        <p:nvSpPr>
+          <p:cNvPr id="5" name="Titel 4">
+            <a:extLst>
+              <a:ext uri="{FF2B5EF4-FFF2-40B4-BE49-F238E27FC236}">
+                <a16:creationId xmlns:a16="http://schemas.microsoft.com/office/drawing/2014/main" id="{CAB2D620-405A-EC8E-DD75-347BAE470418}"/>
+              </a:ext>
+            </a:extLst>
+          </p:cNvPr>
+          <p:cNvSpPr>
+            <a:spLocks noGrp="1"/>
+          </p:cNvSpPr>
+          <p:nvPr>
+            <p:ph type="title"/>
+          </p:nvPr>
+        </p:nvSpPr>
+        <p:spPr>
+          <a:xfrm>
+            <a:off x="1343025" y="152400"/>
+            <a:ext cx="10656888" cy="468314"/>
+          </a:xfrm>
+        </p:spPr>
+        <p:txBody>
+          <a:bodyPr>
+            <a:normAutofit/>
+          </a:bodyPr>
+          <a:lstStyle/>
+          <a:p>
+            <a:r>
+              <a:rPr lang="en-US" dirty="0"/>
+              <a:t>2. Non-Functional Requirements</a:t>
+            </a:r>
+            <a:endParaRPr lang="de-DE" dirty="0"/>
+          </a:p>
+        </p:txBody>
+      </p:sp>
+      <p:sp>
+        <p:nvSpPr>
+          <p:cNvPr id="13" name="Rechteck 12">
+            <a:extLst>
+              <a:ext uri="{FF2B5EF4-FFF2-40B4-BE49-F238E27FC236}">
+                <a16:creationId xmlns:a16="http://schemas.microsoft.com/office/drawing/2014/main" id="{9773143C-66A5-5095-8D49-18C8F806AD35}"/>
+              </a:ext>
+            </a:extLst>
+          </p:cNvPr>
+          <p:cNvSpPr/>
+          <p:nvPr/>
+        </p:nvSpPr>
+        <p:spPr>
+          <a:xfrm>
+            <a:off x="192088" y="908050"/>
+            <a:ext cx="3319462" cy="323850"/>
+          </a:xfrm>
+          <a:prstGeom prst="rect">
+            <a:avLst/>
+          </a:prstGeom>
+          <a:solidFill>
+            <a:schemeClr val="bg1"/>
+          </a:solidFill>
+          <a:ln w="6350">
+            <a:solidFill>
+              <a:schemeClr val="tx2"/>
+            </a:solidFill>
+          </a:ln>
+        </p:spPr>
+        <p:style>
+          <a:lnRef idx="2">
+            <a:schemeClr val="accent1">
+              <a:shade val="15000"/>
+            </a:schemeClr>
+          </a:lnRef>
+          <a:fillRef idx="1">
+            <a:schemeClr val="accent1"/>
+          </a:fillRef>
+          <a:effectRef idx="0">
+            <a:schemeClr val="accent1"/>
+          </a:effectRef>
+          <a:fontRef idx="minor">
+            <a:schemeClr val="lt1"/>
+          </a:fontRef>
+        </p:style>
+        <p:txBody>
+          <a:bodyPr rtlCol="0" anchor="ctr"/>
+          <a:lstStyle/>
+          <a:p>
+            <a:r>
+              <a:rPr lang="en-US" sz="1600" b="1" dirty="0">
+                <a:solidFill>
+                  <a:schemeClr val="tx1"/>
+                </a:solidFill>
+              </a:rPr>
+              <a:t>Requirement #: NR-4</a:t>
+            </a:r>
+          </a:p>
+        </p:txBody>
+      </p:sp>
+      <p:sp>
+        <p:nvSpPr>
+          <p:cNvPr id="14" name="Rechteck 13">
+            <a:extLst>
+              <a:ext uri="{FF2B5EF4-FFF2-40B4-BE49-F238E27FC236}">
+                <a16:creationId xmlns:a16="http://schemas.microsoft.com/office/drawing/2014/main" id="{37FD1D43-6ACB-CEA1-67F9-77E92747ECDD}"/>
+              </a:ext>
+            </a:extLst>
+          </p:cNvPr>
+          <p:cNvSpPr/>
+          <p:nvPr/>
+        </p:nvSpPr>
+        <p:spPr>
+          <a:xfrm>
+            <a:off x="4277517" y="910844"/>
+            <a:ext cx="3319462" cy="323850"/>
+          </a:xfrm>
+          <a:prstGeom prst="rect">
+            <a:avLst/>
+          </a:prstGeom>
+          <a:solidFill>
+            <a:schemeClr val="bg1"/>
+          </a:solidFill>
+          <a:ln w="6350">
+            <a:solidFill>
+              <a:schemeClr val="tx2"/>
+            </a:solidFill>
+          </a:ln>
+        </p:spPr>
+        <p:style>
+          <a:lnRef idx="2">
+            <a:schemeClr val="accent1">
+              <a:shade val="15000"/>
+            </a:schemeClr>
+          </a:lnRef>
+          <a:fillRef idx="1">
+            <a:schemeClr val="accent1"/>
+          </a:fillRef>
+          <a:effectRef idx="0">
+            <a:schemeClr val="accent1"/>
+          </a:effectRef>
+          <a:fontRef idx="minor">
+            <a:schemeClr val="lt1"/>
+          </a:fontRef>
+        </p:style>
+        <p:txBody>
+          <a:bodyPr rtlCol="0" anchor="ctr"/>
+          <a:lstStyle/>
+          <a:p>
+            <a:r>
+              <a:rPr lang="en-US" sz="1600" b="1" dirty="0">
+                <a:solidFill>
+                  <a:schemeClr val="tx1"/>
+                </a:solidFill>
+              </a:rPr>
+              <a:t>Requirement Type: Non-Functional</a:t>
+            </a:r>
+            <a:endParaRPr lang="en-US" sz="1400" b="1" dirty="0">
+              <a:solidFill>
+                <a:schemeClr val="tx1"/>
+              </a:solidFill>
+            </a:endParaRPr>
+          </a:p>
+        </p:txBody>
+      </p:sp>
+      <p:sp>
+        <p:nvSpPr>
+          <p:cNvPr id="15" name="Rechteck 14">
+            <a:extLst>
+              <a:ext uri="{FF2B5EF4-FFF2-40B4-BE49-F238E27FC236}">
+                <a16:creationId xmlns:a16="http://schemas.microsoft.com/office/drawing/2014/main" id="{503274BE-7123-1B89-A787-412637B0699A}"/>
+              </a:ext>
+            </a:extLst>
+          </p:cNvPr>
+          <p:cNvSpPr/>
+          <p:nvPr/>
+        </p:nvSpPr>
+        <p:spPr>
+          <a:xfrm>
+            <a:off x="8680450" y="908050"/>
+            <a:ext cx="3319462" cy="323850"/>
+          </a:xfrm>
+          <a:prstGeom prst="rect">
+            <a:avLst/>
+          </a:prstGeom>
+          <a:solidFill>
+            <a:schemeClr val="bg1"/>
+          </a:solidFill>
+          <a:ln w="6350">
+            <a:solidFill>
+              <a:schemeClr val="tx2"/>
+            </a:solidFill>
+          </a:ln>
+        </p:spPr>
+        <p:style>
+          <a:lnRef idx="2">
+            <a:schemeClr val="accent1">
+              <a:shade val="15000"/>
+            </a:schemeClr>
+          </a:lnRef>
+          <a:fillRef idx="1">
+            <a:schemeClr val="accent1"/>
+          </a:fillRef>
+          <a:effectRef idx="0">
+            <a:schemeClr val="accent1"/>
+          </a:effectRef>
+          <a:fontRef idx="minor">
+            <a:schemeClr val="lt1"/>
+          </a:fontRef>
+        </p:style>
+        <p:txBody>
+          <a:bodyPr rtlCol="0" anchor="ctr"/>
+          <a:lstStyle/>
+          <a:p>
+            <a:r>
+              <a:rPr lang="de-DE" sz="1600" b="1" dirty="0">
+                <a:solidFill>
+                  <a:schemeClr val="tx1"/>
+                </a:solidFill>
+              </a:rPr>
+              <a:t>Event/BUC/PUC#:</a:t>
+            </a:r>
+          </a:p>
+        </p:txBody>
+      </p:sp>
+      <p:sp>
+        <p:nvSpPr>
+          <p:cNvPr id="16" name="Rechteck 15">
+            <a:extLst>
+              <a:ext uri="{FF2B5EF4-FFF2-40B4-BE49-F238E27FC236}">
+                <a16:creationId xmlns:a16="http://schemas.microsoft.com/office/drawing/2014/main" id="{1582C40B-E537-DA72-601C-5A434823FFAF}"/>
+              </a:ext>
+            </a:extLst>
+          </p:cNvPr>
+          <p:cNvSpPr/>
+          <p:nvPr/>
+        </p:nvSpPr>
+        <p:spPr>
+          <a:xfrm>
+            <a:off x="192088" y="1370669"/>
+            <a:ext cx="1375200" cy="324000"/>
+          </a:xfrm>
+          <a:prstGeom prst="rect">
+            <a:avLst/>
+          </a:prstGeom>
+          <a:solidFill>
+            <a:schemeClr val="bg1"/>
+          </a:solidFill>
+          <a:ln w="6350">
+            <a:solidFill>
+              <a:schemeClr val="tx2"/>
+            </a:solidFill>
+          </a:ln>
+        </p:spPr>
+        <p:style>
+          <a:lnRef idx="2">
+            <a:schemeClr val="accent1">
+              <a:shade val="15000"/>
+            </a:schemeClr>
+          </a:lnRef>
+          <a:fillRef idx="1">
+            <a:schemeClr val="accent1"/>
+          </a:fillRef>
+          <a:effectRef idx="0">
+            <a:schemeClr val="accent1"/>
+          </a:effectRef>
+          <a:fontRef idx="minor">
+            <a:schemeClr val="lt1"/>
+          </a:fontRef>
+        </p:style>
+        <p:txBody>
+          <a:bodyPr rtlCol="0" anchor="ctr"/>
+          <a:lstStyle/>
+          <a:p>
+            <a:r>
+              <a:rPr lang="de-DE" sz="1600" b="1" dirty="0">
+                <a:solidFill>
+                  <a:schemeClr val="tx1"/>
+                </a:solidFill>
+              </a:rPr>
+              <a:t>Description:</a:t>
+            </a:r>
+          </a:p>
+        </p:txBody>
+      </p:sp>
+      <p:sp>
+        <p:nvSpPr>
+          <p:cNvPr id="23" name="Rechteck 22">
+            <a:extLst>
+              <a:ext uri="{FF2B5EF4-FFF2-40B4-BE49-F238E27FC236}">
+                <a16:creationId xmlns:a16="http://schemas.microsoft.com/office/drawing/2014/main" id="{4C1098F9-CF54-F1C6-E98E-460F7F5992C2}"/>
+              </a:ext>
+            </a:extLst>
+          </p:cNvPr>
+          <p:cNvSpPr/>
+          <p:nvPr/>
+        </p:nvSpPr>
+        <p:spPr>
+          <a:xfrm>
+            <a:off x="1903446" y="1370669"/>
+            <a:ext cx="10098000" cy="792000"/>
+          </a:xfrm>
+          <a:prstGeom prst="rect">
+            <a:avLst/>
+          </a:prstGeom>
+          <a:solidFill>
+            <a:schemeClr val="bg1"/>
+          </a:solidFill>
+          <a:ln w="6350">
+            <a:solidFill>
+              <a:schemeClr val="tx2"/>
+            </a:solidFill>
+          </a:ln>
+        </p:spPr>
+        <p:style>
+          <a:lnRef idx="2">
+            <a:schemeClr val="accent1">
+              <a:shade val="15000"/>
+            </a:schemeClr>
+          </a:lnRef>
+          <a:fillRef idx="1">
+            <a:schemeClr val="accent1"/>
+          </a:fillRef>
+          <a:effectRef idx="0">
+            <a:schemeClr val="accent1"/>
+          </a:effectRef>
+          <a:fontRef idx="minor">
+            <a:schemeClr val="lt1"/>
+          </a:fontRef>
+        </p:style>
+        <p:txBody>
+          <a:bodyPr rtlCol="0" anchor="ctr"/>
+          <a:lstStyle/>
+          <a:p>
+            <a:r>
+              <a:rPr lang="en-US" sz="1100" dirty="0">
+                <a:solidFill>
+                  <a:schemeClr val="tx1"/>
+                </a:solidFill>
+              </a:rPr>
+              <a:t>System </a:t>
+            </a:r>
+            <a:r>
+              <a:rPr lang="en-US" sz="1100" dirty="0" err="1">
+                <a:solidFill>
+                  <a:schemeClr val="tx1"/>
+                </a:solidFill>
+              </a:rPr>
+              <a:t>reagiert</a:t>
+            </a:r>
+            <a:r>
+              <a:rPr lang="en-US" sz="1100" dirty="0">
+                <a:solidFill>
+                  <a:schemeClr val="tx1"/>
+                </a:solidFill>
+              </a:rPr>
+              <a:t> auf </a:t>
+            </a:r>
+            <a:r>
+              <a:rPr lang="en-US" sz="1100" dirty="0" err="1">
+                <a:solidFill>
+                  <a:schemeClr val="tx1"/>
+                </a:solidFill>
+              </a:rPr>
+              <a:t>mit</a:t>
+            </a:r>
+            <a:r>
+              <a:rPr lang="en-US" sz="1100" dirty="0">
+                <a:solidFill>
+                  <a:schemeClr val="tx1"/>
+                </a:solidFill>
+              </a:rPr>
+              <a:t> </a:t>
+            </a:r>
+            <a:r>
+              <a:rPr lang="en-US" sz="1100" dirty="0" err="1">
+                <a:solidFill>
+                  <a:schemeClr val="tx1"/>
+                </a:solidFill>
+              </a:rPr>
+              <a:t>akzeptabler</a:t>
+            </a:r>
+            <a:r>
+              <a:rPr lang="en-US" sz="1100" dirty="0">
+                <a:solidFill>
+                  <a:schemeClr val="tx1"/>
+                </a:solidFill>
+              </a:rPr>
+              <a:t> </a:t>
+            </a:r>
+            <a:r>
+              <a:rPr lang="en-US" sz="1100" dirty="0" err="1">
+                <a:solidFill>
+                  <a:schemeClr val="tx1"/>
+                </a:solidFill>
+              </a:rPr>
+              <a:t>Verzögerung</a:t>
+            </a:r>
+            <a:r>
+              <a:rPr lang="en-US" sz="1100" dirty="0">
+                <a:solidFill>
+                  <a:schemeClr val="tx1"/>
+                </a:solidFill>
+              </a:rPr>
+              <a:t> (</a:t>
+            </a:r>
+            <a:r>
+              <a:rPr lang="de-DE" sz="1100" dirty="0">
+                <a:solidFill>
+                  <a:schemeClr val="tx1"/>
+                </a:solidFill>
+              </a:rPr>
+              <a:t>z. B. &lt; 1 Sekunde beim Öffnen von Dropdowns, &lt; 3 Sekunden beim Laden von Filterergebnissen)</a:t>
+            </a:r>
+            <a:endParaRPr lang="en-US" sz="1100" dirty="0">
+              <a:solidFill>
+                <a:schemeClr val="tx1"/>
+              </a:solidFill>
+            </a:endParaRPr>
+          </a:p>
+        </p:txBody>
+      </p:sp>
+      <p:sp>
+        <p:nvSpPr>
+          <p:cNvPr id="29" name="Rechteck 28">
+            <a:extLst>
+              <a:ext uri="{FF2B5EF4-FFF2-40B4-BE49-F238E27FC236}">
+                <a16:creationId xmlns:a16="http://schemas.microsoft.com/office/drawing/2014/main" id="{A498A15D-B30B-04E0-5F1F-EE40BE371A0D}"/>
+              </a:ext>
+            </a:extLst>
+          </p:cNvPr>
+          <p:cNvSpPr/>
+          <p:nvPr/>
+        </p:nvSpPr>
+        <p:spPr>
+          <a:xfrm>
+            <a:off x="192090" y="2301438"/>
+            <a:ext cx="1375200" cy="323850"/>
+          </a:xfrm>
+          <a:prstGeom prst="rect">
+            <a:avLst/>
+          </a:prstGeom>
+          <a:solidFill>
+            <a:schemeClr val="bg1"/>
+          </a:solidFill>
+          <a:ln w="6350">
+            <a:solidFill>
+              <a:schemeClr val="tx2"/>
+            </a:solidFill>
+          </a:ln>
+        </p:spPr>
+        <p:style>
+          <a:lnRef idx="2">
+            <a:schemeClr val="accent1">
+              <a:shade val="15000"/>
+            </a:schemeClr>
+          </a:lnRef>
+          <a:fillRef idx="1">
+            <a:schemeClr val="accent1"/>
+          </a:fillRef>
+          <a:effectRef idx="0">
+            <a:schemeClr val="accent1"/>
+          </a:effectRef>
+          <a:fontRef idx="minor">
+            <a:schemeClr val="lt1"/>
+          </a:fontRef>
+        </p:style>
+        <p:txBody>
+          <a:bodyPr rtlCol="0" anchor="ctr"/>
+          <a:lstStyle/>
+          <a:p>
+            <a:r>
+              <a:rPr lang="de-DE" sz="1600" b="1" dirty="0">
+                <a:solidFill>
+                  <a:schemeClr val="tx1"/>
+                </a:solidFill>
+              </a:rPr>
+              <a:t>Rationale:</a:t>
+            </a:r>
+          </a:p>
+        </p:txBody>
+      </p:sp>
+      <p:sp>
+        <p:nvSpPr>
+          <p:cNvPr id="30" name="Rechteck 29">
+            <a:extLst>
+              <a:ext uri="{FF2B5EF4-FFF2-40B4-BE49-F238E27FC236}">
+                <a16:creationId xmlns:a16="http://schemas.microsoft.com/office/drawing/2014/main" id="{7B2D085C-DCFA-47B5-37CE-A7A19D692244}"/>
+              </a:ext>
+            </a:extLst>
+          </p:cNvPr>
+          <p:cNvSpPr/>
+          <p:nvPr/>
+        </p:nvSpPr>
+        <p:spPr>
+          <a:xfrm>
+            <a:off x="1903448" y="2301438"/>
+            <a:ext cx="10098000" cy="792000"/>
+          </a:xfrm>
+          <a:prstGeom prst="rect">
+            <a:avLst/>
+          </a:prstGeom>
+          <a:solidFill>
+            <a:schemeClr val="bg1"/>
+          </a:solidFill>
+          <a:ln w="6350">
+            <a:solidFill>
+              <a:schemeClr val="tx2"/>
+            </a:solidFill>
+          </a:ln>
+        </p:spPr>
+        <p:style>
+          <a:lnRef idx="2">
+            <a:schemeClr val="accent1">
+              <a:shade val="15000"/>
+            </a:schemeClr>
+          </a:lnRef>
+          <a:fillRef idx="1">
+            <a:schemeClr val="accent1"/>
+          </a:fillRef>
+          <a:effectRef idx="0">
+            <a:schemeClr val="accent1"/>
+          </a:effectRef>
+          <a:fontRef idx="minor">
+            <a:schemeClr val="lt1"/>
+          </a:fontRef>
+        </p:style>
+        <p:txBody>
+          <a:bodyPr rtlCol="0" anchor="ctr"/>
+          <a:lstStyle/>
+          <a:p>
+            <a:r>
+              <a:rPr lang="en-US" sz="1100" dirty="0">
+                <a:solidFill>
+                  <a:schemeClr val="tx1"/>
+                </a:solidFill>
+              </a:rPr>
+              <a:t>Lange </a:t>
+            </a:r>
+            <a:r>
+              <a:rPr lang="en-US" sz="1100" dirty="0" err="1">
+                <a:solidFill>
+                  <a:schemeClr val="tx1"/>
+                </a:solidFill>
+              </a:rPr>
+              <a:t>Verzögerungen</a:t>
+            </a:r>
+            <a:r>
+              <a:rPr lang="en-US" sz="1100" dirty="0">
+                <a:solidFill>
+                  <a:schemeClr val="tx1"/>
+                </a:solidFill>
+              </a:rPr>
+              <a:t> </a:t>
+            </a:r>
+            <a:r>
+              <a:rPr lang="en-US" sz="1100" dirty="0" err="1">
+                <a:solidFill>
+                  <a:schemeClr val="tx1"/>
+                </a:solidFill>
+              </a:rPr>
+              <a:t>sind</a:t>
+            </a:r>
+            <a:r>
+              <a:rPr lang="en-US" sz="1100" dirty="0">
+                <a:solidFill>
+                  <a:schemeClr val="tx1"/>
+                </a:solidFill>
+              </a:rPr>
+              <a:t> </a:t>
+            </a:r>
+            <a:r>
+              <a:rPr lang="en-US" sz="1100" dirty="0" err="1">
+                <a:solidFill>
+                  <a:schemeClr val="tx1"/>
+                </a:solidFill>
+              </a:rPr>
+              <a:t>schädlich</a:t>
+            </a:r>
+            <a:r>
+              <a:rPr lang="en-US" sz="1100" dirty="0">
+                <a:solidFill>
+                  <a:schemeClr val="tx1"/>
+                </a:solidFill>
+              </a:rPr>
+              <a:t> für </a:t>
+            </a:r>
+            <a:r>
+              <a:rPr lang="en-US" sz="1100" dirty="0" err="1">
+                <a:solidFill>
+                  <a:schemeClr val="tx1"/>
+                </a:solidFill>
+              </a:rPr>
+              <a:t>eine</a:t>
+            </a:r>
+            <a:r>
+              <a:rPr lang="en-US" sz="1100" dirty="0">
+                <a:solidFill>
+                  <a:schemeClr val="tx1"/>
+                </a:solidFill>
+              </a:rPr>
+              <a:t> </a:t>
+            </a:r>
+            <a:r>
+              <a:rPr lang="en-US" sz="1100" dirty="0" err="1">
+                <a:solidFill>
+                  <a:schemeClr val="tx1"/>
+                </a:solidFill>
+              </a:rPr>
+              <a:t>angenehme</a:t>
+            </a:r>
+            <a:r>
+              <a:rPr lang="en-US" sz="1100" dirty="0">
+                <a:solidFill>
+                  <a:schemeClr val="tx1"/>
+                </a:solidFill>
+              </a:rPr>
+              <a:t> </a:t>
+            </a:r>
+            <a:r>
+              <a:rPr lang="en-US" sz="1100" dirty="0" err="1">
+                <a:solidFill>
+                  <a:schemeClr val="tx1"/>
+                </a:solidFill>
+              </a:rPr>
+              <a:t>Benutzung</a:t>
+            </a:r>
+            <a:r>
+              <a:rPr lang="en-US" sz="1100" dirty="0">
+                <a:solidFill>
+                  <a:schemeClr val="tx1"/>
+                </a:solidFill>
+              </a:rPr>
+              <a:t> der Software. </a:t>
+            </a:r>
+          </a:p>
+        </p:txBody>
+      </p:sp>
+      <p:sp>
+        <p:nvSpPr>
+          <p:cNvPr id="32" name="Rechteck 31">
+            <a:extLst>
+              <a:ext uri="{FF2B5EF4-FFF2-40B4-BE49-F238E27FC236}">
+                <a16:creationId xmlns:a16="http://schemas.microsoft.com/office/drawing/2014/main" id="{2857963E-1E62-3528-F728-F3489224A47C}"/>
+              </a:ext>
+            </a:extLst>
+          </p:cNvPr>
+          <p:cNvSpPr/>
+          <p:nvPr/>
+        </p:nvSpPr>
+        <p:spPr>
+          <a:xfrm>
+            <a:off x="192088" y="3232207"/>
+            <a:ext cx="1375200" cy="323850"/>
+          </a:xfrm>
+          <a:prstGeom prst="rect">
+            <a:avLst/>
+          </a:prstGeom>
+          <a:solidFill>
+            <a:schemeClr val="bg1"/>
+          </a:solidFill>
+          <a:ln w="6350">
+            <a:solidFill>
+              <a:schemeClr val="tx2"/>
+            </a:solidFill>
+          </a:ln>
+        </p:spPr>
+        <p:style>
+          <a:lnRef idx="2">
+            <a:schemeClr val="accent1">
+              <a:shade val="15000"/>
+            </a:schemeClr>
+          </a:lnRef>
+          <a:fillRef idx="1">
+            <a:schemeClr val="accent1"/>
+          </a:fillRef>
+          <a:effectRef idx="0">
+            <a:schemeClr val="accent1"/>
+          </a:effectRef>
+          <a:fontRef idx="minor">
+            <a:schemeClr val="lt1"/>
+          </a:fontRef>
+        </p:style>
+        <p:txBody>
+          <a:bodyPr rtlCol="0" anchor="ctr"/>
+          <a:lstStyle/>
+          <a:p>
+            <a:r>
+              <a:rPr lang="de-DE" sz="1600" b="1" dirty="0" err="1">
+                <a:solidFill>
+                  <a:schemeClr val="tx1"/>
+                </a:solidFill>
+              </a:rPr>
+              <a:t>Originator</a:t>
+            </a:r>
+            <a:r>
+              <a:rPr lang="de-DE" sz="1600" b="1" dirty="0">
+                <a:solidFill>
+                  <a:schemeClr val="tx1"/>
+                </a:solidFill>
+              </a:rPr>
+              <a:t>:</a:t>
+            </a:r>
+          </a:p>
+        </p:txBody>
+      </p:sp>
+      <p:sp>
+        <p:nvSpPr>
+          <p:cNvPr id="33" name="Rechteck 32">
+            <a:extLst>
+              <a:ext uri="{FF2B5EF4-FFF2-40B4-BE49-F238E27FC236}">
+                <a16:creationId xmlns:a16="http://schemas.microsoft.com/office/drawing/2014/main" id="{26693E40-18D8-A0C3-0286-E099CE1B1563}"/>
+              </a:ext>
+            </a:extLst>
+          </p:cNvPr>
+          <p:cNvSpPr/>
+          <p:nvPr/>
+        </p:nvSpPr>
+        <p:spPr>
+          <a:xfrm>
+            <a:off x="1903446" y="3232207"/>
+            <a:ext cx="10098000" cy="323850"/>
+          </a:xfrm>
+          <a:prstGeom prst="rect">
+            <a:avLst/>
+          </a:prstGeom>
+          <a:solidFill>
+            <a:schemeClr val="bg1"/>
+          </a:solidFill>
+          <a:ln w="6350">
+            <a:solidFill>
+              <a:schemeClr val="tx2"/>
+            </a:solidFill>
+          </a:ln>
+        </p:spPr>
+        <p:style>
+          <a:lnRef idx="2">
+            <a:schemeClr val="accent1">
+              <a:shade val="15000"/>
+            </a:schemeClr>
+          </a:lnRef>
+          <a:fillRef idx="1">
+            <a:schemeClr val="accent1"/>
+          </a:fillRef>
+          <a:effectRef idx="0">
+            <a:schemeClr val="accent1"/>
+          </a:effectRef>
+          <a:fontRef idx="minor">
+            <a:schemeClr val="lt1"/>
+          </a:fontRef>
+        </p:style>
+        <p:txBody>
+          <a:bodyPr rtlCol="0" anchor="ctr"/>
+          <a:lstStyle/>
+          <a:p>
+            <a:r>
+              <a:rPr lang="en-US" sz="1100" dirty="0">
+                <a:solidFill>
+                  <a:schemeClr val="tx1"/>
+                </a:solidFill>
+              </a:rPr>
+              <a:t>Mitarbeiter*</a:t>
+            </a:r>
+            <a:r>
+              <a:rPr lang="en-US" sz="1100" dirty="0" err="1">
+                <a:solidFill>
+                  <a:schemeClr val="tx1"/>
+                </a:solidFill>
+              </a:rPr>
+              <a:t>innen</a:t>
+            </a:r>
+            <a:r>
+              <a:rPr lang="en-US" sz="1100" dirty="0">
+                <a:solidFill>
+                  <a:schemeClr val="tx1"/>
+                </a:solidFill>
+              </a:rPr>
+              <a:t> des Bellis </a:t>
+            </a:r>
+            <a:r>
+              <a:rPr lang="en-US" sz="1100" dirty="0" err="1">
+                <a:solidFill>
+                  <a:schemeClr val="tx1"/>
+                </a:solidFill>
+              </a:rPr>
+              <a:t>e.V.</a:t>
+            </a:r>
+            <a:endParaRPr lang="en-US" sz="1100" dirty="0">
+              <a:solidFill>
+                <a:schemeClr val="tx1"/>
+              </a:solidFill>
+            </a:endParaRPr>
+          </a:p>
+        </p:txBody>
+      </p:sp>
+      <p:sp>
+        <p:nvSpPr>
+          <p:cNvPr id="35" name="Rechteck 34">
+            <a:extLst>
+              <a:ext uri="{FF2B5EF4-FFF2-40B4-BE49-F238E27FC236}">
+                <a16:creationId xmlns:a16="http://schemas.microsoft.com/office/drawing/2014/main" id="{FAEA1AF0-5BAF-6E8B-AACB-AF795A8FFE8A}"/>
+              </a:ext>
+            </a:extLst>
+          </p:cNvPr>
+          <p:cNvSpPr/>
+          <p:nvPr/>
+        </p:nvSpPr>
+        <p:spPr>
+          <a:xfrm>
+            <a:off x="192090" y="3694827"/>
+            <a:ext cx="1375200" cy="324001"/>
+          </a:xfrm>
+          <a:prstGeom prst="rect">
+            <a:avLst/>
+          </a:prstGeom>
+          <a:solidFill>
+            <a:schemeClr val="bg1"/>
+          </a:solidFill>
+          <a:ln w="6350">
+            <a:solidFill>
+              <a:schemeClr val="tx2"/>
+            </a:solidFill>
+          </a:ln>
+        </p:spPr>
+        <p:style>
+          <a:lnRef idx="2">
+            <a:schemeClr val="accent1">
+              <a:shade val="15000"/>
+            </a:schemeClr>
+          </a:lnRef>
+          <a:fillRef idx="1">
+            <a:schemeClr val="accent1"/>
+          </a:fillRef>
+          <a:effectRef idx="0">
+            <a:schemeClr val="accent1"/>
+          </a:effectRef>
+          <a:fontRef idx="minor">
+            <a:schemeClr val="lt1"/>
+          </a:fontRef>
+        </p:style>
+        <p:txBody>
+          <a:bodyPr rtlCol="0" anchor="ctr"/>
+          <a:lstStyle/>
+          <a:p>
+            <a:r>
+              <a:rPr lang="de-DE" sz="1600" b="1" dirty="0">
+                <a:solidFill>
+                  <a:schemeClr val="tx1"/>
+                </a:solidFill>
+              </a:rPr>
+              <a:t>Fit </a:t>
+            </a:r>
+            <a:r>
+              <a:rPr lang="de-DE" sz="1600" b="1" dirty="0" err="1">
+                <a:solidFill>
+                  <a:schemeClr val="tx1"/>
+                </a:solidFill>
+              </a:rPr>
+              <a:t>Criterion</a:t>
+            </a:r>
+            <a:r>
+              <a:rPr lang="de-DE" sz="1600" b="1" dirty="0">
+                <a:solidFill>
+                  <a:schemeClr val="tx1"/>
+                </a:solidFill>
+              </a:rPr>
+              <a:t>:</a:t>
+            </a:r>
+          </a:p>
+        </p:txBody>
+      </p:sp>
+      <p:sp>
+        <p:nvSpPr>
+          <p:cNvPr id="36" name="Rechteck 35">
+            <a:extLst>
+              <a:ext uri="{FF2B5EF4-FFF2-40B4-BE49-F238E27FC236}">
+                <a16:creationId xmlns:a16="http://schemas.microsoft.com/office/drawing/2014/main" id="{D7A339CC-5FE3-1508-CAA7-423F45E1DD9D}"/>
+              </a:ext>
+            </a:extLst>
+          </p:cNvPr>
+          <p:cNvSpPr/>
+          <p:nvPr/>
+        </p:nvSpPr>
+        <p:spPr>
+          <a:xfrm>
+            <a:off x="1903448" y="3694826"/>
+            <a:ext cx="10098000" cy="792000"/>
+          </a:xfrm>
+          <a:prstGeom prst="rect">
+            <a:avLst/>
+          </a:prstGeom>
+          <a:solidFill>
+            <a:schemeClr val="bg1"/>
+          </a:solidFill>
+          <a:ln w="6350">
+            <a:solidFill>
+              <a:schemeClr val="tx2"/>
+            </a:solidFill>
+          </a:ln>
+        </p:spPr>
+        <p:style>
+          <a:lnRef idx="2">
+            <a:schemeClr val="accent1">
+              <a:shade val="15000"/>
+            </a:schemeClr>
+          </a:lnRef>
+          <a:fillRef idx="1">
+            <a:schemeClr val="accent1"/>
+          </a:fillRef>
+          <a:effectRef idx="0">
+            <a:schemeClr val="accent1"/>
+          </a:effectRef>
+          <a:fontRef idx="minor">
+            <a:schemeClr val="lt1"/>
+          </a:fontRef>
+        </p:style>
+        <p:txBody>
+          <a:bodyPr rtlCol="0" anchor="ctr"/>
+          <a:lstStyle/>
+          <a:p>
+            <a:endParaRPr lang="en-US" sz="1600" u="sng" dirty="0">
+              <a:solidFill>
+                <a:schemeClr val="tx1"/>
+              </a:solidFill>
+            </a:endParaRPr>
+          </a:p>
+          <a:p>
+            <a:r>
+              <a:rPr lang="de-DE" sz="1100" dirty="0">
+                <a:solidFill>
+                  <a:schemeClr val="tx1"/>
+                </a:solidFill>
+              </a:rPr>
+              <a:t>&lt; 1 Sekunde beim Öffnen von Dropdowns, &lt; 3 Sekunden beim Laden von Filterergebnissen </a:t>
+            </a:r>
+            <a:endParaRPr lang="en-US" sz="1100" dirty="0">
+              <a:solidFill>
+                <a:schemeClr val="tx1"/>
+              </a:solidFill>
+            </a:endParaRPr>
+          </a:p>
+          <a:p>
+            <a:endParaRPr lang="en-US" sz="1600" u="sng" dirty="0">
+              <a:solidFill>
+                <a:schemeClr val="tx1"/>
+              </a:solidFill>
+            </a:endParaRPr>
+          </a:p>
+        </p:txBody>
+      </p:sp>
+      <p:sp>
+        <p:nvSpPr>
+          <p:cNvPr id="37" name="Rechteck 36">
+            <a:extLst>
+              <a:ext uri="{FF2B5EF4-FFF2-40B4-BE49-F238E27FC236}">
+                <a16:creationId xmlns:a16="http://schemas.microsoft.com/office/drawing/2014/main" id="{CCD3C9A4-3E5D-8BD4-F669-D3CE4AA3D21D}"/>
+              </a:ext>
+            </a:extLst>
+          </p:cNvPr>
+          <p:cNvSpPr/>
+          <p:nvPr/>
+        </p:nvSpPr>
+        <p:spPr>
+          <a:xfrm>
+            <a:off x="192088" y="4625595"/>
+            <a:ext cx="5745162" cy="323850"/>
+          </a:xfrm>
+          <a:prstGeom prst="rect">
+            <a:avLst/>
+          </a:prstGeom>
+          <a:solidFill>
+            <a:schemeClr val="bg1"/>
+          </a:solidFill>
+          <a:ln w="6350">
+            <a:solidFill>
+              <a:schemeClr val="tx2"/>
+            </a:solidFill>
+          </a:ln>
+        </p:spPr>
+        <p:style>
+          <a:lnRef idx="2">
+            <a:schemeClr val="accent1">
+              <a:shade val="15000"/>
+            </a:schemeClr>
+          </a:lnRef>
+          <a:fillRef idx="1">
+            <a:schemeClr val="accent1"/>
+          </a:fillRef>
+          <a:effectRef idx="0">
+            <a:schemeClr val="accent1"/>
+          </a:effectRef>
+          <a:fontRef idx="minor">
+            <a:schemeClr val="lt1"/>
+          </a:fontRef>
+        </p:style>
+        <p:txBody>
+          <a:bodyPr rtlCol="0" anchor="ctr"/>
+          <a:lstStyle/>
+          <a:p>
+            <a:pPr fontAlgn="auto">
+              <a:spcAft>
+                <a:spcPts val="0"/>
+              </a:spcAft>
+            </a:pPr>
+            <a:r>
+              <a:rPr lang="de-DE" sz="1600" b="1" dirty="0">
+                <a:solidFill>
+                  <a:schemeClr val="tx1"/>
+                </a:solidFill>
+              </a:rPr>
+              <a:t>Customer </a:t>
+            </a:r>
+            <a:r>
+              <a:rPr lang="de-DE" sz="1600" b="1" dirty="0" err="1">
+                <a:solidFill>
+                  <a:schemeClr val="tx1"/>
+                </a:solidFill>
+              </a:rPr>
+              <a:t>Satisfaction</a:t>
+            </a:r>
+            <a:r>
+              <a:rPr lang="de-DE" sz="1600" b="1" dirty="0">
+                <a:solidFill>
+                  <a:schemeClr val="tx1"/>
+                </a:solidFill>
+              </a:rPr>
+              <a:t>: </a:t>
+            </a:r>
+            <a:r>
+              <a:rPr lang="de-DE" sz="1100" dirty="0">
+                <a:solidFill>
+                  <a:schemeClr val="tx1"/>
+                </a:solidFill>
+              </a:rPr>
+              <a:t>5</a:t>
+            </a:r>
+          </a:p>
+        </p:txBody>
+      </p:sp>
+      <p:sp>
+        <p:nvSpPr>
+          <p:cNvPr id="38" name="Rechteck 37">
+            <a:extLst>
+              <a:ext uri="{FF2B5EF4-FFF2-40B4-BE49-F238E27FC236}">
+                <a16:creationId xmlns:a16="http://schemas.microsoft.com/office/drawing/2014/main" id="{2B1E5B73-7563-0BC8-C130-9F0AD6FD6907}"/>
+              </a:ext>
+            </a:extLst>
+          </p:cNvPr>
+          <p:cNvSpPr/>
+          <p:nvPr/>
+        </p:nvSpPr>
+        <p:spPr>
+          <a:xfrm>
+            <a:off x="6254749" y="4622801"/>
+            <a:ext cx="5745162" cy="323850"/>
+          </a:xfrm>
+          <a:prstGeom prst="rect">
+            <a:avLst/>
+          </a:prstGeom>
+          <a:solidFill>
+            <a:schemeClr val="bg1"/>
+          </a:solidFill>
+          <a:ln w="6350">
+            <a:solidFill>
+              <a:schemeClr val="tx2"/>
+            </a:solidFill>
+          </a:ln>
+        </p:spPr>
+        <p:style>
+          <a:lnRef idx="2">
+            <a:schemeClr val="accent1">
+              <a:shade val="15000"/>
+            </a:schemeClr>
+          </a:lnRef>
+          <a:fillRef idx="1">
+            <a:schemeClr val="accent1"/>
+          </a:fillRef>
+          <a:effectRef idx="0">
+            <a:schemeClr val="accent1"/>
+          </a:effectRef>
+          <a:fontRef idx="minor">
+            <a:schemeClr val="lt1"/>
+          </a:fontRef>
+        </p:style>
+        <p:txBody>
+          <a:bodyPr rtlCol="0" anchor="ctr"/>
+          <a:lstStyle/>
+          <a:p>
+            <a:r>
+              <a:rPr lang="de-DE" sz="1600" b="1" dirty="0">
+                <a:solidFill>
+                  <a:schemeClr val="tx1"/>
+                </a:solidFill>
+              </a:rPr>
+              <a:t>Customer </a:t>
+            </a:r>
+            <a:r>
+              <a:rPr lang="de-DE" sz="1600" b="1" dirty="0" err="1">
+                <a:solidFill>
+                  <a:schemeClr val="tx1"/>
+                </a:solidFill>
+              </a:rPr>
+              <a:t>Dissatisfaction</a:t>
+            </a:r>
+            <a:r>
+              <a:rPr lang="de-DE" sz="1600" b="1" dirty="0">
+                <a:solidFill>
+                  <a:schemeClr val="tx1"/>
+                </a:solidFill>
+              </a:rPr>
+              <a:t>: </a:t>
+            </a:r>
+            <a:r>
+              <a:rPr lang="de-DE" sz="1100" dirty="0">
+                <a:solidFill>
+                  <a:schemeClr val="tx1"/>
+                </a:solidFill>
+              </a:rPr>
+              <a:t>4</a:t>
+            </a:r>
+          </a:p>
+        </p:txBody>
+      </p:sp>
+      <p:sp>
+        <p:nvSpPr>
+          <p:cNvPr id="39" name="Rechteck 38">
+            <a:extLst>
+              <a:ext uri="{FF2B5EF4-FFF2-40B4-BE49-F238E27FC236}">
+                <a16:creationId xmlns:a16="http://schemas.microsoft.com/office/drawing/2014/main" id="{6480EFEB-66A7-EF5E-1800-5A49CD9BADBF}"/>
+              </a:ext>
+            </a:extLst>
+          </p:cNvPr>
+          <p:cNvSpPr/>
+          <p:nvPr/>
+        </p:nvSpPr>
+        <p:spPr>
+          <a:xfrm>
+            <a:off x="192090" y="5088214"/>
+            <a:ext cx="5745162" cy="323850"/>
+          </a:xfrm>
+          <a:prstGeom prst="rect">
+            <a:avLst/>
+          </a:prstGeom>
+          <a:solidFill>
+            <a:schemeClr val="bg1"/>
+          </a:solidFill>
+          <a:ln w="6350">
+            <a:solidFill>
+              <a:schemeClr val="tx2"/>
+            </a:solidFill>
+          </a:ln>
+        </p:spPr>
+        <p:style>
+          <a:lnRef idx="2">
+            <a:schemeClr val="accent1">
+              <a:shade val="15000"/>
+            </a:schemeClr>
+          </a:lnRef>
+          <a:fillRef idx="1">
+            <a:schemeClr val="accent1"/>
+          </a:fillRef>
+          <a:effectRef idx="0">
+            <a:schemeClr val="accent1"/>
+          </a:effectRef>
+          <a:fontRef idx="minor">
+            <a:schemeClr val="lt1"/>
+          </a:fontRef>
+        </p:style>
+        <p:txBody>
+          <a:bodyPr rtlCol="0" anchor="ctr"/>
+          <a:lstStyle/>
+          <a:p>
+            <a:pPr fontAlgn="auto">
+              <a:spcAft>
+                <a:spcPts val="0"/>
+              </a:spcAft>
+            </a:pPr>
+            <a:r>
+              <a:rPr lang="de-DE" sz="1600" b="1" dirty="0" err="1">
+                <a:solidFill>
+                  <a:schemeClr val="tx1"/>
+                </a:solidFill>
+              </a:rPr>
+              <a:t>Priority</a:t>
+            </a:r>
+            <a:r>
+              <a:rPr lang="de-DE" sz="1600" b="1" dirty="0">
+                <a:solidFill>
+                  <a:schemeClr val="tx1"/>
+                </a:solidFill>
+              </a:rPr>
+              <a:t>: </a:t>
+            </a:r>
+            <a:r>
+              <a:rPr lang="de-DE" sz="1100" dirty="0">
+                <a:solidFill>
+                  <a:schemeClr val="tx1"/>
+                </a:solidFill>
+              </a:rPr>
+              <a:t>Hoch</a:t>
+            </a:r>
+          </a:p>
+        </p:txBody>
+      </p:sp>
+      <p:sp>
+        <p:nvSpPr>
+          <p:cNvPr id="40" name="Rechteck 39">
+            <a:extLst>
+              <a:ext uri="{FF2B5EF4-FFF2-40B4-BE49-F238E27FC236}">
+                <a16:creationId xmlns:a16="http://schemas.microsoft.com/office/drawing/2014/main" id="{90ABCA79-D8B0-3A58-4E54-1944A03946DE}"/>
+              </a:ext>
+            </a:extLst>
+          </p:cNvPr>
+          <p:cNvSpPr/>
+          <p:nvPr/>
+        </p:nvSpPr>
+        <p:spPr>
+          <a:xfrm>
+            <a:off x="6254751" y="5086351"/>
+            <a:ext cx="5745162" cy="323850"/>
+          </a:xfrm>
+          <a:prstGeom prst="rect">
+            <a:avLst/>
+          </a:prstGeom>
+          <a:solidFill>
+            <a:schemeClr val="bg1"/>
+          </a:solidFill>
+          <a:ln w="6350">
+            <a:solidFill>
+              <a:schemeClr val="tx2"/>
+            </a:solidFill>
+          </a:ln>
+        </p:spPr>
+        <p:style>
+          <a:lnRef idx="2">
+            <a:schemeClr val="accent1">
+              <a:shade val="15000"/>
+            </a:schemeClr>
+          </a:lnRef>
+          <a:fillRef idx="1">
+            <a:schemeClr val="accent1"/>
+          </a:fillRef>
+          <a:effectRef idx="0">
+            <a:schemeClr val="accent1"/>
+          </a:effectRef>
+          <a:fontRef idx="minor">
+            <a:schemeClr val="lt1"/>
+          </a:fontRef>
+        </p:style>
+        <p:txBody>
+          <a:bodyPr rtlCol="0" anchor="ctr"/>
+          <a:lstStyle/>
+          <a:p>
+            <a:r>
+              <a:rPr lang="de-DE" sz="1600" b="1" dirty="0" err="1">
+                <a:solidFill>
+                  <a:schemeClr val="tx1"/>
+                </a:solidFill>
+              </a:rPr>
+              <a:t>Conflicts</a:t>
+            </a:r>
+            <a:r>
+              <a:rPr lang="de-DE" sz="1600" b="1" dirty="0">
+                <a:solidFill>
+                  <a:schemeClr val="tx1"/>
+                </a:solidFill>
+              </a:rPr>
+              <a:t>: </a:t>
+            </a:r>
+            <a:r>
+              <a:rPr lang="de-DE" sz="1100" dirty="0">
+                <a:solidFill>
+                  <a:schemeClr val="tx1"/>
+                </a:solidFill>
+              </a:rPr>
+              <a:t>-</a:t>
+            </a:r>
+          </a:p>
+        </p:txBody>
+      </p:sp>
+      <p:sp>
+        <p:nvSpPr>
+          <p:cNvPr id="41" name="Rechteck 40">
+            <a:extLst>
+              <a:ext uri="{FF2B5EF4-FFF2-40B4-BE49-F238E27FC236}">
+                <a16:creationId xmlns:a16="http://schemas.microsoft.com/office/drawing/2014/main" id="{324BDCB7-3869-21A7-2B33-2CB5551CC1B7}"/>
+              </a:ext>
+            </a:extLst>
+          </p:cNvPr>
+          <p:cNvSpPr/>
+          <p:nvPr/>
+        </p:nvSpPr>
+        <p:spPr>
+          <a:xfrm>
+            <a:off x="192086" y="5550833"/>
+            <a:ext cx="5745162" cy="323850"/>
+          </a:xfrm>
+          <a:prstGeom prst="rect">
+            <a:avLst/>
+          </a:prstGeom>
+          <a:solidFill>
+            <a:schemeClr val="bg1"/>
+          </a:solidFill>
+          <a:ln w="6350">
+            <a:solidFill>
+              <a:schemeClr val="tx2"/>
+            </a:solidFill>
+          </a:ln>
+        </p:spPr>
+        <p:style>
+          <a:lnRef idx="2">
+            <a:schemeClr val="accent1">
+              <a:shade val="15000"/>
+            </a:schemeClr>
+          </a:lnRef>
+          <a:fillRef idx="1">
+            <a:schemeClr val="accent1"/>
+          </a:fillRef>
+          <a:effectRef idx="0">
+            <a:schemeClr val="accent1"/>
+          </a:effectRef>
+          <a:fontRef idx="minor">
+            <a:schemeClr val="lt1"/>
+          </a:fontRef>
+        </p:style>
+        <p:txBody>
+          <a:bodyPr rtlCol="0" anchor="ctr"/>
+          <a:lstStyle/>
+          <a:p>
+            <a:pPr fontAlgn="auto">
+              <a:spcAft>
+                <a:spcPts val="0"/>
+              </a:spcAft>
+            </a:pPr>
+            <a:r>
+              <a:rPr lang="de-DE" sz="1600" b="1" dirty="0" err="1">
+                <a:solidFill>
+                  <a:schemeClr val="tx1"/>
+                </a:solidFill>
+              </a:rPr>
+              <a:t>Supporting</a:t>
+            </a:r>
+            <a:r>
+              <a:rPr lang="de-DE" sz="1600" b="1" dirty="0">
+                <a:solidFill>
+                  <a:schemeClr val="tx1"/>
+                </a:solidFill>
+              </a:rPr>
+              <a:t> Materials: </a:t>
+            </a:r>
+            <a:r>
+              <a:rPr lang="de-DE" sz="1100" dirty="0">
+                <a:solidFill>
+                  <a:schemeClr val="tx1"/>
+                </a:solidFill>
+              </a:rPr>
+              <a:t>Projektbeschreibung</a:t>
+            </a:r>
+          </a:p>
+        </p:txBody>
+      </p:sp>
+      <p:sp>
+        <p:nvSpPr>
+          <p:cNvPr id="42" name="Rechteck 41">
+            <a:extLst>
+              <a:ext uri="{FF2B5EF4-FFF2-40B4-BE49-F238E27FC236}">
+                <a16:creationId xmlns:a16="http://schemas.microsoft.com/office/drawing/2014/main" id="{095E7D80-9674-2F9B-A3EC-8FA0715B648B}"/>
+              </a:ext>
+            </a:extLst>
+          </p:cNvPr>
+          <p:cNvSpPr/>
+          <p:nvPr/>
+        </p:nvSpPr>
+        <p:spPr>
+          <a:xfrm>
+            <a:off x="192088" y="6013455"/>
+            <a:ext cx="5745162" cy="323850"/>
+          </a:xfrm>
+          <a:prstGeom prst="rect">
+            <a:avLst/>
+          </a:prstGeom>
+          <a:solidFill>
+            <a:schemeClr val="bg1"/>
+          </a:solidFill>
+          <a:ln w="6350">
+            <a:solidFill>
+              <a:schemeClr val="tx2"/>
+            </a:solidFill>
+          </a:ln>
+        </p:spPr>
+        <p:style>
+          <a:lnRef idx="2">
+            <a:schemeClr val="accent1">
+              <a:shade val="15000"/>
+            </a:schemeClr>
+          </a:lnRef>
+          <a:fillRef idx="1">
+            <a:schemeClr val="accent1"/>
+          </a:fillRef>
+          <a:effectRef idx="0">
+            <a:schemeClr val="accent1"/>
+          </a:effectRef>
+          <a:fontRef idx="minor">
+            <a:schemeClr val="lt1"/>
+          </a:fontRef>
+        </p:style>
+        <p:txBody>
+          <a:bodyPr rtlCol="0" anchor="ctr"/>
+          <a:lstStyle/>
+          <a:p>
+            <a:pPr fontAlgn="auto">
+              <a:spcAft>
+                <a:spcPts val="0"/>
+              </a:spcAft>
+            </a:pPr>
+            <a:r>
+              <a:rPr lang="de-DE" sz="1600" b="1" dirty="0" err="1">
+                <a:solidFill>
+                  <a:schemeClr val="tx1"/>
+                </a:solidFill>
+              </a:rPr>
+              <a:t>History</a:t>
+            </a:r>
+            <a:r>
+              <a:rPr lang="de-DE" sz="1600" b="1" dirty="0">
+                <a:solidFill>
+                  <a:schemeClr val="tx1"/>
+                </a:solidFill>
+              </a:rPr>
+              <a:t>: </a:t>
+            </a:r>
+            <a:r>
+              <a:rPr lang="de-DE" sz="1100" dirty="0">
+                <a:solidFill>
+                  <a:schemeClr val="tx1"/>
+                </a:solidFill>
+              </a:rPr>
+              <a:t>03.11</a:t>
+            </a:r>
+          </a:p>
+        </p:txBody>
+      </p:sp>
+    </p:spTree>
+    <p:extLst>
+      <p:ext uri="{BB962C8B-B14F-4D97-AF65-F5344CB8AC3E}">
+        <p14:creationId xmlns:p14="http://schemas.microsoft.com/office/powerpoint/2010/main" val="1417858501"/>
       </p:ext>
     </p:extLst>
   </p:cSld>

--- a/requirements/Snow_Cards.pptx
+++ b/requirements/Snow_Cards.pptx
@@ -72,10 +72,11 @@
             <a:noAutofit/>
           </a:bodyPr>
           <a:p>
-            <a:r>
-              <a:rPr b="0" lang="de-DE" sz="2800" strike="noStrike" u="none">
-                <a:solidFill>
-                  <a:schemeClr val="dk1"/>
+            <a:pPr algn="ctr"/>
+            <a:r>
+              <a:rPr b="0" lang="de-DE" sz="4400" strike="noStrike" u="none">
+                <a:solidFill>
+                  <a:srgbClr val="000000"/>
                 </a:solidFill>
                 <a:effectLst/>
                 <a:uFillTx/>
@@ -83,9 +84,9 @@
               </a:rPr>
               <a:t>Folie mittels Klicken verschieben</a:t>
             </a:r>
-            <a:endParaRPr b="0" lang="de-DE" sz="2800" strike="noStrike" u="none">
-              <a:solidFill>
-                <a:schemeClr val="dk1"/>
+            <a:endParaRPr b="0" lang="de-DE" sz="4400" strike="noStrike" u="none">
+              <a:solidFill>
+                <a:srgbClr val="000000"/>
               </a:solidFill>
               <a:effectLst/>
               <a:uFillTx/>
@@ -376,7 +377,7 @@
             <a:pPr indent="0" algn="r">
               <a:buNone/>
             </a:pPr>
-            <a:fld id="{A0FFA5B2-A699-4172-BC1B-1DD72EB719A9}" type="slidenum">
+            <a:fld id="{D9C54E6B-4414-4CD8-A792-B56BE1080B43}" type="slidenum">
               <a:rPr b="0" lang="de-DE" sz="1400" strike="noStrike" u="none">
                 <a:solidFill>
                   <a:srgbClr val="000000"/>
@@ -434,7 +435,7 @@
         <p:spPr>
           <a:xfrm>
             <a:off x="2698920" y="509760"/>
-            <a:ext cx="4530240" cy="2549160"/>
+            <a:ext cx="4529880" cy="2548800"/>
           </a:xfrm>
           <a:prstGeom prst="rect">
             <a:avLst/>
@@ -457,7 +458,7 @@
         <p:spPr>
           <a:xfrm>
             <a:off x="992520" y="3228120"/>
-            <a:ext cx="7943040" cy="3059280"/>
+            <a:ext cx="7942680" cy="3058920"/>
           </a:xfrm>
           <a:prstGeom prst="rect">
             <a:avLst/>
@@ -499,7 +500,7 @@
         <p:spPr>
           <a:xfrm>
             <a:off x="5622480" y="6456240"/>
-            <a:ext cx="4303080" cy="339840"/>
+            <a:ext cx="4302720" cy="339480"/>
           </a:xfrm>
           <a:prstGeom prst="rect">
             <a:avLst/>
@@ -519,6 +520,9 @@
                 <a:spcPct val="100000"/>
               </a:lnSpc>
               <a:buNone/>
+              <a:tabLst>
+                <a:tab algn="l" pos="0"/>
+              </a:tabLst>
               <a:defRPr b="0" lang="de-DE" sz="1200" strike="noStrike" u="none">
                 <a:solidFill>
                   <a:srgbClr val="000000"/>
@@ -535,8 +539,11 @@
                 <a:spcPct val="100000"/>
               </a:lnSpc>
               <a:buNone/>
-            </a:pPr>
-            <a:fld id="{5CFDFB30-90C9-4307-AC60-A3D4ED689BF4}" type="slidenum">
+              <a:tabLst>
+                <a:tab algn="l" pos="0"/>
+              </a:tabLst>
+            </a:pPr>
+            <a:fld id="{A46DA5DE-47C9-4C9D-81D9-5E972DD5427C}" type="slidenum">
               <a:rPr b="0" lang="de-DE" sz="1200" strike="noStrike" u="none">
                 <a:solidFill>
                   <a:srgbClr val="000000"/>
@@ -593,7 +600,7 @@
         <p:spPr>
           <a:xfrm>
             <a:off x="2698920" y="509760"/>
-            <a:ext cx="4530240" cy="2549160"/>
+            <a:ext cx="4529880" cy="2548800"/>
           </a:xfrm>
           <a:prstGeom prst="rect">
             <a:avLst/>
@@ -616,7 +623,7 @@
         <p:spPr>
           <a:xfrm>
             <a:off x="992520" y="3228120"/>
-            <a:ext cx="7943040" cy="3059280"/>
+            <a:ext cx="7942680" cy="3058920"/>
           </a:xfrm>
           <a:prstGeom prst="rect">
             <a:avLst/>
@@ -658,7 +665,7 @@
         <p:spPr>
           <a:xfrm>
             <a:off x="5622480" y="6456240"/>
-            <a:ext cx="4303080" cy="339840"/>
+            <a:ext cx="4302720" cy="339480"/>
           </a:xfrm>
           <a:prstGeom prst="rect">
             <a:avLst/>
@@ -678,6 +685,9 @@
                 <a:spcPct val="100000"/>
               </a:lnSpc>
               <a:buNone/>
+              <a:tabLst>
+                <a:tab algn="l" pos="0"/>
+              </a:tabLst>
               <a:defRPr b="0" lang="de-DE" sz="1200" strike="noStrike" u="none">
                 <a:solidFill>
                   <a:srgbClr val="000000"/>
@@ -694,8 +704,11 @@
                 <a:spcPct val="100000"/>
               </a:lnSpc>
               <a:buNone/>
-            </a:pPr>
-            <a:fld id="{66987DEE-7536-40E3-8BDE-E708DF6441C9}" type="slidenum">
+              <a:tabLst>
+                <a:tab algn="l" pos="0"/>
+              </a:tabLst>
+            </a:pPr>
+            <a:fld id="{1BD034BB-3767-4B85-8589-9A72C2F989AE}" type="slidenum">
               <a:rPr b="0" lang="de-DE" sz="1200" strike="noStrike" u="none">
                 <a:solidFill>
                   <a:srgbClr val="000000"/>
@@ -752,7 +765,7 @@
         <p:spPr>
           <a:xfrm>
             <a:off x="2698920" y="509760"/>
-            <a:ext cx="4530240" cy="2549160"/>
+            <a:ext cx="4529880" cy="2548800"/>
           </a:xfrm>
           <a:prstGeom prst="rect">
             <a:avLst/>
@@ -775,7 +788,7 @@
         <p:spPr>
           <a:xfrm>
             <a:off x="992520" y="3228120"/>
-            <a:ext cx="7943040" cy="3059280"/>
+            <a:ext cx="7942680" cy="3058920"/>
           </a:xfrm>
           <a:prstGeom prst="rect">
             <a:avLst/>
@@ -817,7 +830,7 @@
         <p:spPr>
           <a:xfrm>
             <a:off x="5622480" y="6456240"/>
-            <a:ext cx="4303080" cy="339840"/>
+            <a:ext cx="4302720" cy="339480"/>
           </a:xfrm>
           <a:prstGeom prst="rect">
             <a:avLst/>
@@ -837,6 +850,9 @@
                 <a:spcPct val="100000"/>
               </a:lnSpc>
               <a:buNone/>
+              <a:tabLst>
+                <a:tab algn="l" pos="0"/>
+              </a:tabLst>
               <a:defRPr b="0" lang="de-DE" sz="1200" strike="noStrike" u="none">
                 <a:solidFill>
                   <a:srgbClr val="000000"/>
@@ -853,8 +869,11 @@
                 <a:spcPct val="100000"/>
               </a:lnSpc>
               <a:buNone/>
-            </a:pPr>
-            <a:fld id="{40117499-2656-49AC-9B34-BAF27618C7DE}" type="slidenum">
+              <a:tabLst>
+                <a:tab algn="l" pos="0"/>
+              </a:tabLst>
+            </a:pPr>
+            <a:fld id="{D3535751-EAF4-4F63-82BD-5039DA86EA34}" type="slidenum">
               <a:rPr b="0" lang="de-DE" sz="1200" strike="noStrike" u="none">
                 <a:solidFill>
                   <a:srgbClr val="000000"/>
@@ -911,7 +930,7 @@
         <p:spPr>
           <a:xfrm>
             <a:off x="2698920" y="509760"/>
-            <a:ext cx="4530240" cy="2549160"/>
+            <a:ext cx="4529880" cy="2548800"/>
           </a:xfrm>
           <a:prstGeom prst="rect">
             <a:avLst/>
@@ -934,7 +953,7 @@
         <p:spPr>
           <a:xfrm>
             <a:off x="992520" y="3228120"/>
-            <a:ext cx="7943040" cy="3059280"/>
+            <a:ext cx="7942680" cy="3058920"/>
           </a:xfrm>
           <a:prstGeom prst="rect">
             <a:avLst/>
@@ -976,7 +995,7 @@
         <p:spPr>
           <a:xfrm>
             <a:off x="5622480" y="6456240"/>
-            <a:ext cx="4303080" cy="339840"/>
+            <a:ext cx="4302720" cy="339480"/>
           </a:xfrm>
           <a:prstGeom prst="rect">
             <a:avLst/>
@@ -996,6 +1015,9 @@
                 <a:spcPct val="100000"/>
               </a:lnSpc>
               <a:buNone/>
+              <a:tabLst>
+                <a:tab algn="l" pos="0"/>
+              </a:tabLst>
               <a:defRPr b="0" lang="de-DE" sz="1200" strike="noStrike" u="none">
                 <a:solidFill>
                   <a:srgbClr val="000000"/>
@@ -1012,8 +1034,11 @@
                 <a:spcPct val="100000"/>
               </a:lnSpc>
               <a:buNone/>
-            </a:pPr>
-            <a:fld id="{7BA7C0A2-9585-47CD-A798-B5D346C576E8}" type="slidenum">
+              <a:tabLst>
+                <a:tab algn="l" pos="0"/>
+              </a:tabLst>
+            </a:pPr>
+            <a:fld id="{69237795-3B7F-4B7B-8CC1-E15394E1CDFC}" type="slidenum">
               <a:rPr b="0" lang="de-DE" sz="1200" strike="noStrike" u="none">
                 <a:solidFill>
                   <a:srgbClr val="000000"/>
@@ -1070,7 +1095,7 @@
         <p:spPr>
           <a:xfrm>
             <a:off x="2698920" y="509760"/>
-            <a:ext cx="4530240" cy="2549160"/>
+            <a:ext cx="4529880" cy="2548800"/>
           </a:xfrm>
           <a:prstGeom prst="rect">
             <a:avLst/>
@@ -1093,7 +1118,7 @@
         <p:spPr>
           <a:xfrm>
             <a:off x="992520" y="3228120"/>
-            <a:ext cx="7943040" cy="3059280"/>
+            <a:ext cx="7942680" cy="3058920"/>
           </a:xfrm>
           <a:prstGeom prst="rect">
             <a:avLst/>
@@ -1135,7 +1160,7 @@
         <p:spPr>
           <a:xfrm>
             <a:off x="5622480" y="6456240"/>
-            <a:ext cx="4303080" cy="339840"/>
+            <a:ext cx="4302720" cy="339480"/>
           </a:xfrm>
           <a:prstGeom prst="rect">
             <a:avLst/>
@@ -1155,6 +1180,9 @@
                 <a:spcPct val="100000"/>
               </a:lnSpc>
               <a:buNone/>
+              <a:tabLst>
+                <a:tab algn="l" pos="0"/>
+              </a:tabLst>
               <a:defRPr b="0" lang="de-DE" sz="1200" strike="noStrike" u="none">
                 <a:solidFill>
                   <a:srgbClr val="000000"/>
@@ -1171,8 +1199,11 @@
                 <a:spcPct val="100000"/>
               </a:lnSpc>
               <a:buNone/>
-            </a:pPr>
-            <a:fld id="{375127F8-5C77-43A5-B3DA-7C58A1066416}" type="slidenum">
+              <a:tabLst>
+                <a:tab algn="l" pos="0"/>
+              </a:tabLst>
+            </a:pPr>
+            <a:fld id="{609B8B9B-A262-4879-81D9-91ED54831BC8}" type="slidenum">
               <a:rPr b="0" lang="de-DE" sz="1200" strike="noStrike" u="none">
                 <a:solidFill>
                   <a:srgbClr val="000000"/>
@@ -1229,7 +1260,7 @@
         <p:spPr>
           <a:xfrm>
             <a:off x="2698920" y="509760"/>
-            <a:ext cx="4530240" cy="2549160"/>
+            <a:ext cx="4529880" cy="2548800"/>
           </a:xfrm>
           <a:prstGeom prst="rect">
             <a:avLst/>
@@ -1252,7 +1283,7 @@
         <p:spPr>
           <a:xfrm>
             <a:off x="992520" y="3228120"/>
-            <a:ext cx="7943040" cy="3059280"/>
+            <a:ext cx="7942680" cy="3058920"/>
           </a:xfrm>
           <a:prstGeom prst="rect">
             <a:avLst/>
@@ -1294,7 +1325,7 @@
         <p:spPr>
           <a:xfrm>
             <a:off x="5622480" y="6456240"/>
-            <a:ext cx="4303080" cy="339840"/>
+            <a:ext cx="4302720" cy="339480"/>
           </a:xfrm>
           <a:prstGeom prst="rect">
             <a:avLst/>
@@ -1314,6 +1345,9 @@
                 <a:spcPct val="100000"/>
               </a:lnSpc>
               <a:buNone/>
+              <a:tabLst>
+                <a:tab algn="l" pos="0"/>
+              </a:tabLst>
               <a:defRPr b="0" lang="de-DE" sz="1200" strike="noStrike" u="none">
                 <a:solidFill>
                   <a:srgbClr val="000000"/>
@@ -1330,8 +1364,11 @@
                 <a:spcPct val="100000"/>
               </a:lnSpc>
               <a:buNone/>
-            </a:pPr>
-            <a:fld id="{93061FBB-A69D-4D3F-9A31-74C6656DD9D6}" type="slidenum">
+              <a:tabLst>
+                <a:tab algn="l" pos="0"/>
+              </a:tabLst>
+            </a:pPr>
+            <a:fld id="{84A29216-A58B-40D0-827B-E6CD1C3D79F0}" type="slidenum">
               <a:rPr b="0" lang="de-DE" sz="1200" strike="noStrike" u="none">
                 <a:solidFill>
                   <a:srgbClr val="000000"/>
@@ -1388,7 +1425,7 @@
         <p:spPr>
           <a:xfrm>
             <a:off x="2698920" y="509760"/>
-            <a:ext cx="4530240" cy="2549160"/>
+            <a:ext cx="4529880" cy="2548800"/>
           </a:xfrm>
           <a:prstGeom prst="rect">
             <a:avLst/>
@@ -1411,7 +1448,7 @@
         <p:spPr>
           <a:xfrm>
             <a:off x="992520" y="3228120"/>
-            <a:ext cx="7943040" cy="3059280"/>
+            <a:ext cx="7942680" cy="3058920"/>
           </a:xfrm>
           <a:prstGeom prst="rect">
             <a:avLst/>
@@ -1453,7 +1490,7 @@
         <p:spPr>
           <a:xfrm>
             <a:off x="5622480" y="6456240"/>
-            <a:ext cx="4303080" cy="339840"/>
+            <a:ext cx="4302720" cy="339480"/>
           </a:xfrm>
           <a:prstGeom prst="rect">
             <a:avLst/>
@@ -1473,6 +1510,9 @@
                 <a:spcPct val="100000"/>
               </a:lnSpc>
               <a:buNone/>
+              <a:tabLst>
+                <a:tab algn="l" pos="0"/>
+              </a:tabLst>
               <a:defRPr b="0" lang="de-DE" sz="1200" strike="noStrike" u="none">
                 <a:solidFill>
                   <a:srgbClr val="000000"/>
@@ -1489,8 +1529,11 @@
                 <a:spcPct val="100000"/>
               </a:lnSpc>
               <a:buNone/>
-            </a:pPr>
-            <a:fld id="{6CE7A0E7-6DA0-437F-89B3-7AA022F5E3BD}" type="slidenum">
+              <a:tabLst>
+                <a:tab algn="l" pos="0"/>
+              </a:tabLst>
+            </a:pPr>
+            <a:fld id="{F7995163-6A13-4654-BC14-EF1E2F8AC9DE}" type="slidenum">
               <a:rPr b="0" lang="de-DE" sz="1200" strike="noStrike" u="none">
                 <a:solidFill>
                   <a:srgbClr val="000000"/>
@@ -1547,7 +1590,7 @@
         <p:spPr>
           <a:xfrm>
             <a:off x="2698920" y="509760"/>
-            <a:ext cx="4530240" cy="2549160"/>
+            <a:ext cx="4529880" cy="2548800"/>
           </a:xfrm>
           <a:prstGeom prst="rect">
             <a:avLst/>
@@ -1570,7 +1613,7 @@
         <p:spPr>
           <a:xfrm>
             <a:off x="992520" y="3228120"/>
-            <a:ext cx="7943040" cy="3059280"/>
+            <a:ext cx="7942680" cy="3058920"/>
           </a:xfrm>
           <a:prstGeom prst="rect">
             <a:avLst/>
@@ -1612,7 +1655,7 @@
         <p:spPr>
           <a:xfrm>
             <a:off x="5622480" y="6456240"/>
-            <a:ext cx="4303080" cy="339840"/>
+            <a:ext cx="4302720" cy="339480"/>
           </a:xfrm>
           <a:prstGeom prst="rect">
             <a:avLst/>
@@ -1632,6 +1675,9 @@
                 <a:spcPct val="100000"/>
               </a:lnSpc>
               <a:buNone/>
+              <a:tabLst>
+                <a:tab algn="l" pos="0"/>
+              </a:tabLst>
               <a:defRPr b="0" lang="de-DE" sz="1200" strike="noStrike" u="none">
                 <a:solidFill>
                   <a:srgbClr val="000000"/>
@@ -1648,8 +1694,11 @@
                 <a:spcPct val="100000"/>
               </a:lnSpc>
               <a:buNone/>
-            </a:pPr>
-            <a:fld id="{DA10EDC7-5295-48B1-BBF2-8044016BB0B1}" type="slidenum">
+              <a:tabLst>
+                <a:tab algn="l" pos="0"/>
+              </a:tabLst>
+            </a:pPr>
+            <a:fld id="{C8A07335-6246-4DE7-9FED-E00D65BA8B2C}" type="slidenum">
               <a:rPr b="0" lang="de-DE" sz="1200" strike="noStrike" u="none">
                 <a:solidFill>
                   <a:srgbClr val="000000"/>
@@ -1706,7 +1755,7 @@
         <p:spPr>
           <a:xfrm>
             <a:off x="2698920" y="509760"/>
-            <a:ext cx="4530240" cy="2549160"/>
+            <a:ext cx="4529880" cy="2548800"/>
           </a:xfrm>
           <a:prstGeom prst="rect">
             <a:avLst/>
@@ -1729,7 +1778,7 @@
         <p:spPr>
           <a:xfrm>
             <a:off x="992520" y="3228120"/>
-            <a:ext cx="7943040" cy="3059280"/>
+            <a:ext cx="7942680" cy="3058920"/>
           </a:xfrm>
           <a:prstGeom prst="rect">
             <a:avLst/>
@@ -1771,7 +1820,7 @@
         <p:spPr>
           <a:xfrm>
             <a:off x="5622480" y="6456240"/>
-            <a:ext cx="4303080" cy="339840"/>
+            <a:ext cx="4302720" cy="339480"/>
           </a:xfrm>
           <a:prstGeom prst="rect">
             <a:avLst/>
@@ -1791,6 +1840,9 @@
                 <a:spcPct val="100000"/>
               </a:lnSpc>
               <a:buNone/>
+              <a:tabLst>
+                <a:tab algn="l" pos="0"/>
+              </a:tabLst>
               <a:defRPr b="0" lang="de-DE" sz="1200" strike="noStrike" u="none">
                 <a:solidFill>
                   <a:srgbClr val="000000"/>
@@ -1807,8 +1859,11 @@
                 <a:spcPct val="100000"/>
               </a:lnSpc>
               <a:buNone/>
-            </a:pPr>
-            <a:fld id="{5161E79A-F878-4923-9E0D-78AC18B050EF}" type="slidenum">
+              <a:tabLst>
+                <a:tab algn="l" pos="0"/>
+              </a:tabLst>
+            </a:pPr>
+            <a:fld id="{F417844D-7174-4D5E-A8AD-F94AB811D0EC}" type="slidenum">
               <a:rPr b="0" lang="de-DE" sz="1200" strike="noStrike" u="none">
                 <a:solidFill>
                   <a:srgbClr val="000000"/>
@@ -1865,7 +1920,7 @@
         <p:spPr>
           <a:xfrm>
             <a:off x="2698920" y="509760"/>
-            <a:ext cx="4530240" cy="2549160"/>
+            <a:ext cx="4529880" cy="2548800"/>
           </a:xfrm>
           <a:prstGeom prst="rect">
             <a:avLst/>
@@ -1888,7 +1943,7 @@
         <p:spPr>
           <a:xfrm>
             <a:off x="992520" y="3228120"/>
-            <a:ext cx="7943040" cy="3059280"/>
+            <a:ext cx="7942680" cy="3058920"/>
           </a:xfrm>
           <a:prstGeom prst="rect">
             <a:avLst/>
@@ -1930,7 +1985,7 @@
         <p:spPr>
           <a:xfrm>
             <a:off x="5622480" y="6456240"/>
-            <a:ext cx="4303080" cy="339840"/>
+            <a:ext cx="4302720" cy="339480"/>
           </a:xfrm>
           <a:prstGeom prst="rect">
             <a:avLst/>
@@ -1950,6 +2005,9 @@
                 <a:spcPct val="100000"/>
               </a:lnSpc>
               <a:buNone/>
+              <a:tabLst>
+                <a:tab algn="l" pos="0"/>
+              </a:tabLst>
               <a:defRPr b="0" lang="de-DE" sz="1200" strike="noStrike" u="none">
                 <a:solidFill>
                   <a:srgbClr val="000000"/>
@@ -1966,8 +2024,11 @@
                 <a:spcPct val="100000"/>
               </a:lnSpc>
               <a:buNone/>
-            </a:pPr>
-            <a:fld id="{6C15866C-22E7-46C5-804B-6A31906BE5EC}" type="slidenum">
+              <a:tabLst>
+                <a:tab algn="l" pos="0"/>
+              </a:tabLst>
+            </a:pPr>
+            <a:fld id="{E5375B9D-7088-4ECF-9877-0A20DE13762B}" type="slidenum">
               <a:rPr b="0" lang="de-DE" sz="1200" strike="noStrike" u="none">
                 <a:solidFill>
                   <a:srgbClr val="000000"/>
@@ -2024,7 +2085,7 @@
         <p:spPr>
           <a:xfrm>
             <a:off x="2698920" y="509760"/>
-            <a:ext cx="4530240" cy="2549160"/>
+            <a:ext cx="4529880" cy="2548800"/>
           </a:xfrm>
           <a:prstGeom prst="rect">
             <a:avLst/>
@@ -2047,7 +2108,7 @@
         <p:spPr>
           <a:xfrm>
             <a:off x="992520" y="3228120"/>
-            <a:ext cx="7943040" cy="3059280"/>
+            <a:ext cx="7942680" cy="3058920"/>
           </a:xfrm>
           <a:prstGeom prst="rect">
             <a:avLst/>
@@ -2089,7 +2150,7 @@
         <p:spPr>
           <a:xfrm>
             <a:off x="5622480" y="6456240"/>
-            <a:ext cx="4303080" cy="339840"/>
+            <a:ext cx="4302720" cy="339480"/>
           </a:xfrm>
           <a:prstGeom prst="rect">
             <a:avLst/>
@@ -2109,6 +2170,9 @@
                 <a:spcPct val="100000"/>
               </a:lnSpc>
               <a:buNone/>
+              <a:tabLst>
+                <a:tab algn="l" pos="0"/>
+              </a:tabLst>
               <a:defRPr b="0" lang="de-DE" sz="1200" strike="noStrike" u="none">
                 <a:solidFill>
                   <a:srgbClr val="000000"/>
@@ -2125,8 +2189,11 @@
                 <a:spcPct val="100000"/>
               </a:lnSpc>
               <a:buNone/>
-            </a:pPr>
-            <a:fld id="{87F07D6C-89ED-4BBB-8A05-BA22BAD36129}" type="slidenum">
+              <a:tabLst>
+                <a:tab algn="l" pos="0"/>
+              </a:tabLst>
+            </a:pPr>
+            <a:fld id="{BD05F5F3-2463-4DD5-BA72-A0A0997E6815}" type="slidenum">
               <a:rPr b="0" lang="de-DE" sz="1200" strike="noStrike" u="none">
                 <a:solidFill>
                   <a:srgbClr val="000000"/>
@@ -2183,7 +2250,7 @@
         <p:spPr>
           <a:xfrm>
             <a:off x="2698920" y="509760"/>
-            <a:ext cx="4530240" cy="2549160"/>
+            <a:ext cx="4529880" cy="2548800"/>
           </a:xfrm>
           <a:prstGeom prst="rect">
             <a:avLst/>
@@ -2206,7 +2273,7 @@
         <p:spPr>
           <a:xfrm>
             <a:off x="992520" y="3228120"/>
-            <a:ext cx="7943040" cy="3059280"/>
+            <a:ext cx="7942680" cy="3058920"/>
           </a:xfrm>
           <a:prstGeom prst="rect">
             <a:avLst/>
@@ -2248,7 +2315,7 @@
         <p:spPr>
           <a:xfrm>
             <a:off x="5622480" y="6456240"/>
-            <a:ext cx="4303080" cy="339840"/>
+            <a:ext cx="4302720" cy="339480"/>
           </a:xfrm>
           <a:prstGeom prst="rect">
             <a:avLst/>
@@ -2268,6 +2335,9 @@
                 <a:spcPct val="100000"/>
               </a:lnSpc>
               <a:buNone/>
+              <a:tabLst>
+                <a:tab algn="l" pos="0"/>
+              </a:tabLst>
               <a:defRPr b="0" lang="de-DE" sz="1200" strike="noStrike" u="none">
                 <a:solidFill>
                   <a:srgbClr val="000000"/>
@@ -2284,8 +2354,11 @@
                 <a:spcPct val="100000"/>
               </a:lnSpc>
               <a:buNone/>
-            </a:pPr>
-            <a:fld id="{500810F0-5461-4A9F-934A-0F7972D1920D}" type="slidenum">
+              <a:tabLst>
+                <a:tab algn="l" pos="0"/>
+              </a:tabLst>
+            </a:pPr>
+            <a:fld id="{EA1AFEE5-CBA3-4B02-916E-A81C19A9C424}" type="slidenum">
               <a:rPr b="0" lang="de-DE" sz="1200" strike="noStrike" u="none">
                 <a:solidFill>
                   <a:srgbClr val="000000"/>
@@ -2345,7 +2418,7 @@
         <p:spPr>
           <a:xfrm>
             <a:off x="0" y="0"/>
-            <a:ext cx="12191760" cy="1511640"/>
+            <a:ext cx="12191400" cy="1511280"/>
           </a:xfrm>
           <a:prstGeom prst="rect">
             <a:avLst/>
@@ -2407,7 +2480,7 @@
         <p:spPr>
           <a:xfrm>
             <a:off x="2061360" y="333360"/>
-            <a:ext cx="360" cy="827280"/>
+            <a:ext cx="720" cy="827640"/>
           </a:xfrm>
           <a:prstGeom prst="straightConnector1">
             <a:avLst/>
@@ -2435,7 +2508,7 @@
         <p:spPr>
           <a:xfrm>
             <a:off x="0" y="6525000"/>
-            <a:ext cx="12192120" cy="360"/>
+            <a:ext cx="12192480" cy="720"/>
           </a:xfrm>
           <a:prstGeom prst="straightConnector1">
             <a:avLst/>
@@ -2459,7 +2532,7 @@
         <p:spPr>
           <a:xfrm>
             <a:off x="192240" y="6525360"/>
-            <a:ext cx="5759640" cy="333720"/>
+            <a:ext cx="5759280" cy="333360"/>
           </a:xfrm>
           <a:prstGeom prst="rect">
             <a:avLst/>
@@ -2517,7 +2590,7 @@
         <p:spPr>
           <a:xfrm>
             <a:off x="8252640" y="6525360"/>
-            <a:ext cx="3747240" cy="333720"/>
+            <a:ext cx="3746880" cy="333360"/>
           </a:xfrm>
           <a:prstGeom prst="rect">
             <a:avLst/>
@@ -2579,7 +2652,7 @@
         <p:spPr>
           <a:xfrm>
             <a:off x="334800" y="333360"/>
-            <a:ext cx="1387800" cy="826560"/>
+            <a:ext cx="1387440" cy="826200"/>
           </a:xfrm>
           <a:prstGeom prst="rect">
             <a:avLst/>
@@ -2603,7 +2676,7 @@
         <p:spPr>
           <a:xfrm>
             <a:off x="2387520" y="266760"/>
-            <a:ext cx="9504000" cy="893520"/>
+            <a:ext cx="9503640" cy="893160"/>
           </a:xfrm>
           <a:prstGeom prst="rect">
             <a:avLst/>
@@ -2623,6 +2696,9 @@
                 <a:spcPct val="100000"/>
               </a:lnSpc>
               <a:buNone/>
+              <a:tabLst>
+                <a:tab algn="l" pos="0"/>
+              </a:tabLst>
             </a:pPr>
             <a:r>
               <a:rPr b="1" lang="en-US" sz="2800" strike="noStrike" u="none">
@@ -2638,7 +2714,7 @@
             </a:r>
             <a:endParaRPr b="0" lang="de-DE" sz="2800" strike="noStrike" u="none">
               <a:solidFill>
-                <a:schemeClr val="dk1"/>
+                <a:srgbClr val="000000"/>
               </a:solidFill>
               <a:effectLst/>
               <a:uFillTx/>
@@ -2660,7 +2736,7 @@
         <p:spPr>
           <a:xfrm>
             <a:off x="334800" y="1776240"/>
-            <a:ext cx="11556720" cy="448560"/>
+            <a:ext cx="11556360" cy="448200"/>
           </a:xfrm>
           <a:prstGeom prst="rect">
             <a:avLst/>
@@ -2701,7 +2777,7 @@
             </a:r>
             <a:endParaRPr b="0" lang="de-DE" sz="2400" strike="noStrike" u="none">
               <a:solidFill>
-                <a:schemeClr val="dk1"/>
+                <a:srgbClr val="000000"/>
               </a:solidFill>
               <a:effectLst/>
               <a:uFillTx/>
@@ -2723,7 +2799,7 @@
         <p:spPr>
           <a:xfrm>
             <a:off x="0" y="2421000"/>
-            <a:ext cx="12191760" cy="4096440"/>
+            <a:ext cx="12191400" cy="4096080"/>
           </a:xfrm>
           <a:prstGeom prst="rect">
             <a:avLst/>
@@ -2761,7 +2837,7 @@
             </a:r>
             <a:endParaRPr b="0" lang="de-DE" sz="2000" strike="noStrike" u="none">
               <a:solidFill>
-                <a:schemeClr val="dk1"/>
+                <a:srgbClr val="000000"/>
               </a:solidFill>
               <a:effectLst/>
               <a:uFillTx/>
@@ -2808,7 +2884,7 @@
         <p:spPr>
           <a:xfrm>
             <a:off x="0" y="360"/>
-            <a:ext cx="12191760" cy="764280"/>
+            <a:ext cx="12191400" cy="763920"/>
           </a:xfrm>
           <a:prstGeom prst="rect">
             <a:avLst/>
@@ -2870,12 +2946,12 @@
         <p:spPr>
           <a:xfrm>
             <a:off x="1166760" y="152640"/>
-            <a:ext cx="360" cy="468360"/>
+            <a:ext cx="720" cy="468720"/>
           </a:xfrm>
           <a:prstGeom prst="straightConnector1">
             <a:avLst/>
           </a:prstGeom>
-          <a:ln>
+          <a:ln w="0">
             <a:solidFill>
               <a:srgbClr val="ffffff"/>
             </a:solidFill>
@@ -2897,7 +2973,7 @@
         <p:spPr>
           <a:xfrm>
             <a:off x="0" y="6525000"/>
-            <a:ext cx="12192120" cy="360"/>
+            <a:ext cx="12192480" cy="720"/>
           </a:xfrm>
           <a:prstGeom prst="straightConnector1">
             <a:avLst/>
@@ -2908,6 +2984,7 @@
                 <a:alpha val="40000"/>
               </a:schemeClr>
             </a:solidFill>
+            <a:round/>
           </a:ln>
         </p:spPr>
       </p:cxnSp>
@@ -2920,7 +2997,7 @@
         <p:spPr>
           <a:xfrm>
             <a:off x="8252640" y="6525360"/>
-            <a:ext cx="3747240" cy="333720"/>
+            <a:ext cx="3746880" cy="333360"/>
           </a:xfrm>
           <a:prstGeom prst="rect">
             <a:avLst/>
@@ -2978,7 +3055,7 @@
         <p:spPr>
           <a:xfrm>
             <a:off x="4655880" y="6526800"/>
-            <a:ext cx="5592600" cy="332280"/>
+            <a:ext cx="5592240" cy="331920"/>
           </a:xfrm>
           <a:prstGeom prst="rect">
             <a:avLst/>
@@ -3004,7 +3081,7 @@
                 <a:spcPct val="100000"/>
               </a:lnSpc>
             </a:pPr>
-            <a:fld id="{5F0C1D1F-F5AA-476A-87E3-08047509905B}" type="slidenum">
+            <a:fld id="{7DD59880-AFE6-4AAA-8E3E-50839870C657}" type="slidenum">
               <a:rPr b="0" lang="de-DE" sz="1400" strike="noStrike" u="none">
                 <a:solidFill>
                   <a:schemeClr val="dk1"/>
@@ -3036,7 +3113,7 @@
         <p:spPr>
           <a:xfrm>
             <a:off x="192240" y="6525360"/>
-            <a:ext cx="5759640" cy="333720"/>
+            <a:ext cx="5759280" cy="333360"/>
           </a:xfrm>
           <a:prstGeom prst="rect">
             <a:avLst/>
@@ -3098,7 +3175,7 @@
         <p:spPr>
           <a:xfrm>
             <a:off x="192240" y="152280"/>
-            <a:ext cx="785160" cy="467640"/>
+            <a:ext cx="784800" cy="467280"/>
           </a:xfrm>
           <a:prstGeom prst="rect">
             <a:avLst/>
@@ -3122,7 +3199,7 @@
         <p:spPr>
           <a:xfrm>
             <a:off x="1343160" y="152280"/>
-            <a:ext cx="10656360" cy="468000"/>
+            <a:ext cx="10656000" cy="467640"/>
           </a:xfrm>
           <a:prstGeom prst="rect">
             <a:avLst/>
@@ -3142,6 +3219,9 @@
                 <a:spcPct val="90000"/>
               </a:lnSpc>
               <a:buNone/>
+              <a:tabLst>
+                <a:tab algn="l" pos="0"/>
+              </a:tabLst>
             </a:pPr>
             <a:r>
               <a:rPr b="1" lang="de-DE" sz="2800" strike="noStrike" u="none">
@@ -3157,7 +3237,7 @@
             </a:r>
             <a:endParaRPr b="0" lang="de-DE" sz="2800" strike="noStrike" u="none">
               <a:solidFill>
-                <a:schemeClr val="dk1"/>
+                <a:srgbClr val="000000"/>
               </a:solidFill>
               <a:effectLst/>
               <a:uFillTx/>
@@ -3179,7 +3259,7 @@
         <p:spPr>
           <a:xfrm>
             <a:off x="192240" y="907920"/>
-            <a:ext cx="11807640" cy="468000"/>
+            <a:ext cx="11807280" cy="467640"/>
           </a:xfrm>
           <a:prstGeom prst="rect">
             <a:avLst/>
@@ -3220,11 +3300,11 @@
             </a:r>
             <a:endParaRPr b="0" lang="de-DE" sz="2400" strike="noStrike" u="none">
               <a:solidFill>
-                <a:schemeClr val="dk1"/>
-              </a:solidFill>
-              <a:effectLst/>
-              <a:uFillTx/>
-              <a:latin typeface="Roboto"/>
+                <a:srgbClr val="000000"/>
+              </a:solidFill>
+              <a:effectLst/>
+              <a:uFillTx/>
+              <a:latin typeface="Arial"/>
             </a:endParaRPr>
           </a:p>
         </p:txBody>
@@ -3242,7 +3322,7 @@
         <p:spPr>
           <a:xfrm>
             <a:off x="192240" y="1376280"/>
-            <a:ext cx="3779640" cy="1907640"/>
+            <a:ext cx="3779280" cy="1907280"/>
           </a:xfrm>
           <a:prstGeom prst="rect">
             <a:avLst/>
@@ -3280,11 +3360,11 @@
             </a:r>
             <a:endParaRPr b="0" lang="de-DE" sz="2000" strike="noStrike" u="none">
               <a:solidFill>
-                <a:schemeClr val="dk1"/>
-              </a:solidFill>
-              <a:effectLst/>
-              <a:uFillTx/>
-              <a:latin typeface="Roboto"/>
+                <a:srgbClr val="000000"/>
+              </a:solidFill>
+              <a:effectLst/>
+              <a:uFillTx/>
+              <a:latin typeface="Arial"/>
             </a:endParaRPr>
           </a:p>
         </p:txBody>
@@ -3302,7 +3382,7 @@
         <p:spPr>
           <a:xfrm>
             <a:off x="192240" y="3497760"/>
-            <a:ext cx="3779640" cy="2847240"/>
+            <a:ext cx="3779280" cy="2846880"/>
           </a:xfrm>
           <a:prstGeom prst="rect">
             <a:avLst/>
@@ -3344,11 +3424,11 @@
             </a:r>
             <a:endParaRPr b="0" lang="de-DE" sz="2000" strike="noStrike" u="none">
               <a:solidFill>
-                <a:schemeClr val="dk1"/>
-              </a:solidFill>
-              <a:effectLst/>
-              <a:uFillTx/>
-              <a:latin typeface="Roboto"/>
+                <a:srgbClr val="000000"/>
+              </a:solidFill>
+              <a:effectLst/>
+              <a:uFillTx/>
+              <a:latin typeface="Arial"/>
             </a:endParaRPr>
           </a:p>
           <a:p>
@@ -3379,11 +3459,11 @@
             </a:r>
             <a:endParaRPr b="0" lang="de-DE" sz="2000" strike="noStrike" u="none">
               <a:solidFill>
-                <a:schemeClr val="dk1"/>
-              </a:solidFill>
-              <a:effectLst/>
-              <a:uFillTx/>
-              <a:latin typeface="Roboto"/>
+                <a:srgbClr val="000000"/>
+              </a:solidFill>
+              <a:effectLst/>
+              <a:uFillTx/>
+              <a:latin typeface="Arial"/>
             </a:endParaRPr>
           </a:p>
           <a:p>
@@ -3414,11 +3494,11 @@
             </a:r>
             <a:endParaRPr b="0" lang="de-DE" sz="2000" strike="noStrike" u="none">
               <a:solidFill>
-                <a:schemeClr val="dk1"/>
-              </a:solidFill>
-              <a:effectLst/>
-              <a:uFillTx/>
-              <a:latin typeface="Calibri"/>
+                <a:srgbClr val="000000"/>
+              </a:solidFill>
+              <a:effectLst/>
+              <a:uFillTx/>
+              <a:latin typeface="Arial"/>
             </a:endParaRPr>
           </a:p>
           <a:p>
@@ -3449,11 +3529,11 @@
             </a:r>
             <a:endParaRPr b="0" lang="de-DE" sz="2000" strike="noStrike" u="none">
               <a:solidFill>
-                <a:schemeClr val="dk1"/>
-              </a:solidFill>
-              <a:effectLst/>
-              <a:uFillTx/>
-              <a:latin typeface="Calibri"/>
+                <a:srgbClr val="000000"/>
+              </a:solidFill>
+              <a:effectLst/>
+              <a:uFillTx/>
+              <a:latin typeface="Arial"/>
             </a:endParaRPr>
           </a:p>
           <a:p>
@@ -3484,11 +3564,11 @@
             </a:r>
             <a:endParaRPr b="0" lang="de-DE" sz="2000" strike="noStrike" u="none">
               <a:solidFill>
-                <a:schemeClr val="dk1"/>
-              </a:solidFill>
-              <a:effectLst/>
-              <a:uFillTx/>
-              <a:latin typeface="Calibri"/>
+                <a:srgbClr val="000000"/>
+              </a:solidFill>
+              <a:effectLst/>
+              <a:uFillTx/>
+              <a:latin typeface="Arial"/>
             </a:endParaRPr>
           </a:p>
         </p:txBody>
@@ -3506,7 +3586,7 @@
         <p:spPr>
           <a:xfrm>
             <a:off x="4151880" y="1376280"/>
-            <a:ext cx="3852000" cy="1907640"/>
+            <a:ext cx="3851640" cy="1907280"/>
           </a:xfrm>
           <a:prstGeom prst="rect">
             <a:avLst/>
@@ -3544,11 +3624,11 @@
             </a:r>
             <a:endParaRPr b="0" lang="de-DE" sz="2000" strike="noStrike" u="none">
               <a:solidFill>
-                <a:schemeClr val="dk1"/>
-              </a:solidFill>
-              <a:effectLst/>
-              <a:uFillTx/>
-              <a:latin typeface="Roboto"/>
+                <a:srgbClr val="000000"/>
+              </a:solidFill>
+              <a:effectLst/>
+              <a:uFillTx/>
+              <a:latin typeface="Arial"/>
             </a:endParaRPr>
           </a:p>
         </p:txBody>
@@ -3566,7 +3646,7 @@
         <p:spPr>
           <a:xfrm>
             <a:off x="4151160" y="3497760"/>
-            <a:ext cx="3852360" cy="2847240"/>
+            <a:ext cx="3852000" cy="2846880"/>
           </a:xfrm>
           <a:prstGeom prst="rect">
             <a:avLst/>
@@ -3608,11 +3688,11 @@
             </a:r>
             <a:endParaRPr b="0" lang="de-DE" sz="2000" strike="noStrike" u="none">
               <a:solidFill>
-                <a:schemeClr val="dk1"/>
-              </a:solidFill>
-              <a:effectLst/>
-              <a:uFillTx/>
-              <a:latin typeface="Roboto"/>
+                <a:srgbClr val="000000"/>
+              </a:solidFill>
+              <a:effectLst/>
+              <a:uFillTx/>
+              <a:latin typeface="Arial"/>
             </a:endParaRPr>
           </a:p>
           <a:p>
@@ -3643,11 +3723,11 @@
             </a:r>
             <a:endParaRPr b="0" lang="de-DE" sz="2000" strike="noStrike" u="none">
               <a:solidFill>
-                <a:schemeClr val="dk1"/>
-              </a:solidFill>
-              <a:effectLst/>
-              <a:uFillTx/>
-              <a:latin typeface="Roboto"/>
+                <a:srgbClr val="000000"/>
+              </a:solidFill>
+              <a:effectLst/>
+              <a:uFillTx/>
+              <a:latin typeface="Arial"/>
             </a:endParaRPr>
           </a:p>
           <a:p>
@@ -3678,11 +3758,11 @@
             </a:r>
             <a:endParaRPr b="0" lang="de-DE" sz="2000" strike="noStrike" u="none">
               <a:solidFill>
-                <a:schemeClr val="dk1"/>
-              </a:solidFill>
-              <a:effectLst/>
-              <a:uFillTx/>
-              <a:latin typeface="Calibri"/>
+                <a:srgbClr val="000000"/>
+              </a:solidFill>
+              <a:effectLst/>
+              <a:uFillTx/>
+              <a:latin typeface="Arial"/>
             </a:endParaRPr>
           </a:p>
           <a:p>
@@ -3713,11 +3793,11 @@
             </a:r>
             <a:endParaRPr b="0" lang="de-DE" sz="2000" strike="noStrike" u="none">
               <a:solidFill>
-                <a:schemeClr val="dk1"/>
-              </a:solidFill>
-              <a:effectLst/>
-              <a:uFillTx/>
-              <a:latin typeface="Calibri"/>
+                <a:srgbClr val="000000"/>
+              </a:solidFill>
+              <a:effectLst/>
+              <a:uFillTx/>
+              <a:latin typeface="Arial"/>
             </a:endParaRPr>
           </a:p>
           <a:p>
@@ -3748,11 +3828,11 @@
             </a:r>
             <a:endParaRPr b="0" lang="de-DE" sz="2000" strike="noStrike" u="none">
               <a:solidFill>
-                <a:schemeClr val="dk1"/>
-              </a:solidFill>
-              <a:effectLst/>
-              <a:uFillTx/>
-              <a:latin typeface="Calibri"/>
+                <a:srgbClr val="000000"/>
+              </a:solidFill>
+              <a:effectLst/>
+              <a:uFillTx/>
+              <a:latin typeface="Arial"/>
             </a:endParaRPr>
           </a:p>
         </p:txBody>
@@ -3770,7 +3850,7 @@
         <p:spPr>
           <a:xfrm>
             <a:off x="8184240" y="1376280"/>
-            <a:ext cx="3815280" cy="1907640"/>
+            <a:ext cx="3814920" cy="1907280"/>
           </a:xfrm>
           <a:prstGeom prst="rect">
             <a:avLst/>
@@ -3808,11 +3888,11 @@
             </a:r>
             <a:endParaRPr b="0" lang="de-DE" sz="2000" strike="noStrike" u="none">
               <a:solidFill>
-                <a:schemeClr val="dk1"/>
-              </a:solidFill>
-              <a:effectLst/>
-              <a:uFillTx/>
-              <a:latin typeface="Roboto"/>
+                <a:srgbClr val="000000"/>
+              </a:solidFill>
+              <a:effectLst/>
+              <a:uFillTx/>
+              <a:latin typeface="Arial"/>
             </a:endParaRPr>
           </a:p>
         </p:txBody>
@@ -3830,7 +3910,7 @@
         <p:spPr>
           <a:xfrm>
             <a:off x="8183520" y="3497760"/>
-            <a:ext cx="3816000" cy="2847240"/>
+            <a:ext cx="3815640" cy="2846880"/>
           </a:xfrm>
           <a:prstGeom prst="rect">
             <a:avLst/>
@@ -3872,11 +3952,11 @@
             </a:r>
             <a:endParaRPr b="0" lang="de-DE" sz="2000" strike="noStrike" u="none">
               <a:solidFill>
-                <a:schemeClr val="dk1"/>
-              </a:solidFill>
-              <a:effectLst/>
-              <a:uFillTx/>
-              <a:latin typeface="Roboto"/>
+                <a:srgbClr val="000000"/>
+              </a:solidFill>
+              <a:effectLst/>
+              <a:uFillTx/>
+              <a:latin typeface="Arial"/>
             </a:endParaRPr>
           </a:p>
           <a:p>
@@ -3907,11 +3987,11 @@
             </a:r>
             <a:endParaRPr b="0" lang="de-DE" sz="2000" strike="noStrike" u="none">
               <a:solidFill>
-                <a:schemeClr val="dk1"/>
-              </a:solidFill>
-              <a:effectLst/>
-              <a:uFillTx/>
-              <a:latin typeface="Roboto"/>
+                <a:srgbClr val="000000"/>
+              </a:solidFill>
+              <a:effectLst/>
+              <a:uFillTx/>
+              <a:latin typeface="Arial"/>
             </a:endParaRPr>
           </a:p>
           <a:p>
@@ -3942,11 +4022,11 @@
             </a:r>
             <a:endParaRPr b="0" lang="de-DE" sz="2000" strike="noStrike" u="none">
               <a:solidFill>
-                <a:schemeClr val="dk1"/>
-              </a:solidFill>
-              <a:effectLst/>
-              <a:uFillTx/>
-              <a:latin typeface="Calibri"/>
+                <a:srgbClr val="000000"/>
+              </a:solidFill>
+              <a:effectLst/>
+              <a:uFillTx/>
+              <a:latin typeface="Arial"/>
             </a:endParaRPr>
           </a:p>
           <a:p>
@@ -3977,11 +4057,11 @@
             </a:r>
             <a:endParaRPr b="0" lang="de-DE" sz="2000" strike="noStrike" u="none">
               <a:solidFill>
-                <a:schemeClr val="dk1"/>
-              </a:solidFill>
-              <a:effectLst/>
-              <a:uFillTx/>
-              <a:latin typeface="Calibri"/>
+                <a:srgbClr val="000000"/>
+              </a:solidFill>
+              <a:effectLst/>
+              <a:uFillTx/>
+              <a:latin typeface="Arial"/>
             </a:endParaRPr>
           </a:p>
           <a:p>
@@ -4012,11 +4092,11 @@
             </a:r>
             <a:endParaRPr b="0" lang="de-DE" sz="2000" strike="noStrike" u="none">
               <a:solidFill>
-                <a:schemeClr val="dk1"/>
-              </a:solidFill>
-              <a:effectLst/>
-              <a:uFillTx/>
-              <a:latin typeface="Calibri"/>
+                <a:srgbClr val="000000"/>
+              </a:solidFill>
+              <a:effectLst/>
+              <a:uFillTx/>
+              <a:latin typeface="Arial"/>
             </a:endParaRPr>
           </a:p>
         </p:txBody>
@@ -4059,7 +4139,7 @@
         <p:spPr>
           <a:xfrm>
             <a:off x="0" y="0"/>
-            <a:ext cx="12191760" cy="1511640"/>
+            <a:ext cx="12191400" cy="1511280"/>
           </a:xfrm>
           <a:prstGeom prst="rect">
             <a:avLst/>
@@ -4121,7 +4201,7 @@
         <p:spPr>
           <a:xfrm>
             <a:off x="2061360" y="333360"/>
-            <a:ext cx="360" cy="827280"/>
+            <a:ext cx="720" cy="827640"/>
           </a:xfrm>
           <a:prstGeom prst="straightConnector1">
             <a:avLst/>
@@ -4149,7 +4229,7 @@
         <p:spPr>
           <a:xfrm>
             <a:off x="0" y="6525000"/>
-            <a:ext cx="12192120" cy="360"/>
+            <a:ext cx="12192480" cy="720"/>
           </a:xfrm>
           <a:prstGeom prst="straightConnector1">
             <a:avLst/>
@@ -4173,7 +4253,7 @@
         <p:spPr>
           <a:xfrm>
             <a:off x="192240" y="6525360"/>
-            <a:ext cx="5759640" cy="333720"/>
+            <a:ext cx="5759280" cy="333360"/>
           </a:xfrm>
           <a:prstGeom prst="rect">
             <a:avLst/>
@@ -4231,7 +4311,7 @@
         <p:spPr>
           <a:xfrm>
             <a:off x="8252640" y="6525360"/>
-            <a:ext cx="3747240" cy="333720"/>
+            <a:ext cx="3746880" cy="333360"/>
           </a:xfrm>
           <a:prstGeom prst="rect">
             <a:avLst/>
@@ -4293,7 +4373,7 @@
         <p:spPr>
           <a:xfrm>
             <a:off x="334800" y="333360"/>
-            <a:ext cx="1387800" cy="826560"/>
+            <a:ext cx="1387440" cy="826200"/>
           </a:xfrm>
           <a:prstGeom prst="rect">
             <a:avLst/>
@@ -4317,7 +4397,7 @@
         <p:spPr>
           <a:xfrm>
             <a:off x="2387520" y="266760"/>
-            <a:ext cx="9504000" cy="893520"/>
+            <a:ext cx="9503640" cy="893160"/>
           </a:xfrm>
           <a:prstGeom prst="rect">
             <a:avLst/>
@@ -4337,6 +4417,9 @@
                 <a:spcPct val="100000"/>
               </a:lnSpc>
               <a:buNone/>
+              <a:tabLst>
+                <a:tab algn="l" pos="0"/>
+              </a:tabLst>
             </a:pPr>
             <a:r>
               <a:rPr b="1" lang="en-US" sz="2800" strike="noStrike" u="none">
@@ -4352,7 +4435,7 @@
             </a:r>
             <a:endParaRPr b="0" lang="de-DE" sz="2800" strike="noStrike" u="none">
               <a:solidFill>
-                <a:schemeClr val="dk1"/>
+                <a:srgbClr val="000000"/>
               </a:solidFill>
               <a:effectLst/>
               <a:uFillTx/>
@@ -4374,7 +4457,7 @@
         <p:spPr>
           <a:xfrm>
             <a:off x="334800" y="1776240"/>
-            <a:ext cx="11556720" cy="448560"/>
+            <a:ext cx="11556360" cy="448200"/>
           </a:xfrm>
           <a:prstGeom prst="rect">
             <a:avLst/>
@@ -4415,7 +4498,7 @@
             </a:r>
             <a:endParaRPr b="0" lang="de-DE" sz="2400" strike="noStrike" u="none">
               <a:solidFill>
-                <a:schemeClr val="dk1"/>
+                <a:srgbClr val="000000"/>
               </a:solidFill>
               <a:effectLst/>
               <a:uFillTx/>
@@ -4437,7 +4520,7 @@
         <p:spPr>
           <a:xfrm>
             <a:off x="0" y="2421000"/>
-            <a:ext cx="2711160" cy="2440440"/>
+            <a:ext cx="2710800" cy="2440080"/>
           </a:xfrm>
           <a:prstGeom prst="rect">
             <a:avLst/>
@@ -4475,7 +4558,7 @@
             </a:r>
             <a:endParaRPr b="0" lang="de-DE" sz="2000" strike="noStrike" u="none">
               <a:solidFill>
-                <a:schemeClr val="dk1"/>
+                <a:srgbClr val="000000"/>
               </a:solidFill>
               <a:effectLst/>
               <a:uFillTx/>
@@ -4497,7 +4580,7 @@
         <p:spPr>
           <a:xfrm>
             <a:off x="2711520" y="2421000"/>
-            <a:ext cx="5224680" cy="2440440"/>
+            <a:ext cx="5224320" cy="2440080"/>
           </a:xfrm>
           <a:prstGeom prst="rect">
             <a:avLst/>
@@ -4535,7 +4618,7 @@
             </a:r>
             <a:endParaRPr b="0" lang="de-DE" sz="2000" strike="noStrike" u="none">
               <a:solidFill>
-                <a:schemeClr val="dk1"/>
+                <a:srgbClr val="000000"/>
               </a:solidFill>
               <a:effectLst/>
               <a:uFillTx/>
@@ -4557,7 +4640,7 @@
         <p:spPr>
           <a:xfrm>
             <a:off x="7940160" y="2421000"/>
-            <a:ext cx="4251600" cy="2440440"/>
+            <a:ext cx="4251240" cy="2440080"/>
           </a:xfrm>
           <a:prstGeom prst="rect">
             <a:avLst/>
@@ -4595,7 +4678,7 @@
             </a:r>
             <a:endParaRPr b="0" lang="de-DE" sz="2000" strike="noStrike" u="none">
               <a:solidFill>
-                <a:schemeClr val="dk1"/>
+                <a:srgbClr val="000000"/>
               </a:solidFill>
               <a:effectLst/>
               <a:uFillTx/>
@@ -4617,7 +4700,7 @@
         <p:spPr>
           <a:xfrm>
             <a:off x="334800" y="5200920"/>
-            <a:ext cx="1404720" cy="999360"/>
+            <a:ext cx="1404360" cy="999000"/>
           </a:xfrm>
           <a:prstGeom prst="rect">
             <a:avLst/>
@@ -4655,7 +4738,7 @@
             </a:r>
             <a:endParaRPr b="0" lang="de-DE" sz="2000" strike="noStrike" u="none">
               <a:solidFill>
-                <a:schemeClr val="dk1"/>
+                <a:srgbClr val="000000"/>
               </a:solidFill>
               <a:effectLst/>
               <a:uFillTx/>
@@ -4677,7 +4760,7 @@
         <p:spPr>
           <a:xfrm>
             <a:off x="2387520" y="5139360"/>
-            <a:ext cx="9504000" cy="1061280"/>
+            <a:ext cx="9503640" cy="1060920"/>
           </a:xfrm>
           <a:prstGeom prst="rect">
             <a:avLst/>
@@ -4718,7 +4801,7 @@
             </a:r>
             <a:endParaRPr b="0" lang="de-DE" sz="2000" strike="noStrike" u="none">
               <a:solidFill>
-                <a:schemeClr val="dk1"/>
+                <a:srgbClr val="000000"/>
               </a:solidFill>
               <a:effectLst/>
               <a:uFillTx/>
@@ -4765,7 +4848,7 @@
         <p:spPr>
           <a:xfrm>
             <a:off x="0" y="0"/>
-            <a:ext cx="12191760" cy="1511640"/>
+            <a:ext cx="12191400" cy="1511280"/>
           </a:xfrm>
           <a:prstGeom prst="rect">
             <a:avLst/>
@@ -4827,7 +4910,7 @@
         <p:spPr>
           <a:xfrm>
             <a:off x="2061360" y="333360"/>
-            <a:ext cx="360" cy="827280"/>
+            <a:ext cx="720" cy="827640"/>
           </a:xfrm>
           <a:prstGeom prst="straightConnector1">
             <a:avLst/>
@@ -4855,7 +4938,7 @@
         <p:spPr>
           <a:xfrm>
             <a:off x="0" y="6525000"/>
-            <a:ext cx="12192120" cy="360"/>
+            <a:ext cx="12192480" cy="720"/>
           </a:xfrm>
           <a:prstGeom prst="straightConnector1">
             <a:avLst/>
@@ -4879,7 +4962,7 @@
         <p:spPr>
           <a:xfrm>
             <a:off x="192240" y="6525360"/>
-            <a:ext cx="5759640" cy="333720"/>
+            <a:ext cx="5759280" cy="333360"/>
           </a:xfrm>
           <a:prstGeom prst="rect">
             <a:avLst/>
@@ -4937,7 +5020,7 @@
         <p:spPr>
           <a:xfrm>
             <a:off x="8252640" y="6525360"/>
-            <a:ext cx="3747240" cy="333720"/>
+            <a:ext cx="3746880" cy="333360"/>
           </a:xfrm>
           <a:prstGeom prst="rect">
             <a:avLst/>
@@ -4999,7 +5082,7 @@
         <p:spPr>
           <a:xfrm>
             <a:off x="334800" y="333360"/>
-            <a:ext cx="1387800" cy="826560"/>
+            <a:ext cx="1387440" cy="826200"/>
           </a:xfrm>
           <a:prstGeom prst="rect">
             <a:avLst/>
@@ -5023,7 +5106,7 @@
         <p:spPr>
           <a:xfrm>
             <a:off x="2387520" y="266760"/>
-            <a:ext cx="9504000" cy="893520"/>
+            <a:ext cx="9503640" cy="893160"/>
           </a:xfrm>
           <a:prstGeom prst="rect">
             <a:avLst/>
@@ -5043,6 +5126,9 @@
                 <a:spcPct val="100000"/>
               </a:lnSpc>
               <a:buNone/>
+              <a:tabLst>
+                <a:tab algn="l" pos="0"/>
+              </a:tabLst>
             </a:pPr>
             <a:r>
               <a:rPr b="1" lang="en-US" sz="2800" strike="noStrike" u="none">
@@ -5058,7 +5144,7 @@
             </a:r>
             <a:endParaRPr b="0" lang="de-DE" sz="2800" strike="noStrike" u="none">
               <a:solidFill>
-                <a:schemeClr val="dk1"/>
+                <a:srgbClr val="000000"/>
               </a:solidFill>
               <a:effectLst/>
               <a:uFillTx/>
@@ -5080,7 +5166,7 @@
         <p:spPr>
           <a:xfrm>
             <a:off x="334800" y="1844640"/>
-            <a:ext cx="1404720" cy="1380600"/>
+            <a:ext cx="1404360" cy="1380240"/>
           </a:xfrm>
           <a:prstGeom prst="rect">
             <a:avLst/>
@@ -5118,7 +5204,7 @@
             </a:r>
             <a:endParaRPr b="0" lang="de-DE" sz="2000" strike="noStrike" u="none">
               <a:solidFill>
-                <a:schemeClr val="dk1"/>
+                <a:srgbClr val="000000"/>
               </a:solidFill>
               <a:effectLst/>
               <a:uFillTx/>
@@ -5140,7 +5226,7 @@
         <p:spPr>
           <a:xfrm>
             <a:off x="2711520" y="1775520"/>
-            <a:ext cx="9180000" cy="517680"/>
+            <a:ext cx="9179640" cy="517320"/>
           </a:xfrm>
           <a:prstGeom prst="rect">
             <a:avLst/>
@@ -5181,7 +5267,7 @@
             </a:r>
             <a:endParaRPr b="0" lang="de-DE" sz="2400" strike="noStrike" u="none">
               <a:solidFill>
-                <a:schemeClr val="dk1"/>
+                <a:srgbClr val="000000"/>
               </a:solidFill>
               <a:effectLst/>
               <a:uFillTx/>
@@ -5203,7 +5289,7 @@
         <p:spPr>
           <a:xfrm>
             <a:off x="2711520" y="2421000"/>
-            <a:ext cx="9480240" cy="4096440"/>
+            <a:ext cx="9479880" cy="4096080"/>
           </a:xfrm>
           <a:prstGeom prst="rect">
             <a:avLst/>
@@ -5241,7 +5327,7 @@
             </a:r>
             <a:endParaRPr b="0" lang="de-DE" sz="2000" strike="noStrike" u="none">
               <a:solidFill>
-                <a:schemeClr val="dk1"/>
+                <a:srgbClr val="000000"/>
               </a:solidFill>
               <a:effectLst/>
               <a:uFillTx/>
@@ -5288,7 +5374,7 @@
         <p:spPr>
           <a:xfrm>
             <a:off x="0" y="0"/>
-            <a:ext cx="12191760" cy="1511640"/>
+            <a:ext cx="12191400" cy="1511280"/>
           </a:xfrm>
           <a:prstGeom prst="rect">
             <a:avLst/>
@@ -5350,7 +5436,7 @@
         <p:spPr>
           <a:xfrm>
             <a:off x="2061360" y="333360"/>
-            <a:ext cx="360" cy="827280"/>
+            <a:ext cx="720" cy="827640"/>
           </a:xfrm>
           <a:prstGeom prst="straightConnector1">
             <a:avLst/>
@@ -5378,7 +5464,7 @@
         <p:spPr>
           <a:xfrm>
             <a:off x="0" y="6525000"/>
-            <a:ext cx="12192120" cy="360"/>
+            <a:ext cx="12192480" cy="720"/>
           </a:xfrm>
           <a:prstGeom prst="straightConnector1">
             <a:avLst/>
@@ -5402,7 +5488,7 @@
         <p:spPr>
           <a:xfrm>
             <a:off x="192240" y="6525360"/>
-            <a:ext cx="5759640" cy="333720"/>
+            <a:ext cx="5759280" cy="333360"/>
           </a:xfrm>
           <a:prstGeom prst="rect">
             <a:avLst/>
@@ -5460,7 +5546,7 @@
         <p:spPr>
           <a:xfrm>
             <a:off x="8252640" y="6525360"/>
-            <a:ext cx="3747240" cy="333720"/>
+            <a:ext cx="3746880" cy="333360"/>
           </a:xfrm>
           <a:prstGeom prst="rect">
             <a:avLst/>
@@ -5522,7 +5608,7 @@
         <p:spPr>
           <a:xfrm>
             <a:off x="334800" y="333360"/>
-            <a:ext cx="1387800" cy="826560"/>
+            <a:ext cx="1387440" cy="826200"/>
           </a:xfrm>
           <a:prstGeom prst="rect">
             <a:avLst/>
@@ -5546,7 +5632,7 @@
         <p:spPr>
           <a:xfrm>
             <a:off x="2387520" y="266760"/>
-            <a:ext cx="9504000" cy="893520"/>
+            <a:ext cx="9503640" cy="893160"/>
           </a:xfrm>
           <a:prstGeom prst="rect">
             <a:avLst/>
@@ -5566,6 +5652,9 @@
                 <a:spcPct val="100000"/>
               </a:lnSpc>
               <a:buNone/>
+              <a:tabLst>
+                <a:tab algn="l" pos="0"/>
+              </a:tabLst>
             </a:pPr>
             <a:r>
               <a:rPr b="1" lang="en-US" sz="2800" strike="noStrike" u="none">
@@ -5581,7 +5670,7 @@
             </a:r>
             <a:endParaRPr b="0" lang="de-DE" sz="2800" strike="noStrike" u="none">
               <a:solidFill>
-                <a:schemeClr val="dk1"/>
+                <a:srgbClr val="000000"/>
               </a:solidFill>
               <a:effectLst/>
               <a:uFillTx/>
@@ -5603,7 +5692,7 @@
         <p:spPr>
           <a:xfrm>
             <a:off x="0" y="1484280"/>
-            <a:ext cx="3169440" cy="3186360"/>
+            <a:ext cx="3169080" cy="3186000"/>
           </a:xfrm>
           <a:prstGeom prst="rect">
             <a:avLst/>
@@ -5641,7 +5730,7 @@
             </a:r>
             <a:endParaRPr b="0" lang="de-DE" sz="2000" strike="noStrike" u="none">
               <a:solidFill>
-                <a:schemeClr val="dk1"/>
+                <a:srgbClr val="000000"/>
               </a:solidFill>
               <a:effectLst/>
               <a:uFillTx/>
@@ -5663,7 +5752,7 @@
         <p:spPr>
           <a:xfrm>
             <a:off x="3177720" y="1484280"/>
-            <a:ext cx="4929840" cy="3186360"/>
+            <a:ext cx="4929480" cy="3186000"/>
           </a:xfrm>
           <a:prstGeom prst="rect">
             <a:avLst/>
@@ -5701,7 +5790,7 @@
             </a:r>
             <a:endParaRPr b="0" lang="de-DE" sz="2000" strike="noStrike" u="none">
               <a:solidFill>
-                <a:schemeClr val="dk1"/>
+                <a:srgbClr val="000000"/>
               </a:solidFill>
               <a:effectLst/>
               <a:uFillTx/>
@@ -5723,7 +5812,7 @@
         <p:spPr>
           <a:xfrm>
             <a:off x="8115480" y="1484280"/>
-            <a:ext cx="4076280" cy="3186360"/>
+            <a:ext cx="4075920" cy="3186000"/>
           </a:xfrm>
           <a:prstGeom prst="rect">
             <a:avLst/>
@@ -5761,7 +5850,7 @@
             </a:r>
             <a:endParaRPr b="0" lang="de-DE" sz="2000" strike="noStrike" u="none">
               <a:solidFill>
-                <a:schemeClr val="dk1"/>
+                <a:srgbClr val="000000"/>
               </a:solidFill>
               <a:effectLst/>
               <a:uFillTx/>
@@ -5783,7 +5872,7 @@
         <p:spPr>
           <a:xfrm>
             <a:off x="334800" y="4938480"/>
-            <a:ext cx="11556720" cy="1262160"/>
+            <a:ext cx="11556360" cy="1261800"/>
           </a:xfrm>
           <a:prstGeom prst="rect">
             <a:avLst/>
@@ -5824,7 +5913,7 @@
             </a:r>
             <a:endParaRPr b="0" lang="de-DE" sz="2400" strike="noStrike" u="none">
               <a:solidFill>
-                <a:schemeClr val="dk1"/>
+                <a:srgbClr val="000000"/>
               </a:solidFill>
               <a:effectLst/>
               <a:uFillTx/>
@@ -5871,7 +5960,7 @@
         <p:spPr>
           <a:xfrm>
             <a:off x="0" y="360"/>
-            <a:ext cx="12191760" cy="764280"/>
+            <a:ext cx="12191400" cy="763920"/>
           </a:xfrm>
           <a:prstGeom prst="rect">
             <a:avLst/>
@@ -5933,12 +6022,12 @@
         <p:spPr>
           <a:xfrm>
             <a:off x="1166760" y="152640"/>
-            <a:ext cx="360" cy="468360"/>
+            <a:ext cx="720" cy="468720"/>
           </a:xfrm>
           <a:prstGeom prst="straightConnector1">
             <a:avLst/>
           </a:prstGeom>
-          <a:ln>
+          <a:ln w="0">
             <a:solidFill>
               <a:srgbClr val="ffffff"/>
             </a:solidFill>
@@ -5960,7 +6049,7 @@
         <p:spPr>
           <a:xfrm>
             <a:off x="0" y="6525000"/>
-            <a:ext cx="12192120" cy="360"/>
+            <a:ext cx="12192480" cy="720"/>
           </a:xfrm>
           <a:prstGeom prst="straightConnector1">
             <a:avLst/>
@@ -5971,6 +6060,7 @@
                 <a:alpha val="40000"/>
               </a:schemeClr>
             </a:solidFill>
+            <a:round/>
           </a:ln>
         </p:spPr>
       </p:cxnSp>
@@ -5983,7 +6073,7 @@
         <p:spPr>
           <a:xfrm>
             <a:off x="8252640" y="6525360"/>
-            <a:ext cx="3747240" cy="333720"/>
+            <a:ext cx="3746880" cy="333360"/>
           </a:xfrm>
           <a:prstGeom prst="rect">
             <a:avLst/>
@@ -6041,7 +6131,7 @@
         <p:spPr>
           <a:xfrm>
             <a:off x="4655880" y="6526800"/>
-            <a:ext cx="5592600" cy="332280"/>
+            <a:ext cx="5592240" cy="331920"/>
           </a:xfrm>
           <a:prstGeom prst="rect">
             <a:avLst/>
@@ -6067,7 +6157,7 @@
                 <a:spcPct val="100000"/>
               </a:lnSpc>
             </a:pPr>
-            <a:fld id="{CA113CE7-CF0C-4EDF-A6C2-619AF645687B}" type="slidenum">
+            <a:fld id="{9B3233E1-13D6-494B-912D-A0B441BA9CB5}" type="slidenum">
               <a:rPr b="0" lang="de-DE" sz="1400" strike="noStrike" u="none">
                 <a:solidFill>
                   <a:schemeClr val="dk1"/>
@@ -6099,7 +6189,7 @@
         <p:spPr>
           <a:xfrm>
             <a:off x="192240" y="6525360"/>
-            <a:ext cx="5759640" cy="333720"/>
+            <a:ext cx="5759280" cy="333360"/>
           </a:xfrm>
           <a:prstGeom prst="rect">
             <a:avLst/>
@@ -6161,7 +6251,7 @@
         <p:spPr>
           <a:xfrm>
             <a:off x="192240" y="152280"/>
-            <a:ext cx="785160" cy="467640"/>
+            <a:ext cx="784800" cy="467280"/>
           </a:xfrm>
           <a:prstGeom prst="rect">
             <a:avLst/>
@@ -6185,7 +6275,7 @@
         <p:spPr>
           <a:xfrm>
             <a:off x="1343160" y="152280"/>
-            <a:ext cx="10656360" cy="468000"/>
+            <a:ext cx="10656000" cy="467640"/>
           </a:xfrm>
           <a:prstGeom prst="rect">
             <a:avLst/>
@@ -6205,6 +6295,9 @@
                 <a:spcPct val="90000"/>
               </a:lnSpc>
               <a:buNone/>
+              <a:tabLst>
+                <a:tab algn="l" pos="0"/>
+              </a:tabLst>
             </a:pPr>
             <a:r>
               <a:rPr b="1" lang="de-DE" sz="2800" strike="noStrike" u="none">
@@ -6220,7 +6313,7 @@
             </a:r>
             <a:endParaRPr b="0" lang="de-DE" sz="2800" strike="noStrike" u="none">
               <a:solidFill>
-                <a:schemeClr val="dk1"/>
+                <a:srgbClr val="000000"/>
               </a:solidFill>
               <a:effectLst/>
               <a:uFillTx/>
@@ -6242,7 +6335,7 @@
         <p:spPr>
           <a:xfrm>
             <a:off x="192240" y="907920"/>
-            <a:ext cx="11807640" cy="928080"/>
+            <a:ext cx="11807280" cy="927720"/>
           </a:xfrm>
           <a:prstGeom prst="rect">
             <a:avLst/>
@@ -6283,11 +6376,11 @@
             </a:r>
             <a:endParaRPr b="0" lang="de-DE" sz="2400" strike="noStrike" u="none">
               <a:solidFill>
-                <a:schemeClr val="dk1"/>
-              </a:solidFill>
-              <a:effectLst/>
-              <a:uFillTx/>
-              <a:latin typeface="Roboto"/>
+                <a:srgbClr val="000000"/>
+              </a:solidFill>
+              <a:effectLst/>
+              <a:uFillTx/>
+              <a:latin typeface="Arial"/>
             </a:endParaRPr>
           </a:p>
         </p:txBody>
@@ -6305,7 +6398,7 @@
         <p:spPr>
           <a:xfrm>
             <a:off x="192240" y="1996560"/>
-            <a:ext cx="11807640" cy="4348440"/>
+            <a:ext cx="11807280" cy="4348080"/>
           </a:xfrm>
           <a:prstGeom prst="rect">
             <a:avLst/>
@@ -6347,11 +6440,11 @@
             </a:r>
             <a:endParaRPr b="0" lang="de-DE" sz="2000" strike="noStrike" u="none">
               <a:solidFill>
-                <a:schemeClr val="dk1"/>
-              </a:solidFill>
-              <a:effectLst/>
-              <a:uFillTx/>
-              <a:latin typeface="Roboto"/>
+                <a:srgbClr val="000000"/>
+              </a:solidFill>
+              <a:effectLst/>
+              <a:uFillTx/>
+              <a:latin typeface="Arial"/>
             </a:endParaRPr>
           </a:p>
           <a:p>
@@ -6382,11 +6475,11 @@
             </a:r>
             <a:endParaRPr b="0" lang="de-DE" sz="2000" strike="noStrike" u="none">
               <a:solidFill>
-                <a:schemeClr val="dk1"/>
-              </a:solidFill>
-              <a:effectLst/>
-              <a:uFillTx/>
-              <a:latin typeface="Roboto"/>
+                <a:srgbClr val="000000"/>
+              </a:solidFill>
+              <a:effectLst/>
+              <a:uFillTx/>
+              <a:latin typeface="Arial"/>
             </a:endParaRPr>
           </a:p>
           <a:p>
@@ -6417,11 +6510,11 @@
             </a:r>
             <a:endParaRPr b="0" lang="de-DE" sz="2000" strike="noStrike" u="none">
               <a:solidFill>
-                <a:schemeClr val="dk1"/>
-              </a:solidFill>
-              <a:effectLst/>
-              <a:uFillTx/>
-              <a:latin typeface="Calibri"/>
+                <a:srgbClr val="000000"/>
+              </a:solidFill>
+              <a:effectLst/>
+              <a:uFillTx/>
+              <a:latin typeface="Arial"/>
             </a:endParaRPr>
           </a:p>
           <a:p>
@@ -6452,11 +6545,11 @@
             </a:r>
             <a:endParaRPr b="0" lang="de-DE" sz="2000" strike="noStrike" u="none">
               <a:solidFill>
-                <a:schemeClr val="dk1"/>
-              </a:solidFill>
-              <a:effectLst/>
-              <a:uFillTx/>
-              <a:latin typeface="Calibri"/>
+                <a:srgbClr val="000000"/>
+              </a:solidFill>
+              <a:effectLst/>
+              <a:uFillTx/>
+              <a:latin typeface="Arial"/>
             </a:endParaRPr>
           </a:p>
           <a:p>
@@ -6487,11 +6580,11 @@
             </a:r>
             <a:endParaRPr b="0" lang="de-DE" sz="2000" strike="noStrike" u="none">
               <a:solidFill>
-                <a:schemeClr val="dk1"/>
-              </a:solidFill>
-              <a:effectLst/>
-              <a:uFillTx/>
-              <a:latin typeface="Calibri"/>
+                <a:srgbClr val="000000"/>
+              </a:solidFill>
+              <a:effectLst/>
+              <a:uFillTx/>
+              <a:latin typeface="Arial"/>
             </a:endParaRPr>
           </a:p>
         </p:txBody>
@@ -6534,7 +6627,7 @@
         <p:spPr>
           <a:xfrm>
             <a:off x="0" y="360"/>
-            <a:ext cx="12191760" cy="764280"/>
+            <a:ext cx="12191400" cy="763920"/>
           </a:xfrm>
           <a:prstGeom prst="rect">
             <a:avLst/>
@@ -6596,12 +6689,12 @@
         <p:spPr>
           <a:xfrm>
             <a:off x="1166760" y="152640"/>
-            <a:ext cx="360" cy="468360"/>
+            <a:ext cx="720" cy="468720"/>
           </a:xfrm>
           <a:prstGeom prst="straightConnector1">
             <a:avLst/>
           </a:prstGeom>
-          <a:ln>
+          <a:ln w="0">
             <a:solidFill>
               <a:srgbClr val="ffffff"/>
             </a:solidFill>
@@ -6623,7 +6716,7 @@
         <p:spPr>
           <a:xfrm>
             <a:off x="0" y="6525000"/>
-            <a:ext cx="12192120" cy="360"/>
+            <a:ext cx="12192480" cy="720"/>
           </a:xfrm>
           <a:prstGeom prst="straightConnector1">
             <a:avLst/>
@@ -6634,6 +6727,7 @@
                 <a:alpha val="40000"/>
               </a:schemeClr>
             </a:solidFill>
+            <a:round/>
           </a:ln>
         </p:spPr>
       </p:cxnSp>
@@ -6646,7 +6740,7 @@
         <p:spPr>
           <a:xfrm>
             <a:off x="8252640" y="6525360"/>
-            <a:ext cx="3747240" cy="333720"/>
+            <a:ext cx="3746880" cy="333360"/>
           </a:xfrm>
           <a:prstGeom prst="rect">
             <a:avLst/>
@@ -6704,7 +6798,7 @@
         <p:spPr>
           <a:xfrm>
             <a:off x="4655880" y="6526800"/>
-            <a:ext cx="5592600" cy="332280"/>
+            <a:ext cx="5592240" cy="331920"/>
           </a:xfrm>
           <a:prstGeom prst="rect">
             <a:avLst/>
@@ -6730,7 +6824,7 @@
                 <a:spcPct val="100000"/>
               </a:lnSpc>
             </a:pPr>
-            <a:fld id="{3BB8DDFC-A21A-4AF4-B570-4CC6A0B04AE5}" type="slidenum">
+            <a:fld id="{C87D6DEF-A79F-41B0-B729-DD4C4C3530F4}" type="slidenum">
               <a:rPr b="0" lang="de-DE" sz="1400" strike="noStrike" u="none">
                 <a:solidFill>
                   <a:schemeClr val="dk1"/>
@@ -6762,7 +6856,7 @@
         <p:spPr>
           <a:xfrm>
             <a:off x="192240" y="6525360"/>
-            <a:ext cx="5759640" cy="333720"/>
+            <a:ext cx="5759280" cy="333360"/>
           </a:xfrm>
           <a:prstGeom prst="rect">
             <a:avLst/>
@@ -6824,7 +6918,7 @@
         <p:spPr>
           <a:xfrm>
             <a:off x="192240" y="152280"/>
-            <a:ext cx="785160" cy="467640"/>
+            <a:ext cx="784800" cy="467280"/>
           </a:xfrm>
           <a:prstGeom prst="rect">
             <a:avLst/>
@@ -6848,7 +6942,7 @@
         <p:spPr>
           <a:xfrm>
             <a:off x="1343160" y="152280"/>
-            <a:ext cx="10656360" cy="468000"/>
+            <a:ext cx="10656000" cy="467640"/>
           </a:xfrm>
           <a:prstGeom prst="rect">
             <a:avLst/>
@@ -6868,6 +6962,9 @@
                 <a:spcPct val="90000"/>
               </a:lnSpc>
               <a:buNone/>
+              <a:tabLst>
+                <a:tab algn="l" pos="0"/>
+              </a:tabLst>
             </a:pPr>
             <a:r>
               <a:rPr b="1" lang="de-DE" sz="2800" strike="noStrike" u="none">
@@ -6883,7 +6980,7 @@
             </a:r>
             <a:endParaRPr b="0" lang="de-DE" sz="2800" strike="noStrike" u="none">
               <a:solidFill>
-                <a:schemeClr val="dk1"/>
+                <a:srgbClr val="000000"/>
               </a:solidFill>
               <a:effectLst/>
               <a:uFillTx/>
@@ -6905,7 +7002,7 @@
         <p:spPr>
           <a:xfrm>
             <a:off x="192240" y="907920"/>
-            <a:ext cx="11807640" cy="928080"/>
+            <a:ext cx="11807280" cy="927720"/>
           </a:xfrm>
           <a:prstGeom prst="rect">
             <a:avLst/>
@@ -6946,11 +7043,11 @@
             </a:r>
             <a:endParaRPr b="0" lang="de-DE" sz="2400" strike="noStrike" u="none">
               <a:solidFill>
-                <a:schemeClr val="dk1"/>
-              </a:solidFill>
-              <a:effectLst/>
-              <a:uFillTx/>
-              <a:latin typeface="Roboto"/>
+                <a:srgbClr val="000000"/>
+              </a:solidFill>
+              <a:effectLst/>
+              <a:uFillTx/>
+              <a:latin typeface="Arial"/>
             </a:endParaRPr>
           </a:p>
         </p:txBody>
@@ -6968,7 +7065,7 @@
         <p:spPr>
           <a:xfrm>
             <a:off x="192240" y="2060640"/>
-            <a:ext cx="5795640" cy="4284360"/>
+            <a:ext cx="5795280" cy="4284000"/>
           </a:xfrm>
           <a:prstGeom prst="rect">
             <a:avLst/>
@@ -7006,11 +7103,11 @@
             </a:r>
             <a:endParaRPr b="0" lang="de-DE" sz="2000" strike="noStrike" u="none">
               <a:solidFill>
-                <a:schemeClr val="dk1"/>
-              </a:solidFill>
-              <a:effectLst/>
-              <a:uFillTx/>
-              <a:latin typeface="Roboto"/>
+                <a:srgbClr val="000000"/>
+              </a:solidFill>
+              <a:effectLst/>
+              <a:uFillTx/>
+              <a:latin typeface="Arial"/>
             </a:endParaRPr>
           </a:p>
         </p:txBody>
@@ -7028,7 +7125,7 @@
         <p:spPr>
           <a:xfrm>
             <a:off x="6203880" y="2060640"/>
-            <a:ext cx="5795640" cy="4284360"/>
+            <a:ext cx="5795280" cy="4284000"/>
           </a:xfrm>
           <a:prstGeom prst="rect">
             <a:avLst/>
@@ -7070,11 +7167,11 @@
             </a:r>
             <a:endParaRPr b="0" lang="de-DE" sz="2800" strike="noStrike" u="none">
               <a:solidFill>
-                <a:schemeClr val="dk1"/>
-              </a:solidFill>
-              <a:effectLst/>
-              <a:uFillTx/>
-              <a:latin typeface="Roboto"/>
+                <a:srgbClr val="000000"/>
+              </a:solidFill>
+              <a:effectLst/>
+              <a:uFillTx/>
+              <a:latin typeface="Arial"/>
             </a:endParaRPr>
           </a:p>
           <a:p>
@@ -7105,11 +7202,11 @@
             </a:r>
             <a:endParaRPr b="0" lang="de-DE" sz="2400" strike="noStrike" u="none">
               <a:solidFill>
-                <a:schemeClr val="dk1"/>
-              </a:solidFill>
-              <a:effectLst/>
-              <a:uFillTx/>
-              <a:latin typeface="Roboto"/>
+                <a:srgbClr val="000000"/>
+              </a:solidFill>
+              <a:effectLst/>
+              <a:uFillTx/>
+              <a:latin typeface="Arial"/>
             </a:endParaRPr>
           </a:p>
           <a:p>
@@ -7140,11 +7237,11 @@
             </a:r>
             <a:endParaRPr b="0" lang="de-DE" sz="2000" strike="noStrike" u="none">
               <a:solidFill>
-                <a:schemeClr val="dk1"/>
-              </a:solidFill>
-              <a:effectLst/>
-              <a:uFillTx/>
-              <a:latin typeface="Calibri"/>
+                <a:srgbClr val="000000"/>
+              </a:solidFill>
+              <a:effectLst/>
+              <a:uFillTx/>
+              <a:latin typeface="Arial"/>
             </a:endParaRPr>
           </a:p>
           <a:p>
@@ -7175,11 +7272,11 @@
             </a:r>
             <a:endParaRPr b="0" lang="de-DE" sz="2000" strike="noStrike" u="none">
               <a:solidFill>
-                <a:schemeClr val="dk1"/>
-              </a:solidFill>
-              <a:effectLst/>
-              <a:uFillTx/>
-              <a:latin typeface="Calibri"/>
+                <a:srgbClr val="000000"/>
+              </a:solidFill>
+              <a:effectLst/>
+              <a:uFillTx/>
+              <a:latin typeface="Arial"/>
             </a:endParaRPr>
           </a:p>
           <a:p>
@@ -7210,11 +7307,11 @@
             </a:r>
             <a:endParaRPr b="0" lang="de-DE" sz="2000" strike="noStrike" u="none">
               <a:solidFill>
-                <a:schemeClr val="dk1"/>
-              </a:solidFill>
-              <a:effectLst/>
-              <a:uFillTx/>
-              <a:latin typeface="Calibri"/>
+                <a:srgbClr val="000000"/>
+              </a:solidFill>
+              <a:effectLst/>
+              <a:uFillTx/>
+              <a:latin typeface="Arial"/>
             </a:endParaRPr>
           </a:p>
         </p:txBody>
@@ -7257,7 +7354,7 @@
         <p:spPr>
           <a:xfrm>
             <a:off x="0" y="360"/>
-            <a:ext cx="12191760" cy="764280"/>
+            <a:ext cx="12191400" cy="763920"/>
           </a:xfrm>
           <a:prstGeom prst="rect">
             <a:avLst/>
@@ -7319,12 +7416,12 @@
         <p:spPr>
           <a:xfrm>
             <a:off x="1166760" y="152640"/>
-            <a:ext cx="360" cy="468360"/>
+            <a:ext cx="720" cy="468720"/>
           </a:xfrm>
           <a:prstGeom prst="straightConnector1">
             <a:avLst/>
           </a:prstGeom>
-          <a:ln>
+          <a:ln w="0">
             <a:solidFill>
               <a:srgbClr val="ffffff"/>
             </a:solidFill>
@@ -7346,7 +7443,7 @@
         <p:spPr>
           <a:xfrm>
             <a:off x="0" y="6525000"/>
-            <a:ext cx="12192120" cy="360"/>
+            <a:ext cx="12192480" cy="720"/>
           </a:xfrm>
           <a:prstGeom prst="straightConnector1">
             <a:avLst/>
@@ -7357,6 +7454,7 @@
                 <a:alpha val="40000"/>
               </a:schemeClr>
             </a:solidFill>
+            <a:round/>
           </a:ln>
         </p:spPr>
       </p:cxnSp>
@@ -7369,7 +7467,7 @@
         <p:spPr>
           <a:xfrm>
             <a:off x="8252640" y="6525360"/>
-            <a:ext cx="3747240" cy="333720"/>
+            <a:ext cx="3746880" cy="333360"/>
           </a:xfrm>
           <a:prstGeom prst="rect">
             <a:avLst/>
@@ -7427,7 +7525,7 @@
         <p:spPr>
           <a:xfrm>
             <a:off x="4655880" y="6526800"/>
-            <a:ext cx="5592600" cy="332280"/>
+            <a:ext cx="5592240" cy="331920"/>
           </a:xfrm>
           <a:prstGeom prst="rect">
             <a:avLst/>
@@ -7453,7 +7551,7 @@
                 <a:spcPct val="100000"/>
               </a:lnSpc>
             </a:pPr>
-            <a:fld id="{6BB520C7-5AA3-4CED-AFD5-2626C53F3D73}" type="slidenum">
+            <a:fld id="{539A8E66-CDB3-41E4-8098-8945B78335CE}" type="slidenum">
               <a:rPr b="0" lang="de-DE" sz="1400" strike="noStrike" u="none">
                 <a:solidFill>
                   <a:schemeClr val="dk1"/>
@@ -7485,7 +7583,7 @@
         <p:spPr>
           <a:xfrm>
             <a:off x="192240" y="6525360"/>
-            <a:ext cx="5759640" cy="333720"/>
+            <a:ext cx="5759280" cy="333360"/>
           </a:xfrm>
           <a:prstGeom prst="rect">
             <a:avLst/>
@@ -7547,7 +7645,7 @@
         <p:spPr>
           <a:xfrm>
             <a:off x="192240" y="152280"/>
-            <a:ext cx="785160" cy="467640"/>
+            <a:ext cx="784800" cy="467280"/>
           </a:xfrm>
           <a:prstGeom prst="rect">
             <a:avLst/>
@@ -7571,7 +7669,7 @@
         <p:spPr>
           <a:xfrm>
             <a:off x="1343160" y="152280"/>
-            <a:ext cx="10656360" cy="468000"/>
+            <a:ext cx="10656000" cy="467640"/>
           </a:xfrm>
           <a:prstGeom prst="rect">
             <a:avLst/>
@@ -7591,6 +7689,9 @@
                 <a:spcPct val="90000"/>
               </a:lnSpc>
               <a:buNone/>
+              <a:tabLst>
+                <a:tab algn="l" pos="0"/>
+              </a:tabLst>
             </a:pPr>
             <a:r>
               <a:rPr b="1" lang="de-DE" sz="2800" strike="noStrike" u="none">
@@ -7606,7 +7707,7 @@
             </a:r>
             <a:endParaRPr b="0" lang="de-DE" sz="2800" strike="noStrike" u="none">
               <a:solidFill>
-                <a:schemeClr val="dk1"/>
+                <a:srgbClr val="000000"/>
               </a:solidFill>
               <a:effectLst/>
               <a:uFillTx/>
@@ -7628,7 +7729,7 @@
         <p:spPr>
           <a:xfrm>
             <a:off x="192240" y="907920"/>
-            <a:ext cx="11807640" cy="928080"/>
+            <a:ext cx="11807280" cy="927720"/>
           </a:xfrm>
           <a:prstGeom prst="rect">
             <a:avLst/>
@@ -7669,11 +7770,11 @@
             </a:r>
             <a:endParaRPr b="0" lang="de-DE" sz="2400" strike="noStrike" u="none">
               <a:solidFill>
-                <a:schemeClr val="dk1"/>
-              </a:solidFill>
-              <a:effectLst/>
-              <a:uFillTx/>
-              <a:latin typeface="Roboto"/>
+                <a:srgbClr val="000000"/>
+              </a:solidFill>
+              <a:effectLst/>
+              <a:uFillTx/>
+              <a:latin typeface="Arial"/>
             </a:endParaRPr>
           </a:p>
         </p:txBody>
@@ -7691,7 +7792,7 @@
         <p:spPr>
           <a:xfrm>
             <a:off x="192240" y="2060640"/>
-            <a:ext cx="5795640" cy="2366280"/>
+            <a:ext cx="5795280" cy="2365920"/>
           </a:xfrm>
           <a:prstGeom prst="rect">
             <a:avLst/>
@@ -7729,11 +7830,11 @@
             </a:r>
             <a:endParaRPr b="0" lang="de-DE" sz="2000" strike="noStrike" u="none">
               <a:solidFill>
-                <a:schemeClr val="dk1"/>
-              </a:solidFill>
-              <a:effectLst/>
-              <a:uFillTx/>
-              <a:latin typeface="Roboto"/>
+                <a:srgbClr val="000000"/>
+              </a:solidFill>
+              <a:effectLst/>
+              <a:uFillTx/>
+              <a:latin typeface="Arial"/>
             </a:endParaRPr>
           </a:p>
         </p:txBody>
@@ -7751,7 +7852,7 @@
         <p:spPr>
           <a:xfrm>
             <a:off x="192240" y="4618800"/>
-            <a:ext cx="5795640" cy="1726200"/>
+            <a:ext cx="5795280" cy="1725840"/>
           </a:xfrm>
           <a:prstGeom prst="rect">
             <a:avLst/>
@@ -7793,11 +7894,11 @@
             </a:r>
             <a:endParaRPr b="0" lang="de-DE" sz="2400" strike="noStrike" u="none">
               <a:solidFill>
-                <a:schemeClr val="dk1"/>
-              </a:solidFill>
-              <a:effectLst/>
-              <a:uFillTx/>
-              <a:latin typeface="Roboto"/>
+                <a:srgbClr val="000000"/>
+              </a:solidFill>
+              <a:effectLst/>
+              <a:uFillTx/>
+              <a:latin typeface="Arial"/>
             </a:endParaRPr>
           </a:p>
           <a:p>
@@ -7828,11 +7929,11 @@
             </a:r>
             <a:endParaRPr b="0" lang="de-DE" sz="2000" strike="noStrike" u="none">
               <a:solidFill>
-                <a:schemeClr val="dk1"/>
-              </a:solidFill>
-              <a:effectLst/>
-              <a:uFillTx/>
-              <a:latin typeface="Roboto"/>
+                <a:srgbClr val="000000"/>
+              </a:solidFill>
+              <a:effectLst/>
+              <a:uFillTx/>
+              <a:latin typeface="Arial"/>
             </a:endParaRPr>
           </a:p>
         </p:txBody>
@@ -7850,7 +7951,7 @@
         <p:spPr>
           <a:xfrm>
             <a:off x="6203880" y="2060640"/>
-            <a:ext cx="5795640" cy="2366280"/>
+            <a:ext cx="5795280" cy="2365920"/>
           </a:xfrm>
           <a:prstGeom prst="rect">
             <a:avLst/>
@@ -7888,11 +7989,11 @@
             </a:r>
             <a:endParaRPr b="0" lang="de-DE" sz="2000" strike="noStrike" u="none">
               <a:solidFill>
-                <a:schemeClr val="dk1"/>
-              </a:solidFill>
-              <a:effectLst/>
-              <a:uFillTx/>
-              <a:latin typeface="Roboto"/>
+                <a:srgbClr val="000000"/>
+              </a:solidFill>
+              <a:effectLst/>
+              <a:uFillTx/>
+              <a:latin typeface="Arial"/>
             </a:endParaRPr>
           </a:p>
         </p:txBody>
@@ -7910,7 +8011,7 @@
         <p:spPr>
           <a:xfrm>
             <a:off x="6203880" y="4618800"/>
-            <a:ext cx="5795640" cy="1726200"/>
+            <a:ext cx="5795280" cy="1725840"/>
           </a:xfrm>
           <a:prstGeom prst="rect">
             <a:avLst/>
@@ -7952,11 +8053,11 @@
             </a:r>
             <a:endParaRPr b="0" lang="de-DE" sz="2000" strike="noStrike" u="none">
               <a:solidFill>
-                <a:schemeClr val="dk1"/>
-              </a:solidFill>
-              <a:effectLst/>
-              <a:uFillTx/>
-              <a:latin typeface="Roboto"/>
+                <a:srgbClr val="000000"/>
+              </a:solidFill>
+              <a:effectLst/>
+              <a:uFillTx/>
+              <a:latin typeface="Arial"/>
             </a:endParaRPr>
           </a:p>
           <a:p>
@@ -7987,11 +8088,11 @@
             </a:r>
             <a:endParaRPr b="0" lang="de-DE" sz="2000" strike="noStrike" u="none">
               <a:solidFill>
-                <a:schemeClr val="dk1"/>
-              </a:solidFill>
-              <a:effectLst/>
-              <a:uFillTx/>
-              <a:latin typeface="Roboto"/>
+                <a:srgbClr val="000000"/>
+              </a:solidFill>
+              <a:effectLst/>
+              <a:uFillTx/>
+              <a:latin typeface="Arial"/>
             </a:endParaRPr>
           </a:p>
         </p:txBody>
@@ -8034,7 +8135,7 @@
         <p:spPr>
           <a:xfrm>
             <a:off x="0" y="360"/>
-            <a:ext cx="12191760" cy="764280"/>
+            <a:ext cx="12191400" cy="763920"/>
           </a:xfrm>
           <a:prstGeom prst="rect">
             <a:avLst/>
@@ -8096,12 +8197,12 @@
         <p:spPr>
           <a:xfrm>
             <a:off x="1166760" y="152640"/>
-            <a:ext cx="360" cy="468360"/>
+            <a:ext cx="720" cy="468720"/>
           </a:xfrm>
           <a:prstGeom prst="straightConnector1">
             <a:avLst/>
           </a:prstGeom>
-          <a:ln>
+          <a:ln w="0">
             <a:solidFill>
               <a:srgbClr val="ffffff"/>
             </a:solidFill>
@@ -8123,7 +8224,7 @@
         <p:spPr>
           <a:xfrm>
             <a:off x="0" y="6525000"/>
-            <a:ext cx="12192120" cy="360"/>
+            <a:ext cx="12192480" cy="720"/>
           </a:xfrm>
           <a:prstGeom prst="straightConnector1">
             <a:avLst/>
@@ -8134,6 +8235,7 @@
                 <a:alpha val="40000"/>
               </a:schemeClr>
             </a:solidFill>
+            <a:round/>
           </a:ln>
         </p:spPr>
       </p:cxnSp>
@@ -8146,7 +8248,7 @@
         <p:spPr>
           <a:xfrm>
             <a:off x="8252640" y="6525360"/>
-            <a:ext cx="3747240" cy="333720"/>
+            <a:ext cx="3746880" cy="333360"/>
           </a:xfrm>
           <a:prstGeom prst="rect">
             <a:avLst/>
@@ -8204,7 +8306,7 @@
         <p:spPr>
           <a:xfrm>
             <a:off x="4655880" y="6526800"/>
-            <a:ext cx="5592600" cy="332280"/>
+            <a:ext cx="5592240" cy="331920"/>
           </a:xfrm>
           <a:prstGeom prst="rect">
             <a:avLst/>
@@ -8230,7 +8332,7 @@
                 <a:spcPct val="100000"/>
               </a:lnSpc>
             </a:pPr>
-            <a:fld id="{CEB886EC-A8DF-4A28-B5DA-8E223DFFB2BB}" type="slidenum">
+            <a:fld id="{97FE8BCE-4A73-4830-8219-ACC4BD7A0F31}" type="slidenum">
               <a:rPr b="0" lang="de-DE" sz="1400" strike="noStrike" u="none">
                 <a:solidFill>
                   <a:schemeClr val="dk1"/>
@@ -8262,7 +8364,7 @@
         <p:spPr>
           <a:xfrm>
             <a:off x="192240" y="6525360"/>
-            <a:ext cx="5759640" cy="333720"/>
+            <a:ext cx="5759280" cy="333360"/>
           </a:xfrm>
           <a:prstGeom prst="rect">
             <a:avLst/>
@@ -8324,7 +8426,7 @@
         <p:spPr>
           <a:xfrm>
             <a:off x="192240" y="152280"/>
-            <a:ext cx="785160" cy="467640"/>
+            <a:ext cx="784800" cy="467280"/>
           </a:xfrm>
           <a:prstGeom prst="rect">
             <a:avLst/>
@@ -8348,7 +8450,7 @@
         <p:spPr>
           <a:xfrm>
             <a:off x="1343160" y="152280"/>
-            <a:ext cx="10656360" cy="468000"/>
+            <a:ext cx="10656000" cy="467640"/>
           </a:xfrm>
           <a:prstGeom prst="rect">
             <a:avLst/>
@@ -8368,6 +8470,9 @@
                 <a:spcPct val="90000"/>
               </a:lnSpc>
               <a:buNone/>
+              <a:tabLst>
+                <a:tab algn="l" pos="0"/>
+              </a:tabLst>
             </a:pPr>
             <a:r>
               <a:rPr b="1" lang="de-DE" sz="2800" strike="noStrike" u="none">
@@ -8383,7 +8488,7 @@
             </a:r>
             <a:endParaRPr b="0" lang="de-DE" sz="2800" strike="noStrike" u="none">
               <a:solidFill>
-                <a:schemeClr val="dk1"/>
+                <a:srgbClr val="000000"/>
               </a:solidFill>
               <a:effectLst/>
               <a:uFillTx/>
@@ -8405,7 +8510,7 @@
         <p:spPr>
           <a:xfrm>
             <a:off x="192240" y="907920"/>
-            <a:ext cx="11807640" cy="928080"/>
+            <a:ext cx="11807280" cy="927720"/>
           </a:xfrm>
           <a:prstGeom prst="rect">
             <a:avLst/>
@@ -8446,11 +8551,11 @@
             </a:r>
             <a:endParaRPr b="0" lang="de-DE" sz="2400" strike="noStrike" u="none">
               <a:solidFill>
-                <a:schemeClr val="dk1"/>
-              </a:solidFill>
-              <a:effectLst/>
-              <a:uFillTx/>
-              <a:latin typeface="Roboto"/>
+                <a:srgbClr val="000000"/>
+              </a:solidFill>
+              <a:effectLst/>
+              <a:uFillTx/>
+              <a:latin typeface="Arial"/>
             </a:endParaRPr>
           </a:p>
         </p:txBody>
@@ -8468,7 +8573,7 @@
         <p:spPr>
           <a:xfrm>
             <a:off x="192240" y="2060640"/>
-            <a:ext cx="3708000" cy="4284360"/>
+            <a:ext cx="3707640" cy="4284000"/>
           </a:xfrm>
           <a:prstGeom prst="rect">
             <a:avLst/>
@@ -8506,11 +8611,11 @@
             </a:r>
             <a:endParaRPr b="0" lang="de-DE" sz="2000" strike="noStrike" u="none">
               <a:solidFill>
-                <a:schemeClr val="dk1"/>
-              </a:solidFill>
-              <a:effectLst/>
-              <a:uFillTx/>
-              <a:latin typeface="Roboto"/>
+                <a:srgbClr val="000000"/>
+              </a:solidFill>
+              <a:effectLst/>
+              <a:uFillTx/>
+              <a:latin typeface="Arial"/>
             </a:endParaRPr>
           </a:p>
         </p:txBody>
@@ -8528,7 +8633,7 @@
         <p:spPr>
           <a:xfrm>
             <a:off x="4116240" y="2060640"/>
-            <a:ext cx="7883280" cy="4284360"/>
+            <a:ext cx="7882920" cy="4284000"/>
           </a:xfrm>
           <a:prstGeom prst="rect">
             <a:avLst/>
@@ -8570,11 +8675,11 @@
             </a:r>
             <a:endParaRPr b="0" lang="de-DE" sz="2000" strike="noStrike" u="none">
               <a:solidFill>
-                <a:schemeClr val="dk1"/>
-              </a:solidFill>
-              <a:effectLst/>
-              <a:uFillTx/>
-              <a:latin typeface="Roboto"/>
+                <a:srgbClr val="000000"/>
+              </a:solidFill>
+              <a:effectLst/>
+              <a:uFillTx/>
+              <a:latin typeface="Arial"/>
             </a:endParaRPr>
           </a:p>
           <a:p>
@@ -8605,11 +8710,11 @@
             </a:r>
             <a:endParaRPr b="0" lang="de-DE" sz="2000" strike="noStrike" u="none">
               <a:solidFill>
-                <a:schemeClr val="dk1"/>
-              </a:solidFill>
-              <a:effectLst/>
-              <a:uFillTx/>
-              <a:latin typeface="Roboto"/>
+                <a:srgbClr val="000000"/>
+              </a:solidFill>
+              <a:effectLst/>
+              <a:uFillTx/>
+              <a:latin typeface="Arial"/>
             </a:endParaRPr>
           </a:p>
           <a:p>
@@ -8640,11 +8745,11 @@
             </a:r>
             <a:endParaRPr b="0" lang="de-DE" sz="2000" strike="noStrike" u="none">
               <a:solidFill>
-                <a:schemeClr val="dk1"/>
-              </a:solidFill>
-              <a:effectLst/>
-              <a:uFillTx/>
-              <a:latin typeface="Calibri"/>
+                <a:srgbClr val="000000"/>
+              </a:solidFill>
+              <a:effectLst/>
+              <a:uFillTx/>
+              <a:latin typeface="Arial"/>
             </a:endParaRPr>
           </a:p>
           <a:p>
@@ -8675,11 +8780,11 @@
             </a:r>
             <a:endParaRPr b="0" lang="de-DE" sz="2000" strike="noStrike" u="none">
               <a:solidFill>
-                <a:schemeClr val="dk1"/>
-              </a:solidFill>
-              <a:effectLst/>
-              <a:uFillTx/>
-              <a:latin typeface="Calibri"/>
+                <a:srgbClr val="000000"/>
+              </a:solidFill>
+              <a:effectLst/>
+              <a:uFillTx/>
+              <a:latin typeface="Arial"/>
             </a:endParaRPr>
           </a:p>
           <a:p>
@@ -8710,11 +8815,11 @@
             </a:r>
             <a:endParaRPr b="0" lang="de-DE" sz="2000" strike="noStrike" u="none">
               <a:solidFill>
-                <a:schemeClr val="dk1"/>
-              </a:solidFill>
-              <a:effectLst/>
-              <a:uFillTx/>
-              <a:latin typeface="Calibri"/>
+                <a:srgbClr val="000000"/>
+              </a:solidFill>
+              <a:effectLst/>
+              <a:uFillTx/>
+              <a:latin typeface="Arial"/>
             </a:endParaRPr>
           </a:p>
         </p:txBody>
@@ -8757,7 +8862,7 @@
         <p:spPr>
           <a:xfrm>
             <a:off x="0" y="360"/>
-            <a:ext cx="12191760" cy="764280"/>
+            <a:ext cx="12191400" cy="763920"/>
           </a:xfrm>
           <a:prstGeom prst="rect">
             <a:avLst/>
@@ -8819,12 +8924,12 @@
         <p:spPr>
           <a:xfrm>
             <a:off x="1166760" y="152640"/>
-            <a:ext cx="360" cy="468360"/>
+            <a:ext cx="720" cy="468720"/>
           </a:xfrm>
           <a:prstGeom prst="straightConnector1">
             <a:avLst/>
           </a:prstGeom>
-          <a:ln>
+          <a:ln w="0">
             <a:solidFill>
               <a:srgbClr val="ffffff"/>
             </a:solidFill>
@@ -8846,7 +8951,7 @@
         <p:spPr>
           <a:xfrm>
             <a:off x="0" y="6525000"/>
-            <a:ext cx="12192120" cy="360"/>
+            <a:ext cx="12192480" cy="720"/>
           </a:xfrm>
           <a:prstGeom prst="straightConnector1">
             <a:avLst/>
@@ -8857,6 +8962,7 @@
                 <a:alpha val="40000"/>
               </a:schemeClr>
             </a:solidFill>
+            <a:round/>
           </a:ln>
         </p:spPr>
       </p:cxnSp>
@@ -8869,7 +8975,7 @@
         <p:spPr>
           <a:xfrm>
             <a:off x="8252640" y="6525360"/>
-            <a:ext cx="3747240" cy="333720"/>
+            <a:ext cx="3746880" cy="333360"/>
           </a:xfrm>
           <a:prstGeom prst="rect">
             <a:avLst/>
@@ -8927,7 +9033,7 @@
         <p:spPr>
           <a:xfrm>
             <a:off x="4655880" y="6526800"/>
-            <a:ext cx="5592600" cy="332280"/>
+            <a:ext cx="5592240" cy="331920"/>
           </a:xfrm>
           <a:prstGeom prst="rect">
             <a:avLst/>
@@ -8953,7 +9059,7 @@
                 <a:spcPct val="100000"/>
               </a:lnSpc>
             </a:pPr>
-            <a:fld id="{F60EEA85-63FA-4241-9426-72587749E5F5}" type="slidenum">
+            <a:fld id="{6EA2CE39-33FE-4CFE-92DE-CC87098E9290}" type="slidenum">
               <a:rPr b="0" lang="de-DE" sz="1400" strike="noStrike" u="none">
                 <a:solidFill>
                   <a:schemeClr val="dk1"/>
@@ -8985,7 +9091,7 @@
         <p:spPr>
           <a:xfrm>
             <a:off x="192240" y="6525360"/>
-            <a:ext cx="5759640" cy="333720"/>
+            <a:ext cx="5759280" cy="333360"/>
           </a:xfrm>
           <a:prstGeom prst="rect">
             <a:avLst/>
@@ -9047,7 +9153,7 @@
         <p:spPr>
           <a:xfrm>
             <a:off x="192240" y="152280"/>
-            <a:ext cx="785160" cy="467640"/>
+            <a:ext cx="784800" cy="467280"/>
           </a:xfrm>
           <a:prstGeom prst="rect">
             <a:avLst/>
@@ -9071,7 +9177,7 @@
         <p:spPr>
           <a:xfrm>
             <a:off x="1343160" y="152280"/>
-            <a:ext cx="10656360" cy="468000"/>
+            <a:ext cx="10656000" cy="467640"/>
           </a:xfrm>
           <a:prstGeom prst="rect">
             <a:avLst/>
@@ -9091,6 +9197,9 @@
                 <a:spcPct val="90000"/>
               </a:lnSpc>
               <a:buNone/>
+              <a:tabLst>
+                <a:tab algn="l" pos="0"/>
+              </a:tabLst>
             </a:pPr>
             <a:r>
               <a:rPr b="1" lang="de-DE" sz="2800" strike="noStrike" u="none">
@@ -9106,7 +9215,7 @@
             </a:r>
             <a:endParaRPr b="0" lang="de-DE" sz="2800" strike="noStrike" u="none">
               <a:solidFill>
-                <a:schemeClr val="dk1"/>
+                <a:srgbClr val="000000"/>
               </a:solidFill>
               <a:effectLst/>
               <a:uFillTx/>
@@ -9128,7 +9237,7 @@
         <p:spPr>
           <a:xfrm>
             <a:off x="192240" y="907920"/>
-            <a:ext cx="790200" cy="928080"/>
+            <a:ext cx="789840" cy="927720"/>
           </a:xfrm>
           <a:prstGeom prst="rect">
             <a:avLst/>
@@ -9166,11 +9275,11 @@
             </a:r>
             <a:endParaRPr b="0" lang="de-DE" sz="2000" strike="noStrike" u="none">
               <a:solidFill>
-                <a:schemeClr val="dk1"/>
-              </a:solidFill>
-              <a:effectLst/>
-              <a:uFillTx/>
-              <a:latin typeface="Roboto"/>
+                <a:srgbClr val="000000"/>
+              </a:solidFill>
+              <a:effectLst/>
+              <a:uFillTx/>
+              <a:latin typeface="Arial"/>
             </a:endParaRPr>
           </a:p>
         </p:txBody>
@@ -9188,7 +9297,7 @@
         <p:spPr>
           <a:xfrm>
             <a:off x="1558800" y="907920"/>
-            <a:ext cx="10440720" cy="928080"/>
+            <a:ext cx="10440360" cy="927720"/>
           </a:xfrm>
           <a:prstGeom prst="rect">
             <a:avLst/>
@@ -9229,11 +9338,11 @@
             </a:r>
             <a:endParaRPr b="0" lang="de-DE" sz="2400" strike="noStrike" u="none">
               <a:solidFill>
-                <a:schemeClr val="dk1"/>
-              </a:solidFill>
-              <a:effectLst/>
-              <a:uFillTx/>
-              <a:latin typeface="Roboto"/>
+                <a:srgbClr val="000000"/>
+              </a:solidFill>
+              <a:effectLst/>
+              <a:uFillTx/>
+              <a:latin typeface="Arial"/>
             </a:endParaRPr>
           </a:p>
         </p:txBody>
@@ -9251,7 +9360,7 @@
         <p:spPr>
           <a:xfrm>
             <a:off x="1558800" y="1996560"/>
-            <a:ext cx="10440720" cy="4348440"/>
+            <a:ext cx="10440360" cy="4348080"/>
           </a:xfrm>
           <a:prstGeom prst="rect">
             <a:avLst/>
@@ -9293,11 +9402,11 @@
             </a:r>
             <a:endParaRPr b="0" lang="de-DE" sz="2800" strike="noStrike" u="none">
               <a:solidFill>
-                <a:schemeClr val="dk1"/>
-              </a:solidFill>
-              <a:effectLst/>
-              <a:uFillTx/>
-              <a:latin typeface="Roboto"/>
+                <a:srgbClr val="000000"/>
+              </a:solidFill>
+              <a:effectLst/>
+              <a:uFillTx/>
+              <a:latin typeface="Arial"/>
             </a:endParaRPr>
           </a:p>
           <a:p>
@@ -9328,11 +9437,11 @@
             </a:r>
             <a:endParaRPr b="0" lang="de-DE" sz="2400" strike="noStrike" u="none">
               <a:solidFill>
-                <a:schemeClr val="dk1"/>
-              </a:solidFill>
-              <a:effectLst/>
-              <a:uFillTx/>
-              <a:latin typeface="Roboto"/>
+                <a:srgbClr val="000000"/>
+              </a:solidFill>
+              <a:effectLst/>
+              <a:uFillTx/>
+              <a:latin typeface="Arial"/>
             </a:endParaRPr>
           </a:p>
           <a:p>
@@ -9363,11 +9472,11 @@
             </a:r>
             <a:endParaRPr b="0" lang="de-DE" sz="2000" strike="noStrike" u="none">
               <a:solidFill>
-                <a:schemeClr val="dk1"/>
-              </a:solidFill>
-              <a:effectLst/>
-              <a:uFillTx/>
-              <a:latin typeface="Calibri"/>
+                <a:srgbClr val="000000"/>
+              </a:solidFill>
+              <a:effectLst/>
+              <a:uFillTx/>
+              <a:latin typeface="Arial"/>
             </a:endParaRPr>
           </a:p>
           <a:p>
@@ -9398,11 +9507,11 @@
             </a:r>
             <a:endParaRPr b="0" lang="de-DE" sz="2000" strike="noStrike" u="none">
               <a:solidFill>
-                <a:schemeClr val="dk1"/>
-              </a:solidFill>
-              <a:effectLst/>
-              <a:uFillTx/>
-              <a:latin typeface="Calibri"/>
+                <a:srgbClr val="000000"/>
+              </a:solidFill>
+              <a:effectLst/>
+              <a:uFillTx/>
+              <a:latin typeface="Arial"/>
             </a:endParaRPr>
           </a:p>
           <a:p>
@@ -9433,11 +9542,11 @@
             </a:r>
             <a:endParaRPr b="0" lang="de-DE" sz="2000" strike="noStrike" u="none">
               <a:solidFill>
-                <a:schemeClr val="dk1"/>
-              </a:solidFill>
-              <a:effectLst/>
-              <a:uFillTx/>
-              <a:latin typeface="Calibri"/>
+                <a:srgbClr val="000000"/>
+              </a:solidFill>
+              <a:effectLst/>
+              <a:uFillTx/>
+              <a:latin typeface="Arial"/>
             </a:endParaRPr>
           </a:p>
         </p:txBody>
@@ -9537,7 +9646,7 @@
         <p:spPr>
           <a:xfrm>
             <a:off x="2387520" y="266760"/>
-            <a:ext cx="9504000" cy="893520"/>
+            <a:ext cx="9503640" cy="893160"/>
           </a:xfrm>
           <a:prstGeom prst="rect">
             <a:avLst/>
@@ -9557,6 +9666,9 @@
                 <a:spcPct val="100000"/>
               </a:lnSpc>
               <a:buNone/>
+              <a:tabLst>
+                <a:tab algn="l" pos="0"/>
+              </a:tabLst>
             </a:pPr>
             <a:r>
               <a:rPr b="1" lang="en-US" sz="2800" strike="noStrike" u="none">
@@ -9581,7 +9693,7 @@
             </a:br>
             <a:endParaRPr b="0" lang="de-DE" sz="2800" strike="noStrike" u="none">
               <a:solidFill>
-                <a:schemeClr val="dk1"/>
+                <a:srgbClr val="000000"/>
               </a:solidFill>
               <a:effectLst/>
               <a:uFillTx/>
@@ -9603,7 +9715,7 @@
         <p:spPr>
           <a:xfrm>
             <a:off x="334800" y="1776240"/>
-            <a:ext cx="11677680" cy="1143000"/>
+            <a:ext cx="11677320" cy="1142640"/>
           </a:xfrm>
           <a:prstGeom prst="rect">
             <a:avLst/>
@@ -9644,7 +9756,7 @@
             </a:r>
             <a:endParaRPr b="0" lang="de-DE" sz="2400" strike="noStrike" u="none">
               <a:solidFill>
-                <a:schemeClr val="dk1"/>
+                <a:srgbClr val="000000"/>
               </a:solidFill>
               <a:effectLst/>
               <a:uFillTx/>
@@ -9678,7 +9790,7 @@
             </a:r>
             <a:endParaRPr b="0" lang="de-DE" sz="2400" strike="noStrike" u="none">
               <a:solidFill>
-                <a:schemeClr val="dk1"/>
+                <a:srgbClr val="000000"/>
               </a:solidFill>
               <a:effectLst/>
               <a:uFillTx/>
@@ -9696,7 +9808,7 @@
         <p:spPr>
           <a:xfrm>
             <a:off x="889200" y="2927880"/>
-            <a:ext cx="4135320" cy="3171600"/>
+            <a:ext cx="4134960" cy="3171240"/>
           </a:xfrm>
           <a:prstGeom prst="rect">
             <a:avLst/>
@@ -9938,7 +10050,7 @@
         <p:spPr>
           <a:xfrm>
             <a:off x="1343160" y="152280"/>
-            <a:ext cx="10656360" cy="468000"/>
+            <a:ext cx="10656000" cy="467640"/>
           </a:xfrm>
           <a:prstGeom prst="rect">
             <a:avLst/>
@@ -9958,6 +10070,9 @@
                 <a:spcPct val="90000"/>
               </a:lnSpc>
               <a:buNone/>
+              <a:tabLst>
+                <a:tab algn="l" pos="0"/>
+              </a:tabLst>
             </a:pPr>
             <a:r>
               <a:rPr b="1" lang="en-US" sz="2800" strike="noStrike" u="none">
@@ -9973,7 +10088,7 @@
             </a:r>
             <a:endParaRPr b="0" lang="de-DE" sz="2800" strike="noStrike" u="none">
               <a:solidFill>
-                <a:schemeClr val="dk1"/>
+                <a:srgbClr val="000000"/>
               </a:solidFill>
               <a:effectLst/>
               <a:uFillTx/>
@@ -9991,7 +10106,7 @@
         <p:spPr>
           <a:xfrm>
             <a:off x="192240" y="907920"/>
-            <a:ext cx="3319200" cy="323640"/>
+            <a:ext cx="3318840" cy="323280"/>
           </a:xfrm>
           <a:prstGeom prst="rect">
             <a:avLst/>
@@ -10060,7 +10175,7 @@
         <p:spPr>
           <a:xfrm>
             <a:off x="4277520" y="910800"/>
-            <a:ext cx="3319200" cy="323640"/>
+            <a:ext cx="3318840" cy="323280"/>
           </a:xfrm>
           <a:prstGeom prst="rect">
             <a:avLst/>
@@ -10129,7 +10244,7 @@
         <p:spPr>
           <a:xfrm>
             <a:off x="8680320" y="907920"/>
-            <a:ext cx="3319200" cy="323640"/>
+            <a:ext cx="3318840" cy="323280"/>
           </a:xfrm>
           <a:prstGeom prst="rect">
             <a:avLst/>
@@ -10198,7 +10313,7 @@
         <p:spPr>
           <a:xfrm>
             <a:off x="192240" y="1370520"/>
-            <a:ext cx="1374840" cy="323640"/>
+            <a:ext cx="1374480" cy="323280"/>
           </a:xfrm>
           <a:prstGeom prst="rect">
             <a:avLst/>
@@ -10267,7 +10382,7 @@
         <p:spPr>
           <a:xfrm>
             <a:off x="1903320" y="1370520"/>
-            <a:ext cx="10097640" cy="791640"/>
+            <a:ext cx="10097280" cy="791280"/>
           </a:xfrm>
           <a:prstGeom prst="rect">
             <a:avLst/>
@@ -10347,7 +10462,7 @@
         <p:spPr>
           <a:xfrm>
             <a:off x="192240" y="2301480"/>
-            <a:ext cx="1374840" cy="323640"/>
+            <a:ext cx="1374480" cy="323280"/>
           </a:xfrm>
           <a:prstGeom prst="rect">
             <a:avLst/>
@@ -10416,7 +10531,7 @@
         <p:spPr>
           <a:xfrm>
             <a:off x="1903320" y="2301480"/>
-            <a:ext cx="10097640" cy="791640"/>
+            <a:ext cx="10097280" cy="791280"/>
           </a:xfrm>
           <a:prstGeom prst="rect">
             <a:avLst/>
@@ -10485,7 +10600,7 @@
         <p:spPr>
           <a:xfrm>
             <a:off x="192240" y="3232080"/>
-            <a:ext cx="1374840" cy="323640"/>
+            <a:ext cx="1374480" cy="323280"/>
           </a:xfrm>
           <a:prstGeom prst="rect">
             <a:avLst/>
@@ -10554,7 +10669,7 @@
         <p:spPr>
           <a:xfrm>
             <a:off x="1903320" y="3232080"/>
-            <a:ext cx="10097640" cy="323640"/>
+            <a:ext cx="10097280" cy="323280"/>
           </a:xfrm>
           <a:prstGeom prst="rect">
             <a:avLst/>
@@ -10623,7 +10738,7 @@
         <p:spPr>
           <a:xfrm>
             <a:off x="192240" y="3694680"/>
-            <a:ext cx="1374840" cy="323640"/>
+            <a:ext cx="1374480" cy="323280"/>
           </a:xfrm>
           <a:prstGeom prst="rect">
             <a:avLst/>
@@ -10692,7 +10807,7 @@
         <p:spPr>
           <a:xfrm>
             <a:off x="1903320" y="3694680"/>
-            <a:ext cx="10097640" cy="791640"/>
+            <a:ext cx="10097280" cy="791280"/>
           </a:xfrm>
           <a:prstGeom prst="rect">
             <a:avLst/>
@@ -10791,7 +10906,7 @@
         <p:spPr>
           <a:xfrm>
             <a:off x="192240" y="4625640"/>
-            <a:ext cx="5744880" cy="323640"/>
+            <a:ext cx="5744520" cy="323280"/>
           </a:xfrm>
           <a:prstGeom prst="rect">
             <a:avLst/>
@@ -10871,7 +10986,7 @@
         <p:spPr>
           <a:xfrm>
             <a:off x="6254640" y="4622760"/>
-            <a:ext cx="5744880" cy="323640"/>
+            <a:ext cx="5744520" cy="323280"/>
           </a:xfrm>
           <a:prstGeom prst="rect">
             <a:avLst/>
@@ -10951,7 +11066,7 @@
         <p:spPr>
           <a:xfrm>
             <a:off x="192240" y="5088240"/>
-            <a:ext cx="5744880" cy="323640"/>
+            <a:ext cx="5744520" cy="323280"/>
           </a:xfrm>
           <a:prstGeom prst="rect">
             <a:avLst/>
@@ -11031,7 +11146,7 @@
         <p:spPr>
           <a:xfrm>
             <a:off x="6254640" y="5086440"/>
-            <a:ext cx="5744880" cy="323640"/>
+            <a:ext cx="5744520" cy="323280"/>
           </a:xfrm>
           <a:prstGeom prst="rect">
             <a:avLst/>
@@ -11111,7 +11226,7 @@
         <p:spPr>
           <a:xfrm>
             <a:off x="192240" y="5550840"/>
-            <a:ext cx="5744880" cy="323640"/>
+            <a:ext cx="5744520" cy="323280"/>
           </a:xfrm>
           <a:prstGeom prst="rect">
             <a:avLst/>
@@ -11191,7 +11306,7 @@
         <p:spPr>
           <a:xfrm>
             <a:off x="192240" y="6013440"/>
-            <a:ext cx="5744880" cy="323640"/>
+            <a:ext cx="5744520" cy="323280"/>
           </a:xfrm>
           <a:prstGeom prst="rect">
             <a:avLst/>
@@ -11305,7 +11420,7 @@
         <p:spPr>
           <a:xfrm>
             <a:off x="1343160" y="152280"/>
-            <a:ext cx="10656360" cy="468000"/>
+            <a:ext cx="10656000" cy="467640"/>
           </a:xfrm>
           <a:prstGeom prst="rect">
             <a:avLst/>
@@ -11325,6 +11440,9 @@
                 <a:spcPct val="90000"/>
               </a:lnSpc>
               <a:buNone/>
+              <a:tabLst>
+                <a:tab algn="l" pos="0"/>
+              </a:tabLst>
             </a:pPr>
             <a:r>
               <a:rPr b="1" lang="en-US" sz="2800" strike="noStrike" u="none">
@@ -11340,7 +11458,7 @@
             </a:r>
             <a:endParaRPr b="0" lang="de-DE" sz="2800" strike="noStrike" u="none">
               <a:solidFill>
-                <a:schemeClr val="dk1"/>
+                <a:srgbClr val="000000"/>
               </a:solidFill>
               <a:effectLst/>
               <a:uFillTx/>
@@ -11358,7 +11476,7 @@
         <p:spPr>
           <a:xfrm>
             <a:off x="192240" y="907920"/>
-            <a:ext cx="3319200" cy="323640"/>
+            <a:ext cx="3318840" cy="323280"/>
           </a:xfrm>
           <a:prstGeom prst="rect">
             <a:avLst/>
@@ -11427,7 +11545,7 @@
         <p:spPr>
           <a:xfrm>
             <a:off x="4277520" y="910800"/>
-            <a:ext cx="3319200" cy="323640"/>
+            <a:ext cx="3318840" cy="323280"/>
           </a:xfrm>
           <a:prstGeom prst="rect">
             <a:avLst/>
@@ -11496,7 +11614,7 @@
         <p:spPr>
           <a:xfrm>
             <a:off x="8680320" y="907920"/>
-            <a:ext cx="3319200" cy="323640"/>
+            <a:ext cx="3318840" cy="323280"/>
           </a:xfrm>
           <a:prstGeom prst="rect">
             <a:avLst/>
@@ -11565,7 +11683,7 @@
         <p:spPr>
           <a:xfrm>
             <a:off x="192240" y="1370520"/>
-            <a:ext cx="1374840" cy="323640"/>
+            <a:ext cx="1374480" cy="323280"/>
           </a:xfrm>
           <a:prstGeom prst="rect">
             <a:avLst/>
@@ -11634,7 +11752,7 @@
         <p:spPr>
           <a:xfrm>
             <a:off x="1903320" y="1370520"/>
-            <a:ext cx="10097640" cy="791640"/>
+            <a:ext cx="10097280" cy="791280"/>
           </a:xfrm>
           <a:prstGeom prst="rect">
             <a:avLst/>
@@ -11703,7 +11821,7 @@
         <p:spPr>
           <a:xfrm>
             <a:off x="192240" y="2301480"/>
-            <a:ext cx="1374840" cy="323640"/>
+            <a:ext cx="1374480" cy="323280"/>
           </a:xfrm>
           <a:prstGeom prst="rect">
             <a:avLst/>
@@ -11772,7 +11890,7 @@
         <p:spPr>
           <a:xfrm>
             <a:off x="1903320" y="2301480"/>
-            <a:ext cx="10097640" cy="791640"/>
+            <a:ext cx="10097280" cy="791280"/>
           </a:xfrm>
           <a:prstGeom prst="rect">
             <a:avLst/>
@@ -11841,7 +11959,7 @@
         <p:spPr>
           <a:xfrm>
             <a:off x="192240" y="3232080"/>
-            <a:ext cx="1374840" cy="323640"/>
+            <a:ext cx="1374480" cy="323280"/>
           </a:xfrm>
           <a:prstGeom prst="rect">
             <a:avLst/>
@@ -11910,7 +12028,7 @@
         <p:spPr>
           <a:xfrm>
             <a:off x="1903320" y="3232080"/>
-            <a:ext cx="10097640" cy="323640"/>
+            <a:ext cx="10097280" cy="323280"/>
           </a:xfrm>
           <a:prstGeom prst="rect">
             <a:avLst/>
@@ -11979,7 +12097,7 @@
         <p:spPr>
           <a:xfrm>
             <a:off x="192240" y="3694680"/>
-            <a:ext cx="1374840" cy="323640"/>
+            <a:ext cx="1374480" cy="323280"/>
           </a:xfrm>
           <a:prstGeom prst="rect">
             <a:avLst/>
@@ -12048,7 +12166,7 @@
         <p:spPr>
           <a:xfrm>
             <a:off x="1903320" y="3694680"/>
-            <a:ext cx="10097640" cy="791640"/>
+            <a:ext cx="10097280" cy="791280"/>
           </a:xfrm>
           <a:prstGeom prst="rect">
             <a:avLst/>
@@ -12111,18 +12229,7 @@
                 <a:latin typeface="Calibri"/>
                 <a:ea typeface="Noto Sans CJK SC"/>
               </a:rPr>
-              <a:t>Die Schriftgröße kann angepasst, der Kontrast erhöht und ein Blaufilter eingestellt</a:t>
-            </a:r>
-            <a:r>
-              <a:rPr b="0" lang="de-DE" sz="1100" strike="noStrike" u="none">
-                <a:solidFill>
-                  <a:schemeClr val="dk1"/>
-                </a:solidFill>
-                <a:effectLst/>
-                <a:uFillTx/>
-                <a:latin typeface="Calibri"/>
-              </a:rPr>
-              <a:t> werden.</a:t>
+              <a:t>Die Schriftgröße kann angepasst, der Kontrast erhöht und ein Blaufilter eingestellt werden.</a:t>
             </a:r>
             <a:endParaRPr b="0" lang="de-DE" sz="1100" strike="noStrike" u="none">
               <a:solidFill>
@@ -12159,7 +12266,7 @@
         <p:spPr>
           <a:xfrm>
             <a:off x="192240" y="4625640"/>
-            <a:ext cx="5744880" cy="323640"/>
+            <a:ext cx="5744520" cy="323280"/>
           </a:xfrm>
           <a:prstGeom prst="rect">
             <a:avLst/>
@@ -12239,7 +12346,7 @@
         <p:spPr>
           <a:xfrm>
             <a:off x="6254640" y="4622760"/>
-            <a:ext cx="5744880" cy="323640"/>
+            <a:ext cx="5744520" cy="323280"/>
           </a:xfrm>
           <a:prstGeom prst="rect">
             <a:avLst/>
@@ -12319,7 +12426,7 @@
         <p:spPr>
           <a:xfrm>
             <a:off x="192240" y="5088240"/>
-            <a:ext cx="5744880" cy="323640"/>
+            <a:ext cx="5744520" cy="323280"/>
           </a:xfrm>
           <a:prstGeom prst="rect">
             <a:avLst/>
@@ -12399,7 +12506,7 @@
         <p:spPr>
           <a:xfrm>
             <a:off x="6254640" y="5086440"/>
-            <a:ext cx="5744880" cy="323640"/>
+            <a:ext cx="5744520" cy="323280"/>
           </a:xfrm>
           <a:prstGeom prst="rect">
             <a:avLst/>
@@ -12479,7 +12586,7 @@
         <p:spPr>
           <a:xfrm>
             <a:off x="192240" y="5550840"/>
-            <a:ext cx="5744880" cy="323640"/>
+            <a:ext cx="5744520" cy="323280"/>
           </a:xfrm>
           <a:prstGeom prst="rect">
             <a:avLst/>
@@ -12559,7 +12666,7 @@
         <p:spPr>
           <a:xfrm>
             <a:off x="192240" y="6013440"/>
-            <a:ext cx="5744880" cy="323640"/>
+            <a:ext cx="5744520" cy="323280"/>
           </a:xfrm>
           <a:prstGeom prst="rect">
             <a:avLst/>
@@ -12617,7 +12724,7 @@
                 <a:uFillTx/>
                 <a:latin typeface="Calibri"/>
               </a:rPr>
-              <a:t>erstellt am 03.11., letzte Bearbeiter:in Miriam</a:t>
+              <a:t>erstellt am 03.11., letzte:r Bearbeiter:in Miriam</a:t>
             </a:r>
             <a:endParaRPr b="0" lang="de-DE" sz="1100" strike="noStrike" u="none">
               <a:solidFill>
@@ -12673,7 +12780,7 @@
         <p:spPr>
           <a:xfrm>
             <a:off x="1343160" y="152280"/>
-            <a:ext cx="10656360" cy="468000"/>
+            <a:ext cx="10656000" cy="467640"/>
           </a:xfrm>
           <a:prstGeom prst="rect">
             <a:avLst/>
@@ -12693,6 +12800,9 @@
                 <a:spcPct val="90000"/>
               </a:lnSpc>
               <a:buNone/>
+              <a:tabLst>
+                <a:tab algn="l" pos="0"/>
+              </a:tabLst>
             </a:pPr>
             <a:r>
               <a:rPr b="1" lang="en-US" sz="2800" strike="noStrike" u="none">
@@ -12708,7 +12818,7 @@
             </a:r>
             <a:endParaRPr b="0" lang="de-DE" sz="2800" strike="noStrike" u="none">
               <a:solidFill>
-                <a:schemeClr val="dk1"/>
+                <a:srgbClr val="000000"/>
               </a:solidFill>
               <a:effectLst/>
               <a:uFillTx/>
@@ -12726,7 +12836,7 @@
         <p:spPr>
           <a:xfrm>
             <a:off x="192240" y="907920"/>
-            <a:ext cx="3319200" cy="323640"/>
+            <a:ext cx="3318840" cy="323280"/>
           </a:xfrm>
           <a:prstGeom prst="rect">
             <a:avLst/>
@@ -12795,7 +12905,7 @@
         <p:spPr>
           <a:xfrm>
             <a:off x="4277520" y="910800"/>
-            <a:ext cx="3319200" cy="323640"/>
+            <a:ext cx="3318840" cy="323280"/>
           </a:xfrm>
           <a:prstGeom prst="rect">
             <a:avLst/>
@@ -12864,7 +12974,7 @@
         <p:spPr>
           <a:xfrm>
             <a:off x="8680320" y="907920"/>
-            <a:ext cx="3319200" cy="323640"/>
+            <a:ext cx="3318840" cy="323280"/>
           </a:xfrm>
           <a:prstGeom prst="rect">
             <a:avLst/>
@@ -12933,7 +13043,7 @@
         <p:spPr>
           <a:xfrm>
             <a:off x="192240" y="1370520"/>
-            <a:ext cx="1374840" cy="323640"/>
+            <a:ext cx="1374480" cy="323280"/>
           </a:xfrm>
           <a:prstGeom prst="rect">
             <a:avLst/>
@@ -13002,7 +13112,7 @@
         <p:spPr>
           <a:xfrm>
             <a:off x="1903320" y="1370520"/>
-            <a:ext cx="10097640" cy="791640"/>
+            <a:ext cx="10097280" cy="791280"/>
           </a:xfrm>
           <a:prstGeom prst="rect">
             <a:avLst/>
@@ -13071,7 +13181,7 @@
         <p:spPr>
           <a:xfrm>
             <a:off x="192240" y="2301480"/>
-            <a:ext cx="1374840" cy="323640"/>
+            <a:ext cx="1374480" cy="323280"/>
           </a:xfrm>
           <a:prstGeom prst="rect">
             <a:avLst/>
@@ -13140,7 +13250,7 @@
         <p:spPr>
           <a:xfrm>
             <a:off x="1903320" y="2301480"/>
-            <a:ext cx="10097640" cy="791640"/>
+            <a:ext cx="10097280" cy="791280"/>
           </a:xfrm>
           <a:prstGeom prst="rect">
             <a:avLst/>
@@ -13209,7 +13319,7 @@
         <p:spPr>
           <a:xfrm>
             <a:off x="192240" y="3232080"/>
-            <a:ext cx="1374840" cy="323640"/>
+            <a:ext cx="1374480" cy="323280"/>
           </a:xfrm>
           <a:prstGeom prst="rect">
             <a:avLst/>
@@ -13278,7 +13388,7 @@
         <p:spPr>
           <a:xfrm>
             <a:off x="1903320" y="3232080"/>
-            <a:ext cx="10097640" cy="323640"/>
+            <a:ext cx="10097280" cy="323280"/>
           </a:xfrm>
           <a:prstGeom prst="rect">
             <a:avLst/>
@@ -13347,7 +13457,7 @@
         <p:spPr>
           <a:xfrm>
             <a:off x="192240" y="3694680"/>
-            <a:ext cx="1374840" cy="323640"/>
+            <a:ext cx="1374480" cy="323280"/>
           </a:xfrm>
           <a:prstGeom prst="rect">
             <a:avLst/>
@@ -13416,7 +13526,7 @@
         <p:spPr>
           <a:xfrm>
             <a:off x="1903320" y="3694680"/>
-            <a:ext cx="10097640" cy="791640"/>
+            <a:ext cx="10097280" cy="791280"/>
           </a:xfrm>
           <a:prstGeom prst="rect">
             <a:avLst/>
@@ -13515,7 +13625,7 @@
         <p:spPr>
           <a:xfrm>
             <a:off x="192240" y="4625640"/>
-            <a:ext cx="5744880" cy="323640"/>
+            <a:ext cx="5744520" cy="323280"/>
           </a:xfrm>
           <a:prstGeom prst="rect">
             <a:avLst/>
@@ -13595,7 +13705,7 @@
         <p:spPr>
           <a:xfrm>
             <a:off x="6254640" y="4622760"/>
-            <a:ext cx="5744880" cy="323640"/>
+            <a:ext cx="5744520" cy="323280"/>
           </a:xfrm>
           <a:prstGeom prst="rect">
             <a:avLst/>
@@ -13675,7 +13785,7 @@
         <p:spPr>
           <a:xfrm>
             <a:off x="192240" y="5088240"/>
-            <a:ext cx="5744880" cy="323640"/>
+            <a:ext cx="5744520" cy="323280"/>
           </a:xfrm>
           <a:prstGeom prst="rect">
             <a:avLst/>
@@ -13755,7 +13865,7 @@
         <p:spPr>
           <a:xfrm>
             <a:off x="6254640" y="5086440"/>
-            <a:ext cx="5744880" cy="323640"/>
+            <a:ext cx="5744520" cy="323280"/>
           </a:xfrm>
           <a:prstGeom prst="rect">
             <a:avLst/>
@@ -13835,7 +13945,7 @@
         <p:spPr>
           <a:xfrm>
             <a:off x="192240" y="5550840"/>
-            <a:ext cx="5744880" cy="323640"/>
+            <a:ext cx="5744520" cy="323280"/>
           </a:xfrm>
           <a:prstGeom prst="rect">
             <a:avLst/>
@@ -13915,7 +14025,7 @@
         <p:spPr>
           <a:xfrm>
             <a:off x="192240" y="6013440"/>
-            <a:ext cx="5744880" cy="323640"/>
+            <a:ext cx="5744520" cy="323280"/>
           </a:xfrm>
           <a:prstGeom prst="rect">
             <a:avLst/>
@@ -13973,7 +14083,7 @@
                 <a:uFillTx/>
                 <a:latin typeface="Calibri"/>
               </a:rPr>
-              <a:t>erstellt am 03.11., letzte Bearbeiter:in Miriam</a:t>
+              <a:t>erstellt am 03.11., letzte:r Bearbeiter:in Miriam</a:t>
             </a:r>
             <a:endParaRPr b="0" lang="de-DE" sz="1100" strike="noStrike" u="none">
               <a:solidFill>
@@ -14029,7 +14139,7 @@
         <p:spPr>
           <a:xfrm>
             <a:off x="1343160" y="152280"/>
-            <a:ext cx="10656360" cy="468000"/>
+            <a:ext cx="10656000" cy="467640"/>
           </a:xfrm>
           <a:prstGeom prst="rect">
             <a:avLst/>
@@ -14049,6 +14159,9 @@
                 <a:spcPct val="90000"/>
               </a:lnSpc>
               <a:buNone/>
+              <a:tabLst>
+                <a:tab algn="l" pos="0"/>
+              </a:tabLst>
             </a:pPr>
             <a:r>
               <a:rPr b="1" lang="de-DE" sz="2800" strike="noStrike" u="none">
@@ -14064,7 +14177,7 @@
             </a:r>
             <a:endParaRPr b="0" lang="de-DE" sz="2800" strike="noStrike" u="none">
               <a:solidFill>
-                <a:schemeClr val="dk1"/>
+                <a:srgbClr val="000000"/>
               </a:solidFill>
               <a:effectLst/>
               <a:uFillTx/>
@@ -14086,7 +14199,7 @@
         <p:spPr>
           <a:xfrm>
             <a:off x="139320" y="1394640"/>
-            <a:ext cx="11912760" cy="4452120"/>
+            <a:ext cx="11912400" cy="4451760"/>
           </a:xfrm>
           <a:prstGeom prst="rect">
             <a:avLst/>
@@ -14127,11 +14240,11 @@
             </a:r>
             <a:endParaRPr b="0" lang="de-DE" sz="2400" strike="noStrike" u="none">
               <a:solidFill>
-                <a:schemeClr val="dk1"/>
-              </a:solidFill>
-              <a:effectLst/>
-              <a:uFillTx/>
-              <a:latin typeface="Roboto"/>
+                <a:srgbClr val="000000"/>
+              </a:solidFill>
+              <a:effectLst/>
+              <a:uFillTx/>
+              <a:latin typeface="Arial"/>
             </a:endParaRPr>
           </a:p>
           <a:p>
@@ -14149,11 +14262,11 @@
             </a:pPr>
             <a:endParaRPr b="0" lang="de-DE" sz="2400" strike="noStrike" u="none">
               <a:solidFill>
-                <a:schemeClr val="dk1"/>
-              </a:solidFill>
-              <a:effectLst/>
-              <a:uFillTx/>
-              <a:latin typeface="Roboto"/>
+                <a:srgbClr val="000000"/>
+              </a:solidFill>
+              <a:effectLst/>
+              <a:uFillTx/>
+              <a:latin typeface="Arial"/>
             </a:endParaRPr>
           </a:p>
           <a:p>
@@ -14183,11 +14296,11 @@
             </a:r>
             <a:endParaRPr b="0" lang="de-DE" sz="2400" strike="noStrike" u="none">
               <a:solidFill>
-                <a:schemeClr val="dk1"/>
-              </a:solidFill>
-              <a:effectLst/>
-              <a:uFillTx/>
-              <a:latin typeface="Roboto"/>
+                <a:srgbClr val="000000"/>
+              </a:solidFill>
+              <a:effectLst/>
+              <a:uFillTx/>
+              <a:latin typeface="Arial"/>
             </a:endParaRPr>
           </a:p>
           <a:p>
@@ -14205,11 +14318,11 @@
             </a:pPr>
             <a:endParaRPr b="0" lang="de-DE" sz="2400" strike="noStrike" u="none">
               <a:solidFill>
-                <a:schemeClr val="dk1"/>
-              </a:solidFill>
-              <a:effectLst/>
-              <a:uFillTx/>
-              <a:latin typeface="Roboto"/>
+                <a:srgbClr val="000000"/>
+              </a:solidFill>
+              <a:effectLst/>
+              <a:uFillTx/>
+              <a:latin typeface="Arial"/>
             </a:endParaRPr>
           </a:p>
           <a:p>
@@ -14227,11 +14340,11 @@
             </a:pPr>
             <a:endParaRPr b="0" lang="de-DE" sz="2400" strike="noStrike" u="none">
               <a:solidFill>
-                <a:schemeClr val="dk1"/>
-              </a:solidFill>
-              <a:effectLst/>
-              <a:uFillTx/>
-              <a:latin typeface="Roboto"/>
+                <a:srgbClr val="000000"/>
+              </a:solidFill>
+              <a:effectLst/>
+              <a:uFillTx/>
+              <a:latin typeface="Arial"/>
             </a:endParaRPr>
           </a:p>
           <a:p>
@@ -14249,11 +14362,11 @@
             </a:pPr>
             <a:endParaRPr b="0" lang="de-DE" sz="2400" strike="noStrike" u="none">
               <a:solidFill>
-                <a:schemeClr val="dk1"/>
-              </a:solidFill>
-              <a:effectLst/>
-              <a:uFillTx/>
-              <a:latin typeface="Roboto"/>
+                <a:srgbClr val="000000"/>
+              </a:solidFill>
+              <a:effectLst/>
+              <a:uFillTx/>
+              <a:latin typeface="Arial"/>
             </a:endParaRPr>
           </a:p>
         </p:txBody>
@@ -14301,7 +14414,7 @@
         <p:spPr>
           <a:xfrm>
             <a:off x="1343160" y="152280"/>
-            <a:ext cx="10656360" cy="468000"/>
+            <a:ext cx="10656000" cy="467640"/>
           </a:xfrm>
           <a:prstGeom prst="rect">
             <a:avLst/>
@@ -14321,6 +14434,9 @@
                 <a:spcPct val="90000"/>
               </a:lnSpc>
               <a:buNone/>
+              <a:tabLst>
+                <a:tab algn="l" pos="0"/>
+              </a:tabLst>
             </a:pPr>
             <a:r>
               <a:rPr b="1" lang="de-DE" sz="2800" strike="noStrike" u="none">
@@ -14336,7 +14452,7 @@
             </a:r>
             <a:endParaRPr b="0" lang="de-DE" sz="2800" strike="noStrike" u="none">
               <a:solidFill>
-                <a:schemeClr val="dk1"/>
+                <a:srgbClr val="000000"/>
               </a:solidFill>
               <a:effectLst/>
               <a:uFillTx/>
@@ -14358,7 +14474,7 @@
         <p:spPr>
           <a:xfrm>
             <a:off x="139320" y="1394640"/>
-            <a:ext cx="11912760" cy="4452120"/>
+            <a:ext cx="11912400" cy="4451760"/>
           </a:xfrm>
           <a:prstGeom prst="rect">
             <a:avLst/>
@@ -14399,11 +14515,11 @@
             </a:r>
             <a:endParaRPr b="0" lang="de-DE" sz="2400" strike="noStrike" u="none">
               <a:solidFill>
-                <a:schemeClr val="dk1"/>
-              </a:solidFill>
-              <a:effectLst/>
-              <a:uFillTx/>
-              <a:latin typeface="Roboto"/>
+                <a:srgbClr val="000000"/>
+              </a:solidFill>
+              <a:effectLst/>
+              <a:uFillTx/>
+              <a:latin typeface="Arial"/>
             </a:endParaRPr>
           </a:p>
           <a:p>
@@ -14421,11 +14537,11 @@
             </a:pPr>
             <a:endParaRPr b="0" lang="de-DE" sz="2400" strike="noStrike" u="none">
               <a:solidFill>
-                <a:schemeClr val="dk1"/>
-              </a:solidFill>
-              <a:effectLst/>
-              <a:uFillTx/>
-              <a:latin typeface="Roboto"/>
+                <a:srgbClr val="000000"/>
+              </a:solidFill>
+              <a:effectLst/>
+              <a:uFillTx/>
+              <a:latin typeface="Arial"/>
             </a:endParaRPr>
           </a:p>
           <a:p>
@@ -14455,11 +14571,11 @@
             </a:r>
             <a:endParaRPr b="0" lang="de-DE" sz="2400" strike="noStrike" u="none">
               <a:solidFill>
-                <a:schemeClr val="dk1"/>
-              </a:solidFill>
-              <a:effectLst/>
-              <a:uFillTx/>
-              <a:latin typeface="Roboto"/>
+                <a:srgbClr val="000000"/>
+              </a:solidFill>
+              <a:effectLst/>
+              <a:uFillTx/>
+              <a:latin typeface="Arial"/>
             </a:endParaRPr>
           </a:p>
           <a:p>
@@ -14493,11 +14609,11 @@
             </a:r>
             <a:endParaRPr b="0" lang="de-DE" sz="2400" strike="noStrike" u="none">
               <a:solidFill>
-                <a:schemeClr val="dk1"/>
-              </a:solidFill>
-              <a:effectLst/>
-              <a:uFillTx/>
-              <a:latin typeface="Roboto"/>
+                <a:srgbClr val="000000"/>
+              </a:solidFill>
+              <a:effectLst/>
+              <a:uFillTx/>
+              <a:latin typeface="Arial"/>
             </a:endParaRPr>
           </a:p>
           <a:p>
@@ -14531,11 +14647,11 @@
             </a:r>
             <a:endParaRPr b="0" lang="de-DE" sz="2400" strike="noStrike" u="none">
               <a:solidFill>
-                <a:schemeClr val="dk1"/>
-              </a:solidFill>
-              <a:effectLst/>
-              <a:uFillTx/>
-              <a:latin typeface="Roboto"/>
+                <a:srgbClr val="000000"/>
+              </a:solidFill>
+              <a:effectLst/>
+              <a:uFillTx/>
+              <a:latin typeface="Arial"/>
             </a:endParaRPr>
           </a:p>
           <a:p>
@@ -14553,11 +14669,11 @@
             </a:pPr>
             <a:endParaRPr b="0" lang="de-DE" sz="2400" strike="noStrike" u="none">
               <a:solidFill>
-                <a:schemeClr val="dk1"/>
-              </a:solidFill>
-              <a:effectLst/>
-              <a:uFillTx/>
-              <a:latin typeface="Roboto"/>
+                <a:srgbClr val="000000"/>
+              </a:solidFill>
+              <a:effectLst/>
+              <a:uFillTx/>
+              <a:latin typeface="Arial"/>
             </a:endParaRPr>
           </a:p>
           <a:p>
@@ -14575,11 +14691,11 @@
             </a:pPr>
             <a:endParaRPr b="0" lang="de-DE" sz="2400" strike="noStrike" u="none">
               <a:solidFill>
-                <a:schemeClr val="dk1"/>
-              </a:solidFill>
-              <a:effectLst/>
-              <a:uFillTx/>
-              <a:latin typeface="Roboto"/>
+                <a:srgbClr val="000000"/>
+              </a:solidFill>
+              <a:effectLst/>
+              <a:uFillTx/>
+              <a:latin typeface="Arial"/>
             </a:endParaRPr>
           </a:p>
           <a:p>
@@ -14597,11 +14713,11 @@
             </a:pPr>
             <a:endParaRPr b="0" lang="de-DE" sz="2400" strike="noStrike" u="none">
               <a:solidFill>
-                <a:schemeClr val="dk1"/>
-              </a:solidFill>
-              <a:effectLst/>
-              <a:uFillTx/>
-              <a:latin typeface="Roboto"/>
+                <a:srgbClr val="000000"/>
+              </a:solidFill>
+              <a:effectLst/>
+              <a:uFillTx/>
+              <a:latin typeface="Arial"/>
             </a:endParaRPr>
           </a:p>
           <a:p>
@@ -14619,11 +14735,11 @@
             </a:pPr>
             <a:endParaRPr b="0" lang="de-DE" sz="2400" strike="noStrike" u="none">
               <a:solidFill>
-                <a:schemeClr val="dk1"/>
-              </a:solidFill>
-              <a:effectLst/>
-              <a:uFillTx/>
-              <a:latin typeface="Roboto"/>
+                <a:srgbClr val="000000"/>
+              </a:solidFill>
+              <a:effectLst/>
+              <a:uFillTx/>
+              <a:latin typeface="Arial"/>
             </a:endParaRPr>
           </a:p>
         </p:txBody>
@@ -14671,7 +14787,7 @@
         <p:spPr>
           <a:xfrm>
             <a:off x="1343160" y="152280"/>
-            <a:ext cx="10656360" cy="468000"/>
+            <a:ext cx="10656000" cy="467640"/>
           </a:xfrm>
           <a:prstGeom prst="rect">
             <a:avLst/>
@@ -14691,6 +14807,9 @@
                 <a:spcPct val="90000"/>
               </a:lnSpc>
               <a:buNone/>
+              <a:tabLst>
+                <a:tab algn="l" pos="0"/>
+              </a:tabLst>
             </a:pPr>
             <a:r>
               <a:rPr b="1" lang="en-US" sz="2800" strike="noStrike" u="none">
@@ -14706,7 +14825,7 @@
             </a:r>
             <a:endParaRPr b="0" lang="de-DE" sz="2800" strike="noStrike" u="none">
               <a:solidFill>
-                <a:schemeClr val="dk1"/>
+                <a:srgbClr val="000000"/>
               </a:solidFill>
               <a:effectLst/>
               <a:uFillTx/>
@@ -14724,7 +14843,7 @@
         <p:spPr>
           <a:xfrm>
             <a:off x="192240" y="907920"/>
-            <a:ext cx="3319200" cy="323640"/>
+            <a:ext cx="3318840" cy="323280"/>
           </a:xfrm>
           <a:prstGeom prst="rect">
             <a:avLst/>
@@ -14793,7 +14912,7 @@
         <p:spPr>
           <a:xfrm>
             <a:off x="4436280" y="907920"/>
-            <a:ext cx="3319200" cy="323640"/>
+            <a:ext cx="3318840" cy="323280"/>
           </a:xfrm>
           <a:prstGeom prst="rect">
             <a:avLst/>
@@ -14862,7 +14981,7 @@
         <p:spPr>
           <a:xfrm>
             <a:off x="8680320" y="907920"/>
-            <a:ext cx="3319200" cy="323640"/>
+            <a:ext cx="3318840" cy="323280"/>
           </a:xfrm>
           <a:prstGeom prst="rect">
             <a:avLst/>
@@ -14942,7 +15061,7 @@
         <p:spPr>
           <a:xfrm>
             <a:off x="192240" y="1370520"/>
-            <a:ext cx="1374840" cy="323640"/>
+            <a:ext cx="1374480" cy="323280"/>
           </a:xfrm>
           <a:prstGeom prst="rect">
             <a:avLst/>
@@ -15011,7 +15130,7 @@
         <p:spPr>
           <a:xfrm>
             <a:off x="1903320" y="1370520"/>
-            <a:ext cx="10096200" cy="791640"/>
+            <a:ext cx="10095840" cy="791280"/>
           </a:xfrm>
           <a:prstGeom prst="rect">
             <a:avLst/>
@@ -15080,7 +15199,7 @@
         <p:spPr>
           <a:xfrm>
             <a:off x="192240" y="2301480"/>
-            <a:ext cx="1374840" cy="323640"/>
+            <a:ext cx="1374480" cy="323280"/>
           </a:xfrm>
           <a:prstGeom prst="rect">
             <a:avLst/>
@@ -15149,7 +15268,7 @@
         <p:spPr>
           <a:xfrm>
             <a:off x="1903320" y="2301480"/>
-            <a:ext cx="10096200" cy="791640"/>
+            <a:ext cx="10095840" cy="791280"/>
           </a:xfrm>
           <a:prstGeom prst="rect">
             <a:avLst/>
@@ -15218,7 +15337,7 @@
         <p:spPr>
           <a:xfrm>
             <a:off x="192240" y="3232080"/>
-            <a:ext cx="1374840" cy="323640"/>
+            <a:ext cx="1374480" cy="323280"/>
           </a:xfrm>
           <a:prstGeom prst="rect">
             <a:avLst/>
@@ -15287,7 +15406,7 @@
         <p:spPr>
           <a:xfrm>
             <a:off x="1903320" y="3232080"/>
-            <a:ext cx="10096200" cy="323640"/>
+            <a:ext cx="10095840" cy="323280"/>
           </a:xfrm>
           <a:prstGeom prst="rect">
             <a:avLst/>
@@ -15356,7 +15475,7 @@
         <p:spPr>
           <a:xfrm>
             <a:off x="192240" y="3694680"/>
-            <a:ext cx="1374840" cy="323640"/>
+            <a:ext cx="1374480" cy="323280"/>
           </a:xfrm>
           <a:prstGeom prst="rect">
             <a:avLst/>
@@ -15425,7 +15544,7 @@
         <p:spPr>
           <a:xfrm>
             <a:off x="1903320" y="3694680"/>
-            <a:ext cx="10096200" cy="791640"/>
+            <a:ext cx="10095840" cy="791280"/>
           </a:xfrm>
           <a:prstGeom prst="rect">
             <a:avLst/>
@@ -15524,7 +15643,7 @@
         <p:spPr>
           <a:xfrm>
             <a:off x="192240" y="4625640"/>
-            <a:ext cx="5744880" cy="323640"/>
+            <a:ext cx="5744520" cy="323280"/>
           </a:xfrm>
           <a:prstGeom prst="rect">
             <a:avLst/>
@@ -15604,7 +15723,7 @@
         <p:spPr>
           <a:xfrm>
             <a:off x="6254640" y="4622760"/>
-            <a:ext cx="5744880" cy="323640"/>
+            <a:ext cx="5744520" cy="323280"/>
           </a:xfrm>
           <a:prstGeom prst="rect">
             <a:avLst/>
@@ -15684,7 +15803,7 @@
         <p:spPr>
           <a:xfrm>
             <a:off x="192240" y="5088240"/>
-            <a:ext cx="5744880" cy="323640"/>
+            <a:ext cx="5744520" cy="323280"/>
           </a:xfrm>
           <a:prstGeom prst="rect">
             <a:avLst/>
@@ -15764,7 +15883,7 @@
         <p:spPr>
           <a:xfrm>
             <a:off x="6254640" y="5086440"/>
-            <a:ext cx="5744880" cy="323640"/>
+            <a:ext cx="5744520" cy="323280"/>
           </a:xfrm>
           <a:prstGeom prst="rect">
             <a:avLst/>
@@ -15844,7 +15963,7 @@
         <p:spPr>
           <a:xfrm>
             <a:off x="192240" y="5550840"/>
-            <a:ext cx="5744880" cy="323640"/>
+            <a:ext cx="5744520" cy="323280"/>
           </a:xfrm>
           <a:prstGeom prst="rect">
             <a:avLst/>
@@ -15924,7 +16043,7 @@
         <p:spPr>
           <a:xfrm>
             <a:off x="192240" y="6013440"/>
-            <a:ext cx="5744880" cy="323640"/>
+            <a:ext cx="5744520" cy="323280"/>
           </a:xfrm>
           <a:prstGeom prst="rect">
             <a:avLst/>
@@ -16038,7 +16157,7 @@
         <p:spPr>
           <a:xfrm>
             <a:off x="1343160" y="152280"/>
-            <a:ext cx="10656360" cy="468000"/>
+            <a:ext cx="10656000" cy="467640"/>
           </a:xfrm>
           <a:prstGeom prst="rect">
             <a:avLst/>
@@ -16058,6 +16177,9 @@
                 <a:spcPct val="90000"/>
               </a:lnSpc>
               <a:buNone/>
+              <a:tabLst>
+                <a:tab algn="l" pos="0"/>
+              </a:tabLst>
             </a:pPr>
             <a:r>
               <a:rPr b="1" lang="en-US" sz="2800" strike="noStrike" u="none">
@@ -16073,7 +16195,7 @@
             </a:r>
             <a:endParaRPr b="0" lang="de-DE" sz="2800" strike="noStrike" u="none">
               <a:solidFill>
-                <a:schemeClr val="dk1"/>
+                <a:srgbClr val="000000"/>
               </a:solidFill>
               <a:effectLst/>
               <a:uFillTx/>
@@ -16091,7 +16213,7 @@
         <p:spPr>
           <a:xfrm>
             <a:off x="192240" y="907920"/>
-            <a:ext cx="3319200" cy="323640"/>
+            <a:ext cx="3318840" cy="323280"/>
           </a:xfrm>
           <a:prstGeom prst="rect">
             <a:avLst/>
@@ -16160,7 +16282,7 @@
         <p:spPr>
           <a:xfrm>
             <a:off x="4436280" y="907920"/>
-            <a:ext cx="3319200" cy="323640"/>
+            <a:ext cx="3318840" cy="323280"/>
           </a:xfrm>
           <a:prstGeom prst="rect">
             <a:avLst/>
@@ -16229,7 +16351,7 @@
         <p:spPr>
           <a:xfrm>
             <a:off x="8680320" y="907920"/>
-            <a:ext cx="3319200" cy="323640"/>
+            <a:ext cx="3318840" cy="323280"/>
           </a:xfrm>
           <a:prstGeom prst="rect">
             <a:avLst/>
@@ -16298,7 +16420,7 @@
         <p:spPr>
           <a:xfrm>
             <a:off x="192240" y="1370520"/>
-            <a:ext cx="1374840" cy="323640"/>
+            <a:ext cx="1374480" cy="323280"/>
           </a:xfrm>
           <a:prstGeom prst="rect">
             <a:avLst/>
@@ -16367,7 +16489,7 @@
         <p:spPr>
           <a:xfrm>
             <a:off x="1899360" y="1370520"/>
-            <a:ext cx="10097640" cy="791640"/>
+            <a:ext cx="10097280" cy="791280"/>
           </a:xfrm>
           <a:prstGeom prst="rect">
             <a:avLst/>
@@ -16488,7 +16610,7 @@
         <p:spPr>
           <a:xfrm>
             <a:off x="192240" y="2301480"/>
-            <a:ext cx="1374840" cy="323640"/>
+            <a:ext cx="1374480" cy="323280"/>
           </a:xfrm>
           <a:prstGeom prst="rect">
             <a:avLst/>
@@ -16557,7 +16679,7 @@
         <p:spPr>
           <a:xfrm>
             <a:off x="1899360" y="2301480"/>
-            <a:ext cx="10097640" cy="791640"/>
+            <a:ext cx="10097280" cy="791280"/>
           </a:xfrm>
           <a:prstGeom prst="rect">
             <a:avLst/>
@@ -16626,7 +16748,7 @@
         <p:spPr>
           <a:xfrm>
             <a:off x="192240" y="3232080"/>
-            <a:ext cx="1374840" cy="323640"/>
+            <a:ext cx="1374480" cy="323280"/>
           </a:xfrm>
           <a:prstGeom prst="rect">
             <a:avLst/>
@@ -16695,7 +16817,7 @@
         <p:spPr>
           <a:xfrm>
             <a:off x="1899360" y="3232080"/>
-            <a:ext cx="10097640" cy="323640"/>
+            <a:ext cx="10097280" cy="323280"/>
           </a:xfrm>
           <a:prstGeom prst="rect">
             <a:avLst/>
@@ -16764,7 +16886,7 @@
         <p:spPr>
           <a:xfrm>
             <a:off x="192240" y="3694680"/>
-            <a:ext cx="1374840" cy="323640"/>
+            <a:ext cx="1374480" cy="323280"/>
           </a:xfrm>
           <a:prstGeom prst="rect">
             <a:avLst/>
@@ -16833,7 +16955,7 @@
         <p:spPr>
           <a:xfrm>
             <a:off x="1899360" y="3694680"/>
-            <a:ext cx="10097640" cy="791640"/>
+            <a:ext cx="10097280" cy="791280"/>
           </a:xfrm>
           <a:prstGeom prst="rect">
             <a:avLst/>
@@ -16917,7 +17039,7 @@
         <p:spPr>
           <a:xfrm>
             <a:off x="192240" y="4625640"/>
-            <a:ext cx="5744880" cy="323640"/>
+            <a:ext cx="5744520" cy="323280"/>
           </a:xfrm>
           <a:prstGeom prst="rect">
             <a:avLst/>
@@ -16997,7 +17119,7 @@
         <p:spPr>
           <a:xfrm>
             <a:off x="6254640" y="4622760"/>
-            <a:ext cx="5744880" cy="323640"/>
+            <a:ext cx="5744520" cy="323280"/>
           </a:xfrm>
           <a:prstGeom prst="rect">
             <a:avLst/>
@@ -17077,7 +17199,7 @@
         <p:spPr>
           <a:xfrm>
             <a:off x="192240" y="5088240"/>
-            <a:ext cx="5744880" cy="323640"/>
+            <a:ext cx="5744520" cy="323280"/>
           </a:xfrm>
           <a:prstGeom prst="rect">
             <a:avLst/>
@@ -17157,7 +17279,7 @@
         <p:spPr>
           <a:xfrm>
             <a:off x="6254640" y="5086440"/>
-            <a:ext cx="5744880" cy="323640"/>
+            <a:ext cx="5744520" cy="323280"/>
           </a:xfrm>
           <a:prstGeom prst="rect">
             <a:avLst/>
@@ -17226,7 +17348,7 @@
         <p:spPr>
           <a:xfrm>
             <a:off x="192240" y="5550840"/>
-            <a:ext cx="5744880" cy="323640"/>
+            <a:ext cx="5744520" cy="323280"/>
           </a:xfrm>
           <a:prstGeom prst="rect">
             <a:avLst/>
@@ -17306,7 +17428,7 @@
         <p:spPr>
           <a:xfrm>
             <a:off x="192240" y="6013440"/>
-            <a:ext cx="5744880" cy="323640"/>
+            <a:ext cx="5744520" cy="323280"/>
           </a:xfrm>
           <a:prstGeom prst="rect">
             <a:avLst/>
@@ -17420,7 +17542,7 @@
         <p:spPr>
           <a:xfrm>
             <a:off x="1343160" y="152280"/>
-            <a:ext cx="10656360" cy="468000"/>
+            <a:ext cx="10656000" cy="467640"/>
           </a:xfrm>
           <a:prstGeom prst="rect">
             <a:avLst/>
@@ -17440,6 +17562,9 @@
                 <a:spcPct val="90000"/>
               </a:lnSpc>
               <a:buNone/>
+              <a:tabLst>
+                <a:tab algn="l" pos="0"/>
+              </a:tabLst>
             </a:pPr>
             <a:r>
               <a:rPr b="1" lang="en-US" sz="2800" strike="noStrike" u="none">
@@ -17455,7 +17580,7 @@
             </a:r>
             <a:endParaRPr b="0" lang="de-DE" sz="2800" strike="noStrike" u="none">
               <a:solidFill>
-                <a:schemeClr val="dk1"/>
+                <a:srgbClr val="000000"/>
               </a:solidFill>
               <a:effectLst/>
               <a:uFillTx/>
@@ -17473,7 +17598,7 @@
         <p:spPr>
           <a:xfrm>
             <a:off x="192240" y="907920"/>
-            <a:ext cx="3319200" cy="323640"/>
+            <a:ext cx="3318840" cy="323280"/>
           </a:xfrm>
           <a:prstGeom prst="rect">
             <a:avLst/>
@@ -17542,7 +17667,7 @@
         <p:spPr>
           <a:xfrm>
             <a:off x="4436280" y="907920"/>
-            <a:ext cx="3319200" cy="323640"/>
+            <a:ext cx="3318840" cy="323280"/>
           </a:xfrm>
           <a:prstGeom prst="rect">
             <a:avLst/>
@@ -17611,7 +17736,7 @@
         <p:spPr>
           <a:xfrm>
             <a:off x="8680320" y="907920"/>
-            <a:ext cx="3319200" cy="323640"/>
+            <a:ext cx="3318840" cy="323280"/>
           </a:xfrm>
           <a:prstGeom prst="rect">
             <a:avLst/>
@@ -17680,7 +17805,7 @@
         <p:spPr>
           <a:xfrm>
             <a:off x="192240" y="1370520"/>
-            <a:ext cx="1375200" cy="323640"/>
+            <a:ext cx="1374840" cy="323280"/>
           </a:xfrm>
           <a:prstGeom prst="rect">
             <a:avLst/>
@@ -17749,7 +17874,7 @@
         <p:spPr>
           <a:xfrm>
             <a:off x="1903320" y="1370520"/>
-            <a:ext cx="10096200" cy="791640"/>
+            <a:ext cx="10095840" cy="791280"/>
           </a:xfrm>
           <a:prstGeom prst="rect">
             <a:avLst/>
@@ -17988,7 +18113,7 @@
         <p:spPr>
           <a:xfrm>
             <a:off x="192240" y="2301480"/>
-            <a:ext cx="1375200" cy="323640"/>
+            <a:ext cx="1374840" cy="323280"/>
           </a:xfrm>
           <a:prstGeom prst="rect">
             <a:avLst/>
@@ -18057,7 +18182,7 @@
         <p:spPr>
           <a:xfrm>
             <a:off x="1903320" y="2301480"/>
-            <a:ext cx="10096200" cy="791640"/>
+            <a:ext cx="10095840" cy="791280"/>
           </a:xfrm>
           <a:prstGeom prst="rect">
             <a:avLst/>
@@ -18126,7 +18251,7 @@
         <p:spPr>
           <a:xfrm>
             <a:off x="192240" y="3232080"/>
-            <a:ext cx="1375200" cy="323640"/>
+            <a:ext cx="1374840" cy="323280"/>
           </a:xfrm>
           <a:prstGeom prst="rect">
             <a:avLst/>
@@ -18195,7 +18320,7 @@
         <p:spPr>
           <a:xfrm>
             <a:off x="1903320" y="3232080"/>
-            <a:ext cx="10096200" cy="323640"/>
+            <a:ext cx="10095840" cy="323280"/>
           </a:xfrm>
           <a:prstGeom prst="rect">
             <a:avLst/>
@@ -18264,7 +18389,7 @@
         <p:spPr>
           <a:xfrm>
             <a:off x="192240" y="3694680"/>
-            <a:ext cx="1375200" cy="323640"/>
+            <a:ext cx="1374840" cy="323280"/>
           </a:xfrm>
           <a:prstGeom prst="rect">
             <a:avLst/>
@@ -18333,7 +18458,7 @@
         <p:spPr>
           <a:xfrm>
             <a:off x="1903320" y="3694680"/>
-            <a:ext cx="10096200" cy="791640"/>
+            <a:ext cx="10095840" cy="791280"/>
           </a:xfrm>
           <a:prstGeom prst="rect">
             <a:avLst/>
@@ -18402,7 +18527,7 @@
         <p:spPr>
           <a:xfrm>
             <a:off x="192240" y="4625640"/>
-            <a:ext cx="5744880" cy="323640"/>
+            <a:ext cx="5744520" cy="323280"/>
           </a:xfrm>
           <a:prstGeom prst="rect">
             <a:avLst/>
@@ -18482,7 +18607,7 @@
         <p:spPr>
           <a:xfrm>
             <a:off x="6254640" y="4622760"/>
-            <a:ext cx="5744880" cy="323640"/>
+            <a:ext cx="5744520" cy="323280"/>
           </a:xfrm>
           <a:prstGeom prst="rect">
             <a:avLst/>
@@ -18562,7 +18687,7 @@
         <p:spPr>
           <a:xfrm>
             <a:off x="192240" y="5088240"/>
-            <a:ext cx="5744880" cy="323640"/>
+            <a:ext cx="5744520" cy="323280"/>
           </a:xfrm>
           <a:prstGeom prst="rect">
             <a:avLst/>
@@ -18642,7 +18767,7 @@
         <p:spPr>
           <a:xfrm>
             <a:off x="6254640" y="5086440"/>
-            <a:ext cx="5744880" cy="323640"/>
+            <a:ext cx="5744520" cy="323280"/>
           </a:xfrm>
           <a:prstGeom prst="rect">
             <a:avLst/>
@@ -18722,7 +18847,7 @@
         <p:spPr>
           <a:xfrm>
             <a:off x="192240" y="5550840"/>
-            <a:ext cx="5744880" cy="323640"/>
+            <a:ext cx="5744520" cy="323280"/>
           </a:xfrm>
           <a:prstGeom prst="rect">
             <a:avLst/>
@@ -18802,7 +18927,7 @@
         <p:spPr>
           <a:xfrm>
             <a:off x="192240" y="6021360"/>
-            <a:ext cx="5744880" cy="323640"/>
+            <a:ext cx="5744520" cy="323280"/>
           </a:xfrm>
           <a:prstGeom prst="rect">
             <a:avLst/>
@@ -18927,7 +19052,7 @@
         <p:spPr>
           <a:xfrm>
             <a:off x="1343160" y="152280"/>
-            <a:ext cx="10656360" cy="468000"/>
+            <a:ext cx="10656000" cy="467640"/>
           </a:xfrm>
           <a:prstGeom prst="rect">
             <a:avLst/>
@@ -18947,6 +19072,9 @@
                 <a:spcPct val="90000"/>
               </a:lnSpc>
               <a:buNone/>
+              <a:tabLst>
+                <a:tab algn="l" pos="0"/>
+              </a:tabLst>
             </a:pPr>
             <a:r>
               <a:rPr b="1" lang="en-US" sz="2800" strike="noStrike" u="none">
@@ -18962,7 +19090,7 @@
             </a:r>
             <a:endParaRPr b="0" lang="de-DE" sz="2800" strike="noStrike" u="none">
               <a:solidFill>
-                <a:schemeClr val="dk1"/>
+                <a:srgbClr val="000000"/>
               </a:solidFill>
               <a:effectLst/>
               <a:uFillTx/>
@@ -18980,7 +19108,7 @@
         <p:spPr>
           <a:xfrm>
             <a:off x="192240" y="907920"/>
-            <a:ext cx="3319200" cy="323640"/>
+            <a:ext cx="3318840" cy="323280"/>
           </a:xfrm>
           <a:prstGeom prst="rect">
             <a:avLst/>
@@ -19049,7 +19177,7 @@
         <p:spPr>
           <a:xfrm>
             <a:off x="4277520" y="910800"/>
-            <a:ext cx="3319200" cy="323640"/>
+            <a:ext cx="3318840" cy="323280"/>
           </a:xfrm>
           <a:prstGeom prst="rect">
             <a:avLst/>
@@ -19118,7 +19246,7 @@
         <p:spPr>
           <a:xfrm>
             <a:off x="8680320" y="907920"/>
-            <a:ext cx="3319200" cy="323640"/>
+            <a:ext cx="3318840" cy="323280"/>
           </a:xfrm>
           <a:prstGeom prst="rect">
             <a:avLst/>
@@ -19187,7 +19315,7 @@
         <p:spPr>
           <a:xfrm>
             <a:off x="192240" y="1370520"/>
-            <a:ext cx="1374840" cy="323640"/>
+            <a:ext cx="1374480" cy="323280"/>
           </a:xfrm>
           <a:prstGeom prst="rect">
             <a:avLst/>
@@ -19256,7 +19384,7 @@
         <p:spPr>
           <a:xfrm>
             <a:off x="1903320" y="1370520"/>
-            <a:ext cx="10097640" cy="791640"/>
+            <a:ext cx="10097280" cy="791280"/>
           </a:xfrm>
           <a:prstGeom prst="rect">
             <a:avLst/>
@@ -19325,7 +19453,7 @@
         <p:spPr>
           <a:xfrm>
             <a:off x="192240" y="2301480"/>
-            <a:ext cx="1374840" cy="323640"/>
+            <a:ext cx="1374480" cy="323280"/>
           </a:xfrm>
           <a:prstGeom prst="rect">
             <a:avLst/>
@@ -19394,7 +19522,7 @@
         <p:spPr>
           <a:xfrm>
             <a:off x="1903320" y="2301480"/>
-            <a:ext cx="10097640" cy="791640"/>
+            <a:ext cx="10097280" cy="791280"/>
           </a:xfrm>
           <a:prstGeom prst="rect">
             <a:avLst/>
@@ -19463,7 +19591,7 @@
         <p:spPr>
           <a:xfrm>
             <a:off x="192240" y="3232080"/>
-            <a:ext cx="1374840" cy="323640"/>
+            <a:ext cx="1374480" cy="323280"/>
           </a:xfrm>
           <a:prstGeom prst="rect">
             <a:avLst/>
@@ -19532,7 +19660,7 @@
         <p:spPr>
           <a:xfrm>
             <a:off x="1903320" y="3232080"/>
-            <a:ext cx="10097640" cy="323640"/>
+            <a:ext cx="10097280" cy="323280"/>
           </a:xfrm>
           <a:prstGeom prst="rect">
             <a:avLst/>
@@ -19601,7 +19729,7 @@
         <p:spPr>
           <a:xfrm>
             <a:off x="192240" y="3694680"/>
-            <a:ext cx="1374840" cy="323640"/>
+            <a:ext cx="1374480" cy="323280"/>
           </a:xfrm>
           <a:prstGeom prst="rect">
             <a:avLst/>
@@ -19670,7 +19798,7 @@
         <p:spPr>
           <a:xfrm>
             <a:off x="1903320" y="3694680"/>
-            <a:ext cx="10097640" cy="791640"/>
+            <a:ext cx="10097280" cy="791280"/>
           </a:xfrm>
           <a:prstGeom prst="rect">
             <a:avLst/>
@@ -19769,7 +19897,7 @@
         <p:spPr>
           <a:xfrm>
             <a:off x="192240" y="4625640"/>
-            <a:ext cx="5744880" cy="323640"/>
+            <a:ext cx="5744520" cy="323280"/>
           </a:xfrm>
           <a:prstGeom prst="rect">
             <a:avLst/>
@@ -19849,7 +19977,7 @@
         <p:spPr>
           <a:xfrm>
             <a:off x="6254640" y="4622760"/>
-            <a:ext cx="5744880" cy="323640"/>
+            <a:ext cx="5744520" cy="323280"/>
           </a:xfrm>
           <a:prstGeom prst="rect">
             <a:avLst/>
@@ -19929,7 +20057,7 @@
         <p:spPr>
           <a:xfrm>
             <a:off x="192240" y="5088240"/>
-            <a:ext cx="5744880" cy="323640"/>
+            <a:ext cx="5744520" cy="323280"/>
           </a:xfrm>
           <a:prstGeom prst="rect">
             <a:avLst/>
@@ -20009,7 +20137,7 @@
         <p:spPr>
           <a:xfrm>
             <a:off x="6254640" y="5086440"/>
-            <a:ext cx="5744880" cy="323640"/>
+            <a:ext cx="5744520" cy="323280"/>
           </a:xfrm>
           <a:prstGeom prst="rect">
             <a:avLst/>
@@ -20089,7 +20217,7 @@
         <p:spPr>
           <a:xfrm>
             <a:off x="192240" y="5550840"/>
-            <a:ext cx="5744880" cy="323640"/>
+            <a:ext cx="5744520" cy="323280"/>
           </a:xfrm>
           <a:prstGeom prst="rect">
             <a:avLst/>
@@ -20169,7 +20297,7 @@
         <p:spPr>
           <a:xfrm>
             <a:off x="192240" y="6013440"/>
-            <a:ext cx="5744880" cy="323640"/>
+            <a:ext cx="5744520" cy="323280"/>
           </a:xfrm>
           <a:prstGeom prst="rect">
             <a:avLst/>
@@ -20283,7 +20411,7 @@
         <p:spPr>
           <a:xfrm>
             <a:off x="1343160" y="152280"/>
-            <a:ext cx="10656360" cy="468000"/>
+            <a:ext cx="10656000" cy="467640"/>
           </a:xfrm>
           <a:prstGeom prst="rect">
             <a:avLst/>
@@ -20303,6 +20431,9 @@
                 <a:spcPct val="90000"/>
               </a:lnSpc>
               <a:buNone/>
+              <a:tabLst>
+                <a:tab algn="l" pos="0"/>
+              </a:tabLst>
             </a:pPr>
             <a:r>
               <a:rPr b="1" lang="en-US" sz="2800" strike="noStrike" u="none">
@@ -20318,7 +20449,7 @@
             </a:r>
             <a:endParaRPr b="0" lang="de-DE" sz="2800" strike="noStrike" u="none">
               <a:solidFill>
-                <a:schemeClr val="dk1"/>
+                <a:srgbClr val="000000"/>
               </a:solidFill>
               <a:effectLst/>
               <a:uFillTx/>
@@ -20336,7 +20467,7 @@
         <p:spPr>
           <a:xfrm>
             <a:off x="192240" y="907920"/>
-            <a:ext cx="3319200" cy="323640"/>
+            <a:ext cx="3318840" cy="323280"/>
           </a:xfrm>
           <a:prstGeom prst="rect">
             <a:avLst/>
@@ -20405,7 +20536,7 @@
         <p:spPr>
           <a:xfrm>
             <a:off x="4277520" y="910800"/>
-            <a:ext cx="3319200" cy="323640"/>
+            <a:ext cx="3318840" cy="323280"/>
           </a:xfrm>
           <a:prstGeom prst="rect">
             <a:avLst/>
@@ -20474,7 +20605,7 @@
         <p:spPr>
           <a:xfrm>
             <a:off x="8680320" y="907920"/>
-            <a:ext cx="3319200" cy="323640"/>
+            <a:ext cx="3318840" cy="323280"/>
           </a:xfrm>
           <a:prstGeom prst="rect">
             <a:avLst/>
@@ -20543,7 +20674,7 @@
         <p:spPr>
           <a:xfrm>
             <a:off x="192240" y="1370520"/>
-            <a:ext cx="1374840" cy="323640"/>
+            <a:ext cx="1374480" cy="323280"/>
           </a:xfrm>
           <a:prstGeom prst="rect">
             <a:avLst/>
@@ -20612,7 +20743,7 @@
         <p:spPr>
           <a:xfrm>
             <a:off x="1903320" y="1370520"/>
-            <a:ext cx="10097640" cy="791640"/>
+            <a:ext cx="10097280" cy="791280"/>
           </a:xfrm>
           <a:prstGeom prst="rect">
             <a:avLst/>
@@ -20681,7 +20812,7 @@
         <p:spPr>
           <a:xfrm>
             <a:off x="192240" y="2301480"/>
-            <a:ext cx="1374840" cy="323640"/>
+            <a:ext cx="1374480" cy="323280"/>
           </a:xfrm>
           <a:prstGeom prst="rect">
             <a:avLst/>
@@ -20750,7 +20881,7 @@
         <p:spPr>
           <a:xfrm>
             <a:off x="1903320" y="2301480"/>
-            <a:ext cx="10097640" cy="791640"/>
+            <a:ext cx="10097280" cy="791280"/>
           </a:xfrm>
           <a:prstGeom prst="rect">
             <a:avLst/>
@@ -20819,7 +20950,7 @@
         <p:spPr>
           <a:xfrm>
             <a:off x="192240" y="3232080"/>
-            <a:ext cx="1374840" cy="323640"/>
+            <a:ext cx="1374480" cy="323280"/>
           </a:xfrm>
           <a:prstGeom prst="rect">
             <a:avLst/>
@@ -20888,7 +21019,7 @@
         <p:spPr>
           <a:xfrm>
             <a:off x="1903320" y="3232080"/>
-            <a:ext cx="10097640" cy="323640"/>
+            <a:ext cx="10097280" cy="323280"/>
           </a:xfrm>
           <a:prstGeom prst="rect">
             <a:avLst/>
@@ -20957,7 +21088,7 @@
         <p:spPr>
           <a:xfrm>
             <a:off x="192240" y="3694680"/>
-            <a:ext cx="1374840" cy="323640"/>
+            <a:ext cx="1374480" cy="323280"/>
           </a:xfrm>
           <a:prstGeom prst="rect">
             <a:avLst/>
@@ -21026,7 +21157,7 @@
         <p:spPr>
           <a:xfrm>
             <a:off x="1903320" y="3694680"/>
-            <a:ext cx="10097640" cy="791640"/>
+            <a:ext cx="10097280" cy="791280"/>
           </a:xfrm>
           <a:prstGeom prst="rect">
             <a:avLst/>
@@ -21125,7 +21256,7 @@
         <p:spPr>
           <a:xfrm>
             <a:off x="192240" y="4625640"/>
-            <a:ext cx="5744880" cy="323640"/>
+            <a:ext cx="5744520" cy="323280"/>
           </a:xfrm>
           <a:prstGeom prst="rect">
             <a:avLst/>
@@ -21205,7 +21336,7 @@
         <p:spPr>
           <a:xfrm>
             <a:off x="6254640" y="4622760"/>
-            <a:ext cx="5744880" cy="323640"/>
+            <a:ext cx="5744520" cy="323280"/>
           </a:xfrm>
           <a:prstGeom prst="rect">
             <a:avLst/>
@@ -21285,7 +21416,7 @@
         <p:spPr>
           <a:xfrm>
             <a:off x="192240" y="5088240"/>
-            <a:ext cx="5744880" cy="323640"/>
+            <a:ext cx="5744520" cy="323280"/>
           </a:xfrm>
           <a:prstGeom prst="rect">
             <a:avLst/>
@@ -21365,7 +21496,7 @@
         <p:spPr>
           <a:xfrm>
             <a:off x="6254640" y="5086440"/>
-            <a:ext cx="5744880" cy="323640"/>
+            <a:ext cx="5744520" cy="323280"/>
           </a:xfrm>
           <a:prstGeom prst="rect">
             <a:avLst/>
@@ -21445,7 +21576,7 @@
         <p:spPr>
           <a:xfrm>
             <a:off x="192240" y="5550840"/>
-            <a:ext cx="5744880" cy="323640"/>
+            <a:ext cx="5744520" cy="323280"/>
           </a:xfrm>
           <a:prstGeom prst="rect">
             <a:avLst/>
@@ -21525,7 +21656,7 @@
         <p:spPr>
           <a:xfrm>
             <a:off x="192240" y="6013440"/>
-            <a:ext cx="5744880" cy="323640"/>
+            <a:ext cx="5744520" cy="323280"/>
           </a:xfrm>
           <a:prstGeom prst="rect">
             <a:avLst/>
@@ -21639,7 +21770,7 @@
         <p:spPr>
           <a:xfrm>
             <a:off x="1343160" y="152280"/>
-            <a:ext cx="10656360" cy="468000"/>
+            <a:ext cx="10656000" cy="467640"/>
           </a:xfrm>
           <a:prstGeom prst="rect">
             <a:avLst/>
@@ -21659,6 +21790,9 @@
                 <a:spcPct val="90000"/>
               </a:lnSpc>
               <a:buNone/>
+              <a:tabLst>
+                <a:tab algn="l" pos="0"/>
+              </a:tabLst>
             </a:pPr>
             <a:r>
               <a:rPr b="1" lang="en-US" sz="2800" strike="noStrike" u="none">
@@ -21674,7 +21808,7 @@
             </a:r>
             <a:endParaRPr b="0" lang="de-DE" sz="2800" strike="noStrike" u="none">
               <a:solidFill>
-                <a:schemeClr val="dk1"/>
+                <a:srgbClr val="000000"/>
               </a:solidFill>
               <a:effectLst/>
               <a:uFillTx/>
@@ -21692,7 +21826,7 @@
         <p:spPr>
           <a:xfrm>
             <a:off x="192240" y="907920"/>
-            <a:ext cx="3319200" cy="323640"/>
+            <a:ext cx="3318840" cy="323280"/>
           </a:xfrm>
           <a:prstGeom prst="rect">
             <a:avLst/>
@@ -21761,7 +21895,7 @@
         <p:spPr>
           <a:xfrm>
             <a:off x="4277520" y="910800"/>
-            <a:ext cx="3319200" cy="323640"/>
+            <a:ext cx="3318840" cy="323280"/>
           </a:xfrm>
           <a:prstGeom prst="rect">
             <a:avLst/>
@@ -21830,7 +21964,7 @@
         <p:spPr>
           <a:xfrm>
             <a:off x="8680320" y="907920"/>
-            <a:ext cx="3319200" cy="323640"/>
+            <a:ext cx="3318840" cy="323280"/>
           </a:xfrm>
           <a:prstGeom prst="rect">
             <a:avLst/>
@@ -21899,7 +22033,7 @@
         <p:spPr>
           <a:xfrm>
             <a:off x="192240" y="1370520"/>
-            <a:ext cx="1374840" cy="323640"/>
+            <a:ext cx="1374480" cy="323280"/>
           </a:xfrm>
           <a:prstGeom prst="rect">
             <a:avLst/>
@@ -21968,7 +22102,7 @@
         <p:spPr>
           <a:xfrm>
             <a:off x="1903320" y="1370520"/>
-            <a:ext cx="10097640" cy="791640"/>
+            <a:ext cx="10097280" cy="791280"/>
           </a:xfrm>
           <a:prstGeom prst="rect">
             <a:avLst/>
@@ -22037,7 +22171,7 @@
         <p:spPr>
           <a:xfrm>
             <a:off x="192240" y="2301480"/>
-            <a:ext cx="1374840" cy="323640"/>
+            <a:ext cx="1374480" cy="323280"/>
           </a:xfrm>
           <a:prstGeom prst="rect">
             <a:avLst/>
@@ -22106,7 +22240,7 @@
         <p:spPr>
           <a:xfrm>
             <a:off x="1903320" y="2301480"/>
-            <a:ext cx="10097640" cy="791640"/>
+            <a:ext cx="10097280" cy="791280"/>
           </a:xfrm>
           <a:prstGeom prst="rect">
             <a:avLst/>
@@ -22175,7 +22309,7 @@
         <p:spPr>
           <a:xfrm>
             <a:off x="192240" y="3232080"/>
-            <a:ext cx="1374840" cy="323640"/>
+            <a:ext cx="1374480" cy="323280"/>
           </a:xfrm>
           <a:prstGeom prst="rect">
             <a:avLst/>
@@ -22244,7 +22378,7 @@
         <p:spPr>
           <a:xfrm>
             <a:off x="1903320" y="3232080"/>
-            <a:ext cx="10097640" cy="323640"/>
+            <a:ext cx="10097280" cy="323280"/>
           </a:xfrm>
           <a:prstGeom prst="rect">
             <a:avLst/>
@@ -22338,7 +22472,7 @@
         <p:spPr>
           <a:xfrm>
             <a:off x="192240" y="3694680"/>
-            <a:ext cx="1374840" cy="323640"/>
+            <a:ext cx="1374480" cy="323280"/>
           </a:xfrm>
           <a:prstGeom prst="rect">
             <a:avLst/>
@@ -22407,7 +22541,7 @@
         <p:spPr>
           <a:xfrm>
             <a:off x="1903320" y="3694680"/>
-            <a:ext cx="10097640" cy="791640"/>
+            <a:ext cx="10097280" cy="791280"/>
           </a:xfrm>
           <a:prstGeom prst="rect">
             <a:avLst/>
@@ -22556,7 +22690,7 @@
         <p:spPr>
           <a:xfrm>
             <a:off x="192240" y="4625640"/>
-            <a:ext cx="5744880" cy="323640"/>
+            <a:ext cx="5744520" cy="323280"/>
           </a:xfrm>
           <a:prstGeom prst="rect">
             <a:avLst/>
@@ -22636,7 +22770,7 @@
         <p:spPr>
           <a:xfrm>
             <a:off x="6254640" y="4622760"/>
-            <a:ext cx="5744880" cy="323640"/>
+            <a:ext cx="5744520" cy="323280"/>
           </a:xfrm>
           <a:prstGeom prst="rect">
             <a:avLst/>
@@ -22716,7 +22850,7 @@
         <p:spPr>
           <a:xfrm>
             <a:off x="192240" y="5088240"/>
-            <a:ext cx="5744880" cy="323640"/>
+            <a:ext cx="5744520" cy="323280"/>
           </a:xfrm>
           <a:prstGeom prst="rect">
             <a:avLst/>
@@ -22796,7 +22930,7 @@
         <p:spPr>
           <a:xfrm>
             <a:off x="6254640" y="5086440"/>
-            <a:ext cx="5744880" cy="323640"/>
+            <a:ext cx="5744520" cy="323280"/>
           </a:xfrm>
           <a:prstGeom prst="rect">
             <a:avLst/>
@@ -22876,7 +23010,7 @@
         <p:spPr>
           <a:xfrm>
             <a:off x="192240" y="5550840"/>
-            <a:ext cx="5744880" cy="323640"/>
+            <a:ext cx="5744520" cy="323280"/>
           </a:xfrm>
           <a:prstGeom prst="rect">
             <a:avLst/>
@@ -22956,7 +23090,7 @@
         <p:spPr>
           <a:xfrm>
             <a:off x="192240" y="6013440"/>
-            <a:ext cx="5744880" cy="323640"/>
+            <a:ext cx="5744520" cy="323280"/>
           </a:xfrm>
           <a:prstGeom prst="rect">
             <a:avLst/>
